--- a/虚拟货币跨交易所高频交易系统.pptx
+++ b/虚拟货币跨交易所高频交易系统.pptx
@@ -4,6 +4,9 @@
   <p:sldMasterIdLst>
     <p:sldMasterId id="2147483648" r:id="rId1"/>
   </p:sldMasterIdLst>
+  <p:notesMasterIdLst>
+    <p:notesMasterId r:id="rId35"/>
+  </p:notesMasterIdLst>
   <p:sldIdLst>
     <p:sldId id="256" r:id="rId2"/>
     <p:sldId id="258" r:id="rId3"/>
@@ -142,6 +145,443 @@
     </p:ext>
   </p:extLst>
 </p:presentation>
+</file>
+
+<file path=ppt/notesMasters/notesMaster1.xml><?xml version="1.0" encoding="utf-8"?>
+<p:notesMaster xmlns:a="http://schemas.openxmlformats.org/drawingml/2006/main" xmlns:r="http://schemas.openxmlformats.org/officeDocument/2006/relationships" xmlns:p="http://schemas.openxmlformats.org/presentationml/2006/main">
+  <p:cSld>
+    <p:bg>
+      <p:bgRef idx="1001">
+        <a:schemeClr val="bg1"/>
+      </p:bgRef>
+    </p:bg>
+    <p:spTree>
+      <p:nvGrpSpPr>
+        <p:cNvPr id="1" name=""/>
+        <p:cNvGrpSpPr/>
+        <p:nvPr/>
+      </p:nvGrpSpPr>
+      <p:grpSpPr>
+        <a:xfrm>
+          <a:off x="0" y="0"/>
+          <a:ext cx="0" cy="0"/>
+          <a:chOff x="0" y="0"/>
+          <a:chExt cx="0" cy="0"/>
+        </a:xfrm>
+      </p:grpSpPr>
+      <p:sp>
+        <p:nvSpPr>
+          <p:cNvPr id="2" name="页眉占位符 1"/>
+          <p:cNvSpPr>
+            <a:spLocks noGrp="1"/>
+          </p:cNvSpPr>
+          <p:nvPr>
+            <p:ph type="hdr" sz="quarter"/>
+          </p:nvPr>
+        </p:nvSpPr>
+        <p:spPr>
+          <a:xfrm>
+            <a:off x="0" y="0"/>
+            <a:ext cx="2971800" cy="458788"/>
+          </a:xfrm>
+          <a:prstGeom prst="rect">
+            <a:avLst/>
+          </a:prstGeom>
+        </p:spPr>
+        <p:txBody>
+          <a:bodyPr vert="horz" lIns="91440" tIns="45720" rIns="91440" bIns="45720" rtlCol="0"/>
+          <a:lstStyle>
+            <a:lvl1pPr algn="l">
+              <a:defRPr sz="1200"/>
+            </a:lvl1pPr>
+          </a:lstStyle>
+          <a:p>
+            <a:endParaRPr lang="zh-CN" altLang="en-US"/>
+          </a:p>
+        </p:txBody>
+      </p:sp>
+      <p:sp>
+        <p:nvSpPr>
+          <p:cNvPr id="3" name="日期占位符 2"/>
+          <p:cNvSpPr>
+            <a:spLocks noGrp="1"/>
+          </p:cNvSpPr>
+          <p:nvPr>
+            <p:ph type="dt" idx="1"/>
+          </p:nvPr>
+        </p:nvSpPr>
+        <p:spPr>
+          <a:xfrm>
+            <a:off x="3884613" y="0"/>
+            <a:ext cx="2971800" cy="458788"/>
+          </a:xfrm>
+          <a:prstGeom prst="rect">
+            <a:avLst/>
+          </a:prstGeom>
+        </p:spPr>
+        <p:txBody>
+          <a:bodyPr vert="horz" lIns="91440" tIns="45720" rIns="91440" bIns="45720" rtlCol="0"/>
+          <a:lstStyle>
+            <a:lvl1pPr algn="r">
+              <a:defRPr sz="1200"/>
+            </a:lvl1pPr>
+          </a:lstStyle>
+          <a:p>
+            <a:fld id="{417D31D6-FBA1-4FDB-ADB6-CE4DC9676742}" type="datetimeFigureOut">
+              <a:rPr lang="zh-CN" altLang="en-US" smtClean="0"/>
+              <a:t>2018/10/15</a:t>
+            </a:fld>
+            <a:endParaRPr lang="zh-CN" altLang="en-US"/>
+          </a:p>
+        </p:txBody>
+      </p:sp>
+      <p:sp>
+        <p:nvSpPr>
+          <p:cNvPr id="4" name="幻灯片图像占位符 3"/>
+          <p:cNvSpPr>
+            <a:spLocks noGrp="1" noRot="1" noChangeAspect="1"/>
+          </p:cNvSpPr>
+          <p:nvPr>
+            <p:ph type="sldImg" idx="2"/>
+          </p:nvPr>
+        </p:nvSpPr>
+        <p:spPr>
+          <a:xfrm>
+            <a:off x="685800" y="1143000"/>
+            <a:ext cx="5486400" cy="3086100"/>
+          </a:xfrm>
+          <a:prstGeom prst="rect">
+            <a:avLst/>
+          </a:prstGeom>
+          <a:noFill/>
+          <a:ln w="12700">
+            <a:solidFill>
+              <a:prstClr val="black"/>
+            </a:solidFill>
+          </a:ln>
+        </p:spPr>
+        <p:txBody>
+          <a:bodyPr vert="horz" lIns="91440" tIns="45720" rIns="91440" bIns="45720" rtlCol="0" anchor="ctr"/>
+          <a:lstStyle/>
+          <a:p>
+            <a:endParaRPr lang="zh-CN" altLang="en-US"/>
+          </a:p>
+        </p:txBody>
+      </p:sp>
+      <p:sp>
+        <p:nvSpPr>
+          <p:cNvPr id="5" name="备注占位符 4"/>
+          <p:cNvSpPr>
+            <a:spLocks noGrp="1"/>
+          </p:cNvSpPr>
+          <p:nvPr>
+            <p:ph type="body" sz="quarter" idx="3"/>
+          </p:nvPr>
+        </p:nvSpPr>
+        <p:spPr>
+          <a:xfrm>
+            <a:off x="685800" y="4400550"/>
+            <a:ext cx="5486400" cy="3600450"/>
+          </a:xfrm>
+          <a:prstGeom prst="rect">
+            <a:avLst/>
+          </a:prstGeom>
+        </p:spPr>
+        <p:txBody>
+          <a:bodyPr vert="horz" lIns="91440" tIns="45720" rIns="91440" bIns="45720" rtlCol="0"/>
+          <a:lstStyle/>
+          <a:p>
+            <a:pPr lvl="0"/>
+            <a:r>
+              <a:rPr lang="zh-CN" altLang="en-US"/>
+              <a:t>编辑母版文本样式</a:t>
+            </a:r>
+          </a:p>
+          <a:p>
+            <a:pPr lvl="1"/>
+            <a:r>
+              <a:rPr lang="zh-CN" altLang="en-US"/>
+              <a:t>第二级</a:t>
+            </a:r>
+          </a:p>
+          <a:p>
+            <a:pPr lvl="2"/>
+            <a:r>
+              <a:rPr lang="zh-CN" altLang="en-US"/>
+              <a:t>第三级</a:t>
+            </a:r>
+          </a:p>
+          <a:p>
+            <a:pPr lvl="3"/>
+            <a:r>
+              <a:rPr lang="zh-CN" altLang="en-US"/>
+              <a:t>第四级</a:t>
+            </a:r>
+          </a:p>
+          <a:p>
+            <a:pPr lvl="4"/>
+            <a:r>
+              <a:rPr lang="zh-CN" altLang="en-US"/>
+              <a:t>第五级</a:t>
+            </a:r>
+          </a:p>
+        </p:txBody>
+      </p:sp>
+      <p:sp>
+        <p:nvSpPr>
+          <p:cNvPr id="6" name="页脚占位符 5"/>
+          <p:cNvSpPr>
+            <a:spLocks noGrp="1"/>
+          </p:cNvSpPr>
+          <p:nvPr>
+            <p:ph type="ftr" sz="quarter" idx="4"/>
+          </p:nvPr>
+        </p:nvSpPr>
+        <p:spPr>
+          <a:xfrm>
+            <a:off x="0" y="8685213"/>
+            <a:ext cx="2971800" cy="458787"/>
+          </a:xfrm>
+          <a:prstGeom prst="rect">
+            <a:avLst/>
+          </a:prstGeom>
+        </p:spPr>
+        <p:txBody>
+          <a:bodyPr vert="horz" lIns="91440" tIns="45720" rIns="91440" bIns="45720" rtlCol="0" anchor="b"/>
+          <a:lstStyle>
+            <a:lvl1pPr algn="l">
+              <a:defRPr sz="1200"/>
+            </a:lvl1pPr>
+          </a:lstStyle>
+          <a:p>
+            <a:endParaRPr lang="zh-CN" altLang="en-US"/>
+          </a:p>
+        </p:txBody>
+      </p:sp>
+      <p:sp>
+        <p:nvSpPr>
+          <p:cNvPr id="7" name="灯片编号占位符 6"/>
+          <p:cNvSpPr>
+            <a:spLocks noGrp="1"/>
+          </p:cNvSpPr>
+          <p:nvPr>
+            <p:ph type="sldNum" sz="quarter" idx="5"/>
+          </p:nvPr>
+        </p:nvSpPr>
+        <p:spPr>
+          <a:xfrm>
+            <a:off x="3884613" y="8685213"/>
+            <a:ext cx="2971800" cy="458787"/>
+          </a:xfrm>
+          <a:prstGeom prst="rect">
+            <a:avLst/>
+          </a:prstGeom>
+        </p:spPr>
+        <p:txBody>
+          <a:bodyPr vert="horz" lIns="91440" tIns="45720" rIns="91440" bIns="45720" rtlCol="0" anchor="b"/>
+          <a:lstStyle>
+            <a:lvl1pPr algn="r">
+              <a:defRPr sz="1200"/>
+            </a:lvl1pPr>
+          </a:lstStyle>
+          <a:p>
+            <a:fld id="{BE3E1770-8C4D-4E6B-9395-6A6C81087536}" type="slidenum">
+              <a:rPr lang="zh-CN" altLang="en-US" smtClean="0"/>
+              <a:t>‹#›</a:t>
+            </a:fld>
+            <a:endParaRPr lang="zh-CN" altLang="en-US"/>
+          </a:p>
+        </p:txBody>
+      </p:sp>
+    </p:spTree>
+    <p:extLst>
+      <p:ext uri="{BB962C8B-B14F-4D97-AF65-F5344CB8AC3E}">
+        <p14:creationId xmlns:p14="http://schemas.microsoft.com/office/powerpoint/2010/main" val="1177627610"/>
+      </p:ext>
+    </p:extLst>
+  </p:cSld>
+  <p:clrMap bg1="lt1" tx1="dk1" bg2="lt2" tx2="dk2" accent1="accent1" accent2="accent2" accent3="accent3" accent4="accent4" accent5="accent5" accent6="accent6" hlink="hlink" folHlink="folHlink"/>
+  <p:notesStyle>
+    <a:lvl1pPr marL="0" algn="l" defTabSz="914400" rtl="0" eaLnBrk="1" latinLnBrk="0" hangingPunct="1">
+      <a:defRPr sz="1200" kern="1200">
+        <a:solidFill>
+          <a:schemeClr val="tx1"/>
+        </a:solidFill>
+        <a:latin typeface="+mn-lt"/>
+        <a:ea typeface="+mn-ea"/>
+        <a:cs typeface="+mn-cs"/>
+      </a:defRPr>
+    </a:lvl1pPr>
+    <a:lvl2pPr marL="457200" algn="l" defTabSz="914400" rtl="0" eaLnBrk="1" latinLnBrk="0" hangingPunct="1">
+      <a:defRPr sz="1200" kern="1200">
+        <a:solidFill>
+          <a:schemeClr val="tx1"/>
+        </a:solidFill>
+        <a:latin typeface="+mn-lt"/>
+        <a:ea typeface="+mn-ea"/>
+        <a:cs typeface="+mn-cs"/>
+      </a:defRPr>
+    </a:lvl2pPr>
+    <a:lvl3pPr marL="914400" algn="l" defTabSz="914400" rtl="0" eaLnBrk="1" latinLnBrk="0" hangingPunct="1">
+      <a:defRPr sz="1200" kern="1200">
+        <a:solidFill>
+          <a:schemeClr val="tx1"/>
+        </a:solidFill>
+        <a:latin typeface="+mn-lt"/>
+        <a:ea typeface="+mn-ea"/>
+        <a:cs typeface="+mn-cs"/>
+      </a:defRPr>
+    </a:lvl3pPr>
+    <a:lvl4pPr marL="1371600" algn="l" defTabSz="914400" rtl="0" eaLnBrk="1" latinLnBrk="0" hangingPunct="1">
+      <a:defRPr sz="1200" kern="1200">
+        <a:solidFill>
+          <a:schemeClr val="tx1"/>
+        </a:solidFill>
+        <a:latin typeface="+mn-lt"/>
+        <a:ea typeface="+mn-ea"/>
+        <a:cs typeface="+mn-cs"/>
+      </a:defRPr>
+    </a:lvl4pPr>
+    <a:lvl5pPr marL="1828800" algn="l" defTabSz="914400" rtl="0" eaLnBrk="1" latinLnBrk="0" hangingPunct="1">
+      <a:defRPr sz="1200" kern="1200">
+        <a:solidFill>
+          <a:schemeClr val="tx1"/>
+        </a:solidFill>
+        <a:latin typeface="+mn-lt"/>
+        <a:ea typeface="+mn-ea"/>
+        <a:cs typeface="+mn-cs"/>
+      </a:defRPr>
+    </a:lvl5pPr>
+    <a:lvl6pPr marL="2286000" algn="l" defTabSz="914400" rtl="0" eaLnBrk="1" latinLnBrk="0" hangingPunct="1">
+      <a:defRPr sz="1200" kern="1200">
+        <a:solidFill>
+          <a:schemeClr val="tx1"/>
+        </a:solidFill>
+        <a:latin typeface="+mn-lt"/>
+        <a:ea typeface="+mn-ea"/>
+        <a:cs typeface="+mn-cs"/>
+      </a:defRPr>
+    </a:lvl6pPr>
+    <a:lvl7pPr marL="2743200" algn="l" defTabSz="914400" rtl="0" eaLnBrk="1" latinLnBrk="0" hangingPunct="1">
+      <a:defRPr sz="1200" kern="1200">
+        <a:solidFill>
+          <a:schemeClr val="tx1"/>
+        </a:solidFill>
+        <a:latin typeface="+mn-lt"/>
+        <a:ea typeface="+mn-ea"/>
+        <a:cs typeface="+mn-cs"/>
+      </a:defRPr>
+    </a:lvl7pPr>
+    <a:lvl8pPr marL="3200400" algn="l" defTabSz="914400" rtl="0" eaLnBrk="1" latinLnBrk="0" hangingPunct="1">
+      <a:defRPr sz="1200" kern="1200">
+        <a:solidFill>
+          <a:schemeClr val="tx1"/>
+        </a:solidFill>
+        <a:latin typeface="+mn-lt"/>
+        <a:ea typeface="+mn-ea"/>
+        <a:cs typeface="+mn-cs"/>
+      </a:defRPr>
+    </a:lvl8pPr>
+    <a:lvl9pPr marL="3657600" algn="l" defTabSz="914400" rtl="0" eaLnBrk="1" latinLnBrk="0" hangingPunct="1">
+      <a:defRPr sz="1200" kern="1200">
+        <a:solidFill>
+          <a:schemeClr val="tx1"/>
+        </a:solidFill>
+        <a:latin typeface="+mn-lt"/>
+        <a:ea typeface="+mn-ea"/>
+        <a:cs typeface="+mn-cs"/>
+      </a:defRPr>
+    </a:lvl9pPr>
+  </p:notesStyle>
+</p:notesMaster>
+</file>
+
+<file path=ppt/notesSlides/notesSlide1.xml><?xml version="1.0" encoding="utf-8"?>
+<p:notes xmlns:a="http://schemas.openxmlformats.org/drawingml/2006/main" xmlns:r="http://schemas.openxmlformats.org/officeDocument/2006/relationships" xmlns:p="http://schemas.openxmlformats.org/presentationml/2006/main">
+  <p:cSld>
+    <p:spTree>
+      <p:nvGrpSpPr>
+        <p:cNvPr id="1" name=""/>
+        <p:cNvGrpSpPr/>
+        <p:nvPr/>
+      </p:nvGrpSpPr>
+      <p:grpSpPr>
+        <a:xfrm>
+          <a:off x="0" y="0"/>
+          <a:ext cx="0" cy="0"/>
+          <a:chOff x="0" y="0"/>
+          <a:chExt cx="0" cy="0"/>
+        </a:xfrm>
+      </p:grpSpPr>
+      <p:sp>
+        <p:nvSpPr>
+          <p:cNvPr id="2" name="幻灯片图像占位符 1"/>
+          <p:cNvSpPr>
+            <a:spLocks noGrp="1" noRot="1" noChangeAspect="1"/>
+          </p:cNvSpPr>
+          <p:nvPr>
+            <p:ph type="sldImg"/>
+          </p:nvPr>
+        </p:nvSpPr>
+        <p:spPr/>
+      </p:sp>
+      <p:sp>
+        <p:nvSpPr>
+          <p:cNvPr id="3" name="备注占位符 2"/>
+          <p:cNvSpPr>
+            <a:spLocks noGrp="1"/>
+          </p:cNvSpPr>
+          <p:nvPr>
+            <p:ph type="body" idx="1"/>
+          </p:nvPr>
+        </p:nvSpPr>
+        <p:spPr/>
+        <p:txBody>
+          <a:bodyPr/>
+          <a:lstStyle/>
+          <a:p>
+            <a:r>
+              <a:rPr lang="en-US" altLang="zh-CN"/>
+              <a:t>https://github.com/qingtiandalaoye/useful_doc.git</a:t>
+            </a:r>
+            <a:endParaRPr lang="zh-CN" altLang="en-US"/>
+          </a:p>
+        </p:txBody>
+      </p:sp>
+      <p:sp>
+        <p:nvSpPr>
+          <p:cNvPr id="4" name="灯片编号占位符 3"/>
+          <p:cNvSpPr>
+            <a:spLocks noGrp="1"/>
+          </p:cNvSpPr>
+          <p:nvPr>
+            <p:ph type="sldNum" sz="quarter" idx="5"/>
+          </p:nvPr>
+        </p:nvSpPr>
+        <p:spPr/>
+        <p:txBody>
+          <a:bodyPr/>
+          <a:lstStyle/>
+          <a:p>
+            <a:fld id="{BE3E1770-8C4D-4E6B-9395-6A6C81087536}" type="slidenum">
+              <a:rPr lang="zh-CN" altLang="en-US" smtClean="0"/>
+              <a:t>7</a:t>
+            </a:fld>
+            <a:endParaRPr lang="zh-CN" altLang="en-US"/>
+          </a:p>
+        </p:txBody>
+      </p:sp>
+    </p:spTree>
+    <p:extLst>
+      <p:ext uri="{BB962C8B-B14F-4D97-AF65-F5344CB8AC3E}">
+        <p14:creationId xmlns:p14="http://schemas.microsoft.com/office/powerpoint/2010/main" val="3729260418"/>
+      </p:ext>
+    </p:extLst>
+  </p:cSld>
+  <p:clrMapOvr>
+    <a:masterClrMapping/>
+  </p:clrMapOvr>
+</p:notes>
 </file>
 
 <file path=ppt/slideLayouts/slideLayout1.xml><?xml version="1.0" encoding="utf-8"?>
@@ -9771,12 +10211,6 @@
           <a:bodyPr/>
           <a:lstStyle/>
           <a:p>
-            <a:r>
-              <a:rPr lang="en-US" altLang="zh-CN" dirty="0">
-                <a:hlinkClick r:id="rId2"/>
-              </a:rPr>
-              <a:t>https://github.com/qingtiandalaoye/useful_doc.git</a:t>
-            </a:r>
             <a:endParaRPr lang="en-US" altLang="zh-CN" dirty="0"/>
           </a:p>
           <a:p>
@@ -9789,15 +10223,78 @@
               <a:t>功夫的处理流程说明</a:t>
             </a:r>
             <a:r>
-              <a:rPr lang="en-US" altLang="zh-CN"/>
+              <a:rPr lang="en-US" altLang="zh-CN" dirty="0"/>
               <a:t>.txt</a:t>
             </a:r>
           </a:p>
           <a:p>
-            <a:endParaRPr lang="zh-CN" altLang="en-US"/>
-          </a:p>
-        </p:txBody>
-      </p:sp>
+            <a:endParaRPr lang="zh-CN" altLang="en-US" dirty="0"/>
+          </a:p>
+        </p:txBody>
+      </p:sp>
+      <p:graphicFrame>
+        <p:nvGraphicFramePr>
+          <p:cNvPr id="4" name="对象 3">
+            <a:extLst>
+              <a:ext uri="{FF2B5EF4-FFF2-40B4-BE49-F238E27FC236}">
+                <a16:creationId xmlns:a16="http://schemas.microsoft.com/office/drawing/2014/main" id="{E7A1FC50-09D5-4A52-A45E-FDAF3F22E30F}"/>
+              </a:ext>
+            </a:extLst>
+          </p:cNvPr>
+          <p:cNvGraphicFramePr>
+            <a:graphicFrameLocks noChangeAspect="1"/>
+          </p:cNvGraphicFramePr>
+          <p:nvPr>
+            <p:extLst>
+              <p:ext uri="{D42A27DB-BD31-4B8C-83A1-F6EECF244321}">
+                <p14:modId xmlns:p14="http://schemas.microsoft.com/office/powerpoint/2010/main" val="2606235727"/>
+              </p:ext>
+            </p:extLst>
+          </p:nvPr>
+        </p:nvGraphicFramePr>
+        <p:xfrm>
+          <a:off x="2027555" y="3781425"/>
+          <a:ext cx="1857375" cy="439738"/>
+        </p:xfrm>
+        <a:graphic>
+          <a:graphicData uri="http://schemas.openxmlformats.org/presentationml/2006/ole">
+            <mc:AlternateContent xmlns:mc="http://schemas.openxmlformats.org/markup-compatibility/2006">
+              <mc:Choice xmlns:v="urn:schemas-microsoft-com:vml" Requires="v">
+                <p:oleObj spid="_x0000_s1028" name="包装程序外壳对象" showAsIcon="1" r:id="rId4" imgW="1857600" imgH="439560" progId="Package">
+                  <p:embed/>
+                </p:oleObj>
+              </mc:Choice>
+              <mc:Fallback>
+                <p:oleObj name="包装程序外壳对象" showAsIcon="1" r:id="rId4" imgW="1857600" imgH="439560" progId="Package">
+                  <p:embed/>
+                  <p:pic>
+                    <p:nvPicPr>
+                      <p:cNvPr id="0" name=""/>
+                      <p:cNvPicPr/>
+                      <p:nvPr/>
+                    </p:nvPicPr>
+                    <p:blipFill>
+                      <a:blip r:embed="rId5"/>
+                      <a:stretch>
+                        <a:fillRect/>
+                      </a:stretch>
+                    </p:blipFill>
+                    <p:spPr>
+                      <a:xfrm>
+                        <a:off x="2027555" y="3781425"/>
+                        <a:ext cx="1857375" cy="439738"/>
+                      </a:xfrm>
+                      <a:prstGeom prst="rect">
+                        <a:avLst/>
+                      </a:prstGeom>
+                    </p:spPr>
+                  </p:pic>
+                </p:oleObj>
+              </mc:Fallback>
+            </mc:AlternateContent>
+          </a:graphicData>
+        </a:graphic>
+      </p:graphicFrame>
     </p:spTree>
     <p:extLst>
       <p:ext uri="{BB962C8B-B14F-4D97-AF65-F5344CB8AC3E}">
@@ -10522,4 +11019,299 @@
     </a:ext>
   </a:extLst>
 </a:theme>
+</file>
+
+<file path=ppt/theme/theme2.xml><?xml version="1.0" encoding="utf-8"?>
+<a:theme xmlns:a="http://schemas.openxmlformats.org/drawingml/2006/main" name="Office 主题​​">
+  <a:themeElements>
+    <a:clrScheme name="Office">
+      <a:dk1>
+        <a:sysClr val="windowText" lastClr="000000"/>
+      </a:dk1>
+      <a:lt1>
+        <a:sysClr val="window" lastClr="FFFFFF"/>
+      </a:lt1>
+      <a:dk2>
+        <a:srgbClr val="44546A"/>
+      </a:dk2>
+      <a:lt2>
+        <a:srgbClr val="E7E6E6"/>
+      </a:lt2>
+      <a:accent1>
+        <a:srgbClr val="4472C4"/>
+      </a:accent1>
+      <a:accent2>
+        <a:srgbClr val="ED7D31"/>
+      </a:accent2>
+      <a:accent3>
+        <a:srgbClr val="A5A5A5"/>
+      </a:accent3>
+      <a:accent4>
+        <a:srgbClr val="FFC000"/>
+      </a:accent4>
+      <a:accent5>
+        <a:srgbClr val="5B9BD5"/>
+      </a:accent5>
+      <a:accent6>
+        <a:srgbClr val="70AD47"/>
+      </a:accent6>
+      <a:hlink>
+        <a:srgbClr val="0563C1"/>
+      </a:hlink>
+      <a:folHlink>
+        <a:srgbClr val="954F72"/>
+      </a:folHlink>
+    </a:clrScheme>
+    <a:fontScheme name="Office">
+      <a:majorFont>
+        <a:latin typeface="等线 Light" panose="020F0302020204030204"/>
+        <a:ea typeface=""/>
+        <a:cs typeface=""/>
+        <a:font script="Jpan" typeface="游ゴシック Light"/>
+        <a:font script="Hang" typeface="맑은 고딕"/>
+        <a:font script="Hans" typeface="等线 Light"/>
+        <a:font script="Hant" typeface="新細明體"/>
+        <a:font script="Arab" typeface="Times New Roman"/>
+        <a:font script="Hebr" typeface="Times New Roman"/>
+        <a:font script="Thai" typeface="Angsana New"/>
+        <a:font script="Ethi" typeface="Nyala"/>
+        <a:font script="Beng" typeface="Vrinda"/>
+        <a:font script="Gujr" typeface="Shruti"/>
+        <a:font script="Khmr" typeface="MoolBoran"/>
+        <a:font script="Knda" typeface="Tunga"/>
+        <a:font script="Guru" typeface="Raavi"/>
+        <a:font script="Cans" typeface="Euphemia"/>
+        <a:font script="Cher" typeface="Plantagenet Cherokee"/>
+        <a:font script="Yiii" typeface="Microsoft Yi Baiti"/>
+        <a:font script="Tibt" typeface="Microsoft Himalaya"/>
+        <a:font script="Thaa" typeface="MV Boli"/>
+        <a:font script="Deva" typeface="Mangal"/>
+        <a:font script="Telu" typeface="Gautami"/>
+        <a:font script="Taml" typeface="Latha"/>
+        <a:font script="Syrc" typeface="Estrangelo Edessa"/>
+        <a:font script="Orya" typeface="Kalinga"/>
+        <a:font script="Mlym" typeface="Kartika"/>
+        <a:font script="Laoo" typeface="DokChampa"/>
+        <a:font script="Sinh" typeface="Iskoola Pota"/>
+        <a:font script="Mong" typeface="Mongolian Baiti"/>
+        <a:font script="Viet" typeface="Times New Roman"/>
+        <a:font script="Uigh" typeface="Microsoft Uighur"/>
+        <a:font script="Geor" typeface="Sylfaen"/>
+        <a:font script="Armn" typeface="Arial"/>
+        <a:font script="Bugi" typeface="Leelawadee UI"/>
+        <a:font script="Bopo" typeface="Microsoft JhengHei"/>
+        <a:font script="Java" typeface="Javanese Text"/>
+        <a:font script="Lisu" typeface="Segoe UI"/>
+        <a:font script="Mymr" typeface="Myanmar Text"/>
+        <a:font script="Nkoo" typeface="Ebrima"/>
+        <a:font script="Olck" typeface="Nirmala UI"/>
+        <a:font script="Osma" typeface="Ebrima"/>
+        <a:font script="Phag" typeface="Phagspa"/>
+        <a:font script="Syrn" typeface="Estrangelo Edessa"/>
+        <a:font script="Syrj" typeface="Estrangelo Edessa"/>
+        <a:font script="Syre" typeface="Estrangelo Edessa"/>
+        <a:font script="Sora" typeface="Nirmala UI"/>
+        <a:font script="Tale" typeface="Microsoft Tai Le"/>
+        <a:font script="Talu" typeface="Microsoft New Tai Lue"/>
+        <a:font script="Tfng" typeface="Ebrima"/>
+      </a:majorFont>
+      <a:minorFont>
+        <a:latin typeface="等线" panose="020F0502020204030204"/>
+        <a:ea typeface=""/>
+        <a:cs typeface=""/>
+        <a:font script="Jpan" typeface="游ゴシック"/>
+        <a:font script="Hang" typeface="맑은 고딕"/>
+        <a:font script="Hans" typeface="等线"/>
+        <a:font script="Hant" typeface="新細明體"/>
+        <a:font script="Arab" typeface="Arial"/>
+        <a:font script="Hebr" typeface="Arial"/>
+        <a:font script="Thai" typeface="Cordia New"/>
+        <a:font script="Ethi" typeface="Nyala"/>
+        <a:font script="Beng" typeface="Vrinda"/>
+        <a:font script="Gujr" typeface="Shruti"/>
+        <a:font script="Khmr" typeface="DaunPenh"/>
+        <a:font script="Knda" typeface="Tunga"/>
+        <a:font script="Guru" typeface="Raavi"/>
+        <a:font script="Cans" typeface="Euphemia"/>
+        <a:font script="Cher" typeface="Plantagenet Cherokee"/>
+        <a:font script="Yiii" typeface="Microsoft Yi Baiti"/>
+        <a:font script="Tibt" typeface="Microsoft Himalaya"/>
+        <a:font script="Thaa" typeface="MV Boli"/>
+        <a:font script="Deva" typeface="Mangal"/>
+        <a:font script="Telu" typeface="Gautami"/>
+        <a:font script="Taml" typeface="Latha"/>
+        <a:font script="Syrc" typeface="Estrangelo Edessa"/>
+        <a:font script="Orya" typeface="Kalinga"/>
+        <a:font script="Mlym" typeface="Kartika"/>
+        <a:font script="Laoo" typeface="DokChampa"/>
+        <a:font script="Sinh" typeface="Iskoola Pota"/>
+        <a:font script="Mong" typeface="Mongolian Baiti"/>
+        <a:font script="Viet" typeface="Arial"/>
+        <a:font script="Uigh" typeface="Microsoft Uighur"/>
+        <a:font script="Geor" typeface="Sylfaen"/>
+        <a:font script="Armn" typeface="Arial"/>
+        <a:font script="Bugi" typeface="Leelawadee UI"/>
+        <a:font script="Bopo" typeface="Microsoft JhengHei"/>
+        <a:font script="Java" typeface="Javanese Text"/>
+        <a:font script="Lisu" typeface="Segoe UI"/>
+        <a:font script="Mymr" typeface="Myanmar Text"/>
+        <a:font script="Nkoo" typeface="Ebrima"/>
+        <a:font script="Olck" typeface="Nirmala UI"/>
+        <a:font script="Osma" typeface="Ebrima"/>
+        <a:font script="Phag" typeface="Phagspa"/>
+        <a:font script="Syrn" typeface="Estrangelo Edessa"/>
+        <a:font script="Syrj" typeface="Estrangelo Edessa"/>
+        <a:font script="Syre" typeface="Estrangelo Edessa"/>
+        <a:font script="Sora" typeface="Nirmala UI"/>
+        <a:font script="Tale" typeface="Microsoft Tai Le"/>
+        <a:font script="Talu" typeface="Microsoft New Tai Lue"/>
+        <a:font script="Tfng" typeface="Ebrima"/>
+      </a:minorFont>
+    </a:fontScheme>
+    <a:fmtScheme name="Office">
+      <a:fillStyleLst>
+        <a:solidFill>
+          <a:schemeClr val="phClr"/>
+        </a:solidFill>
+        <a:gradFill rotWithShape="1">
+          <a:gsLst>
+            <a:gs pos="0">
+              <a:schemeClr val="phClr">
+                <a:lumMod val="110000"/>
+                <a:satMod val="105000"/>
+                <a:tint val="67000"/>
+              </a:schemeClr>
+            </a:gs>
+            <a:gs pos="50000">
+              <a:schemeClr val="phClr">
+                <a:lumMod val="105000"/>
+                <a:satMod val="103000"/>
+                <a:tint val="73000"/>
+              </a:schemeClr>
+            </a:gs>
+            <a:gs pos="100000">
+              <a:schemeClr val="phClr">
+                <a:lumMod val="105000"/>
+                <a:satMod val="109000"/>
+                <a:tint val="81000"/>
+              </a:schemeClr>
+            </a:gs>
+          </a:gsLst>
+          <a:lin ang="5400000" scaled="0"/>
+        </a:gradFill>
+        <a:gradFill rotWithShape="1">
+          <a:gsLst>
+            <a:gs pos="0">
+              <a:schemeClr val="phClr">
+                <a:satMod val="103000"/>
+                <a:lumMod val="102000"/>
+                <a:tint val="94000"/>
+              </a:schemeClr>
+            </a:gs>
+            <a:gs pos="50000">
+              <a:schemeClr val="phClr">
+                <a:satMod val="110000"/>
+                <a:lumMod val="100000"/>
+                <a:shade val="100000"/>
+              </a:schemeClr>
+            </a:gs>
+            <a:gs pos="100000">
+              <a:schemeClr val="phClr">
+                <a:lumMod val="99000"/>
+                <a:satMod val="120000"/>
+                <a:shade val="78000"/>
+              </a:schemeClr>
+            </a:gs>
+          </a:gsLst>
+          <a:lin ang="5400000" scaled="0"/>
+        </a:gradFill>
+      </a:fillStyleLst>
+      <a:lnStyleLst>
+        <a:ln w="6350" cap="flat" cmpd="sng" algn="ctr">
+          <a:solidFill>
+            <a:schemeClr val="phClr"/>
+          </a:solidFill>
+          <a:prstDash val="solid"/>
+          <a:miter lim="800000"/>
+        </a:ln>
+        <a:ln w="12700" cap="flat" cmpd="sng" algn="ctr">
+          <a:solidFill>
+            <a:schemeClr val="phClr"/>
+          </a:solidFill>
+          <a:prstDash val="solid"/>
+          <a:miter lim="800000"/>
+        </a:ln>
+        <a:ln w="19050" cap="flat" cmpd="sng" algn="ctr">
+          <a:solidFill>
+            <a:schemeClr val="phClr"/>
+          </a:solidFill>
+          <a:prstDash val="solid"/>
+          <a:miter lim="800000"/>
+        </a:ln>
+      </a:lnStyleLst>
+      <a:effectStyleLst>
+        <a:effectStyle>
+          <a:effectLst/>
+        </a:effectStyle>
+        <a:effectStyle>
+          <a:effectLst/>
+        </a:effectStyle>
+        <a:effectStyle>
+          <a:effectLst>
+            <a:outerShdw blurRad="57150" dist="19050" dir="5400000" algn="ctr" rotWithShape="0">
+              <a:srgbClr val="000000">
+                <a:alpha val="63000"/>
+              </a:srgbClr>
+            </a:outerShdw>
+          </a:effectLst>
+        </a:effectStyle>
+      </a:effectStyleLst>
+      <a:bgFillStyleLst>
+        <a:solidFill>
+          <a:schemeClr val="phClr"/>
+        </a:solidFill>
+        <a:solidFill>
+          <a:schemeClr val="phClr">
+            <a:tint val="95000"/>
+            <a:satMod val="170000"/>
+          </a:schemeClr>
+        </a:solidFill>
+        <a:gradFill rotWithShape="1">
+          <a:gsLst>
+            <a:gs pos="0">
+              <a:schemeClr val="phClr">
+                <a:tint val="93000"/>
+                <a:satMod val="150000"/>
+                <a:shade val="98000"/>
+                <a:lumMod val="102000"/>
+              </a:schemeClr>
+            </a:gs>
+            <a:gs pos="50000">
+              <a:schemeClr val="phClr">
+                <a:tint val="98000"/>
+                <a:satMod val="130000"/>
+                <a:shade val="90000"/>
+                <a:lumMod val="103000"/>
+              </a:schemeClr>
+            </a:gs>
+            <a:gs pos="100000">
+              <a:schemeClr val="phClr">
+                <a:shade val="63000"/>
+                <a:satMod val="120000"/>
+              </a:schemeClr>
+            </a:gs>
+          </a:gsLst>
+          <a:lin ang="5400000" scaled="0"/>
+        </a:gradFill>
+      </a:bgFillStyleLst>
+    </a:fmtScheme>
+  </a:themeElements>
+  <a:objectDefaults/>
+  <a:extraClrSchemeLst/>
+  <a:extLst>
+    <a:ext uri="{05A4C25C-085E-4340-85A3-A5531E510DB2}">
+      <thm15:themeFamily xmlns:thm15="http://schemas.microsoft.com/office/thememl/2012/main" name="Office Theme" id="{62F939B6-93AF-4DB8-9C6B-D6C7DFDC589F}" vid="{4A3C46E8-61CC-4603-A589-7422A47A8E4A}"/>
+    </a:ext>
+  </a:extLst>
+</a:theme>
 </file>
--- a/虚拟货币跨交易所高频交易系统.pptx
+++ b/虚拟货币跨交易所高频交易系统.pptx
@@ -5,7 +5,7 @@
     <p:sldMasterId id="2147483648" r:id="rId1"/>
   </p:sldMasterIdLst>
   <p:notesMasterIdLst>
-    <p:notesMasterId r:id="rId35"/>
+    <p:notesMasterId r:id="rId41"/>
   </p:notesMasterIdLst>
   <p:sldIdLst>
     <p:sldId id="256" r:id="rId2"/>
@@ -15,32 +15,38 @@
     <p:sldId id="282" r:id="rId6"/>
     <p:sldId id="283" r:id="rId7"/>
     <p:sldId id="284" r:id="rId8"/>
-    <p:sldId id="263" r:id="rId9"/>
-    <p:sldId id="264" r:id="rId10"/>
-    <p:sldId id="261" r:id="rId11"/>
-    <p:sldId id="265" r:id="rId12"/>
-    <p:sldId id="266" r:id="rId13"/>
-    <p:sldId id="268" r:id="rId14"/>
-    <p:sldId id="271" r:id="rId15"/>
-    <p:sldId id="274" r:id="rId16"/>
-    <p:sldId id="275" r:id="rId17"/>
-    <p:sldId id="273" r:id="rId18"/>
-    <p:sldId id="260" r:id="rId19"/>
-    <p:sldId id="276" r:id="rId20"/>
-    <p:sldId id="277" r:id="rId21"/>
-    <p:sldId id="257" r:id="rId22"/>
-    <p:sldId id="278" r:id="rId23"/>
-    <p:sldId id="279" r:id="rId24"/>
-    <p:sldId id="281" r:id="rId25"/>
-    <p:sldId id="286" r:id="rId26"/>
-    <p:sldId id="285" r:id="rId27"/>
-    <p:sldId id="288" r:id="rId28"/>
-    <p:sldId id="289" r:id="rId29"/>
-    <p:sldId id="290" r:id="rId30"/>
-    <p:sldId id="291" r:id="rId31"/>
-    <p:sldId id="287" r:id="rId32"/>
-    <p:sldId id="292" r:id="rId33"/>
-    <p:sldId id="293" r:id="rId34"/>
+    <p:sldId id="295" r:id="rId9"/>
+    <p:sldId id="298" r:id="rId10"/>
+    <p:sldId id="296" r:id="rId11"/>
+    <p:sldId id="297" r:id="rId12"/>
+    <p:sldId id="299" r:id="rId13"/>
+    <p:sldId id="263" r:id="rId14"/>
+    <p:sldId id="264" r:id="rId15"/>
+    <p:sldId id="261" r:id="rId16"/>
+    <p:sldId id="265" r:id="rId17"/>
+    <p:sldId id="266" r:id="rId18"/>
+    <p:sldId id="268" r:id="rId19"/>
+    <p:sldId id="271" r:id="rId20"/>
+    <p:sldId id="274" r:id="rId21"/>
+    <p:sldId id="275" r:id="rId22"/>
+    <p:sldId id="273" r:id="rId23"/>
+    <p:sldId id="260" r:id="rId24"/>
+    <p:sldId id="294" r:id="rId25"/>
+    <p:sldId id="276" r:id="rId26"/>
+    <p:sldId id="277" r:id="rId27"/>
+    <p:sldId id="257" r:id="rId28"/>
+    <p:sldId id="278" r:id="rId29"/>
+    <p:sldId id="279" r:id="rId30"/>
+    <p:sldId id="281" r:id="rId31"/>
+    <p:sldId id="286" r:id="rId32"/>
+    <p:sldId id="285" r:id="rId33"/>
+    <p:sldId id="288" r:id="rId34"/>
+    <p:sldId id="289" r:id="rId35"/>
+    <p:sldId id="290" r:id="rId36"/>
+    <p:sldId id="291" r:id="rId37"/>
+    <p:sldId id="287" r:id="rId38"/>
+    <p:sldId id="292" r:id="rId39"/>
+    <p:sldId id="293" r:id="rId40"/>
   </p:sldIdLst>
   <p:sldSz cx="12192000" cy="6858000"/>
   <p:notesSz cx="6858000" cy="9144000"/>
@@ -229,7 +235,7 @@
           <a:p>
             <a:fld id="{417D31D6-FBA1-4FDB-ADB6-CE4DC9676742}" type="datetimeFigureOut">
               <a:rPr lang="zh-CN" altLang="en-US" smtClean="0"/>
-              <a:t>2018/10/15</a:t>
+              <a:t>2018/10/16</a:t>
             </a:fld>
             <a:endParaRPr lang="zh-CN" altLang="en-US"/>
           </a:p>
@@ -731,7 +737,7 @@
           <a:p>
             <a:fld id="{4AE80C2A-2A5C-4DD4-9189-1A51F2AA0CFA}" type="datetimeFigureOut">
               <a:rPr lang="zh-CN" altLang="en-US" smtClean="0"/>
-              <a:t>2018/10/15</a:t>
+              <a:t>2018/10/16</a:t>
             </a:fld>
             <a:endParaRPr lang="zh-CN" altLang="en-US"/>
           </a:p>
@@ -929,7 +935,7 @@
           <a:p>
             <a:fld id="{4AE80C2A-2A5C-4DD4-9189-1A51F2AA0CFA}" type="datetimeFigureOut">
               <a:rPr lang="zh-CN" altLang="en-US" smtClean="0"/>
-              <a:t>2018/10/15</a:t>
+              <a:t>2018/10/16</a:t>
             </a:fld>
             <a:endParaRPr lang="zh-CN" altLang="en-US"/>
           </a:p>
@@ -1137,7 +1143,7 @@
           <a:p>
             <a:fld id="{4AE80C2A-2A5C-4DD4-9189-1A51F2AA0CFA}" type="datetimeFigureOut">
               <a:rPr lang="zh-CN" altLang="en-US" smtClean="0"/>
-              <a:t>2018/10/15</a:t>
+              <a:t>2018/10/16</a:t>
             </a:fld>
             <a:endParaRPr lang="zh-CN" altLang="en-US"/>
           </a:p>
@@ -1335,7 +1341,7 @@
           <a:p>
             <a:fld id="{4AE80C2A-2A5C-4DD4-9189-1A51F2AA0CFA}" type="datetimeFigureOut">
               <a:rPr lang="zh-CN" altLang="en-US" smtClean="0"/>
-              <a:t>2018/10/15</a:t>
+              <a:t>2018/10/16</a:t>
             </a:fld>
             <a:endParaRPr lang="zh-CN" altLang="en-US"/>
           </a:p>
@@ -1610,7 +1616,7 @@
           <a:p>
             <a:fld id="{4AE80C2A-2A5C-4DD4-9189-1A51F2AA0CFA}" type="datetimeFigureOut">
               <a:rPr lang="zh-CN" altLang="en-US" smtClean="0"/>
-              <a:t>2018/10/15</a:t>
+              <a:t>2018/10/16</a:t>
             </a:fld>
             <a:endParaRPr lang="zh-CN" altLang="en-US"/>
           </a:p>
@@ -1875,7 +1881,7 @@
           <a:p>
             <a:fld id="{4AE80C2A-2A5C-4DD4-9189-1A51F2AA0CFA}" type="datetimeFigureOut">
               <a:rPr lang="zh-CN" altLang="en-US" smtClean="0"/>
-              <a:t>2018/10/15</a:t>
+              <a:t>2018/10/16</a:t>
             </a:fld>
             <a:endParaRPr lang="zh-CN" altLang="en-US"/>
           </a:p>
@@ -2287,7 +2293,7 @@
           <a:p>
             <a:fld id="{4AE80C2A-2A5C-4DD4-9189-1A51F2AA0CFA}" type="datetimeFigureOut">
               <a:rPr lang="zh-CN" altLang="en-US" smtClean="0"/>
-              <a:t>2018/10/15</a:t>
+              <a:t>2018/10/16</a:t>
             </a:fld>
             <a:endParaRPr lang="zh-CN" altLang="en-US"/>
           </a:p>
@@ -2428,7 +2434,7 @@
           <a:p>
             <a:fld id="{4AE80C2A-2A5C-4DD4-9189-1A51F2AA0CFA}" type="datetimeFigureOut">
               <a:rPr lang="zh-CN" altLang="en-US" smtClean="0"/>
-              <a:t>2018/10/15</a:t>
+              <a:t>2018/10/16</a:t>
             </a:fld>
             <a:endParaRPr lang="zh-CN" altLang="en-US"/>
           </a:p>
@@ -2541,7 +2547,7 @@
           <a:p>
             <a:fld id="{4AE80C2A-2A5C-4DD4-9189-1A51F2AA0CFA}" type="datetimeFigureOut">
               <a:rPr lang="zh-CN" altLang="en-US" smtClean="0"/>
-              <a:t>2018/10/15</a:t>
+              <a:t>2018/10/16</a:t>
             </a:fld>
             <a:endParaRPr lang="zh-CN" altLang="en-US"/>
           </a:p>
@@ -2852,7 +2858,7 @@
           <a:p>
             <a:fld id="{4AE80C2A-2A5C-4DD4-9189-1A51F2AA0CFA}" type="datetimeFigureOut">
               <a:rPr lang="zh-CN" altLang="en-US" smtClean="0"/>
-              <a:t>2018/10/15</a:t>
+              <a:t>2018/10/16</a:t>
             </a:fld>
             <a:endParaRPr lang="zh-CN" altLang="en-US"/>
           </a:p>
@@ -3140,7 +3146,7 @@
           <a:p>
             <a:fld id="{4AE80C2A-2A5C-4DD4-9189-1A51F2AA0CFA}" type="datetimeFigureOut">
               <a:rPr lang="zh-CN" altLang="en-US" smtClean="0"/>
-              <a:t>2018/10/15</a:t>
+              <a:t>2018/10/16</a:t>
             </a:fld>
             <a:endParaRPr lang="zh-CN" altLang="en-US"/>
           </a:p>
@@ -3381,7 +3387,7 @@
           <a:p>
             <a:fld id="{4AE80C2A-2A5C-4DD4-9189-1A51F2AA0CFA}" type="datetimeFigureOut">
               <a:rPr lang="zh-CN" altLang="en-US" smtClean="0"/>
-              <a:t>2018/10/15</a:t>
+              <a:t>2018/10/16</a:t>
             </a:fld>
             <a:endParaRPr lang="zh-CN" altLang="en-US"/>
           </a:p>
@@ -3907,6 +3913,1007 @@
           <p:cNvPr id="2" name="标题 1">
             <a:extLst>
               <a:ext uri="{FF2B5EF4-FFF2-40B4-BE49-F238E27FC236}">
+                <a16:creationId xmlns:a16="http://schemas.microsoft.com/office/drawing/2014/main" id="{DCBBD92C-6171-49A8-BD13-D3F8B97EF14B}"/>
+              </a:ext>
+            </a:extLst>
+          </p:cNvPr>
+          <p:cNvSpPr>
+            <a:spLocks noGrp="1"/>
+          </p:cNvSpPr>
+          <p:nvPr>
+            <p:ph type="title"/>
+          </p:nvPr>
+        </p:nvSpPr>
+        <p:spPr/>
+        <p:txBody>
+          <a:bodyPr/>
+          <a:lstStyle/>
+          <a:p>
+            <a:r>
+              <a:rPr lang="en-US" altLang="zh-CN" dirty="0"/>
+              <a:t>《 </a:t>
+            </a:r>
+            <a:r>
+              <a:rPr lang="en-US" altLang="zh-CN" dirty="0" err="1"/>
+              <a:t>requestID</a:t>
+            </a:r>
+            <a:r>
+              <a:rPr lang="zh-CN" altLang="en-US" dirty="0"/>
+              <a:t>功夫的处理流程说明</a:t>
+            </a:r>
+            <a:r>
+              <a:rPr lang="en-US" altLang="zh-CN" dirty="0"/>
+              <a:t>》  3/5</a:t>
+            </a:r>
+            <a:endParaRPr lang="zh-CN" altLang="en-US" dirty="0"/>
+          </a:p>
+        </p:txBody>
+      </p:sp>
+      <p:sp>
+        <p:nvSpPr>
+          <p:cNvPr id="3" name="内容占位符 2">
+            <a:extLst>
+              <a:ext uri="{FF2B5EF4-FFF2-40B4-BE49-F238E27FC236}">
+                <a16:creationId xmlns:a16="http://schemas.microsoft.com/office/drawing/2014/main" id="{AA069A43-BA61-44EC-B302-EC0C3B2D90EA}"/>
+              </a:ext>
+            </a:extLst>
+          </p:cNvPr>
+          <p:cNvSpPr>
+            <a:spLocks noGrp="1"/>
+          </p:cNvSpPr>
+          <p:nvPr>
+            <p:ph idx="1"/>
+          </p:nvPr>
+        </p:nvSpPr>
+        <p:spPr/>
+        <p:txBody>
+          <a:bodyPr/>
+          <a:lstStyle/>
+          <a:p>
+            <a:r>
+              <a:rPr lang="en-US" altLang="zh-CN" dirty="0" err="1"/>
+              <a:t>ITDEngine</a:t>
+            </a:r>
+            <a:r>
+              <a:rPr lang="en-US" altLang="zh-CN" dirty="0"/>
+              <a:t> </a:t>
+            </a:r>
+            <a:r>
+              <a:rPr lang="zh-CN" altLang="en-US" dirty="0"/>
+              <a:t>对这些</a:t>
+            </a:r>
+            <a:r>
+              <a:rPr lang="en-US" altLang="zh-CN" dirty="0" err="1"/>
+              <a:t>requestID</a:t>
+            </a:r>
+            <a:r>
+              <a:rPr lang="zh-CN" altLang="en-US" dirty="0"/>
+              <a:t>的处理</a:t>
+            </a:r>
+            <a:endParaRPr lang="en-US" altLang="zh-CN" dirty="0"/>
+          </a:p>
+          <a:p>
+            <a:endParaRPr lang="en-US" altLang="zh-CN" dirty="0"/>
+          </a:p>
+          <a:p>
+            <a:r>
+              <a:rPr lang="zh-CN" altLang="en-US" dirty="0"/>
+              <a:t>发单</a:t>
+            </a:r>
+            <a:endParaRPr lang="en-US" altLang="zh-CN" dirty="0"/>
+          </a:p>
+          <a:p>
+            <a:endParaRPr lang="en-US" altLang="zh-CN" dirty="0"/>
+          </a:p>
+          <a:p>
+            <a:endParaRPr lang="en-US" altLang="zh-CN" dirty="0"/>
+          </a:p>
+          <a:p>
+            <a:endParaRPr lang="en-US" altLang="zh-CN" dirty="0"/>
+          </a:p>
+          <a:p>
+            <a:r>
+              <a:rPr lang="zh-CN" altLang="en-US" dirty="0"/>
+              <a:t>撤单</a:t>
+            </a:r>
+          </a:p>
+        </p:txBody>
+      </p:sp>
+      <p:pic>
+        <p:nvPicPr>
+          <p:cNvPr id="4" name="图片 3">
+            <a:extLst>
+              <a:ext uri="{FF2B5EF4-FFF2-40B4-BE49-F238E27FC236}">
+                <a16:creationId xmlns:a16="http://schemas.microsoft.com/office/drawing/2014/main" id="{6778C6AC-526C-4911-AF04-A807AE64C0E0}"/>
+              </a:ext>
+            </a:extLst>
+          </p:cNvPr>
+          <p:cNvPicPr>
+            <a:picLocks noChangeAspect="1"/>
+          </p:cNvPicPr>
+          <p:nvPr/>
+        </p:nvPicPr>
+        <p:blipFill>
+          <a:blip r:embed="rId2"/>
+          <a:stretch>
+            <a:fillRect/>
+          </a:stretch>
+        </p:blipFill>
+        <p:spPr>
+          <a:xfrm>
+            <a:off x="3935896" y="4699554"/>
+            <a:ext cx="4978260" cy="1895065"/>
+          </a:xfrm>
+          <a:prstGeom prst="rect">
+            <a:avLst/>
+          </a:prstGeom>
+        </p:spPr>
+      </p:pic>
+      <p:pic>
+        <p:nvPicPr>
+          <p:cNvPr id="5" name="图片 4">
+            <a:extLst>
+              <a:ext uri="{FF2B5EF4-FFF2-40B4-BE49-F238E27FC236}">
+                <a16:creationId xmlns:a16="http://schemas.microsoft.com/office/drawing/2014/main" id="{0FF0277D-0D00-41BD-8B74-2AFE2E7E1C93}"/>
+              </a:ext>
+            </a:extLst>
+          </p:cNvPr>
+          <p:cNvPicPr>
+            <a:picLocks noChangeAspect="1"/>
+          </p:cNvPicPr>
+          <p:nvPr/>
+        </p:nvPicPr>
+        <p:blipFill>
+          <a:blip r:embed="rId3"/>
+          <a:stretch>
+            <a:fillRect/>
+          </a:stretch>
+        </p:blipFill>
+        <p:spPr>
+          <a:xfrm>
+            <a:off x="3369364" y="2347674"/>
+            <a:ext cx="7537885" cy="2019922"/>
+          </a:xfrm>
+          <a:prstGeom prst="rect">
+            <a:avLst/>
+          </a:prstGeom>
+        </p:spPr>
+      </p:pic>
+    </p:spTree>
+    <p:extLst>
+      <p:ext uri="{BB962C8B-B14F-4D97-AF65-F5344CB8AC3E}">
+        <p14:creationId xmlns:p14="http://schemas.microsoft.com/office/powerpoint/2010/main" val="2035509248"/>
+      </p:ext>
+    </p:extLst>
+  </p:cSld>
+  <p:clrMapOvr>
+    <a:masterClrMapping/>
+  </p:clrMapOvr>
+</p:sld>
+</file>
+
+<file path=ppt/slides/slide11.xml><?xml version="1.0" encoding="utf-8"?>
+<p:sld xmlns:a="http://schemas.openxmlformats.org/drawingml/2006/main" xmlns:r="http://schemas.openxmlformats.org/officeDocument/2006/relationships" xmlns:p="http://schemas.openxmlformats.org/presentationml/2006/main">
+  <p:cSld>
+    <p:spTree>
+      <p:nvGrpSpPr>
+        <p:cNvPr id="1" name=""/>
+        <p:cNvGrpSpPr/>
+        <p:nvPr/>
+      </p:nvGrpSpPr>
+      <p:grpSpPr>
+        <a:xfrm>
+          <a:off x="0" y="0"/>
+          <a:ext cx="0" cy="0"/>
+          <a:chOff x="0" y="0"/>
+          <a:chExt cx="0" cy="0"/>
+        </a:xfrm>
+      </p:grpSpPr>
+      <p:sp>
+        <p:nvSpPr>
+          <p:cNvPr id="2" name="标题 1">
+            <a:extLst>
+              <a:ext uri="{FF2B5EF4-FFF2-40B4-BE49-F238E27FC236}">
+                <a16:creationId xmlns:a16="http://schemas.microsoft.com/office/drawing/2014/main" id="{67A8306F-D941-44EC-A548-16D3949DCACB}"/>
+              </a:ext>
+            </a:extLst>
+          </p:cNvPr>
+          <p:cNvSpPr>
+            <a:spLocks noGrp="1"/>
+          </p:cNvSpPr>
+          <p:nvPr>
+            <p:ph type="title"/>
+          </p:nvPr>
+        </p:nvSpPr>
+        <p:spPr/>
+        <p:txBody>
+          <a:bodyPr/>
+          <a:lstStyle/>
+          <a:p>
+            <a:r>
+              <a:rPr lang="en-US" altLang="zh-CN" dirty="0"/>
+              <a:t>《 </a:t>
+            </a:r>
+            <a:r>
+              <a:rPr lang="en-US" altLang="zh-CN" dirty="0" err="1"/>
+              <a:t>requestID</a:t>
+            </a:r>
+            <a:r>
+              <a:rPr lang="zh-CN" altLang="en-US" dirty="0"/>
+              <a:t>功夫的处理流程说明</a:t>
+            </a:r>
+            <a:r>
+              <a:rPr lang="en-US" altLang="zh-CN" dirty="0"/>
+              <a:t>》4/5</a:t>
+            </a:r>
+            <a:endParaRPr lang="zh-CN" altLang="en-US" dirty="0"/>
+          </a:p>
+        </p:txBody>
+      </p:sp>
+      <p:sp>
+        <p:nvSpPr>
+          <p:cNvPr id="3" name="内容占位符 2">
+            <a:extLst>
+              <a:ext uri="{FF2B5EF4-FFF2-40B4-BE49-F238E27FC236}">
+                <a16:creationId xmlns:a16="http://schemas.microsoft.com/office/drawing/2014/main" id="{57EF2C70-CAC3-4F82-9C23-B321B464BC56}"/>
+              </a:ext>
+            </a:extLst>
+          </p:cNvPr>
+          <p:cNvSpPr>
+            <a:spLocks noGrp="1"/>
+          </p:cNvSpPr>
+          <p:nvPr>
+            <p:ph idx="1"/>
+          </p:nvPr>
+        </p:nvSpPr>
+        <p:spPr/>
+        <p:txBody>
+          <a:bodyPr/>
+          <a:lstStyle/>
+          <a:p>
+            <a:r>
+              <a:rPr lang="zh-CN" altLang="en-US" dirty="0"/>
+              <a:t>状态信息的处理部分</a:t>
+            </a:r>
+            <a:r>
+              <a:rPr lang="en-US" altLang="zh-CN" dirty="0" err="1"/>
+              <a:t>on_rtn_order</a:t>
+            </a:r>
+            <a:r>
+              <a:rPr lang="zh-CN" altLang="en-US" dirty="0"/>
+              <a:t>， 会更新订单的状态</a:t>
+            </a:r>
+            <a:endParaRPr lang="en-US" altLang="zh-CN" dirty="0"/>
+          </a:p>
+          <a:p>
+            <a:r>
+              <a:rPr lang="zh-CN" altLang="en-US" dirty="0"/>
+              <a:t>成交信息的处理部分</a:t>
+            </a:r>
+            <a:r>
+              <a:rPr lang="en-US" altLang="zh-CN" dirty="0" err="1"/>
+              <a:t>on_rtn_trade</a:t>
+            </a:r>
+            <a:r>
+              <a:rPr lang="zh-CN" altLang="en-US" dirty="0"/>
+              <a:t>， 会更新订单的持仓信息</a:t>
+            </a:r>
+          </a:p>
+        </p:txBody>
+      </p:sp>
+      <p:pic>
+        <p:nvPicPr>
+          <p:cNvPr id="4" name="图片 3">
+            <a:extLst>
+              <a:ext uri="{FF2B5EF4-FFF2-40B4-BE49-F238E27FC236}">
+                <a16:creationId xmlns:a16="http://schemas.microsoft.com/office/drawing/2014/main" id="{1999BCBF-F825-4854-8B69-8ACC841F6806}"/>
+              </a:ext>
+            </a:extLst>
+          </p:cNvPr>
+          <p:cNvPicPr>
+            <a:picLocks noChangeAspect="1"/>
+          </p:cNvPicPr>
+          <p:nvPr/>
+        </p:nvPicPr>
+        <p:blipFill>
+          <a:blip r:embed="rId2"/>
+          <a:stretch>
+            <a:fillRect/>
+          </a:stretch>
+        </p:blipFill>
+        <p:spPr>
+          <a:xfrm>
+            <a:off x="1182756" y="2866217"/>
+            <a:ext cx="6416744" cy="3895289"/>
+          </a:xfrm>
+          <a:prstGeom prst="rect">
+            <a:avLst/>
+          </a:prstGeom>
+        </p:spPr>
+      </p:pic>
+    </p:spTree>
+    <p:extLst>
+      <p:ext uri="{BB962C8B-B14F-4D97-AF65-F5344CB8AC3E}">
+        <p14:creationId xmlns:p14="http://schemas.microsoft.com/office/powerpoint/2010/main" val="1977356134"/>
+      </p:ext>
+    </p:extLst>
+  </p:cSld>
+  <p:clrMapOvr>
+    <a:masterClrMapping/>
+  </p:clrMapOvr>
+</p:sld>
+</file>
+
+<file path=ppt/slides/slide12.xml><?xml version="1.0" encoding="utf-8"?>
+<p:sld xmlns:a="http://schemas.openxmlformats.org/drawingml/2006/main" xmlns:r="http://schemas.openxmlformats.org/officeDocument/2006/relationships" xmlns:p="http://schemas.openxmlformats.org/presentationml/2006/main">
+  <p:cSld>
+    <p:spTree>
+      <p:nvGrpSpPr>
+        <p:cNvPr id="1" name=""/>
+        <p:cNvGrpSpPr/>
+        <p:nvPr/>
+      </p:nvGrpSpPr>
+      <p:grpSpPr>
+        <a:xfrm>
+          <a:off x="0" y="0"/>
+          <a:ext cx="0" cy="0"/>
+          <a:chOff x="0" y="0"/>
+          <a:chExt cx="0" cy="0"/>
+        </a:xfrm>
+      </p:grpSpPr>
+      <p:sp>
+        <p:nvSpPr>
+          <p:cNvPr id="2" name="标题 1">
+            <a:extLst>
+              <a:ext uri="{FF2B5EF4-FFF2-40B4-BE49-F238E27FC236}">
+                <a16:creationId xmlns:a16="http://schemas.microsoft.com/office/drawing/2014/main" id="{87E93E48-F9DB-4C58-8020-4D9E1DDA5DAD}"/>
+              </a:ext>
+            </a:extLst>
+          </p:cNvPr>
+          <p:cNvSpPr>
+            <a:spLocks noGrp="1"/>
+          </p:cNvSpPr>
+          <p:nvPr>
+            <p:ph type="title"/>
+          </p:nvPr>
+        </p:nvSpPr>
+        <p:spPr/>
+        <p:txBody>
+          <a:bodyPr/>
+          <a:lstStyle/>
+          <a:p>
+            <a:r>
+              <a:rPr lang="en-US" altLang="zh-CN" dirty="0"/>
+              <a:t>《 </a:t>
+            </a:r>
+            <a:r>
+              <a:rPr lang="en-US" altLang="zh-CN" dirty="0" err="1"/>
+              <a:t>requestID</a:t>
+            </a:r>
+            <a:r>
+              <a:rPr lang="zh-CN" altLang="en-US" dirty="0"/>
+              <a:t>功夫的处理流程说明</a:t>
+            </a:r>
+            <a:r>
+              <a:rPr lang="en-US" altLang="zh-CN" dirty="0"/>
+              <a:t>》5/5</a:t>
+            </a:r>
+            <a:endParaRPr lang="zh-CN" altLang="en-US" dirty="0"/>
+          </a:p>
+        </p:txBody>
+      </p:sp>
+      <p:sp>
+        <p:nvSpPr>
+          <p:cNvPr id="3" name="内容占位符 2">
+            <a:extLst>
+              <a:ext uri="{FF2B5EF4-FFF2-40B4-BE49-F238E27FC236}">
+                <a16:creationId xmlns:a16="http://schemas.microsoft.com/office/drawing/2014/main" id="{0ADC058D-7DED-4AB7-B5C4-5F7D88FC69C7}"/>
+              </a:ext>
+            </a:extLst>
+          </p:cNvPr>
+          <p:cNvSpPr>
+            <a:spLocks noGrp="1"/>
+          </p:cNvSpPr>
+          <p:nvPr>
+            <p:ph idx="1"/>
+          </p:nvPr>
+        </p:nvSpPr>
+        <p:spPr/>
+        <p:txBody>
+          <a:bodyPr/>
+          <a:lstStyle/>
+          <a:p>
+            <a:r>
+              <a:rPr lang="en-US" altLang="zh-CN" dirty="0"/>
+              <a:t>journal_dumper.py</a:t>
+            </a:r>
+            <a:r>
+              <a:rPr lang="zh-CN" altLang="en-US" dirty="0"/>
+              <a:t>的导出处理</a:t>
+            </a:r>
+            <a:endParaRPr lang="en-US" altLang="zh-CN" dirty="0"/>
+          </a:p>
+          <a:p>
+            <a:r>
+              <a:rPr lang="zh-CN" altLang="en-US" dirty="0"/>
+              <a:t>只有</a:t>
+            </a:r>
+            <a:r>
+              <a:rPr lang="en-US" altLang="zh-CN" dirty="0"/>
+              <a:t>2</a:t>
+            </a:r>
+            <a:r>
+              <a:rPr lang="zh-CN" altLang="en-US" dirty="0"/>
+              <a:t>个结构具有</a:t>
+            </a:r>
+            <a:r>
+              <a:rPr lang="en-US" altLang="zh-CN" dirty="0" err="1"/>
+              <a:t>RequestID</a:t>
+            </a:r>
+            <a:r>
+              <a:rPr lang="zh-CN" altLang="en-US" dirty="0"/>
+              <a:t>，一个是订单状态回报 </a:t>
+            </a:r>
+            <a:r>
+              <a:rPr lang="en-US" altLang="zh-CN" dirty="0" err="1"/>
+              <a:t>LFRtnOrderField</a:t>
+            </a:r>
+            <a:r>
+              <a:rPr lang="en-US" altLang="zh-CN" dirty="0"/>
+              <a:t>  </a:t>
+            </a:r>
+            <a:r>
+              <a:rPr lang="zh-CN" altLang="en-US" dirty="0"/>
+              <a:t>，另一个是撤单，  </a:t>
+            </a:r>
+            <a:r>
+              <a:rPr lang="en-US" altLang="zh-CN" dirty="0" err="1"/>
+              <a:t>LFOrderActionField</a:t>
+            </a:r>
+            <a:endParaRPr lang="en-US" altLang="zh-CN" dirty="0"/>
+          </a:p>
+          <a:p>
+            <a:r>
+              <a:rPr lang="en-US" altLang="zh-CN" dirty="0" err="1"/>
+              <a:t>LFOrderActionField</a:t>
+            </a:r>
+            <a:r>
+              <a:rPr lang="zh-CN" altLang="en-US" dirty="0"/>
+              <a:t>前面撤单部分已经说明，是撤单动作重新产生了一个新的</a:t>
+            </a:r>
+            <a:r>
+              <a:rPr lang="en-US" altLang="zh-CN" dirty="0" err="1"/>
+              <a:t>requestID</a:t>
+            </a:r>
+            <a:r>
+              <a:rPr lang="zh-CN" altLang="en-US" dirty="0"/>
+              <a:t>；</a:t>
+            </a:r>
+            <a:r>
+              <a:rPr lang="en-US" altLang="zh-CN" dirty="0" err="1"/>
+              <a:t>LFRtnOrderField</a:t>
+            </a:r>
+            <a:r>
+              <a:rPr lang="zh-CN" altLang="en-US" dirty="0"/>
+              <a:t>是根据交易所返回的信息，自己创建的</a:t>
+            </a:r>
+            <a:r>
+              <a:rPr lang="en-US" altLang="zh-CN" dirty="0" err="1"/>
+              <a:t>LFRtnOrderField</a:t>
+            </a:r>
+            <a:r>
+              <a:rPr lang="zh-CN" altLang="en-US" dirty="0"/>
+              <a:t>的</a:t>
+            </a:r>
+            <a:r>
+              <a:rPr lang="en-US" altLang="zh-CN" dirty="0" err="1"/>
+              <a:t>requestID</a:t>
+            </a:r>
+            <a:r>
+              <a:rPr lang="en-US" altLang="zh-CN" dirty="0"/>
+              <a:t>=0</a:t>
+            </a:r>
+            <a:r>
+              <a:rPr lang="zh-CN" altLang="en-US" dirty="0"/>
+              <a:t>。</a:t>
+            </a:r>
+          </a:p>
+          <a:p>
+            <a:r>
+              <a:rPr lang="en-US" altLang="zh-CN" dirty="0"/>
+              <a:t>longfist_structs.py</a:t>
+            </a:r>
+            <a:r>
+              <a:rPr lang="zh-CN" altLang="en-US"/>
+              <a:t>结构定义</a:t>
+            </a:r>
+            <a:endParaRPr lang="en-US" altLang="zh-CN" dirty="0"/>
+          </a:p>
+        </p:txBody>
+      </p:sp>
+      <p:pic>
+        <p:nvPicPr>
+          <p:cNvPr id="4" name="图片 3">
+            <a:extLst>
+              <a:ext uri="{FF2B5EF4-FFF2-40B4-BE49-F238E27FC236}">
+                <a16:creationId xmlns:a16="http://schemas.microsoft.com/office/drawing/2014/main" id="{5BFDFF43-2425-4E3F-A77D-7F8AD36F36CC}"/>
+              </a:ext>
+            </a:extLst>
+          </p:cNvPr>
+          <p:cNvPicPr>
+            <a:picLocks noChangeAspect="1"/>
+          </p:cNvPicPr>
+          <p:nvPr/>
+        </p:nvPicPr>
+        <p:blipFill>
+          <a:blip r:embed="rId2"/>
+          <a:stretch>
+            <a:fillRect/>
+          </a:stretch>
+        </p:blipFill>
+        <p:spPr>
+          <a:xfrm>
+            <a:off x="5727216" y="4546876"/>
+            <a:ext cx="6124575" cy="2105025"/>
+          </a:xfrm>
+          <a:prstGeom prst="rect">
+            <a:avLst/>
+          </a:prstGeom>
+        </p:spPr>
+      </p:pic>
+    </p:spTree>
+    <p:extLst>
+      <p:ext uri="{BB962C8B-B14F-4D97-AF65-F5344CB8AC3E}">
+        <p14:creationId xmlns:p14="http://schemas.microsoft.com/office/powerpoint/2010/main" val="3129925760"/>
+      </p:ext>
+    </p:extLst>
+  </p:cSld>
+  <p:clrMapOvr>
+    <a:masterClrMapping/>
+  </p:clrMapOvr>
+</p:sld>
+</file>
+
+<file path=ppt/slides/slide13.xml><?xml version="1.0" encoding="utf-8"?>
+<p:sld xmlns:a="http://schemas.openxmlformats.org/drawingml/2006/main" xmlns:r="http://schemas.openxmlformats.org/officeDocument/2006/relationships" xmlns:p="http://schemas.openxmlformats.org/presentationml/2006/main">
+  <p:cSld>
+    <p:spTree>
+      <p:nvGrpSpPr>
+        <p:cNvPr id="1" name=""/>
+        <p:cNvGrpSpPr/>
+        <p:nvPr/>
+      </p:nvGrpSpPr>
+      <p:grpSpPr>
+        <a:xfrm>
+          <a:off x="0" y="0"/>
+          <a:ext cx="0" cy="0"/>
+          <a:chOff x="0" y="0"/>
+          <a:chExt cx="0" cy="0"/>
+        </a:xfrm>
+      </p:grpSpPr>
+      <p:sp>
+        <p:nvSpPr>
+          <p:cNvPr id="2" name="标题 1">
+            <a:extLst>
+              <a:ext uri="{FF2B5EF4-FFF2-40B4-BE49-F238E27FC236}">
+                <a16:creationId xmlns:a16="http://schemas.microsoft.com/office/drawing/2014/main" id="{5AE02EFD-4BD9-4768-902B-4A842CE1CD1F}"/>
+              </a:ext>
+            </a:extLst>
+          </p:cNvPr>
+          <p:cNvSpPr>
+            <a:spLocks noGrp="1"/>
+          </p:cNvSpPr>
+          <p:nvPr>
+            <p:ph type="title"/>
+          </p:nvPr>
+        </p:nvSpPr>
+        <p:spPr/>
+        <p:txBody>
+          <a:bodyPr/>
+          <a:lstStyle/>
+          <a:p>
+            <a:r>
+              <a:rPr lang="en-US" altLang="zh-CN" dirty="0"/>
+              <a:t>Kungfu</a:t>
+            </a:r>
+            <a:r>
+              <a:rPr lang="zh-CN" altLang="en-US" dirty="0"/>
+              <a:t>的</a:t>
+            </a:r>
+            <a:r>
+              <a:rPr lang="en-US" altLang="zh-CN" dirty="0"/>
+              <a:t>MD</a:t>
+            </a:r>
+            <a:r>
+              <a:rPr lang="zh-CN" altLang="en-US" dirty="0"/>
+              <a:t>端点对消息队列的使用 </a:t>
+            </a:r>
+            <a:r>
+              <a:rPr lang="en-US" altLang="zh-CN" dirty="0"/>
+              <a:t>1/2</a:t>
+            </a:r>
+            <a:r>
+              <a:rPr lang="zh-CN" altLang="en-US" dirty="0"/>
+              <a:t>（读）</a:t>
+            </a:r>
+          </a:p>
+        </p:txBody>
+      </p:sp>
+      <p:sp>
+        <p:nvSpPr>
+          <p:cNvPr id="3" name="内容占位符 2">
+            <a:extLst>
+              <a:ext uri="{FF2B5EF4-FFF2-40B4-BE49-F238E27FC236}">
+                <a16:creationId xmlns:a16="http://schemas.microsoft.com/office/drawing/2014/main" id="{782F6CBB-A1F8-4367-A7F5-74E0A73B349C}"/>
+              </a:ext>
+            </a:extLst>
+          </p:cNvPr>
+          <p:cNvSpPr>
+            <a:spLocks noGrp="1"/>
+          </p:cNvSpPr>
+          <p:nvPr>
+            <p:ph idx="1"/>
+          </p:nvPr>
+        </p:nvSpPr>
+        <p:spPr/>
+        <p:txBody>
+          <a:bodyPr/>
+          <a:lstStyle/>
+          <a:p>
+            <a:r>
+              <a:rPr lang="zh-CN" altLang="en-US" dirty="0"/>
+              <a:t>程序文件</a:t>
+            </a:r>
+            <a:r>
+              <a:rPr lang="en-US" altLang="zh-CN" dirty="0" err="1"/>
+              <a:t>wingchun</a:t>
+            </a:r>
+            <a:r>
+              <a:rPr lang="en-US" altLang="zh-CN" dirty="0"/>
+              <a:t>\md\IMDEngine.cpp</a:t>
+            </a:r>
+          </a:p>
+          <a:p>
+            <a:r>
+              <a:rPr lang="zh-CN" altLang="en-US" dirty="0"/>
+              <a:t>无锁无</a:t>
+            </a:r>
+            <a:r>
+              <a:rPr lang="en-US" altLang="zh-CN" dirty="0"/>
+              <a:t>sleep</a:t>
+            </a:r>
+            <a:r>
+              <a:rPr lang="zh-CN" altLang="en-US" dirty="0"/>
+              <a:t>轮询来获取系统开启关闭消息，订阅消息，并处理</a:t>
+            </a:r>
+          </a:p>
+        </p:txBody>
+      </p:sp>
+      <p:pic>
+        <p:nvPicPr>
+          <p:cNvPr id="4" name="图片 3">
+            <a:extLst>
+              <a:ext uri="{FF2B5EF4-FFF2-40B4-BE49-F238E27FC236}">
+                <a16:creationId xmlns:a16="http://schemas.microsoft.com/office/drawing/2014/main" id="{785AE5B1-0986-4496-8009-73D929920866}"/>
+              </a:ext>
+            </a:extLst>
+          </p:cNvPr>
+          <p:cNvPicPr>
+            <a:picLocks noChangeAspect="1"/>
+          </p:cNvPicPr>
+          <p:nvPr/>
+        </p:nvPicPr>
+        <p:blipFill>
+          <a:blip r:embed="rId2"/>
+          <a:stretch>
+            <a:fillRect/>
+          </a:stretch>
+        </p:blipFill>
+        <p:spPr>
+          <a:xfrm>
+            <a:off x="1466254" y="2943331"/>
+            <a:ext cx="3741850" cy="3429000"/>
+          </a:xfrm>
+          <a:prstGeom prst="rect">
+            <a:avLst/>
+          </a:prstGeom>
+        </p:spPr>
+      </p:pic>
+      <p:pic>
+        <p:nvPicPr>
+          <p:cNvPr id="5" name="图片 4">
+            <a:extLst>
+              <a:ext uri="{FF2B5EF4-FFF2-40B4-BE49-F238E27FC236}">
+                <a16:creationId xmlns:a16="http://schemas.microsoft.com/office/drawing/2014/main" id="{26DE4DCE-E37E-488F-9328-9BD8F72B5C24}"/>
+              </a:ext>
+            </a:extLst>
+          </p:cNvPr>
+          <p:cNvPicPr>
+            <a:picLocks noChangeAspect="1"/>
+          </p:cNvPicPr>
+          <p:nvPr/>
+        </p:nvPicPr>
+        <p:blipFill>
+          <a:blip r:embed="rId3"/>
+          <a:stretch>
+            <a:fillRect/>
+          </a:stretch>
+        </p:blipFill>
+        <p:spPr>
+          <a:xfrm>
+            <a:off x="6003235" y="3263180"/>
+            <a:ext cx="4114800" cy="2007645"/>
+          </a:xfrm>
+          <a:prstGeom prst="rect">
+            <a:avLst/>
+          </a:prstGeom>
+        </p:spPr>
+      </p:pic>
+    </p:spTree>
+    <p:extLst>
+      <p:ext uri="{BB962C8B-B14F-4D97-AF65-F5344CB8AC3E}">
+        <p14:creationId xmlns:p14="http://schemas.microsoft.com/office/powerpoint/2010/main" val="3967950040"/>
+      </p:ext>
+    </p:extLst>
+  </p:cSld>
+  <p:clrMapOvr>
+    <a:masterClrMapping/>
+  </p:clrMapOvr>
+</p:sld>
+</file>
+
+<file path=ppt/slides/slide14.xml><?xml version="1.0" encoding="utf-8"?>
+<p:sld xmlns:a="http://schemas.openxmlformats.org/drawingml/2006/main" xmlns:r="http://schemas.openxmlformats.org/officeDocument/2006/relationships" xmlns:p="http://schemas.openxmlformats.org/presentationml/2006/main">
+  <p:cSld>
+    <p:spTree>
+      <p:nvGrpSpPr>
+        <p:cNvPr id="1" name=""/>
+        <p:cNvGrpSpPr/>
+        <p:nvPr/>
+      </p:nvGrpSpPr>
+      <p:grpSpPr>
+        <a:xfrm>
+          <a:off x="0" y="0"/>
+          <a:ext cx="0" cy="0"/>
+          <a:chOff x="0" y="0"/>
+          <a:chExt cx="0" cy="0"/>
+        </a:xfrm>
+      </p:grpSpPr>
+      <p:sp>
+        <p:nvSpPr>
+          <p:cNvPr id="2" name="标题 1">
+            <a:extLst>
+              <a:ext uri="{FF2B5EF4-FFF2-40B4-BE49-F238E27FC236}">
+                <a16:creationId xmlns:a16="http://schemas.microsoft.com/office/drawing/2014/main" id="{974955B2-EE4A-4875-A0AF-706222B13F10}"/>
+              </a:ext>
+            </a:extLst>
+          </p:cNvPr>
+          <p:cNvSpPr>
+            <a:spLocks noGrp="1"/>
+          </p:cNvSpPr>
+          <p:nvPr>
+            <p:ph type="title"/>
+          </p:nvPr>
+        </p:nvSpPr>
+        <p:spPr/>
+        <p:txBody>
+          <a:bodyPr/>
+          <a:lstStyle/>
+          <a:p>
+            <a:r>
+              <a:rPr lang="en-US" altLang="zh-CN" dirty="0"/>
+              <a:t>Kungfu</a:t>
+            </a:r>
+            <a:r>
+              <a:rPr lang="zh-CN" altLang="en-US" dirty="0"/>
+              <a:t>的</a:t>
+            </a:r>
+            <a:r>
+              <a:rPr lang="en-US" altLang="zh-CN" dirty="0"/>
+              <a:t>MD</a:t>
+            </a:r>
+            <a:r>
+              <a:rPr lang="zh-CN" altLang="en-US" dirty="0"/>
+              <a:t>端点对消息队列的使用 </a:t>
+            </a:r>
+            <a:r>
+              <a:rPr lang="en-US" altLang="zh-CN" dirty="0"/>
+              <a:t>2/2</a:t>
+            </a:r>
+            <a:r>
+              <a:rPr lang="zh-CN" altLang="en-US" dirty="0"/>
+              <a:t>（写）</a:t>
+            </a:r>
+          </a:p>
+        </p:txBody>
+      </p:sp>
+      <p:sp>
+        <p:nvSpPr>
+          <p:cNvPr id="3" name="内容占位符 2">
+            <a:extLst>
+              <a:ext uri="{FF2B5EF4-FFF2-40B4-BE49-F238E27FC236}">
+                <a16:creationId xmlns:a16="http://schemas.microsoft.com/office/drawing/2014/main" id="{26B095B0-FA4A-4FC9-BF9D-FE5E5320C21A}"/>
+              </a:ext>
+            </a:extLst>
+          </p:cNvPr>
+          <p:cNvSpPr>
+            <a:spLocks noGrp="1"/>
+          </p:cNvSpPr>
+          <p:nvPr>
+            <p:ph idx="1"/>
+          </p:nvPr>
+        </p:nvSpPr>
+        <p:spPr/>
+        <p:txBody>
+          <a:bodyPr/>
+          <a:lstStyle/>
+          <a:p>
+            <a:r>
+              <a:rPr lang="zh-CN" altLang="en-US" dirty="0"/>
+              <a:t>程序文件</a:t>
+            </a:r>
+            <a:r>
+              <a:rPr lang="en-US" altLang="zh-CN" dirty="0" err="1"/>
+              <a:t>wingchun</a:t>
+            </a:r>
+            <a:r>
+              <a:rPr lang="en-US" altLang="zh-CN" dirty="0"/>
+              <a:t>\md\IMDEngine.cpp</a:t>
+            </a:r>
+          </a:p>
+          <a:p>
+            <a:r>
+              <a:rPr lang="zh-CN" altLang="en-US" dirty="0"/>
+              <a:t>从交易所收到数据后，调用接口函数写入消息队列</a:t>
+            </a:r>
+            <a:endParaRPr lang="en-US" altLang="zh-CN" dirty="0"/>
+          </a:p>
+          <a:p>
+            <a:pPr lvl="1"/>
+            <a:r>
+              <a:rPr lang="en-US" altLang="zh-CN" dirty="0" err="1"/>
+              <a:t>on_price_book_update</a:t>
+            </a:r>
+            <a:r>
+              <a:rPr lang="en-US" altLang="zh-CN" dirty="0"/>
+              <a:t>(const LFPriceBook20Field* data) </a:t>
+            </a:r>
+            <a:r>
+              <a:rPr lang="zh-CN" altLang="en-US" dirty="0"/>
+              <a:t>，量价</a:t>
+            </a:r>
+            <a:r>
+              <a:rPr lang="en-US" altLang="zh-CN" dirty="0"/>
+              <a:t>ask/bid</a:t>
+            </a:r>
+            <a:r>
+              <a:rPr lang="zh-CN" altLang="en-US" dirty="0"/>
+              <a:t>各</a:t>
+            </a:r>
+            <a:r>
+              <a:rPr lang="en-US" altLang="zh-CN" dirty="0"/>
+              <a:t>20</a:t>
+            </a:r>
+            <a:r>
+              <a:rPr lang="zh-CN" altLang="en-US" dirty="0"/>
+              <a:t>个数据的消息 （这是为虚拟货币交易而新增的接口方法，参考</a:t>
+            </a:r>
+            <a:r>
+              <a:rPr lang="en-US" altLang="zh-CN" dirty="0"/>
+              <a:t>PriceBook20Assembler</a:t>
+            </a:r>
+            <a:r>
+              <a:rPr lang="zh-CN" altLang="en-US" dirty="0"/>
+              <a:t>）</a:t>
+            </a:r>
+            <a:endParaRPr lang="en-US" altLang="zh-CN" dirty="0"/>
+          </a:p>
+          <a:p>
+            <a:pPr lvl="1"/>
+            <a:r>
+              <a:rPr lang="en-US" altLang="zh-CN" dirty="0" err="1"/>
+              <a:t>on_trade</a:t>
+            </a:r>
+            <a:r>
+              <a:rPr lang="en-US" altLang="zh-CN" dirty="0"/>
+              <a:t>(const LFL2TradeField* trade) </a:t>
+            </a:r>
+            <a:r>
+              <a:rPr lang="zh-CN" altLang="en-US" dirty="0"/>
+              <a:t>市场成交信息</a:t>
+            </a:r>
+            <a:endParaRPr lang="en-US" altLang="zh-CN" dirty="0"/>
+          </a:p>
+          <a:p>
+            <a:pPr lvl="1"/>
+            <a:r>
+              <a:rPr lang="en-US" altLang="zh-CN" dirty="0" err="1"/>
+              <a:t>on_market_data</a:t>
+            </a:r>
+            <a:r>
+              <a:rPr lang="en-US" altLang="zh-CN" dirty="0"/>
+              <a:t>(const </a:t>
+            </a:r>
+            <a:r>
+              <a:rPr lang="en-US" altLang="zh-CN" dirty="0" err="1"/>
+              <a:t>LFMarketDataField</a:t>
+            </a:r>
+            <a:r>
+              <a:rPr lang="en-US" altLang="zh-CN" dirty="0"/>
+              <a:t>* data)  </a:t>
+            </a:r>
+            <a:r>
+              <a:rPr lang="zh-CN" altLang="en-US" dirty="0"/>
+              <a:t>一个量价的消息数据，目前没有使用</a:t>
+            </a:r>
+          </a:p>
+        </p:txBody>
+      </p:sp>
+      <p:pic>
+        <p:nvPicPr>
+          <p:cNvPr id="4" name="图片 3">
+            <a:extLst>
+              <a:ext uri="{FF2B5EF4-FFF2-40B4-BE49-F238E27FC236}">
+                <a16:creationId xmlns:a16="http://schemas.microsoft.com/office/drawing/2014/main" id="{C5F11D25-72A4-4E37-A068-F83A1777224D}"/>
+              </a:ext>
+            </a:extLst>
+          </p:cNvPr>
+          <p:cNvPicPr>
+            <a:picLocks noChangeAspect="1"/>
+          </p:cNvPicPr>
+          <p:nvPr/>
+        </p:nvPicPr>
+        <p:blipFill>
+          <a:blip r:embed="rId2"/>
+          <a:stretch>
+            <a:fillRect/>
+          </a:stretch>
+        </p:blipFill>
+        <p:spPr>
+          <a:xfrm>
+            <a:off x="5126935" y="4759325"/>
+            <a:ext cx="5715000" cy="1733550"/>
+          </a:xfrm>
+          <a:prstGeom prst="rect">
+            <a:avLst/>
+          </a:prstGeom>
+        </p:spPr>
+      </p:pic>
+    </p:spTree>
+    <p:extLst>
+      <p:ext uri="{BB962C8B-B14F-4D97-AF65-F5344CB8AC3E}">
+        <p14:creationId xmlns:p14="http://schemas.microsoft.com/office/powerpoint/2010/main" val="1669272133"/>
+      </p:ext>
+    </p:extLst>
+  </p:cSld>
+  <p:clrMapOvr>
+    <a:masterClrMapping/>
+  </p:clrMapOvr>
+</p:sld>
+</file>
+
+<file path=ppt/slides/slide15.xml><?xml version="1.0" encoding="utf-8"?>
+<p:sld xmlns:a="http://schemas.openxmlformats.org/drawingml/2006/main" xmlns:r="http://schemas.openxmlformats.org/officeDocument/2006/relationships" xmlns:p="http://schemas.openxmlformats.org/presentationml/2006/main">
+  <p:cSld>
+    <p:spTree>
+      <p:nvGrpSpPr>
+        <p:cNvPr id="1" name=""/>
+        <p:cNvGrpSpPr/>
+        <p:nvPr/>
+      </p:nvGrpSpPr>
+      <p:grpSpPr>
+        <a:xfrm>
+          <a:off x="0" y="0"/>
+          <a:ext cx="0" cy="0"/>
+          <a:chOff x="0" y="0"/>
+          <a:chExt cx="0" cy="0"/>
+        </a:xfrm>
+      </p:grpSpPr>
+      <p:sp>
+        <p:nvSpPr>
+          <p:cNvPr id="2" name="标题 1">
+            <a:extLst>
+              <a:ext uri="{FF2B5EF4-FFF2-40B4-BE49-F238E27FC236}">
                 <a16:creationId xmlns:a16="http://schemas.microsoft.com/office/drawing/2014/main" id="{F09EDA92-84E8-479C-B735-610B33C5DC90}"/>
               </a:ext>
             </a:extLst>
@@ -4076,7 +5083,7 @@
 </p:sld>
 </file>
 
-<file path=ppt/slides/slide11.xml><?xml version="1.0" encoding="utf-8"?>
+<file path=ppt/slides/slide16.xml><?xml version="1.0" encoding="utf-8"?>
 <p:sld xmlns:a="http://schemas.openxmlformats.org/drawingml/2006/main" xmlns:r="http://schemas.openxmlformats.org/officeDocument/2006/relationships" xmlns:p="http://schemas.openxmlformats.org/presentationml/2006/main">
   <p:cSld>
     <p:spTree>
@@ -4238,7 +5245,7 @@
 </p:sld>
 </file>
 
-<file path=ppt/slides/slide12.xml><?xml version="1.0" encoding="utf-8"?>
+<file path=ppt/slides/slide17.xml><?xml version="1.0" encoding="utf-8"?>
 <p:sld xmlns:a="http://schemas.openxmlformats.org/drawingml/2006/main" xmlns:r="http://schemas.openxmlformats.org/officeDocument/2006/relationships" xmlns:p="http://schemas.openxmlformats.org/presentationml/2006/main">
   <p:cSld>
     <p:spTree>
@@ -4411,7 +5418,7 @@
 </p:sld>
 </file>
 
-<file path=ppt/slides/slide13.xml><?xml version="1.0" encoding="utf-8"?>
+<file path=ppt/slides/slide18.xml><?xml version="1.0" encoding="utf-8"?>
 <p:sld xmlns:a="http://schemas.openxmlformats.org/drawingml/2006/main" xmlns:r="http://schemas.openxmlformats.org/officeDocument/2006/relationships" xmlns:p="http://schemas.openxmlformats.org/presentationml/2006/main">
   <p:cSld>
     <p:spTree>
@@ -4591,7 +5598,7 @@
 </p:sld>
 </file>
 
-<file path=ppt/slides/slide14.xml><?xml version="1.0" encoding="utf-8"?>
+<file path=ppt/slides/slide19.xml><?xml version="1.0" encoding="utf-8"?>
 <p:sld xmlns:a="http://schemas.openxmlformats.org/drawingml/2006/main" xmlns:r="http://schemas.openxmlformats.org/officeDocument/2006/relationships" xmlns:p="http://schemas.openxmlformats.org/presentationml/2006/main">
   <p:cSld>
     <p:spTree>
@@ -4868,7 +5875,348 @@
 </p:sld>
 </file>
 
-<file path=ppt/slides/slide15.xml><?xml version="1.0" encoding="utf-8"?>
+<file path=ppt/slides/slide2.xml><?xml version="1.0" encoding="utf-8"?>
+<p:sld xmlns:a="http://schemas.openxmlformats.org/drawingml/2006/main" xmlns:r="http://schemas.openxmlformats.org/officeDocument/2006/relationships" xmlns:p="http://schemas.openxmlformats.org/presentationml/2006/main">
+  <p:cSld>
+    <p:spTree>
+      <p:nvGrpSpPr>
+        <p:cNvPr id="1" name=""/>
+        <p:cNvGrpSpPr/>
+        <p:nvPr/>
+      </p:nvGrpSpPr>
+      <p:grpSpPr>
+        <a:xfrm>
+          <a:off x="0" y="0"/>
+          <a:ext cx="0" cy="0"/>
+          <a:chOff x="0" y="0"/>
+          <a:chExt cx="0" cy="0"/>
+        </a:xfrm>
+      </p:grpSpPr>
+      <p:sp>
+        <p:nvSpPr>
+          <p:cNvPr id="2" name="标题 1">
+            <a:extLst>
+              <a:ext uri="{FF2B5EF4-FFF2-40B4-BE49-F238E27FC236}">
+                <a16:creationId xmlns:a16="http://schemas.microsoft.com/office/drawing/2014/main" id="{1A161700-0032-4079-8C1E-B8944A881439}"/>
+              </a:ext>
+            </a:extLst>
+          </p:cNvPr>
+          <p:cNvSpPr>
+            <a:spLocks noGrp="1"/>
+          </p:cNvSpPr>
+          <p:nvPr>
+            <p:ph type="title"/>
+          </p:nvPr>
+        </p:nvSpPr>
+        <p:spPr/>
+        <p:txBody>
+          <a:bodyPr/>
+          <a:lstStyle/>
+          <a:p>
+            <a:r>
+              <a:rPr lang="en-US" altLang="zh-CN" dirty="0"/>
+              <a:t>Kungfu</a:t>
+            </a:r>
+            <a:r>
+              <a:rPr lang="zh-CN" altLang="en-US" dirty="0"/>
+              <a:t>架构</a:t>
+            </a:r>
+          </a:p>
+        </p:txBody>
+      </p:sp>
+      <p:sp>
+        <p:nvSpPr>
+          <p:cNvPr id="3" name="内容占位符 2">
+            <a:extLst>
+              <a:ext uri="{FF2B5EF4-FFF2-40B4-BE49-F238E27FC236}">
+                <a16:creationId xmlns:a16="http://schemas.microsoft.com/office/drawing/2014/main" id="{C1447AB2-3D5C-4A82-AB8C-5CD22673BF11}"/>
+              </a:ext>
+            </a:extLst>
+          </p:cNvPr>
+          <p:cNvSpPr>
+            <a:spLocks noGrp="1"/>
+          </p:cNvSpPr>
+          <p:nvPr>
+            <p:ph idx="1"/>
+          </p:nvPr>
+        </p:nvSpPr>
+        <p:spPr/>
+        <p:txBody>
+          <a:bodyPr>
+            <a:normAutofit fontScale="70000" lnSpcReduction="20000"/>
+          </a:bodyPr>
+          <a:lstStyle/>
+          <a:p>
+            <a:r>
+              <a:rPr lang="zh-CN" altLang="en-US" sz="2600" dirty="0"/>
+              <a:t>通过共享文件映射</a:t>
+            </a:r>
+            <a:r>
+              <a:rPr lang="en-US" altLang="zh-CN" sz="2600" dirty="0"/>
+              <a:t>(</a:t>
+            </a:r>
+            <a:r>
+              <a:rPr lang="en-US" altLang="zh-CN" sz="2600" dirty="0" err="1"/>
+              <a:t>memmap</a:t>
+            </a:r>
+            <a:r>
+              <a:rPr lang="en-US" altLang="zh-CN" sz="2600" dirty="0"/>
+              <a:t>)</a:t>
+            </a:r>
+            <a:r>
+              <a:rPr lang="zh-CN" altLang="en-US" sz="2600" dirty="0"/>
+              <a:t>来做的消息队列系统，消息队列的端点</a:t>
+            </a:r>
+            <a:r>
+              <a:rPr lang="en-US" altLang="zh-CN" sz="2600" dirty="0"/>
+              <a:t>(</a:t>
+            </a:r>
+            <a:r>
+              <a:rPr lang="en-US" altLang="zh-CN" sz="2600" dirty="0" err="1"/>
+              <a:t>EndPoint</a:t>
+            </a:r>
+            <a:r>
+              <a:rPr lang="en-US" altLang="zh-CN" sz="2600" dirty="0"/>
+              <a:t>)</a:t>
+            </a:r>
+            <a:r>
+              <a:rPr lang="zh-CN" altLang="en-US" sz="2600" dirty="0"/>
+              <a:t>通过</a:t>
+            </a:r>
+            <a:r>
+              <a:rPr lang="en-US" altLang="zh-CN" sz="2600" dirty="0" err="1"/>
+              <a:t>yijinjing</a:t>
+            </a:r>
+            <a:r>
+              <a:rPr lang="zh-CN" altLang="en-US" sz="2600" dirty="0"/>
+              <a:t>来读取配置文件，端点</a:t>
+            </a:r>
+            <a:r>
+              <a:rPr lang="en-US" altLang="zh-CN" sz="2600" dirty="0"/>
+              <a:t>(</a:t>
+            </a:r>
+            <a:r>
+              <a:rPr lang="en-US" altLang="zh-CN" sz="2600" dirty="0" err="1"/>
+              <a:t>EndPoint</a:t>
+            </a:r>
+            <a:r>
+              <a:rPr lang="en-US" altLang="zh-CN" sz="2600" dirty="0"/>
+              <a:t>)</a:t>
+            </a:r>
+            <a:r>
+              <a:rPr lang="zh-CN" altLang="en-US" sz="2400" dirty="0"/>
+              <a:t>无锁无</a:t>
+            </a:r>
+            <a:r>
+              <a:rPr lang="en-US" altLang="zh-CN" sz="2400" dirty="0"/>
+              <a:t>sleep</a:t>
+            </a:r>
+            <a:r>
+              <a:rPr lang="zh-CN" altLang="en-US" sz="2600" dirty="0"/>
+              <a:t>轮询消息，形成零延迟。</a:t>
+            </a:r>
+            <a:endParaRPr lang="en-US" altLang="zh-CN" sz="2600" dirty="0"/>
+          </a:p>
+          <a:p>
+            <a:endParaRPr lang="en-US" altLang="zh-CN" dirty="0"/>
+          </a:p>
+          <a:p>
+            <a:r>
+              <a:rPr lang="en-US" altLang="zh-CN" dirty="0"/>
+              <a:t>Supervisor </a:t>
+            </a:r>
+            <a:r>
+              <a:rPr lang="zh-CN" altLang="en-US" dirty="0"/>
+              <a:t>做进程控制</a:t>
+            </a:r>
+            <a:endParaRPr lang="en-US" altLang="zh-CN" dirty="0"/>
+          </a:p>
+          <a:p>
+            <a:pPr lvl="1"/>
+            <a:r>
+              <a:rPr lang="en-US" altLang="zh-CN" dirty="0"/>
+              <a:t>rpm\bin\</a:t>
+            </a:r>
+            <a:r>
+              <a:rPr lang="en-US" altLang="zh-CN" dirty="0" err="1"/>
+              <a:t>kungfuctl</a:t>
+            </a:r>
+            <a:r>
+              <a:rPr lang="en-US" altLang="zh-CN" dirty="0"/>
+              <a:t>      </a:t>
+            </a:r>
+            <a:r>
+              <a:rPr lang="zh-CN" altLang="en-US" dirty="0"/>
+              <a:t>控制程序启动文件</a:t>
+            </a:r>
+            <a:endParaRPr lang="en-US" altLang="zh-CN" dirty="0"/>
+          </a:p>
+          <a:p>
+            <a:pPr lvl="1"/>
+            <a:r>
+              <a:rPr lang="en-US" altLang="zh-CN" dirty="0"/>
+              <a:t>rpm\</a:t>
+            </a:r>
+            <a:r>
+              <a:rPr lang="en-US" altLang="zh-CN" dirty="0" err="1"/>
+              <a:t>etc</a:t>
+            </a:r>
+            <a:r>
+              <a:rPr lang="en-US" altLang="zh-CN" dirty="0"/>
+              <a:t>\supervisor\</a:t>
+            </a:r>
+            <a:r>
+              <a:rPr lang="en-US" altLang="zh-CN" dirty="0" err="1"/>
+              <a:t>conf.d</a:t>
+            </a:r>
+            <a:r>
+              <a:rPr lang="en-US" altLang="zh-CN" dirty="0"/>
+              <a:t>\*        md</a:t>
+            </a:r>
+            <a:r>
+              <a:rPr lang="zh-CN" altLang="en-US" dirty="0"/>
+              <a:t>，</a:t>
+            </a:r>
+            <a:r>
+              <a:rPr lang="en-US" altLang="zh-CN" dirty="0"/>
+              <a:t>td</a:t>
+            </a:r>
+            <a:r>
+              <a:rPr lang="zh-CN" altLang="en-US" dirty="0"/>
+              <a:t>的配置文件</a:t>
+            </a:r>
+            <a:endParaRPr lang="en-US" altLang="zh-CN" dirty="0"/>
+          </a:p>
+          <a:p>
+            <a:pPr lvl="1"/>
+            <a:r>
+              <a:rPr lang="en-US" altLang="zh-CN" dirty="0">
+                <a:hlinkClick r:id="rId2"/>
+              </a:rPr>
+              <a:t>http://supervisord.org/introduction.html</a:t>
+            </a:r>
+            <a:r>
+              <a:rPr lang="en-US" altLang="zh-CN" dirty="0"/>
+              <a:t> </a:t>
+            </a:r>
+            <a:r>
+              <a:rPr lang="zh-CN" altLang="en-US" dirty="0"/>
+              <a:t> </a:t>
+            </a:r>
+            <a:r>
+              <a:rPr lang="en-US" altLang="zh-CN" dirty="0"/>
+              <a:t>Supervisor</a:t>
+            </a:r>
+            <a:r>
+              <a:rPr lang="zh-CN" altLang="en-US" dirty="0"/>
+              <a:t>是用</a:t>
+            </a:r>
+            <a:r>
+              <a:rPr lang="en-US" altLang="zh-CN" dirty="0"/>
+              <a:t>Python</a:t>
+            </a:r>
+            <a:r>
+              <a:rPr lang="zh-CN" altLang="en-US" dirty="0"/>
+              <a:t>开发的一套通用的进程管理程序，能将一个普通的命令行进程变为后台</a:t>
+            </a:r>
+            <a:r>
+              <a:rPr lang="en-US" altLang="zh-CN" dirty="0"/>
+              <a:t>daemon</a:t>
+            </a:r>
+            <a:r>
+              <a:rPr lang="zh-CN" altLang="en-US" dirty="0"/>
+              <a:t>，并监控进程状态，异常退出时能自动重启。</a:t>
+            </a:r>
+            <a:endParaRPr lang="en-US" altLang="zh-CN" dirty="0"/>
+          </a:p>
+          <a:p>
+            <a:endParaRPr lang="en-US" altLang="zh-CN" dirty="0"/>
+          </a:p>
+          <a:p>
+            <a:r>
+              <a:rPr lang="zh-CN" altLang="en-US" dirty="0"/>
+              <a:t>消息队列的端点</a:t>
+            </a:r>
+            <a:r>
+              <a:rPr lang="en-US" altLang="zh-CN" dirty="0"/>
+              <a:t>(</a:t>
+            </a:r>
+            <a:r>
+              <a:rPr lang="en-US" altLang="zh-CN" dirty="0" err="1"/>
+              <a:t>EndPoint</a:t>
+            </a:r>
+            <a:r>
+              <a:rPr lang="en-US" altLang="zh-CN" dirty="0"/>
+              <a:t>)</a:t>
+            </a:r>
+            <a:r>
+              <a:rPr lang="zh-CN" altLang="en-US" dirty="0"/>
+              <a:t>是一个进程，比如</a:t>
+            </a:r>
+            <a:r>
+              <a:rPr lang="en-US" altLang="zh-CN" dirty="0" err="1"/>
+              <a:t>Bitfinex_TD</a:t>
+            </a:r>
+            <a:r>
+              <a:rPr lang="zh-CN" altLang="en-US" dirty="0"/>
+              <a:t>是一个进程，</a:t>
+            </a:r>
+            <a:r>
+              <a:rPr lang="en-US" altLang="zh-CN" dirty="0" err="1"/>
+              <a:t>Bitfinex_MD</a:t>
+            </a:r>
+            <a:r>
+              <a:rPr lang="zh-CN" altLang="en-US" dirty="0"/>
+              <a:t>是一个进程，每一个策略也是一个进程</a:t>
+            </a:r>
+            <a:endParaRPr lang="en-US" altLang="zh-CN" dirty="0"/>
+          </a:p>
+          <a:p>
+            <a:endParaRPr lang="en-US" altLang="zh-CN" dirty="0"/>
+          </a:p>
+          <a:p>
+            <a:r>
+              <a:rPr lang="zh-CN" altLang="en-US" dirty="0"/>
+              <a:t>使用参考</a:t>
+            </a:r>
+            <a:r>
+              <a:rPr lang="en-US" altLang="zh-CN" dirty="0"/>
+              <a:t>: </a:t>
+            </a:r>
+            <a:br>
+              <a:rPr lang="en-US" altLang="zh-CN" dirty="0"/>
+            </a:br>
+            <a:r>
+              <a:rPr lang="en-US" altLang="zh-CN" dirty="0"/>
+              <a:t>https://github.com/taurusai/kungfu</a:t>
+            </a:r>
+            <a:endParaRPr lang="zh-CN" altLang="en-US" dirty="0"/>
+          </a:p>
+          <a:p>
+            <a:endParaRPr lang="en-US" altLang="zh-CN" dirty="0"/>
+          </a:p>
+          <a:p>
+            <a:endParaRPr lang="en-US" altLang="zh-CN" dirty="0"/>
+          </a:p>
+          <a:p>
+            <a:endParaRPr lang="zh-CN" altLang="en-US" dirty="0"/>
+          </a:p>
+        </p:txBody>
+      </p:sp>
+    </p:spTree>
+    <p:extLst>
+      <p:ext uri="{BB962C8B-B14F-4D97-AF65-F5344CB8AC3E}">
+        <p14:creationId xmlns:p14="http://schemas.microsoft.com/office/powerpoint/2010/main" val="2563743880"/>
+      </p:ext>
+    </p:extLst>
+  </p:cSld>
+  <p:clrMapOvr>
+    <a:masterClrMapping/>
+  </p:clrMapOvr>
+</p:sld>
+</file>
+
+<file path=ppt/slides/slide20.xml><?xml version="1.0" encoding="utf-8"?>
 <p:sld xmlns:a="http://schemas.openxmlformats.org/drawingml/2006/main" xmlns:r="http://schemas.openxmlformats.org/officeDocument/2006/relationships" xmlns:p="http://schemas.openxmlformats.org/presentationml/2006/main">
   <p:cSld>
     <p:spTree>
@@ -4992,7 +6340,7 @@
 </p:sld>
 </file>
 
-<file path=ppt/slides/slide16.xml><?xml version="1.0" encoding="utf-8"?>
+<file path=ppt/slides/slide21.xml><?xml version="1.0" encoding="utf-8"?>
 <p:sld xmlns:a="http://schemas.openxmlformats.org/drawingml/2006/main" xmlns:r="http://schemas.openxmlformats.org/officeDocument/2006/relationships" xmlns:p="http://schemas.openxmlformats.org/presentationml/2006/main">
   <p:cSld>
     <p:spTree>
@@ -5143,7 +6491,7 @@
 </p:sld>
 </file>
 
-<file path=ppt/slides/slide17.xml><?xml version="1.0" encoding="utf-8"?>
+<file path=ppt/slides/slide22.xml><?xml version="1.0" encoding="utf-8"?>
 <p:sld xmlns:a="http://schemas.openxmlformats.org/drawingml/2006/main" xmlns:r="http://schemas.openxmlformats.org/officeDocument/2006/relationships" xmlns:p="http://schemas.openxmlformats.org/presentationml/2006/main">
   <p:cSld>
     <p:spTree>
@@ -5332,7 +6680,7 @@
 </p:sld>
 </file>
 
-<file path=ppt/slides/slide18.xml><?xml version="1.0" encoding="utf-8"?>
+<file path=ppt/slides/slide23.xml><?xml version="1.0" encoding="utf-8"?>
 <p:sld xmlns:a="http://schemas.openxmlformats.org/drawingml/2006/main" xmlns:r="http://schemas.openxmlformats.org/officeDocument/2006/relationships" xmlns:p="http://schemas.openxmlformats.org/presentationml/2006/main">
   <p:cSld>
     <p:spTree>
@@ -5544,7 +6892,7 @@
 </p:sld>
 </file>
 
-<file path=ppt/slides/slide19.xml><?xml version="1.0" encoding="utf-8"?>
+<file path=ppt/slides/slide24.xml><?xml version="1.0" encoding="utf-8"?>
 <p:sld xmlns:a="http://schemas.openxmlformats.org/drawingml/2006/main" xmlns:r="http://schemas.openxmlformats.org/officeDocument/2006/relationships" xmlns:p="http://schemas.openxmlformats.org/presentationml/2006/main">
   <p:cSld>
     <p:spTree>
@@ -5566,7 +6914,7 @@
           <p:cNvPr id="2" name="标题 1">
             <a:extLst>
               <a:ext uri="{FF2B5EF4-FFF2-40B4-BE49-F238E27FC236}">
-                <a16:creationId xmlns:a16="http://schemas.microsoft.com/office/drawing/2014/main" id="{02096BF3-F7BD-474B-B581-A3C3EBB6E04E}"/>
+                <a16:creationId xmlns:a16="http://schemas.microsoft.com/office/drawing/2014/main" id="{931DCE3C-4088-4F05-9D7D-3A29E47F9993}"/>
               </a:ext>
             </a:extLst>
           </p:cNvPr>
@@ -5583,8 +6931,12 @@
           <a:lstStyle/>
           <a:p>
             <a:r>
-              <a:rPr lang="zh-CN" altLang="en-US" dirty="0"/>
-              <a:t>参考</a:t>
+              <a:rPr lang="en-US" altLang="zh-CN" dirty="0"/>
+              <a:t>Python</a:t>
+            </a:r>
+            <a:r>
+              <a:rPr lang="zh-CN" altLang="en-US" dirty="0"/>
+              <a:t>策略通过接口转换获得了同等</a:t>
             </a:r>
             <a:r>
               <a:rPr lang="en-US" altLang="zh-CN" dirty="0"/>
@@ -5592,62 +6944,47 @@
             </a:r>
             <a:r>
               <a:rPr lang="zh-CN" altLang="en-US" dirty="0"/>
-              <a:t>策略和</a:t>
-            </a:r>
-            <a:r>
-              <a:rPr lang="en-US" altLang="zh-CN" dirty="0"/>
-              <a:t>Python</a:t>
-            </a:r>
-            <a:r>
-              <a:rPr lang="zh-CN" altLang="en-US" dirty="0"/>
-              <a:t>策略</a:t>
-            </a:r>
-          </a:p>
-        </p:txBody>
-      </p:sp>
-      <p:sp>
-        <p:nvSpPr>
-          <p:cNvPr id="3" name="内容占位符 2">
-            <a:extLst>
-              <a:ext uri="{FF2B5EF4-FFF2-40B4-BE49-F238E27FC236}">
-                <a16:creationId xmlns:a16="http://schemas.microsoft.com/office/drawing/2014/main" id="{98FF4108-323A-44CC-92FD-0D65FE31E3B3}"/>
-              </a:ext>
-            </a:extLst>
-          </p:cNvPr>
-          <p:cNvSpPr>
-            <a:spLocks noGrp="1"/>
-          </p:cNvSpPr>
+              <a:t>策略的能力</a:t>
+            </a:r>
+          </a:p>
+        </p:txBody>
+      </p:sp>
+      <p:pic>
+        <p:nvPicPr>
+          <p:cNvPr id="4" name="内容占位符 3">
+            <a:extLst>
+              <a:ext uri="{FF2B5EF4-FFF2-40B4-BE49-F238E27FC236}">
+                <a16:creationId xmlns:a16="http://schemas.microsoft.com/office/drawing/2014/main" id="{79058695-FB0B-4BE6-BE50-E2DB50EA1FC6}"/>
+              </a:ext>
+            </a:extLst>
+          </p:cNvPr>
+          <p:cNvPicPr>
+            <a:picLocks noGrp="1" noChangeAspect="1"/>
+          </p:cNvPicPr>
           <p:nvPr>
             <p:ph idx="1"/>
           </p:nvPr>
-        </p:nvSpPr>
-        <p:spPr/>
-        <p:txBody>
-          <a:bodyPr/>
-          <a:lstStyle/>
-          <a:p>
-            <a:r>
-              <a:rPr lang="en-US" altLang="zh-CN" dirty="0" err="1"/>
-              <a:t>wingchun</a:t>
-            </a:r>
-            <a:r>
-              <a:rPr lang="en-US" altLang="zh-CN" dirty="0"/>
-              <a:t>\strategy\binance_md_td_strategy.cpp</a:t>
-            </a:r>
-          </a:p>
-          <a:p>
-            <a:r>
-              <a:rPr lang="en-US" altLang="zh-CN" dirty="0"/>
-              <a:t>wingchun\strategy\py_demo\binance_order_cancel_test.py</a:t>
-            </a:r>
-            <a:endParaRPr lang="zh-CN" altLang="en-US" dirty="0"/>
-          </a:p>
-        </p:txBody>
-      </p:sp>
+        </p:nvPicPr>
+        <p:blipFill>
+          <a:blip r:embed="rId2"/>
+          <a:stretch>
+            <a:fillRect/>
+          </a:stretch>
+        </p:blipFill>
+        <p:spPr>
+          <a:xfrm>
+            <a:off x="846060" y="2352399"/>
+            <a:ext cx="10507740" cy="4351338"/>
+          </a:xfrm>
+          <a:prstGeom prst="rect">
+            <a:avLst/>
+          </a:prstGeom>
+        </p:spPr>
+      </p:pic>
     </p:spTree>
     <p:extLst>
       <p:ext uri="{BB962C8B-B14F-4D97-AF65-F5344CB8AC3E}">
-        <p14:creationId xmlns:p14="http://schemas.microsoft.com/office/powerpoint/2010/main" val="2689043168"/>
+        <p14:creationId xmlns:p14="http://schemas.microsoft.com/office/powerpoint/2010/main" val="3413632780"/>
       </p:ext>
     </p:extLst>
   </p:cSld>
@@ -5657,7 +6994,7 @@
 </p:sld>
 </file>
 
-<file path=ppt/slides/slide2.xml><?xml version="1.0" encoding="utf-8"?>
+<file path=ppt/slides/slide25.xml><?xml version="1.0" encoding="utf-8"?>
 <p:sld xmlns:a="http://schemas.openxmlformats.org/drawingml/2006/main" xmlns:r="http://schemas.openxmlformats.org/officeDocument/2006/relationships" xmlns:p="http://schemas.openxmlformats.org/presentationml/2006/main">
   <p:cSld>
     <p:spTree>
@@ -5679,7 +7016,7 @@
           <p:cNvPr id="2" name="标题 1">
             <a:extLst>
               <a:ext uri="{FF2B5EF4-FFF2-40B4-BE49-F238E27FC236}">
-                <a16:creationId xmlns:a16="http://schemas.microsoft.com/office/drawing/2014/main" id="{1A161700-0032-4079-8C1E-B8944A881439}"/>
+                <a16:creationId xmlns:a16="http://schemas.microsoft.com/office/drawing/2014/main" id="{02096BF3-F7BD-474B-B581-A3C3EBB6E04E}"/>
               </a:ext>
             </a:extLst>
           </p:cNvPr>
@@ -5696,12 +7033,24 @@
           <a:lstStyle/>
           <a:p>
             <a:r>
-              <a:rPr lang="en-US" altLang="zh-CN" dirty="0"/>
-              <a:t>Kungfu</a:t>
-            </a:r>
-            <a:r>
-              <a:rPr lang="zh-CN" altLang="en-US" dirty="0"/>
-              <a:t>架构</a:t>
+              <a:rPr lang="zh-CN" altLang="en-US" dirty="0"/>
+              <a:t>参考</a:t>
+            </a:r>
+            <a:r>
+              <a:rPr lang="en-US" altLang="zh-CN" dirty="0"/>
+              <a:t>C++</a:t>
+            </a:r>
+            <a:r>
+              <a:rPr lang="zh-CN" altLang="en-US" dirty="0"/>
+              <a:t>策略和</a:t>
+            </a:r>
+            <a:r>
+              <a:rPr lang="en-US" altLang="zh-CN" dirty="0"/>
+              <a:t>Python</a:t>
+            </a:r>
+            <a:r>
+              <a:rPr lang="zh-CN" altLang="en-US" dirty="0"/>
+              <a:t>策略</a:t>
             </a:r>
           </a:p>
         </p:txBody>
@@ -5711,7 +7060,7 @@
           <p:cNvPr id="3" name="内容占位符 2">
             <a:extLst>
               <a:ext uri="{FF2B5EF4-FFF2-40B4-BE49-F238E27FC236}">
-                <a16:creationId xmlns:a16="http://schemas.microsoft.com/office/drawing/2014/main" id="{C1447AB2-3D5C-4A82-AB8C-5CD22673BF11}"/>
+                <a16:creationId xmlns:a16="http://schemas.microsoft.com/office/drawing/2014/main" id="{98FF4108-323A-44CC-92FD-0D65FE31E3B3}"/>
               </a:ext>
             </a:extLst>
           </p:cNvPr>
@@ -5724,263 +7073,23 @@
         </p:nvSpPr>
         <p:spPr/>
         <p:txBody>
-          <a:bodyPr>
-            <a:normAutofit fontScale="70000" lnSpcReduction="20000"/>
-          </a:bodyPr>
-          <a:lstStyle/>
-          <a:p>
-            <a:r>
-              <a:rPr lang="zh-CN" altLang="en-US" sz="2600" dirty="0"/>
-              <a:t>通过共享文件映射</a:t>
-            </a:r>
-            <a:r>
-              <a:rPr lang="en-US" altLang="zh-CN" sz="2600" dirty="0"/>
-              <a:t>(</a:t>
-            </a:r>
-            <a:r>
-              <a:rPr lang="en-US" altLang="zh-CN" sz="2600" dirty="0" err="1"/>
-              <a:t>memmap</a:t>
-            </a:r>
-            <a:r>
-              <a:rPr lang="en-US" altLang="zh-CN" sz="2600" dirty="0"/>
-              <a:t>)</a:t>
-            </a:r>
-            <a:r>
-              <a:rPr lang="zh-CN" altLang="en-US" sz="2600" dirty="0"/>
-              <a:t>来做的消息队列系统，消息队列的端点</a:t>
-            </a:r>
-            <a:r>
-              <a:rPr lang="en-US" altLang="zh-CN" sz="2600" dirty="0"/>
-              <a:t>(</a:t>
-            </a:r>
-            <a:r>
-              <a:rPr lang="en-US" altLang="zh-CN" sz="2600" dirty="0" err="1"/>
-              <a:t>EndPoint</a:t>
-            </a:r>
-            <a:r>
-              <a:rPr lang="en-US" altLang="zh-CN" sz="2600" dirty="0"/>
-              <a:t>)</a:t>
-            </a:r>
-            <a:r>
-              <a:rPr lang="zh-CN" altLang="en-US" sz="2600" dirty="0"/>
-              <a:t>通过</a:t>
-            </a:r>
-            <a:r>
-              <a:rPr lang="en-US" altLang="zh-CN" sz="2600" dirty="0" err="1"/>
-              <a:t>yijinjing</a:t>
-            </a:r>
-            <a:r>
-              <a:rPr lang="zh-CN" altLang="en-US" sz="2600" dirty="0"/>
-              <a:t>来读取配置文件，端点</a:t>
-            </a:r>
-            <a:r>
-              <a:rPr lang="en-US" altLang="zh-CN" sz="2600" dirty="0"/>
-              <a:t>(</a:t>
-            </a:r>
-            <a:r>
-              <a:rPr lang="en-US" altLang="zh-CN" sz="2600" dirty="0" err="1"/>
-              <a:t>EndPoint</a:t>
-            </a:r>
-            <a:r>
-              <a:rPr lang="en-US" altLang="zh-CN" sz="2600" dirty="0"/>
-              <a:t>)</a:t>
-            </a:r>
-            <a:r>
-              <a:rPr lang="zh-CN" altLang="en-US" sz="2400" dirty="0"/>
-              <a:t>无锁无</a:t>
-            </a:r>
-            <a:r>
-              <a:rPr lang="en-US" altLang="zh-CN" sz="2400" dirty="0"/>
-              <a:t>sleep</a:t>
-            </a:r>
-            <a:r>
-              <a:rPr lang="zh-CN" altLang="en-US" sz="2600" dirty="0"/>
-              <a:t>轮询消息，形成零延迟。</a:t>
-            </a:r>
-            <a:endParaRPr lang="en-US" altLang="zh-CN" sz="2600" dirty="0"/>
-          </a:p>
-          <a:p>
-            <a:endParaRPr lang="en-US" altLang="zh-CN" dirty="0"/>
-          </a:p>
-          <a:p>
-            <a:r>
-              <a:rPr lang="en-US" altLang="zh-CN" dirty="0"/>
-              <a:t>Supervisor</a:t>
-            </a:r>
-            <a:r>
-              <a:rPr lang="zh-CN" altLang="en-US" dirty="0"/>
-              <a:t>做进程控制</a:t>
-            </a:r>
-            <a:endParaRPr lang="en-US" altLang="zh-CN" dirty="0"/>
-          </a:p>
-          <a:p>
-            <a:pPr lvl="1"/>
-            <a:r>
-              <a:rPr lang="en-US" altLang="zh-CN" dirty="0"/>
-              <a:t>rpm\bin\</a:t>
-            </a:r>
-            <a:r>
-              <a:rPr lang="en-US" altLang="zh-CN" dirty="0" err="1"/>
-              <a:t>kungfuctl</a:t>
-            </a:r>
-            <a:r>
-              <a:rPr lang="en-US" altLang="zh-CN" dirty="0"/>
-              <a:t>      </a:t>
-            </a:r>
-            <a:r>
-              <a:rPr lang="zh-CN" altLang="en-US" dirty="0"/>
-              <a:t>控制程序启动文件</a:t>
-            </a:r>
-            <a:endParaRPr lang="en-US" altLang="zh-CN" dirty="0"/>
-          </a:p>
-          <a:p>
-            <a:pPr lvl="1"/>
-            <a:r>
-              <a:rPr lang="en-US" altLang="zh-CN" dirty="0"/>
-              <a:t>rpm\</a:t>
-            </a:r>
-            <a:r>
-              <a:rPr lang="en-US" altLang="zh-CN" dirty="0" err="1"/>
-              <a:t>etc</a:t>
-            </a:r>
-            <a:r>
-              <a:rPr lang="en-US" altLang="zh-CN" dirty="0"/>
-              <a:t>\supervisor\</a:t>
-            </a:r>
-            <a:r>
-              <a:rPr lang="en-US" altLang="zh-CN" dirty="0" err="1"/>
-              <a:t>conf.d</a:t>
-            </a:r>
-            <a:r>
-              <a:rPr lang="en-US" altLang="zh-CN" dirty="0"/>
-              <a:t>\*        md</a:t>
-            </a:r>
-            <a:r>
-              <a:rPr lang="zh-CN" altLang="en-US" dirty="0"/>
-              <a:t>，</a:t>
-            </a:r>
-            <a:r>
-              <a:rPr lang="en-US" altLang="zh-CN" dirty="0"/>
-              <a:t>td</a:t>
-            </a:r>
-            <a:r>
-              <a:rPr lang="zh-CN" altLang="en-US" dirty="0"/>
-              <a:t>的配置文件</a:t>
-            </a:r>
-            <a:endParaRPr lang="en-US" altLang="zh-CN" dirty="0"/>
-          </a:p>
-          <a:p>
-            <a:pPr lvl="1"/>
-            <a:r>
-              <a:rPr lang="en-US" altLang="zh-CN" dirty="0">
-                <a:hlinkClick r:id="rId2"/>
-              </a:rPr>
-              <a:t>http://supervisord.org/introduction.html</a:t>
-            </a:r>
-            <a:r>
-              <a:rPr lang="en-US" altLang="zh-CN" dirty="0"/>
-              <a:t> </a:t>
-            </a:r>
-            <a:r>
-              <a:rPr lang="zh-CN" altLang="en-US" dirty="0"/>
-              <a:t> </a:t>
-            </a:r>
-            <a:r>
-              <a:rPr lang="en-US" altLang="zh-CN" dirty="0"/>
-              <a:t>Supervisor</a:t>
-            </a:r>
-            <a:r>
-              <a:rPr lang="zh-CN" altLang="en-US" dirty="0"/>
-              <a:t>是用</a:t>
-            </a:r>
-            <a:r>
-              <a:rPr lang="en-US" altLang="zh-CN" dirty="0"/>
-              <a:t>Python</a:t>
-            </a:r>
-            <a:r>
-              <a:rPr lang="zh-CN" altLang="en-US" dirty="0"/>
-              <a:t>开发的一套通用的进程管理程序，能将一个普通的命令行进程变为后台</a:t>
-            </a:r>
-            <a:r>
-              <a:rPr lang="en-US" altLang="zh-CN" dirty="0"/>
-              <a:t>daemon</a:t>
-            </a:r>
-            <a:r>
-              <a:rPr lang="zh-CN" altLang="en-US" dirty="0"/>
-              <a:t>，并监控进程状态，异常退出时能自动重启。</a:t>
-            </a:r>
-            <a:endParaRPr lang="en-US" altLang="zh-CN" dirty="0"/>
-          </a:p>
-          <a:p>
-            <a:endParaRPr lang="en-US" altLang="zh-CN" dirty="0"/>
-          </a:p>
-          <a:p>
-            <a:r>
-              <a:rPr lang="zh-CN" altLang="en-US" dirty="0"/>
-              <a:t>消息队列的端点</a:t>
-            </a:r>
-            <a:r>
-              <a:rPr lang="en-US" altLang="zh-CN" dirty="0"/>
-              <a:t>(</a:t>
-            </a:r>
-            <a:r>
-              <a:rPr lang="en-US" altLang="zh-CN" dirty="0" err="1"/>
-              <a:t>EndPoint</a:t>
-            </a:r>
-            <a:r>
-              <a:rPr lang="en-US" altLang="zh-CN" dirty="0"/>
-              <a:t>)</a:t>
-            </a:r>
-            <a:r>
-              <a:rPr lang="zh-CN" altLang="en-US" dirty="0"/>
-              <a:t>是一个进程，比如</a:t>
-            </a:r>
-            <a:r>
-              <a:rPr lang="en-US" altLang="zh-CN" dirty="0" err="1"/>
-              <a:t>Bitfinex_TD</a:t>
-            </a:r>
-            <a:r>
-              <a:rPr lang="zh-CN" altLang="en-US" dirty="0"/>
-              <a:t>是一个进程，</a:t>
-            </a:r>
-            <a:r>
-              <a:rPr lang="en-US" altLang="zh-CN" dirty="0" err="1"/>
-              <a:t>Bitfinex_MD</a:t>
-            </a:r>
-            <a:r>
-              <a:rPr lang="zh-CN" altLang="en-US" dirty="0"/>
-              <a:t>是一个进程，每一个策略也是一个进程</a:t>
-            </a:r>
-            <a:endParaRPr lang="en-US" altLang="zh-CN" dirty="0"/>
-          </a:p>
-          <a:p>
-            <a:endParaRPr lang="en-US" altLang="zh-CN" dirty="0"/>
-          </a:p>
-          <a:p>
-            <a:r>
-              <a:rPr lang="zh-CN" altLang="en-US" dirty="0"/>
-              <a:t>使用参考</a:t>
-            </a:r>
-            <a:r>
-              <a:rPr lang="en-US" altLang="zh-CN" dirty="0"/>
-              <a:t>: </a:t>
-            </a:r>
-            <a:br>
-              <a:rPr lang="en-US" altLang="zh-CN" dirty="0"/>
-            </a:br>
-            <a:r>
-              <a:rPr lang="en-US" altLang="zh-CN" dirty="0"/>
-              <a:t>https://github.com/taurusai/kungfu</a:t>
-            </a:r>
-            <a:endParaRPr lang="zh-CN" altLang="en-US" dirty="0"/>
-          </a:p>
-          <a:p>
-            <a:endParaRPr lang="en-US" altLang="zh-CN" dirty="0"/>
-          </a:p>
-          <a:p>
-            <a:endParaRPr lang="en-US" altLang="zh-CN" dirty="0"/>
-          </a:p>
-          <a:p>
+          <a:bodyPr/>
+          <a:lstStyle/>
+          <a:p>
+            <a:r>
+              <a:rPr lang="en-US" altLang="zh-CN" dirty="0" err="1"/>
+              <a:t>wingchun</a:t>
+            </a:r>
+            <a:r>
+              <a:rPr lang="en-US" altLang="zh-CN" dirty="0"/>
+              <a:t>\strategy\binance_md_td_strategy.cpp</a:t>
+            </a:r>
+          </a:p>
+          <a:p>
+            <a:r>
+              <a:rPr lang="en-US" altLang="zh-CN" dirty="0"/>
+              <a:t>wingchun\strategy\py_demo\binance_order_cancel_test.py</a:t>
+            </a:r>
             <a:endParaRPr lang="zh-CN" altLang="en-US" dirty="0"/>
           </a:p>
         </p:txBody>
@@ -5988,7 +7097,7 @@
     </p:spTree>
     <p:extLst>
       <p:ext uri="{BB962C8B-B14F-4D97-AF65-F5344CB8AC3E}">
-        <p14:creationId xmlns:p14="http://schemas.microsoft.com/office/powerpoint/2010/main" val="2563743880"/>
+        <p14:creationId xmlns:p14="http://schemas.microsoft.com/office/powerpoint/2010/main" val="2689043168"/>
       </p:ext>
     </p:extLst>
   </p:cSld>
@@ -5998,7 +7107,7 @@
 </p:sld>
 </file>
 
-<file path=ppt/slides/slide20.xml><?xml version="1.0" encoding="utf-8"?>
+<file path=ppt/slides/slide26.xml><?xml version="1.0" encoding="utf-8"?>
 <p:sld xmlns:a="http://schemas.openxmlformats.org/drawingml/2006/main" xmlns:r="http://schemas.openxmlformats.org/officeDocument/2006/relationships" xmlns:p="http://schemas.openxmlformats.org/presentationml/2006/main">
   <p:cSld>
     <p:spTree>
@@ -6118,7 +7227,7 @@
 </p:sld>
 </file>
 
-<file path=ppt/slides/slide21.xml><?xml version="1.0" encoding="utf-8"?>
+<file path=ppt/slides/slide27.xml><?xml version="1.0" encoding="utf-8"?>
 <p:sld xmlns:a="http://schemas.openxmlformats.org/drawingml/2006/main" xmlns:r="http://schemas.openxmlformats.org/officeDocument/2006/relationships" xmlns:p="http://schemas.openxmlformats.org/presentationml/2006/main">
   <p:cSld>
     <p:spTree>
@@ -6336,7 +7445,7 @@
 </p:sld>
 </file>
 
-<file path=ppt/slides/slide22.xml><?xml version="1.0" encoding="utf-8"?>
+<file path=ppt/slides/slide28.xml><?xml version="1.0" encoding="utf-8"?>
 <p:sld xmlns:a="http://schemas.openxmlformats.org/drawingml/2006/main" xmlns:r="http://schemas.openxmlformats.org/officeDocument/2006/relationships" xmlns:p="http://schemas.openxmlformats.org/presentationml/2006/main">
   <p:cSld>
     <p:spTree>
@@ -6789,7 +7898,7 @@
 </p:sld>
 </file>
 
-<file path=ppt/slides/slide23.xml><?xml version="1.0" encoding="utf-8"?>
+<file path=ppt/slides/slide29.xml><?xml version="1.0" encoding="utf-8"?>
 <p:sld xmlns:a="http://schemas.openxmlformats.org/drawingml/2006/main" xmlns:r="http://schemas.openxmlformats.org/officeDocument/2006/relationships" xmlns:p="http://schemas.openxmlformats.org/presentationml/2006/main">
   <p:cSld>
     <p:spTree>
@@ -7057,7 +8166,7 @@
 </p:sld>
 </file>
 
-<file path=ppt/slides/slide24.xml><?xml version="1.0" encoding="utf-8"?>
+<file path=ppt/slides/slide3.xml><?xml version="1.0" encoding="utf-8"?>
 <p:sld xmlns:a="http://schemas.openxmlformats.org/drawingml/2006/main" xmlns:r="http://schemas.openxmlformats.org/officeDocument/2006/relationships" xmlns:p="http://schemas.openxmlformats.org/presentationml/2006/main">
   <p:cSld>
     <p:spTree>
@@ -7079,7 +8188,7 @@
           <p:cNvPr id="2" name="标题 1">
             <a:extLst>
               <a:ext uri="{FF2B5EF4-FFF2-40B4-BE49-F238E27FC236}">
-                <a16:creationId xmlns:a16="http://schemas.microsoft.com/office/drawing/2014/main" id="{538A241D-DF90-4D36-AE5E-FE8FF00C1295}"/>
+                <a16:creationId xmlns:a16="http://schemas.microsoft.com/office/drawing/2014/main" id="{767FE5B0-64BB-4D1A-9360-ACC773A03527}"/>
               </a:ext>
             </a:extLst>
           </p:cNvPr>
@@ -7101,23 +8210,7 @@
             </a:r>
             <a:r>
               <a:rPr lang="zh-CN" altLang="en-US" dirty="0"/>
-              <a:t>开发一个</a:t>
-            </a:r>
-            <a:r>
-              <a:rPr lang="en-US" altLang="zh-CN" dirty="0"/>
-              <a:t>MD</a:t>
-            </a:r>
-            <a:r>
-              <a:rPr lang="zh-CN" altLang="en-US" dirty="0"/>
-              <a:t>，</a:t>
-            </a:r>
-            <a:r>
-              <a:rPr lang="en-US" altLang="zh-CN" dirty="0"/>
-              <a:t>TD</a:t>
-            </a:r>
-            <a:r>
-              <a:rPr lang="zh-CN" altLang="en-US" dirty="0"/>
-              <a:t>需要修改哪些文件</a:t>
+              <a:t>策略端点对消息队列的使用</a:t>
             </a:r>
           </a:p>
         </p:txBody>
@@ -7127,7 +8220,7 @@
           <p:cNvPr id="3" name="内容占位符 2">
             <a:extLst>
               <a:ext uri="{FF2B5EF4-FFF2-40B4-BE49-F238E27FC236}">
-                <a16:creationId xmlns:a16="http://schemas.microsoft.com/office/drawing/2014/main" id="{C013EC6F-9789-4B94-BBCD-47A41C702B35}"/>
+                <a16:creationId xmlns:a16="http://schemas.microsoft.com/office/drawing/2014/main" id="{4DBBC9B9-618A-4A57-BDEB-21AFF4DAF39E}"/>
               </a:ext>
             </a:extLst>
           </p:cNvPr>
@@ -7141,52 +8234,72 @@
         <p:spPr/>
         <p:txBody>
           <a:bodyPr>
-            <a:normAutofit fontScale="62500" lnSpcReduction="20000"/>
+            <a:normAutofit fontScale="47500" lnSpcReduction="20000"/>
           </a:bodyPr>
           <a:lstStyle/>
           <a:p>
-            <a:r>
-              <a:rPr lang="zh-CN" altLang="en-US" dirty="0"/>
-              <a:t>请参考</a:t>
-            </a:r>
-            <a:r>
-              <a:rPr lang="en-US" altLang="zh-CN" dirty="0"/>
-              <a:t>git </a:t>
-            </a:r>
-            <a:r>
-              <a:rPr lang="zh-CN" altLang="en-US" dirty="0"/>
-              <a:t>的</a:t>
-            </a:r>
-            <a:r>
-              <a:rPr lang="en-US" altLang="zh-CN" dirty="0"/>
-              <a:t>commit</a:t>
-            </a:r>
-            <a:r>
-              <a:rPr lang="zh-CN" altLang="en-US" dirty="0"/>
-              <a:t>内容里面有 </a:t>
-            </a:r>
-            <a:r>
-              <a:rPr lang="en-US" altLang="zh-CN" dirty="0"/>
-              <a:t>(a standard template of How to add a new MD/TD) </a:t>
-            </a:r>
-            <a:r>
-              <a:rPr lang="zh-CN" altLang="en-US" dirty="0"/>
-              <a:t>这些字的。</a:t>
-            </a:r>
+            <a:pPr marL="0" indent="0">
+              <a:buNone/>
+            </a:pPr>
+            <a:r>
+              <a:rPr lang="zh-CN" altLang="en-US" dirty="0"/>
+              <a:t>消息的生产者和消费者：</a:t>
+            </a:r>
+            <a:endParaRPr lang="en-US" altLang="zh-CN" dirty="0"/>
           </a:p>
           <a:p>
             <a:pPr lvl="1"/>
             <a:r>
-              <a:rPr lang="en-US" altLang="zh-CN" dirty="0"/>
-              <a:t>	Modified: </a:t>
-            </a:r>
+              <a:rPr lang="en-US" altLang="zh-CN" dirty="0" err="1"/>
+              <a:t>wingchun</a:t>
+            </a:r>
+            <a:r>
+              <a:rPr lang="en-US" altLang="zh-CN" dirty="0"/>
+              <a:t>\md\IMDEngine.cpp</a:t>
+            </a:r>
+          </a:p>
+          <a:p>
+            <a:pPr lvl="1"/>
+            <a:r>
+              <a:rPr lang="en-US" altLang="zh-CN" dirty="0" err="1"/>
+              <a:t>wingchun</a:t>
+            </a:r>
+            <a:r>
+              <a:rPr lang="en-US" altLang="zh-CN" dirty="0"/>
+              <a:t>\td\ITDEngine.cpp</a:t>
+            </a:r>
+          </a:p>
+          <a:p>
+            <a:pPr lvl="1"/>
+            <a:r>
+              <a:rPr lang="en-US" altLang="zh-CN" dirty="0" err="1"/>
+              <a:t>wingchun</a:t>
+            </a:r>
+            <a:r>
+              <a:rPr lang="en-US" altLang="zh-CN" dirty="0"/>
+              <a:t>\strategy\IWCStrategy.cpp</a:t>
+            </a:r>
+            <a:br>
+              <a:rPr lang="en-US" altLang="zh-CN" dirty="0"/>
+            </a:br>
+            <a:endParaRPr lang="en-US" altLang="zh-CN" dirty="0"/>
+          </a:p>
+          <a:p>
+            <a:r>
+              <a:rPr lang="zh-CN" altLang="en-US" dirty="0"/>
+              <a:t>消息的类型：</a:t>
+            </a:r>
+            <a:endParaRPr lang="en-US" altLang="zh-CN" dirty="0"/>
+          </a:p>
+          <a:p>
+            <a:pPr lvl="1"/>
             <a:r>
               <a:rPr lang="en-US" altLang="zh-CN" dirty="0" err="1"/>
               <a:t>longfist</a:t>
             </a:r>
             <a:r>
               <a:rPr lang="en-US" altLang="zh-CN" dirty="0"/>
-              <a:t>/</a:t>
+              <a:t>\</a:t>
             </a:r>
             <a:r>
               <a:rPr lang="en-US" altLang="zh-CN" dirty="0" err="1"/>
@@ -7194,7 +8307,7 @@
             </a:r>
             <a:r>
               <a:rPr lang="en-US" altLang="zh-CN" dirty="0"/>
-              <a:t>/</a:t>
+              <a:t>\</a:t>
             </a:r>
             <a:r>
               <a:rPr lang="en-US" altLang="zh-CN" dirty="0" err="1"/>
@@ -7206,255 +8319,113 @@
             <a:pPr lvl="1"/>
             <a:r>
               <a:rPr lang="en-US" altLang="zh-CN" dirty="0"/>
-              <a:t>	Modified: </a:t>
-            </a:r>
-            <a:r>
-              <a:rPr lang="en-US" altLang="zh-CN" dirty="0" err="1"/>
-              <a:t>longfist</a:t>
-            </a:r>
-            <a:r>
-              <a:rPr lang="en-US" altLang="zh-CN" dirty="0"/>
-              <a:t>/</a:t>
-            </a:r>
-            <a:r>
-              <a:rPr lang="en-US" altLang="zh-CN" dirty="0" err="1"/>
-              <a:t>longfist</a:t>
-            </a:r>
-            <a:r>
-              <a:rPr lang="en-US" altLang="zh-CN" dirty="0"/>
-              <a:t>/</a:t>
-            </a:r>
-            <a:r>
-              <a:rPr lang="en-US" altLang="zh-CN" dirty="0" err="1"/>
-              <a:t>LFUtils.h</a:t>
-            </a:r>
-            <a:endParaRPr lang="en-US" altLang="zh-CN" dirty="0"/>
+              <a:t>python\kungfu\longfist\longfist_constants.py</a:t>
+            </a:r>
           </a:p>
           <a:p>
             <a:pPr lvl="1"/>
             <a:r>
-              <a:rPr lang="en-US" altLang="zh-CN" dirty="0"/>
-              <a:t>	Modified: python/kungfu/longfist/longfist_constants.py</a:t>
-            </a:r>
+              <a:rPr lang="zh-CN" altLang="en-US" dirty="0"/>
+              <a:t>系统的消息类型</a:t>
+            </a:r>
+            <a:endParaRPr lang="en-US" altLang="zh-CN" dirty="0"/>
           </a:p>
           <a:p>
             <a:pPr lvl="1"/>
             <a:r>
               <a:rPr lang="en-US" altLang="zh-CN" dirty="0"/>
-              <a:t>	Modified: python/kungfu/wingchun/constants.py</a:t>
+              <a:t>const short MSG_TYPE_LF_L2_MD         = 102;</a:t>
             </a:r>
           </a:p>
           <a:p>
             <a:pPr lvl="1"/>
             <a:r>
               <a:rPr lang="en-US" altLang="zh-CN" dirty="0"/>
-              <a:t>	Modified: python/kungfu/wingchun/wc_configs.py</a:t>
+              <a:t>const short MSG_TYPE_LF_L2_INDEX      = 103;</a:t>
             </a:r>
           </a:p>
           <a:p>
             <a:pPr lvl="1"/>
             <a:r>
               <a:rPr lang="en-US" altLang="zh-CN" dirty="0"/>
-              <a:t>	Modified: rpm/</a:t>
-            </a:r>
-            <a:r>
-              <a:rPr lang="en-US" altLang="zh-CN" dirty="0" err="1"/>
-              <a:t>etc</a:t>
-            </a:r>
-            <a:r>
-              <a:rPr lang="en-US" altLang="zh-CN" dirty="0"/>
-              <a:t>/</a:t>
-            </a:r>
-            <a:r>
-              <a:rPr lang="en-US" altLang="zh-CN" dirty="0" err="1"/>
-              <a:t>kungfu</a:t>
-            </a:r>
-            <a:r>
-              <a:rPr lang="en-US" altLang="zh-CN" dirty="0"/>
-              <a:t>/</a:t>
-            </a:r>
-            <a:r>
-              <a:rPr lang="en-US" altLang="zh-CN" dirty="0" err="1"/>
-              <a:t>kungfu.json.sample</a:t>
-            </a:r>
-            <a:endParaRPr lang="en-US" altLang="zh-CN" dirty="0"/>
+              <a:t>const short MSG_TYPE_LF_L2_ORDER      = 104;</a:t>
+            </a:r>
           </a:p>
           <a:p>
             <a:pPr lvl="1"/>
             <a:r>
               <a:rPr lang="en-US" altLang="zh-CN" dirty="0"/>
-              <a:t>	Added: rpm/</a:t>
-            </a:r>
-            <a:r>
-              <a:rPr lang="en-US" altLang="zh-CN" dirty="0" err="1"/>
-              <a:t>etc</a:t>
-            </a:r>
-            <a:r>
-              <a:rPr lang="en-US" altLang="zh-CN" dirty="0"/>
-              <a:t>/supervisor/</a:t>
-            </a:r>
-            <a:r>
-              <a:rPr lang="en-US" altLang="zh-CN" dirty="0" err="1"/>
-              <a:t>conf.d</a:t>
-            </a:r>
-            <a:r>
-              <a:rPr lang="en-US" altLang="zh-CN" dirty="0"/>
-              <a:t>/</a:t>
-            </a:r>
-            <a:r>
-              <a:rPr lang="en-US" altLang="zh-CN" dirty="0" err="1"/>
-              <a:t>md_bitfinex.conf</a:t>
-            </a:r>
-            <a:endParaRPr lang="en-US" altLang="zh-CN" dirty="0"/>
+              <a:t>const short MSG_TYPE_LF_L2_TRADE      = 105;</a:t>
+            </a:r>
           </a:p>
           <a:p>
             <a:pPr lvl="1"/>
             <a:r>
               <a:rPr lang="en-US" altLang="zh-CN" dirty="0"/>
-              <a:t>	Added: rpm/</a:t>
-            </a:r>
-            <a:r>
-              <a:rPr lang="en-US" altLang="zh-CN" dirty="0" err="1"/>
-              <a:t>etc</a:t>
-            </a:r>
-            <a:r>
-              <a:rPr lang="en-US" altLang="zh-CN" dirty="0"/>
-              <a:t>/supervisor/</a:t>
-            </a:r>
-            <a:r>
-              <a:rPr lang="en-US" altLang="zh-CN" dirty="0" err="1"/>
-              <a:t>conf.d</a:t>
-            </a:r>
-            <a:r>
-              <a:rPr lang="en-US" altLang="zh-CN" dirty="0"/>
-              <a:t>/</a:t>
-            </a:r>
-            <a:r>
-              <a:rPr lang="en-US" altLang="zh-CN" dirty="0" err="1"/>
-              <a:t>td_bitfinex.conf</a:t>
-            </a:r>
-            <a:endParaRPr lang="en-US" altLang="zh-CN" dirty="0"/>
+              <a:t>const short MSG_TYPE_LF_PRICE_BOOK_20 = 106;</a:t>
+            </a:r>
           </a:p>
           <a:p>
             <a:pPr lvl="1"/>
             <a:r>
               <a:rPr lang="en-US" altLang="zh-CN" dirty="0"/>
-              <a:t>	Modified: rpm/scripts/post_install.sh</a:t>
+              <a:t>const short MSG_TYPE_LF_BAR_MD        = 110;</a:t>
             </a:r>
           </a:p>
           <a:p>
             <a:pPr lvl="1"/>
             <a:r>
               <a:rPr lang="en-US" altLang="zh-CN" dirty="0"/>
-              <a:t>	Modified: </a:t>
-            </a:r>
-            <a:r>
-              <a:rPr lang="en-US" altLang="zh-CN" dirty="0" err="1"/>
-              <a:t>wingchun</a:t>
-            </a:r>
-            <a:r>
-              <a:rPr lang="en-US" altLang="zh-CN" dirty="0"/>
-              <a:t>/md/CMakeLists.txt</a:t>
+              <a:t>const short MSG_TYPE_LF_QRY_POS       = 201;</a:t>
             </a:r>
           </a:p>
           <a:p>
             <a:pPr lvl="1"/>
             <a:r>
               <a:rPr lang="en-US" altLang="zh-CN" dirty="0"/>
-              <a:t>	Added: </a:t>
-            </a:r>
-            <a:r>
-              <a:rPr lang="en-US" altLang="zh-CN" dirty="0" err="1"/>
-              <a:t>wingchun</a:t>
-            </a:r>
-            <a:r>
-              <a:rPr lang="en-US" altLang="zh-CN" dirty="0"/>
-              <a:t>/md/MDEngineBitfinex.cpp</a:t>
+              <a:t>const short MSG_TYPE_LF_RSP_POS       = 202;</a:t>
             </a:r>
           </a:p>
           <a:p>
             <a:pPr lvl="1"/>
             <a:r>
               <a:rPr lang="en-US" altLang="zh-CN" dirty="0"/>
-              <a:t>	Added: </a:t>
-            </a:r>
-            <a:r>
-              <a:rPr lang="en-US" altLang="zh-CN" dirty="0" err="1"/>
-              <a:t>wingchun</a:t>
-            </a:r>
-            <a:r>
-              <a:rPr lang="en-US" altLang="zh-CN" dirty="0"/>
-              <a:t>/md/</a:t>
-            </a:r>
-            <a:r>
-              <a:rPr lang="en-US" altLang="zh-CN" dirty="0" err="1"/>
-              <a:t>MDEngineBitfinex.h</a:t>
-            </a:r>
-            <a:endParaRPr lang="en-US" altLang="zh-CN" dirty="0"/>
+              <a:t>const short MSG_TYPE_LF_ORDER         = 204;</a:t>
+            </a:r>
           </a:p>
           <a:p>
             <a:pPr lvl="1"/>
             <a:r>
               <a:rPr lang="en-US" altLang="zh-CN" dirty="0"/>
-              <a:t>	Modified: </a:t>
-            </a:r>
-            <a:r>
-              <a:rPr lang="en-US" altLang="zh-CN" dirty="0" err="1"/>
-              <a:t>wingchun</a:t>
-            </a:r>
-            <a:r>
-              <a:rPr lang="en-US" altLang="zh-CN" dirty="0"/>
-              <a:t>/td/CMakeLists.txt</a:t>
+              <a:t>const short MSG_TYPE_LF_RTN_ORDER     = 205;</a:t>
             </a:r>
           </a:p>
           <a:p>
             <a:pPr lvl="1"/>
             <a:r>
               <a:rPr lang="en-US" altLang="zh-CN" dirty="0"/>
-              <a:t>	Added: </a:t>
-            </a:r>
-            <a:r>
-              <a:rPr lang="en-US" altLang="zh-CN" dirty="0" err="1"/>
-              <a:t>wingchun</a:t>
-            </a:r>
-            <a:r>
-              <a:rPr lang="en-US" altLang="zh-CN" dirty="0"/>
-              <a:t>/td/TDEngineBitfinex.cpp</a:t>
+              <a:t>const short MSG_TYPE_LF_RTN_TRADE     = 206;</a:t>
             </a:r>
           </a:p>
           <a:p>
             <a:pPr lvl="1"/>
             <a:r>
               <a:rPr lang="en-US" altLang="zh-CN" dirty="0"/>
-              <a:t>	Added: </a:t>
-            </a:r>
-            <a:r>
-              <a:rPr lang="en-US" altLang="zh-CN" dirty="0" err="1"/>
-              <a:t>wingchun</a:t>
-            </a:r>
-            <a:r>
-              <a:rPr lang="en-US" altLang="zh-CN" dirty="0"/>
-              <a:t>/td/</a:t>
-            </a:r>
-            <a:r>
-              <a:rPr lang="en-US" altLang="zh-CN" dirty="0" err="1"/>
-              <a:t>TDEngineBitfinex.h</a:t>
-            </a:r>
-            <a:endParaRPr lang="en-US" altLang="zh-CN" dirty="0"/>
+              <a:t>const short MSG_TYPE_LF_ORDER_ACTION  = 207;</a:t>
+            </a:r>
           </a:p>
           <a:p>
             <a:pPr lvl="1"/>
             <a:r>
               <a:rPr lang="en-US" altLang="zh-CN" dirty="0"/>
-              <a:t>	Modified: </a:t>
-            </a:r>
-            <a:r>
-              <a:rPr lang="en-US" altLang="zh-CN" dirty="0" err="1"/>
-              <a:t>yijinjing</a:t>
-            </a:r>
-            <a:r>
-              <a:rPr lang="en-US" altLang="zh-CN" dirty="0"/>
-              <a:t>/journal/JournalFinder.cpp</a:t>
+              <a:t>const short MSG_TYPE_LF_QRY_ACCOUNT   = 208;</a:t>
+            </a:r>
+          </a:p>
+          <a:p>
+            <a:pPr lvl="1"/>
+            <a:r>
+              <a:rPr lang="en-US" altLang="zh-CN" dirty="0"/>
+              <a:t>const short MSG_TYPE_LF_RSP_ACCOUNT   = 209;</a:t>
             </a:r>
             <a:endParaRPr lang="zh-CN" altLang="en-US" dirty="0"/>
           </a:p>
@@ -7463,7 +8434,7 @@
     </p:spTree>
     <p:extLst>
       <p:ext uri="{BB962C8B-B14F-4D97-AF65-F5344CB8AC3E}">
-        <p14:creationId xmlns:p14="http://schemas.microsoft.com/office/powerpoint/2010/main" val="2826973147"/>
+        <p14:creationId xmlns:p14="http://schemas.microsoft.com/office/powerpoint/2010/main" val="355632800"/>
       </p:ext>
     </p:extLst>
   </p:cSld>
@@ -7473,7 +8444,7 @@
 </p:sld>
 </file>
 
-<file path=ppt/slides/slide25.xml><?xml version="1.0" encoding="utf-8"?>
+<file path=ppt/slides/slide30.xml><?xml version="1.0" encoding="utf-8"?>
 <p:sld xmlns:a="http://schemas.openxmlformats.org/drawingml/2006/main" xmlns:r="http://schemas.openxmlformats.org/officeDocument/2006/relationships" xmlns:p="http://schemas.openxmlformats.org/presentationml/2006/main">
   <p:cSld>
     <p:spTree>
@@ -7495,7 +8466,7 @@
           <p:cNvPr id="2" name="标题 1">
             <a:extLst>
               <a:ext uri="{FF2B5EF4-FFF2-40B4-BE49-F238E27FC236}">
-                <a16:creationId xmlns:a16="http://schemas.microsoft.com/office/drawing/2014/main" id="{C7CC8DC6-AA4E-4E06-9864-A0ECA73FD7D0}"/>
+                <a16:creationId xmlns:a16="http://schemas.microsoft.com/office/drawing/2014/main" id="{538A241D-DF90-4D36-AE5E-FE8FF00C1295}"/>
               </a:ext>
             </a:extLst>
           </p:cNvPr>
@@ -7512,20 +8483,28 @@
           <a:lstStyle/>
           <a:p>
             <a:r>
-              <a:rPr lang="zh-CN" altLang="en-US" dirty="0"/>
-              <a:t>开发一个 </a:t>
-            </a:r>
-            <a:r>
-              <a:rPr lang="en-US" altLang="zh-CN" dirty="0" err="1"/>
-              <a:t>websocket</a:t>
-            </a:r>
-            <a:r>
-              <a:rPr lang="en-US" altLang="zh-CN" dirty="0"/>
-              <a:t> MD</a:t>
-            </a:r>
-            <a:r>
-              <a:rPr lang="zh-CN" altLang="en-US" dirty="0"/>
-              <a:t>的过程</a:t>
+              <a:rPr lang="en-US" altLang="zh-CN" dirty="0"/>
+              <a:t>Kungfu</a:t>
+            </a:r>
+            <a:r>
+              <a:rPr lang="zh-CN" altLang="en-US" dirty="0"/>
+              <a:t>开发一个</a:t>
+            </a:r>
+            <a:r>
+              <a:rPr lang="en-US" altLang="zh-CN" dirty="0"/>
+              <a:t>MD</a:t>
+            </a:r>
+            <a:r>
+              <a:rPr lang="zh-CN" altLang="en-US" dirty="0"/>
+              <a:t>，</a:t>
+            </a:r>
+            <a:r>
+              <a:rPr lang="en-US" altLang="zh-CN" dirty="0"/>
+              <a:t>TD</a:t>
+            </a:r>
+            <a:r>
+              <a:rPr lang="zh-CN" altLang="en-US" dirty="0"/>
+              <a:t>需要修改哪些文件</a:t>
             </a:r>
           </a:p>
         </p:txBody>
@@ -7535,7 +8514,7 @@
           <p:cNvPr id="3" name="内容占位符 2">
             <a:extLst>
               <a:ext uri="{FF2B5EF4-FFF2-40B4-BE49-F238E27FC236}">
-                <a16:creationId xmlns:a16="http://schemas.microsoft.com/office/drawing/2014/main" id="{E5AE2544-106F-40AB-9422-7BFEB927909E}"/>
+                <a16:creationId xmlns:a16="http://schemas.microsoft.com/office/drawing/2014/main" id="{C013EC6F-9789-4B94-BBCD-47A41C702B35}"/>
               </a:ext>
             </a:extLst>
           </p:cNvPr>
@@ -7548,113 +8527,330 @@
         </p:nvSpPr>
         <p:spPr/>
         <p:txBody>
-          <a:bodyPr/>
-          <a:lstStyle/>
-          <a:p>
-            <a:r>
-              <a:rPr lang="zh-CN" altLang="en-US" dirty="0"/>
-              <a:t>先参考</a:t>
-            </a:r>
-            <a:r>
-              <a:rPr lang="en-US" altLang="zh-CN" dirty="0"/>
-              <a:t>test</a:t>
-            </a:r>
-            <a:r>
-              <a:rPr lang="zh-CN" altLang="en-US" dirty="0"/>
-              <a:t>目录下的</a:t>
-            </a:r>
-            <a:r>
-              <a:rPr lang="en-US" altLang="zh-CN" dirty="0" err="1"/>
-              <a:t>websocket</a:t>
-            </a:r>
-            <a:r>
-              <a:rPr lang="zh-CN" altLang="en-US" dirty="0"/>
-              <a:t>代码，写一个简单的</a:t>
-            </a:r>
-            <a:r>
-              <a:rPr lang="en-US" altLang="zh-CN" dirty="0" err="1"/>
-              <a:t>websocket</a:t>
-            </a:r>
-            <a:r>
-              <a:rPr lang="zh-CN" altLang="en-US" dirty="0"/>
-              <a:t>接收测试，能够连接对方， 并接收到信息就可以了。</a:t>
-            </a:r>
-            <a:endParaRPr lang="en-US" altLang="zh-CN" dirty="0"/>
-          </a:p>
-          <a:p>
-            <a:endParaRPr lang="en-US" altLang="zh-CN" dirty="0"/>
-          </a:p>
-          <a:p>
-            <a:r>
-              <a:rPr lang="zh-CN" altLang="en-US" dirty="0"/>
-              <a:t>再根据</a:t>
-            </a:r>
-            <a:r>
-              <a:rPr lang="en-US" altLang="zh-CN" dirty="0" err="1"/>
-              <a:t>websocket</a:t>
-            </a:r>
-            <a:r>
-              <a:rPr lang="zh-CN" altLang="en-US" dirty="0"/>
-              <a:t>的接入方式来参考实现的</a:t>
-            </a:r>
-            <a:r>
-              <a:rPr lang="en-US" altLang="zh-CN" dirty="0"/>
-              <a:t>md</a:t>
-            </a:r>
-          </a:p>
-          <a:p>
-            <a:endParaRPr lang="en-US" altLang="zh-CN" dirty="0"/>
-          </a:p>
-          <a:p>
-            <a:r>
-              <a:rPr lang="zh-CN" altLang="en-US" dirty="0"/>
-              <a:t>每个币值对一个新连接的，如</a:t>
-            </a:r>
-            <a:r>
-              <a:rPr lang="en-US" altLang="zh-CN" dirty="0" err="1"/>
-              <a:t>binance</a:t>
-            </a:r>
-            <a:endParaRPr lang="en-US" altLang="zh-CN" dirty="0"/>
-          </a:p>
-          <a:p>
-            <a:endParaRPr lang="en-US" altLang="zh-CN" dirty="0"/>
-          </a:p>
-          <a:p>
-            <a:r>
-              <a:rPr lang="zh-CN" altLang="en-US" dirty="0"/>
-              <a:t>一个</a:t>
-            </a:r>
-            <a:r>
-              <a:rPr lang="en-US" altLang="zh-CN" dirty="0" err="1"/>
-              <a:t>websocket</a:t>
-            </a:r>
-            <a:r>
-              <a:rPr lang="zh-CN" altLang="en-US" dirty="0"/>
-              <a:t>连接， 订阅多个币值对的，如</a:t>
-            </a:r>
-            <a:r>
-              <a:rPr lang="en-US" altLang="zh-CN" dirty="0" err="1"/>
-              <a:t>coinmex</a:t>
-            </a:r>
-            <a:r>
-              <a:rPr lang="zh-CN" altLang="en-US" dirty="0"/>
-              <a:t>，</a:t>
-            </a:r>
-            <a:r>
-              <a:rPr lang="en-US" altLang="zh-CN" dirty="0" err="1"/>
-              <a:t>bitfinex</a:t>
-            </a:r>
-            <a:r>
-              <a:rPr lang="zh-CN" altLang="en-US" dirty="0"/>
-              <a:t>，</a:t>
-            </a:r>
+          <a:bodyPr>
+            <a:normAutofit fontScale="62500" lnSpcReduction="20000"/>
+          </a:bodyPr>
+          <a:lstStyle/>
+          <a:p>
+            <a:r>
+              <a:rPr lang="zh-CN" altLang="en-US" dirty="0"/>
+              <a:t>请参考</a:t>
+            </a:r>
+            <a:r>
+              <a:rPr lang="en-US" altLang="zh-CN" dirty="0"/>
+              <a:t>git </a:t>
+            </a:r>
+            <a:r>
+              <a:rPr lang="zh-CN" altLang="en-US" dirty="0"/>
+              <a:t>的</a:t>
+            </a:r>
+            <a:r>
+              <a:rPr lang="en-US" altLang="zh-CN" dirty="0"/>
+              <a:t>commit</a:t>
+            </a:r>
+            <a:r>
+              <a:rPr lang="zh-CN" altLang="en-US" dirty="0"/>
+              <a:t>内容里面有 </a:t>
+            </a:r>
+            <a:r>
+              <a:rPr lang="en-US" altLang="zh-CN" dirty="0"/>
+              <a:t>(a standard template of How to add a new MD/TD) </a:t>
+            </a:r>
+            <a:r>
+              <a:rPr lang="zh-CN" altLang="en-US" dirty="0"/>
+              <a:t>这些字的。</a:t>
+            </a:r>
+          </a:p>
+          <a:p>
+            <a:pPr lvl="1"/>
+            <a:r>
+              <a:rPr lang="en-US" altLang="zh-CN" dirty="0"/>
+              <a:t>	Modified: </a:t>
+            </a:r>
+            <a:r>
+              <a:rPr lang="en-US" altLang="zh-CN" dirty="0" err="1"/>
+              <a:t>longfist</a:t>
+            </a:r>
+            <a:r>
+              <a:rPr lang="en-US" altLang="zh-CN" dirty="0"/>
+              <a:t>/</a:t>
+            </a:r>
+            <a:r>
+              <a:rPr lang="en-US" altLang="zh-CN" dirty="0" err="1"/>
+              <a:t>longfist</a:t>
+            </a:r>
+            <a:r>
+              <a:rPr lang="en-US" altLang="zh-CN" dirty="0"/>
+              <a:t>/</a:t>
+            </a:r>
+            <a:r>
+              <a:rPr lang="en-US" altLang="zh-CN" dirty="0" err="1"/>
+              <a:t>LFConstants.h</a:t>
+            </a:r>
+            <a:endParaRPr lang="en-US" altLang="zh-CN" dirty="0"/>
+          </a:p>
+          <a:p>
+            <a:pPr lvl="1"/>
+            <a:r>
+              <a:rPr lang="en-US" altLang="zh-CN" dirty="0"/>
+              <a:t>	Modified: </a:t>
+            </a:r>
+            <a:r>
+              <a:rPr lang="en-US" altLang="zh-CN" dirty="0" err="1"/>
+              <a:t>longfist</a:t>
+            </a:r>
+            <a:r>
+              <a:rPr lang="en-US" altLang="zh-CN" dirty="0"/>
+              <a:t>/</a:t>
+            </a:r>
+            <a:r>
+              <a:rPr lang="en-US" altLang="zh-CN" dirty="0" err="1"/>
+              <a:t>longfist</a:t>
+            </a:r>
+            <a:r>
+              <a:rPr lang="en-US" altLang="zh-CN" dirty="0"/>
+              <a:t>/</a:t>
+            </a:r>
+            <a:r>
+              <a:rPr lang="en-US" altLang="zh-CN" dirty="0" err="1"/>
+              <a:t>LFUtils.h</a:t>
+            </a:r>
+            <a:endParaRPr lang="en-US" altLang="zh-CN" dirty="0"/>
+          </a:p>
+          <a:p>
+            <a:pPr lvl="1"/>
+            <a:r>
+              <a:rPr lang="en-US" altLang="zh-CN" dirty="0"/>
+              <a:t>	Modified: python/kungfu/longfist/longfist_constants.py</a:t>
+            </a:r>
+          </a:p>
+          <a:p>
+            <a:pPr lvl="1"/>
+            <a:r>
+              <a:rPr lang="en-US" altLang="zh-CN" dirty="0"/>
+              <a:t>	Modified: python/kungfu/wingchun/constants.py</a:t>
+            </a:r>
+          </a:p>
+          <a:p>
+            <a:pPr lvl="1"/>
+            <a:r>
+              <a:rPr lang="en-US" altLang="zh-CN" dirty="0"/>
+              <a:t>	Modified: python/kungfu/wingchun/wc_configs.py</a:t>
+            </a:r>
+          </a:p>
+          <a:p>
+            <a:pPr lvl="1"/>
+            <a:r>
+              <a:rPr lang="en-US" altLang="zh-CN" dirty="0"/>
+              <a:t>	Modified: rpm/</a:t>
+            </a:r>
+            <a:r>
+              <a:rPr lang="en-US" altLang="zh-CN" dirty="0" err="1"/>
+              <a:t>etc</a:t>
+            </a:r>
+            <a:r>
+              <a:rPr lang="en-US" altLang="zh-CN" dirty="0"/>
+              <a:t>/</a:t>
+            </a:r>
+            <a:r>
+              <a:rPr lang="en-US" altLang="zh-CN" dirty="0" err="1"/>
+              <a:t>kungfu</a:t>
+            </a:r>
+            <a:r>
+              <a:rPr lang="en-US" altLang="zh-CN" dirty="0"/>
+              <a:t>/</a:t>
+            </a:r>
+            <a:r>
+              <a:rPr lang="en-US" altLang="zh-CN" dirty="0" err="1"/>
+              <a:t>kungfu.json.sample</a:t>
+            </a:r>
+            <a:endParaRPr lang="en-US" altLang="zh-CN" dirty="0"/>
+          </a:p>
+          <a:p>
+            <a:pPr lvl="1"/>
+            <a:r>
+              <a:rPr lang="en-US" altLang="zh-CN" dirty="0"/>
+              <a:t>	Added: rpm/</a:t>
+            </a:r>
+            <a:r>
+              <a:rPr lang="en-US" altLang="zh-CN" dirty="0" err="1"/>
+              <a:t>etc</a:t>
+            </a:r>
+            <a:r>
+              <a:rPr lang="en-US" altLang="zh-CN" dirty="0"/>
+              <a:t>/supervisor/</a:t>
+            </a:r>
+            <a:r>
+              <a:rPr lang="en-US" altLang="zh-CN" dirty="0" err="1"/>
+              <a:t>conf.d</a:t>
+            </a:r>
+            <a:r>
+              <a:rPr lang="en-US" altLang="zh-CN" dirty="0"/>
+              <a:t>/</a:t>
+            </a:r>
+            <a:r>
+              <a:rPr lang="en-US" altLang="zh-CN" dirty="0" err="1"/>
+              <a:t>md_bitfinex.conf</a:t>
+            </a:r>
+            <a:endParaRPr lang="en-US" altLang="zh-CN" dirty="0"/>
+          </a:p>
+          <a:p>
+            <a:pPr lvl="1"/>
+            <a:r>
+              <a:rPr lang="en-US" altLang="zh-CN" dirty="0"/>
+              <a:t>	Added: rpm/</a:t>
+            </a:r>
+            <a:r>
+              <a:rPr lang="en-US" altLang="zh-CN" dirty="0" err="1"/>
+              <a:t>etc</a:t>
+            </a:r>
+            <a:r>
+              <a:rPr lang="en-US" altLang="zh-CN" dirty="0"/>
+              <a:t>/supervisor/</a:t>
+            </a:r>
+            <a:r>
+              <a:rPr lang="en-US" altLang="zh-CN" dirty="0" err="1"/>
+              <a:t>conf.d</a:t>
+            </a:r>
+            <a:r>
+              <a:rPr lang="en-US" altLang="zh-CN" dirty="0"/>
+              <a:t>/</a:t>
+            </a:r>
+            <a:r>
+              <a:rPr lang="en-US" altLang="zh-CN" dirty="0" err="1"/>
+              <a:t>td_bitfinex.conf</a:t>
+            </a:r>
+            <a:endParaRPr lang="en-US" altLang="zh-CN" dirty="0"/>
+          </a:p>
+          <a:p>
+            <a:pPr lvl="1"/>
+            <a:r>
+              <a:rPr lang="en-US" altLang="zh-CN" dirty="0"/>
+              <a:t>	Modified: rpm/scripts/post_install.sh</a:t>
+            </a:r>
+          </a:p>
+          <a:p>
+            <a:pPr lvl="1"/>
+            <a:r>
+              <a:rPr lang="en-US" altLang="zh-CN" dirty="0"/>
+              <a:t>	Modified: </a:t>
+            </a:r>
+            <a:r>
+              <a:rPr lang="en-US" altLang="zh-CN" dirty="0" err="1"/>
+              <a:t>wingchun</a:t>
+            </a:r>
+            <a:r>
+              <a:rPr lang="en-US" altLang="zh-CN" dirty="0"/>
+              <a:t>/md/CMakeLists.txt</a:t>
+            </a:r>
+          </a:p>
+          <a:p>
+            <a:pPr lvl="1"/>
+            <a:r>
+              <a:rPr lang="en-US" altLang="zh-CN" dirty="0"/>
+              <a:t>	Added: </a:t>
+            </a:r>
+            <a:r>
+              <a:rPr lang="en-US" altLang="zh-CN" dirty="0" err="1"/>
+              <a:t>wingchun</a:t>
+            </a:r>
+            <a:r>
+              <a:rPr lang="en-US" altLang="zh-CN" dirty="0"/>
+              <a:t>/md/MDEngineBitfinex.cpp</a:t>
+            </a:r>
+          </a:p>
+          <a:p>
+            <a:pPr lvl="1"/>
+            <a:r>
+              <a:rPr lang="en-US" altLang="zh-CN" dirty="0"/>
+              <a:t>	Added: </a:t>
+            </a:r>
+            <a:r>
+              <a:rPr lang="en-US" altLang="zh-CN" dirty="0" err="1"/>
+              <a:t>wingchun</a:t>
+            </a:r>
+            <a:r>
+              <a:rPr lang="en-US" altLang="zh-CN" dirty="0"/>
+              <a:t>/md/</a:t>
+            </a:r>
+            <a:r>
+              <a:rPr lang="en-US" altLang="zh-CN" dirty="0" err="1"/>
+              <a:t>MDEngineBitfinex.h</a:t>
+            </a:r>
+            <a:endParaRPr lang="en-US" altLang="zh-CN" dirty="0"/>
+          </a:p>
+          <a:p>
+            <a:pPr lvl="1"/>
+            <a:r>
+              <a:rPr lang="en-US" altLang="zh-CN" dirty="0"/>
+              <a:t>	Modified: </a:t>
+            </a:r>
+            <a:r>
+              <a:rPr lang="en-US" altLang="zh-CN" dirty="0" err="1"/>
+              <a:t>wingchun</a:t>
+            </a:r>
+            <a:r>
+              <a:rPr lang="en-US" altLang="zh-CN" dirty="0"/>
+              <a:t>/td/CMakeLists.txt</a:t>
+            </a:r>
+          </a:p>
+          <a:p>
+            <a:pPr lvl="1"/>
+            <a:r>
+              <a:rPr lang="en-US" altLang="zh-CN" dirty="0"/>
+              <a:t>	Added: </a:t>
+            </a:r>
+            <a:r>
+              <a:rPr lang="en-US" altLang="zh-CN" dirty="0" err="1"/>
+              <a:t>wingchun</a:t>
+            </a:r>
+            <a:r>
+              <a:rPr lang="en-US" altLang="zh-CN" dirty="0"/>
+              <a:t>/td/TDEngineBitfinex.cpp</a:t>
+            </a:r>
+          </a:p>
+          <a:p>
+            <a:pPr lvl="1"/>
+            <a:r>
+              <a:rPr lang="en-US" altLang="zh-CN" dirty="0"/>
+              <a:t>	Added: </a:t>
+            </a:r>
+            <a:r>
+              <a:rPr lang="en-US" altLang="zh-CN" dirty="0" err="1"/>
+              <a:t>wingchun</a:t>
+            </a:r>
+            <a:r>
+              <a:rPr lang="en-US" altLang="zh-CN" dirty="0"/>
+              <a:t>/td/</a:t>
+            </a:r>
+            <a:r>
+              <a:rPr lang="en-US" altLang="zh-CN" dirty="0" err="1"/>
+              <a:t>TDEngineBitfinex.h</a:t>
+            </a:r>
+            <a:endParaRPr lang="en-US" altLang="zh-CN" dirty="0"/>
+          </a:p>
+          <a:p>
+            <a:pPr lvl="1"/>
+            <a:r>
+              <a:rPr lang="en-US" altLang="zh-CN" dirty="0"/>
+              <a:t>	Modified: </a:t>
+            </a:r>
+            <a:r>
+              <a:rPr lang="en-US" altLang="zh-CN" dirty="0" err="1"/>
+              <a:t>yijinjing</a:t>
+            </a:r>
+            <a:r>
+              <a:rPr lang="en-US" altLang="zh-CN" dirty="0"/>
+              <a:t>/journal/JournalFinder.cpp</a:t>
+            </a:r>
+            <a:endParaRPr lang="zh-CN" altLang="en-US" dirty="0"/>
           </a:p>
         </p:txBody>
       </p:sp>
     </p:spTree>
     <p:extLst>
       <p:ext uri="{BB962C8B-B14F-4D97-AF65-F5344CB8AC3E}">
-        <p14:creationId xmlns:p14="http://schemas.microsoft.com/office/powerpoint/2010/main" val="2481568132"/>
+        <p14:creationId xmlns:p14="http://schemas.microsoft.com/office/powerpoint/2010/main" val="2826973147"/>
       </p:ext>
     </p:extLst>
   </p:cSld>
@@ -7664,7 +8860,7 @@
 </p:sld>
 </file>
 
-<file path=ppt/slides/slide26.xml><?xml version="1.0" encoding="utf-8"?>
+<file path=ppt/slides/slide31.xml><?xml version="1.0" encoding="utf-8"?>
 <p:sld xmlns:a="http://schemas.openxmlformats.org/drawingml/2006/main" xmlns:r="http://schemas.openxmlformats.org/officeDocument/2006/relationships" xmlns:p="http://schemas.openxmlformats.org/presentationml/2006/main">
   <p:cSld>
     <p:spTree>
@@ -7686,7 +8882,7 @@
           <p:cNvPr id="2" name="标题 1">
             <a:extLst>
               <a:ext uri="{FF2B5EF4-FFF2-40B4-BE49-F238E27FC236}">
-                <a16:creationId xmlns:a16="http://schemas.microsoft.com/office/drawing/2014/main" id="{6CC395DF-85BA-4CFD-9A39-419E6401E0CD}"/>
+                <a16:creationId xmlns:a16="http://schemas.microsoft.com/office/drawing/2014/main" id="{C7CC8DC6-AA4E-4E06-9864-A0ECA73FD7D0}"/>
               </a:ext>
             </a:extLst>
           </p:cNvPr>
@@ -7704,11 +8900,15 @@
           <a:p>
             <a:r>
               <a:rPr lang="zh-CN" altLang="en-US" dirty="0"/>
-              <a:t>开发一个</a:t>
-            </a:r>
-            <a:r>
-              <a:rPr lang="en-US" altLang="zh-CN" dirty="0"/>
-              <a:t>restful TD</a:t>
+              <a:t>开发一个 </a:t>
+            </a:r>
+            <a:r>
+              <a:rPr lang="en-US" altLang="zh-CN" dirty="0" err="1"/>
+              <a:t>websocket</a:t>
+            </a:r>
+            <a:r>
+              <a:rPr lang="en-US" altLang="zh-CN" dirty="0"/>
+              <a:t> MD</a:t>
             </a:r>
             <a:r>
               <a:rPr lang="zh-CN" altLang="en-US" dirty="0"/>
@@ -7722,7 +8922,7 @@
           <p:cNvPr id="3" name="内容占位符 2">
             <a:extLst>
               <a:ext uri="{FF2B5EF4-FFF2-40B4-BE49-F238E27FC236}">
-                <a16:creationId xmlns:a16="http://schemas.microsoft.com/office/drawing/2014/main" id="{038CD14D-A969-4E1C-A8DE-DA452B8DB31F}"/>
+                <a16:creationId xmlns:a16="http://schemas.microsoft.com/office/drawing/2014/main" id="{E5AE2544-106F-40AB-9422-7BFEB927909E}"/>
               </a:ext>
             </a:extLst>
           </p:cNvPr>
@@ -7740,40 +8940,62 @@
           <a:p>
             <a:r>
               <a:rPr lang="zh-CN" altLang="en-US" dirty="0"/>
-              <a:t>根据是我们提供</a:t>
-            </a:r>
-            <a:r>
-              <a:rPr lang="en-US" altLang="zh-CN" dirty="0" err="1"/>
-              <a:t>orderid</a:t>
-            </a:r>
-            <a:r>
-              <a:rPr lang="zh-CN" altLang="en-US" dirty="0"/>
-              <a:t>还是由对方提供，来选择参考的</a:t>
-            </a:r>
-            <a:r>
-              <a:rPr lang="en-US" altLang="zh-CN" dirty="0"/>
-              <a:t>td</a:t>
-            </a:r>
-          </a:p>
-          <a:p>
-            <a:endParaRPr lang="en-US" altLang="zh-CN" dirty="0"/>
-          </a:p>
-          <a:p>
-            <a:r>
-              <a:rPr lang="zh-CN" altLang="en-US" dirty="0"/>
-              <a:t>我们提供</a:t>
-            </a:r>
-            <a:r>
-              <a:rPr lang="en-US" altLang="zh-CN" dirty="0" err="1"/>
-              <a:t>orderID</a:t>
-            </a:r>
-            <a:r>
-              <a:rPr lang="en-US" altLang="zh-CN" dirty="0"/>
-              <a:t> restful</a:t>
-            </a:r>
-            <a:r>
-              <a:rPr lang="zh-CN" altLang="en-US" dirty="0"/>
-              <a:t>的如</a:t>
+              <a:t>先参考</a:t>
+            </a:r>
+            <a:r>
+              <a:rPr lang="en-US" altLang="zh-CN" dirty="0"/>
+              <a:t>test</a:t>
+            </a:r>
+            <a:r>
+              <a:rPr lang="zh-CN" altLang="en-US" dirty="0"/>
+              <a:t>目录下的</a:t>
+            </a:r>
+            <a:r>
+              <a:rPr lang="en-US" altLang="zh-CN" dirty="0" err="1"/>
+              <a:t>websocket</a:t>
+            </a:r>
+            <a:r>
+              <a:rPr lang="zh-CN" altLang="en-US" dirty="0"/>
+              <a:t>代码，写一个简单的</a:t>
+            </a:r>
+            <a:r>
+              <a:rPr lang="en-US" altLang="zh-CN" dirty="0" err="1"/>
+              <a:t>websocket</a:t>
+            </a:r>
+            <a:r>
+              <a:rPr lang="zh-CN" altLang="en-US" dirty="0"/>
+              <a:t>接收测试，能够连接对方， 并接收到信息就可以了。</a:t>
+            </a:r>
+            <a:endParaRPr lang="en-US" altLang="zh-CN" dirty="0"/>
+          </a:p>
+          <a:p>
+            <a:endParaRPr lang="en-US" altLang="zh-CN" dirty="0"/>
+          </a:p>
+          <a:p>
+            <a:r>
+              <a:rPr lang="zh-CN" altLang="en-US" dirty="0"/>
+              <a:t>再根据</a:t>
+            </a:r>
+            <a:r>
+              <a:rPr lang="en-US" altLang="zh-CN" dirty="0" err="1"/>
+              <a:t>websocket</a:t>
+            </a:r>
+            <a:r>
+              <a:rPr lang="zh-CN" altLang="en-US" dirty="0"/>
+              <a:t>的接入方式来参考实现的</a:t>
+            </a:r>
+            <a:r>
+              <a:rPr lang="en-US" altLang="zh-CN" dirty="0"/>
+              <a:t>md</a:t>
+            </a:r>
+          </a:p>
+          <a:p>
+            <a:endParaRPr lang="en-US" altLang="zh-CN" dirty="0"/>
+          </a:p>
+          <a:p>
+            <a:r>
+              <a:rPr lang="zh-CN" altLang="en-US" dirty="0"/>
+              <a:t>每个币值对一个新连接的，如</a:t>
             </a:r>
             <a:r>
               <a:rPr lang="en-US" altLang="zh-CN" dirty="0" err="1"/>
@@ -7787,65 +9009,39 @@
           <a:p>
             <a:r>
               <a:rPr lang="zh-CN" altLang="en-US" dirty="0"/>
-              <a:t>由对方提供</a:t>
-            </a:r>
-            <a:r>
-              <a:rPr lang="en-US" altLang="zh-CN" dirty="0" err="1"/>
-              <a:t>orderID</a:t>
-            </a:r>
-            <a:r>
-              <a:rPr lang="en-US" altLang="zh-CN" dirty="0"/>
-              <a:t>  restful</a:t>
-            </a:r>
-            <a:r>
-              <a:rPr lang="zh-CN" altLang="en-US" dirty="0"/>
-              <a:t>的如</a:t>
+              <a:t>一个</a:t>
+            </a:r>
+            <a:r>
+              <a:rPr lang="en-US" altLang="zh-CN" dirty="0" err="1"/>
+              <a:t>websocket</a:t>
+            </a:r>
+            <a:r>
+              <a:rPr lang="zh-CN" altLang="en-US" dirty="0"/>
+              <a:t>连接， 订阅多个币值对的，如</a:t>
             </a:r>
             <a:r>
               <a:rPr lang="en-US" altLang="zh-CN" dirty="0" err="1"/>
               <a:t>coinmex</a:t>
             </a:r>
-            <a:endParaRPr lang="en-US" altLang="zh-CN" dirty="0"/>
-          </a:p>
-          <a:p>
-            <a:endParaRPr lang="en-US" altLang="zh-CN" dirty="0"/>
-          </a:p>
-          <a:p>
-            <a:r>
-              <a:rPr lang="zh-CN" altLang="en-US" dirty="0"/>
-              <a:t>由对方提供</a:t>
-            </a:r>
-            <a:r>
-              <a:rPr lang="en-US" altLang="zh-CN" dirty="0" err="1"/>
-              <a:t>orderID</a:t>
-            </a:r>
-            <a:r>
-              <a:rPr lang="en-US" altLang="zh-CN" dirty="0"/>
-              <a:t>  </a:t>
-            </a:r>
-            <a:r>
-              <a:rPr lang="en-US" altLang="zh-CN" dirty="0" err="1"/>
-              <a:t>websocket</a:t>
-            </a:r>
-            <a:r>
-              <a:rPr lang="zh-CN" altLang="en-US" dirty="0"/>
-              <a:t>的如</a:t>
+            <a:r>
+              <a:rPr lang="zh-CN" altLang="en-US" dirty="0"/>
+              <a:t>，</a:t>
             </a:r>
             <a:r>
               <a:rPr lang="en-US" altLang="zh-CN" dirty="0" err="1"/>
               <a:t>bitfinex</a:t>
             </a:r>
-            <a:endParaRPr lang="en-US" altLang="zh-CN" dirty="0"/>
-          </a:p>
-          <a:p>
-            <a:endParaRPr lang="zh-CN" altLang="en-US" dirty="0"/>
+            <a:r>
+              <a:rPr lang="zh-CN" altLang="en-US" dirty="0"/>
+              <a:t>，</a:t>
+            </a:r>
           </a:p>
         </p:txBody>
       </p:sp>
     </p:spTree>
     <p:extLst>
       <p:ext uri="{BB962C8B-B14F-4D97-AF65-F5344CB8AC3E}">
-        <p14:creationId xmlns:p14="http://schemas.microsoft.com/office/powerpoint/2010/main" val="2318429948"/>
+        <p14:creationId xmlns:p14="http://schemas.microsoft.com/office/powerpoint/2010/main" val="2481568132"/>
       </p:ext>
     </p:extLst>
   </p:cSld>
@@ -7855,7 +9051,7 @@
 </p:sld>
 </file>
 
-<file path=ppt/slides/slide27.xml><?xml version="1.0" encoding="utf-8"?>
+<file path=ppt/slides/slide32.xml><?xml version="1.0" encoding="utf-8"?>
 <p:sld xmlns:a="http://schemas.openxmlformats.org/drawingml/2006/main" xmlns:r="http://schemas.openxmlformats.org/officeDocument/2006/relationships" xmlns:p="http://schemas.openxmlformats.org/presentationml/2006/main">
   <p:cSld>
     <p:spTree>
@@ -7877,6 +9073,197 @@
           <p:cNvPr id="2" name="标题 1">
             <a:extLst>
               <a:ext uri="{FF2B5EF4-FFF2-40B4-BE49-F238E27FC236}">
+                <a16:creationId xmlns:a16="http://schemas.microsoft.com/office/drawing/2014/main" id="{6CC395DF-85BA-4CFD-9A39-419E6401E0CD}"/>
+              </a:ext>
+            </a:extLst>
+          </p:cNvPr>
+          <p:cNvSpPr>
+            <a:spLocks noGrp="1"/>
+          </p:cNvSpPr>
+          <p:nvPr>
+            <p:ph type="title"/>
+          </p:nvPr>
+        </p:nvSpPr>
+        <p:spPr/>
+        <p:txBody>
+          <a:bodyPr/>
+          <a:lstStyle/>
+          <a:p>
+            <a:r>
+              <a:rPr lang="zh-CN" altLang="en-US" dirty="0"/>
+              <a:t>开发一个</a:t>
+            </a:r>
+            <a:r>
+              <a:rPr lang="en-US" altLang="zh-CN" dirty="0"/>
+              <a:t>restful TD</a:t>
+            </a:r>
+            <a:r>
+              <a:rPr lang="zh-CN" altLang="en-US" dirty="0"/>
+              <a:t>的过程</a:t>
+            </a:r>
+          </a:p>
+        </p:txBody>
+      </p:sp>
+      <p:sp>
+        <p:nvSpPr>
+          <p:cNvPr id="3" name="内容占位符 2">
+            <a:extLst>
+              <a:ext uri="{FF2B5EF4-FFF2-40B4-BE49-F238E27FC236}">
+                <a16:creationId xmlns:a16="http://schemas.microsoft.com/office/drawing/2014/main" id="{038CD14D-A969-4E1C-A8DE-DA452B8DB31F}"/>
+              </a:ext>
+            </a:extLst>
+          </p:cNvPr>
+          <p:cNvSpPr>
+            <a:spLocks noGrp="1"/>
+          </p:cNvSpPr>
+          <p:nvPr>
+            <p:ph idx="1"/>
+          </p:nvPr>
+        </p:nvSpPr>
+        <p:spPr/>
+        <p:txBody>
+          <a:bodyPr/>
+          <a:lstStyle/>
+          <a:p>
+            <a:r>
+              <a:rPr lang="zh-CN" altLang="en-US" dirty="0"/>
+              <a:t>根据是我们提供</a:t>
+            </a:r>
+            <a:r>
+              <a:rPr lang="en-US" altLang="zh-CN" dirty="0" err="1"/>
+              <a:t>orderid</a:t>
+            </a:r>
+            <a:r>
+              <a:rPr lang="zh-CN" altLang="en-US" dirty="0"/>
+              <a:t>还是由对方提供，来选择参考的</a:t>
+            </a:r>
+            <a:r>
+              <a:rPr lang="en-US" altLang="zh-CN" dirty="0"/>
+              <a:t>td</a:t>
+            </a:r>
+          </a:p>
+          <a:p>
+            <a:endParaRPr lang="en-US" altLang="zh-CN" dirty="0"/>
+          </a:p>
+          <a:p>
+            <a:r>
+              <a:rPr lang="zh-CN" altLang="en-US" dirty="0"/>
+              <a:t>我们提供</a:t>
+            </a:r>
+            <a:r>
+              <a:rPr lang="en-US" altLang="zh-CN" dirty="0" err="1"/>
+              <a:t>orderID</a:t>
+            </a:r>
+            <a:r>
+              <a:rPr lang="en-US" altLang="zh-CN" dirty="0"/>
+              <a:t> restful</a:t>
+            </a:r>
+            <a:r>
+              <a:rPr lang="zh-CN" altLang="en-US" dirty="0"/>
+              <a:t>的如</a:t>
+            </a:r>
+            <a:r>
+              <a:rPr lang="en-US" altLang="zh-CN" dirty="0" err="1"/>
+              <a:t>binance</a:t>
+            </a:r>
+            <a:endParaRPr lang="en-US" altLang="zh-CN" dirty="0"/>
+          </a:p>
+          <a:p>
+            <a:endParaRPr lang="en-US" altLang="zh-CN" dirty="0"/>
+          </a:p>
+          <a:p>
+            <a:r>
+              <a:rPr lang="zh-CN" altLang="en-US" dirty="0"/>
+              <a:t>由对方提供</a:t>
+            </a:r>
+            <a:r>
+              <a:rPr lang="en-US" altLang="zh-CN" dirty="0" err="1"/>
+              <a:t>orderID</a:t>
+            </a:r>
+            <a:r>
+              <a:rPr lang="en-US" altLang="zh-CN" dirty="0"/>
+              <a:t>  restful</a:t>
+            </a:r>
+            <a:r>
+              <a:rPr lang="zh-CN" altLang="en-US" dirty="0"/>
+              <a:t>的如</a:t>
+            </a:r>
+            <a:r>
+              <a:rPr lang="en-US" altLang="zh-CN" dirty="0" err="1"/>
+              <a:t>coinmex</a:t>
+            </a:r>
+            <a:endParaRPr lang="en-US" altLang="zh-CN" dirty="0"/>
+          </a:p>
+          <a:p>
+            <a:endParaRPr lang="en-US" altLang="zh-CN" dirty="0"/>
+          </a:p>
+          <a:p>
+            <a:r>
+              <a:rPr lang="zh-CN" altLang="en-US" dirty="0"/>
+              <a:t>由对方提供</a:t>
+            </a:r>
+            <a:r>
+              <a:rPr lang="en-US" altLang="zh-CN" dirty="0" err="1"/>
+              <a:t>orderID</a:t>
+            </a:r>
+            <a:r>
+              <a:rPr lang="en-US" altLang="zh-CN" dirty="0"/>
+              <a:t>  </a:t>
+            </a:r>
+            <a:r>
+              <a:rPr lang="en-US" altLang="zh-CN" dirty="0" err="1"/>
+              <a:t>websocket</a:t>
+            </a:r>
+            <a:r>
+              <a:rPr lang="zh-CN" altLang="en-US" dirty="0"/>
+              <a:t>的如</a:t>
+            </a:r>
+            <a:r>
+              <a:rPr lang="en-US" altLang="zh-CN" dirty="0" err="1"/>
+              <a:t>bitfinex</a:t>
+            </a:r>
+            <a:endParaRPr lang="en-US" altLang="zh-CN" dirty="0"/>
+          </a:p>
+          <a:p>
+            <a:endParaRPr lang="zh-CN" altLang="en-US" dirty="0"/>
+          </a:p>
+        </p:txBody>
+      </p:sp>
+    </p:spTree>
+    <p:extLst>
+      <p:ext uri="{BB962C8B-B14F-4D97-AF65-F5344CB8AC3E}">
+        <p14:creationId xmlns:p14="http://schemas.microsoft.com/office/powerpoint/2010/main" val="2318429948"/>
+      </p:ext>
+    </p:extLst>
+  </p:cSld>
+  <p:clrMapOvr>
+    <a:masterClrMapping/>
+  </p:clrMapOvr>
+</p:sld>
+</file>
+
+<file path=ppt/slides/slide33.xml><?xml version="1.0" encoding="utf-8"?>
+<p:sld xmlns:a="http://schemas.openxmlformats.org/drawingml/2006/main" xmlns:r="http://schemas.openxmlformats.org/officeDocument/2006/relationships" xmlns:p="http://schemas.openxmlformats.org/presentationml/2006/main">
+  <p:cSld>
+    <p:spTree>
+      <p:nvGrpSpPr>
+        <p:cNvPr id="1" name=""/>
+        <p:cNvGrpSpPr/>
+        <p:nvPr/>
+      </p:nvGrpSpPr>
+      <p:grpSpPr>
+        <a:xfrm>
+          <a:off x="0" y="0"/>
+          <a:ext cx="0" cy="0"/>
+          <a:chOff x="0" y="0"/>
+          <a:chExt cx="0" cy="0"/>
+        </a:xfrm>
+      </p:grpSpPr>
+      <p:sp>
+        <p:nvSpPr>
+          <p:cNvPr id="2" name="标题 1">
+            <a:extLst>
+              <a:ext uri="{FF2B5EF4-FFF2-40B4-BE49-F238E27FC236}">
                 <a16:creationId xmlns:a16="http://schemas.microsoft.com/office/drawing/2014/main" id="{B5885591-CBDA-404C-B5CA-F255DF490220}"/>
               </a:ext>
             </a:extLst>
@@ -8091,7 +9478,7 @@
 </p:sld>
 </file>
 
-<file path=ppt/slides/slide28.xml><?xml version="1.0" encoding="utf-8"?>
+<file path=ppt/slides/slide34.xml><?xml version="1.0" encoding="utf-8"?>
 <p:sld xmlns:a="http://schemas.openxmlformats.org/drawingml/2006/main" xmlns:r="http://schemas.openxmlformats.org/officeDocument/2006/relationships" xmlns:p="http://schemas.openxmlformats.org/presentationml/2006/main">
   <p:cSld>
     <p:spTree>
@@ -8254,7 +9641,7 @@
 </p:sld>
 </file>
 
-<file path=ppt/slides/slide29.xml><?xml version="1.0" encoding="utf-8"?>
+<file path=ppt/slides/slide35.xml><?xml version="1.0" encoding="utf-8"?>
 <p:sld xmlns:a="http://schemas.openxmlformats.org/drawingml/2006/main" xmlns:r="http://schemas.openxmlformats.org/officeDocument/2006/relationships" xmlns:p="http://schemas.openxmlformats.org/presentationml/2006/main">
   <p:cSld>
     <p:spTree>
@@ -8444,285 +9831,7 @@
 </p:sld>
 </file>
 
-<file path=ppt/slides/slide3.xml><?xml version="1.0" encoding="utf-8"?>
-<p:sld xmlns:a="http://schemas.openxmlformats.org/drawingml/2006/main" xmlns:r="http://schemas.openxmlformats.org/officeDocument/2006/relationships" xmlns:p="http://schemas.openxmlformats.org/presentationml/2006/main">
-  <p:cSld>
-    <p:spTree>
-      <p:nvGrpSpPr>
-        <p:cNvPr id="1" name=""/>
-        <p:cNvGrpSpPr/>
-        <p:nvPr/>
-      </p:nvGrpSpPr>
-      <p:grpSpPr>
-        <a:xfrm>
-          <a:off x="0" y="0"/>
-          <a:ext cx="0" cy="0"/>
-          <a:chOff x="0" y="0"/>
-          <a:chExt cx="0" cy="0"/>
-        </a:xfrm>
-      </p:grpSpPr>
-      <p:sp>
-        <p:nvSpPr>
-          <p:cNvPr id="2" name="标题 1">
-            <a:extLst>
-              <a:ext uri="{FF2B5EF4-FFF2-40B4-BE49-F238E27FC236}">
-                <a16:creationId xmlns:a16="http://schemas.microsoft.com/office/drawing/2014/main" id="{767FE5B0-64BB-4D1A-9360-ACC773A03527}"/>
-              </a:ext>
-            </a:extLst>
-          </p:cNvPr>
-          <p:cNvSpPr>
-            <a:spLocks noGrp="1"/>
-          </p:cNvSpPr>
-          <p:nvPr>
-            <p:ph type="title"/>
-          </p:nvPr>
-        </p:nvSpPr>
-        <p:spPr/>
-        <p:txBody>
-          <a:bodyPr/>
-          <a:lstStyle/>
-          <a:p>
-            <a:r>
-              <a:rPr lang="en-US" altLang="zh-CN" dirty="0"/>
-              <a:t>Kungfu</a:t>
-            </a:r>
-            <a:r>
-              <a:rPr lang="zh-CN" altLang="en-US" dirty="0"/>
-              <a:t>策略端点对消息队列的使用</a:t>
-            </a:r>
-          </a:p>
-        </p:txBody>
-      </p:sp>
-      <p:sp>
-        <p:nvSpPr>
-          <p:cNvPr id="3" name="内容占位符 2">
-            <a:extLst>
-              <a:ext uri="{FF2B5EF4-FFF2-40B4-BE49-F238E27FC236}">
-                <a16:creationId xmlns:a16="http://schemas.microsoft.com/office/drawing/2014/main" id="{4DBBC9B9-618A-4A57-BDEB-21AFF4DAF39E}"/>
-              </a:ext>
-            </a:extLst>
-          </p:cNvPr>
-          <p:cNvSpPr>
-            <a:spLocks noGrp="1"/>
-          </p:cNvSpPr>
-          <p:nvPr>
-            <p:ph idx="1"/>
-          </p:nvPr>
-        </p:nvSpPr>
-        <p:spPr/>
-        <p:txBody>
-          <a:bodyPr>
-            <a:normAutofit fontScale="47500" lnSpcReduction="20000"/>
-          </a:bodyPr>
-          <a:lstStyle/>
-          <a:p>
-            <a:pPr marL="0" indent="0">
-              <a:buNone/>
-            </a:pPr>
-            <a:r>
-              <a:rPr lang="zh-CN" altLang="en-US" dirty="0"/>
-              <a:t>消息的生产者和消费者：</a:t>
-            </a:r>
-            <a:endParaRPr lang="en-US" altLang="zh-CN" dirty="0"/>
-          </a:p>
-          <a:p>
-            <a:pPr lvl="1"/>
-            <a:r>
-              <a:rPr lang="en-US" altLang="zh-CN" dirty="0" err="1"/>
-              <a:t>wingchun</a:t>
-            </a:r>
-            <a:r>
-              <a:rPr lang="en-US" altLang="zh-CN" dirty="0"/>
-              <a:t>\md\IMDEngine.cpp</a:t>
-            </a:r>
-          </a:p>
-          <a:p>
-            <a:pPr lvl="1"/>
-            <a:r>
-              <a:rPr lang="en-US" altLang="zh-CN" dirty="0" err="1"/>
-              <a:t>wingchun</a:t>
-            </a:r>
-            <a:r>
-              <a:rPr lang="en-US" altLang="zh-CN" dirty="0"/>
-              <a:t>\td\ITDEngine.cpp</a:t>
-            </a:r>
-          </a:p>
-          <a:p>
-            <a:pPr lvl="1"/>
-            <a:r>
-              <a:rPr lang="en-US" altLang="zh-CN" dirty="0" err="1"/>
-              <a:t>wingchun</a:t>
-            </a:r>
-            <a:r>
-              <a:rPr lang="en-US" altLang="zh-CN" dirty="0"/>
-              <a:t>\strategy\IWCStrategy.cpp</a:t>
-            </a:r>
-            <a:br>
-              <a:rPr lang="en-US" altLang="zh-CN" dirty="0"/>
-            </a:br>
-            <a:endParaRPr lang="en-US" altLang="zh-CN" dirty="0"/>
-          </a:p>
-          <a:p>
-            <a:r>
-              <a:rPr lang="zh-CN" altLang="en-US" dirty="0"/>
-              <a:t>消息的类型：</a:t>
-            </a:r>
-            <a:endParaRPr lang="en-US" altLang="zh-CN" dirty="0"/>
-          </a:p>
-          <a:p>
-            <a:pPr lvl="1"/>
-            <a:r>
-              <a:rPr lang="en-US" altLang="zh-CN" dirty="0" err="1"/>
-              <a:t>longfist</a:t>
-            </a:r>
-            <a:r>
-              <a:rPr lang="en-US" altLang="zh-CN" dirty="0"/>
-              <a:t>\</a:t>
-            </a:r>
-            <a:r>
-              <a:rPr lang="en-US" altLang="zh-CN" dirty="0" err="1"/>
-              <a:t>longfist</a:t>
-            </a:r>
-            <a:r>
-              <a:rPr lang="en-US" altLang="zh-CN" dirty="0"/>
-              <a:t>\</a:t>
-            </a:r>
-            <a:r>
-              <a:rPr lang="en-US" altLang="zh-CN" dirty="0" err="1"/>
-              <a:t>LFConstants.h</a:t>
-            </a:r>
-            <a:endParaRPr lang="en-US" altLang="zh-CN" dirty="0"/>
-          </a:p>
-          <a:p>
-            <a:pPr lvl="1"/>
-            <a:r>
-              <a:rPr lang="en-US" altLang="zh-CN" dirty="0"/>
-              <a:t>python\kungfu\longfist\longfist_constants.py</a:t>
-            </a:r>
-          </a:p>
-          <a:p>
-            <a:pPr lvl="1"/>
-            <a:r>
-              <a:rPr lang="zh-CN" altLang="en-US" dirty="0"/>
-              <a:t>系统的消息类型</a:t>
-            </a:r>
-            <a:endParaRPr lang="en-US" altLang="zh-CN" dirty="0"/>
-          </a:p>
-          <a:p>
-            <a:pPr lvl="1"/>
-            <a:r>
-              <a:rPr lang="en-US" altLang="zh-CN" dirty="0"/>
-              <a:t>const short MSG_TYPE_LF_L2_MD         = 102;</a:t>
-            </a:r>
-          </a:p>
-          <a:p>
-            <a:pPr lvl="1"/>
-            <a:r>
-              <a:rPr lang="en-US" altLang="zh-CN" dirty="0"/>
-              <a:t>const short MSG_TYPE_LF_L2_INDEX      = 103;</a:t>
-            </a:r>
-          </a:p>
-          <a:p>
-            <a:pPr lvl="1"/>
-            <a:r>
-              <a:rPr lang="en-US" altLang="zh-CN" dirty="0"/>
-              <a:t>const short MSG_TYPE_LF_L2_ORDER      = 104;</a:t>
-            </a:r>
-          </a:p>
-          <a:p>
-            <a:pPr lvl="1"/>
-            <a:r>
-              <a:rPr lang="en-US" altLang="zh-CN" dirty="0"/>
-              <a:t>const short MSG_TYPE_LF_L2_TRADE      = 105;</a:t>
-            </a:r>
-          </a:p>
-          <a:p>
-            <a:pPr lvl="1"/>
-            <a:r>
-              <a:rPr lang="en-US" altLang="zh-CN" dirty="0"/>
-              <a:t>const short MSG_TYPE_LF_PRICE_BOOK_20 = 106;</a:t>
-            </a:r>
-          </a:p>
-          <a:p>
-            <a:pPr lvl="1"/>
-            <a:r>
-              <a:rPr lang="en-US" altLang="zh-CN" dirty="0"/>
-              <a:t>const short MSG_TYPE_LF_BAR_MD        = 110;</a:t>
-            </a:r>
-          </a:p>
-          <a:p>
-            <a:pPr lvl="1"/>
-            <a:r>
-              <a:rPr lang="en-US" altLang="zh-CN" dirty="0"/>
-              <a:t>const short MSG_TYPE_LF_QRY_POS       = 201;</a:t>
-            </a:r>
-          </a:p>
-          <a:p>
-            <a:pPr lvl="1"/>
-            <a:r>
-              <a:rPr lang="en-US" altLang="zh-CN" dirty="0"/>
-              <a:t>const short MSG_TYPE_LF_RSP_POS       = 202;</a:t>
-            </a:r>
-          </a:p>
-          <a:p>
-            <a:pPr lvl="1"/>
-            <a:r>
-              <a:rPr lang="en-US" altLang="zh-CN" dirty="0"/>
-              <a:t>const short MSG_TYPE_LF_ORDER         = 204;</a:t>
-            </a:r>
-          </a:p>
-          <a:p>
-            <a:pPr lvl="1"/>
-            <a:r>
-              <a:rPr lang="en-US" altLang="zh-CN" dirty="0"/>
-              <a:t>const short MSG_TYPE_LF_RTN_ORDER     = 205;</a:t>
-            </a:r>
-          </a:p>
-          <a:p>
-            <a:pPr lvl="1"/>
-            <a:r>
-              <a:rPr lang="en-US" altLang="zh-CN" dirty="0"/>
-              <a:t>const short MSG_TYPE_LF_RTN_TRADE     = 206;</a:t>
-            </a:r>
-          </a:p>
-          <a:p>
-            <a:pPr lvl="1"/>
-            <a:r>
-              <a:rPr lang="en-US" altLang="zh-CN" dirty="0"/>
-              <a:t>const short MSG_TYPE_LF_ORDER_ACTION  = 207;</a:t>
-            </a:r>
-          </a:p>
-          <a:p>
-            <a:pPr lvl="1"/>
-            <a:r>
-              <a:rPr lang="en-US" altLang="zh-CN" dirty="0"/>
-              <a:t>const short MSG_TYPE_LF_QRY_ACCOUNT   = 208;</a:t>
-            </a:r>
-          </a:p>
-          <a:p>
-            <a:pPr lvl="1"/>
-            <a:r>
-              <a:rPr lang="en-US" altLang="zh-CN" dirty="0"/>
-              <a:t>const short MSG_TYPE_LF_RSP_ACCOUNT   = 209;</a:t>
-            </a:r>
-            <a:endParaRPr lang="zh-CN" altLang="en-US" dirty="0"/>
-          </a:p>
-        </p:txBody>
-      </p:sp>
-    </p:spTree>
-    <p:extLst>
-      <p:ext uri="{BB962C8B-B14F-4D97-AF65-F5344CB8AC3E}">
-        <p14:creationId xmlns:p14="http://schemas.microsoft.com/office/powerpoint/2010/main" val="355632800"/>
-      </p:ext>
-    </p:extLst>
-  </p:cSld>
-  <p:clrMapOvr>
-    <a:masterClrMapping/>
-  </p:clrMapOvr>
-</p:sld>
-</file>
-
-<file path=ppt/slides/slide30.xml><?xml version="1.0" encoding="utf-8"?>
+<file path=ppt/slides/slide36.xml><?xml version="1.0" encoding="utf-8"?>
 <p:sld xmlns:a="http://schemas.openxmlformats.org/drawingml/2006/main" xmlns:r="http://schemas.openxmlformats.org/officeDocument/2006/relationships" xmlns:p="http://schemas.openxmlformats.org/presentationml/2006/main">
   <p:cSld>
     <p:spTree>
@@ -8940,7 +10049,7 @@
 </p:sld>
 </file>
 
-<file path=ppt/slides/slide31.xml><?xml version="1.0" encoding="utf-8"?>
+<file path=ppt/slides/slide37.xml><?xml version="1.0" encoding="utf-8"?>
 <p:sld xmlns:a="http://schemas.openxmlformats.org/drawingml/2006/main" xmlns:r="http://schemas.openxmlformats.org/officeDocument/2006/relationships" xmlns:p="http://schemas.openxmlformats.org/presentationml/2006/main">
   <p:cSld>
     <p:spTree>
@@ -9031,15 +10140,7 @@
             </a:r>
             <a:r>
               <a:rPr lang="zh-CN" altLang="en-US" dirty="0"/>
-              <a:t>发现的问题 偶尔会出错</a:t>
-            </a:r>
-            <a:r>
-              <a:rPr lang="zh-CN" altLang="en-US"/>
-              <a:t>退出，错误如</a:t>
-            </a:r>
-            <a:r>
-              <a:rPr lang="zh-CN" altLang="en-US" dirty="0"/>
-              <a:t>图：</a:t>
+              <a:t>发现的问题 偶尔会出错退出，错误如图：</a:t>
             </a:r>
             <a:endParaRPr lang="en-US" altLang="zh-CN" dirty="0"/>
           </a:p>
@@ -9119,7 +10220,7 @@
 </p:sld>
 </file>
 
-<file path=ppt/slides/slide32.xml><?xml version="1.0" encoding="utf-8"?>
+<file path=ppt/slides/slide38.xml><?xml version="1.0" encoding="utf-8"?>
 <p:sld xmlns:a="http://schemas.openxmlformats.org/drawingml/2006/main" xmlns:r="http://schemas.openxmlformats.org/officeDocument/2006/relationships" xmlns:p="http://schemas.openxmlformats.org/presentationml/2006/main">
   <p:cSld>
     <p:spTree>
@@ -9360,7 +10461,7 @@
 </p:sld>
 </file>
 
-<file path=ppt/slides/slide33.xml><?xml version="1.0" encoding="utf-8"?>
+<file path=ppt/slides/slide39.xml><?xml version="1.0" encoding="utf-8"?>
 <p:sld xmlns:a="http://schemas.openxmlformats.org/drawingml/2006/main" xmlns:r="http://schemas.openxmlformats.org/officeDocument/2006/relationships" xmlns:p="http://schemas.openxmlformats.org/presentationml/2006/main">
   <p:cSld>
     <p:spTree>
@@ -10247,7 +11348,7 @@
           <p:nvPr>
             <p:extLst>
               <p:ext uri="{D42A27DB-BD31-4B8C-83A1-F6EECF244321}">
-                <p14:modId xmlns:p14="http://schemas.microsoft.com/office/powerpoint/2010/main" val="2606235727"/>
+                <p14:modId xmlns:p14="http://schemas.microsoft.com/office/powerpoint/2010/main" val="1477841139"/>
               </p:ext>
             </p:extLst>
           </p:nvPr>
@@ -10260,7 +11361,7 @@
           <a:graphicData uri="http://schemas.openxmlformats.org/presentationml/2006/ole">
             <mc:AlternateContent xmlns:mc="http://schemas.openxmlformats.org/markup-compatibility/2006">
               <mc:Choice xmlns:v="urn:schemas-microsoft-com:vml" Requires="v">
-                <p:oleObj spid="_x0000_s1028" name="包装程序外壳对象" showAsIcon="1" r:id="rId4" imgW="1857600" imgH="439560" progId="Package">
+                <p:oleObj spid="_x0000_s1100" name="包装程序外壳对象" showAsIcon="1" r:id="rId4" imgW="1857600" imgH="439560" progId="Package">
                   <p:embed/>
                 </p:oleObj>
               </mc:Choice>
@@ -10330,7 +11431,7 @@
           <p:cNvPr id="2" name="标题 1">
             <a:extLst>
               <a:ext uri="{FF2B5EF4-FFF2-40B4-BE49-F238E27FC236}">
-                <a16:creationId xmlns:a16="http://schemas.microsoft.com/office/drawing/2014/main" id="{5AE02EFD-4BD9-4768-902B-4A842CE1CD1F}"/>
+                <a16:creationId xmlns:a16="http://schemas.microsoft.com/office/drawing/2014/main" id="{F2221F6A-9D9B-4E3C-B699-5DA1E06B1DBB}"/>
               </a:ext>
             </a:extLst>
           </p:cNvPr>
@@ -10348,28 +11449,21 @@
           <a:p>
             <a:r>
               <a:rPr lang="en-US" altLang="zh-CN" dirty="0"/>
-              <a:t>Kungfu</a:t>
-            </a:r>
-            <a:r>
-              <a:rPr lang="zh-CN" altLang="en-US" dirty="0"/>
-              <a:t>的</a:t>
-            </a:r>
-            <a:r>
-              <a:rPr lang="en-US" altLang="zh-CN" dirty="0"/>
-              <a:t>MD</a:t>
-            </a:r>
-            <a:r>
-              <a:rPr lang="zh-CN" altLang="en-US" dirty="0"/>
-              <a:t>端点对消息队列的使用 </a:t>
-            </a:r>
-            <a:r>
-              <a:rPr lang="en-US" altLang="zh-CN" dirty="0"/>
-              <a:t>1/2</a:t>
-            </a:r>
-            <a:r>
-              <a:rPr lang="zh-CN" altLang="en-US" dirty="0"/>
-              <a:t>（读）</a:t>
-            </a:r>
+              <a:t>《 </a:t>
+            </a:r>
+            <a:r>
+              <a:rPr lang="en-US" altLang="zh-CN" dirty="0" err="1"/>
+              <a:t>requestID</a:t>
+            </a:r>
+            <a:r>
+              <a:rPr lang="zh-CN" altLang="en-US" dirty="0"/>
+              <a:t>功夫的处理流程说明</a:t>
+            </a:r>
+            <a:r>
+              <a:rPr lang="en-US" altLang="zh-CN" dirty="0"/>
+              <a:t>》 1/5</a:t>
+            </a:r>
+            <a:endParaRPr lang="zh-CN" altLang="en-US" dirty="0"/>
           </a:p>
         </p:txBody>
       </p:sp>
@@ -10378,7 +11472,7 @@
           <p:cNvPr id="3" name="内容占位符 2">
             <a:extLst>
               <a:ext uri="{FF2B5EF4-FFF2-40B4-BE49-F238E27FC236}">
-                <a16:creationId xmlns:a16="http://schemas.microsoft.com/office/drawing/2014/main" id="{782F6CBB-A1F8-4367-A7F5-74E0A73B349C}"/>
+                <a16:creationId xmlns:a16="http://schemas.microsoft.com/office/drawing/2014/main" id="{4C7AA6D9-E6AD-472F-9CB2-9F773A075ABE}"/>
               </a:ext>
             </a:extLst>
           </p:cNvPr>
@@ -10396,30 +11490,44 @@
           <a:p>
             <a:r>
               <a:rPr lang="zh-CN" altLang="en-US" dirty="0"/>
-              <a:t>程序文件</a:t>
-            </a:r>
-            <a:r>
-              <a:rPr lang="en-US" altLang="zh-CN" dirty="0" err="1"/>
-              <a:t>wingchun</a:t>
-            </a:r>
-            <a:r>
-              <a:rPr lang="en-US" altLang="zh-CN" dirty="0"/>
-              <a:t>\md\IMDEngine.cpp</a:t>
-            </a:r>
-          </a:p>
-          <a:p>
-            <a:r>
-              <a:rPr lang="zh-CN" altLang="en-US" dirty="0"/>
-              <a:t>无锁无</a:t>
-            </a:r>
-            <a:r>
-              <a:rPr lang="en-US" altLang="zh-CN" dirty="0"/>
-              <a:t>sleep</a:t>
-            </a:r>
-            <a:r>
-              <a:rPr lang="zh-CN" altLang="en-US" dirty="0"/>
-              <a:t>轮询来获取系统开启关闭消息，订阅消息，并处理</a:t>
-            </a:r>
+              <a:t>发单</a:t>
+            </a:r>
+            <a:endParaRPr lang="en-US" altLang="zh-CN" dirty="0"/>
+          </a:p>
+          <a:p>
+            <a:endParaRPr lang="en-US" altLang="zh-CN" dirty="0"/>
+          </a:p>
+          <a:p>
+            <a:endParaRPr lang="en-US" altLang="zh-CN" dirty="0"/>
+          </a:p>
+          <a:p>
+            <a:endParaRPr lang="en-US" altLang="zh-CN" dirty="0"/>
+          </a:p>
+          <a:p>
+            <a:endParaRPr lang="en-US" altLang="zh-CN" dirty="0"/>
+          </a:p>
+          <a:p>
+            <a:endParaRPr lang="en-US" altLang="zh-CN" dirty="0"/>
+          </a:p>
+          <a:p>
+            <a:endParaRPr lang="en-US" altLang="zh-CN" dirty="0"/>
+          </a:p>
+          <a:p>
+            <a:r>
+              <a:rPr lang="en-US" altLang="zh-CN" dirty="0"/>
+              <a:t> </a:t>
+            </a:r>
+            <a:r>
+              <a:rPr lang="zh-CN" altLang="en-US" dirty="0"/>
+              <a:t>撤单</a:t>
+            </a:r>
+            <a:endParaRPr lang="en-US" altLang="zh-CN" dirty="0"/>
+          </a:p>
+          <a:p>
+            <a:endParaRPr lang="en-US" altLang="zh-CN" dirty="0"/>
+          </a:p>
+          <a:p>
+            <a:endParaRPr lang="zh-CN" altLang="en-US" dirty="0"/>
           </a:p>
         </p:txBody>
       </p:sp>
@@ -10428,7 +11536,7 @@
           <p:cNvPr id="4" name="图片 3">
             <a:extLst>
               <a:ext uri="{FF2B5EF4-FFF2-40B4-BE49-F238E27FC236}">
-                <a16:creationId xmlns:a16="http://schemas.microsoft.com/office/drawing/2014/main" id="{785AE5B1-0986-4496-8009-73D929920866}"/>
+                <a16:creationId xmlns:a16="http://schemas.microsoft.com/office/drawing/2014/main" id="{FFF1C1EE-F2FF-4EEA-BB2D-E3DF72129775}"/>
               </a:ext>
             </a:extLst>
           </p:cNvPr>
@@ -10445,8 +11553,8 @@
         </p:blipFill>
         <p:spPr>
           <a:xfrm>
-            <a:off x="1466254" y="2943331"/>
-            <a:ext cx="3741850" cy="3429000"/>
+            <a:off x="2743200" y="1920017"/>
+            <a:ext cx="6261653" cy="2166279"/>
           </a:xfrm>
           <a:prstGeom prst="rect">
             <a:avLst/>
@@ -10458,7 +11566,7 @@
           <p:cNvPr id="5" name="图片 4">
             <a:extLst>
               <a:ext uri="{FF2B5EF4-FFF2-40B4-BE49-F238E27FC236}">
-                <a16:creationId xmlns:a16="http://schemas.microsoft.com/office/drawing/2014/main" id="{26DE4DCE-E37E-488F-9328-9BD8F72B5C24}"/>
+                <a16:creationId xmlns:a16="http://schemas.microsoft.com/office/drawing/2014/main" id="{DDD2FD09-BB6B-43CC-ADA5-6DE42B01B3F2}"/>
               </a:ext>
             </a:extLst>
           </p:cNvPr>
@@ -10475,8 +11583,8 @@
         </p:blipFill>
         <p:spPr>
           <a:xfrm>
-            <a:off x="6003235" y="3263180"/>
-            <a:ext cx="4114800" cy="2007645"/>
+            <a:off x="2743200" y="4318659"/>
+            <a:ext cx="6261653" cy="1531627"/>
           </a:xfrm>
           <a:prstGeom prst="rect">
             <a:avLst/>
@@ -10486,7 +11594,7 @@
     </p:spTree>
     <p:extLst>
       <p:ext uri="{BB962C8B-B14F-4D97-AF65-F5344CB8AC3E}">
-        <p14:creationId xmlns:p14="http://schemas.microsoft.com/office/powerpoint/2010/main" val="3967950040"/>
+        <p14:creationId xmlns:p14="http://schemas.microsoft.com/office/powerpoint/2010/main" val="2922734249"/>
       </p:ext>
     </p:extLst>
   </p:cSld>
@@ -10518,7 +11626,7 @@
           <p:cNvPr id="2" name="标题 1">
             <a:extLst>
               <a:ext uri="{FF2B5EF4-FFF2-40B4-BE49-F238E27FC236}">
-                <a16:creationId xmlns:a16="http://schemas.microsoft.com/office/drawing/2014/main" id="{974955B2-EE4A-4875-A0AF-706222B13F10}"/>
+                <a16:creationId xmlns:a16="http://schemas.microsoft.com/office/drawing/2014/main" id="{4F44ABA1-F947-4C32-B2A1-6D4C318CE47E}"/>
               </a:ext>
             </a:extLst>
           </p:cNvPr>
@@ -10536,28 +11644,21 @@
           <a:p>
             <a:r>
               <a:rPr lang="en-US" altLang="zh-CN" dirty="0"/>
-              <a:t>Kungfu</a:t>
-            </a:r>
-            <a:r>
-              <a:rPr lang="zh-CN" altLang="en-US" dirty="0"/>
-              <a:t>的</a:t>
-            </a:r>
-            <a:r>
-              <a:rPr lang="en-US" altLang="zh-CN" dirty="0"/>
-              <a:t>MD</a:t>
-            </a:r>
-            <a:r>
-              <a:rPr lang="zh-CN" altLang="en-US" dirty="0"/>
-              <a:t>端点对消息队列的使用 </a:t>
-            </a:r>
-            <a:r>
-              <a:rPr lang="en-US" altLang="zh-CN" dirty="0"/>
-              <a:t>2/2</a:t>
-            </a:r>
-            <a:r>
-              <a:rPr lang="zh-CN" altLang="en-US" dirty="0"/>
-              <a:t>（写）</a:t>
-            </a:r>
+              <a:t> </a:t>
+            </a:r>
+            <a:r>
+              <a:rPr lang="en-US" altLang="zh-CN" dirty="0" err="1"/>
+              <a:t>requestID</a:t>
+            </a:r>
+            <a:r>
+              <a:rPr lang="zh-CN" altLang="en-US" dirty="0"/>
+              <a:t>功夫的处理流程说明</a:t>
+            </a:r>
+            <a:r>
+              <a:rPr lang="en-US" altLang="zh-CN" dirty="0"/>
+              <a:t>》 2/5</a:t>
+            </a:r>
+            <a:endParaRPr lang="zh-CN" altLang="en-US" dirty="0"/>
           </a:p>
         </p:txBody>
       </p:sp>
@@ -10566,7 +11667,7 @@
           <p:cNvPr id="3" name="内容占位符 2">
             <a:extLst>
               <a:ext uri="{FF2B5EF4-FFF2-40B4-BE49-F238E27FC236}">
-                <a16:creationId xmlns:a16="http://schemas.microsoft.com/office/drawing/2014/main" id="{26B095B0-FA4A-4FC9-BF9D-FE5E5320C21A}"/>
+                <a16:creationId xmlns:a16="http://schemas.microsoft.com/office/drawing/2014/main" id="{3458968B-A621-4F04-8601-C87C5228F6C1}"/>
               </a:ext>
             </a:extLst>
           </p:cNvPr>
@@ -10584,101 +11685,64 @@
           <a:p>
             <a:r>
               <a:rPr lang="zh-CN" altLang="en-US" dirty="0"/>
-              <a:t>程序文件</a:t>
-            </a:r>
-            <a:r>
-              <a:rPr lang="en-US" altLang="zh-CN" dirty="0" err="1"/>
-              <a:t>wingchun</a:t>
-            </a:r>
-            <a:r>
-              <a:rPr lang="en-US" altLang="zh-CN" dirty="0"/>
-              <a:t>\md\IMDEngine.cpp</a:t>
-            </a:r>
-          </a:p>
-          <a:p>
-            <a:r>
-              <a:rPr lang="zh-CN" altLang="en-US" dirty="0"/>
-              <a:t>从交易所收到数据后，调用接口函数写入消息队列</a:t>
-            </a:r>
-            <a:endParaRPr lang="en-US" altLang="zh-CN" dirty="0"/>
-          </a:p>
-          <a:p>
-            <a:pPr lvl="1"/>
-            <a:r>
-              <a:rPr lang="en-US" altLang="zh-CN" dirty="0" err="1"/>
-              <a:t>on_price_book_update</a:t>
-            </a:r>
-            <a:r>
-              <a:rPr lang="en-US" altLang="zh-CN" dirty="0"/>
-              <a:t>(const LFPriceBook20Field* data) </a:t>
-            </a:r>
-            <a:r>
-              <a:rPr lang="zh-CN" altLang="en-US" dirty="0"/>
-              <a:t>，量价</a:t>
-            </a:r>
-            <a:r>
-              <a:rPr lang="en-US" altLang="zh-CN" dirty="0"/>
-              <a:t>ask/bid</a:t>
-            </a:r>
-            <a:r>
-              <a:rPr lang="zh-CN" altLang="en-US" dirty="0"/>
-              <a:t>各</a:t>
-            </a:r>
-            <a:r>
-              <a:rPr lang="en-US" altLang="zh-CN" dirty="0"/>
-              <a:t>20</a:t>
-            </a:r>
-            <a:r>
-              <a:rPr lang="zh-CN" altLang="en-US" dirty="0"/>
-              <a:t>个数据的消息 （这是为虚拟货币交易而新增的接口方法，参考</a:t>
-            </a:r>
-            <a:r>
-              <a:rPr lang="en-US" altLang="zh-CN" dirty="0"/>
-              <a:t>PriceBook20Assembler</a:t>
-            </a:r>
-            <a:r>
-              <a:rPr lang="zh-CN" altLang="en-US" dirty="0"/>
-              <a:t>）</a:t>
-            </a:r>
-            <a:endParaRPr lang="en-US" altLang="zh-CN" dirty="0"/>
-          </a:p>
-          <a:p>
-            <a:pPr lvl="1"/>
-            <a:r>
-              <a:rPr lang="en-US" altLang="zh-CN" dirty="0" err="1"/>
-              <a:t>on_trade</a:t>
-            </a:r>
-            <a:r>
-              <a:rPr lang="en-US" altLang="zh-CN" dirty="0"/>
-              <a:t>(const LFL2TradeField* trade) </a:t>
-            </a:r>
-            <a:r>
-              <a:rPr lang="zh-CN" altLang="en-US" dirty="0"/>
-              <a:t>市场成交信息</a:t>
-            </a:r>
-            <a:endParaRPr lang="en-US" altLang="zh-CN" dirty="0"/>
-          </a:p>
-          <a:p>
-            <a:pPr lvl="1"/>
-            <a:r>
-              <a:rPr lang="en-US" altLang="zh-CN" dirty="0" err="1"/>
-              <a:t>on_market_data</a:t>
-            </a:r>
-            <a:r>
-              <a:rPr lang="en-US" altLang="zh-CN" dirty="0"/>
-              <a:t>(const </a:t>
-            </a:r>
-            <a:r>
-              <a:rPr lang="en-US" altLang="zh-CN" dirty="0" err="1"/>
-              <a:t>LFMarketDataField</a:t>
-            </a:r>
-            <a:r>
-              <a:rPr lang="en-US" altLang="zh-CN" dirty="0"/>
-              <a:t>* data)  </a:t>
-            </a:r>
-            <a:r>
-              <a:rPr lang="zh-CN" altLang="en-US" dirty="0"/>
-              <a:t>一个量价的消息数据，目前没有使用</a:t>
+              <a:t>策略发单得到</a:t>
+            </a:r>
+            <a:r>
+              <a:rPr lang="en-US" altLang="zh-CN" dirty="0" err="1"/>
+              <a:t>order_rid</a:t>
+            </a:r>
+            <a:r>
+              <a:rPr lang="en-US" altLang="zh-CN" dirty="0"/>
+              <a:t> = </a:t>
+            </a:r>
+            <a:r>
+              <a:rPr lang="en-US" altLang="zh-CN" dirty="0" err="1"/>
+              <a:t>insert_limit_order</a:t>
+            </a:r>
+            <a:r>
+              <a:rPr lang="en-US" altLang="zh-CN" dirty="0"/>
+              <a:t>(……)</a:t>
+            </a:r>
+          </a:p>
+          <a:p>
+            <a:endParaRPr lang="en-US" altLang="zh-CN" dirty="0"/>
+          </a:p>
+          <a:p>
+            <a:endParaRPr lang="en-US" altLang="zh-CN" dirty="0"/>
+          </a:p>
+          <a:p>
+            <a:endParaRPr lang="en-US" altLang="zh-CN" dirty="0"/>
+          </a:p>
+          <a:p>
+            <a:endParaRPr lang="en-US" altLang="zh-CN" dirty="0"/>
+          </a:p>
+          <a:p>
+            <a:endParaRPr lang="en-US" altLang="zh-CN" dirty="0"/>
+          </a:p>
+          <a:p>
+            <a:r>
+              <a:rPr lang="zh-CN" altLang="en-US" dirty="0"/>
+              <a:t>策略撤单</a:t>
+            </a:r>
+            <a:r>
+              <a:rPr lang="en-US" altLang="zh-CN" dirty="0" err="1"/>
+              <a:t>order_rid</a:t>
+            </a:r>
+            <a:r>
+              <a:rPr lang="en-US" altLang="zh-CN" dirty="0"/>
+              <a:t> </a:t>
+            </a:r>
+            <a:r>
+              <a:rPr lang="zh-CN" altLang="en-US" dirty="0"/>
+              <a:t>，本身撤单动作会得到新</a:t>
+            </a:r>
+            <a:r>
+              <a:rPr lang="en-US" altLang="zh-CN" dirty="0" err="1"/>
+              <a:t>cancel_id</a:t>
+            </a:r>
+            <a:r>
+              <a:rPr lang="zh-CN" altLang="en-US" dirty="0"/>
+              <a:t>：</a:t>
             </a:r>
           </a:p>
         </p:txBody>
@@ -10688,7 +11752,7 @@
           <p:cNvPr id="4" name="图片 3">
             <a:extLst>
               <a:ext uri="{FF2B5EF4-FFF2-40B4-BE49-F238E27FC236}">
-                <a16:creationId xmlns:a16="http://schemas.microsoft.com/office/drawing/2014/main" id="{C5F11D25-72A4-4E37-A068-F83A1777224D}"/>
+                <a16:creationId xmlns:a16="http://schemas.microsoft.com/office/drawing/2014/main" id="{0763DE43-34E8-4E6B-8F58-5F42ED855EDB}"/>
               </a:ext>
             </a:extLst>
           </p:cNvPr>
@@ -10705,8 +11769,38 @@
         </p:blipFill>
         <p:spPr>
           <a:xfrm>
-            <a:off x="5126935" y="4759325"/>
-            <a:ext cx="5715000" cy="1733550"/>
+            <a:off x="2776537" y="2500312"/>
+            <a:ext cx="6638925" cy="1857375"/>
+          </a:xfrm>
+          <a:prstGeom prst="rect">
+            <a:avLst/>
+          </a:prstGeom>
+        </p:spPr>
+      </p:pic>
+      <p:pic>
+        <p:nvPicPr>
+          <p:cNvPr id="6" name="图片 5">
+            <a:extLst>
+              <a:ext uri="{FF2B5EF4-FFF2-40B4-BE49-F238E27FC236}">
+                <a16:creationId xmlns:a16="http://schemas.microsoft.com/office/drawing/2014/main" id="{2FB7F913-AE0F-493F-962B-14DAC66EDC19}"/>
+              </a:ext>
+            </a:extLst>
+          </p:cNvPr>
+          <p:cNvPicPr>
+            <a:picLocks noChangeAspect="1"/>
+          </p:cNvPicPr>
+          <p:nvPr/>
+        </p:nvPicPr>
+        <p:blipFill>
+          <a:blip r:embed="rId3"/>
+          <a:stretch>
+            <a:fillRect/>
+          </a:stretch>
+        </p:blipFill>
+        <p:spPr>
+          <a:xfrm>
+            <a:off x="2776537" y="5967413"/>
+            <a:ext cx="6629400" cy="209550"/>
           </a:xfrm>
           <a:prstGeom prst="rect">
             <a:avLst/>
@@ -10716,7 +11810,7 @@
     </p:spTree>
     <p:extLst>
       <p:ext uri="{BB962C8B-B14F-4D97-AF65-F5344CB8AC3E}">
-        <p14:creationId xmlns:p14="http://schemas.microsoft.com/office/powerpoint/2010/main" val="1669272133"/>
+        <p14:creationId xmlns:p14="http://schemas.microsoft.com/office/powerpoint/2010/main" val="670520753"/>
       </p:ext>
     </p:extLst>
   </p:cSld>

--- a/虚拟货币跨交易所高频交易系统.pptx
+++ b/虚拟货币跨交易所高频交易系统.pptx
@@ -5,51 +5,54 @@
     <p:sldMasterId id="2147483648" r:id="rId1"/>
   </p:sldMasterIdLst>
   <p:notesMasterIdLst>
-    <p:notesMasterId r:id="rId44"/>
+    <p:notesMasterId r:id="rId47"/>
   </p:notesMasterIdLst>
   <p:sldIdLst>
     <p:sldId id="256" r:id="rId2"/>
     <p:sldId id="258" r:id="rId3"/>
-    <p:sldId id="262" r:id="rId4"/>
+    <p:sldId id="303" r:id="rId4"/>
     <p:sldId id="300" r:id="rId5"/>
     <p:sldId id="301" r:id="rId6"/>
     <p:sldId id="302" r:id="rId7"/>
-    <p:sldId id="270" r:id="rId8"/>
-    <p:sldId id="282" r:id="rId9"/>
-    <p:sldId id="283" r:id="rId10"/>
-    <p:sldId id="284" r:id="rId11"/>
-    <p:sldId id="295" r:id="rId12"/>
-    <p:sldId id="298" r:id="rId13"/>
-    <p:sldId id="296" r:id="rId14"/>
-    <p:sldId id="297" r:id="rId15"/>
-    <p:sldId id="299" r:id="rId16"/>
-    <p:sldId id="263" r:id="rId17"/>
-    <p:sldId id="264" r:id="rId18"/>
-    <p:sldId id="261" r:id="rId19"/>
-    <p:sldId id="265" r:id="rId20"/>
-    <p:sldId id="266" r:id="rId21"/>
-    <p:sldId id="268" r:id="rId22"/>
-    <p:sldId id="271" r:id="rId23"/>
-    <p:sldId id="274" r:id="rId24"/>
-    <p:sldId id="275" r:id="rId25"/>
-    <p:sldId id="273" r:id="rId26"/>
-    <p:sldId id="260" r:id="rId27"/>
-    <p:sldId id="294" r:id="rId28"/>
-    <p:sldId id="276" r:id="rId29"/>
-    <p:sldId id="277" r:id="rId30"/>
-    <p:sldId id="257" r:id="rId31"/>
-    <p:sldId id="278" r:id="rId32"/>
-    <p:sldId id="279" r:id="rId33"/>
-    <p:sldId id="281" r:id="rId34"/>
-    <p:sldId id="286" r:id="rId35"/>
-    <p:sldId id="285" r:id="rId36"/>
-    <p:sldId id="288" r:id="rId37"/>
-    <p:sldId id="289" r:id="rId38"/>
-    <p:sldId id="290" r:id="rId39"/>
-    <p:sldId id="291" r:id="rId40"/>
-    <p:sldId id="287" r:id="rId41"/>
-    <p:sldId id="292" r:id="rId42"/>
-    <p:sldId id="293" r:id="rId43"/>
+    <p:sldId id="262" r:id="rId8"/>
+    <p:sldId id="270" r:id="rId9"/>
+    <p:sldId id="282" r:id="rId10"/>
+    <p:sldId id="283" r:id="rId11"/>
+    <p:sldId id="305" r:id="rId12"/>
+    <p:sldId id="284" r:id="rId13"/>
+    <p:sldId id="298" r:id="rId14"/>
+    <p:sldId id="295" r:id="rId15"/>
+    <p:sldId id="296" r:id="rId16"/>
+    <p:sldId id="297" r:id="rId17"/>
+    <p:sldId id="299" r:id="rId18"/>
+    <p:sldId id="263" r:id="rId19"/>
+    <p:sldId id="264" r:id="rId20"/>
+    <p:sldId id="261" r:id="rId21"/>
+    <p:sldId id="265" r:id="rId22"/>
+    <p:sldId id="266" r:id="rId23"/>
+    <p:sldId id="268" r:id="rId24"/>
+    <p:sldId id="271" r:id="rId25"/>
+    <p:sldId id="274" r:id="rId26"/>
+    <p:sldId id="275" r:id="rId27"/>
+    <p:sldId id="273" r:id="rId28"/>
+    <p:sldId id="260" r:id="rId29"/>
+    <p:sldId id="294" r:id="rId30"/>
+    <p:sldId id="276" r:id="rId31"/>
+    <p:sldId id="277" r:id="rId32"/>
+    <p:sldId id="257" r:id="rId33"/>
+    <p:sldId id="278" r:id="rId34"/>
+    <p:sldId id="279" r:id="rId35"/>
+    <p:sldId id="306" r:id="rId36"/>
+    <p:sldId id="281" r:id="rId37"/>
+    <p:sldId id="286" r:id="rId38"/>
+    <p:sldId id="285" r:id="rId39"/>
+    <p:sldId id="288" r:id="rId40"/>
+    <p:sldId id="289" r:id="rId41"/>
+    <p:sldId id="290" r:id="rId42"/>
+    <p:sldId id="291" r:id="rId43"/>
+    <p:sldId id="287" r:id="rId44"/>
+    <p:sldId id="292" r:id="rId45"/>
+    <p:sldId id="293" r:id="rId46"/>
   </p:sldIdLst>
   <p:sldSz cx="12192000" cy="6858000"/>
   <p:notesSz cx="6858000" cy="9144000"/>
@@ -238,7 +241,7 @@
           <a:p>
             <a:fld id="{417D31D6-FBA1-4FDB-ADB6-CE4DC9676742}" type="datetimeFigureOut">
               <a:rPr lang="zh-CN" altLang="en-US" smtClean="0"/>
-              <a:t>2018/10/20</a:t>
+              <a:t>2018/11/13</a:t>
             </a:fld>
             <a:endParaRPr lang="zh-CN" altLang="en-US"/>
           </a:p>
@@ -574,7 +577,7 @@
           <a:p>
             <a:fld id="{BE3E1770-8C4D-4E6B-9395-6A6C81087536}" type="slidenum">
               <a:rPr lang="zh-CN" altLang="en-US" smtClean="0"/>
-              <a:t>10</a:t>
+              <a:t>12</a:t>
             </a:fld>
             <a:endParaRPr lang="zh-CN" altLang="en-US"/>
           </a:p>
@@ -740,7 +743,7 @@
           <a:p>
             <a:fld id="{4AE80C2A-2A5C-4DD4-9189-1A51F2AA0CFA}" type="datetimeFigureOut">
               <a:rPr lang="zh-CN" altLang="en-US" smtClean="0"/>
-              <a:t>2018/10/20</a:t>
+              <a:t>2018/11/13</a:t>
             </a:fld>
             <a:endParaRPr lang="zh-CN" altLang="en-US"/>
           </a:p>
@@ -938,7 +941,7 @@
           <a:p>
             <a:fld id="{4AE80C2A-2A5C-4DD4-9189-1A51F2AA0CFA}" type="datetimeFigureOut">
               <a:rPr lang="zh-CN" altLang="en-US" smtClean="0"/>
-              <a:t>2018/10/20</a:t>
+              <a:t>2018/11/13</a:t>
             </a:fld>
             <a:endParaRPr lang="zh-CN" altLang="en-US"/>
           </a:p>
@@ -1146,7 +1149,7 @@
           <a:p>
             <a:fld id="{4AE80C2A-2A5C-4DD4-9189-1A51F2AA0CFA}" type="datetimeFigureOut">
               <a:rPr lang="zh-CN" altLang="en-US" smtClean="0"/>
-              <a:t>2018/10/20</a:t>
+              <a:t>2018/11/13</a:t>
             </a:fld>
             <a:endParaRPr lang="zh-CN" altLang="en-US"/>
           </a:p>
@@ -1344,7 +1347,7 @@
           <a:p>
             <a:fld id="{4AE80C2A-2A5C-4DD4-9189-1A51F2AA0CFA}" type="datetimeFigureOut">
               <a:rPr lang="zh-CN" altLang="en-US" smtClean="0"/>
-              <a:t>2018/10/20</a:t>
+              <a:t>2018/11/13</a:t>
             </a:fld>
             <a:endParaRPr lang="zh-CN" altLang="en-US"/>
           </a:p>
@@ -1619,7 +1622,7 @@
           <a:p>
             <a:fld id="{4AE80C2A-2A5C-4DD4-9189-1A51F2AA0CFA}" type="datetimeFigureOut">
               <a:rPr lang="zh-CN" altLang="en-US" smtClean="0"/>
-              <a:t>2018/10/20</a:t>
+              <a:t>2018/11/13</a:t>
             </a:fld>
             <a:endParaRPr lang="zh-CN" altLang="en-US"/>
           </a:p>
@@ -1884,7 +1887,7 @@
           <a:p>
             <a:fld id="{4AE80C2A-2A5C-4DD4-9189-1A51F2AA0CFA}" type="datetimeFigureOut">
               <a:rPr lang="zh-CN" altLang="en-US" smtClean="0"/>
-              <a:t>2018/10/20</a:t>
+              <a:t>2018/11/13</a:t>
             </a:fld>
             <a:endParaRPr lang="zh-CN" altLang="en-US"/>
           </a:p>
@@ -2296,7 +2299,7 @@
           <a:p>
             <a:fld id="{4AE80C2A-2A5C-4DD4-9189-1A51F2AA0CFA}" type="datetimeFigureOut">
               <a:rPr lang="zh-CN" altLang="en-US" smtClean="0"/>
-              <a:t>2018/10/20</a:t>
+              <a:t>2018/11/13</a:t>
             </a:fld>
             <a:endParaRPr lang="zh-CN" altLang="en-US"/>
           </a:p>
@@ -2437,7 +2440,7 @@
           <a:p>
             <a:fld id="{4AE80C2A-2A5C-4DD4-9189-1A51F2AA0CFA}" type="datetimeFigureOut">
               <a:rPr lang="zh-CN" altLang="en-US" smtClean="0"/>
-              <a:t>2018/10/20</a:t>
+              <a:t>2018/11/13</a:t>
             </a:fld>
             <a:endParaRPr lang="zh-CN" altLang="en-US"/>
           </a:p>
@@ -2550,7 +2553,7 @@
           <a:p>
             <a:fld id="{4AE80C2A-2A5C-4DD4-9189-1A51F2AA0CFA}" type="datetimeFigureOut">
               <a:rPr lang="zh-CN" altLang="en-US" smtClean="0"/>
-              <a:t>2018/10/20</a:t>
+              <a:t>2018/11/13</a:t>
             </a:fld>
             <a:endParaRPr lang="zh-CN" altLang="en-US"/>
           </a:p>
@@ -2861,7 +2864,7 @@
           <a:p>
             <a:fld id="{4AE80C2A-2A5C-4DD4-9189-1A51F2AA0CFA}" type="datetimeFigureOut">
               <a:rPr lang="zh-CN" altLang="en-US" smtClean="0"/>
-              <a:t>2018/10/20</a:t>
+              <a:t>2018/11/13</a:t>
             </a:fld>
             <a:endParaRPr lang="zh-CN" altLang="en-US"/>
           </a:p>
@@ -3149,7 +3152,7 @@
           <a:p>
             <a:fld id="{4AE80C2A-2A5C-4DD4-9189-1A51F2AA0CFA}" type="datetimeFigureOut">
               <a:rPr lang="zh-CN" altLang="en-US" smtClean="0"/>
-              <a:t>2018/10/20</a:t>
+              <a:t>2018/11/13</a:t>
             </a:fld>
             <a:endParaRPr lang="zh-CN" altLang="en-US"/>
           </a:p>
@@ -3390,7 +3393,7 @@
           <a:p>
             <a:fld id="{4AE80C2A-2A5C-4DD4-9189-1A51F2AA0CFA}" type="datetimeFigureOut">
               <a:rPr lang="zh-CN" altLang="en-US" smtClean="0"/>
-              <a:t>2018/10/20</a:t>
+              <a:t>2018/11/13</a:t>
             </a:fld>
             <a:endParaRPr lang="zh-CN" altLang="en-US"/>
           </a:p>
@@ -3916,6 +3919,361 @@
           <p:cNvPr id="2" name="标题 1">
             <a:extLst>
               <a:ext uri="{FF2B5EF4-FFF2-40B4-BE49-F238E27FC236}">
+                <a16:creationId xmlns:a16="http://schemas.microsoft.com/office/drawing/2014/main" id="{73F2B4DB-EF59-42B4-B603-7D3C21DDEE52}"/>
+              </a:ext>
+            </a:extLst>
+          </p:cNvPr>
+          <p:cNvSpPr>
+            <a:spLocks noGrp="1"/>
+          </p:cNvSpPr>
+          <p:nvPr>
+            <p:ph type="title"/>
+          </p:nvPr>
+        </p:nvSpPr>
+        <p:spPr/>
+        <p:txBody>
+          <a:bodyPr/>
+          <a:lstStyle/>
+          <a:p>
+            <a:r>
+              <a:rPr lang="en-US" altLang="zh-CN" dirty="0"/>
+              <a:t>TD</a:t>
+            </a:r>
+            <a:r>
+              <a:rPr lang="zh-CN" altLang="en-US" dirty="0"/>
+              <a:t>模块的处理逻辑</a:t>
+            </a:r>
+          </a:p>
+        </p:txBody>
+      </p:sp>
+      <p:sp>
+        <p:nvSpPr>
+          <p:cNvPr id="3" name="内容占位符 2">
+            <a:extLst>
+              <a:ext uri="{FF2B5EF4-FFF2-40B4-BE49-F238E27FC236}">
+                <a16:creationId xmlns:a16="http://schemas.microsoft.com/office/drawing/2014/main" id="{1707C228-5EC7-4B63-A6AE-A9C408B19FB8}"/>
+              </a:ext>
+            </a:extLst>
+          </p:cNvPr>
+          <p:cNvSpPr>
+            <a:spLocks noGrp="1"/>
+          </p:cNvSpPr>
+          <p:nvPr>
+            <p:ph idx="1"/>
+          </p:nvPr>
+        </p:nvSpPr>
+        <p:spPr/>
+        <p:txBody>
+          <a:bodyPr>
+            <a:normAutofit/>
+          </a:bodyPr>
+          <a:lstStyle/>
+          <a:p>
+            <a:r>
+              <a:rPr lang="en-US" altLang="zh-CN" dirty="0"/>
+              <a:t>TD</a:t>
+            </a:r>
+            <a:r>
+              <a:rPr lang="zh-CN" altLang="en-US" dirty="0"/>
+              <a:t>的输入</a:t>
+            </a:r>
+            <a:endParaRPr lang="en-US" altLang="zh-CN" dirty="0"/>
+          </a:p>
+          <a:p>
+            <a:pPr lvl="1"/>
+            <a:r>
+              <a:rPr lang="en-US" altLang="zh-CN" dirty="0"/>
+              <a:t>TD</a:t>
+            </a:r>
+            <a:r>
+              <a:rPr lang="zh-CN" altLang="en-US" dirty="0"/>
+              <a:t>通过轮询得到策略写入的各种信息，如策略的查询持仓信息，发撤单消息，</a:t>
+            </a:r>
+          </a:p>
+          <a:p>
+            <a:r>
+              <a:rPr lang="en-US" altLang="zh-CN" dirty="0"/>
+              <a:t>TD</a:t>
+            </a:r>
+            <a:r>
+              <a:rPr lang="zh-CN" altLang="en-US" dirty="0"/>
+              <a:t>的输出</a:t>
+            </a:r>
+            <a:endParaRPr lang="en-US" altLang="zh-CN" dirty="0"/>
+          </a:p>
+          <a:p>
+            <a:pPr lvl="1"/>
+            <a:r>
+              <a:rPr lang="zh-CN" altLang="en-US" dirty="0"/>
+              <a:t>向交易所查询仓位得到的反馈信息，写入</a:t>
+            </a:r>
+            <a:r>
+              <a:rPr lang="en-US" altLang="zh-CN" dirty="0"/>
+              <a:t>journal</a:t>
+            </a:r>
+            <a:r>
+              <a:rPr lang="zh-CN" altLang="en-US" dirty="0"/>
+              <a:t>，比如 </a:t>
+            </a:r>
+            <a:r>
+              <a:rPr lang="en-US" altLang="zh-CN" dirty="0" err="1"/>
+              <a:t>on_rsp_position</a:t>
+            </a:r>
+            <a:endParaRPr lang="en-US" altLang="zh-CN" dirty="0"/>
+          </a:p>
+          <a:p>
+            <a:pPr lvl="1"/>
+            <a:r>
+              <a:rPr lang="zh-CN" altLang="en-US" dirty="0"/>
+              <a:t>向交易所发单撤单遇到的错误信息，写入</a:t>
+            </a:r>
+            <a:r>
+              <a:rPr lang="en-US" altLang="zh-CN" dirty="0"/>
+              <a:t>journal</a:t>
+            </a:r>
+            <a:r>
+              <a:rPr lang="zh-CN" altLang="en-US" dirty="0"/>
+              <a:t>，比如 </a:t>
+            </a:r>
+            <a:r>
+              <a:rPr lang="en-US" altLang="zh-CN" dirty="0" err="1"/>
+              <a:t>on_rsp_order_insert</a:t>
+            </a:r>
+            <a:r>
+              <a:rPr lang="zh-CN" altLang="en-US" dirty="0"/>
+              <a:t>，</a:t>
+            </a:r>
+            <a:r>
+              <a:rPr lang="en-US" altLang="zh-CN" dirty="0" err="1"/>
+              <a:t>on_rsp_order_action</a:t>
+            </a:r>
+            <a:endParaRPr lang="en-US" altLang="zh-CN" dirty="0"/>
+          </a:p>
+          <a:p>
+            <a:pPr lvl="1"/>
+            <a:r>
+              <a:rPr lang="zh-CN" altLang="en-US" dirty="0"/>
+              <a:t>交易所返回的订单状态信息，成交回报信息，写入</a:t>
+            </a:r>
+            <a:r>
+              <a:rPr lang="en-US" altLang="zh-CN" dirty="0"/>
+              <a:t>journal</a:t>
+            </a:r>
+            <a:r>
+              <a:rPr lang="zh-CN" altLang="en-US" dirty="0"/>
+              <a:t>，比如</a:t>
+            </a:r>
+            <a:r>
+              <a:rPr lang="en-US" altLang="zh-CN" dirty="0" err="1"/>
+              <a:t>on_rtn_order</a:t>
+            </a:r>
+            <a:r>
+              <a:rPr lang="zh-CN" altLang="en-US" dirty="0"/>
+              <a:t>，</a:t>
+            </a:r>
+            <a:r>
+              <a:rPr lang="en-US" altLang="zh-CN" dirty="0" err="1"/>
+              <a:t>on_rtn_trade</a:t>
+            </a:r>
+            <a:endParaRPr lang="zh-CN" altLang="en-US" dirty="0"/>
+          </a:p>
+        </p:txBody>
+      </p:sp>
+    </p:spTree>
+    <p:extLst>
+      <p:ext uri="{BB962C8B-B14F-4D97-AF65-F5344CB8AC3E}">
+        <p14:creationId xmlns:p14="http://schemas.microsoft.com/office/powerpoint/2010/main" val="4063201489"/>
+      </p:ext>
+    </p:extLst>
+  </p:cSld>
+  <p:clrMapOvr>
+    <a:masterClrMapping/>
+  </p:clrMapOvr>
+</p:sld>
+</file>
+
+<file path=ppt/slides/slide11.xml><?xml version="1.0" encoding="utf-8"?>
+<p:sld xmlns:a="http://schemas.openxmlformats.org/drawingml/2006/main" xmlns:r="http://schemas.openxmlformats.org/officeDocument/2006/relationships" xmlns:p="http://schemas.openxmlformats.org/presentationml/2006/main">
+  <p:cSld>
+    <p:spTree>
+      <p:nvGrpSpPr>
+        <p:cNvPr id="1" name=""/>
+        <p:cNvGrpSpPr/>
+        <p:nvPr/>
+      </p:nvGrpSpPr>
+      <p:grpSpPr>
+        <a:xfrm>
+          <a:off x="0" y="0"/>
+          <a:ext cx="0" cy="0"/>
+          <a:chOff x="0" y="0"/>
+          <a:chExt cx="0" cy="0"/>
+        </a:xfrm>
+      </p:grpSpPr>
+      <p:sp>
+        <p:nvSpPr>
+          <p:cNvPr id="2" name="标题 1">
+            <a:extLst>
+              <a:ext uri="{FF2B5EF4-FFF2-40B4-BE49-F238E27FC236}">
+                <a16:creationId xmlns:a16="http://schemas.microsoft.com/office/drawing/2014/main" id="{73F2B4DB-EF59-42B4-B603-7D3C21DDEE52}"/>
+              </a:ext>
+            </a:extLst>
+          </p:cNvPr>
+          <p:cNvSpPr>
+            <a:spLocks noGrp="1"/>
+          </p:cNvSpPr>
+          <p:nvPr>
+            <p:ph type="title"/>
+          </p:nvPr>
+        </p:nvSpPr>
+        <p:spPr/>
+        <p:txBody>
+          <a:bodyPr/>
+          <a:lstStyle/>
+          <a:p>
+            <a:r>
+              <a:rPr lang="en-US" altLang="zh-CN" dirty="0"/>
+              <a:t>MD</a:t>
+            </a:r>
+            <a:r>
+              <a:rPr lang="zh-CN" altLang="en-US" dirty="0"/>
+              <a:t>模块的处理逻辑</a:t>
+            </a:r>
+          </a:p>
+        </p:txBody>
+      </p:sp>
+      <p:sp>
+        <p:nvSpPr>
+          <p:cNvPr id="3" name="内容占位符 2">
+            <a:extLst>
+              <a:ext uri="{FF2B5EF4-FFF2-40B4-BE49-F238E27FC236}">
+                <a16:creationId xmlns:a16="http://schemas.microsoft.com/office/drawing/2014/main" id="{1707C228-5EC7-4B63-A6AE-A9C408B19FB8}"/>
+              </a:ext>
+            </a:extLst>
+          </p:cNvPr>
+          <p:cNvSpPr>
+            <a:spLocks noGrp="1"/>
+          </p:cNvSpPr>
+          <p:nvPr>
+            <p:ph idx="1"/>
+          </p:nvPr>
+        </p:nvSpPr>
+        <p:spPr/>
+        <p:txBody>
+          <a:bodyPr>
+            <a:normAutofit/>
+          </a:bodyPr>
+          <a:lstStyle/>
+          <a:p>
+            <a:r>
+              <a:rPr lang="en-US" altLang="zh-CN" dirty="0"/>
+              <a:t>MD</a:t>
+            </a:r>
+            <a:r>
+              <a:rPr lang="zh-CN" altLang="en-US" dirty="0"/>
+              <a:t>的输入</a:t>
+            </a:r>
+            <a:endParaRPr lang="en-US" altLang="zh-CN" dirty="0"/>
+          </a:p>
+          <a:p>
+            <a:pPr lvl="1"/>
+            <a:r>
+              <a:rPr lang="zh-CN" altLang="en-US" dirty="0"/>
+              <a:t>配置文件</a:t>
+            </a:r>
+            <a:r>
+              <a:rPr lang="en-US" altLang="zh-CN" dirty="0" err="1"/>
+              <a:t>kungfu.json</a:t>
+            </a:r>
+            <a:endParaRPr lang="zh-CN" altLang="en-US" dirty="0"/>
+          </a:p>
+          <a:p>
+            <a:r>
+              <a:rPr lang="en-US" altLang="zh-CN" dirty="0"/>
+              <a:t>TD</a:t>
+            </a:r>
+            <a:r>
+              <a:rPr lang="zh-CN" altLang="en-US" dirty="0"/>
+              <a:t>的输出</a:t>
+            </a:r>
+            <a:endParaRPr lang="en-US" altLang="zh-CN" dirty="0"/>
+          </a:p>
+          <a:p>
+            <a:pPr lvl="1"/>
+            <a:r>
+              <a:rPr lang="zh-CN" altLang="en-US" dirty="0"/>
+              <a:t>向交易所查询量价信息得到的反馈信息，写入</a:t>
+            </a:r>
+            <a:r>
+              <a:rPr lang="en-US" altLang="zh-CN" dirty="0"/>
+              <a:t>journal</a:t>
+            </a:r>
+            <a:r>
+              <a:rPr lang="zh-CN" altLang="en-US" dirty="0"/>
+              <a:t>，比如 </a:t>
+            </a:r>
+            <a:r>
+              <a:rPr lang="en-US" altLang="zh-CN" dirty="0" err="1"/>
+              <a:t>on_price_book_update</a:t>
+            </a:r>
+            <a:endParaRPr lang="en-US" altLang="zh-CN" dirty="0"/>
+          </a:p>
+          <a:p>
+            <a:pPr lvl="1"/>
+            <a:r>
+              <a:rPr lang="zh-CN" altLang="en-US" dirty="0"/>
+              <a:t>向交易所查询成交信息得到的反馈信息，写入</a:t>
+            </a:r>
+            <a:r>
+              <a:rPr lang="en-US" altLang="zh-CN" dirty="0"/>
+              <a:t>journal</a:t>
+            </a:r>
+            <a:r>
+              <a:rPr lang="zh-CN" altLang="en-US" dirty="0"/>
+              <a:t>，比如 </a:t>
+            </a:r>
+            <a:r>
+              <a:rPr lang="en-US" altLang="zh-CN" dirty="0" err="1"/>
+              <a:t>on_trade</a:t>
+            </a:r>
+            <a:endParaRPr lang="zh-CN" altLang="en-US" dirty="0"/>
+          </a:p>
+        </p:txBody>
+      </p:sp>
+    </p:spTree>
+    <p:extLst>
+      <p:ext uri="{BB962C8B-B14F-4D97-AF65-F5344CB8AC3E}">
+        <p14:creationId xmlns:p14="http://schemas.microsoft.com/office/powerpoint/2010/main" val="1694821947"/>
+      </p:ext>
+    </p:extLst>
+  </p:cSld>
+  <p:clrMapOvr>
+    <a:masterClrMapping/>
+  </p:clrMapOvr>
+</p:sld>
+</file>
+
+<file path=ppt/slides/slide12.xml><?xml version="1.0" encoding="utf-8"?>
+<p:sld xmlns:a="http://schemas.openxmlformats.org/drawingml/2006/main" xmlns:r="http://schemas.openxmlformats.org/officeDocument/2006/relationships" xmlns:p="http://schemas.openxmlformats.org/presentationml/2006/main">
+  <p:cSld>
+    <p:spTree>
+      <p:nvGrpSpPr>
+        <p:cNvPr id="1" name=""/>
+        <p:cNvGrpSpPr/>
+        <p:nvPr/>
+      </p:nvGrpSpPr>
+      <p:grpSpPr>
+        <a:xfrm>
+          <a:off x="0" y="0"/>
+          <a:ext cx="0" cy="0"/>
+          <a:chOff x="0" y="0"/>
+          <a:chExt cx="0" cy="0"/>
+        </a:xfrm>
+      </p:grpSpPr>
+      <p:sp>
+        <p:nvSpPr>
+          <p:cNvPr id="2" name="标题 1">
+            <a:extLst>
+              <a:ext uri="{FF2B5EF4-FFF2-40B4-BE49-F238E27FC236}">
                 <a16:creationId xmlns:a16="http://schemas.microsoft.com/office/drawing/2014/main" id="{836DB18F-22E9-4BC9-A496-A32B9797D82C}"/>
               </a:ext>
             </a:extLst>
@@ -4022,7 +4380,7 @@
           <a:graphicData uri="http://schemas.openxmlformats.org/presentationml/2006/ole">
             <mc:AlternateContent xmlns:mc="http://schemas.openxmlformats.org/markup-compatibility/2006">
               <mc:Choice xmlns:v="urn:schemas-microsoft-com:vml" Requires="v">
-                <p:oleObj spid="_x0000_s1123" name="包装程序外壳对象" showAsIcon="1" r:id="rId4" imgW="1857600" imgH="439560" progId="Package">
+                <p:oleObj spid="_x0000_s1360" name="包装程序外壳对象" showAsIcon="1" r:id="rId4" imgW="1857600" imgH="439560" progId="Package">
                   <p:embed/>
                 </p:oleObj>
               </mc:Choice>
@@ -4070,7 +4428,7 @@
 </p:sld>
 </file>
 
-<file path=ppt/slides/slide11.xml><?xml version="1.0" encoding="utf-8"?>
+<file path=ppt/slides/slide13.xml><?xml version="1.0" encoding="utf-8"?>
 <p:sld xmlns:a="http://schemas.openxmlformats.org/drawingml/2006/main" xmlns:r="http://schemas.openxmlformats.org/officeDocument/2006/relationships" xmlns:p="http://schemas.openxmlformats.org/presentationml/2006/main">
   <p:cSld>
     <p:spTree>
@@ -4092,6 +4450,222 @@
           <p:cNvPr id="2" name="标题 1">
             <a:extLst>
               <a:ext uri="{FF2B5EF4-FFF2-40B4-BE49-F238E27FC236}">
+                <a16:creationId xmlns:a16="http://schemas.microsoft.com/office/drawing/2014/main" id="{4F44ABA1-F947-4C32-B2A1-6D4C318CE47E}"/>
+              </a:ext>
+            </a:extLst>
+          </p:cNvPr>
+          <p:cNvSpPr>
+            <a:spLocks noGrp="1"/>
+          </p:cNvSpPr>
+          <p:nvPr>
+            <p:ph type="title"/>
+          </p:nvPr>
+        </p:nvSpPr>
+        <p:spPr/>
+        <p:txBody>
+          <a:bodyPr/>
+          <a:lstStyle/>
+          <a:p>
+            <a:r>
+              <a:rPr lang="en-US" altLang="zh-CN" dirty="0"/>
+              <a:t> 《 </a:t>
+            </a:r>
+            <a:r>
+              <a:rPr lang="en-US" altLang="zh-CN" dirty="0" err="1"/>
+              <a:t>requestID</a:t>
+            </a:r>
+            <a:r>
+              <a:rPr lang="zh-CN" altLang="en-US" dirty="0"/>
+              <a:t>功夫的处理流程说明</a:t>
+            </a:r>
+            <a:r>
+              <a:rPr lang="en-US" altLang="zh-CN" dirty="0"/>
+              <a:t>》 1/5</a:t>
+            </a:r>
+            <a:endParaRPr lang="zh-CN" altLang="en-US" dirty="0"/>
+          </a:p>
+        </p:txBody>
+      </p:sp>
+      <p:sp>
+        <p:nvSpPr>
+          <p:cNvPr id="3" name="内容占位符 2">
+            <a:extLst>
+              <a:ext uri="{FF2B5EF4-FFF2-40B4-BE49-F238E27FC236}">
+                <a16:creationId xmlns:a16="http://schemas.microsoft.com/office/drawing/2014/main" id="{3458968B-A621-4F04-8601-C87C5228F6C1}"/>
+              </a:ext>
+            </a:extLst>
+          </p:cNvPr>
+          <p:cNvSpPr>
+            <a:spLocks noGrp="1"/>
+          </p:cNvSpPr>
+          <p:nvPr>
+            <p:ph idx="1"/>
+          </p:nvPr>
+        </p:nvSpPr>
+        <p:spPr/>
+        <p:txBody>
+          <a:bodyPr/>
+          <a:lstStyle/>
+          <a:p>
+            <a:r>
+              <a:rPr lang="zh-CN" altLang="en-US" dirty="0"/>
+              <a:t>策略发单得到</a:t>
+            </a:r>
+            <a:r>
+              <a:rPr lang="en-US" altLang="zh-CN" dirty="0" err="1"/>
+              <a:t>order_rid</a:t>
+            </a:r>
+            <a:r>
+              <a:rPr lang="en-US" altLang="zh-CN" dirty="0"/>
+              <a:t> = </a:t>
+            </a:r>
+            <a:r>
+              <a:rPr lang="en-US" altLang="zh-CN" dirty="0" err="1"/>
+              <a:t>insert_limit_order</a:t>
+            </a:r>
+            <a:r>
+              <a:rPr lang="en-US" altLang="zh-CN" dirty="0"/>
+              <a:t>(……)</a:t>
+            </a:r>
+          </a:p>
+          <a:p>
+            <a:endParaRPr lang="en-US" altLang="zh-CN" dirty="0"/>
+          </a:p>
+          <a:p>
+            <a:endParaRPr lang="en-US" altLang="zh-CN" dirty="0"/>
+          </a:p>
+          <a:p>
+            <a:endParaRPr lang="en-US" altLang="zh-CN" dirty="0"/>
+          </a:p>
+          <a:p>
+            <a:endParaRPr lang="en-US" altLang="zh-CN" dirty="0"/>
+          </a:p>
+          <a:p>
+            <a:endParaRPr lang="en-US" altLang="zh-CN" dirty="0"/>
+          </a:p>
+          <a:p>
+            <a:r>
+              <a:rPr lang="zh-CN" altLang="en-US" dirty="0"/>
+              <a:t>策略撤单时输入发单</a:t>
+            </a:r>
+            <a:r>
+              <a:rPr lang="en-US" altLang="zh-CN" dirty="0" err="1"/>
+              <a:t>order_rid</a:t>
+            </a:r>
+            <a:r>
+              <a:rPr lang="en-US" altLang="zh-CN" dirty="0"/>
+              <a:t> </a:t>
+            </a:r>
+            <a:r>
+              <a:rPr lang="zh-CN" altLang="en-US" dirty="0"/>
+              <a:t>，撤单动作本身会得到新</a:t>
+            </a:r>
+            <a:r>
+              <a:rPr lang="en-US" altLang="zh-CN" dirty="0" err="1"/>
+              <a:t>cancel_id</a:t>
+            </a:r>
+            <a:r>
+              <a:rPr lang="zh-CN" altLang="en-US" dirty="0"/>
+              <a:t>：</a:t>
+            </a:r>
+          </a:p>
+        </p:txBody>
+      </p:sp>
+      <p:pic>
+        <p:nvPicPr>
+          <p:cNvPr id="4" name="图片 3">
+            <a:extLst>
+              <a:ext uri="{FF2B5EF4-FFF2-40B4-BE49-F238E27FC236}">
+                <a16:creationId xmlns:a16="http://schemas.microsoft.com/office/drawing/2014/main" id="{0763DE43-34E8-4E6B-8F58-5F42ED855EDB}"/>
+              </a:ext>
+            </a:extLst>
+          </p:cNvPr>
+          <p:cNvPicPr>
+            <a:picLocks noChangeAspect="1"/>
+          </p:cNvPicPr>
+          <p:nvPr/>
+        </p:nvPicPr>
+        <p:blipFill>
+          <a:blip r:embed="rId2"/>
+          <a:stretch>
+            <a:fillRect/>
+          </a:stretch>
+        </p:blipFill>
+        <p:spPr>
+          <a:xfrm>
+            <a:off x="2776537" y="2500312"/>
+            <a:ext cx="6638925" cy="1857375"/>
+          </a:xfrm>
+          <a:prstGeom prst="rect">
+            <a:avLst/>
+          </a:prstGeom>
+        </p:spPr>
+      </p:pic>
+      <p:pic>
+        <p:nvPicPr>
+          <p:cNvPr id="6" name="图片 5">
+            <a:extLst>
+              <a:ext uri="{FF2B5EF4-FFF2-40B4-BE49-F238E27FC236}">
+                <a16:creationId xmlns:a16="http://schemas.microsoft.com/office/drawing/2014/main" id="{2FB7F913-AE0F-493F-962B-14DAC66EDC19}"/>
+              </a:ext>
+            </a:extLst>
+          </p:cNvPr>
+          <p:cNvPicPr>
+            <a:picLocks noChangeAspect="1"/>
+          </p:cNvPicPr>
+          <p:nvPr/>
+        </p:nvPicPr>
+        <p:blipFill>
+          <a:blip r:embed="rId3"/>
+          <a:stretch>
+            <a:fillRect/>
+          </a:stretch>
+        </p:blipFill>
+        <p:spPr>
+          <a:xfrm>
+            <a:off x="2776537" y="5967413"/>
+            <a:ext cx="6629400" cy="209550"/>
+          </a:xfrm>
+          <a:prstGeom prst="rect">
+            <a:avLst/>
+          </a:prstGeom>
+        </p:spPr>
+      </p:pic>
+    </p:spTree>
+    <p:extLst>
+      <p:ext uri="{BB962C8B-B14F-4D97-AF65-F5344CB8AC3E}">
+        <p14:creationId xmlns:p14="http://schemas.microsoft.com/office/powerpoint/2010/main" val="670520753"/>
+      </p:ext>
+    </p:extLst>
+  </p:cSld>
+  <p:clrMapOvr>
+    <a:masterClrMapping/>
+  </p:clrMapOvr>
+</p:sld>
+</file>
+
+<file path=ppt/slides/slide14.xml><?xml version="1.0" encoding="utf-8"?>
+<p:sld xmlns:a="http://schemas.openxmlformats.org/drawingml/2006/main" xmlns:r="http://schemas.openxmlformats.org/officeDocument/2006/relationships" xmlns:p="http://schemas.openxmlformats.org/presentationml/2006/main">
+  <p:cSld>
+    <p:spTree>
+      <p:nvGrpSpPr>
+        <p:cNvPr id="1" name=""/>
+        <p:cNvGrpSpPr/>
+        <p:nvPr/>
+      </p:nvGrpSpPr>
+      <p:grpSpPr>
+        <a:xfrm>
+          <a:off x="0" y="0"/>
+          <a:ext cx="0" cy="0"/>
+          <a:chOff x="0" y="0"/>
+          <a:chExt cx="0" cy="0"/>
+        </a:xfrm>
+      </p:grpSpPr>
+      <p:sp>
+        <p:nvSpPr>
+          <p:cNvPr id="2" name="标题 1">
+            <a:extLst>
+              <a:ext uri="{FF2B5EF4-FFF2-40B4-BE49-F238E27FC236}">
                 <a16:creationId xmlns:a16="http://schemas.microsoft.com/office/drawing/2014/main" id="{F2221F6A-9D9B-4E3C-B699-5DA1E06B1DBB}"/>
               </a:ext>
             </a:extLst>
@@ -4122,7 +4696,7 @@
             </a:r>
             <a:r>
               <a:rPr lang="en-US" altLang="zh-CN" dirty="0"/>
-              <a:t>》 1/5</a:t>
+              <a:t>》 2/5</a:t>
             </a:r>
             <a:endParaRPr lang="zh-CN" altLang="en-US" dirty="0"/>
           </a:p>
@@ -4265,223 +4839,7 @@
 </p:sld>
 </file>
 
-<file path=ppt/slides/slide12.xml><?xml version="1.0" encoding="utf-8"?>
-<p:sld xmlns:a="http://schemas.openxmlformats.org/drawingml/2006/main" xmlns:r="http://schemas.openxmlformats.org/officeDocument/2006/relationships" xmlns:p="http://schemas.openxmlformats.org/presentationml/2006/main">
-  <p:cSld>
-    <p:spTree>
-      <p:nvGrpSpPr>
-        <p:cNvPr id="1" name=""/>
-        <p:cNvGrpSpPr/>
-        <p:nvPr/>
-      </p:nvGrpSpPr>
-      <p:grpSpPr>
-        <a:xfrm>
-          <a:off x="0" y="0"/>
-          <a:ext cx="0" cy="0"/>
-          <a:chOff x="0" y="0"/>
-          <a:chExt cx="0" cy="0"/>
-        </a:xfrm>
-      </p:grpSpPr>
-      <p:sp>
-        <p:nvSpPr>
-          <p:cNvPr id="2" name="标题 1">
-            <a:extLst>
-              <a:ext uri="{FF2B5EF4-FFF2-40B4-BE49-F238E27FC236}">
-                <a16:creationId xmlns:a16="http://schemas.microsoft.com/office/drawing/2014/main" id="{4F44ABA1-F947-4C32-B2A1-6D4C318CE47E}"/>
-              </a:ext>
-            </a:extLst>
-          </p:cNvPr>
-          <p:cNvSpPr>
-            <a:spLocks noGrp="1"/>
-          </p:cNvSpPr>
-          <p:nvPr>
-            <p:ph type="title"/>
-          </p:nvPr>
-        </p:nvSpPr>
-        <p:spPr/>
-        <p:txBody>
-          <a:bodyPr/>
-          <a:lstStyle/>
-          <a:p>
-            <a:r>
-              <a:rPr lang="en-US" altLang="zh-CN" dirty="0"/>
-              <a:t> </a:t>
-            </a:r>
-            <a:r>
-              <a:rPr lang="en-US" altLang="zh-CN" dirty="0" err="1"/>
-              <a:t>requestID</a:t>
-            </a:r>
-            <a:r>
-              <a:rPr lang="zh-CN" altLang="en-US" dirty="0"/>
-              <a:t>功夫的处理流程说明</a:t>
-            </a:r>
-            <a:r>
-              <a:rPr lang="en-US" altLang="zh-CN" dirty="0"/>
-              <a:t>》 2/5</a:t>
-            </a:r>
-            <a:endParaRPr lang="zh-CN" altLang="en-US" dirty="0"/>
-          </a:p>
-        </p:txBody>
-      </p:sp>
-      <p:sp>
-        <p:nvSpPr>
-          <p:cNvPr id="3" name="内容占位符 2">
-            <a:extLst>
-              <a:ext uri="{FF2B5EF4-FFF2-40B4-BE49-F238E27FC236}">
-                <a16:creationId xmlns:a16="http://schemas.microsoft.com/office/drawing/2014/main" id="{3458968B-A621-4F04-8601-C87C5228F6C1}"/>
-              </a:ext>
-            </a:extLst>
-          </p:cNvPr>
-          <p:cNvSpPr>
-            <a:spLocks noGrp="1"/>
-          </p:cNvSpPr>
-          <p:nvPr>
-            <p:ph idx="1"/>
-          </p:nvPr>
-        </p:nvSpPr>
-        <p:spPr/>
-        <p:txBody>
-          <a:bodyPr/>
-          <a:lstStyle/>
-          <a:p>
-            <a:r>
-              <a:rPr lang="zh-CN" altLang="en-US" dirty="0"/>
-              <a:t>策略发单得到</a:t>
-            </a:r>
-            <a:r>
-              <a:rPr lang="en-US" altLang="zh-CN" dirty="0" err="1"/>
-              <a:t>order_rid</a:t>
-            </a:r>
-            <a:r>
-              <a:rPr lang="en-US" altLang="zh-CN" dirty="0"/>
-              <a:t> = </a:t>
-            </a:r>
-            <a:r>
-              <a:rPr lang="en-US" altLang="zh-CN" dirty="0" err="1"/>
-              <a:t>insert_limit_order</a:t>
-            </a:r>
-            <a:r>
-              <a:rPr lang="en-US" altLang="zh-CN" dirty="0"/>
-              <a:t>(……)</a:t>
-            </a:r>
-          </a:p>
-          <a:p>
-            <a:endParaRPr lang="en-US" altLang="zh-CN" dirty="0"/>
-          </a:p>
-          <a:p>
-            <a:endParaRPr lang="en-US" altLang="zh-CN" dirty="0"/>
-          </a:p>
-          <a:p>
-            <a:endParaRPr lang="en-US" altLang="zh-CN" dirty="0"/>
-          </a:p>
-          <a:p>
-            <a:endParaRPr lang="en-US" altLang="zh-CN" dirty="0"/>
-          </a:p>
-          <a:p>
-            <a:endParaRPr lang="en-US" altLang="zh-CN" dirty="0"/>
-          </a:p>
-          <a:p>
-            <a:r>
-              <a:rPr lang="zh-CN" altLang="en-US" dirty="0"/>
-              <a:t>策略撤单</a:t>
-            </a:r>
-            <a:r>
-              <a:rPr lang="en-US" altLang="zh-CN" dirty="0" err="1"/>
-              <a:t>order_rid</a:t>
-            </a:r>
-            <a:r>
-              <a:rPr lang="en-US" altLang="zh-CN" dirty="0"/>
-              <a:t> </a:t>
-            </a:r>
-            <a:r>
-              <a:rPr lang="zh-CN" altLang="en-US" dirty="0"/>
-              <a:t>，本身撤单动作会得到新</a:t>
-            </a:r>
-            <a:r>
-              <a:rPr lang="en-US" altLang="zh-CN" dirty="0" err="1"/>
-              <a:t>cancel_id</a:t>
-            </a:r>
-            <a:r>
-              <a:rPr lang="zh-CN" altLang="en-US" dirty="0"/>
-              <a:t>：</a:t>
-            </a:r>
-          </a:p>
-        </p:txBody>
-      </p:sp>
-      <p:pic>
-        <p:nvPicPr>
-          <p:cNvPr id="4" name="图片 3">
-            <a:extLst>
-              <a:ext uri="{FF2B5EF4-FFF2-40B4-BE49-F238E27FC236}">
-                <a16:creationId xmlns:a16="http://schemas.microsoft.com/office/drawing/2014/main" id="{0763DE43-34E8-4E6B-8F58-5F42ED855EDB}"/>
-              </a:ext>
-            </a:extLst>
-          </p:cNvPr>
-          <p:cNvPicPr>
-            <a:picLocks noChangeAspect="1"/>
-          </p:cNvPicPr>
-          <p:nvPr/>
-        </p:nvPicPr>
-        <p:blipFill>
-          <a:blip r:embed="rId2"/>
-          <a:stretch>
-            <a:fillRect/>
-          </a:stretch>
-        </p:blipFill>
-        <p:spPr>
-          <a:xfrm>
-            <a:off x="2776537" y="2500312"/>
-            <a:ext cx="6638925" cy="1857375"/>
-          </a:xfrm>
-          <a:prstGeom prst="rect">
-            <a:avLst/>
-          </a:prstGeom>
-        </p:spPr>
-      </p:pic>
-      <p:pic>
-        <p:nvPicPr>
-          <p:cNvPr id="6" name="图片 5">
-            <a:extLst>
-              <a:ext uri="{FF2B5EF4-FFF2-40B4-BE49-F238E27FC236}">
-                <a16:creationId xmlns:a16="http://schemas.microsoft.com/office/drawing/2014/main" id="{2FB7F913-AE0F-493F-962B-14DAC66EDC19}"/>
-              </a:ext>
-            </a:extLst>
-          </p:cNvPr>
-          <p:cNvPicPr>
-            <a:picLocks noChangeAspect="1"/>
-          </p:cNvPicPr>
-          <p:nvPr/>
-        </p:nvPicPr>
-        <p:blipFill>
-          <a:blip r:embed="rId3"/>
-          <a:stretch>
-            <a:fillRect/>
-          </a:stretch>
-        </p:blipFill>
-        <p:spPr>
-          <a:xfrm>
-            <a:off x="2776537" y="5967413"/>
-            <a:ext cx="6629400" cy="209550"/>
-          </a:xfrm>
-          <a:prstGeom prst="rect">
-            <a:avLst/>
-          </a:prstGeom>
-        </p:spPr>
-      </p:pic>
-    </p:spTree>
-    <p:extLst>
-      <p:ext uri="{BB962C8B-B14F-4D97-AF65-F5344CB8AC3E}">
-        <p14:creationId xmlns:p14="http://schemas.microsoft.com/office/powerpoint/2010/main" val="670520753"/>
-      </p:ext>
-    </p:extLst>
-  </p:cSld>
-  <p:clrMapOvr>
-    <a:masterClrMapping/>
-  </p:clrMapOvr>
-</p:sld>
-</file>
-
-<file path=ppt/slides/slide13.xml><?xml version="1.0" encoding="utf-8"?>
+<file path=ppt/slides/slide15.xml><?xml version="1.0" encoding="utf-8"?>
 <p:sld xmlns:a="http://schemas.openxmlformats.org/drawingml/2006/main" xmlns:r="http://schemas.openxmlformats.org/officeDocument/2006/relationships" xmlns:p="http://schemas.openxmlformats.org/presentationml/2006/main">
   <p:cSld>
     <p:spTree>
@@ -4682,7 +5040,7 @@
 </p:sld>
 </file>
 
-<file path=ppt/slides/slide14.xml><?xml version="1.0" encoding="utf-8"?>
+<file path=ppt/slides/slide16.xml><?xml version="1.0" encoding="utf-8"?>
 <p:sld xmlns:a="http://schemas.openxmlformats.org/drawingml/2006/main" xmlns:r="http://schemas.openxmlformats.org/officeDocument/2006/relationships" xmlns:p="http://schemas.openxmlformats.org/presentationml/2006/main">
   <p:cSld>
     <p:spTree>
@@ -4834,7 +5192,7 @@
 </p:sld>
 </file>
 
-<file path=ppt/slides/slide15.xml><?xml version="1.0" encoding="utf-8"?>
+<file path=ppt/slides/slide17.xml><?xml version="1.0" encoding="utf-8"?>
 <p:sld xmlns:a="http://schemas.openxmlformats.org/drawingml/2006/main" xmlns:r="http://schemas.openxmlformats.org/officeDocument/2006/relationships" xmlns:p="http://schemas.openxmlformats.org/presentationml/2006/main">
   <p:cSld>
     <p:spTree>
@@ -4924,6 +5282,7 @@
             <a:endParaRPr lang="en-US" altLang="zh-CN" dirty="0"/>
           </a:p>
           <a:p>
+            <a:pPr lvl="1"/>
             <a:r>
               <a:rPr lang="zh-CN" altLang="en-US" dirty="0"/>
               <a:t>只有</a:t>
@@ -4950,7 +5309,7 @@
             </a:r>
             <a:r>
               <a:rPr lang="en-US" altLang="zh-CN" dirty="0"/>
-              <a:t>  </a:t>
+              <a:t> </a:t>
             </a:r>
             <a:r>
               <a:rPr lang="zh-CN" altLang="en-US" dirty="0"/>
@@ -4963,13 +5322,18 @@
             <a:endParaRPr lang="en-US" altLang="zh-CN" dirty="0"/>
           </a:p>
           <a:p>
+            <a:pPr lvl="1"/>
             <a:r>
               <a:rPr lang="en-US" altLang="zh-CN" dirty="0" err="1"/>
               <a:t>LFOrderActionField</a:t>
             </a:r>
             <a:r>
-              <a:rPr lang="zh-CN" altLang="en-US" dirty="0"/>
-              <a:t>前面撤单部分已经说明，是撤单动作重新产生了一个新的</a:t>
+              <a:rPr lang="en-US" altLang="zh-CN" dirty="0"/>
+              <a:t>, </a:t>
+            </a:r>
+            <a:r>
+              <a:rPr lang="zh-CN" altLang="en-US" dirty="0"/>
+              <a:t>撤单动作重新产生了一个新的</a:t>
             </a:r>
             <a:r>
               <a:rPr lang="en-US" altLang="zh-CN" dirty="0" err="1"/>
@@ -5003,10 +5367,7 @@
               <a:rPr lang="en-US" altLang="zh-CN" dirty="0"/>
               <a:t>=0</a:t>
             </a:r>
-            <a:r>
-              <a:rPr lang="zh-CN" altLang="en-US" dirty="0"/>
-              <a:t>。</a:t>
-            </a:r>
+            <a:endParaRPr lang="zh-CN" altLang="en-US" dirty="0"/>
           </a:p>
           <a:p>
             <a:r>
@@ -5014,7 +5375,7 @@
               <a:t>longfist_structs.py</a:t>
             </a:r>
             <a:r>
-              <a:rPr lang="zh-CN" altLang="en-US"/>
+              <a:rPr lang="zh-CN" altLang="en-US" dirty="0"/>
               <a:t>结构定义</a:t>
             </a:r>
             <a:endParaRPr lang="en-US" altLang="zh-CN" dirty="0"/>
@@ -5043,7 +5404,7 @@
         </p:blipFill>
         <p:spPr>
           <a:xfrm>
-            <a:off x="5727216" y="4546876"/>
+            <a:off x="5617885" y="4001294"/>
             <a:ext cx="6124575" cy="2105025"/>
           </a:xfrm>
           <a:prstGeom prst="rect">
@@ -5064,7 +5425,7 @@
 </p:sld>
 </file>
 
-<file path=ppt/slides/slide16.xml><?xml version="1.0" encoding="utf-8"?>
+<file path=ppt/slides/slide18.xml><?xml version="1.0" encoding="utf-8"?>
 <p:sld xmlns:a="http://schemas.openxmlformats.org/drawingml/2006/main" xmlns:r="http://schemas.openxmlformats.org/officeDocument/2006/relationships" xmlns:p="http://schemas.openxmlformats.org/presentationml/2006/main">
   <p:cSld>
     <p:spTree>
@@ -5116,16 +5477,13 @@
             </a:r>
             <a:r>
               <a:rPr lang="zh-CN" altLang="en-US" dirty="0"/>
-              <a:t>端点对消息队列的使用 </a:t>
-            </a:r>
-            <a:r>
-              <a:rPr lang="en-US" altLang="zh-CN" dirty="0"/>
-              <a:t>1/2</a:t>
-            </a:r>
-            <a:r>
-              <a:rPr lang="zh-CN" altLang="en-US" dirty="0"/>
-              <a:t>（读）</a:t>
-            </a:r>
+              <a:t>端点对消息队列的读取</a:t>
+            </a:r>
+            <a:r>
+              <a:rPr lang="en-US" altLang="zh-CN" dirty="0"/>
+              <a:t>	1/2</a:t>
+            </a:r>
+            <a:endParaRPr lang="zh-CN" altLang="en-US" dirty="0"/>
           </a:p>
         </p:txBody>
       </p:sp>
@@ -5252,7 +5610,7 @@
 </p:sld>
 </file>
 
-<file path=ppt/slides/slide17.xml><?xml version="1.0" encoding="utf-8"?>
+<file path=ppt/slides/slide19.xml><?xml version="1.0" encoding="utf-8"?>
 <p:sld xmlns:a="http://schemas.openxmlformats.org/drawingml/2006/main" xmlns:r="http://schemas.openxmlformats.org/officeDocument/2006/relationships" xmlns:p="http://schemas.openxmlformats.org/presentationml/2006/main">
   <p:cSld>
     <p:spTree>
@@ -5304,16 +5662,13 @@
             </a:r>
             <a:r>
               <a:rPr lang="zh-CN" altLang="en-US" dirty="0"/>
-              <a:t>端点对消息队列的使用 </a:t>
+              <a:t>端点对消息队列的写入 </a:t>
             </a:r>
             <a:r>
               <a:rPr lang="en-US" altLang="zh-CN" dirty="0"/>
               <a:t>2/2</a:t>
             </a:r>
-            <a:r>
-              <a:rPr lang="zh-CN" altLang="en-US" dirty="0"/>
-              <a:t>（写）</a:t>
-            </a:r>
+            <a:endParaRPr lang="zh-CN" altLang="en-US" dirty="0"/>
           </a:p>
         </p:txBody>
       </p:sp>
@@ -5482,7 +5837,7 @@
 </p:sld>
 </file>
 
-<file path=ppt/slides/slide18.xml><?xml version="1.0" encoding="utf-8"?>
+<file path=ppt/slides/slide2.xml><?xml version="1.0" encoding="utf-8"?>
 <p:sld xmlns:a="http://schemas.openxmlformats.org/drawingml/2006/main" xmlns:r="http://schemas.openxmlformats.org/officeDocument/2006/relationships" xmlns:p="http://schemas.openxmlformats.org/presentationml/2006/main">
   <p:cSld>
     <p:spTree>
@@ -5504,6 +5859,367 @@
           <p:cNvPr id="2" name="标题 1">
             <a:extLst>
               <a:ext uri="{FF2B5EF4-FFF2-40B4-BE49-F238E27FC236}">
+                <a16:creationId xmlns:a16="http://schemas.microsoft.com/office/drawing/2014/main" id="{1A161700-0032-4079-8C1E-B8944A881439}"/>
+              </a:ext>
+            </a:extLst>
+          </p:cNvPr>
+          <p:cNvSpPr>
+            <a:spLocks noGrp="1"/>
+          </p:cNvSpPr>
+          <p:nvPr>
+            <p:ph type="title"/>
+          </p:nvPr>
+        </p:nvSpPr>
+        <p:spPr/>
+        <p:txBody>
+          <a:bodyPr/>
+          <a:lstStyle/>
+          <a:p>
+            <a:r>
+              <a:rPr lang="en-US" altLang="zh-CN" dirty="0"/>
+              <a:t>Kungfu</a:t>
+            </a:r>
+            <a:r>
+              <a:rPr lang="zh-CN" altLang="en-US" dirty="0"/>
+              <a:t>架构</a:t>
+            </a:r>
+          </a:p>
+        </p:txBody>
+      </p:sp>
+      <p:sp>
+        <p:nvSpPr>
+          <p:cNvPr id="3" name="内容占位符 2">
+            <a:extLst>
+              <a:ext uri="{FF2B5EF4-FFF2-40B4-BE49-F238E27FC236}">
+                <a16:creationId xmlns:a16="http://schemas.microsoft.com/office/drawing/2014/main" id="{C1447AB2-3D5C-4A82-AB8C-5CD22673BF11}"/>
+              </a:ext>
+            </a:extLst>
+          </p:cNvPr>
+          <p:cNvSpPr>
+            <a:spLocks noGrp="1"/>
+          </p:cNvSpPr>
+          <p:nvPr>
+            <p:ph idx="1"/>
+          </p:nvPr>
+        </p:nvSpPr>
+        <p:spPr/>
+        <p:txBody>
+          <a:bodyPr>
+            <a:normAutofit fontScale="70000" lnSpcReduction="20000"/>
+          </a:bodyPr>
+          <a:lstStyle/>
+          <a:p>
+            <a:r>
+              <a:rPr lang="zh-CN" altLang="en-US" sz="2600" dirty="0"/>
+              <a:t>通过共享文件映射</a:t>
+            </a:r>
+            <a:r>
+              <a:rPr lang="en-US" altLang="zh-CN" sz="2600" dirty="0"/>
+              <a:t>(</a:t>
+            </a:r>
+            <a:r>
+              <a:rPr lang="en-US" altLang="zh-CN" sz="2600" dirty="0" err="1"/>
+              <a:t>memmap</a:t>
+            </a:r>
+            <a:r>
+              <a:rPr lang="en-US" altLang="zh-CN" sz="2600" dirty="0"/>
+              <a:t>)</a:t>
+            </a:r>
+            <a:r>
+              <a:rPr lang="zh-CN" altLang="en-US" sz="2600" dirty="0"/>
+              <a:t>来做的消息队列系统，消息队列的端点</a:t>
+            </a:r>
+            <a:r>
+              <a:rPr lang="en-US" altLang="zh-CN" sz="2600" dirty="0"/>
+              <a:t>(</a:t>
+            </a:r>
+            <a:r>
+              <a:rPr lang="en-US" altLang="zh-CN" sz="2600" dirty="0" err="1"/>
+              <a:t>EndPoint</a:t>
+            </a:r>
+            <a:r>
+              <a:rPr lang="en-US" altLang="zh-CN" sz="2600" dirty="0"/>
+              <a:t>)</a:t>
+            </a:r>
+            <a:r>
+              <a:rPr lang="zh-CN" altLang="en-US" sz="2600" dirty="0"/>
+              <a:t>通过</a:t>
+            </a:r>
+            <a:r>
+              <a:rPr lang="en-US" altLang="zh-CN" sz="2600" dirty="0" err="1"/>
+              <a:t>yijinjing</a:t>
+            </a:r>
+            <a:r>
+              <a:rPr lang="zh-CN" altLang="en-US" sz="2600" dirty="0"/>
+              <a:t>来读取配置文件，端点</a:t>
+            </a:r>
+            <a:r>
+              <a:rPr lang="en-US" altLang="zh-CN" sz="2600" dirty="0"/>
+              <a:t>(</a:t>
+            </a:r>
+            <a:r>
+              <a:rPr lang="en-US" altLang="zh-CN" sz="2600" dirty="0" err="1"/>
+              <a:t>EndPoint</a:t>
+            </a:r>
+            <a:r>
+              <a:rPr lang="en-US" altLang="zh-CN" sz="2600" dirty="0"/>
+              <a:t>)</a:t>
+            </a:r>
+            <a:r>
+              <a:rPr lang="zh-CN" altLang="en-US" sz="2400" dirty="0"/>
+              <a:t>无锁无</a:t>
+            </a:r>
+            <a:r>
+              <a:rPr lang="en-US" altLang="zh-CN" sz="2400" dirty="0"/>
+              <a:t>sleep</a:t>
+            </a:r>
+            <a:r>
+              <a:rPr lang="zh-CN" altLang="en-US" sz="2600" dirty="0"/>
+              <a:t>轮询消息，形成零延迟。</a:t>
+            </a:r>
+            <a:endParaRPr lang="en-US" altLang="zh-CN" sz="2600" dirty="0"/>
+          </a:p>
+          <a:p>
+            <a:endParaRPr lang="en-US" altLang="zh-CN" dirty="0"/>
+          </a:p>
+          <a:p>
+            <a:r>
+              <a:rPr lang="en-US" altLang="zh-CN" dirty="0"/>
+              <a:t>Supervisor </a:t>
+            </a:r>
+            <a:r>
+              <a:rPr lang="zh-CN" altLang="en-US" dirty="0"/>
+              <a:t>做进程控制</a:t>
+            </a:r>
+            <a:endParaRPr lang="en-US" altLang="zh-CN" dirty="0"/>
+          </a:p>
+          <a:p>
+            <a:pPr lvl="1"/>
+            <a:r>
+              <a:rPr lang="en-US" altLang="zh-CN" dirty="0"/>
+              <a:t>rpm\bin\</a:t>
+            </a:r>
+            <a:r>
+              <a:rPr lang="en-US" altLang="zh-CN" dirty="0" err="1"/>
+              <a:t>kungfuctl</a:t>
+            </a:r>
+            <a:r>
+              <a:rPr lang="en-US" altLang="zh-CN" dirty="0"/>
+              <a:t>      </a:t>
+            </a:r>
+            <a:r>
+              <a:rPr lang="zh-CN" altLang="en-US" dirty="0"/>
+              <a:t>控制程序启动文件</a:t>
+            </a:r>
+            <a:endParaRPr lang="en-US" altLang="zh-CN" dirty="0"/>
+          </a:p>
+          <a:p>
+            <a:pPr lvl="1"/>
+            <a:r>
+              <a:rPr lang="en-US" altLang="zh-CN" dirty="0"/>
+              <a:t>rpm\bin\</a:t>
+            </a:r>
+            <a:r>
+              <a:rPr lang="en-US" altLang="zh-CN" dirty="0" err="1"/>
+              <a:t>wingchun</a:t>
+            </a:r>
+            <a:r>
+              <a:rPr lang="en-US" altLang="zh-CN" dirty="0"/>
+              <a:t>      </a:t>
+            </a:r>
+            <a:r>
+              <a:rPr lang="zh-CN" altLang="en-US" dirty="0"/>
+              <a:t>进程启动入口文件</a:t>
+            </a:r>
+            <a:endParaRPr lang="en-US" altLang="zh-CN" dirty="0"/>
+          </a:p>
+          <a:p>
+            <a:pPr lvl="1"/>
+            <a:r>
+              <a:rPr lang="en-US" altLang="zh-CN" dirty="0"/>
+              <a:t>rpm\</a:t>
+            </a:r>
+            <a:r>
+              <a:rPr lang="en-US" altLang="zh-CN" dirty="0" err="1"/>
+              <a:t>etc</a:t>
+            </a:r>
+            <a:r>
+              <a:rPr lang="en-US" altLang="zh-CN" dirty="0"/>
+              <a:t>\supervisor\</a:t>
+            </a:r>
+            <a:r>
+              <a:rPr lang="en-US" altLang="zh-CN" dirty="0" err="1"/>
+              <a:t>conf.d</a:t>
+            </a:r>
+            <a:r>
+              <a:rPr lang="en-US" altLang="zh-CN" dirty="0"/>
+              <a:t>\*        md</a:t>
+            </a:r>
+            <a:r>
+              <a:rPr lang="zh-CN" altLang="en-US" dirty="0"/>
+              <a:t>，</a:t>
+            </a:r>
+            <a:r>
+              <a:rPr lang="en-US" altLang="zh-CN" dirty="0"/>
+              <a:t>td</a:t>
+            </a:r>
+            <a:r>
+              <a:rPr lang="zh-CN" altLang="en-US" dirty="0"/>
+              <a:t>的配置文件</a:t>
+            </a:r>
+            <a:endParaRPr lang="en-US" altLang="zh-CN" dirty="0"/>
+          </a:p>
+          <a:p>
+            <a:pPr lvl="1"/>
+            <a:r>
+              <a:rPr lang="en-US" altLang="zh-CN" dirty="0">
+                <a:hlinkClick r:id="rId2"/>
+              </a:rPr>
+              <a:t>http://supervisord.org/introduction.html</a:t>
+            </a:r>
+            <a:r>
+              <a:rPr lang="en-US" altLang="zh-CN" dirty="0"/>
+              <a:t> </a:t>
+            </a:r>
+            <a:r>
+              <a:rPr lang="zh-CN" altLang="en-US" dirty="0"/>
+              <a:t> </a:t>
+            </a:r>
+            <a:r>
+              <a:rPr lang="en-US" altLang="zh-CN" dirty="0"/>
+              <a:t>Supervisor</a:t>
+            </a:r>
+            <a:r>
+              <a:rPr lang="zh-CN" altLang="en-US" dirty="0"/>
+              <a:t>是用</a:t>
+            </a:r>
+            <a:r>
+              <a:rPr lang="en-US" altLang="zh-CN" dirty="0"/>
+              <a:t>Python</a:t>
+            </a:r>
+            <a:r>
+              <a:rPr lang="zh-CN" altLang="en-US" dirty="0"/>
+              <a:t>开发的一套通用的进程管理程序，能将一个普通的命令行进程变为后台</a:t>
+            </a:r>
+            <a:r>
+              <a:rPr lang="en-US" altLang="zh-CN" dirty="0"/>
+              <a:t>daemon</a:t>
+            </a:r>
+            <a:r>
+              <a:rPr lang="zh-CN" altLang="en-US" dirty="0"/>
+              <a:t>，并监控进程状态，异常退出时能自动重启。</a:t>
+            </a:r>
+            <a:endParaRPr lang="en-US" altLang="zh-CN" dirty="0"/>
+          </a:p>
+          <a:p>
+            <a:endParaRPr lang="en-US" altLang="zh-CN" dirty="0"/>
+          </a:p>
+          <a:p>
+            <a:r>
+              <a:rPr lang="zh-CN" altLang="en-US" dirty="0"/>
+              <a:t>消息队列的端点</a:t>
+            </a:r>
+            <a:r>
+              <a:rPr lang="en-US" altLang="zh-CN" dirty="0"/>
+              <a:t>(</a:t>
+            </a:r>
+            <a:r>
+              <a:rPr lang="en-US" altLang="zh-CN" dirty="0" err="1"/>
+              <a:t>EndPoint</a:t>
+            </a:r>
+            <a:r>
+              <a:rPr lang="en-US" altLang="zh-CN" dirty="0"/>
+              <a:t>)</a:t>
+            </a:r>
+            <a:r>
+              <a:rPr lang="zh-CN" altLang="en-US" dirty="0"/>
+              <a:t>是一个进程，比如</a:t>
+            </a:r>
+            <a:r>
+              <a:rPr lang="en-US" altLang="zh-CN" dirty="0" err="1"/>
+              <a:t>Bitfinex_TD</a:t>
+            </a:r>
+            <a:r>
+              <a:rPr lang="zh-CN" altLang="en-US" dirty="0"/>
+              <a:t>是一个进程，</a:t>
+            </a:r>
+            <a:r>
+              <a:rPr lang="en-US" altLang="zh-CN" dirty="0" err="1"/>
+              <a:t>Bitfinex_MD</a:t>
+            </a:r>
+            <a:r>
+              <a:rPr lang="zh-CN" altLang="en-US" dirty="0"/>
+              <a:t>是一个进程，每一个策略也是一个进程</a:t>
+            </a:r>
+            <a:endParaRPr lang="en-US" altLang="zh-CN" dirty="0"/>
+          </a:p>
+          <a:p>
+            <a:endParaRPr lang="en-US" altLang="zh-CN" dirty="0"/>
+          </a:p>
+          <a:p>
+            <a:r>
+              <a:rPr lang="zh-CN" altLang="en-US" dirty="0"/>
+              <a:t>使用参考</a:t>
+            </a:r>
+            <a:r>
+              <a:rPr lang="en-US" altLang="zh-CN" dirty="0"/>
+              <a:t>: </a:t>
+            </a:r>
+            <a:br>
+              <a:rPr lang="en-US" altLang="zh-CN" dirty="0"/>
+            </a:br>
+            <a:r>
+              <a:rPr lang="en-US" altLang="zh-CN" dirty="0"/>
+              <a:t>https://github.com/taurusai/kungfu</a:t>
+            </a:r>
+            <a:endParaRPr lang="zh-CN" altLang="en-US" dirty="0"/>
+          </a:p>
+          <a:p>
+            <a:endParaRPr lang="en-US" altLang="zh-CN" dirty="0"/>
+          </a:p>
+          <a:p>
+            <a:endParaRPr lang="en-US" altLang="zh-CN" dirty="0"/>
+          </a:p>
+          <a:p>
+            <a:endParaRPr lang="zh-CN" altLang="en-US" dirty="0"/>
+          </a:p>
+        </p:txBody>
+      </p:sp>
+    </p:spTree>
+    <p:extLst>
+      <p:ext uri="{BB962C8B-B14F-4D97-AF65-F5344CB8AC3E}">
+        <p14:creationId xmlns:p14="http://schemas.microsoft.com/office/powerpoint/2010/main" val="2563743880"/>
+      </p:ext>
+    </p:extLst>
+  </p:cSld>
+  <p:clrMapOvr>
+    <a:masterClrMapping/>
+  </p:clrMapOvr>
+</p:sld>
+</file>
+
+<file path=ppt/slides/slide20.xml><?xml version="1.0" encoding="utf-8"?>
+<p:sld xmlns:a="http://schemas.openxmlformats.org/drawingml/2006/main" xmlns:r="http://schemas.openxmlformats.org/officeDocument/2006/relationships" xmlns:p="http://schemas.openxmlformats.org/presentationml/2006/main">
+  <p:cSld>
+    <p:spTree>
+      <p:nvGrpSpPr>
+        <p:cNvPr id="1" name=""/>
+        <p:cNvGrpSpPr/>
+        <p:nvPr/>
+      </p:nvGrpSpPr>
+      <p:grpSpPr>
+        <a:xfrm>
+          <a:off x="0" y="0"/>
+          <a:ext cx="0" cy="0"/>
+          <a:chOff x="0" y="0"/>
+          <a:chExt cx="0" cy="0"/>
+        </a:xfrm>
+      </p:grpSpPr>
+      <p:sp>
+        <p:nvSpPr>
+          <p:cNvPr id="2" name="标题 1">
+            <a:extLst>
+              <a:ext uri="{FF2B5EF4-FFF2-40B4-BE49-F238E27FC236}">
                 <a16:creationId xmlns:a16="http://schemas.microsoft.com/office/drawing/2014/main" id="{F09EDA92-84E8-479C-B735-610B33C5DC90}"/>
               </a:ext>
             </a:extLst>
@@ -5534,16 +6250,13 @@
             </a:r>
             <a:r>
               <a:rPr lang="zh-CN" altLang="en-US" dirty="0"/>
-              <a:t>端点对消息队列的使用 </a:t>
+              <a:t>端点对消息队列的读取 </a:t>
             </a:r>
             <a:r>
               <a:rPr lang="en-US" altLang="zh-CN" dirty="0"/>
               <a:t>1/4</a:t>
             </a:r>
-            <a:r>
-              <a:rPr lang="zh-CN" altLang="en-US" dirty="0"/>
-              <a:t>（读）</a:t>
-            </a:r>
+            <a:endParaRPr lang="zh-CN" altLang="en-US" dirty="0"/>
           </a:p>
         </p:txBody>
       </p:sp>
@@ -5673,7 +6386,7 @@
 </p:sld>
 </file>
 
-<file path=ppt/slides/slide19.xml><?xml version="1.0" encoding="utf-8"?>
+<file path=ppt/slides/slide21.xml><?xml version="1.0" encoding="utf-8"?>
 <p:sld xmlns:a="http://schemas.openxmlformats.org/drawingml/2006/main" xmlns:r="http://schemas.openxmlformats.org/officeDocument/2006/relationships" xmlns:p="http://schemas.openxmlformats.org/presentationml/2006/main">
   <p:cSld>
     <p:spTree>
@@ -5725,16 +6438,13 @@
             </a:r>
             <a:r>
               <a:rPr lang="zh-CN" altLang="en-US" dirty="0"/>
-              <a:t>端点对消息队列的使用 </a:t>
+              <a:t>端点对消息队列的读取</a:t>
             </a:r>
             <a:r>
               <a:rPr lang="en-US" altLang="zh-CN" dirty="0"/>
               <a:t>2/4</a:t>
             </a:r>
-            <a:r>
-              <a:rPr lang="zh-CN" altLang="en-US" dirty="0"/>
-              <a:t>（读）</a:t>
-            </a:r>
+            <a:endParaRPr lang="zh-CN" altLang="en-US" dirty="0"/>
           </a:p>
         </p:txBody>
       </p:sp>
@@ -5835,7 +6545,7 @@
 </p:sld>
 </file>
 
-<file path=ppt/slides/slide2.xml><?xml version="1.0" encoding="utf-8"?>
+<file path=ppt/slides/slide22.xml><?xml version="1.0" encoding="utf-8"?>
 <p:sld xmlns:a="http://schemas.openxmlformats.org/drawingml/2006/main" xmlns:r="http://schemas.openxmlformats.org/officeDocument/2006/relationships" xmlns:p="http://schemas.openxmlformats.org/presentationml/2006/main">
   <p:cSld>
     <p:spTree>
@@ -5857,7 +6567,7 @@
           <p:cNvPr id="2" name="标题 1">
             <a:extLst>
               <a:ext uri="{FF2B5EF4-FFF2-40B4-BE49-F238E27FC236}">
-                <a16:creationId xmlns:a16="http://schemas.microsoft.com/office/drawing/2014/main" id="{1A161700-0032-4079-8C1E-B8944A881439}"/>
+                <a16:creationId xmlns:a16="http://schemas.microsoft.com/office/drawing/2014/main" id="{6FC2B082-3E8D-4231-A05C-58179E8D8D06}"/>
               </a:ext>
             </a:extLst>
           </p:cNvPr>
@@ -5879,365 +6589,21 @@
             </a:r>
             <a:r>
               <a:rPr lang="zh-CN" altLang="en-US" dirty="0"/>
-              <a:t>架构</a:t>
-            </a:r>
-          </a:p>
-        </p:txBody>
-      </p:sp>
-      <p:sp>
-        <p:nvSpPr>
-          <p:cNvPr id="3" name="内容占位符 2">
-            <a:extLst>
-              <a:ext uri="{FF2B5EF4-FFF2-40B4-BE49-F238E27FC236}">
-                <a16:creationId xmlns:a16="http://schemas.microsoft.com/office/drawing/2014/main" id="{C1447AB2-3D5C-4A82-AB8C-5CD22673BF11}"/>
-              </a:ext>
-            </a:extLst>
-          </p:cNvPr>
-          <p:cNvSpPr>
-            <a:spLocks noGrp="1"/>
-          </p:cNvSpPr>
-          <p:nvPr>
-            <p:ph idx="1"/>
-          </p:nvPr>
-        </p:nvSpPr>
-        <p:spPr/>
-        <p:txBody>
-          <a:bodyPr>
-            <a:normAutofit fontScale="70000" lnSpcReduction="20000"/>
-          </a:bodyPr>
-          <a:lstStyle/>
-          <a:p>
-            <a:r>
-              <a:rPr lang="zh-CN" altLang="en-US" sz="2600" dirty="0"/>
-              <a:t>通过共享文件映射</a:t>
-            </a:r>
-            <a:r>
-              <a:rPr lang="en-US" altLang="zh-CN" sz="2600" dirty="0"/>
-              <a:t>(</a:t>
-            </a:r>
-            <a:r>
-              <a:rPr lang="en-US" altLang="zh-CN" sz="2600" dirty="0" err="1"/>
-              <a:t>memmap</a:t>
-            </a:r>
-            <a:r>
-              <a:rPr lang="en-US" altLang="zh-CN" sz="2600" dirty="0"/>
-              <a:t>)</a:t>
-            </a:r>
-            <a:r>
-              <a:rPr lang="zh-CN" altLang="en-US" sz="2600" dirty="0"/>
-              <a:t>来做的消息队列系统，消息队列的端点</a:t>
-            </a:r>
-            <a:r>
-              <a:rPr lang="en-US" altLang="zh-CN" sz="2600" dirty="0"/>
-              <a:t>(</a:t>
-            </a:r>
-            <a:r>
-              <a:rPr lang="en-US" altLang="zh-CN" sz="2600" dirty="0" err="1"/>
-              <a:t>EndPoint</a:t>
-            </a:r>
-            <a:r>
-              <a:rPr lang="en-US" altLang="zh-CN" sz="2600" dirty="0"/>
-              <a:t>)</a:t>
-            </a:r>
-            <a:r>
-              <a:rPr lang="zh-CN" altLang="en-US" sz="2600" dirty="0"/>
-              <a:t>通过</a:t>
-            </a:r>
-            <a:r>
-              <a:rPr lang="en-US" altLang="zh-CN" sz="2600" dirty="0" err="1"/>
-              <a:t>yijinjing</a:t>
-            </a:r>
-            <a:r>
-              <a:rPr lang="zh-CN" altLang="en-US" sz="2600" dirty="0"/>
-              <a:t>来读取配置文件，端点</a:t>
-            </a:r>
-            <a:r>
-              <a:rPr lang="en-US" altLang="zh-CN" sz="2600" dirty="0"/>
-              <a:t>(</a:t>
-            </a:r>
-            <a:r>
-              <a:rPr lang="en-US" altLang="zh-CN" sz="2600" dirty="0" err="1"/>
-              <a:t>EndPoint</a:t>
-            </a:r>
-            <a:r>
-              <a:rPr lang="en-US" altLang="zh-CN" sz="2600" dirty="0"/>
-              <a:t>)</a:t>
-            </a:r>
-            <a:r>
-              <a:rPr lang="zh-CN" altLang="en-US" sz="2400" dirty="0"/>
-              <a:t>无锁无</a:t>
-            </a:r>
-            <a:r>
-              <a:rPr lang="en-US" altLang="zh-CN" sz="2400" dirty="0"/>
-              <a:t>sleep</a:t>
-            </a:r>
-            <a:r>
-              <a:rPr lang="zh-CN" altLang="en-US" sz="2600" dirty="0"/>
-              <a:t>轮询消息，形成零延迟。</a:t>
-            </a:r>
-            <a:endParaRPr lang="en-US" altLang="zh-CN" sz="2600" dirty="0"/>
-          </a:p>
-          <a:p>
-            <a:endParaRPr lang="en-US" altLang="zh-CN" dirty="0"/>
-          </a:p>
-          <a:p>
-            <a:r>
-              <a:rPr lang="en-US" altLang="zh-CN" dirty="0"/>
-              <a:t>Supervisor </a:t>
-            </a:r>
-            <a:r>
-              <a:rPr lang="zh-CN" altLang="en-US" dirty="0"/>
-              <a:t>做进程控制</a:t>
-            </a:r>
-            <a:endParaRPr lang="en-US" altLang="zh-CN" dirty="0"/>
-          </a:p>
-          <a:p>
-            <a:pPr lvl="1"/>
-            <a:r>
-              <a:rPr lang="en-US" altLang="zh-CN" dirty="0"/>
-              <a:t>rpm\bin\</a:t>
-            </a:r>
-            <a:r>
-              <a:rPr lang="en-US" altLang="zh-CN" dirty="0" err="1"/>
-              <a:t>kungfuctl</a:t>
-            </a:r>
-            <a:r>
-              <a:rPr lang="en-US" altLang="zh-CN" dirty="0"/>
-              <a:t>      </a:t>
-            </a:r>
-            <a:r>
-              <a:rPr lang="zh-CN" altLang="en-US" dirty="0"/>
-              <a:t>控制程序启动文件</a:t>
-            </a:r>
-            <a:endParaRPr lang="en-US" altLang="zh-CN" dirty="0"/>
-          </a:p>
-          <a:p>
-            <a:pPr lvl="1"/>
-            <a:r>
-              <a:rPr lang="en-US" altLang="zh-CN" dirty="0"/>
-              <a:t>rpm\</a:t>
-            </a:r>
-            <a:r>
-              <a:rPr lang="en-US" altLang="zh-CN" dirty="0" err="1"/>
-              <a:t>etc</a:t>
-            </a:r>
-            <a:r>
-              <a:rPr lang="en-US" altLang="zh-CN" dirty="0"/>
-              <a:t>\supervisor\</a:t>
-            </a:r>
-            <a:r>
-              <a:rPr lang="en-US" altLang="zh-CN" dirty="0" err="1"/>
-              <a:t>conf.d</a:t>
-            </a:r>
-            <a:r>
-              <a:rPr lang="en-US" altLang="zh-CN" dirty="0"/>
-              <a:t>\*        md</a:t>
-            </a:r>
-            <a:r>
-              <a:rPr lang="zh-CN" altLang="en-US" dirty="0"/>
-              <a:t>，</a:t>
-            </a:r>
-            <a:r>
-              <a:rPr lang="en-US" altLang="zh-CN" dirty="0"/>
-              <a:t>td</a:t>
-            </a:r>
-            <a:r>
-              <a:rPr lang="zh-CN" altLang="en-US" dirty="0"/>
-              <a:t>的配置文件</a:t>
-            </a:r>
-            <a:endParaRPr lang="en-US" altLang="zh-CN" dirty="0"/>
-          </a:p>
-          <a:p>
-            <a:pPr lvl="1"/>
-            <a:r>
-              <a:rPr lang="en-US" altLang="zh-CN" dirty="0">
-                <a:hlinkClick r:id="rId2"/>
-              </a:rPr>
-              <a:t>http://supervisord.org/introduction.html</a:t>
-            </a:r>
-            <a:r>
-              <a:rPr lang="en-US" altLang="zh-CN" dirty="0"/>
-              <a:t> </a:t>
-            </a:r>
-            <a:r>
-              <a:rPr lang="zh-CN" altLang="en-US" dirty="0"/>
-              <a:t> </a:t>
-            </a:r>
-            <a:r>
-              <a:rPr lang="en-US" altLang="zh-CN" dirty="0"/>
-              <a:t>Supervisor</a:t>
-            </a:r>
-            <a:r>
-              <a:rPr lang="zh-CN" altLang="en-US" dirty="0"/>
-              <a:t>是用</a:t>
-            </a:r>
-            <a:r>
-              <a:rPr lang="en-US" altLang="zh-CN" dirty="0"/>
-              <a:t>Python</a:t>
-            </a:r>
-            <a:r>
-              <a:rPr lang="zh-CN" altLang="en-US" dirty="0"/>
-              <a:t>开发的一套通用的进程管理程序，能将一个普通的命令行进程变为后台</a:t>
-            </a:r>
-            <a:r>
-              <a:rPr lang="en-US" altLang="zh-CN" dirty="0"/>
-              <a:t>daemon</a:t>
-            </a:r>
-            <a:r>
-              <a:rPr lang="zh-CN" altLang="en-US" dirty="0"/>
-              <a:t>，并监控进程状态，异常退出时能自动重启。</a:t>
-            </a:r>
-            <a:endParaRPr lang="en-US" altLang="zh-CN" dirty="0"/>
-          </a:p>
-          <a:p>
-            <a:endParaRPr lang="en-US" altLang="zh-CN" dirty="0"/>
-          </a:p>
-          <a:p>
-            <a:r>
-              <a:rPr lang="zh-CN" altLang="en-US" dirty="0"/>
-              <a:t>消息队列的端点</a:t>
-            </a:r>
-            <a:r>
-              <a:rPr lang="en-US" altLang="zh-CN" dirty="0"/>
-              <a:t>(</a:t>
-            </a:r>
-            <a:r>
-              <a:rPr lang="en-US" altLang="zh-CN" dirty="0" err="1"/>
-              <a:t>EndPoint</a:t>
-            </a:r>
-            <a:r>
-              <a:rPr lang="en-US" altLang="zh-CN" dirty="0"/>
-              <a:t>)</a:t>
-            </a:r>
-            <a:r>
-              <a:rPr lang="zh-CN" altLang="en-US" dirty="0"/>
-              <a:t>是一个进程，比如</a:t>
-            </a:r>
-            <a:r>
-              <a:rPr lang="en-US" altLang="zh-CN" dirty="0" err="1"/>
-              <a:t>Bitfinex_TD</a:t>
-            </a:r>
-            <a:r>
-              <a:rPr lang="zh-CN" altLang="en-US" dirty="0"/>
-              <a:t>是一个进程，</a:t>
-            </a:r>
-            <a:r>
-              <a:rPr lang="en-US" altLang="zh-CN" dirty="0" err="1"/>
-              <a:t>Bitfinex_MD</a:t>
-            </a:r>
-            <a:r>
-              <a:rPr lang="zh-CN" altLang="en-US" dirty="0"/>
-              <a:t>是一个进程，每一个策略也是一个进程</a:t>
-            </a:r>
-            <a:endParaRPr lang="en-US" altLang="zh-CN" dirty="0"/>
-          </a:p>
-          <a:p>
-            <a:endParaRPr lang="en-US" altLang="zh-CN" dirty="0"/>
-          </a:p>
-          <a:p>
-            <a:r>
-              <a:rPr lang="zh-CN" altLang="en-US" dirty="0"/>
-              <a:t>使用参考</a:t>
-            </a:r>
-            <a:r>
-              <a:rPr lang="en-US" altLang="zh-CN" dirty="0"/>
-              <a:t>: </a:t>
-            </a:r>
-            <a:br>
-              <a:rPr lang="en-US" altLang="zh-CN" dirty="0"/>
-            </a:br>
-            <a:r>
-              <a:rPr lang="en-US" altLang="zh-CN" dirty="0"/>
-              <a:t>https://github.com/taurusai/kungfu</a:t>
+              <a:t>的</a:t>
+            </a:r>
+            <a:r>
+              <a:rPr lang="en-US" altLang="zh-CN" dirty="0"/>
+              <a:t>TD</a:t>
+            </a:r>
+            <a:r>
+              <a:rPr lang="zh-CN" altLang="en-US" dirty="0"/>
+              <a:t>端点对消息队列的写入 </a:t>
+            </a:r>
+            <a:r>
+              <a:rPr lang="en-US" altLang="zh-CN" dirty="0"/>
+              <a:t>3/4</a:t>
             </a:r>
             <a:endParaRPr lang="zh-CN" altLang="en-US" dirty="0"/>
-          </a:p>
-          <a:p>
-            <a:endParaRPr lang="en-US" altLang="zh-CN" dirty="0"/>
-          </a:p>
-          <a:p>
-            <a:endParaRPr lang="en-US" altLang="zh-CN" dirty="0"/>
-          </a:p>
-          <a:p>
-            <a:endParaRPr lang="zh-CN" altLang="en-US" dirty="0"/>
-          </a:p>
-        </p:txBody>
-      </p:sp>
-    </p:spTree>
-    <p:extLst>
-      <p:ext uri="{BB962C8B-B14F-4D97-AF65-F5344CB8AC3E}">
-        <p14:creationId xmlns:p14="http://schemas.microsoft.com/office/powerpoint/2010/main" val="2563743880"/>
-      </p:ext>
-    </p:extLst>
-  </p:cSld>
-  <p:clrMapOvr>
-    <a:masterClrMapping/>
-  </p:clrMapOvr>
-</p:sld>
-</file>
-
-<file path=ppt/slides/slide20.xml><?xml version="1.0" encoding="utf-8"?>
-<p:sld xmlns:a="http://schemas.openxmlformats.org/drawingml/2006/main" xmlns:r="http://schemas.openxmlformats.org/officeDocument/2006/relationships" xmlns:p="http://schemas.openxmlformats.org/presentationml/2006/main">
-  <p:cSld>
-    <p:spTree>
-      <p:nvGrpSpPr>
-        <p:cNvPr id="1" name=""/>
-        <p:cNvGrpSpPr/>
-        <p:nvPr/>
-      </p:nvGrpSpPr>
-      <p:grpSpPr>
-        <a:xfrm>
-          <a:off x="0" y="0"/>
-          <a:ext cx="0" cy="0"/>
-          <a:chOff x="0" y="0"/>
-          <a:chExt cx="0" cy="0"/>
-        </a:xfrm>
-      </p:grpSpPr>
-      <p:sp>
-        <p:nvSpPr>
-          <p:cNvPr id="2" name="标题 1">
-            <a:extLst>
-              <a:ext uri="{FF2B5EF4-FFF2-40B4-BE49-F238E27FC236}">
-                <a16:creationId xmlns:a16="http://schemas.microsoft.com/office/drawing/2014/main" id="{6FC2B082-3E8D-4231-A05C-58179E8D8D06}"/>
-              </a:ext>
-            </a:extLst>
-          </p:cNvPr>
-          <p:cNvSpPr>
-            <a:spLocks noGrp="1"/>
-          </p:cNvSpPr>
-          <p:nvPr>
-            <p:ph type="title"/>
-          </p:nvPr>
-        </p:nvSpPr>
-        <p:spPr/>
-        <p:txBody>
-          <a:bodyPr/>
-          <a:lstStyle/>
-          <a:p>
-            <a:r>
-              <a:rPr lang="en-US" altLang="zh-CN" dirty="0"/>
-              <a:t>Kungfu</a:t>
-            </a:r>
-            <a:r>
-              <a:rPr lang="zh-CN" altLang="en-US" dirty="0"/>
-              <a:t>的</a:t>
-            </a:r>
-            <a:r>
-              <a:rPr lang="en-US" altLang="zh-CN" dirty="0"/>
-              <a:t>TD</a:t>
-            </a:r>
-            <a:r>
-              <a:rPr lang="zh-CN" altLang="en-US" dirty="0"/>
-              <a:t>端点对消息队列的使用 </a:t>
-            </a:r>
-            <a:r>
-              <a:rPr lang="en-US" altLang="zh-CN" dirty="0"/>
-              <a:t>3/4</a:t>
-            </a:r>
-            <a:r>
-              <a:rPr lang="zh-CN" altLang="en-US" dirty="0"/>
-              <a:t>（写）</a:t>
-            </a:r>
           </a:p>
         </p:txBody>
       </p:sp>
@@ -6349,7 +6715,7 @@
 </p:sld>
 </file>
 
-<file path=ppt/slides/slide21.xml><?xml version="1.0" encoding="utf-8"?>
+<file path=ppt/slides/slide23.xml><?xml version="1.0" encoding="utf-8"?>
 <p:sld xmlns:a="http://schemas.openxmlformats.org/drawingml/2006/main" xmlns:r="http://schemas.openxmlformats.org/officeDocument/2006/relationships" xmlns:p="http://schemas.openxmlformats.org/presentationml/2006/main">
   <p:cSld>
     <p:spTree>
@@ -6401,16 +6767,13 @@
             </a:r>
             <a:r>
               <a:rPr lang="zh-CN" altLang="en-US" dirty="0"/>
-              <a:t>端点对消息队列的使用 </a:t>
+              <a:t>端点对消息队列的写入 </a:t>
             </a:r>
             <a:r>
               <a:rPr lang="en-US" altLang="zh-CN" dirty="0"/>
               <a:t>3/4</a:t>
             </a:r>
-            <a:r>
-              <a:rPr lang="zh-CN" altLang="en-US" dirty="0"/>
-              <a:t>（写）</a:t>
-            </a:r>
+            <a:endParaRPr lang="zh-CN" altLang="en-US" dirty="0"/>
           </a:p>
         </p:txBody>
       </p:sp>
@@ -6529,407 +6892,6 @@
 </p:sld>
 </file>
 
-<file path=ppt/slides/slide22.xml><?xml version="1.0" encoding="utf-8"?>
-<p:sld xmlns:a="http://schemas.openxmlformats.org/drawingml/2006/main" xmlns:r="http://schemas.openxmlformats.org/officeDocument/2006/relationships" xmlns:p="http://schemas.openxmlformats.org/presentationml/2006/main">
-  <p:cSld>
-    <p:spTree>
-      <p:nvGrpSpPr>
-        <p:cNvPr id="1" name=""/>
-        <p:cNvGrpSpPr/>
-        <p:nvPr/>
-      </p:nvGrpSpPr>
-      <p:grpSpPr>
-        <a:xfrm>
-          <a:off x="0" y="0"/>
-          <a:ext cx="0" cy="0"/>
-          <a:chOff x="0" y="0"/>
-          <a:chExt cx="0" cy="0"/>
-        </a:xfrm>
-      </p:grpSpPr>
-      <p:sp>
-        <p:nvSpPr>
-          <p:cNvPr id="2" name="标题 1">
-            <a:extLst>
-              <a:ext uri="{FF2B5EF4-FFF2-40B4-BE49-F238E27FC236}">
-                <a16:creationId xmlns:a16="http://schemas.microsoft.com/office/drawing/2014/main" id="{65389330-C72E-408C-8BCE-81021CA8E770}"/>
-              </a:ext>
-            </a:extLst>
-          </p:cNvPr>
-          <p:cNvSpPr>
-            <a:spLocks noGrp="1"/>
-          </p:cNvSpPr>
-          <p:nvPr>
-            <p:ph type="title"/>
-          </p:nvPr>
-        </p:nvSpPr>
-        <p:spPr/>
-        <p:txBody>
-          <a:bodyPr/>
-          <a:lstStyle/>
-          <a:p>
-            <a:r>
-              <a:rPr lang="zh-CN" altLang="en-US" dirty="0"/>
-              <a:t>策略端点对消息队列的使用</a:t>
-            </a:r>
-          </a:p>
-        </p:txBody>
-      </p:sp>
-      <p:sp>
-        <p:nvSpPr>
-          <p:cNvPr id="3" name="内容占位符 2">
-            <a:extLst>
-              <a:ext uri="{FF2B5EF4-FFF2-40B4-BE49-F238E27FC236}">
-                <a16:creationId xmlns:a16="http://schemas.microsoft.com/office/drawing/2014/main" id="{C6F328EB-5115-4F46-90FC-F842A5A87255}"/>
-              </a:ext>
-            </a:extLst>
-          </p:cNvPr>
-          <p:cNvSpPr>
-            <a:spLocks noGrp="1"/>
-          </p:cNvSpPr>
-          <p:nvPr>
-            <p:ph idx="1"/>
-          </p:nvPr>
-        </p:nvSpPr>
-        <p:spPr/>
-        <p:txBody>
-          <a:bodyPr>
-            <a:normAutofit fontScale="92500" lnSpcReduction="10000"/>
-          </a:bodyPr>
-          <a:lstStyle/>
-          <a:p>
-            <a:r>
-              <a:rPr lang="en-US" altLang="zh-CN" dirty="0" err="1"/>
-              <a:t>wingchun</a:t>
-            </a:r>
-            <a:r>
-              <a:rPr lang="en-US" altLang="zh-CN" dirty="0"/>
-              <a:t>\strategy\IWCStrategy.cpp </a:t>
-            </a:r>
-          </a:p>
-          <a:p>
-            <a:pPr lvl="1"/>
-            <a:r>
-              <a:rPr lang="zh-CN" altLang="en-US" dirty="0"/>
-              <a:t>聚合了辅助类</a:t>
-            </a:r>
-            <a:r>
-              <a:rPr lang="en-US" altLang="zh-CN" dirty="0" err="1"/>
-              <a:t>WCStrategyUtil</a:t>
-            </a:r>
-            <a:r>
-              <a:rPr lang="zh-CN" altLang="en-US" dirty="0"/>
-              <a:t>和</a:t>
-            </a:r>
-            <a:r>
-              <a:rPr lang="en-US" altLang="zh-CN" dirty="0" err="1"/>
-              <a:t>WCDataWrapper</a:t>
-            </a:r>
-            <a:r>
-              <a:rPr lang="zh-CN" altLang="en-US" dirty="0"/>
-              <a:t>类提供了读写消息队列的能力</a:t>
-            </a:r>
-            <a:endParaRPr lang="en-US" altLang="zh-CN" dirty="0"/>
-          </a:p>
-          <a:p>
-            <a:pPr lvl="1"/>
-            <a:r>
-              <a:rPr lang="en-US" altLang="zh-CN" dirty="0" err="1"/>
-              <a:t>WCStrategyUtil</a:t>
-            </a:r>
-            <a:r>
-              <a:rPr lang="en-US" altLang="zh-CN" dirty="0"/>
-              <a:t> </a:t>
-            </a:r>
-            <a:r>
-              <a:rPr lang="zh-CN" altLang="en-US" dirty="0"/>
-              <a:t>提供了发单方法，如</a:t>
-            </a:r>
-            <a:r>
-              <a:rPr lang="en-US" altLang="zh-CN" dirty="0" err="1"/>
-              <a:t>insert_market_order</a:t>
-            </a:r>
-            <a:r>
-              <a:rPr lang="zh-CN" altLang="en-US" dirty="0"/>
-              <a:t>，</a:t>
-            </a:r>
-            <a:r>
-              <a:rPr lang="en-US" altLang="zh-CN" dirty="0" err="1"/>
-              <a:t>insert_limit_order</a:t>
-            </a:r>
-            <a:r>
-              <a:rPr lang="zh-CN" altLang="en-US" dirty="0"/>
-              <a:t>，</a:t>
-            </a:r>
-            <a:r>
-              <a:rPr lang="en-US" altLang="zh-CN" dirty="0" err="1"/>
-              <a:t>insert_fok_order</a:t>
-            </a:r>
-            <a:r>
-              <a:rPr lang="zh-CN" altLang="en-US" dirty="0"/>
-              <a:t>，</a:t>
-            </a:r>
-            <a:r>
-              <a:rPr lang="en-US" altLang="zh-CN" dirty="0" err="1"/>
-              <a:t>cancel_order</a:t>
-            </a:r>
-            <a:r>
-              <a:rPr lang="zh-CN" altLang="en-US" dirty="0"/>
-              <a:t>等</a:t>
-            </a:r>
-            <a:endParaRPr lang="en-US" altLang="zh-CN" dirty="0"/>
-          </a:p>
-          <a:p>
-            <a:pPr lvl="1"/>
-            <a:r>
-              <a:rPr lang="en-US" altLang="zh-CN" dirty="0" err="1"/>
-              <a:t>WCDataWrapper</a:t>
-            </a:r>
-            <a:r>
-              <a:rPr lang="zh-CN" altLang="en-US" dirty="0"/>
-              <a:t>的</a:t>
-            </a:r>
-            <a:r>
-              <a:rPr lang="en-US" altLang="zh-CN" dirty="0"/>
-              <a:t>run</a:t>
-            </a:r>
-            <a:r>
-              <a:rPr lang="zh-CN" altLang="en-US" dirty="0"/>
-              <a:t>方法提供了读取消息队列的能力，并根据消息类型传给</a:t>
-            </a:r>
-            <a:r>
-              <a:rPr lang="en-US" altLang="zh-CN" dirty="0" err="1"/>
-              <a:t>IWCStrategy</a:t>
-            </a:r>
-            <a:r>
-              <a:rPr lang="zh-CN" altLang="en-US" dirty="0"/>
-              <a:t>相应的处理方法</a:t>
-            </a:r>
-            <a:br>
-              <a:rPr lang="en-US" altLang="zh-CN" dirty="0"/>
-            </a:br>
-            <a:endParaRPr lang="en-US" altLang="zh-CN" dirty="0"/>
-          </a:p>
-          <a:p>
-            <a:r>
-              <a:rPr lang="en-US" altLang="zh-CN" dirty="0"/>
-              <a:t>C++</a:t>
-            </a:r>
-            <a:r>
-              <a:rPr lang="zh-CN" altLang="en-US" dirty="0"/>
-              <a:t>策略</a:t>
-            </a:r>
-            <a:endParaRPr lang="en-US" altLang="zh-CN" dirty="0"/>
-          </a:p>
-          <a:p>
-            <a:pPr marL="0" indent="0">
-              <a:buNone/>
-            </a:pPr>
-            <a:r>
-              <a:rPr lang="en-US" altLang="zh-CN" dirty="0"/>
-              <a:t>	</a:t>
-            </a:r>
-            <a:r>
-              <a:rPr lang="zh-CN" altLang="en-US" dirty="0"/>
-              <a:t>通过继承</a:t>
-            </a:r>
-            <a:r>
-              <a:rPr lang="en-US" altLang="zh-CN" dirty="0" err="1"/>
-              <a:t>IWCStrategy</a:t>
-            </a:r>
-            <a:r>
-              <a:rPr lang="zh-CN" altLang="en-US" dirty="0"/>
-              <a:t>直接获得了父类的方法</a:t>
-            </a:r>
-            <a:endParaRPr lang="en-US" altLang="zh-CN" dirty="0"/>
-          </a:p>
-          <a:p>
-            <a:r>
-              <a:rPr lang="en-US" altLang="zh-CN" dirty="0"/>
-              <a:t>Python</a:t>
-            </a:r>
-            <a:r>
-              <a:rPr lang="zh-CN" altLang="en-US" dirty="0"/>
-              <a:t>策略通过接口转换获得了同等</a:t>
-            </a:r>
-            <a:r>
-              <a:rPr lang="en-US" altLang="zh-CN" dirty="0" err="1"/>
-              <a:t>c++</a:t>
-            </a:r>
-            <a:r>
-              <a:rPr lang="zh-CN" altLang="en-US" dirty="0"/>
-              <a:t>策略的能力：</a:t>
-            </a:r>
-            <a:endParaRPr lang="en-US" altLang="zh-CN" dirty="0"/>
-          </a:p>
-          <a:p>
-            <a:pPr lvl="1"/>
-            <a:r>
-              <a:rPr lang="en-US" altLang="zh-CN" dirty="0"/>
-              <a:t>\python\kungfu\wingchun\wc_configs.py</a:t>
-            </a:r>
-            <a:br>
-              <a:rPr lang="en-US" altLang="zh-CN" dirty="0"/>
-            </a:br>
-            <a:r>
-              <a:rPr lang="en-US" altLang="zh-CN" dirty="0"/>
-              <a:t>\</a:t>
-            </a:r>
-            <a:r>
-              <a:rPr lang="en-US" altLang="zh-CN" dirty="0" err="1"/>
-              <a:t>wingchun</a:t>
-            </a:r>
-            <a:r>
-              <a:rPr lang="en-US" altLang="zh-CN" dirty="0"/>
-              <a:t>\strategy\</a:t>
-            </a:r>
-            <a:r>
-              <a:rPr lang="en-US" altLang="zh-CN" dirty="0" err="1"/>
-              <a:t>PyWCStrategy.h</a:t>
-            </a:r>
-            <a:endParaRPr lang="en-US" altLang="zh-CN" dirty="0"/>
-          </a:p>
-          <a:p>
-            <a:endParaRPr lang="zh-CN" altLang="en-US" dirty="0"/>
-          </a:p>
-        </p:txBody>
-      </p:sp>
-    </p:spTree>
-    <p:extLst>
-      <p:ext uri="{BB962C8B-B14F-4D97-AF65-F5344CB8AC3E}">
-        <p14:creationId xmlns:p14="http://schemas.microsoft.com/office/powerpoint/2010/main" val="3064592007"/>
-      </p:ext>
-    </p:extLst>
-  </p:cSld>
-  <p:clrMapOvr>
-    <a:masterClrMapping/>
-  </p:clrMapOvr>
-</p:sld>
-</file>
-
-<file path=ppt/slides/slide23.xml><?xml version="1.0" encoding="utf-8"?>
-<p:sld xmlns:a="http://schemas.openxmlformats.org/drawingml/2006/main" xmlns:r="http://schemas.openxmlformats.org/officeDocument/2006/relationships" xmlns:p="http://schemas.openxmlformats.org/presentationml/2006/main">
-  <p:cSld>
-    <p:spTree>
-      <p:nvGrpSpPr>
-        <p:cNvPr id="1" name=""/>
-        <p:cNvGrpSpPr/>
-        <p:nvPr/>
-      </p:nvGrpSpPr>
-      <p:grpSpPr>
-        <a:xfrm>
-          <a:off x="0" y="0"/>
-          <a:ext cx="0" cy="0"/>
-          <a:chOff x="0" y="0"/>
-          <a:chExt cx="0" cy="0"/>
-        </a:xfrm>
-      </p:grpSpPr>
-      <p:sp>
-        <p:nvSpPr>
-          <p:cNvPr id="2" name="标题 1">
-            <a:extLst>
-              <a:ext uri="{FF2B5EF4-FFF2-40B4-BE49-F238E27FC236}">
-                <a16:creationId xmlns:a16="http://schemas.microsoft.com/office/drawing/2014/main" id="{6DBBB749-AD13-4857-A7BA-87828DC0C0D6}"/>
-              </a:ext>
-            </a:extLst>
-          </p:cNvPr>
-          <p:cNvSpPr>
-            <a:spLocks noGrp="1"/>
-          </p:cNvSpPr>
-          <p:nvPr>
-            <p:ph type="title"/>
-          </p:nvPr>
-        </p:nvSpPr>
-        <p:spPr/>
-        <p:txBody>
-          <a:bodyPr/>
-          <a:lstStyle/>
-          <a:p>
-            <a:r>
-              <a:rPr lang="en-US" altLang="zh-CN" dirty="0" err="1"/>
-              <a:t>WCStrategyUtil</a:t>
-            </a:r>
-            <a:r>
-              <a:rPr lang="en-US" altLang="zh-CN" dirty="0"/>
-              <a:t> </a:t>
-            </a:r>
-            <a:r>
-              <a:rPr lang="zh-CN" altLang="en-US" dirty="0"/>
-              <a:t>提供了发单方法</a:t>
-            </a:r>
-          </a:p>
-        </p:txBody>
-      </p:sp>
-      <p:sp>
-        <p:nvSpPr>
-          <p:cNvPr id="3" name="内容占位符 2">
-            <a:extLst>
-              <a:ext uri="{FF2B5EF4-FFF2-40B4-BE49-F238E27FC236}">
-                <a16:creationId xmlns:a16="http://schemas.microsoft.com/office/drawing/2014/main" id="{ABF621B3-F547-4DDC-A0EC-5E1C5BB59B79}"/>
-              </a:ext>
-            </a:extLst>
-          </p:cNvPr>
-          <p:cNvSpPr>
-            <a:spLocks noGrp="1"/>
-          </p:cNvSpPr>
-          <p:nvPr>
-            <p:ph idx="1"/>
-          </p:nvPr>
-        </p:nvSpPr>
-        <p:spPr/>
-        <p:txBody>
-          <a:bodyPr/>
-          <a:lstStyle/>
-          <a:p>
-            <a:r>
-              <a:rPr lang="zh-CN" altLang="en-US" dirty="0"/>
-              <a:t>方法示例</a:t>
-            </a:r>
-          </a:p>
-        </p:txBody>
-      </p:sp>
-      <p:pic>
-        <p:nvPicPr>
-          <p:cNvPr id="4" name="图片 3">
-            <a:extLst>
-              <a:ext uri="{FF2B5EF4-FFF2-40B4-BE49-F238E27FC236}">
-                <a16:creationId xmlns:a16="http://schemas.microsoft.com/office/drawing/2014/main" id="{5D330B99-BEC2-4839-B0BA-515292F8385D}"/>
-              </a:ext>
-            </a:extLst>
-          </p:cNvPr>
-          <p:cNvPicPr>
-            <a:picLocks noChangeAspect="1"/>
-          </p:cNvPicPr>
-          <p:nvPr/>
-        </p:nvPicPr>
-        <p:blipFill>
-          <a:blip r:embed="rId2"/>
-          <a:stretch>
-            <a:fillRect/>
-          </a:stretch>
-        </p:blipFill>
-        <p:spPr>
-          <a:xfrm>
-            <a:off x="1103243" y="2433426"/>
-            <a:ext cx="7711937" cy="3878474"/>
-          </a:xfrm>
-          <a:prstGeom prst="rect">
-            <a:avLst/>
-          </a:prstGeom>
-        </p:spPr>
-      </p:pic>
-    </p:spTree>
-    <p:extLst>
-      <p:ext uri="{BB962C8B-B14F-4D97-AF65-F5344CB8AC3E}">
-        <p14:creationId xmlns:p14="http://schemas.microsoft.com/office/powerpoint/2010/main" val="2021344930"/>
-      </p:ext>
-    </p:extLst>
-  </p:cSld>
-  <p:clrMapOvr>
-    <a:masterClrMapping/>
-  </p:clrMapOvr>
-</p:sld>
-</file>
-
 <file path=ppt/slides/slide24.xml><?xml version="1.0" encoding="utf-8"?>
 <p:sld xmlns:a="http://schemas.openxmlformats.org/drawingml/2006/main" xmlns:r="http://schemas.openxmlformats.org/officeDocument/2006/relationships" xmlns:p="http://schemas.openxmlformats.org/presentationml/2006/main">
   <p:cSld>
@@ -6952,7 +6914,7 @@
           <p:cNvPr id="2" name="标题 1">
             <a:extLst>
               <a:ext uri="{FF2B5EF4-FFF2-40B4-BE49-F238E27FC236}">
-                <a16:creationId xmlns:a16="http://schemas.microsoft.com/office/drawing/2014/main" id="{0070442D-31EF-47F6-A3EA-8AECF88FBC14}"/>
+                <a16:creationId xmlns:a16="http://schemas.microsoft.com/office/drawing/2014/main" id="{65389330-C72E-408C-8BCE-81021CA8E770}"/>
               </a:ext>
             </a:extLst>
           </p:cNvPr>
@@ -6965,17 +6927,133 @@
         </p:nvSpPr>
         <p:spPr/>
         <p:txBody>
+          <a:bodyPr/>
+          <a:lstStyle/>
+          <a:p>
+            <a:r>
+              <a:rPr lang="zh-CN" altLang="en-US" dirty="0"/>
+              <a:t>策略端点的功能实现   </a:t>
+            </a:r>
+            <a:r>
+              <a:rPr lang="en-US" altLang="zh-CN" dirty="0"/>
+              <a:t>1/4</a:t>
+            </a:r>
+            <a:endParaRPr lang="zh-CN" altLang="en-US" dirty="0"/>
+          </a:p>
+        </p:txBody>
+      </p:sp>
+      <p:sp>
+        <p:nvSpPr>
+          <p:cNvPr id="3" name="内容占位符 2">
+            <a:extLst>
+              <a:ext uri="{FF2B5EF4-FFF2-40B4-BE49-F238E27FC236}">
+                <a16:creationId xmlns:a16="http://schemas.microsoft.com/office/drawing/2014/main" id="{C6F328EB-5115-4F46-90FC-F842A5A87255}"/>
+              </a:ext>
+            </a:extLst>
+          </p:cNvPr>
+          <p:cNvSpPr>
+            <a:spLocks noGrp="1"/>
+          </p:cNvSpPr>
+          <p:nvPr>
+            <p:ph idx="1"/>
+          </p:nvPr>
+        </p:nvSpPr>
+        <p:spPr/>
+        <p:txBody>
           <a:bodyPr>
-            <a:normAutofit fontScale="90000"/>
+            <a:normAutofit fontScale="92500" lnSpcReduction="10000"/>
           </a:bodyPr>
           <a:lstStyle/>
           <a:p>
             <a:r>
               <a:rPr lang="en-US" altLang="zh-CN" dirty="0" err="1"/>
+              <a:t>wingchun</a:t>
+            </a:r>
+            <a:r>
+              <a:rPr lang="en-US" altLang="zh-CN" dirty="0"/>
+              <a:t>\strategy\IWCStrategy.cpp </a:t>
+            </a:r>
+          </a:p>
+          <a:p>
+            <a:pPr lvl="1"/>
+            <a:r>
+              <a:rPr lang="zh-CN" altLang="en-US" dirty="0"/>
+              <a:t>聚合了辅助类</a:t>
+            </a:r>
+            <a:r>
+              <a:rPr lang="en-US" altLang="zh-CN" dirty="0" err="1"/>
+              <a:t>WCStrategyUtil</a:t>
+            </a:r>
+            <a:r>
+              <a:rPr lang="zh-CN" altLang="en-US" dirty="0"/>
+              <a:t>和</a:t>
+            </a:r>
+            <a:r>
+              <a:rPr lang="en-US" altLang="zh-CN" dirty="0" err="1"/>
               <a:t>WCDataWrapper</a:t>
             </a:r>
             <a:r>
               <a:rPr lang="zh-CN" altLang="en-US" dirty="0"/>
+              <a:t>类提供了读写消息队列的能力</a:t>
+            </a:r>
+            <a:endParaRPr lang="en-US" altLang="zh-CN" dirty="0"/>
+          </a:p>
+          <a:p>
+            <a:pPr lvl="1"/>
+            <a:r>
+              <a:rPr lang="en-US" altLang="zh-CN" dirty="0" err="1"/>
+              <a:t>WCStrategyUtil</a:t>
+            </a:r>
+            <a:r>
+              <a:rPr lang="en-US" altLang="zh-CN" dirty="0"/>
+              <a:t> </a:t>
+            </a:r>
+            <a:r>
+              <a:rPr lang="zh-CN" altLang="en-US" dirty="0"/>
+              <a:t>提供了发单方法，如</a:t>
+            </a:r>
+            <a:r>
+              <a:rPr lang="en-US" altLang="zh-CN" dirty="0" err="1"/>
+              <a:t>insert_market_order</a:t>
+            </a:r>
+            <a:r>
+              <a:rPr lang="zh-CN" altLang="en-US" dirty="0"/>
+              <a:t>，</a:t>
+            </a:r>
+            <a:r>
+              <a:rPr lang="en-US" altLang="zh-CN" dirty="0" err="1"/>
+              <a:t>insert_limit_order</a:t>
+            </a:r>
+            <a:r>
+              <a:rPr lang="zh-CN" altLang="en-US" dirty="0"/>
+              <a:t>，</a:t>
+            </a:r>
+            <a:r>
+              <a:rPr lang="en-US" altLang="zh-CN" dirty="0" err="1"/>
+              <a:t>insert_fok_order</a:t>
+            </a:r>
+            <a:r>
+              <a:rPr lang="zh-CN" altLang="en-US" dirty="0"/>
+              <a:t>，</a:t>
+            </a:r>
+            <a:r>
+              <a:rPr lang="en-US" altLang="zh-CN" dirty="0" err="1"/>
+              <a:t>cancel_order</a:t>
+            </a:r>
+            <a:r>
+              <a:rPr lang="zh-CN" altLang="en-US" dirty="0"/>
+              <a:t>等</a:t>
+            </a:r>
+            <a:endParaRPr lang="en-US" altLang="zh-CN" dirty="0"/>
+          </a:p>
+          <a:p>
+            <a:pPr lvl="1"/>
+            <a:r>
+              <a:rPr lang="en-US" altLang="zh-CN" dirty="0" err="1"/>
+              <a:t>WCDataWrapper</a:t>
+            </a:r>
+            <a:r>
+              <a:rPr lang="zh-CN" altLang="en-US" dirty="0"/>
               <a:t>的</a:t>
             </a:r>
             <a:r>
@@ -6984,15 +7062,7 @@
             </a:r>
             <a:r>
               <a:rPr lang="zh-CN" altLang="en-US" dirty="0"/>
-              <a:t>方法提供了读取消息队列的能力</a:t>
-            </a:r>
-            <a:r>
-              <a:rPr lang="en-US" altLang="zh-CN" dirty="0"/>
-              <a:t>,</a:t>
-            </a:r>
-            <a:r>
-              <a:rPr lang="zh-CN" altLang="en-US" dirty="0"/>
-              <a:t>并根据消息类型传给</a:t>
+              <a:t>方法提供了读取消息队列的能力，并根据消息类型传给</a:t>
             </a:r>
             <a:r>
               <a:rPr lang="en-US" altLang="zh-CN" dirty="0" err="1"/>
@@ -7000,78 +7070,117 @@
             </a:r>
             <a:r>
               <a:rPr lang="zh-CN" altLang="en-US" dirty="0"/>
-              <a:t>相应的处理方法  </a:t>
-            </a:r>
-            <a:r>
-              <a:rPr lang="en-US" altLang="zh-CN" dirty="0"/>
-              <a:t>1/2</a:t>
-            </a:r>
+              <a:t>相应的处理方法，比如读取</a:t>
+            </a:r>
+            <a:r>
+              <a:rPr lang="en-US" altLang="zh-CN" dirty="0"/>
+              <a:t>MD</a:t>
+            </a:r>
+            <a:r>
+              <a:rPr lang="zh-CN" altLang="en-US" dirty="0"/>
+              <a:t>的信息，读取</a:t>
+            </a:r>
+            <a:r>
+              <a:rPr lang="en-US" altLang="zh-CN" dirty="0"/>
+              <a:t>TD</a:t>
+            </a:r>
+            <a:r>
+              <a:rPr lang="zh-CN" altLang="en-US" dirty="0"/>
+              <a:t>的发撤单信息。</a:t>
+            </a:r>
+            <a:br>
+              <a:rPr lang="en-US" altLang="zh-CN" dirty="0"/>
+            </a:br>
+            <a:endParaRPr lang="en-US" altLang="zh-CN" dirty="0"/>
+          </a:p>
+          <a:p>
+            <a:r>
+              <a:rPr lang="en-US" altLang="zh-CN" dirty="0"/>
+              <a:t>C++</a:t>
+            </a:r>
+            <a:r>
+              <a:rPr lang="zh-CN" altLang="en-US" dirty="0"/>
+              <a:t>策略</a:t>
+            </a:r>
+            <a:endParaRPr lang="en-US" altLang="zh-CN" dirty="0"/>
+          </a:p>
+          <a:p>
+            <a:pPr marL="0" indent="0">
+              <a:buNone/>
+            </a:pPr>
+            <a:r>
+              <a:rPr lang="en-US" altLang="zh-CN" dirty="0"/>
+              <a:t>	</a:t>
+            </a:r>
+            <a:r>
+              <a:rPr lang="zh-CN" altLang="en-US" dirty="0"/>
+              <a:t>通过继承</a:t>
+            </a:r>
+            <a:r>
+              <a:rPr lang="en-US" altLang="zh-CN" dirty="0" err="1"/>
+              <a:t>IWCStrategy</a:t>
+            </a:r>
+            <a:r>
+              <a:rPr lang="zh-CN" altLang="en-US" dirty="0"/>
+              <a:t>直接获得了父类的方法</a:t>
+            </a:r>
+            <a:endParaRPr lang="en-US" altLang="zh-CN" dirty="0"/>
+          </a:p>
+          <a:p>
+            <a:r>
+              <a:rPr lang="en-US" altLang="zh-CN" dirty="0"/>
+              <a:t>Python</a:t>
+            </a:r>
+            <a:r>
+              <a:rPr lang="zh-CN" altLang="en-US" dirty="0"/>
+              <a:t>策略通过接口转换获得了同等</a:t>
+            </a:r>
+            <a:r>
+              <a:rPr lang="en-US" altLang="zh-CN" dirty="0" err="1"/>
+              <a:t>c++</a:t>
+            </a:r>
+            <a:r>
+              <a:rPr lang="zh-CN" altLang="en-US" dirty="0"/>
+              <a:t>策略的能力：</a:t>
+            </a:r>
+            <a:endParaRPr lang="en-US" altLang="zh-CN" dirty="0"/>
+          </a:p>
+          <a:p>
+            <a:pPr lvl="1"/>
+            <a:r>
+              <a:rPr lang="en-US" altLang="zh-CN" dirty="0"/>
+              <a:t>\python\kungfu\wingchun\wc_configs.py</a:t>
+            </a:r>
+            <a:br>
+              <a:rPr lang="en-US" altLang="zh-CN" dirty="0"/>
+            </a:br>
+            <a:r>
+              <a:rPr lang="en-US" altLang="zh-CN" dirty="0"/>
+              <a:t>\</a:t>
+            </a:r>
+            <a:r>
+              <a:rPr lang="en-US" altLang="zh-CN" dirty="0" err="1"/>
+              <a:t>wingchun</a:t>
+            </a:r>
+            <a:r>
+              <a:rPr lang="en-US" altLang="zh-CN" dirty="0"/>
+              <a:t>\strategy\</a:t>
+            </a:r>
+            <a:r>
+              <a:rPr lang="en-US" altLang="zh-CN" dirty="0" err="1"/>
+              <a:t>PyWCStrategy.h</a:t>
+            </a:r>
+            <a:endParaRPr lang="en-US" altLang="zh-CN" dirty="0"/>
+          </a:p>
+          <a:p>
             <a:endParaRPr lang="zh-CN" altLang="en-US" dirty="0"/>
           </a:p>
         </p:txBody>
       </p:sp>
-      <p:sp>
-        <p:nvSpPr>
-          <p:cNvPr id="3" name="内容占位符 2">
-            <a:extLst>
-              <a:ext uri="{FF2B5EF4-FFF2-40B4-BE49-F238E27FC236}">
-                <a16:creationId xmlns:a16="http://schemas.microsoft.com/office/drawing/2014/main" id="{212F71BB-B22E-499B-BF50-47DF88166F60}"/>
-              </a:ext>
-            </a:extLst>
-          </p:cNvPr>
-          <p:cNvSpPr>
-            <a:spLocks noGrp="1"/>
-          </p:cNvSpPr>
-          <p:nvPr>
-            <p:ph idx="1"/>
-          </p:nvPr>
-        </p:nvSpPr>
-        <p:spPr/>
-        <p:txBody>
-          <a:bodyPr/>
-          <a:lstStyle/>
-          <a:p>
-            <a:r>
-              <a:rPr lang="zh-CN" altLang="en-US" dirty="0"/>
-              <a:t>撤单出错和订单状态改变已经订单成交：</a:t>
-            </a:r>
-          </a:p>
-        </p:txBody>
-      </p:sp>
-      <p:pic>
-        <p:nvPicPr>
-          <p:cNvPr id="4" name="图片 3">
-            <a:extLst>
-              <a:ext uri="{FF2B5EF4-FFF2-40B4-BE49-F238E27FC236}">
-                <a16:creationId xmlns:a16="http://schemas.microsoft.com/office/drawing/2014/main" id="{88D6B27A-400D-4B38-B66C-C48E1BD84985}"/>
-              </a:ext>
-            </a:extLst>
-          </p:cNvPr>
-          <p:cNvPicPr>
-            <a:picLocks noChangeAspect="1"/>
-          </p:cNvPicPr>
-          <p:nvPr/>
-        </p:nvPicPr>
-        <p:blipFill>
-          <a:blip r:embed="rId2"/>
-          <a:stretch>
-            <a:fillRect/>
-          </a:stretch>
-        </p:blipFill>
-        <p:spPr>
-          <a:xfrm>
-            <a:off x="1053549" y="2365157"/>
-            <a:ext cx="6712846" cy="4247677"/>
-          </a:xfrm>
-          <a:prstGeom prst="rect">
-            <a:avLst/>
-          </a:prstGeom>
-        </p:spPr>
-      </p:pic>
     </p:spTree>
     <p:extLst>
       <p:ext uri="{BB962C8B-B14F-4D97-AF65-F5344CB8AC3E}">
-        <p14:creationId xmlns:p14="http://schemas.microsoft.com/office/powerpoint/2010/main" val="223306557"/>
+        <p14:creationId xmlns:p14="http://schemas.microsoft.com/office/powerpoint/2010/main" val="3064592007"/>
       </p:ext>
     </p:extLst>
   </p:cSld>
@@ -7103,7 +7212,7 @@
           <p:cNvPr id="2" name="标题 1">
             <a:extLst>
               <a:ext uri="{FF2B5EF4-FFF2-40B4-BE49-F238E27FC236}">
-                <a16:creationId xmlns:a16="http://schemas.microsoft.com/office/drawing/2014/main" id="{5AF10601-63AC-461B-A89F-80C8ED3C6BC3}"/>
+                <a16:creationId xmlns:a16="http://schemas.microsoft.com/office/drawing/2014/main" id="{6DBBB749-AD13-4857-A7BA-87828DC0C0D6}"/>
               </a:ext>
             </a:extLst>
           </p:cNvPr>
@@ -7116,46 +7225,16 @@
         </p:nvSpPr>
         <p:spPr/>
         <p:txBody>
-          <a:bodyPr>
-            <a:normAutofit fontScale="90000"/>
-          </a:bodyPr>
-          <a:lstStyle/>
-          <a:p>
-            <a:r>
-              <a:rPr lang="en-US" altLang="zh-CN" dirty="0" err="1"/>
-              <a:t>WCDataWrapper</a:t>
-            </a:r>
-            <a:r>
-              <a:rPr lang="zh-CN" altLang="en-US" dirty="0"/>
-              <a:t>的</a:t>
-            </a:r>
-            <a:r>
-              <a:rPr lang="en-US" altLang="zh-CN" dirty="0"/>
-              <a:t>run</a:t>
-            </a:r>
-            <a:r>
-              <a:rPr lang="zh-CN" altLang="en-US" dirty="0"/>
-              <a:t>方法提供了读取消息队列的能力</a:t>
-            </a:r>
-            <a:r>
-              <a:rPr lang="en-US" altLang="zh-CN" dirty="0"/>
-              <a:t>,</a:t>
-            </a:r>
-            <a:r>
-              <a:rPr lang="zh-CN" altLang="en-US" dirty="0"/>
-              <a:t>并根据消息类型传给</a:t>
-            </a:r>
-            <a:r>
-              <a:rPr lang="en-US" altLang="zh-CN" dirty="0" err="1"/>
-              <a:t>IWCStrategy</a:t>
-            </a:r>
-            <a:r>
-              <a:rPr lang="zh-CN" altLang="en-US" dirty="0"/>
-              <a:t>相应的处理方法  </a:t>
-            </a:r>
-            <a:r>
-              <a:rPr lang="en-US" altLang="zh-CN" dirty="0"/>
-              <a:t>2/2</a:t>
+          <a:bodyPr/>
+          <a:lstStyle/>
+          <a:p>
+            <a:r>
+              <a:rPr lang="zh-CN" altLang="en-US" dirty="0"/>
+              <a:t>策略端点的功能实现</a:t>
+            </a:r>
+            <a:r>
+              <a:rPr lang="en-US" altLang="zh-CN" dirty="0"/>
+              <a:t>	2/4</a:t>
             </a:r>
             <a:endParaRPr lang="zh-CN" altLang="en-US" dirty="0"/>
           </a:p>
@@ -7166,7 +7245,7 @@
           <p:cNvPr id="3" name="内容占位符 2">
             <a:extLst>
               <a:ext uri="{FF2B5EF4-FFF2-40B4-BE49-F238E27FC236}">
-                <a16:creationId xmlns:a16="http://schemas.microsoft.com/office/drawing/2014/main" id="{A3385CCC-220F-4440-9709-0EFC5A66D164}"/>
+                <a16:creationId xmlns:a16="http://schemas.microsoft.com/office/drawing/2014/main" id="{ABF621B3-F547-4DDC-A0EC-5E1C5BB59B79}"/>
               </a:ext>
             </a:extLst>
           </p:cNvPr>
@@ -7183,26 +7262,33 @@
           <a:lstStyle/>
           <a:p>
             <a:r>
-              <a:rPr lang="zh-CN" altLang="en-US" dirty="0"/>
-              <a:t>换日消息以及</a:t>
-            </a:r>
-            <a:r>
-              <a:rPr lang="en-US" altLang="zh-CN" dirty="0"/>
-              <a:t>MD</a:t>
-            </a:r>
-            <a:r>
-              <a:rPr lang="zh-CN" altLang="en-US" dirty="0"/>
-              <a:t>发给策略的消息</a:t>
+              <a:rPr lang="en-US" altLang="zh-CN" dirty="0" err="1"/>
+              <a:t>WCStrategyUtil</a:t>
+            </a:r>
+            <a:r>
+              <a:rPr lang="en-US" altLang="zh-CN" dirty="0"/>
+              <a:t> </a:t>
+            </a:r>
+            <a:r>
+              <a:rPr lang="zh-CN" altLang="en-US" dirty="0"/>
+              <a:t>提供了发单方法</a:t>
+            </a:r>
+            <a:endParaRPr lang="en-US" altLang="zh-CN" dirty="0"/>
+          </a:p>
+          <a:p>
+            <a:r>
+              <a:rPr lang="zh-CN" altLang="en-US" dirty="0"/>
+              <a:t>方法示例</a:t>
             </a:r>
           </a:p>
         </p:txBody>
       </p:sp>
       <p:pic>
         <p:nvPicPr>
-          <p:cNvPr id="5" name="图片 4">
-            <a:extLst>
-              <a:ext uri="{FF2B5EF4-FFF2-40B4-BE49-F238E27FC236}">
-                <a16:creationId xmlns:a16="http://schemas.microsoft.com/office/drawing/2014/main" id="{A0C0C71C-6CD7-4632-AE78-B289E15584F0}"/>
+          <p:cNvPr id="4" name="图片 3">
+            <a:extLst>
+              <a:ext uri="{FF2B5EF4-FFF2-40B4-BE49-F238E27FC236}">
+                <a16:creationId xmlns:a16="http://schemas.microsoft.com/office/drawing/2014/main" id="{5D330B99-BEC2-4839-B0BA-515292F8385D}"/>
               </a:ext>
             </a:extLst>
           </p:cNvPr>
@@ -7219,38 +7305,8 @@
         </p:blipFill>
         <p:spPr>
           <a:xfrm>
-            <a:off x="838200" y="2313471"/>
-            <a:ext cx="3556462" cy="4031411"/>
-          </a:xfrm>
-          <a:prstGeom prst="rect">
-            <a:avLst/>
-          </a:prstGeom>
-        </p:spPr>
-      </p:pic>
-      <p:pic>
-        <p:nvPicPr>
-          <p:cNvPr id="6" name="图片 5">
-            <a:extLst>
-              <a:ext uri="{FF2B5EF4-FFF2-40B4-BE49-F238E27FC236}">
-                <a16:creationId xmlns:a16="http://schemas.microsoft.com/office/drawing/2014/main" id="{97D75AAE-A3A3-4E07-B700-AE4020975249}"/>
-              </a:ext>
-            </a:extLst>
-          </p:cNvPr>
-          <p:cNvPicPr>
-            <a:picLocks noChangeAspect="1"/>
-          </p:cNvPicPr>
-          <p:nvPr/>
-        </p:nvPicPr>
-        <p:blipFill>
-          <a:blip r:embed="rId3"/>
-          <a:stretch>
-            <a:fillRect/>
-          </a:stretch>
-        </p:blipFill>
-        <p:spPr>
-          <a:xfrm>
-            <a:off x="4634237" y="2332452"/>
-            <a:ext cx="5426439" cy="3998429"/>
+            <a:off x="3887080" y="2508872"/>
+            <a:ext cx="7293613" cy="3668091"/>
           </a:xfrm>
           <a:prstGeom prst="rect">
             <a:avLst/>
@@ -7260,7 +7316,7 @@
     </p:spTree>
     <p:extLst>
       <p:ext uri="{BB962C8B-B14F-4D97-AF65-F5344CB8AC3E}">
-        <p14:creationId xmlns:p14="http://schemas.microsoft.com/office/powerpoint/2010/main" val="2492806087"/>
+        <p14:creationId xmlns:p14="http://schemas.microsoft.com/office/powerpoint/2010/main" val="2021344930"/>
       </p:ext>
     </p:extLst>
   </p:cSld>
@@ -7292,7 +7348,7 @@
           <p:cNvPr id="2" name="标题 1">
             <a:extLst>
               <a:ext uri="{FF2B5EF4-FFF2-40B4-BE49-F238E27FC236}">
-                <a16:creationId xmlns:a16="http://schemas.microsoft.com/office/drawing/2014/main" id="{D26D0A76-FA4A-4804-A761-0D0D61A5B769}"/>
+                <a16:creationId xmlns:a16="http://schemas.microsoft.com/office/drawing/2014/main" id="{0070442D-31EF-47F6-A3EA-8AECF88FBC14}"/>
               </a:ext>
             </a:extLst>
           </p:cNvPr>
@@ -7305,107 +7361,103 @@
         </p:nvSpPr>
         <p:spPr/>
         <p:txBody>
+          <a:bodyPr>
+            <a:normAutofit/>
+          </a:bodyPr>
+          <a:lstStyle/>
+          <a:p>
+            <a:r>
+              <a:rPr lang="zh-CN" altLang="en-US" dirty="0"/>
+              <a:t>策略端点的功能实现 </a:t>
+            </a:r>
+            <a:r>
+              <a:rPr lang="en-US" altLang="zh-CN" dirty="0"/>
+              <a:t>	3/4</a:t>
+            </a:r>
+            <a:endParaRPr lang="zh-CN" altLang="en-US" dirty="0"/>
+          </a:p>
+        </p:txBody>
+      </p:sp>
+      <p:sp>
+        <p:nvSpPr>
+          <p:cNvPr id="3" name="内容占位符 2">
+            <a:extLst>
+              <a:ext uri="{FF2B5EF4-FFF2-40B4-BE49-F238E27FC236}">
+                <a16:creationId xmlns:a16="http://schemas.microsoft.com/office/drawing/2014/main" id="{212F71BB-B22E-499B-BF50-47DF88166F60}"/>
+              </a:ext>
+            </a:extLst>
+          </p:cNvPr>
+          <p:cNvSpPr>
+            <a:spLocks noGrp="1"/>
+          </p:cNvSpPr>
+          <p:nvPr>
+            <p:ph idx="1"/>
+          </p:nvPr>
+        </p:nvSpPr>
+        <p:spPr/>
+        <p:txBody>
           <a:bodyPr/>
           <a:lstStyle/>
           <a:p>
             <a:r>
-              <a:rPr lang="en-US" altLang="zh-CN" dirty="0"/>
-              <a:t>Python</a:t>
-            </a:r>
-            <a:r>
-              <a:rPr lang="zh-CN" altLang="en-US" dirty="0"/>
-              <a:t>策略通过接口转换获得了同等</a:t>
-            </a:r>
-            <a:r>
-              <a:rPr lang="en-US" altLang="zh-CN" dirty="0"/>
-              <a:t>C++</a:t>
-            </a:r>
-            <a:r>
-              <a:rPr lang="zh-CN" altLang="en-US" dirty="0"/>
-              <a:t>策略的能力</a:t>
-            </a:r>
-          </a:p>
-        </p:txBody>
-      </p:sp>
-      <p:sp>
-        <p:nvSpPr>
-          <p:cNvPr id="3" name="内容占位符 2">
-            <a:extLst>
-              <a:ext uri="{FF2B5EF4-FFF2-40B4-BE49-F238E27FC236}">
-                <a16:creationId xmlns:a16="http://schemas.microsoft.com/office/drawing/2014/main" id="{340C36C2-F663-45BD-8D6F-25F5A3FC1F43}"/>
-              </a:ext>
-            </a:extLst>
-          </p:cNvPr>
-          <p:cNvSpPr>
-            <a:spLocks noGrp="1"/>
-          </p:cNvSpPr>
-          <p:nvPr>
-            <p:ph idx="1"/>
-          </p:nvPr>
-        </p:nvSpPr>
-        <p:spPr>
-          <a:xfrm>
-            <a:off x="838200" y="1690688"/>
-            <a:ext cx="10515600" cy="4815302"/>
-          </a:xfrm>
-        </p:spPr>
-        <p:txBody>
-          <a:bodyPr/>
-          <a:lstStyle/>
-          <a:p>
-            <a:r>
-              <a:rPr lang="en-US" altLang="zh-CN" dirty="0"/>
-              <a:t>\python\kungfu\wingchun\wc_configs.py</a:t>
-            </a:r>
-            <a:br>
-              <a:rPr lang="en-US" altLang="zh-CN" dirty="0"/>
-            </a:br>
-            <a:r>
-              <a:rPr lang="en-US" altLang="zh-CN" dirty="0"/>
-              <a:t>\</a:t>
-            </a:r>
-            <a:r>
-              <a:rPr lang="en-US" altLang="zh-CN" dirty="0" err="1"/>
-              <a:t>wingchun</a:t>
-            </a:r>
-            <a:r>
-              <a:rPr lang="en-US" altLang="zh-CN" dirty="0"/>
-              <a:t>\strategy\</a:t>
-            </a:r>
-            <a:r>
-              <a:rPr lang="en-US" altLang="zh-CN" dirty="0" err="1"/>
-              <a:t>PyWCStrategy.h</a:t>
-            </a:r>
-            <a:r>
-              <a:rPr lang="en-US" altLang="zh-CN" dirty="0"/>
-              <a:t>:    </a:t>
-            </a:r>
-            <a:br>
-              <a:rPr lang="en-US" altLang="zh-CN" dirty="0"/>
-            </a:br>
-            <a:r>
-              <a:rPr lang="en-US" altLang="zh-CN" dirty="0"/>
-              <a:t>class </a:t>
-            </a:r>
-            <a:r>
-              <a:rPr lang="en-US" altLang="zh-CN" dirty="0" err="1"/>
-              <a:t>PyWCStrategy</a:t>
-            </a:r>
-            <a:r>
-              <a:rPr lang="en-US" altLang="zh-CN" dirty="0"/>
-              <a:t>: public </a:t>
-            </a:r>
-            <a:r>
-              <a:rPr lang="en-US" altLang="zh-CN" b="1" dirty="0" err="1"/>
+              <a:rPr lang="en-US" altLang="zh-CN" dirty="0" err="1"/>
+              <a:t>WCDataWrapper</a:t>
+            </a:r>
+            <a:r>
+              <a:rPr lang="zh-CN" altLang="en-US" dirty="0"/>
+              <a:t>的</a:t>
+            </a:r>
+            <a:r>
+              <a:rPr lang="en-US" altLang="zh-CN" dirty="0"/>
+              <a:t>run</a:t>
+            </a:r>
+            <a:r>
+              <a:rPr lang="zh-CN" altLang="en-US" dirty="0"/>
+              <a:t>方法提供了读取消息队列的能力</a:t>
+            </a:r>
+            <a:r>
+              <a:rPr lang="en-US" altLang="zh-CN" dirty="0"/>
+              <a:t>,</a:t>
+            </a:r>
+            <a:r>
+              <a:rPr lang="zh-CN" altLang="en-US" dirty="0"/>
+              <a:t>并根据消息类型传给</a:t>
+            </a:r>
+            <a:r>
+              <a:rPr lang="en-US" altLang="zh-CN" dirty="0" err="1"/>
               <a:t>IWCStrategy</a:t>
             </a:r>
-            <a:endParaRPr lang="en-US" altLang="zh-CN" b="1" dirty="0"/>
-          </a:p>
-          <a:p>
-            <a:endParaRPr lang="en-US" altLang="zh-CN" dirty="0"/>
-          </a:p>
-          <a:p>
-            <a:endParaRPr lang="zh-CN" altLang="en-US" dirty="0"/>
+            <a:r>
+              <a:rPr lang="zh-CN" altLang="en-US" dirty="0"/>
+              <a:t>相应的处理方法</a:t>
+            </a:r>
+            <a:r>
+              <a:rPr lang="en-US" altLang="zh-CN" dirty="0"/>
+              <a:t>:</a:t>
+            </a:r>
+          </a:p>
+          <a:p>
+            <a:pPr lvl="1"/>
+            <a:r>
+              <a:rPr lang="zh-CN" altLang="en-US" dirty="0"/>
+              <a:t>撤单出错</a:t>
+            </a:r>
+            <a:endParaRPr lang="en-US" altLang="zh-CN" dirty="0"/>
+          </a:p>
+          <a:p>
+            <a:pPr lvl="1"/>
+            <a:r>
+              <a:rPr lang="zh-CN" altLang="en-US" dirty="0"/>
+              <a:t>订单状态改变</a:t>
+            </a:r>
+            <a:endParaRPr lang="en-US" altLang="zh-CN" dirty="0"/>
+          </a:p>
+          <a:p>
+            <a:pPr lvl="1"/>
+            <a:r>
+              <a:rPr lang="zh-CN" altLang="en-US" dirty="0"/>
+              <a:t>订单成交：</a:t>
+            </a:r>
           </a:p>
         </p:txBody>
       </p:sp>
@@ -7414,7 +7466,7 @@
           <p:cNvPr id="4" name="图片 3">
             <a:extLst>
               <a:ext uri="{FF2B5EF4-FFF2-40B4-BE49-F238E27FC236}">
-                <a16:creationId xmlns:a16="http://schemas.microsoft.com/office/drawing/2014/main" id="{F632C02A-D610-4E63-AC87-9A2F150F4CDA}"/>
+                <a16:creationId xmlns:a16="http://schemas.microsoft.com/office/drawing/2014/main" id="{88D6B27A-400D-4B38-B66C-C48E1BD84985}"/>
               </a:ext>
             </a:extLst>
           </p:cNvPr>
@@ -7431,38 +7483,8 @@
         </p:blipFill>
         <p:spPr>
           <a:xfrm>
-            <a:off x="1184989" y="3081128"/>
-            <a:ext cx="9628785" cy="1222514"/>
-          </a:xfrm>
-          <a:prstGeom prst="rect">
-            <a:avLst/>
-          </a:prstGeom>
-        </p:spPr>
-      </p:pic>
-      <p:pic>
-        <p:nvPicPr>
-          <p:cNvPr id="5" name="图片 4">
-            <a:extLst>
-              <a:ext uri="{FF2B5EF4-FFF2-40B4-BE49-F238E27FC236}">
-                <a16:creationId xmlns:a16="http://schemas.microsoft.com/office/drawing/2014/main" id="{56F659B3-9AB0-4C89-B0F1-63FC0F3697F7}"/>
-              </a:ext>
-            </a:extLst>
-          </p:cNvPr>
-          <p:cNvPicPr>
-            <a:picLocks noChangeAspect="1"/>
-          </p:cNvPicPr>
-          <p:nvPr/>
-        </p:nvPicPr>
-        <p:blipFill>
-          <a:blip r:embed="rId3"/>
-          <a:stretch>
-            <a:fillRect/>
-          </a:stretch>
-        </p:blipFill>
-        <p:spPr>
-          <a:xfrm>
-            <a:off x="1184988" y="4303642"/>
-            <a:ext cx="9628786" cy="2008257"/>
+            <a:off x="5983356" y="2999898"/>
+            <a:ext cx="5520151" cy="3492977"/>
           </a:xfrm>
           <a:prstGeom prst="rect">
             <a:avLst/>
@@ -7472,7 +7494,7 @@
     </p:spTree>
     <p:extLst>
       <p:ext uri="{BB962C8B-B14F-4D97-AF65-F5344CB8AC3E}">
-        <p14:creationId xmlns:p14="http://schemas.microsoft.com/office/powerpoint/2010/main" val="2757104705"/>
+        <p14:creationId xmlns:p14="http://schemas.microsoft.com/office/powerpoint/2010/main" val="223306557"/>
       </p:ext>
     </p:extLst>
   </p:cSld>
@@ -7504,6 +7526,412 @@
           <p:cNvPr id="2" name="标题 1">
             <a:extLst>
               <a:ext uri="{FF2B5EF4-FFF2-40B4-BE49-F238E27FC236}">
+                <a16:creationId xmlns:a16="http://schemas.microsoft.com/office/drawing/2014/main" id="{5AF10601-63AC-461B-A89F-80C8ED3C6BC3}"/>
+              </a:ext>
+            </a:extLst>
+          </p:cNvPr>
+          <p:cNvSpPr>
+            <a:spLocks noGrp="1"/>
+          </p:cNvSpPr>
+          <p:nvPr>
+            <p:ph type="title"/>
+          </p:nvPr>
+        </p:nvSpPr>
+        <p:spPr/>
+        <p:txBody>
+          <a:bodyPr>
+            <a:normAutofit fontScale="90000"/>
+          </a:bodyPr>
+          <a:lstStyle/>
+          <a:p>
+            <a:r>
+              <a:rPr lang="en-US" altLang="zh-CN" dirty="0" err="1"/>
+              <a:t>WCDataWrapper</a:t>
+            </a:r>
+            <a:r>
+              <a:rPr lang="zh-CN" altLang="en-US" dirty="0"/>
+              <a:t>的</a:t>
+            </a:r>
+            <a:r>
+              <a:rPr lang="en-US" altLang="zh-CN" dirty="0"/>
+              <a:t>run</a:t>
+            </a:r>
+            <a:r>
+              <a:rPr lang="zh-CN" altLang="en-US" dirty="0"/>
+              <a:t>方法提供了读取消息队列的能力</a:t>
+            </a:r>
+            <a:r>
+              <a:rPr lang="en-US" altLang="zh-CN" dirty="0"/>
+              <a:t>,</a:t>
+            </a:r>
+            <a:r>
+              <a:rPr lang="zh-CN" altLang="en-US" dirty="0"/>
+              <a:t>并根据消息类型传给</a:t>
+            </a:r>
+            <a:r>
+              <a:rPr lang="en-US" altLang="zh-CN" dirty="0" err="1"/>
+              <a:t>IWCStrategy</a:t>
+            </a:r>
+            <a:r>
+              <a:rPr lang="zh-CN" altLang="en-US" dirty="0"/>
+              <a:t>相应的处理方法</a:t>
+            </a:r>
+          </a:p>
+        </p:txBody>
+      </p:sp>
+      <p:sp>
+        <p:nvSpPr>
+          <p:cNvPr id="3" name="内容占位符 2">
+            <a:extLst>
+              <a:ext uri="{FF2B5EF4-FFF2-40B4-BE49-F238E27FC236}">
+                <a16:creationId xmlns:a16="http://schemas.microsoft.com/office/drawing/2014/main" id="{A3385CCC-220F-4440-9709-0EFC5A66D164}"/>
+              </a:ext>
+            </a:extLst>
+          </p:cNvPr>
+          <p:cNvSpPr>
+            <a:spLocks noGrp="1"/>
+          </p:cNvSpPr>
+          <p:nvPr>
+            <p:ph idx="1"/>
+          </p:nvPr>
+        </p:nvSpPr>
+        <p:spPr/>
+        <p:txBody>
+          <a:bodyPr/>
+          <a:lstStyle/>
+          <a:p>
+            <a:r>
+              <a:rPr lang="zh-CN" altLang="en-US" dirty="0"/>
+              <a:t>换日消息</a:t>
+            </a:r>
+            <a:endParaRPr lang="en-US" altLang="zh-CN" dirty="0"/>
+          </a:p>
+          <a:p>
+            <a:r>
+              <a:rPr lang="en-US" altLang="zh-CN" dirty="0"/>
+              <a:t>MD</a:t>
+            </a:r>
+            <a:r>
+              <a:rPr lang="zh-CN" altLang="en-US" dirty="0"/>
+              <a:t>发给策略的消息</a:t>
+            </a:r>
+          </a:p>
+        </p:txBody>
+      </p:sp>
+      <p:pic>
+        <p:nvPicPr>
+          <p:cNvPr id="5" name="图片 4">
+            <a:extLst>
+              <a:ext uri="{FF2B5EF4-FFF2-40B4-BE49-F238E27FC236}">
+                <a16:creationId xmlns:a16="http://schemas.microsoft.com/office/drawing/2014/main" id="{A0C0C71C-6CD7-4632-AE78-B289E15584F0}"/>
+              </a:ext>
+            </a:extLst>
+          </p:cNvPr>
+          <p:cNvPicPr>
+            <a:picLocks noChangeAspect="1"/>
+          </p:cNvPicPr>
+          <p:nvPr/>
+        </p:nvPicPr>
+        <p:blipFill>
+          <a:blip r:embed="rId2"/>
+          <a:stretch>
+            <a:fillRect/>
+          </a:stretch>
+        </p:blipFill>
+        <p:spPr>
+          <a:xfrm>
+            <a:off x="2976860" y="2801318"/>
+            <a:ext cx="3416603" cy="3872874"/>
+          </a:xfrm>
+          <a:prstGeom prst="rect">
+            <a:avLst/>
+          </a:prstGeom>
+        </p:spPr>
+      </p:pic>
+      <p:pic>
+        <p:nvPicPr>
+          <p:cNvPr id="6" name="图片 5">
+            <a:extLst>
+              <a:ext uri="{FF2B5EF4-FFF2-40B4-BE49-F238E27FC236}">
+                <a16:creationId xmlns:a16="http://schemas.microsoft.com/office/drawing/2014/main" id="{97D75AAE-A3A3-4E07-B700-AE4020975249}"/>
+              </a:ext>
+            </a:extLst>
+          </p:cNvPr>
+          <p:cNvPicPr>
+            <a:picLocks noChangeAspect="1"/>
+          </p:cNvPicPr>
+          <p:nvPr/>
+        </p:nvPicPr>
+        <p:blipFill>
+          <a:blip r:embed="rId3"/>
+          <a:stretch>
+            <a:fillRect/>
+          </a:stretch>
+        </p:blipFill>
+        <p:spPr>
+          <a:xfrm>
+            <a:off x="6393463" y="2801318"/>
+            <a:ext cx="5426439" cy="3872874"/>
+          </a:xfrm>
+          <a:prstGeom prst="rect">
+            <a:avLst/>
+          </a:prstGeom>
+        </p:spPr>
+      </p:pic>
+    </p:spTree>
+    <p:extLst>
+      <p:ext uri="{BB962C8B-B14F-4D97-AF65-F5344CB8AC3E}">
+        <p14:creationId xmlns:p14="http://schemas.microsoft.com/office/powerpoint/2010/main" val="2492806087"/>
+      </p:ext>
+    </p:extLst>
+  </p:cSld>
+  <p:clrMapOvr>
+    <a:masterClrMapping/>
+  </p:clrMapOvr>
+</p:sld>
+</file>
+
+<file path=ppt/slides/slide28.xml><?xml version="1.0" encoding="utf-8"?>
+<p:sld xmlns:a="http://schemas.openxmlformats.org/drawingml/2006/main" xmlns:r="http://schemas.openxmlformats.org/officeDocument/2006/relationships" xmlns:p="http://schemas.openxmlformats.org/presentationml/2006/main">
+  <p:cSld>
+    <p:spTree>
+      <p:nvGrpSpPr>
+        <p:cNvPr id="1" name=""/>
+        <p:cNvGrpSpPr/>
+        <p:nvPr/>
+      </p:nvGrpSpPr>
+      <p:grpSpPr>
+        <a:xfrm>
+          <a:off x="0" y="0"/>
+          <a:ext cx="0" cy="0"/>
+          <a:chOff x="0" y="0"/>
+          <a:chExt cx="0" cy="0"/>
+        </a:xfrm>
+      </p:grpSpPr>
+      <p:sp>
+        <p:nvSpPr>
+          <p:cNvPr id="2" name="标题 1">
+            <a:extLst>
+              <a:ext uri="{FF2B5EF4-FFF2-40B4-BE49-F238E27FC236}">
+                <a16:creationId xmlns:a16="http://schemas.microsoft.com/office/drawing/2014/main" id="{D26D0A76-FA4A-4804-A761-0D0D61A5B769}"/>
+              </a:ext>
+            </a:extLst>
+          </p:cNvPr>
+          <p:cNvSpPr>
+            <a:spLocks noGrp="1"/>
+          </p:cNvSpPr>
+          <p:nvPr>
+            <p:ph type="title"/>
+          </p:nvPr>
+        </p:nvSpPr>
+        <p:spPr/>
+        <p:txBody>
+          <a:bodyPr/>
+          <a:lstStyle/>
+          <a:p>
+            <a:r>
+              <a:rPr lang="en-US" altLang="zh-CN" dirty="0"/>
+              <a:t>Python</a:t>
+            </a:r>
+            <a:r>
+              <a:rPr lang="zh-CN" altLang="en-US" dirty="0"/>
+              <a:t>策略</a:t>
+            </a:r>
+          </a:p>
+        </p:txBody>
+      </p:sp>
+      <p:sp>
+        <p:nvSpPr>
+          <p:cNvPr id="3" name="内容占位符 2">
+            <a:extLst>
+              <a:ext uri="{FF2B5EF4-FFF2-40B4-BE49-F238E27FC236}">
+                <a16:creationId xmlns:a16="http://schemas.microsoft.com/office/drawing/2014/main" id="{340C36C2-F663-45BD-8D6F-25F5A3FC1F43}"/>
+              </a:ext>
+            </a:extLst>
+          </p:cNvPr>
+          <p:cNvSpPr>
+            <a:spLocks noGrp="1"/>
+          </p:cNvSpPr>
+          <p:nvPr>
+            <p:ph idx="1"/>
+          </p:nvPr>
+        </p:nvSpPr>
+        <p:spPr>
+          <a:xfrm>
+            <a:off x="838200" y="1690688"/>
+            <a:ext cx="10515600" cy="4815302"/>
+          </a:xfrm>
+        </p:spPr>
+        <p:txBody>
+          <a:bodyPr/>
+          <a:lstStyle/>
+          <a:p>
+            <a:r>
+              <a:rPr lang="zh-CN" altLang="en-US" dirty="0"/>
+              <a:t>通过接口转换获得了同等</a:t>
+            </a:r>
+            <a:r>
+              <a:rPr lang="en-US" altLang="zh-CN" dirty="0"/>
+              <a:t>C++</a:t>
+            </a:r>
+            <a:r>
+              <a:rPr lang="zh-CN" altLang="en-US" dirty="0"/>
+              <a:t>策略的能力</a:t>
+            </a:r>
+            <a:endParaRPr lang="en-US" altLang="zh-CN" dirty="0"/>
+          </a:p>
+          <a:p>
+            <a:r>
+              <a:rPr lang="en-US" altLang="zh-CN" dirty="0"/>
+              <a:t>\python\kungfu\wingchun\wc_configs.py</a:t>
+            </a:r>
+            <a:br>
+              <a:rPr lang="en-US" altLang="zh-CN" dirty="0"/>
+            </a:br>
+            <a:r>
+              <a:rPr lang="en-US" altLang="zh-CN" dirty="0"/>
+              <a:t>\</a:t>
+            </a:r>
+            <a:r>
+              <a:rPr lang="en-US" altLang="zh-CN" dirty="0" err="1"/>
+              <a:t>wingchun</a:t>
+            </a:r>
+            <a:r>
+              <a:rPr lang="en-US" altLang="zh-CN" dirty="0"/>
+              <a:t>\strategy\</a:t>
+            </a:r>
+            <a:r>
+              <a:rPr lang="en-US" altLang="zh-CN" dirty="0" err="1"/>
+              <a:t>PyWCStrategy.h</a:t>
+            </a:r>
+            <a:r>
+              <a:rPr lang="en-US" altLang="zh-CN" dirty="0"/>
+              <a:t>:    </a:t>
+            </a:r>
+            <a:br>
+              <a:rPr lang="en-US" altLang="zh-CN" dirty="0"/>
+            </a:br>
+            <a:r>
+              <a:rPr lang="en-US" altLang="zh-CN" dirty="0"/>
+              <a:t>class </a:t>
+            </a:r>
+            <a:r>
+              <a:rPr lang="en-US" altLang="zh-CN" dirty="0" err="1"/>
+              <a:t>PyWCStrategy</a:t>
+            </a:r>
+            <a:r>
+              <a:rPr lang="en-US" altLang="zh-CN" dirty="0"/>
+              <a:t>: public </a:t>
+            </a:r>
+            <a:r>
+              <a:rPr lang="en-US" altLang="zh-CN" b="1" dirty="0" err="1"/>
+              <a:t>IWCStrategy</a:t>
+            </a:r>
+            <a:endParaRPr lang="en-US" altLang="zh-CN" b="1" dirty="0"/>
+          </a:p>
+          <a:p>
+            <a:endParaRPr lang="en-US" altLang="zh-CN" dirty="0"/>
+          </a:p>
+          <a:p>
+            <a:endParaRPr lang="zh-CN" altLang="en-US" dirty="0"/>
+          </a:p>
+        </p:txBody>
+      </p:sp>
+      <p:pic>
+        <p:nvPicPr>
+          <p:cNvPr id="4" name="图片 3">
+            <a:extLst>
+              <a:ext uri="{FF2B5EF4-FFF2-40B4-BE49-F238E27FC236}">
+                <a16:creationId xmlns:a16="http://schemas.microsoft.com/office/drawing/2014/main" id="{F632C02A-D610-4E63-AC87-9A2F150F4CDA}"/>
+              </a:ext>
+            </a:extLst>
+          </p:cNvPr>
+          <p:cNvPicPr>
+            <a:picLocks noChangeAspect="1"/>
+          </p:cNvPicPr>
+          <p:nvPr/>
+        </p:nvPicPr>
+        <p:blipFill>
+          <a:blip r:embed="rId2"/>
+          <a:stretch>
+            <a:fillRect/>
+          </a:stretch>
+        </p:blipFill>
+        <p:spPr>
+          <a:xfrm>
+            <a:off x="1184989" y="3372264"/>
+            <a:ext cx="9628785" cy="1222514"/>
+          </a:xfrm>
+          <a:prstGeom prst="rect">
+            <a:avLst/>
+          </a:prstGeom>
+        </p:spPr>
+      </p:pic>
+      <p:pic>
+        <p:nvPicPr>
+          <p:cNvPr id="5" name="图片 4">
+            <a:extLst>
+              <a:ext uri="{FF2B5EF4-FFF2-40B4-BE49-F238E27FC236}">
+                <a16:creationId xmlns:a16="http://schemas.microsoft.com/office/drawing/2014/main" id="{56F659B3-9AB0-4C89-B0F1-63FC0F3697F7}"/>
+              </a:ext>
+            </a:extLst>
+          </p:cNvPr>
+          <p:cNvPicPr>
+            <a:picLocks noChangeAspect="1"/>
+          </p:cNvPicPr>
+          <p:nvPr/>
+        </p:nvPicPr>
+        <p:blipFill>
+          <a:blip r:embed="rId3"/>
+          <a:stretch>
+            <a:fillRect/>
+          </a:stretch>
+        </p:blipFill>
+        <p:spPr>
+          <a:xfrm>
+            <a:off x="1184988" y="4594778"/>
+            <a:ext cx="9628786" cy="2008257"/>
+          </a:xfrm>
+          <a:prstGeom prst="rect">
+            <a:avLst/>
+          </a:prstGeom>
+        </p:spPr>
+      </p:pic>
+    </p:spTree>
+    <p:extLst>
+      <p:ext uri="{BB962C8B-B14F-4D97-AF65-F5344CB8AC3E}">
+        <p14:creationId xmlns:p14="http://schemas.microsoft.com/office/powerpoint/2010/main" val="2757104705"/>
+      </p:ext>
+    </p:extLst>
+  </p:cSld>
+  <p:clrMapOvr>
+    <a:masterClrMapping/>
+  </p:clrMapOvr>
+</p:sld>
+</file>
+
+<file path=ppt/slides/slide29.xml><?xml version="1.0" encoding="utf-8"?>
+<p:sld xmlns:a="http://schemas.openxmlformats.org/drawingml/2006/main" xmlns:r="http://schemas.openxmlformats.org/officeDocument/2006/relationships" xmlns:p="http://schemas.openxmlformats.org/presentationml/2006/main">
+  <p:cSld>
+    <p:spTree>
+      <p:nvGrpSpPr>
+        <p:cNvPr id="1" name=""/>
+        <p:cNvGrpSpPr/>
+        <p:nvPr/>
+      </p:nvGrpSpPr>
+      <p:grpSpPr>
+        <a:xfrm>
+          <a:off x="0" y="0"/>
+          <a:ext cx="0" cy="0"/>
+          <a:chOff x="0" y="0"/>
+          <a:chExt cx="0" cy="0"/>
+        </a:xfrm>
+      </p:grpSpPr>
+      <p:sp>
+        <p:nvSpPr>
+          <p:cNvPr id="2" name="标题 1">
+            <a:extLst>
+              <a:ext uri="{FF2B5EF4-FFF2-40B4-BE49-F238E27FC236}">
                 <a16:creationId xmlns:a16="http://schemas.microsoft.com/office/drawing/2014/main" id="{931DCE3C-4088-4F05-9D7D-3A29E47F9993}"/>
               </a:ext>
             </a:extLst>
@@ -7526,15 +7954,7 @@
             </a:r>
             <a:r>
               <a:rPr lang="zh-CN" altLang="en-US" dirty="0"/>
-              <a:t>策略通过接口转换获得了同等</a:t>
-            </a:r>
-            <a:r>
-              <a:rPr lang="en-US" altLang="zh-CN" dirty="0"/>
-              <a:t>C++</a:t>
-            </a:r>
-            <a:r>
-              <a:rPr lang="zh-CN" altLang="en-US" dirty="0"/>
-              <a:t>策略的能力</a:t>
+              <a:t>策略</a:t>
             </a:r>
           </a:p>
         </p:txBody>
@@ -7584,239 +8004,6 @@
 </p:sld>
 </file>
 
-<file path=ppt/slides/slide28.xml><?xml version="1.0" encoding="utf-8"?>
-<p:sld xmlns:a="http://schemas.openxmlformats.org/drawingml/2006/main" xmlns:r="http://schemas.openxmlformats.org/officeDocument/2006/relationships" xmlns:p="http://schemas.openxmlformats.org/presentationml/2006/main">
-  <p:cSld>
-    <p:spTree>
-      <p:nvGrpSpPr>
-        <p:cNvPr id="1" name=""/>
-        <p:cNvGrpSpPr/>
-        <p:nvPr/>
-      </p:nvGrpSpPr>
-      <p:grpSpPr>
-        <a:xfrm>
-          <a:off x="0" y="0"/>
-          <a:ext cx="0" cy="0"/>
-          <a:chOff x="0" y="0"/>
-          <a:chExt cx="0" cy="0"/>
-        </a:xfrm>
-      </p:grpSpPr>
-      <p:sp>
-        <p:nvSpPr>
-          <p:cNvPr id="2" name="标题 1">
-            <a:extLst>
-              <a:ext uri="{FF2B5EF4-FFF2-40B4-BE49-F238E27FC236}">
-                <a16:creationId xmlns:a16="http://schemas.microsoft.com/office/drawing/2014/main" id="{02096BF3-F7BD-474B-B581-A3C3EBB6E04E}"/>
-              </a:ext>
-            </a:extLst>
-          </p:cNvPr>
-          <p:cNvSpPr>
-            <a:spLocks noGrp="1"/>
-          </p:cNvSpPr>
-          <p:nvPr>
-            <p:ph type="title"/>
-          </p:nvPr>
-        </p:nvSpPr>
-        <p:spPr/>
-        <p:txBody>
-          <a:bodyPr/>
-          <a:lstStyle/>
-          <a:p>
-            <a:r>
-              <a:rPr lang="zh-CN" altLang="en-US" dirty="0"/>
-              <a:t>参考</a:t>
-            </a:r>
-            <a:r>
-              <a:rPr lang="en-US" altLang="zh-CN" dirty="0"/>
-              <a:t>C++</a:t>
-            </a:r>
-            <a:r>
-              <a:rPr lang="zh-CN" altLang="en-US" dirty="0"/>
-              <a:t>策略和</a:t>
-            </a:r>
-            <a:r>
-              <a:rPr lang="en-US" altLang="zh-CN" dirty="0"/>
-              <a:t>Python</a:t>
-            </a:r>
-            <a:r>
-              <a:rPr lang="zh-CN" altLang="en-US" dirty="0"/>
-              <a:t>策略</a:t>
-            </a:r>
-          </a:p>
-        </p:txBody>
-      </p:sp>
-      <p:sp>
-        <p:nvSpPr>
-          <p:cNvPr id="3" name="内容占位符 2">
-            <a:extLst>
-              <a:ext uri="{FF2B5EF4-FFF2-40B4-BE49-F238E27FC236}">
-                <a16:creationId xmlns:a16="http://schemas.microsoft.com/office/drawing/2014/main" id="{98FF4108-323A-44CC-92FD-0D65FE31E3B3}"/>
-              </a:ext>
-            </a:extLst>
-          </p:cNvPr>
-          <p:cNvSpPr>
-            <a:spLocks noGrp="1"/>
-          </p:cNvSpPr>
-          <p:nvPr>
-            <p:ph idx="1"/>
-          </p:nvPr>
-        </p:nvSpPr>
-        <p:spPr/>
-        <p:txBody>
-          <a:bodyPr/>
-          <a:lstStyle/>
-          <a:p>
-            <a:r>
-              <a:rPr lang="en-US" altLang="zh-CN" dirty="0" err="1"/>
-              <a:t>wingchun</a:t>
-            </a:r>
-            <a:r>
-              <a:rPr lang="en-US" altLang="zh-CN" dirty="0"/>
-              <a:t>\strategy\binance_md_td_strategy.cpp</a:t>
-            </a:r>
-          </a:p>
-          <a:p>
-            <a:r>
-              <a:rPr lang="en-US" altLang="zh-CN" dirty="0"/>
-              <a:t>wingchun\strategy\py_demo\binance_order_cancel_test.py</a:t>
-            </a:r>
-            <a:endParaRPr lang="zh-CN" altLang="en-US" dirty="0"/>
-          </a:p>
-        </p:txBody>
-      </p:sp>
-    </p:spTree>
-    <p:extLst>
-      <p:ext uri="{BB962C8B-B14F-4D97-AF65-F5344CB8AC3E}">
-        <p14:creationId xmlns:p14="http://schemas.microsoft.com/office/powerpoint/2010/main" val="2689043168"/>
-      </p:ext>
-    </p:extLst>
-  </p:cSld>
-  <p:clrMapOvr>
-    <a:masterClrMapping/>
-  </p:clrMapOvr>
-</p:sld>
-</file>
-
-<file path=ppt/slides/slide29.xml><?xml version="1.0" encoding="utf-8"?>
-<p:sld xmlns:a="http://schemas.openxmlformats.org/drawingml/2006/main" xmlns:r="http://schemas.openxmlformats.org/officeDocument/2006/relationships" xmlns:p="http://schemas.openxmlformats.org/presentationml/2006/main">
-  <p:cSld>
-    <p:spTree>
-      <p:nvGrpSpPr>
-        <p:cNvPr id="1" name=""/>
-        <p:cNvGrpSpPr/>
-        <p:nvPr/>
-      </p:nvGrpSpPr>
-      <p:grpSpPr>
-        <a:xfrm>
-          <a:off x="0" y="0"/>
-          <a:ext cx="0" cy="0"/>
-          <a:chOff x="0" y="0"/>
-          <a:chExt cx="0" cy="0"/>
-        </a:xfrm>
-      </p:grpSpPr>
-      <p:sp>
-        <p:nvSpPr>
-          <p:cNvPr id="2" name="标题 1">
-            <a:extLst>
-              <a:ext uri="{FF2B5EF4-FFF2-40B4-BE49-F238E27FC236}">
-                <a16:creationId xmlns:a16="http://schemas.microsoft.com/office/drawing/2014/main" id="{3184C796-D7D5-42CA-93E3-3948EBE039BC}"/>
-              </a:ext>
-            </a:extLst>
-          </p:cNvPr>
-          <p:cNvSpPr>
-            <a:spLocks noGrp="1"/>
-          </p:cNvSpPr>
-          <p:nvPr>
-            <p:ph type="title"/>
-          </p:nvPr>
-        </p:nvSpPr>
-        <p:spPr/>
-        <p:txBody>
-          <a:bodyPr/>
-          <a:lstStyle/>
-          <a:p>
-            <a:r>
-              <a:rPr lang="zh-CN" altLang="en-US" dirty="0"/>
-              <a:t>在</a:t>
-            </a:r>
-            <a:r>
-              <a:rPr lang="en-US" altLang="zh-CN" dirty="0" err="1"/>
-              <a:t>kungfu</a:t>
-            </a:r>
-            <a:r>
-              <a:rPr lang="zh-CN" altLang="en-US" dirty="0"/>
-              <a:t>之上进行虚拟货币交易改造</a:t>
-            </a:r>
-          </a:p>
-        </p:txBody>
-      </p:sp>
-      <p:sp>
-        <p:nvSpPr>
-          <p:cNvPr id="3" name="内容占位符 2">
-            <a:extLst>
-              <a:ext uri="{FF2B5EF4-FFF2-40B4-BE49-F238E27FC236}">
-                <a16:creationId xmlns:a16="http://schemas.microsoft.com/office/drawing/2014/main" id="{D1AF6EEB-ABB2-4232-9752-B51D91BC29C8}"/>
-              </a:ext>
-            </a:extLst>
-          </p:cNvPr>
-          <p:cNvSpPr>
-            <a:spLocks noGrp="1"/>
-          </p:cNvSpPr>
-          <p:nvPr>
-            <p:ph idx="1"/>
-          </p:nvPr>
-        </p:nvSpPr>
-        <p:spPr/>
-        <p:txBody>
-          <a:bodyPr/>
-          <a:lstStyle/>
-          <a:p>
-            <a:r>
-              <a:rPr lang="zh-CN" altLang="en-US" dirty="0"/>
-              <a:t>利用了</a:t>
-            </a:r>
-            <a:r>
-              <a:rPr lang="en-US" altLang="zh-CN" dirty="0" err="1"/>
-              <a:t>kungfu</a:t>
-            </a:r>
-            <a:r>
-              <a:rPr lang="zh-CN" altLang="en-US" dirty="0"/>
-              <a:t>优秀的</a:t>
-            </a:r>
-            <a:r>
-              <a:rPr lang="en-US" altLang="zh-CN" dirty="0"/>
-              <a:t>journal</a:t>
-            </a:r>
-            <a:r>
-              <a:rPr lang="zh-CN" altLang="en-US" dirty="0"/>
-              <a:t>导出和信息查看工具</a:t>
-            </a:r>
-            <a:endParaRPr lang="en-US" altLang="zh-CN" dirty="0"/>
-          </a:p>
-          <a:p>
-            <a:endParaRPr lang="en-US" altLang="zh-CN" dirty="0"/>
-          </a:p>
-          <a:p>
-            <a:r>
-              <a:rPr lang="zh-CN" altLang="en-US" dirty="0"/>
-              <a:t>改造了一些结构和接口，更加适合虚拟货币交易</a:t>
-            </a:r>
-          </a:p>
-        </p:txBody>
-      </p:sp>
-    </p:spTree>
-    <p:extLst>
-      <p:ext uri="{BB962C8B-B14F-4D97-AF65-F5344CB8AC3E}">
-        <p14:creationId xmlns:p14="http://schemas.microsoft.com/office/powerpoint/2010/main" val="1903326245"/>
-      </p:ext>
-    </p:extLst>
-  </p:cSld>
-  <p:clrMapOvr>
-    <a:masterClrMapping/>
-  </p:clrMapOvr>
-</p:sld>
-</file>
-
 <file path=ppt/slides/slide3.xml><?xml version="1.0" encoding="utf-8"?>
 <p:sld xmlns:a="http://schemas.openxmlformats.org/drawingml/2006/main" xmlns:r="http://schemas.openxmlformats.org/officeDocument/2006/relationships" xmlns:p="http://schemas.openxmlformats.org/presentationml/2006/main">
   <p:cSld>
@@ -7839,7 +8026,7 @@
           <p:cNvPr id="2" name="标题 1">
             <a:extLst>
               <a:ext uri="{FF2B5EF4-FFF2-40B4-BE49-F238E27FC236}">
-                <a16:creationId xmlns:a16="http://schemas.microsoft.com/office/drawing/2014/main" id="{767FE5B0-64BB-4D1A-9360-ACC773A03527}"/>
+                <a16:creationId xmlns:a16="http://schemas.microsoft.com/office/drawing/2014/main" id="{9BA12005-E41B-4561-8DEC-AC5A71E2E6A8}"/>
               </a:ext>
             </a:extLst>
           </p:cNvPr>
@@ -7861,17 +8048,30 @@
             </a:r>
             <a:r>
               <a:rPr lang="zh-CN" altLang="en-US" dirty="0"/>
-              <a:t>策略端点对消息队列的使用</a:t>
-            </a:r>
-          </a:p>
-        </p:txBody>
-      </p:sp>
-      <p:sp>
-        <p:nvSpPr>
-          <p:cNvPr id="3" name="内容占位符 2">
-            <a:extLst>
-              <a:ext uri="{FF2B5EF4-FFF2-40B4-BE49-F238E27FC236}">
-                <a16:creationId xmlns:a16="http://schemas.microsoft.com/office/drawing/2014/main" id="{4DBBC9B9-618A-4A57-BDEB-21AFF4DAF39E}"/>
+              <a:t>架构</a:t>
+            </a:r>
+            <a:r>
+              <a:rPr lang="en-US" altLang="zh-CN" dirty="0"/>
+              <a:t>- supervisor</a:t>
+            </a:r>
+            <a:r>
+              <a:rPr lang="zh-CN" altLang="en-US" dirty="0"/>
+              <a:t>管理</a:t>
+            </a:r>
+            <a:r>
+              <a:rPr lang="en-US" altLang="zh-CN" dirty="0"/>
+              <a:t>TD/MD</a:t>
+            </a:r>
+            <a:endParaRPr lang="zh-CN" altLang="en-US" dirty="0"/>
+          </a:p>
+        </p:txBody>
+      </p:sp>
+      <p:sp>
+        <p:nvSpPr>
+          <p:cNvPr id="6" name="内容占位符 5">
+            <a:extLst>
+              <a:ext uri="{FF2B5EF4-FFF2-40B4-BE49-F238E27FC236}">
+                <a16:creationId xmlns:a16="http://schemas.microsoft.com/office/drawing/2014/main" id="{F0A76253-BE6A-4674-8C45-B47F11DB4CD6}"/>
               </a:ext>
             </a:extLst>
           </p:cNvPr>
@@ -7884,208 +8084,70 @@
         </p:nvSpPr>
         <p:spPr/>
         <p:txBody>
-          <a:bodyPr>
-            <a:normAutofit fontScale="47500" lnSpcReduction="20000"/>
-          </a:bodyPr>
-          <a:lstStyle/>
-          <a:p>
-            <a:pPr marL="0" indent="0">
-              <a:buNone/>
-            </a:pPr>
-            <a:r>
-              <a:rPr lang="zh-CN" altLang="en-US" dirty="0"/>
-              <a:t>消息的生产者和消费者：</a:t>
-            </a:r>
-            <a:endParaRPr lang="en-US" altLang="zh-CN" dirty="0"/>
-          </a:p>
-          <a:p>
-            <a:pPr lvl="1"/>
-            <a:r>
-              <a:rPr lang="en-US" altLang="zh-CN" dirty="0" err="1"/>
-              <a:t>wingchun</a:t>
-            </a:r>
-            <a:r>
-              <a:rPr lang="en-US" altLang="zh-CN" dirty="0"/>
-              <a:t>\md\IMDEngine.cpp</a:t>
-            </a:r>
-          </a:p>
-          <a:p>
-            <a:pPr lvl="1"/>
-            <a:r>
-              <a:rPr lang="en-US" altLang="zh-CN" dirty="0" err="1"/>
-              <a:t>wingchun</a:t>
-            </a:r>
-            <a:r>
-              <a:rPr lang="en-US" altLang="zh-CN" dirty="0"/>
-              <a:t>\td\ITDEngine.cpp</a:t>
-            </a:r>
-          </a:p>
-          <a:p>
-            <a:pPr lvl="1"/>
-            <a:r>
-              <a:rPr lang="en-US" altLang="zh-CN" dirty="0" err="1"/>
-              <a:t>wingchun</a:t>
-            </a:r>
-            <a:r>
-              <a:rPr lang="en-US" altLang="zh-CN" dirty="0"/>
-              <a:t>\strategy\IWCStrategy.cpp</a:t>
-            </a:r>
-            <a:br>
-              <a:rPr lang="en-US" altLang="zh-CN" dirty="0"/>
-            </a:br>
-            <a:endParaRPr lang="en-US" altLang="zh-CN" dirty="0"/>
-          </a:p>
-          <a:p>
-            <a:r>
-              <a:rPr lang="zh-CN" altLang="en-US" dirty="0"/>
-              <a:t>消息的类型：</a:t>
-            </a:r>
-            <a:endParaRPr lang="en-US" altLang="zh-CN" dirty="0"/>
-          </a:p>
-          <a:p>
-            <a:pPr lvl="1"/>
-            <a:r>
-              <a:rPr lang="en-US" altLang="zh-CN" dirty="0" err="1"/>
-              <a:t>longfist</a:t>
-            </a:r>
-            <a:r>
-              <a:rPr lang="en-US" altLang="zh-CN" dirty="0"/>
-              <a:t>\</a:t>
-            </a:r>
-            <a:r>
-              <a:rPr lang="en-US" altLang="zh-CN" dirty="0" err="1"/>
-              <a:t>longfist</a:t>
-            </a:r>
-            <a:r>
-              <a:rPr lang="en-US" altLang="zh-CN" dirty="0"/>
-              <a:t>\</a:t>
-            </a:r>
-            <a:r>
-              <a:rPr lang="en-US" altLang="zh-CN" dirty="0" err="1"/>
-              <a:t>LFConstants.h</a:t>
-            </a:r>
-            <a:endParaRPr lang="en-US" altLang="zh-CN" dirty="0"/>
-          </a:p>
-          <a:p>
-            <a:pPr lvl="1"/>
-            <a:r>
-              <a:rPr lang="en-US" altLang="zh-CN" dirty="0"/>
-              <a:t>python\kungfu\longfist\longfist_constants.py</a:t>
-            </a:r>
-          </a:p>
-          <a:p>
-            <a:pPr lvl="1"/>
-            <a:r>
-              <a:rPr lang="zh-CN" altLang="en-US" dirty="0"/>
-              <a:t>系统的消息类型</a:t>
-            </a:r>
-            <a:endParaRPr lang="en-US" altLang="zh-CN" dirty="0"/>
-          </a:p>
-          <a:p>
-            <a:pPr lvl="1"/>
-            <a:r>
-              <a:rPr lang="en-US" altLang="zh-CN" dirty="0"/>
-              <a:t>const short MSG_TYPE_LF_L2_MD         = 102;</a:t>
-            </a:r>
-          </a:p>
-          <a:p>
-            <a:pPr lvl="1"/>
-            <a:r>
-              <a:rPr lang="en-US" altLang="zh-CN" dirty="0"/>
-              <a:t>const short MSG_TYPE_LF_L2_INDEX      = 103;</a:t>
-            </a:r>
-          </a:p>
-          <a:p>
-            <a:pPr lvl="1"/>
-            <a:r>
-              <a:rPr lang="en-US" altLang="zh-CN" dirty="0"/>
-              <a:t>const short MSG_TYPE_LF_L2_ORDER      = 104;</a:t>
-            </a:r>
-          </a:p>
-          <a:p>
-            <a:pPr lvl="1"/>
-            <a:r>
-              <a:rPr lang="en-US" altLang="zh-CN" dirty="0"/>
-              <a:t>const short MSG_TYPE_LF_L2_TRADE      = 105;</a:t>
-            </a:r>
-          </a:p>
-          <a:p>
-            <a:pPr lvl="1"/>
-            <a:r>
-              <a:rPr lang="en-US" altLang="zh-CN" dirty="0"/>
-              <a:t>const short MSG_TYPE_LF_PRICE_BOOK_20 = 106;</a:t>
-            </a:r>
-          </a:p>
-          <a:p>
-            <a:pPr lvl="1"/>
-            <a:r>
-              <a:rPr lang="en-US" altLang="zh-CN" dirty="0"/>
-              <a:t>const short MSG_TYPE_LF_BAR_MD        = 110;</a:t>
-            </a:r>
-          </a:p>
-          <a:p>
-            <a:pPr lvl="1"/>
-            <a:r>
-              <a:rPr lang="en-US" altLang="zh-CN" dirty="0"/>
-              <a:t>const short MSG_TYPE_LF_QRY_POS       = 201;</a:t>
-            </a:r>
-          </a:p>
-          <a:p>
-            <a:pPr lvl="1"/>
-            <a:r>
-              <a:rPr lang="en-US" altLang="zh-CN" dirty="0"/>
-              <a:t>const short MSG_TYPE_LF_RSP_POS       = 202;</a:t>
-            </a:r>
-          </a:p>
-          <a:p>
-            <a:pPr lvl="1"/>
-            <a:r>
-              <a:rPr lang="en-US" altLang="zh-CN" dirty="0"/>
-              <a:t>const short MSG_TYPE_LF_ORDER         = 204;</a:t>
-            </a:r>
-          </a:p>
-          <a:p>
-            <a:pPr lvl="1"/>
-            <a:r>
-              <a:rPr lang="en-US" altLang="zh-CN" dirty="0"/>
-              <a:t>const short MSG_TYPE_LF_RTN_ORDER     = 205;</a:t>
-            </a:r>
-          </a:p>
-          <a:p>
-            <a:pPr lvl="1"/>
-            <a:r>
-              <a:rPr lang="en-US" altLang="zh-CN" dirty="0"/>
-              <a:t>const short MSG_TYPE_LF_RTN_TRADE     = 206;</a:t>
-            </a:r>
-          </a:p>
-          <a:p>
-            <a:pPr lvl="1"/>
-            <a:r>
-              <a:rPr lang="en-US" altLang="zh-CN" dirty="0"/>
-              <a:t>const short MSG_TYPE_LF_ORDER_ACTION  = 207;</a:t>
-            </a:r>
-          </a:p>
-          <a:p>
-            <a:pPr lvl="1"/>
-            <a:r>
-              <a:rPr lang="en-US" altLang="zh-CN" dirty="0"/>
-              <a:t>const short MSG_TYPE_LF_QRY_ACCOUNT   = 208;</a:t>
-            </a:r>
-          </a:p>
-          <a:p>
-            <a:pPr lvl="1"/>
-            <a:r>
-              <a:rPr lang="en-US" altLang="zh-CN" dirty="0"/>
-              <a:t>const short MSG_TYPE_LF_RSP_ACCOUNT   = 209;</a:t>
-            </a:r>
-            <a:endParaRPr lang="zh-CN" altLang="en-US" dirty="0"/>
-          </a:p>
-        </p:txBody>
-      </p:sp>
+          <a:bodyPr/>
+          <a:lstStyle/>
+          <a:p>
+            <a:r>
+              <a:rPr lang="zh-CN" altLang="en-US" dirty="0"/>
+              <a:t>使用</a:t>
+            </a:r>
+            <a:r>
+              <a:rPr lang="en-US" altLang="zh-CN" dirty="0" err="1"/>
+              <a:t>kungfuctl</a:t>
+            </a:r>
+            <a:r>
+              <a:rPr lang="zh-CN" altLang="en-US" dirty="0"/>
+              <a:t>来管理</a:t>
+            </a:r>
+            <a:r>
+              <a:rPr lang="en-US" altLang="zh-CN" dirty="0" err="1"/>
+              <a:t>md,td</a:t>
+            </a:r>
+            <a:r>
+              <a:rPr lang="en-US" altLang="zh-CN" dirty="0"/>
+              <a:t> </a:t>
+            </a:r>
+            <a:r>
+              <a:rPr lang="zh-CN" altLang="en-US" dirty="0"/>
+              <a:t>进程</a:t>
+            </a:r>
+          </a:p>
+        </p:txBody>
+      </p:sp>
+      <p:pic>
+        <p:nvPicPr>
+          <p:cNvPr id="7" name="图片 6">
+            <a:extLst>
+              <a:ext uri="{FF2B5EF4-FFF2-40B4-BE49-F238E27FC236}">
+                <a16:creationId xmlns:a16="http://schemas.microsoft.com/office/drawing/2014/main" id="{D79F15ED-B441-4AF0-AEA9-CC37A42E9D65}"/>
+              </a:ext>
+            </a:extLst>
+          </p:cNvPr>
+          <p:cNvPicPr>
+            <a:picLocks noChangeAspect="1"/>
+          </p:cNvPicPr>
+          <p:nvPr/>
+        </p:nvPicPr>
+        <p:blipFill>
+          <a:blip r:embed="rId2"/>
+          <a:stretch>
+            <a:fillRect/>
+          </a:stretch>
+        </p:blipFill>
+        <p:spPr>
+          <a:xfrm>
+            <a:off x="1140167" y="2587632"/>
+            <a:ext cx="4206605" cy="3589331"/>
+          </a:xfrm>
+          <a:prstGeom prst="rect">
+            <a:avLst/>
+          </a:prstGeom>
+        </p:spPr>
+      </p:pic>
     </p:spTree>
     <p:extLst>
       <p:ext uri="{BB962C8B-B14F-4D97-AF65-F5344CB8AC3E}">
-        <p14:creationId xmlns:p14="http://schemas.microsoft.com/office/powerpoint/2010/main" val="355632800"/>
+        <p14:creationId xmlns:p14="http://schemas.microsoft.com/office/powerpoint/2010/main" val="1018569549"/>
       </p:ext>
     </p:extLst>
   </p:cSld>
@@ -8117,7 +8179,7 @@
           <p:cNvPr id="2" name="标题 1">
             <a:extLst>
               <a:ext uri="{FF2B5EF4-FFF2-40B4-BE49-F238E27FC236}">
-                <a16:creationId xmlns:a16="http://schemas.microsoft.com/office/drawing/2014/main" id="{676617CD-3CAD-48B1-A1F1-DA94904E2DC3}"/>
+                <a16:creationId xmlns:a16="http://schemas.microsoft.com/office/drawing/2014/main" id="{02096BF3-F7BD-474B-B581-A3C3EBB6E04E}"/>
               </a:ext>
             </a:extLst>
           </p:cNvPr>
@@ -8134,12 +8196,24 @@
           <a:lstStyle/>
           <a:p>
             <a:r>
-              <a:rPr lang="en-US" altLang="zh-CN" dirty="0" err="1"/>
-              <a:t>kungfu</a:t>
-            </a:r>
-            <a:r>
-              <a:rPr lang="zh-CN" altLang="en-US" dirty="0"/>
-              <a:t>之上进行虚拟货币交易改造</a:t>
+              <a:rPr lang="zh-CN" altLang="en-US" dirty="0"/>
+              <a:t>参考</a:t>
+            </a:r>
+            <a:r>
+              <a:rPr lang="en-US" altLang="zh-CN" dirty="0"/>
+              <a:t>C++</a:t>
+            </a:r>
+            <a:r>
+              <a:rPr lang="zh-CN" altLang="en-US" dirty="0"/>
+              <a:t>策略和</a:t>
+            </a:r>
+            <a:r>
+              <a:rPr lang="en-US" altLang="zh-CN" dirty="0"/>
+              <a:t>Python</a:t>
+            </a:r>
+            <a:r>
+              <a:rPr lang="zh-CN" altLang="en-US" dirty="0"/>
+              <a:t>策略</a:t>
             </a:r>
           </a:p>
         </p:txBody>
@@ -8149,7 +8223,7 @@
           <p:cNvPr id="3" name="内容占位符 2">
             <a:extLst>
               <a:ext uri="{FF2B5EF4-FFF2-40B4-BE49-F238E27FC236}">
-                <a16:creationId xmlns:a16="http://schemas.microsoft.com/office/drawing/2014/main" id="{26007D6D-E772-4643-8F5E-890856616D0E}"/>
+                <a16:creationId xmlns:a16="http://schemas.microsoft.com/office/drawing/2014/main" id="{98FF4108-323A-44CC-92FD-0D65FE31E3B3}"/>
               </a:ext>
             </a:extLst>
           </p:cNvPr>
@@ -8162,148 +8236,31 @@
         </p:nvSpPr>
         <p:spPr/>
         <p:txBody>
-          <a:bodyPr>
-            <a:normAutofit/>
-          </a:bodyPr>
-          <a:lstStyle/>
-          <a:p>
-            <a:endParaRPr lang="en-US" altLang="zh-CN" dirty="0"/>
-          </a:p>
-          <a:p>
-            <a:pPr lvl="1"/>
-            <a:r>
-              <a:rPr lang="zh-CN" altLang="en-US" dirty="0"/>
-              <a:t>发单撤单状态回报等，结构体里面的价格 </a:t>
-            </a:r>
-            <a:r>
-              <a:rPr lang="en-US" altLang="zh-CN" dirty="0" err="1"/>
-              <a:t>LimitPrice</a:t>
-            </a:r>
-            <a:r>
-              <a:rPr lang="en-US" altLang="zh-CN" dirty="0"/>
-              <a:t>/Price  </a:t>
-            </a:r>
-            <a:r>
-              <a:rPr lang="zh-CN" altLang="en-US" dirty="0"/>
-              <a:t>从</a:t>
-            </a:r>
-            <a:r>
-              <a:rPr lang="en-US" altLang="zh-CN" dirty="0"/>
-              <a:t>double  </a:t>
-            </a:r>
-            <a:r>
-              <a:rPr lang="zh-CN" altLang="en-US" dirty="0"/>
-              <a:t>改为 </a:t>
-            </a:r>
-            <a:r>
-              <a:rPr lang="en-US" altLang="zh-CN" dirty="0"/>
-              <a:t>int64_t</a:t>
-            </a:r>
-          </a:p>
-          <a:p>
-            <a:pPr lvl="1"/>
-            <a:endParaRPr lang="en-US" altLang="zh-CN" dirty="0"/>
-          </a:p>
-          <a:p>
-            <a:pPr lvl="1"/>
-            <a:r>
-              <a:rPr lang="zh-CN" altLang="en-US" dirty="0"/>
-              <a:t>发单撤单状态回报等，结构体里面的数量</a:t>
-            </a:r>
-            <a:r>
-              <a:rPr lang="en-US" altLang="zh-CN" dirty="0" err="1"/>
-              <a:t>MinVolume</a:t>
-            </a:r>
-            <a:r>
-              <a:rPr lang="en-US" altLang="zh-CN" dirty="0"/>
-              <a:t>/Volume/</a:t>
-            </a:r>
-            <a:r>
-              <a:rPr lang="en-US" altLang="zh-CN" dirty="0" err="1"/>
-              <a:t>VolumeTraded</a:t>
-            </a:r>
-            <a:r>
-              <a:rPr lang="en-US" altLang="zh-CN" dirty="0"/>
-              <a:t>/</a:t>
-            </a:r>
-            <a:r>
-              <a:rPr lang="en-US" altLang="zh-CN" dirty="0" err="1"/>
-              <a:t>VolumeTotal</a:t>
-            </a:r>
-            <a:r>
-              <a:rPr lang="en-US" altLang="zh-CN" dirty="0"/>
-              <a:t>/</a:t>
-            </a:r>
-            <a:r>
-              <a:rPr lang="en-US" altLang="zh-CN" dirty="0" err="1"/>
-              <a:t>VolumeTotalOriginal</a:t>
-            </a:r>
-            <a:r>
-              <a:rPr lang="en-US" altLang="zh-CN" dirty="0"/>
-              <a:t>    </a:t>
-            </a:r>
-            <a:r>
-              <a:rPr lang="zh-CN" altLang="en-US" dirty="0"/>
-              <a:t>从</a:t>
-            </a:r>
-            <a:r>
-              <a:rPr lang="en-US" altLang="zh-CN" dirty="0"/>
-              <a:t>int</a:t>
-            </a:r>
-            <a:r>
-              <a:rPr lang="zh-CN" altLang="en-US" dirty="0"/>
-              <a:t>改为 </a:t>
-            </a:r>
-            <a:r>
-              <a:rPr lang="en-US" altLang="zh-CN" dirty="0"/>
-              <a:t>uint64_t</a:t>
-            </a:r>
-          </a:p>
-          <a:p>
-            <a:pPr lvl="1"/>
-            <a:endParaRPr lang="en-US" altLang="zh-CN" dirty="0"/>
-          </a:p>
-          <a:p>
-            <a:pPr lvl="1"/>
-            <a:r>
-              <a:rPr lang="en-US" altLang="zh-CN" dirty="0"/>
-              <a:t>MD</a:t>
-            </a:r>
-            <a:r>
-              <a:rPr lang="zh-CN" altLang="en-US" dirty="0"/>
-              <a:t>添加了新接口：</a:t>
-            </a:r>
-            <a:r>
-              <a:rPr lang="en-US" altLang="zh-CN" dirty="0"/>
-              <a:t> </a:t>
-            </a:r>
-            <a:r>
-              <a:rPr lang="en-US" altLang="zh-CN" dirty="0" err="1"/>
-              <a:t>on_price_book_update</a:t>
-            </a:r>
-            <a:r>
-              <a:rPr lang="en-US" altLang="zh-CN" dirty="0"/>
-              <a:t> (const LFPriceBook20Field* data)</a:t>
-            </a:r>
-          </a:p>
-          <a:p>
-            <a:endParaRPr lang="en-US" altLang="zh-CN" dirty="0"/>
-          </a:p>
-          <a:p>
-            <a:endParaRPr lang="en-US" altLang="zh-CN" dirty="0"/>
-          </a:p>
-          <a:p>
-            <a:endParaRPr lang="en-US" altLang="zh-CN" dirty="0"/>
-          </a:p>
-          <a:p>
-            <a:endParaRPr lang="en-US" altLang="zh-CN" dirty="0"/>
+          <a:bodyPr/>
+          <a:lstStyle/>
+          <a:p>
+            <a:r>
+              <a:rPr lang="en-US" altLang="zh-CN" dirty="0" err="1"/>
+              <a:t>wingchun</a:t>
+            </a:r>
+            <a:r>
+              <a:rPr lang="en-US" altLang="zh-CN" dirty="0"/>
+              <a:t>\strategy\binance_md_td_strategy.cpp</a:t>
+            </a:r>
+          </a:p>
+          <a:p>
+            <a:r>
+              <a:rPr lang="en-US" altLang="zh-CN" dirty="0"/>
+              <a:t>wingchun\strategy\py_demo\binance_order_cancel_test.py</a:t>
+            </a:r>
+            <a:endParaRPr lang="zh-CN" altLang="en-US" dirty="0"/>
           </a:p>
         </p:txBody>
       </p:sp>
     </p:spTree>
     <p:extLst>
       <p:ext uri="{BB962C8B-B14F-4D97-AF65-F5344CB8AC3E}">
-        <p14:creationId xmlns:p14="http://schemas.microsoft.com/office/powerpoint/2010/main" val="4089164741"/>
+        <p14:creationId xmlns:p14="http://schemas.microsoft.com/office/powerpoint/2010/main" val="2689043168"/>
       </p:ext>
     </p:extLst>
   </p:cSld>
@@ -8335,6 +8292,379 @@
           <p:cNvPr id="2" name="标题 1">
             <a:extLst>
               <a:ext uri="{FF2B5EF4-FFF2-40B4-BE49-F238E27FC236}">
+                <a16:creationId xmlns:a16="http://schemas.microsoft.com/office/drawing/2014/main" id="{3184C796-D7D5-42CA-93E3-3948EBE039BC}"/>
+              </a:ext>
+            </a:extLst>
+          </p:cNvPr>
+          <p:cNvSpPr>
+            <a:spLocks noGrp="1"/>
+          </p:cNvSpPr>
+          <p:nvPr>
+            <p:ph type="title"/>
+          </p:nvPr>
+        </p:nvSpPr>
+        <p:spPr/>
+        <p:txBody>
+          <a:bodyPr/>
+          <a:lstStyle/>
+          <a:p>
+            <a:r>
+              <a:rPr lang="zh-CN" altLang="en-US" dirty="0"/>
+              <a:t>在</a:t>
+            </a:r>
+            <a:r>
+              <a:rPr lang="en-US" altLang="zh-CN" dirty="0" err="1"/>
+              <a:t>kungfu</a:t>
+            </a:r>
+            <a:r>
+              <a:rPr lang="zh-CN" altLang="en-US" dirty="0"/>
+              <a:t>之上进行的虚拟货币交易改造</a:t>
+            </a:r>
+          </a:p>
+        </p:txBody>
+      </p:sp>
+      <p:sp>
+        <p:nvSpPr>
+          <p:cNvPr id="3" name="内容占位符 2">
+            <a:extLst>
+              <a:ext uri="{FF2B5EF4-FFF2-40B4-BE49-F238E27FC236}">
+                <a16:creationId xmlns:a16="http://schemas.microsoft.com/office/drawing/2014/main" id="{D1AF6EEB-ABB2-4232-9752-B51D91BC29C8}"/>
+              </a:ext>
+            </a:extLst>
+          </p:cNvPr>
+          <p:cNvSpPr>
+            <a:spLocks noGrp="1"/>
+          </p:cNvSpPr>
+          <p:nvPr>
+            <p:ph idx="1"/>
+          </p:nvPr>
+        </p:nvSpPr>
+        <p:spPr/>
+        <p:txBody>
+          <a:bodyPr/>
+          <a:lstStyle/>
+          <a:p>
+            <a:endParaRPr lang="en-US" altLang="zh-CN" dirty="0"/>
+          </a:p>
+          <a:p>
+            <a:r>
+              <a:rPr lang="zh-CN" altLang="en-US" dirty="0"/>
+              <a:t>利用了</a:t>
+            </a:r>
+            <a:r>
+              <a:rPr lang="en-US" altLang="zh-CN" dirty="0" err="1"/>
+              <a:t>kungfu</a:t>
+            </a:r>
+            <a:r>
+              <a:rPr lang="zh-CN" altLang="en-US" dirty="0"/>
+              <a:t>优秀的</a:t>
+            </a:r>
+            <a:r>
+              <a:rPr lang="en-US" altLang="zh-CN" dirty="0"/>
+              <a:t>journal</a:t>
+            </a:r>
+            <a:r>
+              <a:rPr lang="zh-CN" altLang="en-US" dirty="0"/>
+              <a:t>导出和信息查看工具</a:t>
+            </a:r>
+            <a:endParaRPr lang="en-US" altLang="zh-CN" dirty="0"/>
+          </a:p>
+          <a:p>
+            <a:endParaRPr lang="en-US" altLang="zh-CN" dirty="0"/>
+          </a:p>
+          <a:p>
+            <a:r>
+              <a:rPr lang="zh-CN" altLang="en-US" dirty="0"/>
+              <a:t>改造了一些结构和接口，更加适合虚拟货币交易</a:t>
+            </a:r>
+          </a:p>
+        </p:txBody>
+      </p:sp>
+    </p:spTree>
+    <p:extLst>
+      <p:ext uri="{BB962C8B-B14F-4D97-AF65-F5344CB8AC3E}">
+        <p14:creationId xmlns:p14="http://schemas.microsoft.com/office/powerpoint/2010/main" val="1903326245"/>
+      </p:ext>
+    </p:extLst>
+  </p:cSld>
+  <p:clrMapOvr>
+    <a:masterClrMapping/>
+  </p:clrMapOvr>
+</p:sld>
+</file>
+
+<file path=ppt/slides/slide32.xml><?xml version="1.0" encoding="utf-8"?>
+<p:sld xmlns:a="http://schemas.openxmlformats.org/drawingml/2006/main" xmlns:r="http://schemas.openxmlformats.org/officeDocument/2006/relationships" xmlns:p="http://schemas.openxmlformats.org/presentationml/2006/main">
+  <p:cSld>
+    <p:spTree>
+      <p:nvGrpSpPr>
+        <p:cNvPr id="1" name=""/>
+        <p:cNvGrpSpPr/>
+        <p:nvPr/>
+      </p:nvGrpSpPr>
+      <p:grpSpPr>
+        <a:xfrm>
+          <a:off x="0" y="0"/>
+          <a:ext cx="0" cy="0"/>
+          <a:chOff x="0" y="0"/>
+          <a:chExt cx="0" cy="0"/>
+        </a:xfrm>
+      </p:grpSpPr>
+      <p:sp>
+        <p:nvSpPr>
+          <p:cNvPr id="2" name="标题 1">
+            <a:extLst>
+              <a:ext uri="{FF2B5EF4-FFF2-40B4-BE49-F238E27FC236}">
+                <a16:creationId xmlns:a16="http://schemas.microsoft.com/office/drawing/2014/main" id="{676617CD-3CAD-48B1-A1F1-DA94904E2DC3}"/>
+              </a:ext>
+            </a:extLst>
+          </p:cNvPr>
+          <p:cNvSpPr>
+            <a:spLocks noGrp="1"/>
+          </p:cNvSpPr>
+          <p:nvPr>
+            <p:ph type="title"/>
+          </p:nvPr>
+        </p:nvSpPr>
+        <p:spPr/>
+        <p:txBody>
+          <a:bodyPr/>
+          <a:lstStyle/>
+          <a:p>
+            <a:r>
+              <a:rPr lang="en-US" altLang="zh-CN" dirty="0" err="1"/>
+              <a:t>kungfu</a:t>
+            </a:r>
+            <a:r>
+              <a:rPr lang="zh-CN" altLang="en-US" dirty="0"/>
+              <a:t>之上进行虚拟货币交易改造</a:t>
+            </a:r>
+          </a:p>
+        </p:txBody>
+      </p:sp>
+      <p:sp>
+        <p:nvSpPr>
+          <p:cNvPr id="3" name="内容占位符 2">
+            <a:extLst>
+              <a:ext uri="{FF2B5EF4-FFF2-40B4-BE49-F238E27FC236}">
+                <a16:creationId xmlns:a16="http://schemas.microsoft.com/office/drawing/2014/main" id="{26007D6D-E772-4643-8F5E-890856616D0E}"/>
+              </a:ext>
+            </a:extLst>
+          </p:cNvPr>
+          <p:cNvSpPr>
+            <a:spLocks noGrp="1"/>
+          </p:cNvSpPr>
+          <p:nvPr>
+            <p:ph idx="1"/>
+          </p:nvPr>
+        </p:nvSpPr>
+        <p:spPr/>
+        <p:txBody>
+          <a:bodyPr>
+            <a:normAutofit/>
+          </a:bodyPr>
+          <a:lstStyle/>
+          <a:p>
+            <a:endParaRPr lang="en-US" altLang="zh-CN" dirty="0"/>
+          </a:p>
+          <a:p>
+            <a:pPr lvl="1"/>
+            <a:r>
+              <a:rPr lang="zh-CN" altLang="en-US" dirty="0"/>
+              <a:t>发单撤单状态回报等，结构体里面的</a:t>
+            </a:r>
+            <a:r>
+              <a:rPr lang="zh-CN" altLang="en-US" b="1" dirty="0"/>
+              <a:t>价格</a:t>
+            </a:r>
+            <a:r>
+              <a:rPr lang="zh-CN" altLang="en-US" dirty="0"/>
+              <a:t> </a:t>
+            </a:r>
+            <a:r>
+              <a:rPr lang="en-US" altLang="zh-CN" dirty="0" err="1"/>
+              <a:t>LimitPrice</a:t>
+            </a:r>
+            <a:r>
+              <a:rPr lang="en-US" altLang="zh-CN" dirty="0"/>
+              <a:t>/Price  </a:t>
+            </a:r>
+            <a:r>
+              <a:rPr lang="zh-CN" altLang="en-US" dirty="0"/>
+              <a:t>从</a:t>
+            </a:r>
+            <a:r>
+              <a:rPr lang="en-US" altLang="zh-CN" dirty="0"/>
+              <a:t>double  </a:t>
+            </a:r>
+            <a:r>
+              <a:rPr lang="zh-CN" altLang="en-US" dirty="0"/>
+              <a:t>改为 </a:t>
+            </a:r>
+            <a:r>
+              <a:rPr lang="en-US" altLang="zh-CN" dirty="0"/>
+              <a:t>int64_t</a:t>
+            </a:r>
+          </a:p>
+          <a:p>
+            <a:pPr lvl="1"/>
+            <a:endParaRPr lang="en-US" altLang="zh-CN" dirty="0"/>
+          </a:p>
+          <a:p>
+            <a:pPr lvl="1"/>
+            <a:r>
+              <a:rPr lang="zh-CN" altLang="en-US" dirty="0"/>
+              <a:t>发单撤单状态回报等，结构体里面的</a:t>
+            </a:r>
+            <a:r>
+              <a:rPr lang="zh-CN" altLang="en-US" b="1" dirty="0"/>
+              <a:t>数量</a:t>
+            </a:r>
+            <a:r>
+              <a:rPr lang="en-US" altLang="zh-CN" dirty="0" err="1"/>
+              <a:t>MinVolume</a:t>
+            </a:r>
+            <a:r>
+              <a:rPr lang="en-US" altLang="zh-CN" dirty="0"/>
+              <a:t>/Volume/</a:t>
+            </a:r>
+            <a:r>
+              <a:rPr lang="en-US" altLang="zh-CN" dirty="0" err="1"/>
+              <a:t>VolumeTraded</a:t>
+            </a:r>
+            <a:r>
+              <a:rPr lang="en-US" altLang="zh-CN" dirty="0"/>
+              <a:t>/</a:t>
+            </a:r>
+            <a:r>
+              <a:rPr lang="en-US" altLang="zh-CN" dirty="0" err="1"/>
+              <a:t>VolumeTotal</a:t>
+            </a:r>
+            <a:r>
+              <a:rPr lang="en-US" altLang="zh-CN" dirty="0"/>
+              <a:t>/</a:t>
+            </a:r>
+            <a:r>
+              <a:rPr lang="en-US" altLang="zh-CN" dirty="0" err="1"/>
+              <a:t>VolumeTotalOriginal</a:t>
+            </a:r>
+            <a:r>
+              <a:rPr lang="en-US" altLang="zh-CN" dirty="0"/>
+              <a:t>    </a:t>
+            </a:r>
+            <a:r>
+              <a:rPr lang="zh-CN" altLang="en-US" dirty="0"/>
+              <a:t>从</a:t>
+            </a:r>
+            <a:r>
+              <a:rPr lang="en-US" altLang="zh-CN" dirty="0"/>
+              <a:t>int</a:t>
+            </a:r>
+            <a:r>
+              <a:rPr lang="zh-CN" altLang="en-US" dirty="0"/>
+              <a:t>改为 </a:t>
+            </a:r>
+            <a:r>
+              <a:rPr lang="en-US" altLang="zh-CN" dirty="0"/>
+              <a:t>uint64_t</a:t>
+            </a:r>
+          </a:p>
+          <a:p>
+            <a:pPr lvl="1"/>
+            <a:endParaRPr lang="en-US" altLang="zh-CN" dirty="0"/>
+          </a:p>
+          <a:p>
+            <a:pPr lvl="1"/>
+            <a:r>
+              <a:rPr lang="en-US" altLang="zh-CN" dirty="0"/>
+              <a:t>MD</a:t>
+            </a:r>
+            <a:r>
+              <a:rPr lang="zh-CN" altLang="en-US" dirty="0"/>
+              <a:t>添加了新接口：</a:t>
+            </a:r>
+            <a:r>
+              <a:rPr lang="en-US" altLang="zh-CN" dirty="0"/>
+              <a:t> </a:t>
+            </a:r>
+            <a:r>
+              <a:rPr lang="en-US" altLang="zh-CN" b="1" dirty="0" err="1"/>
+              <a:t>on_price_book_update</a:t>
+            </a:r>
+            <a:r>
+              <a:rPr lang="en-US" altLang="zh-CN" dirty="0"/>
+              <a:t> (const LFPriceBook20Field* data)</a:t>
+            </a:r>
+          </a:p>
+          <a:p>
+            <a:pPr lvl="1"/>
+            <a:r>
+              <a:rPr lang="en-US" altLang="zh-CN" dirty="0"/>
+              <a:t>TD</a:t>
+            </a:r>
+            <a:r>
+              <a:rPr lang="zh-CN" altLang="en-US" dirty="0"/>
+              <a:t>部分通过给</a:t>
+            </a:r>
+            <a:r>
+              <a:rPr lang="en-US" altLang="zh-CN" dirty="0" err="1"/>
+              <a:t>LFInputOrderField</a:t>
+            </a:r>
+            <a:r>
+              <a:rPr lang="zh-CN" altLang="en-US" dirty="0"/>
+              <a:t>增加分组参数，可以进行批量发单</a:t>
+            </a:r>
+            <a:endParaRPr lang="en-US" altLang="zh-CN" dirty="0"/>
+          </a:p>
+          <a:p>
+            <a:endParaRPr lang="en-US" altLang="zh-CN" dirty="0"/>
+          </a:p>
+          <a:p>
+            <a:endParaRPr lang="en-US" altLang="zh-CN" dirty="0"/>
+          </a:p>
+          <a:p>
+            <a:endParaRPr lang="en-US" altLang="zh-CN" dirty="0"/>
+          </a:p>
+          <a:p>
+            <a:endParaRPr lang="en-US" altLang="zh-CN" dirty="0"/>
+          </a:p>
+        </p:txBody>
+      </p:sp>
+    </p:spTree>
+    <p:extLst>
+      <p:ext uri="{BB962C8B-B14F-4D97-AF65-F5344CB8AC3E}">
+        <p14:creationId xmlns:p14="http://schemas.microsoft.com/office/powerpoint/2010/main" val="4089164741"/>
+      </p:ext>
+    </p:extLst>
+  </p:cSld>
+  <p:clrMapOvr>
+    <a:masterClrMapping/>
+  </p:clrMapOvr>
+</p:sld>
+</file>
+
+<file path=ppt/slides/slide33.xml><?xml version="1.0" encoding="utf-8"?>
+<p:sld xmlns:a="http://schemas.openxmlformats.org/drawingml/2006/main" xmlns:r="http://schemas.openxmlformats.org/officeDocument/2006/relationships" xmlns:p="http://schemas.openxmlformats.org/presentationml/2006/main">
+  <p:cSld>
+    <p:spTree>
+      <p:nvGrpSpPr>
+        <p:cNvPr id="1" name=""/>
+        <p:cNvGrpSpPr/>
+        <p:nvPr/>
+      </p:nvGrpSpPr>
+      <p:grpSpPr>
+        <a:xfrm>
+          <a:off x="0" y="0"/>
+          <a:ext cx="0" cy="0"/>
+          <a:chOff x="0" y="0"/>
+          <a:chExt cx="0" cy="0"/>
+        </a:xfrm>
+      </p:grpSpPr>
+      <p:sp>
+        <p:nvSpPr>
+          <p:cNvPr id="2" name="标题 1">
+            <a:extLst>
+              <a:ext uri="{FF2B5EF4-FFF2-40B4-BE49-F238E27FC236}">
                 <a16:creationId xmlns:a16="http://schemas.microsoft.com/office/drawing/2014/main" id="{D23C1E7B-BE23-40AD-A9F5-D573F465226C}"/>
               </a:ext>
             </a:extLst>
@@ -8766,7 +9096,7 @@
 </p:sld>
 </file>
 
-<file path=ppt/slides/slide32.xml><?xml version="1.0" encoding="utf-8"?>
+<file path=ppt/slides/slide34.xml><?xml version="1.0" encoding="utf-8"?>
 <p:sld xmlns:a="http://schemas.openxmlformats.org/drawingml/2006/main" xmlns:r="http://schemas.openxmlformats.org/officeDocument/2006/relationships" xmlns:p="http://schemas.openxmlformats.org/presentationml/2006/main">
   <p:cSld>
     <p:spTree>
@@ -9034,613 +9364,6 @@
 </p:sld>
 </file>
 
-<file path=ppt/slides/slide33.xml><?xml version="1.0" encoding="utf-8"?>
-<p:sld xmlns:a="http://schemas.openxmlformats.org/drawingml/2006/main" xmlns:r="http://schemas.openxmlformats.org/officeDocument/2006/relationships" xmlns:p="http://schemas.openxmlformats.org/presentationml/2006/main">
-  <p:cSld>
-    <p:spTree>
-      <p:nvGrpSpPr>
-        <p:cNvPr id="1" name=""/>
-        <p:cNvGrpSpPr/>
-        <p:nvPr/>
-      </p:nvGrpSpPr>
-      <p:grpSpPr>
-        <a:xfrm>
-          <a:off x="0" y="0"/>
-          <a:ext cx="0" cy="0"/>
-          <a:chOff x="0" y="0"/>
-          <a:chExt cx="0" cy="0"/>
-        </a:xfrm>
-      </p:grpSpPr>
-      <p:sp>
-        <p:nvSpPr>
-          <p:cNvPr id="2" name="标题 1">
-            <a:extLst>
-              <a:ext uri="{FF2B5EF4-FFF2-40B4-BE49-F238E27FC236}">
-                <a16:creationId xmlns:a16="http://schemas.microsoft.com/office/drawing/2014/main" id="{538A241D-DF90-4D36-AE5E-FE8FF00C1295}"/>
-              </a:ext>
-            </a:extLst>
-          </p:cNvPr>
-          <p:cNvSpPr>
-            <a:spLocks noGrp="1"/>
-          </p:cNvSpPr>
-          <p:nvPr>
-            <p:ph type="title"/>
-          </p:nvPr>
-        </p:nvSpPr>
-        <p:spPr/>
-        <p:txBody>
-          <a:bodyPr/>
-          <a:lstStyle/>
-          <a:p>
-            <a:r>
-              <a:rPr lang="en-US" altLang="zh-CN" dirty="0"/>
-              <a:t>Kungfu</a:t>
-            </a:r>
-            <a:r>
-              <a:rPr lang="zh-CN" altLang="en-US" dirty="0"/>
-              <a:t>开发一个</a:t>
-            </a:r>
-            <a:r>
-              <a:rPr lang="en-US" altLang="zh-CN" dirty="0"/>
-              <a:t>MD</a:t>
-            </a:r>
-            <a:r>
-              <a:rPr lang="zh-CN" altLang="en-US" dirty="0"/>
-              <a:t>，</a:t>
-            </a:r>
-            <a:r>
-              <a:rPr lang="en-US" altLang="zh-CN" dirty="0"/>
-              <a:t>TD</a:t>
-            </a:r>
-            <a:r>
-              <a:rPr lang="zh-CN" altLang="en-US" dirty="0"/>
-              <a:t>需要修改哪些文件</a:t>
-            </a:r>
-          </a:p>
-        </p:txBody>
-      </p:sp>
-      <p:sp>
-        <p:nvSpPr>
-          <p:cNvPr id="3" name="内容占位符 2">
-            <a:extLst>
-              <a:ext uri="{FF2B5EF4-FFF2-40B4-BE49-F238E27FC236}">
-                <a16:creationId xmlns:a16="http://schemas.microsoft.com/office/drawing/2014/main" id="{C013EC6F-9789-4B94-BBCD-47A41C702B35}"/>
-              </a:ext>
-            </a:extLst>
-          </p:cNvPr>
-          <p:cNvSpPr>
-            <a:spLocks noGrp="1"/>
-          </p:cNvSpPr>
-          <p:nvPr>
-            <p:ph idx="1"/>
-          </p:nvPr>
-        </p:nvSpPr>
-        <p:spPr/>
-        <p:txBody>
-          <a:bodyPr>
-            <a:normAutofit fontScale="62500" lnSpcReduction="20000"/>
-          </a:bodyPr>
-          <a:lstStyle/>
-          <a:p>
-            <a:r>
-              <a:rPr lang="zh-CN" altLang="en-US" dirty="0"/>
-              <a:t>请参考</a:t>
-            </a:r>
-            <a:r>
-              <a:rPr lang="en-US" altLang="zh-CN" dirty="0"/>
-              <a:t>git </a:t>
-            </a:r>
-            <a:r>
-              <a:rPr lang="zh-CN" altLang="en-US" dirty="0"/>
-              <a:t>的</a:t>
-            </a:r>
-            <a:r>
-              <a:rPr lang="en-US" altLang="zh-CN" dirty="0"/>
-              <a:t>commit</a:t>
-            </a:r>
-            <a:r>
-              <a:rPr lang="zh-CN" altLang="en-US" dirty="0"/>
-              <a:t>内容里面有 </a:t>
-            </a:r>
-            <a:r>
-              <a:rPr lang="en-US" altLang="zh-CN" dirty="0"/>
-              <a:t>(a standard template of How to add a new MD/TD) </a:t>
-            </a:r>
-            <a:r>
-              <a:rPr lang="zh-CN" altLang="en-US" dirty="0"/>
-              <a:t>这些字的。</a:t>
-            </a:r>
-          </a:p>
-          <a:p>
-            <a:pPr lvl="1"/>
-            <a:r>
-              <a:rPr lang="en-US" altLang="zh-CN" dirty="0"/>
-              <a:t>	Modified: </a:t>
-            </a:r>
-            <a:r>
-              <a:rPr lang="en-US" altLang="zh-CN" dirty="0" err="1"/>
-              <a:t>longfist</a:t>
-            </a:r>
-            <a:r>
-              <a:rPr lang="en-US" altLang="zh-CN" dirty="0"/>
-              <a:t>/</a:t>
-            </a:r>
-            <a:r>
-              <a:rPr lang="en-US" altLang="zh-CN" dirty="0" err="1"/>
-              <a:t>longfist</a:t>
-            </a:r>
-            <a:r>
-              <a:rPr lang="en-US" altLang="zh-CN" dirty="0"/>
-              <a:t>/</a:t>
-            </a:r>
-            <a:r>
-              <a:rPr lang="en-US" altLang="zh-CN" dirty="0" err="1"/>
-              <a:t>LFConstants.h</a:t>
-            </a:r>
-            <a:endParaRPr lang="en-US" altLang="zh-CN" dirty="0"/>
-          </a:p>
-          <a:p>
-            <a:pPr lvl="1"/>
-            <a:r>
-              <a:rPr lang="en-US" altLang="zh-CN" dirty="0"/>
-              <a:t>	Modified: </a:t>
-            </a:r>
-            <a:r>
-              <a:rPr lang="en-US" altLang="zh-CN" dirty="0" err="1"/>
-              <a:t>longfist</a:t>
-            </a:r>
-            <a:r>
-              <a:rPr lang="en-US" altLang="zh-CN" dirty="0"/>
-              <a:t>/</a:t>
-            </a:r>
-            <a:r>
-              <a:rPr lang="en-US" altLang="zh-CN" dirty="0" err="1"/>
-              <a:t>longfist</a:t>
-            </a:r>
-            <a:r>
-              <a:rPr lang="en-US" altLang="zh-CN" dirty="0"/>
-              <a:t>/</a:t>
-            </a:r>
-            <a:r>
-              <a:rPr lang="en-US" altLang="zh-CN" dirty="0" err="1"/>
-              <a:t>LFUtils.h</a:t>
-            </a:r>
-            <a:endParaRPr lang="en-US" altLang="zh-CN" dirty="0"/>
-          </a:p>
-          <a:p>
-            <a:pPr lvl="1"/>
-            <a:r>
-              <a:rPr lang="en-US" altLang="zh-CN" dirty="0"/>
-              <a:t>	Modified: python/kungfu/longfist/longfist_constants.py</a:t>
-            </a:r>
-          </a:p>
-          <a:p>
-            <a:pPr lvl="1"/>
-            <a:r>
-              <a:rPr lang="en-US" altLang="zh-CN" dirty="0"/>
-              <a:t>	Modified: python/kungfu/wingchun/constants.py</a:t>
-            </a:r>
-          </a:p>
-          <a:p>
-            <a:pPr lvl="1"/>
-            <a:r>
-              <a:rPr lang="en-US" altLang="zh-CN" dirty="0"/>
-              <a:t>	Modified: python/kungfu/wingchun/wc_configs.py</a:t>
-            </a:r>
-          </a:p>
-          <a:p>
-            <a:pPr lvl="1"/>
-            <a:r>
-              <a:rPr lang="en-US" altLang="zh-CN" dirty="0"/>
-              <a:t>	Modified: rpm/</a:t>
-            </a:r>
-            <a:r>
-              <a:rPr lang="en-US" altLang="zh-CN" dirty="0" err="1"/>
-              <a:t>etc</a:t>
-            </a:r>
-            <a:r>
-              <a:rPr lang="en-US" altLang="zh-CN" dirty="0"/>
-              <a:t>/</a:t>
-            </a:r>
-            <a:r>
-              <a:rPr lang="en-US" altLang="zh-CN" dirty="0" err="1"/>
-              <a:t>kungfu</a:t>
-            </a:r>
-            <a:r>
-              <a:rPr lang="en-US" altLang="zh-CN" dirty="0"/>
-              <a:t>/</a:t>
-            </a:r>
-            <a:r>
-              <a:rPr lang="en-US" altLang="zh-CN" dirty="0" err="1"/>
-              <a:t>kungfu.json.sample</a:t>
-            </a:r>
-            <a:endParaRPr lang="en-US" altLang="zh-CN" dirty="0"/>
-          </a:p>
-          <a:p>
-            <a:pPr lvl="1"/>
-            <a:r>
-              <a:rPr lang="en-US" altLang="zh-CN" dirty="0"/>
-              <a:t>	Added: rpm/</a:t>
-            </a:r>
-            <a:r>
-              <a:rPr lang="en-US" altLang="zh-CN" dirty="0" err="1"/>
-              <a:t>etc</a:t>
-            </a:r>
-            <a:r>
-              <a:rPr lang="en-US" altLang="zh-CN" dirty="0"/>
-              <a:t>/supervisor/</a:t>
-            </a:r>
-            <a:r>
-              <a:rPr lang="en-US" altLang="zh-CN" dirty="0" err="1"/>
-              <a:t>conf.d</a:t>
-            </a:r>
-            <a:r>
-              <a:rPr lang="en-US" altLang="zh-CN" dirty="0"/>
-              <a:t>/</a:t>
-            </a:r>
-            <a:r>
-              <a:rPr lang="en-US" altLang="zh-CN" dirty="0" err="1"/>
-              <a:t>md_bitfinex.conf</a:t>
-            </a:r>
-            <a:endParaRPr lang="en-US" altLang="zh-CN" dirty="0"/>
-          </a:p>
-          <a:p>
-            <a:pPr lvl="1"/>
-            <a:r>
-              <a:rPr lang="en-US" altLang="zh-CN" dirty="0"/>
-              <a:t>	Added: rpm/</a:t>
-            </a:r>
-            <a:r>
-              <a:rPr lang="en-US" altLang="zh-CN" dirty="0" err="1"/>
-              <a:t>etc</a:t>
-            </a:r>
-            <a:r>
-              <a:rPr lang="en-US" altLang="zh-CN" dirty="0"/>
-              <a:t>/supervisor/</a:t>
-            </a:r>
-            <a:r>
-              <a:rPr lang="en-US" altLang="zh-CN" dirty="0" err="1"/>
-              <a:t>conf.d</a:t>
-            </a:r>
-            <a:r>
-              <a:rPr lang="en-US" altLang="zh-CN" dirty="0"/>
-              <a:t>/</a:t>
-            </a:r>
-            <a:r>
-              <a:rPr lang="en-US" altLang="zh-CN" dirty="0" err="1"/>
-              <a:t>td_bitfinex.conf</a:t>
-            </a:r>
-            <a:endParaRPr lang="en-US" altLang="zh-CN" dirty="0"/>
-          </a:p>
-          <a:p>
-            <a:pPr lvl="1"/>
-            <a:r>
-              <a:rPr lang="en-US" altLang="zh-CN" dirty="0"/>
-              <a:t>	Modified: rpm/scripts/post_install.sh</a:t>
-            </a:r>
-          </a:p>
-          <a:p>
-            <a:pPr lvl="1"/>
-            <a:r>
-              <a:rPr lang="en-US" altLang="zh-CN" dirty="0"/>
-              <a:t>	Modified: </a:t>
-            </a:r>
-            <a:r>
-              <a:rPr lang="en-US" altLang="zh-CN" dirty="0" err="1"/>
-              <a:t>wingchun</a:t>
-            </a:r>
-            <a:r>
-              <a:rPr lang="en-US" altLang="zh-CN" dirty="0"/>
-              <a:t>/md/CMakeLists.txt</a:t>
-            </a:r>
-          </a:p>
-          <a:p>
-            <a:pPr lvl="1"/>
-            <a:r>
-              <a:rPr lang="en-US" altLang="zh-CN" dirty="0"/>
-              <a:t>	Added: </a:t>
-            </a:r>
-            <a:r>
-              <a:rPr lang="en-US" altLang="zh-CN" dirty="0" err="1"/>
-              <a:t>wingchun</a:t>
-            </a:r>
-            <a:r>
-              <a:rPr lang="en-US" altLang="zh-CN" dirty="0"/>
-              <a:t>/md/MDEngineBitfinex.cpp</a:t>
-            </a:r>
-          </a:p>
-          <a:p>
-            <a:pPr lvl="1"/>
-            <a:r>
-              <a:rPr lang="en-US" altLang="zh-CN" dirty="0"/>
-              <a:t>	Added: </a:t>
-            </a:r>
-            <a:r>
-              <a:rPr lang="en-US" altLang="zh-CN" dirty="0" err="1"/>
-              <a:t>wingchun</a:t>
-            </a:r>
-            <a:r>
-              <a:rPr lang="en-US" altLang="zh-CN" dirty="0"/>
-              <a:t>/md/</a:t>
-            </a:r>
-            <a:r>
-              <a:rPr lang="en-US" altLang="zh-CN" dirty="0" err="1"/>
-              <a:t>MDEngineBitfinex.h</a:t>
-            </a:r>
-            <a:endParaRPr lang="en-US" altLang="zh-CN" dirty="0"/>
-          </a:p>
-          <a:p>
-            <a:pPr lvl="1"/>
-            <a:r>
-              <a:rPr lang="en-US" altLang="zh-CN" dirty="0"/>
-              <a:t>	Modified: </a:t>
-            </a:r>
-            <a:r>
-              <a:rPr lang="en-US" altLang="zh-CN" dirty="0" err="1"/>
-              <a:t>wingchun</a:t>
-            </a:r>
-            <a:r>
-              <a:rPr lang="en-US" altLang="zh-CN" dirty="0"/>
-              <a:t>/td/CMakeLists.txt</a:t>
-            </a:r>
-          </a:p>
-          <a:p>
-            <a:pPr lvl="1"/>
-            <a:r>
-              <a:rPr lang="en-US" altLang="zh-CN" dirty="0"/>
-              <a:t>	Added: </a:t>
-            </a:r>
-            <a:r>
-              <a:rPr lang="en-US" altLang="zh-CN" dirty="0" err="1"/>
-              <a:t>wingchun</a:t>
-            </a:r>
-            <a:r>
-              <a:rPr lang="en-US" altLang="zh-CN" dirty="0"/>
-              <a:t>/td/TDEngineBitfinex.cpp</a:t>
-            </a:r>
-          </a:p>
-          <a:p>
-            <a:pPr lvl="1"/>
-            <a:r>
-              <a:rPr lang="en-US" altLang="zh-CN" dirty="0"/>
-              <a:t>	Added: </a:t>
-            </a:r>
-            <a:r>
-              <a:rPr lang="en-US" altLang="zh-CN" dirty="0" err="1"/>
-              <a:t>wingchun</a:t>
-            </a:r>
-            <a:r>
-              <a:rPr lang="en-US" altLang="zh-CN" dirty="0"/>
-              <a:t>/td/</a:t>
-            </a:r>
-            <a:r>
-              <a:rPr lang="en-US" altLang="zh-CN" dirty="0" err="1"/>
-              <a:t>TDEngineBitfinex.h</a:t>
-            </a:r>
-            <a:endParaRPr lang="en-US" altLang="zh-CN" dirty="0"/>
-          </a:p>
-          <a:p>
-            <a:pPr lvl="1"/>
-            <a:r>
-              <a:rPr lang="en-US" altLang="zh-CN" dirty="0"/>
-              <a:t>	Modified: </a:t>
-            </a:r>
-            <a:r>
-              <a:rPr lang="en-US" altLang="zh-CN" dirty="0" err="1"/>
-              <a:t>yijinjing</a:t>
-            </a:r>
-            <a:r>
-              <a:rPr lang="en-US" altLang="zh-CN" dirty="0"/>
-              <a:t>/journal/JournalFinder.cpp</a:t>
-            </a:r>
-            <a:endParaRPr lang="zh-CN" altLang="en-US" dirty="0"/>
-          </a:p>
-        </p:txBody>
-      </p:sp>
-    </p:spTree>
-    <p:extLst>
-      <p:ext uri="{BB962C8B-B14F-4D97-AF65-F5344CB8AC3E}">
-        <p14:creationId xmlns:p14="http://schemas.microsoft.com/office/powerpoint/2010/main" val="2826973147"/>
-      </p:ext>
-    </p:extLst>
-  </p:cSld>
-  <p:clrMapOvr>
-    <a:masterClrMapping/>
-  </p:clrMapOvr>
-</p:sld>
-</file>
-
-<file path=ppt/slides/slide34.xml><?xml version="1.0" encoding="utf-8"?>
-<p:sld xmlns:a="http://schemas.openxmlformats.org/drawingml/2006/main" xmlns:r="http://schemas.openxmlformats.org/officeDocument/2006/relationships" xmlns:p="http://schemas.openxmlformats.org/presentationml/2006/main">
-  <p:cSld>
-    <p:spTree>
-      <p:nvGrpSpPr>
-        <p:cNvPr id="1" name=""/>
-        <p:cNvGrpSpPr/>
-        <p:nvPr/>
-      </p:nvGrpSpPr>
-      <p:grpSpPr>
-        <a:xfrm>
-          <a:off x="0" y="0"/>
-          <a:ext cx="0" cy="0"/>
-          <a:chOff x="0" y="0"/>
-          <a:chExt cx="0" cy="0"/>
-        </a:xfrm>
-      </p:grpSpPr>
-      <p:sp>
-        <p:nvSpPr>
-          <p:cNvPr id="2" name="标题 1">
-            <a:extLst>
-              <a:ext uri="{FF2B5EF4-FFF2-40B4-BE49-F238E27FC236}">
-                <a16:creationId xmlns:a16="http://schemas.microsoft.com/office/drawing/2014/main" id="{C7CC8DC6-AA4E-4E06-9864-A0ECA73FD7D0}"/>
-              </a:ext>
-            </a:extLst>
-          </p:cNvPr>
-          <p:cNvSpPr>
-            <a:spLocks noGrp="1"/>
-          </p:cNvSpPr>
-          <p:nvPr>
-            <p:ph type="title"/>
-          </p:nvPr>
-        </p:nvSpPr>
-        <p:spPr/>
-        <p:txBody>
-          <a:bodyPr/>
-          <a:lstStyle/>
-          <a:p>
-            <a:r>
-              <a:rPr lang="zh-CN" altLang="en-US" dirty="0"/>
-              <a:t>开发一个 </a:t>
-            </a:r>
-            <a:r>
-              <a:rPr lang="en-US" altLang="zh-CN" dirty="0" err="1"/>
-              <a:t>websocket</a:t>
-            </a:r>
-            <a:r>
-              <a:rPr lang="en-US" altLang="zh-CN" dirty="0"/>
-              <a:t> MD</a:t>
-            </a:r>
-            <a:r>
-              <a:rPr lang="zh-CN" altLang="en-US" dirty="0"/>
-              <a:t>的过程</a:t>
-            </a:r>
-          </a:p>
-        </p:txBody>
-      </p:sp>
-      <p:sp>
-        <p:nvSpPr>
-          <p:cNvPr id="3" name="内容占位符 2">
-            <a:extLst>
-              <a:ext uri="{FF2B5EF4-FFF2-40B4-BE49-F238E27FC236}">
-                <a16:creationId xmlns:a16="http://schemas.microsoft.com/office/drawing/2014/main" id="{E5AE2544-106F-40AB-9422-7BFEB927909E}"/>
-              </a:ext>
-            </a:extLst>
-          </p:cNvPr>
-          <p:cNvSpPr>
-            <a:spLocks noGrp="1"/>
-          </p:cNvSpPr>
-          <p:nvPr>
-            <p:ph idx="1"/>
-          </p:nvPr>
-        </p:nvSpPr>
-        <p:spPr/>
-        <p:txBody>
-          <a:bodyPr/>
-          <a:lstStyle/>
-          <a:p>
-            <a:r>
-              <a:rPr lang="zh-CN" altLang="en-US" dirty="0"/>
-              <a:t>先参考</a:t>
-            </a:r>
-            <a:r>
-              <a:rPr lang="en-US" altLang="zh-CN" dirty="0"/>
-              <a:t>test</a:t>
-            </a:r>
-            <a:r>
-              <a:rPr lang="zh-CN" altLang="en-US" dirty="0"/>
-              <a:t>目录下的</a:t>
-            </a:r>
-            <a:r>
-              <a:rPr lang="en-US" altLang="zh-CN" dirty="0" err="1"/>
-              <a:t>websocket</a:t>
-            </a:r>
-            <a:r>
-              <a:rPr lang="zh-CN" altLang="en-US" dirty="0"/>
-              <a:t>代码，写一个简单的</a:t>
-            </a:r>
-            <a:r>
-              <a:rPr lang="en-US" altLang="zh-CN" dirty="0" err="1"/>
-              <a:t>websocket</a:t>
-            </a:r>
-            <a:r>
-              <a:rPr lang="zh-CN" altLang="en-US" dirty="0"/>
-              <a:t>接收测试，能够连接对方， 并接收到信息就可以了。</a:t>
-            </a:r>
-            <a:endParaRPr lang="en-US" altLang="zh-CN" dirty="0"/>
-          </a:p>
-          <a:p>
-            <a:endParaRPr lang="en-US" altLang="zh-CN" dirty="0"/>
-          </a:p>
-          <a:p>
-            <a:r>
-              <a:rPr lang="zh-CN" altLang="en-US" dirty="0"/>
-              <a:t>再根据</a:t>
-            </a:r>
-            <a:r>
-              <a:rPr lang="en-US" altLang="zh-CN" dirty="0" err="1"/>
-              <a:t>websocket</a:t>
-            </a:r>
-            <a:r>
-              <a:rPr lang="zh-CN" altLang="en-US" dirty="0"/>
-              <a:t>的接入方式来参考实现的</a:t>
-            </a:r>
-            <a:r>
-              <a:rPr lang="en-US" altLang="zh-CN" dirty="0"/>
-              <a:t>md</a:t>
-            </a:r>
-          </a:p>
-          <a:p>
-            <a:endParaRPr lang="en-US" altLang="zh-CN" dirty="0"/>
-          </a:p>
-          <a:p>
-            <a:r>
-              <a:rPr lang="zh-CN" altLang="en-US" dirty="0"/>
-              <a:t>每个币值对一个新连接的，如</a:t>
-            </a:r>
-            <a:r>
-              <a:rPr lang="en-US" altLang="zh-CN" dirty="0" err="1"/>
-              <a:t>binance</a:t>
-            </a:r>
-            <a:endParaRPr lang="en-US" altLang="zh-CN" dirty="0"/>
-          </a:p>
-          <a:p>
-            <a:endParaRPr lang="en-US" altLang="zh-CN" dirty="0"/>
-          </a:p>
-          <a:p>
-            <a:r>
-              <a:rPr lang="zh-CN" altLang="en-US" dirty="0"/>
-              <a:t>一个</a:t>
-            </a:r>
-            <a:r>
-              <a:rPr lang="en-US" altLang="zh-CN" dirty="0" err="1"/>
-              <a:t>websocket</a:t>
-            </a:r>
-            <a:r>
-              <a:rPr lang="zh-CN" altLang="en-US" dirty="0"/>
-              <a:t>连接， 订阅多个币值对的，如</a:t>
-            </a:r>
-            <a:r>
-              <a:rPr lang="en-US" altLang="zh-CN" dirty="0" err="1"/>
-              <a:t>coinmex</a:t>
-            </a:r>
-            <a:r>
-              <a:rPr lang="zh-CN" altLang="en-US" dirty="0"/>
-              <a:t>，</a:t>
-            </a:r>
-            <a:r>
-              <a:rPr lang="en-US" altLang="zh-CN" dirty="0" err="1"/>
-              <a:t>bitfinex</a:t>
-            </a:r>
-            <a:r>
-              <a:rPr lang="zh-CN" altLang="en-US" dirty="0"/>
-              <a:t>，</a:t>
-            </a:r>
-          </a:p>
-        </p:txBody>
-      </p:sp>
-    </p:spTree>
-    <p:extLst>
-      <p:ext uri="{BB962C8B-B14F-4D97-AF65-F5344CB8AC3E}">
-        <p14:creationId xmlns:p14="http://schemas.microsoft.com/office/powerpoint/2010/main" val="2481568132"/>
-      </p:ext>
-    </p:extLst>
-  </p:cSld>
-  <p:clrMapOvr>
-    <a:masterClrMapping/>
-  </p:clrMapOvr>
-</p:sld>
-</file>
-
 <file path=ppt/slides/slide35.xml><?xml version="1.0" encoding="utf-8"?>
 <p:sld xmlns:a="http://schemas.openxmlformats.org/drawingml/2006/main" xmlns:r="http://schemas.openxmlformats.org/officeDocument/2006/relationships" xmlns:p="http://schemas.openxmlformats.org/presentationml/2006/main">
   <p:cSld>
@@ -9663,7 +9386,7 @@
           <p:cNvPr id="2" name="标题 1">
             <a:extLst>
               <a:ext uri="{FF2B5EF4-FFF2-40B4-BE49-F238E27FC236}">
-                <a16:creationId xmlns:a16="http://schemas.microsoft.com/office/drawing/2014/main" id="{6CC395DF-85BA-4CFD-9A39-419E6401E0CD}"/>
+                <a16:creationId xmlns:a16="http://schemas.microsoft.com/office/drawing/2014/main" id="{0003BE84-91AF-48F5-B4E6-9CBE906D0D10}"/>
               </a:ext>
             </a:extLst>
           </p:cNvPr>
@@ -9680,16 +9403,12 @@
           <a:lstStyle/>
           <a:p>
             <a:r>
-              <a:rPr lang="zh-CN" altLang="en-US" dirty="0"/>
-              <a:t>开发一个</a:t>
-            </a:r>
-            <a:r>
-              <a:rPr lang="en-US" altLang="zh-CN" dirty="0"/>
-              <a:t>restful TD</a:t>
-            </a:r>
-            <a:r>
-              <a:rPr lang="zh-CN" altLang="en-US" dirty="0"/>
-              <a:t>的过程</a:t>
+              <a:rPr lang="en-US" altLang="zh-CN" dirty="0"/>
+              <a:t>TD</a:t>
+            </a:r>
+            <a:r>
+              <a:rPr lang="zh-CN" altLang="en-US" dirty="0"/>
+              <a:t>扩展了接口结构实现批量发送</a:t>
             </a:r>
           </a:p>
         </p:txBody>
@@ -9699,7 +9418,7 @@
           <p:cNvPr id="3" name="内容占位符 2">
             <a:extLst>
               <a:ext uri="{FF2B5EF4-FFF2-40B4-BE49-F238E27FC236}">
-                <a16:creationId xmlns:a16="http://schemas.microsoft.com/office/drawing/2014/main" id="{038CD14D-A969-4E1C-A8DE-DA452B8DB31F}"/>
+                <a16:creationId xmlns:a16="http://schemas.microsoft.com/office/drawing/2014/main" id="{352590C8-7483-4DB0-863F-06269F979F50}"/>
               </a:ext>
             </a:extLst>
           </p:cNvPr>
@@ -9717,112 +9436,53 @@
           <a:p>
             <a:r>
               <a:rPr lang="zh-CN" altLang="en-US" dirty="0"/>
-              <a:t>根据是我们提供</a:t>
-            </a:r>
-            <a:r>
-              <a:rPr lang="en-US" altLang="zh-CN" dirty="0" err="1"/>
-              <a:t>orderid</a:t>
-            </a:r>
-            <a:r>
-              <a:rPr lang="zh-CN" altLang="en-US" dirty="0"/>
-              <a:t>还是由对方提供，来选择参考的</a:t>
-            </a:r>
-            <a:r>
-              <a:rPr lang="en-US" altLang="zh-CN" dirty="0"/>
-              <a:t>td</a:t>
-            </a:r>
-          </a:p>
-          <a:p>
-            <a:endParaRPr lang="en-US" altLang="zh-CN" dirty="0"/>
-          </a:p>
-          <a:p>
-            <a:r>
-              <a:rPr lang="zh-CN" altLang="en-US" dirty="0"/>
-              <a:t>我们提供</a:t>
-            </a:r>
-            <a:r>
-              <a:rPr lang="en-US" altLang="zh-CN" dirty="0" err="1"/>
-              <a:t>orderID</a:t>
-            </a:r>
-            <a:r>
-              <a:rPr lang="en-US" altLang="zh-CN" dirty="0"/>
-              <a:t> restful</a:t>
-            </a:r>
-            <a:r>
-              <a:rPr lang="zh-CN" altLang="en-US" dirty="0"/>
-              <a:t>的如</a:t>
-            </a:r>
-            <a:r>
-              <a:rPr lang="en-US" altLang="zh-CN" dirty="0" err="1"/>
-              <a:t>binance</a:t>
-            </a:r>
-            <a:endParaRPr lang="en-US" altLang="zh-CN" dirty="0"/>
-          </a:p>
-          <a:p>
-            <a:endParaRPr lang="en-US" altLang="zh-CN" dirty="0"/>
-          </a:p>
-          <a:p>
-            <a:r>
-              <a:rPr lang="zh-CN" altLang="en-US" dirty="0"/>
-              <a:t>由对方提供</a:t>
-            </a:r>
-            <a:r>
-              <a:rPr lang="en-US" altLang="zh-CN" dirty="0" err="1"/>
-              <a:t>orderID</a:t>
-            </a:r>
-            <a:r>
-              <a:rPr lang="en-US" altLang="zh-CN" dirty="0"/>
-              <a:t>  restful</a:t>
-            </a:r>
-            <a:r>
-              <a:rPr lang="zh-CN" altLang="en-US" dirty="0"/>
-              <a:t>的如</a:t>
-            </a:r>
-            <a:r>
-              <a:rPr lang="en-US" altLang="zh-CN" dirty="0" err="1"/>
-              <a:t>coinmex</a:t>
-            </a:r>
-            <a:endParaRPr lang="en-US" altLang="zh-CN" dirty="0"/>
-          </a:p>
-          <a:p>
-            <a:endParaRPr lang="en-US" altLang="zh-CN" dirty="0"/>
-          </a:p>
-          <a:p>
-            <a:r>
-              <a:rPr lang="zh-CN" altLang="en-US" dirty="0"/>
-              <a:t>由对方提供</a:t>
-            </a:r>
-            <a:r>
-              <a:rPr lang="en-US" altLang="zh-CN" dirty="0" err="1"/>
-              <a:t>orderID</a:t>
-            </a:r>
-            <a:r>
-              <a:rPr lang="en-US" altLang="zh-CN" dirty="0"/>
-              <a:t>  </a:t>
-            </a:r>
-            <a:r>
-              <a:rPr lang="en-US" altLang="zh-CN" dirty="0" err="1"/>
-              <a:t>websocket</a:t>
-            </a:r>
-            <a:r>
-              <a:rPr lang="zh-CN" altLang="en-US" dirty="0"/>
-              <a:t>的如</a:t>
-            </a:r>
-            <a:r>
-              <a:rPr lang="en-US" altLang="zh-CN" dirty="0" err="1"/>
-              <a:t>bitfinex</a:t>
-            </a:r>
-            <a:endParaRPr lang="en-US" altLang="zh-CN" dirty="0"/>
-          </a:p>
-          <a:p>
-            <a:endParaRPr lang="zh-CN" altLang="en-US" dirty="0"/>
-          </a:p>
-        </p:txBody>
-      </p:sp>
+              <a:t>新增</a:t>
+            </a:r>
+            <a:r>
+              <a:rPr lang="en-US" altLang="zh-CN" dirty="0"/>
+              <a:t>3</a:t>
+            </a:r>
+            <a:r>
+              <a:rPr lang="zh-CN" altLang="en-US" dirty="0"/>
+              <a:t>个字段表达分组</a:t>
+            </a:r>
+          </a:p>
+        </p:txBody>
+      </p:sp>
+      <p:pic>
+        <p:nvPicPr>
+          <p:cNvPr id="5" name="图片 4">
+            <a:extLst>
+              <a:ext uri="{FF2B5EF4-FFF2-40B4-BE49-F238E27FC236}">
+                <a16:creationId xmlns:a16="http://schemas.microsoft.com/office/drawing/2014/main" id="{726FC734-7DC5-4CBE-A088-6952A363EAE5}"/>
+              </a:ext>
+            </a:extLst>
+          </p:cNvPr>
+          <p:cNvPicPr>
+            <a:picLocks noChangeAspect="1"/>
+          </p:cNvPicPr>
+          <p:nvPr/>
+        </p:nvPicPr>
+        <p:blipFill>
+          <a:blip r:embed="rId2"/>
+          <a:stretch>
+            <a:fillRect/>
+          </a:stretch>
+        </p:blipFill>
+        <p:spPr>
+          <a:xfrm>
+            <a:off x="1152940" y="2413417"/>
+            <a:ext cx="5180564" cy="3763546"/>
+          </a:xfrm>
+          <a:prstGeom prst="rect">
+            <a:avLst/>
+          </a:prstGeom>
+        </p:spPr>
+      </p:pic>
     </p:spTree>
     <p:extLst>
       <p:ext uri="{BB962C8B-B14F-4D97-AF65-F5344CB8AC3E}">
-        <p14:creationId xmlns:p14="http://schemas.microsoft.com/office/powerpoint/2010/main" val="2318429948"/>
+        <p14:creationId xmlns:p14="http://schemas.microsoft.com/office/powerpoint/2010/main" val="3815677080"/>
       </p:ext>
     </p:extLst>
   </p:cSld>
@@ -9854,6 +9514,820 @@
           <p:cNvPr id="2" name="标题 1">
             <a:extLst>
               <a:ext uri="{FF2B5EF4-FFF2-40B4-BE49-F238E27FC236}">
+                <a16:creationId xmlns:a16="http://schemas.microsoft.com/office/drawing/2014/main" id="{538A241D-DF90-4D36-AE5E-FE8FF00C1295}"/>
+              </a:ext>
+            </a:extLst>
+          </p:cNvPr>
+          <p:cNvSpPr>
+            <a:spLocks noGrp="1"/>
+          </p:cNvSpPr>
+          <p:nvPr>
+            <p:ph type="title"/>
+          </p:nvPr>
+        </p:nvSpPr>
+        <p:spPr/>
+        <p:txBody>
+          <a:bodyPr/>
+          <a:lstStyle/>
+          <a:p>
+            <a:r>
+              <a:rPr lang="en-US" altLang="zh-CN" dirty="0"/>
+              <a:t>Kungfu</a:t>
+            </a:r>
+            <a:r>
+              <a:rPr lang="zh-CN" altLang="en-US" dirty="0"/>
+              <a:t>开发一个</a:t>
+            </a:r>
+            <a:r>
+              <a:rPr lang="en-US" altLang="zh-CN" dirty="0"/>
+              <a:t>MD</a:t>
+            </a:r>
+            <a:r>
+              <a:rPr lang="zh-CN" altLang="en-US" dirty="0"/>
+              <a:t>，</a:t>
+            </a:r>
+            <a:r>
+              <a:rPr lang="en-US" altLang="zh-CN" dirty="0"/>
+              <a:t>TD</a:t>
+            </a:r>
+            <a:r>
+              <a:rPr lang="zh-CN" altLang="en-US" dirty="0"/>
+              <a:t>需要修改哪些文件</a:t>
+            </a:r>
+          </a:p>
+        </p:txBody>
+      </p:sp>
+      <p:sp>
+        <p:nvSpPr>
+          <p:cNvPr id="3" name="内容占位符 2">
+            <a:extLst>
+              <a:ext uri="{FF2B5EF4-FFF2-40B4-BE49-F238E27FC236}">
+                <a16:creationId xmlns:a16="http://schemas.microsoft.com/office/drawing/2014/main" id="{C013EC6F-9789-4B94-BBCD-47A41C702B35}"/>
+              </a:ext>
+            </a:extLst>
+          </p:cNvPr>
+          <p:cNvSpPr>
+            <a:spLocks noGrp="1"/>
+          </p:cNvSpPr>
+          <p:nvPr>
+            <p:ph idx="1"/>
+          </p:nvPr>
+        </p:nvSpPr>
+        <p:spPr/>
+        <p:txBody>
+          <a:bodyPr>
+            <a:normAutofit fontScale="62500" lnSpcReduction="20000"/>
+          </a:bodyPr>
+          <a:lstStyle/>
+          <a:p>
+            <a:r>
+              <a:rPr lang="zh-CN" altLang="en-US" dirty="0"/>
+              <a:t>请参考</a:t>
+            </a:r>
+            <a:r>
+              <a:rPr lang="en-US" altLang="zh-CN" dirty="0"/>
+              <a:t>git </a:t>
+            </a:r>
+            <a:r>
+              <a:rPr lang="zh-CN" altLang="en-US" dirty="0"/>
+              <a:t>的</a:t>
+            </a:r>
+            <a:r>
+              <a:rPr lang="en-US" altLang="zh-CN" dirty="0"/>
+              <a:t>commit</a:t>
+            </a:r>
+            <a:r>
+              <a:rPr lang="zh-CN" altLang="en-US" dirty="0"/>
+              <a:t>内容里面有 </a:t>
+            </a:r>
+            <a:r>
+              <a:rPr lang="en-US" altLang="zh-CN" dirty="0"/>
+              <a:t>(a standard template of How to add a new MD/TD) </a:t>
+            </a:r>
+            <a:r>
+              <a:rPr lang="zh-CN" altLang="en-US" dirty="0"/>
+              <a:t>这些字的。</a:t>
+            </a:r>
+          </a:p>
+          <a:p>
+            <a:pPr lvl="1"/>
+            <a:r>
+              <a:rPr lang="en-US" altLang="zh-CN" dirty="0"/>
+              <a:t>	Modified: </a:t>
+            </a:r>
+            <a:r>
+              <a:rPr lang="en-US" altLang="zh-CN" dirty="0" err="1"/>
+              <a:t>longfist</a:t>
+            </a:r>
+            <a:r>
+              <a:rPr lang="en-US" altLang="zh-CN" dirty="0"/>
+              <a:t>/</a:t>
+            </a:r>
+            <a:r>
+              <a:rPr lang="en-US" altLang="zh-CN" dirty="0" err="1"/>
+              <a:t>longfist</a:t>
+            </a:r>
+            <a:r>
+              <a:rPr lang="en-US" altLang="zh-CN" dirty="0"/>
+              <a:t>/</a:t>
+            </a:r>
+            <a:r>
+              <a:rPr lang="en-US" altLang="zh-CN" dirty="0" err="1"/>
+              <a:t>LFConstants.h</a:t>
+            </a:r>
+            <a:endParaRPr lang="en-US" altLang="zh-CN" dirty="0"/>
+          </a:p>
+          <a:p>
+            <a:pPr lvl="1"/>
+            <a:r>
+              <a:rPr lang="en-US" altLang="zh-CN" dirty="0"/>
+              <a:t>	Modified: </a:t>
+            </a:r>
+            <a:r>
+              <a:rPr lang="en-US" altLang="zh-CN" dirty="0" err="1"/>
+              <a:t>longfist</a:t>
+            </a:r>
+            <a:r>
+              <a:rPr lang="en-US" altLang="zh-CN" dirty="0"/>
+              <a:t>/</a:t>
+            </a:r>
+            <a:r>
+              <a:rPr lang="en-US" altLang="zh-CN" dirty="0" err="1"/>
+              <a:t>longfist</a:t>
+            </a:r>
+            <a:r>
+              <a:rPr lang="en-US" altLang="zh-CN" dirty="0"/>
+              <a:t>/</a:t>
+            </a:r>
+            <a:r>
+              <a:rPr lang="en-US" altLang="zh-CN" dirty="0" err="1"/>
+              <a:t>LFUtils.h</a:t>
+            </a:r>
+            <a:endParaRPr lang="en-US" altLang="zh-CN" dirty="0"/>
+          </a:p>
+          <a:p>
+            <a:pPr lvl="1"/>
+            <a:r>
+              <a:rPr lang="en-US" altLang="zh-CN" dirty="0"/>
+              <a:t>	Modified: python/kungfu/longfist/longfist_constants.py</a:t>
+            </a:r>
+          </a:p>
+          <a:p>
+            <a:pPr lvl="1"/>
+            <a:r>
+              <a:rPr lang="en-US" altLang="zh-CN" dirty="0"/>
+              <a:t>	Modified: python/kungfu/wingchun/constants.py</a:t>
+            </a:r>
+          </a:p>
+          <a:p>
+            <a:pPr lvl="1"/>
+            <a:r>
+              <a:rPr lang="en-US" altLang="zh-CN" dirty="0"/>
+              <a:t>	Modified: python/kungfu/wingchun/wc_configs.py</a:t>
+            </a:r>
+          </a:p>
+          <a:p>
+            <a:pPr lvl="1"/>
+            <a:r>
+              <a:rPr lang="en-US" altLang="zh-CN" dirty="0"/>
+              <a:t>	Modified: rpm/</a:t>
+            </a:r>
+            <a:r>
+              <a:rPr lang="en-US" altLang="zh-CN" dirty="0" err="1"/>
+              <a:t>etc</a:t>
+            </a:r>
+            <a:r>
+              <a:rPr lang="en-US" altLang="zh-CN" dirty="0"/>
+              <a:t>/</a:t>
+            </a:r>
+            <a:r>
+              <a:rPr lang="en-US" altLang="zh-CN" dirty="0" err="1"/>
+              <a:t>kungfu</a:t>
+            </a:r>
+            <a:r>
+              <a:rPr lang="en-US" altLang="zh-CN" dirty="0"/>
+              <a:t>/</a:t>
+            </a:r>
+            <a:r>
+              <a:rPr lang="en-US" altLang="zh-CN" dirty="0" err="1"/>
+              <a:t>kungfu.json.sample</a:t>
+            </a:r>
+            <a:endParaRPr lang="en-US" altLang="zh-CN" dirty="0"/>
+          </a:p>
+          <a:p>
+            <a:pPr lvl="1"/>
+            <a:r>
+              <a:rPr lang="en-US" altLang="zh-CN" dirty="0"/>
+              <a:t>	Added: rpm/</a:t>
+            </a:r>
+            <a:r>
+              <a:rPr lang="en-US" altLang="zh-CN" dirty="0" err="1"/>
+              <a:t>etc</a:t>
+            </a:r>
+            <a:r>
+              <a:rPr lang="en-US" altLang="zh-CN" dirty="0"/>
+              <a:t>/supervisor/</a:t>
+            </a:r>
+            <a:r>
+              <a:rPr lang="en-US" altLang="zh-CN" dirty="0" err="1"/>
+              <a:t>conf.d</a:t>
+            </a:r>
+            <a:r>
+              <a:rPr lang="en-US" altLang="zh-CN" dirty="0"/>
+              <a:t>/</a:t>
+            </a:r>
+            <a:r>
+              <a:rPr lang="en-US" altLang="zh-CN" dirty="0" err="1"/>
+              <a:t>md_bitfinex.conf</a:t>
+            </a:r>
+            <a:endParaRPr lang="en-US" altLang="zh-CN" dirty="0"/>
+          </a:p>
+          <a:p>
+            <a:pPr lvl="1"/>
+            <a:r>
+              <a:rPr lang="en-US" altLang="zh-CN" dirty="0"/>
+              <a:t>	Added: rpm/</a:t>
+            </a:r>
+            <a:r>
+              <a:rPr lang="en-US" altLang="zh-CN" dirty="0" err="1"/>
+              <a:t>etc</a:t>
+            </a:r>
+            <a:r>
+              <a:rPr lang="en-US" altLang="zh-CN" dirty="0"/>
+              <a:t>/supervisor/</a:t>
+            </a:r>
+            <a:r>
+              <a:rPr lang="en-US" altLang="zh-CN" dirty="0" err="1"/>
+              <a:t>conf.d</a:t>
+            </a:r>
+            <a:r>
+              <a:rPr lang="en-US" altLang="zh-CN" dirty="0"/>
+              <a:t>/</a:t>
+            </a:r>
+            <a:r>
+              <a:rPr lang="en-US" altLang="zh-CN" dirty="0" err="1"/>
+              <a:t>td_bitfinex.conf</a:t>
+            </a:r>
+            <a:endParaRPr lang="en-US" altLang="zh-CN" dirty="0"/>
+          </a:p>
+          <a:p>
+            <a:pPr lvl="1"/>
+            <a:r>
+              <a:rPr lang="en-US" altLang="zh-CN" dirty="0"/>
+              <a:t>	Modified: rpm/scripts/post_install.sh</a:t>
+            </a:r>
+          </a:p>
+          <a:p>
+            <a:pPr lvl="1"/>
+            <a:r>
+              <a:rPr lang="en-US" altLang="zh-CN" dirty="0"/>
+              <a:t>	Modified: </a:t>
+            </a:r>
+            <a:r>
+              <a:rPr lang="en-US" altLang="zh-CN" dirty="0" err="1"/>
+              <a:t>wingchun</a:t>
+            </a:r>
+            <a:r>
+              <a:rPr lang="en-US" altLang="zh-CN" dirty="0"/>
+              <a:t>/md/CMakeLists.txt</a:t>
+            </a:r>
+          </a:p>
+          <a:p>
+            <a:pPr lvl="1"/>
+            <a:r>
+              <a:rPr lang="en-US" altLang="zh-CN" dirty="0"/>
+              <a:t>	Added: </a:t>
+            </a:r>
+            <a:r>
+              <a:rPr lang="en-US" altLang="zh-CN" dirty="0" err="1"/>
+              <a:t>wingchun</a:t>
+            </a:r>
+            <a:r>
+              <a:rPr lang="en-US" altLang="zh-CN" dirty="0"/>
+              <a:t>/md/MDEngineBitfinex.cpp</a:t>
+            </a:r>
+          </a:p>
+          <a:p>
+            <a:pPr lvl="1"/>
+            <a:r>
+              <a:rPr lang="en-US" altLang="zh-CN" dirty="0"/>
+              <a:t>	Added: </a:t>
+            </a:r>
+            <a:r>
+              <a:rPr lang="en-US" altLang="zh-CN" dirty="0" err="1"/>
+              <a:t>wingchun</a:t>
+            </a:r>
+            <a:r>
+              <a:rPr lang="en-US" altLang="zh-CN" dirty="0"/>
+              <a:t>/md/</a:t>
+            </a:r>
+            <a:r>
+              <a:rPr lang="en-US" altLang="zh-CN" dirty="0" err="1"/>
+              <a:t>MDEngineBitfinex.h</a:t>
+            </a:r>
+            <a:endParaRPr lang="en-US" altLang="zh-CN" dirty="0"/>
+          </a:p>
+          <a:p>
+            <a:pPr lvl="1"/>
+            <a:r>
+              <a:rPr lang="en-US" altLang="zh-CN" dirty="0"/>
+              <a:t>	Modified: </a:t>
+            </a:r>
+            <a:r>
+              <a:rPr lang="en-US" altLang="zh-CN" dirty="0" err="1"/>
+              <a:t>wingchun</a:t>
+            </a:r>
+            <a:r>
+              <a:rPr lang="en-US" altLang="zh-CN" dirty="0"/>
+              <a:t>/td/CMakeLists.txt</a:t>
+            </a:r>
+          </a:p>
+          <a:p>
+            <a:pPr lvl="1"/>
+            <a:r>
+              <a:rPr lang="en-US" altLang="zh-CN" dirty="0"/>
+              <a:t>	Added: </a:t>
+            </a:r>
+            <a:r>
+              <a:rPr lang="en-US" altLang="zh-CN" dirty="0" err="1"/>
+              <a:t>wingchun</a:t>
+            </a:r>
+            <a:r>
+              <a:rPr lang="en-US" altLang="zh-CN" dirty="0"/>
+              <a:t>/td/TDEngineBitfinex.cpp</a:t>
+            </a:r>
+          </a:p>
+          <a:p>
+            <a:pPr lvl="1"/>
+            <a:r>
+              <a:rPr lang="en-US" altLang="zh-CN" dirty="0"/>
+              <a:t>	Added: </a:t>
+            </a:r>
+            <a:r>
+              <a:rPr lang="en-US" altLang="zh-CN" dirty="0" err="1"/>
+              <a:t>wingchun</a:t>
+            </a:r>
+            <a:r>
+              <a:rPr lang="en-US" altLang="zh-CN" dirty="0"/>
+              <a:t>/td/</a:t>
+            </a:r>
+            <a:r>
+              <a:rPr lang="en-US" altLang="zh-CN" dirty="0" err="1"/>
+              <a:t>TDEngineBitfinex.h</a:t>
+            </a:r>
+            <a:endParaRPr lang="en-US" altLang="zh-CN" dirty="0"/>
+          </a:p>
+          <a:p>
+            <a:pPr lvl="1"/>
+            <a:r>
+              <a:rPr lang="en-US" altLang="zh-CN" dirty="0"/>
+              <a:t>	Modified: </a:t>
+            </a:r>
+            <a:r>
+              <a:rPr lang="en-US" altLang="zh-CN" dirty="0" err="1"/>
+              <a:t>yijinjing</a:t>
+            </a:r>
+            <a:r>
+              <a:rPr lang="en-US" altLang="zh-CN" dirty="0"/>
+              <a:t>/journal/JournalFinder.cpp</a:t>
+            </a:r>
+            <a:endParaRPr lang="zh-CN" altLang="en-US" dirty="0"/>
+          </a:p>
+        </p:txBody>
+      </p:sp>
+    </p:spTree>
+    <p:extLst>
+      <p:ext uri="{BB962C8B-B14F-4D97-AF65-F5344CB8AC3E}">
+        <p14:creationId xmlns:p14="http://schemas.microsoft.com/office/powerpoint/2010/main" val="2826973147"/>
+      </p:ext>
+    </p:extLst>
+  </p:cSld>
+  <p:clrMapOvr>
+    <a:masterClrMapping/>
+  </p:clrMapOvr>
+</p:sld>
+</file>
+
+<file path=ppt/slides/slide37.xml><?xml version="1.0" encoding="utf-8"?>
+<p:sld xmlns:a="http://schemas.openxmlformats.org/drawingml/2006/main" xmlns:r="http://schemas.openxmlformats.org/officeDocument/2006/relationships" xmlns:p="http://schemas.openxmlformats.org/presentationml/2006/main">
+  <p:cSld>
+    <p:spTree>
+      <p:nvGrpSpPr>
+        <p:cNvPr id="1" name=""/>
+        <p:cNvGrpSpPr/>
+        <p:nvPr/>
+      </p:nvGrpSpPr>
+      <p:grpSpPr>
+        <a:xfrm>
+          <a:off x="0" y="0"/>
+          <a:ext cx="0" cy="0"/>
+          <a:chOff x="0" y="0"/>
+          <a:chExt cx="0" cy="0"/>
+        </a:xfrm>
+      </p:grpSpPr>
+      <p:sp>
+        <p:nvSpPr>
+          <p:cNvPr id="2" name="标题 1">
+            <a:extLst>
+              <a:ext uri="{FF2B5EF4-FFF2-40B4-BE49-F238E27FC236}">
+                <a16:creationId xmlns:a16="http://schemas.microsoft.com/office/drawing/2014/main" id="{C7CC8DC6-AA4E-4E06-9864-A0ECA73FD7D0}"/>
+              </a:ext>
+            </a:extLst>
+          </p:cNvPr>
+          <p:cNvSpPr>
+            <a:spLocks noGrp="1"/>
+          </p:cNvSpPr>
+          <p:nvPr>
+            <p:ph type="title"/>
+          </p:nvPr>
+        </p:nvSpPr>
+        <p:spPr/>
+        <p:txBody>
+          <a:bodyPr/>
+          <a:lstStyle/>
+          <a:p>
+            <a:r>
+              <a:rPr lang="zh-CN" altLang="en-US" dirty="0"/>
+              <a:t>开发一个 </a:t>
+            </a:r>
+            <a:r>
+              <a:rPr lang="en-US" altLang="zh-CN" dirty="0" err="1"/>
+              <a:t>websocket</a:t>
+            </a:r>
+            <a:r>
+              <a:rPr lang="en-US" altLang="zh-CN" dirty="0"/>
+              <a:t> MD</a:t>
+            </a:r>
+            <a:r>
+              <a:rPr lang="zh-CN" altLang="en-US" dirty="0"/>
+              <a:t>的过程</a:t>
+            </a:r>
+          </a:p>
+        </p:txBody>
+      </p:sp>
+      <p:sp>
+        <p:nvSpPr>
+          <p:cNvPr id="3" name="内容占位符 2">
+            <a:extLst>
+              <a:ext uri="{FF2B5EF4-FFF2-40B4-BE49-F238E27FC236}">
+                <a16:creationId xmlns:a16="http://schemas.microsoft.com/office/drawing/2014/main" id="{E5AE2544-106F-40AB-9422-7BFEB927909E}"/>
+              </a:ext>
+            </a:extLst>
+          </p:cNvPr>
+          <p:cNvSpPr>
+            <a:spLocks noGrp="1"/>
+          </p:cNvSpPr>
+          <p:nvPr>
+            <p:ph idx="1"/>
+          </p:nvPr>
+        </p:nvSpPr>
+        <p:spPr/>
+        <p:txBody>
+          <a:bodyPr/>
+          <a:lstStyle/>
+          <a:p>
+            <a:r>
+              <a:rPr lang="zh-CN" altLang="en-US" dirty="0"/>
+              <a:t>先参考</a:t>
+            </a:r>
+            <a:r>
+              <a:rPr lang="en-US" altLang="zh-CN" dirty="0"/>
+              <a:t>test</a:t>
+            </a:r>
+            <a:r>
+              <a:rPr lang="zh-CN" altLang="en-US" dirty="0"/>
+              <a:t>目录下的</a:t>
+            </a:r>
+            <a:r>
+              <a:rPr lang="en-US" altLang="zh-CN" dirty="0" err="1"/>
+              <a:t>websocket</a:t>
+            </a:r>
+            <a:r>
+              <a:rPr lang="zh-CN" altLang="en-US" dirty="0"/>
+              <a:t>代码，写一个简单的</a:t>
+            </a:r>
+            <a:r>
+              <a:rPr lang="en-US" altLang="zh-CN" dirty="0" err="1"/>
+              <a:t>websocket</a:t>
+            </a:r>
+            <a:r>
+              <a:rPr lang="zh-CN" altLang="en-US" dirty="0"/>
+              <a:t>接收测试，能够连接对方， 并接收到信息就可以了。</a:t>
+            </a:r>
+            <a:endParaRPr lang="en-US" altLang="zh-CN" dirty="0"/>
+          </a:p>
+          <a:p>
+            <a:endParaRPr lang="en-US" altLang="zh-CN" dirty="0"/>
+          </a:p>
+          <a:p>
+            <a:r>
+              <a:rPr lang="zh-CN" altLang="en-US" dirty="0"/>
+              <a:t>再根据</a:t>
+            </a:r>
+            <a:r>
+              <a:rPr lang="en-US" altLang="zh-CN" dirty="0" err="1"/>
+              <a:t>websocket</a:t>
+            </a:r>
+            <a:r>
+              <a:rPr lang="zh-CN" altLang="en-US" dirty="0"/>
+              <a:t>的接入方式来参考实现的</a:t>
+            </a:r>
+            <a:r>
+              <a:rPr lang="en-US" altLang="zh-CN" dirty="0"/>
+              <a:t>md</a:t>
+            </a:r>
+          </a:p>
+          <a:p>
+            <a:endParaRPr lang="en-US" altLang="zh-CN" dirty="0"/>
+          </a:p>
+          <a:p>
+            <a:r>
+              <a:rPr lang="zh-CN" altLang="en-US" dirty="0"/>
+              <a:t>每个币值对一个新连接的，如</a:t>
+            </a:r>
+            <a:r>
+              <a:rPr lang="en-US" altLang="zh-CN" dirty="0" err="1"/>
+              <a:t>binance</a:t>
+            </a:r>
+            <a:endParaRPr lang="en-US" altLang="zh-CN" dirty="0"/>
+          </a:p>
+          <a:p>
+            <a:endParaRPr lang="en-US" altLang="zh-CN" dirty="0"/>
+          </a:p>
+          <a:p>
+            <a:r>
+              <a:rPr lang="zh-CN" altLang="en-US" dirty="0"/>
+              <a:t>一个</a:t>
+            </a:r>
+            <a:r>
+              <a:rPr lang="en-US" altLang="zh-CN" dirty="0" err="1"/>
+              <a:t>websocket</a:t>
+            </a:r>
+            <a:r>
+              <a:rPr lang="zh-CN" altLang="en-US" dirty="0"/>
+              <a:t>连接， 订阅多个币值对的，如</a:t>
+            </a:r>
+            <a:r>
+              <a:rPr lang="en-US" altLang="zh-CN" dirty="0" err="1"/>
+              <a:t>coinmex</a:t>
+            </a:r>
+            <a:r>
+              <a:rPr lang="zh-CN" altLang="en-US" dirty="0"/>
+              <a:t>，</a:t>
+            </a:r>
+            <a:r>
+              <a:rPr lang="en-US" altLang="zh-CN" dirty="0" err="1"/>
+              <a:t>bitfinex</a:t>
+            </a:r>
+            <a:r>
+              <a:rPr lang="zh-CN" altLang="en-US" dirty="0"/>
+              <a:t>，</a:t>
+            </a:r>
+            <a:r>
+              <a:rPr lang="en-US" altLang="zh-CN" dirty="0" err="1"/>
+              <a:t>BitMex</a:t>
+            </a:r>
+            <a:r>
+              <a:rPr lang="zh-CN" altLang="en-US" dirty="0"/>
+              <a:t>，</a:t>
+            </a:r>
+            <a:r>
+              <a:rPr lang="en-US" altLang="zh-CN" dirty="0" err="1"/>
+              <a:t>HuoBi</a:t>
+            </a:r>
+            <a:r>
+              <a:rPr lang="zh-CN" altLang="en-US" dirty="0"/>
+              <a:t>，</a:t>
+            </a:r>
+          </a:p>
+        </p:txBody>
+      </p:sp>
+    </p:spTree>
+    <p:extLst>
+      <p:ext uri="{BB962C8B-B14F-4D97-AF65-F5344CB8AC3E}">
+        <p14:creationId xmlns:p14="http://schemas.microsoft.com/office/powerpoint/2010/main" val="2481568132"/>
+      </p:ext>
+    </p:extLst>
+  </p:cSld>
+  <p:clrMapOvr>
+    <a:masterClrMapping/>
+  </p:clrMapOvr>
+</p:sld>
+</file>
+
+<file path=ppt/slides/slide38.xml><?xml version="1.0" encoding="utf-8"?>
+<p:sld xmlns:a="http://schemas.openxmlformats.org/drawingml/2006/main" xmlns:r="http://schemas.openxmlformats.org/officeDocument/2006/relationships" xmlns:p="http://schemas.openxmlformats.org/presentationml/2006/main">
+  <p:cSld>
+    <p:spTree>
+      <p:nvGrpSpPr>
+        <p:cNvPr id="1" name=""/>
+        <p:cNvGrpSpPr/>
+        <p:nvPr/>
+      </p:nvGrpSpPr>
+      <p:grpSpPr>
+        <a:xfrm>
+          <a:off x="0" y="0"/>
+          <a:ext cx="0" cy="0"/>
+          <a:chOff x="0" y="0"/>
+          <a:chExt cx="0" cy="0"/>
+        </a:xfrm>
+      </p:grpSpPr>
+      <p:sp>
+        <p:nvSpPr>
+          <p:cNvPr id="2" name="标题 1">
+            <a:extLst>
+              <a:ext uri="{FF2B5EF4-FFF2-40B4-BE49-F238E27FC236}">
+                <a16:creationId xmlns:a16="http://schemas.microsoft.com/office/drawing/2014/main" id="{6CC395DF-85BA-4CFD-9A39-419E6401E0CD}"/>
+              </a:ext>
+            </a:extLst>
+          </p:cNvPr>
+          <p:cNvSpPr>
+            <a:spLocks noGrp="1"/>
+          </p:cNvSpPr>
+          <p:nvPr>
+            <p:ph type="title"/>
+          </p:nvPr>
+        </p:nvSpPr>
+        <p:spPr/>
+        <p:txBody>
+          <a:bodyPr/>
+          <a:lstStyle/>
+          <a:p>
+            <a:r>
+              <a:rPr lang="zh-CN" altLang="en-US" dirty="0"/>
+              <a:t>开发一个</a:t>
+            </a:r>
+            <a:r>
+              <a:rPr lang="en-US" altLang="zh-CN" dirty="0"/>
+              <a:t>restful TD</a:t>
+            </a:r>
+            <a:r>
+              <a:rPr lang="zh-CN" altLang="en-US" dirty="0"/>
+              <a:t>的过程</a:t>
+            </a:r>
+          </a:p>
+        </p:txBody>
+      </p:sp>
+      <p:sp>
+        <p:nvSpPr>
+          <p:cNvPr id="3" name="内容占位符 2">
+            <a:extLst>
+              <a:ext uri="{FF2B5EF4-FFF2-40B4-BE49-F238E27FC236}">
+                <a16:creationId xmlns:a16="http://schemas.microsoft.com/office/drawing/2014/main" id="{038CD14D-A969-4E1C-A8DE-DA452B8DB31F}"/>
+              </a:ext>
+            </a:extLst>
+          </p:cNvPr>
+          <p:cNvSpPr>
+            <a:spLocks noGrp="1"/>
+          </p:cNvSpPr>
+          <p:nvPr>
+            <p:ph idx="1"/>
+          </p:nvPr>
+        </p:nvSpPr>
+        <p:spPr/>
+        <p:txBody>
+          <a:bodyPr/>
+          <a:lstStyle/>
+          <a:p>
+            <a:r>
+              <a:rPr lang="zh-CN" altLang="en-US" dirty="0"/>
+              <a:t>根据是我们提供</a:t>
+            </a:r>
+            <a:r>
+              <a:rPr lang="en-US" altLang="zh-CN" dirty="0" err="1"/>
+              <a:t>orderid</a:t>
+            </a:r>
+            <a:r>
+              <a:rPr lang="zh-CN" altLang="en-US" dirty="0"/>
+              <a:t>还是由对方提供，来选择参考的</a:t>
+            </a:r>
+            <a:r>
+              <a:rPr lang="en-US" altLang="zh-CN" dirty="0"/>
+              <a:t>td</a:t>
+            </a:r>
+          </a:p>
+          <a:p>
+            <a:endParaRPr lang="en-US" altLang="zh-CN" dirty="0"/>
+          </a:p>
+          <a:p>
+            <a:r>
+              <a:rPr lang="zh-CN" altLang="en-US" dirty="0"/>
+              <a:t>我们提供</a:t>
+            </a:r>
+            <a:r>
+              <a:rPr lang="en-US" altLang="zh-CN" dirty="0" err="1"/>
+              <a:t>orderID</a:t>
+            </a:r>
+            <a:r>
+              <a:rPr lang="en-US" altLang="zh-CN" dirty="0"/>
+              <a:t> restful</a:t>
+            </a:r>
+            <a:r>
+              <a:rPr lang="zh-CN" altLang="en-US" dirty="0"/>
+              <a:t>的如</a:t>
+            </a:r>
+            <a:r>
+              <a:rPr lang="en-US" altLang="zh-CN" dirty="0" err="1"/>
+              <a:t>binance</a:t>
+            </a:r>
+            <a:endParaRPr lang="en-US" altLang="zh-CN" dirty="0"/>
+          </a:p>
+          <a:p>
+            <a:endParaRPr lang="en-US" altLang="zh-CN" dirty="0"/>
+          </a:p>
+          <a:p>
+            <a:r>
+              <a:rPr lang="zh-CN" altLang="en-US" dirty="0"/>
+              <a:t>由对方提供</a:t>
+            </a:r>
+            <a:r>
+              <a:rPr lang="en-US" altLang="zh-CN" dirty="0" err="1"/>
+              <a:t>orderID</a:t>
+            </a:r>
+            <a:r>
+              <a:rPr lang="en-US" altLang="zh-CN" dirty="0"/>
+              <a:t>  restful</a:t>
+            </a:r>
+            <a:r>
+              <a:rPr lang="zh-CN" altLang="en-US" dirty="0"/>
+              <a:t>的如</a:t>
+            </a:r>
+            <a:r>
+              <a:rPr lang="en-US" altLang="zh-CN" dirty="0" err="1"/>
+              <a:t>coinmex</a:t>
+            </a:r>
+            <a:endParaRPr lang="en-US" altLang="zh-CN" dirty="0"/>
+          </a:p>
+          <a:p>
+            <a:endParaRPr lang="en-US" altLang="zh-CN" dirty="0"/>
+          </a:p>
+          <a:p>
+            <a:r>
+              <a:rPr lang="zh-CN" altLang="en-US" dirty="0"/>
+              <a:t>由对方提供</a:t>
+            </a:r>
+            <a:r>
+              <a:rPr lang="en-US" altLang="zh-CN" dirty="0" err="1"/>
+              <a:t>orderID</a:t>
+            </a:r>
+            <a:r>
+              <a:rPr lang="en-US" altLang="zh-CN" dirty="0"/>
+              <a:t>  </a:t>
+            </a:r>
+            <a:r>
+              <a:rPr lang="en-US" altLang="zh-CN" dirty="0" err="1"/>
+              <a:t>websocket</a:t>
+            </a:r>
+            <a:r>
+              <a:rPr lang="zh-CN" altLang="en-US" dirty="0"/>
+              <a:t>的如</a:t>
+            </a:r>
+            <a:r>
+              <a:rPr lang="en-US" altLang="zh-CN" dirty="0" err="1"/>
+              <a:t>bitfinex</a:t>
+            </a:r>
+            <a:endParaRPr lang="en-US" altLang="zh-CN" dirty="0"/>
+          </a:p>
+          <a:p>
+            <a:endParaRPr lang="zh-CN" altLang="en-US" dirty="0"/>
+          </a:p>
+        </p:txBody>
+      </p:sp>
+    </p:spTree>
+    <p:extLst>
+      <p:ext uri="{BB962C8B-B14F-4D97-AF65-F5344CB8AC3E}">
+        <p14:creationId xmlns:p14="http://schemas.microsoft.com/office/powerpoint/2010/main" val="2318429948"/>
+      </p:ext>
+    </p:extLst>
+  </p:cSld>
+  <p:clrMapOvr>
+    <a:masterClrMapping/>
+  </p:clrMapOvr>
+</p:sld>
+</file>
+
+<file path=ppt/slides/slide39.xml><?xml version="1.0" encoding="utf-8"?>
+<p:sld xmlns:a="http://schemas.openxmlformats.org/drawingml/2006/main" xmlns:r="http://schemas.openxmlformats.org/officeDocument/2006/relationships" xmlns:p="http://schemas.openxmlformats.org/presentationml/2006/main">
+  <p:cSld>
+    <p:spTree>
+      <p:nvGrpSpPr>
+        <p:cNvPr id="1" name=""/>
+        <p:cNvGrpSpPr/>
+        <p:nvPr/>
+      </p:nvGrpSpPr>
+      <p:grpSpPr>
+        <a:xfrm>
+          <a:off x="0" y="0"/>
+          <a:ext cx="0" cy="0"/>
+          <a:chOff x="0" y="0"/>
+          <a:chExt cx="0" cy="0"/>
+        </a:xfrm>
+      </p:grpSpPr>
+      <p:sp>
+        <p:nvSpPr>
+          <p:cNvPr id="2" name="标题 1">
+            <a:extLst>
+              <a:ext uri="{FF2B5EF4-FFF2-40B4-BE49-F238E27FC236}">
                 <a16:creationId xmlns:a16="http://schemas.microsoft.com/office/drawing/2014/main" id="{B5885591-CBDA-404C-B5CA-F255DF490220}"/>
               </a:ext>
             </a:extLst>
@@ -10026,12 +10500,20 @@
           </a:p>
           <a:p>
             <a:r>
+              <a:rPr lang="zh-CN" altLang="en-US" dirty="0"/>
+              <a:t>用在</a:t>
+            </a:r>
+            <a:r>
               <a:rPr lang="en-US" altLang="zh-CN" dirty="0"/>
               <a:t>TD</a:t>
             </a:r>
             <a:r>
               <a:rPr lang="zh-CN" altLang="en-US" dirty="0"/>
-              <a:t>发单撤单和状态过滤</a:t>
+              <a:t>处理发单，撤单，状态，成交时过滤和转换</a:t>
+            </a:r>
+            <a:r>
+              <a:rPr lang="en-US" altLang="zh-CN" dirty="0" err="1"/>
+              <a:t>InstrumentID</a:t>
             </a:r>
             <a:endParaRPr lang="en-US" altLang="zh-CN" dirty="0"/>
           </a:p>
@@ -10050,8 +10532,13 @@
             </a:r>
             <a:r>
               <a:rPr lang="zh-CN" altLang="en-US" dirty="0"/>
-              <a:t>信息过滤</a:t>
-            </a:r>
+              <a:t>信息时过滤和转换</a:t>
+            </a:r>
+            <a:r>
+              <a:rPr lang="en-US" altLang="zh-CN" dirty="0" err="1"/>
+              <a:t>InstrumentID</a:t>
+            </a:r>
+            <a:endParaRPr lang="zh-CN" altLang="en-US" dirty="0"/>
           </a:p>
         </p:txBody>
       </p:sp>
@@ -10068,7 +10555,206 @@
 </p:sld>
 </file>
 
-<file path=ppt/slides/slide37.xml><?xml version="1.0" encoding="utf-8"?>
+<file path=ppt/slides/slide4.xml><?xml version="1.0" encoding="utf-8"?>
+<p:sld xmlns:a="http://schemas.openxmlformats.org/drawingml/2006/main" xmlns:r="http://schemas.openxmlformats.org/officeDocument/2006/relationships" xmlns:p="http://schemas.openxmlformats.org/presentationml/2006/main">
+  <p:cSld>
+    <p:spTree>
+      <p:nvGrpSpPr>
+        <p:cNvPr id="1" name=""/>
+        <p:cNvGrpSpPr/>
+        <p:nvPr/>
+      </p:nvGrpSpPr>
+      <p:grpSpPr>
+        <a:xfrm>
+          <a:off x="0" y="0"/>
+          <a:ext cx="0" cy="0"/>
+          <a:chOff x="0" y="0"/>
+          <a:chExt cx="0" cy="0"/>
+        </a:xfrm>
+      </p:grpSpPr>
+      <p:sp>
+        <p:nvSpPr>
+          <p:cNvPr id="2" name="标题 1">
+            <a:extLst>
+              <a:ext uri="{FF2B5EF4-FFF2-40B4-BE49-F238E27FC236}">
+                <a16:creationId xmlns:a16="http://schemas.microsoft.com/office/drawing/2014/main" id="{EA56C1AE-0704-48E6-9DEB-BE168C445025}"/>
+              </a:ext>
+            </a:extLst>
+          </p:cNvPr>
+          <p:cNvSpPr>
+            <a:spLocks noGrp="1"/>
+          </p:cNvSpPr>
+          <p:nvPr>
+            <p:ph type="title"/>
+          </p:nvPr>
+        </p:nvSpPr>
+        <p:spPr/>
+        <p:txBody>
+          <a:bodyPr/>
+          <a:lstStyle/>
+          <a:p>
+            <a:r>
+              <a:rPr lang="en-US" altLang="zh-CN" dirty="0"/>
+              <a:t>Kungfu</a:t>
+            </a:r>
+            <a:r>
+              <a:rPr lang="zh-CN" altLang="en-US" dirty="0"/>
+              <a:t>架构</a:t>
+            </a:r>
+            <a:r>
+              <a:rPr lang="en-US" altLang="zh-CN" dirty="0"/>
+              <a:t>-</a:t>
+            </a:r>
+            <a:r>
+              <a:rPr lang="en-US" altLang="zh-CN" dirty="0" err="1"/>
+              <a:t>kungfuctl</a:t>
+            </a:r>
+            <a:r>
+              <a:rPr lang="zh-CN" altLang="en-US" dirty="0"/>
+              <a:t>脚本的内容</a:t>
+            </a:r>
+          </a:p>
+        </p:txBody>
+      </p:sp>
+      <p:sp>
+        <p:nvSpPr>
+          <p:cNvPr id="3" name="内容占位符 2">
+            <a:extLst>
+              <a:ext uri="{FF2B5EF4-FFF2-40B4-BE49-F238E27FC236}">
+                <a16:creationId xmlns:a16="http://schemas.microsoft.com/office/drawing/2014/main" id="{22761A7A-44D8-4C32-8AF0-C60511BCF29E}"/>
+              </a:ext>
+            </a:extLst>
+          </p:cNvPr>
+          <p:cNvSpPr>
+            <a:spLocks noGrp="1"/>
+          </p:cNvSpPr>
+          <p:nvPr>
+            <p:ph idx="1"/>
+          </p:nvPr>
+        </p:nvSpPr>
+        <p:spPr/>
+        <p:txBody>
+          <a:bodyPr/>
+          <a:lstStyle/>
+          <a:p>
+            <a:endParaRPr lang="en-US" altLang="zh-CN" dirty="0"/>
+          </a:p>
+          <a:p>
+            <a:r>
+              <a:rPr lang="zh-CN" altLang="en-US" dirty="0"/>
+              <a:t>程序文件位置： </a:t>
+            </a:r>
+            <a:r>
+              <a:rPr lang="en-US" altLang="zh-CN" dirty="0"/>
+              <a:t>\rpm\bin\</a:t>
+            </a:r>
+            <a:r>
+              <a:rPr lang="en-US" altLang="zh-CN" dirty="0" err="1"/>
+              <a:t>kungfuctl</a:t>
+            </a:r>
+            <a:endParaRPr lang="en-US" altLang="zh-CN" dirty="0"/>
+          </a:p>
+          <a:p>
+            <a:r>
+              <a:rPr lang="zh-CN" altLang="en-US" dirty="0"/>
+              <a:t>脚本内容，就</a:t>
+            </a:r>
+            <a:r>
+              <a:rPr lang="en-US" altLang="zh-CN" dirty="0"/>
+              <a:t>2</a:t>
+            </a:r>
+            <a:r>
+              <a:rPr lang="zh-CN" altLang="en-US" dirty="0"/>
+              <a:t>行，启动</a:t>
+            </a:r>
+            <a:r>
+              <a:rPr lang="en-US" altLang="zh-CN" dirty="0"/>
+              <a:t>supervisor </a:t>
+            </a:r>
+            <a:r>
+              <a:rPr lang="zh-CN" altLang="en-US" dirty="0"/>
+              <a:t>：</a:t>
+            </a:r>
+            <a:endParaRPr lang="en-US" altLang="zh-CN" dirty="0"/>
+          </a:p>
+          <a:p>
+            <a:endParaRPr lang="en-US" altLang="zh-CN" dirty="0"/>
+          </a:p>
+          <a:p>
+            <a:pPr lvl="1"/>
+            <a:r>
+              <a:rPr lang="en-US" altLang="zh-CN" dirty="0"/>
+              <a:t>#!/</a:t>
+            </a:r>
+            <a:r>
+              <a:rPr lang="en-US" altLang="zh-CN" dirty="0" err="1"/>
+              <a:t>usr</a:t>
+            </a:r>
+            <a:r>
+              <a:rPr lang="en-US" altLang="zh-CN" dirty="0"/>
+              <a:t>/bin/env bash</a:t>
+            </a:r>
+          </a:p>
+          <a:p>
+            <a:pPr lvl="1"/>
+            <a:r>
+              <a:rPr lang="en-US" altLang="zh-CN" dirty="0"/>
+              <a:t>/</a:t>
+            </a:r>
+            <a:r>
+              <a:rPr lang="en-US" altLang="zh-CN" dirty="0" err="1"/>
+              <a:t>usr</a:t>
+            </a:r>
+            <a:r>
+              <a:rPr lang="en-US" altLang="zh-CN" dirty="0"/>
+              <a:t>/bin/</a:t>
+            </a:r>
+            <a:r>
+              <a:rPr lang="en-US" altLang="zh-CN" dirty="0" err="1"/>
+              <a:t>supervisorctl</a:t>
+            </a:r>
+            <a:r>
+              <a:rPr lang="en-US" altLang="zh-CN" dirty="0"/>
+              <a:t> -c /opt/</a:t>
+            </a:r>
+            <a:r>
+              <a:rPr lang="en-US" altLang="zh-CN" dirty="0" err="1"/>
+              <a:t>kungfu</a:t>
+            </a:r>
+            <a:r>
+              <a:rPr lang="en-US" altLang="zh-CN" dirty="0"/>
+              <a:t>/master/</a:t>
+            </a:r>
+            <a:r>
+              <a:rPr lang="en-US" altLang="zh-CN" dirty="0" err="1"/>
+              <a:t>etc</a:t>
+            </a:r>
+            <a:r>
+              <a:rPr lang="en-US" altLang="zh-CN" dirty="0"/>
+              <a:t>/supervisor/</a:t>
+            </a:r>
+            <a:r>
+              <a:rPr lang="en-US" altLang="zh-CN" dirty="0" err="1"/>
+              <a:t>supervisord.conf</a:t>
+            </a:r>
+            <a:endParaRPr lang="zh-CN" altLang="en-US" dirty="0"/>
+          </a:p>
+        </p:txBody>
+      </p:sp>
+    </p:spTree>
+    <p:extLst>
+      <p:ext uri="{BB962C8B-B14F-4D97-AF65-F5344CB8AC3E}">
+        <p14:creationId xmlns:p14="http://schemas.microsoft.com/office/powerpoint/2010/main" val="3208541627"/>
+      </p:ext>
+    </p:extLst>
+  </p:cSld>
+  <p:clrMapOvr>
+    <a:masterClrMapping/>
+  </p:clrMapOvr>
+</p:sld>
+</file>
+
+<file path=ppt/slides/slide40.xml><?xml version="1.0" encoding="utf-8"?>
 <p:sld xmlns:a="http://schemas.openxmlformats.org/drawingml/2006/main" xmlns:r="http://schemas.openxmlformats.org/officeDocument/2006/relationships" xmlns:p="http://schemas.openxmlformats.org/presentationml/2006/main">
   <p:cSld>
     <p:spTree>
@@ -10231,7 +10917,7 @@
 </p:sld>
 </file>
 
-<file path=ppt/slides/slide38.xml><?xml version="1.0" encoding="utf-8"?>
+<file path=ppt/slides/slide41.xml><?xml version="1.0" encoding="utf-8"?>
 <p:sld xmlns:a="http://schemas.openxmlformats.org/drawingml/2006/main" xmlns:r="http://schemas.openxmlformats.org/officeDocument/2006/relationships" xmlns:p="http://schemas.openxmlformats.org/presentationml/2006/main">
   <p:cSld>
     <p:spTree>
@@ -10421,7 +11107,7 @@
 </p:sld>
 </file>
 
-<file path=ppt/slides/slide39.xml><?xml version="1.0" encoding="utf-8"?>
+<file path=ppt/slides/slide42.xml><?xml version="1.0" encoding="utf-8"?>
 <p:sld xmlns:a="http://schemas.openxmlformats.org/drawingml/2006/main" xmlns:r="http://schemas.openxmlformats.org/officeDocument/2006/relationships" xmlns:p="http://schemas.openxmlformats.org/presentationml/2006/main">
   <p:cSld>
     <p:spTree>
@@ -10639,178 +11325,7 @@
 </p:sld>
 </file>
 
-<file path=ppt/slides/slide4.xml><?xml version="1.0" encoding="utf-8"?>
-<p:sld xmlns:a="http://schemas.openxmlformats.org/drawingml/2006/main" xmlns:r="http://schemas.openxmlformats.org/officeDocument/2006/relationships" xmlns:p="http://schemas.openxmlformats.org/presentationml/2006/main">
-  <p:cSld>
-    <p:spTree>
-      <p:nvGrpSpPr>
-        <p:cNvPr id="1" name=""/>
-        <p:cNvGrpSpPr/>
-        <p:nvPr/>
-      </p:nvGrpSpPr>
-      <p:grpSpPr>
-        <a:xfrm>
-          <a:off x="0" y="0"/>
-          <a:ext cx="0" cy="0"/>
-          <a:chOff x="0" y="0"/>
-          <a:chExt cx="0" cy="0"/>
-        </a:xfrm>
-      </p:grpSpPr>
-      <p:sp>
-        <p:nvSpPr>
-          <p:cNvPr id="2" name="标题 1">
-            <a:extLst>
-              <a:ext uri="{FF2B5EF4-FFF2-40B4-BE49-F238E27FC236}">
-                <a16:creationId xmlns:a16="http://schemas.microsoft.com/office/drawing/2014/main" id="{EA56C1AE-0704-48E6-9DEB-BE168C445025}"/>
-              </a:ext>
-            </a:extLst>
-          </p:cNvPr>
-          <p:cNvSpPr>
-            <a:spLocks noGrp="1"/>
-          </p:cNvSpPr>
-          <p:nvPr>
-            <p:ph type="title"/>
-          </p:nvPr>
-        </p:nvSpPr>
-        <p:spPr/>
-        <p:txBody>
-          <a:bodyPr/>
-          <a:lstStyle/>
-          <a:p>
-            <a:r>
-              <a:rPr lang="en-US" altLang="zh-CN" dirty="0"/>
-              <a:t>Kungfu</a:t>
-            </a:r>
-            <a:r>
-              <a:rPr lang="zh-CN" altLang="en-US" dirty="0"/>
-              <a:t>架构</a:t>
-            </a:r>
-            <a:r>
-              <a:rPr lang="en-US" altLang="zh-CN" dirty="0"/>
-              <a:t>-</a:t>
-            </a:r>
-            <a:r>
-              <a:rPr lang="en-US" altLang="zh-CN" dirty="0" err="1"/>
-              <a:t>kungfuctl</a:t>
-            </a:r>
-            <a:endParaRPr lang="zh-CN" altLang="en-US" dirty="0"/>
-          </a:p>
-        </p:txBody>
-      </p:sp>
-      <p:sp>
-        <p:nvSpPr>
-          <p:cNvPr id="3" name="内容占位符 2">
-            <a:extLst>
-              <a:ext uri="{FF2B5EF4-FFF2-40B4-BE49-F238E27FC236}">
-                <a16:creationId xmlns:a16="http://schemas.microsoft.com/office/drawing/2014/main" id="{22761A7A-44D8-4C32-8AF0-C60511BCF29E}"/>
-              </a:ext>
-            </a:extLst>
-          </p:cNvPr>
-          <p:cNvSpPr>
-            <a:spLocks noGrp="1"/>
-          </p:cNvSpPr>
-          <p:nvPr>
-            <p:ph idx="1"/>
-          </p:nvPr>
-        </p:nvSpPr>
-        <p:spPr/>
-        <p:txBody>
-          <a:bodyPr/>
-          <a:lstStyle/>
-          <a:p>
-            <a:endParaRPr lang="en-US" altLang="zh-CN" dirty="0"/>
-          </a:p>
-          <a:p>
-            <a:r>
-              <a:rPr lang="zh-CN" altLang="en-US" dirty="0"/>
-              <a:t>程序文件： </a:t>
-            </a:r>
-            <a:r>
-              <a:rPr lang="en-US" altLang="zh-CN" dirty="0"/>
-              <a:t>\rpm\bin\</a:t>
-            </a:r>
-            <a:r>
-              <a:rPr lang="en-US" altLang="zh-CN" dirty="0" err="1"/>
-              <a:t>kungfuctl</a:t>
-            </a:r>
-            <a:endParaRPr lang="en-US" altLang="zh-CN" dirty="0"/>
-          </a:p>
-          <a:p>
-            <a:endParaRPr lang="en-US" altLang="zh-CN" dirty="0"/>
-          </a:p>
-          <a:p>
-            <a:r>
-              <a:rPr lang="en-US" altLang="zh-CN" dirty="0"/>
-              <a:t>#!/</a:t>
-            </a:r>
-            <a:r>
-              <a:rPr lang="en-US" altLang="zh-CN" dirty="0" err="1"/>
-              <a:t>usr</a:t>
-            </a:r>
-            <a:r>
-              <a:rPr lang="en-US" altLang="zh-CN" dirty="0"/>
-              <a:t>/bin/env bash</a:t>
-            </a:r>
-          </a:p>
-          <a:p>
-            <a:r>
-              <a:rPr lang="en-US" altLang="zh-CN" dirty="0"/>
-              <a:t>/</a:t>
-            </a:r>
-            <a:r>
-              <a:rPr lang="en-US" altLang="zh-CN" dirty="0" err="1"/>
-              <a:t>usr</a:t>
-            </a:r>
-            <a:r>
-              <a:rPr lang="en-US" altLang="zh-CN" dirty="0"/>
-              <a:t>/bin/</a:t>
-            </a:r>
-            <a:r>
-              <a:rPr lang="en-US" altLang="zh-CN" dirty="0" err="1"/>
-              <a:t>supervisorctl</a:t>
-            </a:r>
-            <a:r>
-              <a:rPr lang="en-US" altLang="zh-CN" dirty="0"/>
-              <a:t> -c /opt/</a:t>
-            </a:r>
-            <a:r>
-              <a:rPr lang="en-US" altLang="zh-CN" dirty="0" err="1"/>
-              <a:t>kungfu</a:t>
-            </a:r>
-            <a:r>
-              <a:rPr lang="en-US" altLang="zh-CN" dirty="0"/>
-              <a:t>/master/</a:t>
-            </a:r>
-            <a:r>
-              <a:rPr lang="en-US" altLang="zh-CN" dirty="0" err="1"/>
-              <a:t>etc</a:t>
-            </a:r>
-            <a:r>
-              <a:rPr lang="en-US" altLang="zh-CN" dirty="0"/>
-              <a:t>/supervisor/</a:t>
-            </a:r>
-            <a:r>
-              <a:rPr lang="en-US" altLang="zh-CN" dirty="0" err="1"/>
-              <a:t>supervisord.conf</a:t>
-            </a:r>
-            <a:endParaRPr lang="zh-CN" altLang="en-US" dirty="0"/>
-          </a:p>
-        </p:txBody>
-      </p:sp>
-    </p:spTree>
-    <p:extLst>
-      <p:ext uri="{BB962C8B-B14F-4D97-AF65-F5344CB8AC3E}">
-        <p14:creationId xmlns:p14="http://schemas.microsoft.com/office/powerpoint/2010/main" val="3208541627"/>
-      </p:ext>
-    </p:extLst>
-  </p:cSld>
-  <p:clrMapOvr>
-    <a:masterClrMapping/>
-  </p:clrMapOvr>
-</p:sld>
-</file>
-
-<file path=ppt/slides/slide40.xml><?xml version="1.0" encoding="utf-8"?>
+<file path=ppt/slides/slide43.xml><?xml version="1.0" encoding="utf-8"?>
 <p:sld xmlns:a="http://schemas.openxmlformats.org/drawingml/2006/main" xmlns:r="http://schemas.openxmlformats.org/officeDocument/2006/relationships" xmlns:p="http://schemas.openxmlformats.org/presentationml/2006/main">
   <p:cSld>
     <p:spTree>
@@ -10981,7 +11496,7 @@
 </p:sld>
 </file>
 
-<file path=ppt/slides/slide41.xml><?xml version="1.0" encoding="utf-8"?>
+<file path=ppt/slides/slide44.xml><?xml version="1.0" encoding="utf-8"?>
 <p:sld xmlns:a="http://schemas.openxmlformats.org/drawingml/2006/main" xmlns:r="http://schemas.openxmlformats.org/officeDocument/2006/relationships" xmlns:p="http://schemas.openxmlformats.org/presentationml/2006/main">
   <p:cSld>
     <p:spTree>
@@ -11051,7 +11566,7 @@
           <a:p>
             <a:r>
               <a:rPr lang="zh-CN" altLang="en-US" dirty="0"/>
-              <a:t>有的交易所需要我们对发单的价格进行过滤，比如小数点后几位需要我们写的时候处理好，参考</a:t>
+              <a:t>有的交易所需要我们对发单的价格进行过滤，比如小数点后几位需要处理，参考</a:t>
             </a:r>
             <a:r>
               <a:rPr lang="en-US" altLang="zh-CN" dirty="0" err="1"/>
@@ -11106,7 +11621,15 @@
             </a:r>
             <a:r>
               <a:rPr lang="zh-CN" altLang="en-US" dirty="0"/>
-              <a:t>返回， 这就需要我们记录这个</a:t>
+              <a:t>返回， 这就需要我们在</a:t>
+            </a:r>
+            <a:r>
+              <a:rPr lang="en-US" altLang="zh-CN" dirty="0"/>
+              <a:t>TD</a:t>
+            </a:r>
+            <a:r>
+              <a:rPr lang="zh-CN" altLang="en-US" dirty="0"/>
+              <a:t>里面记录这个</a:t>
             </a:r>
             <a:r>
               <a:rPr lang="en-US" altLang="zh-CN" dirty="0" err="1"/>
@@ -11204,6 +11727,14 @@
             <a:r>
               <a:rPr lang="en-US" altLang="zh-CN" dirty="0" err="1"/>
               <a:t>bitfinex</a:t>
+            </a:r>
+            <a:r>
+              <a:rPr lang="zh-CN" altLang="en-US" dirty="0"/>
+              <a:t>，</a:t>
+            </a:r>
+            <a:r>
+              <a:rPr lang="en-US" altLang="zh-CN" dirty="0" err="1"/>
+              <a:t>huobi</a:t>
             </a:r>
             <a:endParaRPr lang="zh-CN" altLang="en-US" dirty="0"/>
           </a:p>
@@ -11222,7 +11753,7 @@
 </p:sld>
 </file>
 
-<file path=ppt/slides/slide42.xml><?xml version="1.0" encoding="utf-8"?>
+<file path=ppt/slides/slide45.xml><?xml version="1.0" encoding="utf-8"?>
 <p:sld xmlns:a="http://schemas.openxmlformats.org/drawingml/2006/main" xmlns:r="http://schemas.openxmlformats.org/officeDocument/2006/relationships" xmlns:p="http://schemas.openxmlformats.org/presentationml/2006/main">
   <p:cSld>
     <p:spTree>
@@ -11381,12 +11912,17 @@
             </a:r>
             <a:r>
               <a:rPr lang="en-US" altLang="zh-CN" dirty="0"/>
-              <a:t>-TD/MD </a:t>
-            </a:r>
-            <a:r>
-              <a:rPr lang="zh-CN" altLang="en-US" dirty="0"/>
-              <a:t>的管理</a:t>
-            </a:r>
+              <a:t>- supervisor</a:t>
+            </a:r>
+            <a:r>
+              <a:rPr lang="zh-CN" altLang="en-US" dirty="0"/>
+              <a:t>管理</a:t>
+            </a:r>
+            <a:r>
+              <a:rPr lang="en-US" altLang="zh-CN" dirty="0"/>
+              <a:t>TD/MD</a:t>
+            </a:r>
+            <a:endParaRPr lang="zh-CN" altLang="en-US" dirty="0"/>
           </a:p>
         </p:txBody>
       </p:sp>
@@ -11423,6 +11959,59 @@
               <a:rPr lang="en-US" altLang="zh-CN" dirty="0"/>
               <a:t>\supervisor\*.conf</a:t>
             </a:r>
+          </a:p>
+          <a:p>
+            <a:r>
+              <a:rPr lang="zh-CN" altLang="en-US" dirty="0"/>
+              <a:t>启动程序命令，如：</a:t>
+            </a:r>
+            <a:endParaRPr lang="en-US" altLang="zh-CN" dirty="0"/>
+          </a:p>
+          <a:p>
+            <a:pPr lvl="1"/>
+            <a:r>
+              <a:rPr lang="zh-CN" altLang="en-US" b="1" dirty="0"/>
+              <a:t> </a:t>
+            </a:r>
+            <a:r>
+              <a:rPr lang="en-US" altLang="zh-CN" b="1" dirty="0" err="1"/>
+              <a:t>wingchen</a:t>
+            </a:r>
+            <a:r>
+              <a:rPr lang="en-US" altLang="zh-CN" b="1" dirty="0"/>
+              <a:t> md </a:t>
+            </a:r>
+            <a:r>
+              <a:rPr lang="en-US" altLang="zh-CN" b="1" dirty="0" err="1"/>
+              <a:t>ctp</a:t>
+            </a:r>
+            <a:endParaRPr lang="en-US" altLang="zh-CN" b="1" dirty="0"/>
+          </a:p>
+          <a:p>
+            <a:pPr lvl="1"/>
+            <a:r>
+              <a:rPr lang="en-US" altLang="zh-CN" dirty="0"/>
+              <a:t>Supervisor</a:t>
+            </a:r>
+            <a:r>
+              <a:rPr lang="zh-CN" altLang="en-US" dirty="0"/>
+              <a:t>监控配置</a:t>
+            </a:r>
+            <a:endParaRPr lang="en-US" altLang="zh-CN" dirty="0"/>
+          </a:p>
+          <a:p>
+            <a:r>
+              <a:rPr lang="en-US" altLang="zh-CN" dirty="0"/>
+              <a:t>log</a:t>
+            </a:r>
+            <a:r>
+              <a:rPr lang="zh-CN" altLang="en-US" dirty="0"/>
+              <a:t>定义，文件大小和数量</a:t>
+            </a:r>
+            <a:endParaRPr lang="en-US" altLang="zh-CN" dirty="0"/>
+          </a:p>
+          <a:p>
+            <a:endParaRPr lang="en-US" altLang="zh-CN" dirty="0"/>
           </a:p>
           <a:p>
             <a:endParaRPr lang="en-US" altLang="zh-CN" dirty="0"/>
@@ -11454,7 +12043,7 @@
         </p:blipFill>
         <p:spPr>
           <a:xfrm>
-            <a:off x="994871" y="2425363"/>
+            <a:off x="6441515" y="2425363"/>
             <a:ext cx="4656223" cy="3886537"/>
           </a:xfrm>
           <a:prstGeom prst="rect">
@@ -11523,10 +12112,14 @@
             </a:r>
             <a:r>
               <a:rPr lang="en-US" altLang="zh-CN" dirty="0"/>
-              <a:t>- </a:t>
-            </a:r>
-            <a:r>
-              <a:rPr lang="en-US" altLang="zh-CN"/>
+              <a:t>-</a:t>
+            </a:r>
+            <a:r>
+              <a:rPr lang="zh-CN" altLang="en-US" dirty="0"/>
+              <a:t>进程启动入口</a:t>
+            </a:r>
+            <a:r>
+              <a:rPr lang="en-US" altLang="zh-CN" dirty="0" err="1"/>
               <a:t>wingchun</a:t>
             </a:r>
             <a:endParaRPr lang="zh-CN" altLang="en-US" dirty="0"/>
@@ -11558,6 +12151,10 @@
               <a:rPr lang="zh-CN" altLang="en-US" dirty="0"/>
               <a:t>程序文件： </a:t>
             </a:r>
+            <a:endParaRPr lang="en-US" altLang="zh-CN" dirty="0"/>
+          </a:p>
+          <a:p>
+            <a:pPr lvl="1"/>
             <a:r>
               <a:rPr lang="en-US" altLang="zh-CN" dirty="0"/>
               <a:t>rpm\bin\</a:t>
@@ -11634,8 +12231,38 @@
         </p:blipFill>
         <p:spPr>
           <a:xfrm>
-            <a:off x="1217483" y="2925170"/>
+            <a:off x="1237361" y="3799814"/>
             <a:ext cx="5204911" cy="1882303"/>
+          </a:xfrm>
+          <a:prstGeom prst="rect">
+            <a:avLst/>
+          </a:prstGeom>
+        </p:spPr>
+      </p:pic>
+      <p:pic>
+        <p:nvPicPr>
+          <p:cNvPr id="5" name="图片 4">
+            <a:extLst>
+              <a:ext uri="{FF2B5EF4-FFF2-40B4-BE49-F238E27FC236}">
+                <a16:creationId xmlns:a16="http://schemas.microsoft.com/office/drawing/2014/main" id="{CE47DECE-81DF-439F-A585-54857CFF6357}"/>
+              </a:ext>
+            </a:extLst>
+          </p:cNvPr>
+          <p:cNvPicPr>
+            <a:picLocks noChangeAspect="1"/>
+          </p:cNvPicPr>
+          <p:nvPr/>
+        </p:nvPicPr>
+        <p:blipFill>
+          <a:blip r:embed="rId3"/>
+          <a:stretch>
+            <a:fillRect/>
+          </a:stretch>
+        </p:blipFill>
+        <p:spPr>
+          <a:xfrm>
+            <a:off x="6442272" y="3799814"/>
+            <a:ext cx="5250372" cy="2005673"/>
           </a:xfrm>
           <a:prstGeom prst="rect">
             <a:avLst/>
@@ -11677,7 +12304,7 @@
           <p:cNvPr id="2" name="标题 1">
             <a:extLst>
               <a:ext uri="{FF2B5EF4-FFF2-40B4-BE49-F238E27FC236}">
-                <a16:creationId xmlns:a16="http://schemas.microsoft.com/office/drawing/2014/main" id="{C1D46FCD-5E4E-484A-816C-95F5D1303E72}"/>
+                <a16:creationId xmlns:a16="http://schemas.microsoft.com/office/drawing/2014/main" id="{767FE5B0-64BB-4D1A-9360-ACC773A03527}"/>
               </a:ext>
             </a:extLst>
           </p:cNvPr>
@@ -11699,7 +12326,7 @@
             </a:r>
             <a:r>
               <a:rPr lang="zh-CN" altLang="en-US" dirty="0"/>
-              <a:t>对消息体的使用</a:t>
+              <a:t>对消息类型的定义</a:t>
             </a:r>
           </a:p>
         </p:txBody>
@@ -11709,7 +12336,7 @@
           <p:cNvPr id="3" name="内容占位符 2">
             <a:extLst>
               <a:ext uri="{FF2B5EF4-FFF2-40B4-BE49-F238E27FC236}">
-                <a16:creationId xmlns:a16="http://schemas.microsoft.com/office/drawing/2014/main" id="{93FAD9C1-7988-478D-8F9D-94B6B0B4B0A8}"/>
+                <a16:creationId xmlns:a16="http://schemas.microsoft.com/office/drawing/2014/main" id="{4DBBC9B9-618A-4A57-BDEB-21AFF4DAF39E}"/>
               </a:ext>
             </a:extLst>
           </p:cNvPr>
@@ -11722,108 +12349,232 @@
         </p:nvSpPr>
         <p:spPr/>
         <p:txBody>
-          <a:bodyPr/>
-          <a:lstStyle/>
-          <a:p>
-            <a:r>
-              <a:rPr lang="zh-CN" altLang="en-US" dirty="0"/>
-              <a:t>查询持仓使用 </a:t>
-            </a:r>
-            <a:r>
-              <a:rPr lang="en-US" altLang="zh-CN" dirty="0" err="1"/>
-              <a:t>LFRspPositionField</a:t>
-            </a:r>
-            <a:endParaRPr lang="en-US" altLang="zh-CN" dirty="0"/>
-          </a:p>
-          <a:p>
-            <a:r>
-              <a:rPr lang="zh-CN" altLang="en-US" dirty="0"/>
-              <a:t>发单使用 </a:t>
-            </a:r>
-            <a:r>
-              <a:rPr lang="en-US" altLang="zh-CN" dirty="0" err="1"/>
-              <a:t>LFInputOrderField</a:t>
-            </a:r>
-            <a:endParaRPr lang="en-US" altLang="zh-CN" dirty="0"/>
-          </a:p>
-          <a:p>
-            <a:r>
-              <a:rPr lang="zh-CN" altLang="en-US" dirty="0"/>
-              <a:t>撤单使用 </a:t>
-            </a:r>
-            <a:r>
-              <a:rPr lang="en-US" altLang="zh-CN" dirty="0" err="1"/>
-              <a:t>LFOrderActionField</a:t>
-            </a:r>
-            <a:endParaRPr lang="en-US" altLang="zh-CN" dirty="0"/>
-          </a:p>
-          <a:p>
-            <a:r>
-              <a:rPr lang="zh-CN" altLang="en-US" dirty="0"/>
-              <a:t>状态回报使用</a:t>
-            </a:r>
-            <a:r>
-              <a:rPr lang="en-US" altLang="zh-CN" dirty="0" err="1"/>
-              <a:t>LFRtnOrderField</a:t>
-            </a:r>
-            <a:r>
-              <a:rPr lang="en-US" altLang="zh-CN" dirty="0"/>
-              <a:t> </a:t>
-            </a:r>
-          </a:p>
-          <a:p>
-            <a:pPr lvl="1"/>
-            <a:r>
-              <a:rPr lang="zh-CN" altLang="en-US" dirty="0"/>
-              <a:t>比如未成交，部分成交，全部成交，撤单成功等状态， 要回报给策略</a:t>
-            </a:r>
-            <a:endParaRPr lang="en-US" altLang="zh-CN" dirty="0"/>
-          </a:p>
-          <a:p>
-            <a:pPr lvl="1"/>
-            <a:r>
-              <a:rPr lang="zh-CN" altLang="en-US" dirty="0"/>
-              <a:t>状态回报要先于成交回报，之后才回报成交信息具体信息</a:t>
-            </a:r>
-          </a:p>
-          <a:p>
-            <a:endParaRPr lang="en-US" altLang="zh-CN" dirty="0"/>
-          </a:p>
-          <a:p>
-            <a:r>
-              <a:rPr lang="zh-CN" altLang="en-US" dirty="0"/>
-              <a:t>成交回报 </a:t>
-            </a:r>
-            <a:r>
-              <a:rPr lang="en-US" altLang="zh-CN" dirty="0" err="1"/>
-              <a:t>LFRtnTradeField</a:t>
-            </a:r>
-            <a:endParaRPr lang="en-US" altLang="zh-CN" dirty="0"/>
-          </a:p>
-          <a:p>
-            <a:pPr lvl="1"/>
-            <a:r>
-              <a:rPr lang="zh-CN" altLang="en-US" dirty="0"/>
-              <a:t>携带成交的量价信息</a:t>
-            </a:r>
-            <a:endParaRPr lang="en-US" altLang="zh-CN" dirty="0"/>
-          </a:p>
-          <a:p>
-            <a:pPr marL="457200" lvl="1" indent="0">
+          <a:bodyPr>
+            <a:normAutofit fontScale="47500" lnSpcReduction="20000"/>
+          </a:bodyPr>
+          <a:lstStyle/>
+          <a:p>
+            <a:pPr marL="0" indent="0">
               <a:buNone/>
             </a:pPr>
-            <a:endParaRPr lang="en-US" altLang="zh-CN" dirty="0"/>
-          </a:p>
-          <a:p>
-            <a:pPr marL="457200" lvl="1" indent="0">
-              <a:buNone/>
-            </a:pPr>
-            <a:endParaRPr lang="en-US" altLang="zh-CN" dirty="0"/>
-          </a:p>
-          <a:p>
-            <a:pPr marL="457200" lvl="1" indent="0">
-              <a:buNone/>
-            </a:pPr>
+            <a:r>
+              <a:rPr lang="zh-CN" altLang="en-US" dirty="0"/>
+              <a:t>消息的生产者和消费者：</a:t>
+            </a:r>
+            <a:endParaRPr lang="en-US" altLang="zh-CN" dirty="0"/>
+          </a:p>
+          <a:p>
+            <a:pPr lvl="1"/>
+            <a:r>
+              <a:rPr lang="en-US" altLang="zh-CN" dirty="0" err="1"/>
+              <a:t>wingchun</a:t>
+            </a:r>
+            <a:r>
+              <a:rPr lang="en-US" altLang="zh-CN" dirty="0"/>
+              <a:t>\md\IMDEngine.cpp</a:t>
+            </a:r>
+          </a:p>
+          <a:p>
+            <a:pPr lvl="1"/>
+            <a:r>
+              <a:rPr lang="en-US" altLang="zh-CN" dirty="0" err="1"/>
+              <a:t>wingchun</a:t>
+            </a:r>
+            <a:r>
+              <a:rPr lang="en-US" altLang="zh-CN" dirty="0"/>
+              <a:t>\td\ITDEngine.cpp</a:t>
+            </a:r>
+          </a:p>
+          <a:p>
+            <a:pPr lvl="1"/>
+            <a:r>
+              <a:rPr lang="en-US" altLang="zh-CN" dirty="0" err="1"/>
+              <a:t>wingchun</a:t>
+            </a:r>
+            <a:r>
+              <a:rPr lang="en-US" altLang="zh-CN" dirty="0"/>
+              <a:t>\strategy\IWCStrategy.cpp</a:t>
+            </a:r>
+            <a:br>
+              <a:rPr lang="en-US" altLang="zh-CN" dirty="0"/>
+            </a:br>
+            <a:endParaRPr lang="en-US" altLang="zh-CN" dirty="0"/>
+          </a:p>
+          <a:p>
+            <a:r>
+              <a:rPr lang="zh-CN" altLang="en-US" dirty="0"/>
+              <a:t>消息的类型：</a:t>
+            </a:r>
+            <a:endParaRPr lang="en-US" altLang="zh-CN" dirty="0"/>
+          </a:p>
+          <a:p>
+            <a:pPr lvl="1"/>
+            <a:r>
+              <a:rPr lang="en-US" altLang="zh-CN" dirty="0" err="1"/>
+              <a:t>longfist</a:t>
+            </a:r>
+            <a:r>
+              <a:rPr lang="en-US" altLang="zh-CN" dirty="0"/>
+              <a:t>\</a:t>
+            </a:r>
+            <a:r>
+              <a:rPr lang="en-US" altLang="zh-CN" dirty="0" err="1"/>
+              <a:t>longfist</a:t>
+            </a:r>
+            <a:r>
+              <a:rPr lang="en-US" altLang="zh-CN" dirty="0"/>
+              <a:t>\</a:t>
+            </a:r>
+            <a:r>
+              <a:rPr lang="en-US" altLang="zh-CN" dirty="0" err="1"/>
+              <a:t>LFConstants.h</a:t>
+            </a:r>
+            <a:endParaRPr lang="en-US" altLang="zh-CN" dirty="0"/>
+          </a:p>
+          <a:p>
+            <a:pPr lvl="1"/>
+            <a:r>
+              <a:rPr lang="en-US" altLang="zh-CN" dirty="0"/>
+              <a:t>python\kungfu\longfist\longfist_constants.py</a:t>
+            </a:r>
+          </a:p>
+          <a:p>
+            <a:pPr lvl="1"/>
+            <a:r>
+              <a:rPr lang="zh-CN" altLang="en-US" dirty="0"/>
+              <a:t>系统的消息类型</a:t>
+            </a:r>
+            <a:endParaRPr lang="en-US" altLang="zh-CN" dirty="0"/>
+          </a:p>
+          <a:p>
+            <a:pPr lvl="1"/>
+            <a:r>
+              <a:rPr lang="en-US" altLang="zh-CN" dirty="0"/>
+              <a:t>const short MSG_TYPE_LF_L2_MD         = 102;</a:t>
+            </a:r>
+          </a:p>
+          <a:p>
+            <a:pPr lvl="1"/>
+            <a:r>
+              <a:rPr lang="en-US" altLang="zh-CN" dirty="0"/>
+              <a:t>const short MSG_TYPE_LF_L2_INDEX      = 103;</a:t>
+            </a:r>
+          </a:p>
+          <a:p>
+            <a:pPr lvl="1"/>
+            <a:r>
+              <a:rPr lang="en-US" altLang="zh-CN" dirty="0"/>
+              <a:t>const short MSG_TYPE_LF_L2_ORDER      = 104;</a:t>
+            </a:r>
+          </a:p>
+          <a:p>
+            <a:pPr lvl="1"/>
+            <a:r>
+              <a:rPr lang="en-US" altLang="zh-CN" dirty="0"/>
+              <a:t>const short MSG_TYPE_LF_L2_TRADE      = 105;</a:t>
+            </a:r>
+          </a:p>
+          <a:p>
+            <a:pPr lvl="1"/>
+            <a:r>
+              <a:rPr lang="en-US" altLang="zh-CN" dirty="0"/>
+              <a:t>const short MSG_TYPE_LF_PRICE_BOOK_20 = 106;</a:t>
+            </a:r>
+          </a:p>
+          <a:p>
+            <a:pPr lvl="1"/>
+            <a:r>
+              <a:rPr lang="en-US" altLang="zh-CN" dirty="0"/>
+              <a:t>const short MSG_TYPE_LF_BAR_MD        = 110;</a:t>
+            </a:r>
+          </a:p>
+          <a:p>
+            <a:pPr lvl="1"/>
+            <a:r>
+              <a:rPr lang="en-US" altLang="zh-CN" dirty="0"/>
+              <a:t>const short MSG_TYPE_LF_QRY_POS       = 201;</a:t>
+            </a:r>
+          </a:p>
+          <a:p>
+            <a:pPr lvl="1"/>
+            <a:r>
+              <a:rPr lang="en-US" altLang="zh-CN" dirty="0"/>
+              <a:t>const short MSG_TYPE_LF_RSP_POS       = 202;</a:t>
+            </a:r>
+          </a:p>
+          <a:p>
+            <a:pPr lvl="1"/>
+            <a:r>
+              <a:rPr lang="en-US" altLang="zh-CN" dirty="0"/>
+              <a:t>const short MSG_TYPE_LF_ORDER         = </a:t>
+            </a:r>
+            <a:r>
+              <a:rPr lang="en-US" altLang="zh-CN" b="1" dirty="0"/>
+              <a:t>204</a:t>
+            </a:r>
+            <a:r>
+              <a:rPr lang="en-US" altLang="zh-CN" dirty="0"/>
+              <a:t>;</a:t>
+            </a:r>
+          </a:p>
+          <a:p>
+            <a:pPr lvl="1"/>
+            <a:r>
+              <a:rPr lang="en-US" altLang="zh-CN" dirty="0"/>
+              <a:t>const short MSG_TYPE_LF_RTN_ORDER     = </a:t>
+            </a:r>
+            <a:r>
+              <a:rPr lang="en-US" altLang="zh-CN" b="1" dirty="0"/>
+              <a:t>205</a:t>
+            </a:r>
+            <a:r>
+              <a:rPr lang="en-US" altLang="zh-CN" dirty="0"/>
+              <a:t>;</a:t>
+            </a:r>
+          </a:p>
+          <a:p>
+            <a:pPr lvl="1"/>
+            <a:r>
+              <a:rPr lang="en-US" altLang="zh-CN" dirty="0"/>
+              <a:t>const short MSG_TYPE_LF_RTN_TRADE     = </a:t>
+            </a:r>
+            <a:r>
+              <a:rPr lang="en-US" altLang="zh-CN" b="1" dirty="0"/>
+              <a:t>206</a:t>
+            </a:r>
+            <a:r>
+              <a:rPr lang="en-US" altLang="zh-CN" dirty="0"/>
+              <a:t>;</a:t>
+            </a:r>
+          </a:p>
+          <a:p>
+            <a:pPr lvl="1"/>
+            <a:r>
+              <a:rPr lang="en-US" altLang="zh-CN" dirty="0"/>
+              <a:t>const short MSG_TYPE_LF_ORDER_ACTION  = </a:t>
+            </a:r>
+            <a:r>
+              <a:rPr lang="en-US" altLang="zh-CN" b="1" dirty="0"/>
+              <a:t>207</a:t>
+            </a:r>
+            <a:r>
+              <a:rPr lang="en-US" altLang="zh-CN" dirty="0"/>
+              <a:t>;</a:t>
+            </a:r>
+          </a:p>
+          <a:p>
+            <a:pPr lvl="1"/>
+            <a:r>
+              <a:rPr lang="en-US" altLang="zh-CN" dirty="0"/>
+              <a:t>const short MSG_TYPE_LF_QRY_ACCOUNT   = 208;</a:t>
+            </a:r>
+          </a:p>
+          <a:p>
+            <a:pPr lvl="1"/>
+            <a:r>
+              <a:rPr lang="en-US" altLang="zh-CN" dirty="0"/>
+              <a:t>const short MSG_TYPE_LF_RSP_ACCOUNT   = 209;</a:t>
+            </a:r>
             <a:endParaRPr lang="zh-CN" altLang="en-US" dirty="0"/>
           </a:p>
         </p:txBody>
@@ -11831,7 +12582,7 @@
     </p:spTree>
     <p:extLst>
       <p:ext uri="{BB962C8B-B14F-4D97-AF65-F5344CB8AC3E}">
-        <p14:creationId xmlns:p14="http://schemas.microsoft.com/office/powerpoint/2010/main" val="1058913905"/>
+        <p14:creationId xmlns:p14="http://schemas.microsoft.com/office/powerpoint/2010/main" val="355632800"/>
       </p:ext>
     </p:extLst>
   </p:cSld>
@@ -11863,7 +12614,7 @@
           <p:cNvPr id="2" name="标题 1">
             <a:extLst>
               <a:ext uri="{FF2B5EF4-FFF2-40B4-BE49-F238E27FC236}">
-                <a16:creationId xmlns:a16="http://schemas.microsoft.com/office/drawing/2014/main" id="{EFFA665E-B7F6-4596-B928-E8950337A3DF}"/>
+                <a16:creationId xmlns:a16="http://schemas.microsoft.com/office/drawing/2014/main" id="{C1D46FCD-5E4E-484A-816C-95F5D1303E72}"/>
               </a:ext>
             </a:extLst>
           </p:cNvPr>
@@ -11885,7 +12636,7 @@
             </a:r>
             <a:r>
               <a:rPr lang="zh-CN" altLang="en-US" dirty="0"/>
-              <a:t>对发单撤单以及状态，成交的处理</a:t>
+              <a:t>对消息体的定义</a:t>
             </a:r>
           </a:p>
         </p:txBody>
@@ -11895,7 +12646,7 @@
           <p:cNvPr id="3" name="内容占位符 2">
             <a:extLst>
               <a:ext uri="{FF2B5EF4-FFF2-40B4-BE49-F238E27FC236}">
-                <a16:creationId xmlns:a16="http://schemas.microsoft.com/office/drawing/2014/main" id="{385F129A-4A2D-4FDA-8C2C-8DEC43459F8E}"/>
+                <a16:creationId xmlns:a16="http://schemas.microsoft.com/office/drawing/2014/main" id="{93FAD9C1-7988-478D-8F9D-94B6B0B4B0A8}"/>
               </a:ext>
             </a:extLst>
           </p:cNvPr>
@@ -11908,210 +12659,128 @@
         </p:nvSpPr>
         <p:spPr/>
         <p:txBody>
-          <a:bodyPr>
-            <a:normAutofit fontScale="92500" lnSpcReduction="20000"/>
-          </a:bodyPr>
-          <a:lstStyle/>
-          <a:p>
-            <a:r>
-              <a:rPr lang="zh-CN" altLang="en-US" dirty="0"/>
-              <a:t>策略的输出发给</a:t>
-            </a:r>
-            <a:r>
-              <a:rPr lang="en-US" altLang="zh-CN" dirty="0"/>
-              <a:t>TD</a:t>
-            </a:r>
-            <a:r>
-              <a:rPr lang="zh-CN" altLang="en-US" dirty="0"/>
-              <a:t>的</a:t>
-            </a:r>
-            <a:r>
-              <a:rPr lang="en-US" altLang="zh-CN" dirty="0"/>
-              <a:t>Message</a:t>
-            </a:r>
-            <a:r>
-              <a:rPr lang="zh-CN" altLang="en-US" dirty="0"/>
-              <a:t>信息，通过写入</a:t>
-            </a:r>
-            <a:r>
-              <a:rPr lang="en-US" altLang="zh-CN" dirty="0"/>
-              <a:t>journal</a:t>
-            </a:r>
-            <a:r>
-              <a:rPr lang="zh-CN" altLang="en-US" dirty="0"/>
-              <a:t>发送给</a:t>
-            </a:r>
-            <a:r>
-              <a:rPr lang="en-US" altLang="zh-CN" dirty="0"/>
-              <a:t>TD</a:t>
-            </a:r>
-            <a:r>
-              <a:rPr lang="zh-CN" altLang="en-US" dirty="0"/>
-              <a:t>，如查询持仓方法，发单方法，撤单方法，对应于 </a:t>
-            </a:r>
-            <a:r>
-              <a:rPr lang="en-US" altLang="zh-CN" dirty="0" err="1"/>
-              <a:t>req_position</a:t>
-            </a:r>
-            <a:r>
-              <a:rPr lang="zh-CN" altLang="en-US" dirty="0"/>
-              <a:t>，</a:t>
-            </a:r>
-            <a:r>
-              <a:rPr lang="en-US" altLang="zh-CN" dirty="0" err="1"/>
-              <a:t>insert_market_order</a:t>
-            </a:r>
-            <a:r>
-              <a:rPr lang="zh-CN" altLang="en-US" dirty="0"/>
-              <a:t>，</a:t>
-            </a:r>
-            <a:r>
-              <a:rPr lang="en-US" altLang="zh-CN" dirty="0" err="1"/>
-              <a:t>insert_limit_order</a:t>
-            </a:r>
-            <a:r>
-              <a:rPr lang="zh-CN" altLang="en-US" dirty="0"/>
-              <a:t>，</a:t>
-            </a:r>
-            <a:r>
-              <a:rPr lang="en-US" altLang="zh-CN" dirty="0" err="1"/>
-              <a:t>cancel_order</a:t>
-            </a:r>
-            <a:endParaRPr lang="en-US" altLang="zh-CN" dirty="0"/>
-          </a:p>
-          <a:p>
-            <a:r>
-              <a:rPr lang="zh-CN" altLang="en-US" dirty="0"/>
-              <a:t>策略的输入有：</a:t>
-            </a:r>
-            <a:r>
-              <a:rPr lang="en-US" altLang="zh-CN" dirty="0"/>
-              <a:t>MD </a:t>
-            </a:r>
-            <a:r>
-              <a:rPr lang="zh-CN" altLang="en-US" dirty="0"/>
-              <a:t>收到的各种行情，写入</a:t>
-            </a:r>
-            <a:r>
-              <a:rPr lang="en-US" altLang="zh-CN" dirty="0"/>
-              <a:t>journal</a:t>
-            </a:r>
-            <a:r>
-              <a:rPr lang="zh-CN" altLang="en-US" dirty="0"/>
-              <a:t>，策略通过轮询被通知到，如</a:t>
-            </a:r>
-            <a:r>
-              <a:rPr lang="en-US" altLang="zh-CN" dirty="0" err="1"/>
-              <a:t>on_market_data</a:t>
-            </a:r>
-            <a:r>
-              <a:rPr lang="zh-CN" altLang="en-US" dirty="0"/>
-              <a:t>，</a:t>
-            </a:r>
-            <a:r>
-              <a:rPr lang="en-US" altLang="zh-CN" dirty="0" err="1"/>
-              <a:t>on_price_book_update</a:t>
-            </a:r>
-            <a:endParaRPr lang="en-US" altLang="zh-CN" dirty="0"/>
-          </a:p>
-          <a:p>
-            <a:r>
-              <a:rPr lang="zh-CN" altLang="en-US" dirty="0"/>
-              <a:t>策略的输入有：</a:t>
-            </a:r>
-            <a:r>
-              <a:rPr lang="en-US" altLang="zh-CN" dirty="0"/>
-              <a:t>TD</a:t>
-            </a:r>
-            <a:r>
-              <a:rPr lang="zh-CN" altLang="en-US" dirty="0"/>
-              <a:t>在发单，撤单时遇到错误，写入</a:t>
-            </a:r>
-            <a:r>
-              <a:rPr lang="en-US" altLang="zh-CN" dirty="0"/>
-              <a:t>journal</a:t>
-            </a:r>
-            <a:r>
-              <a:rPr lang="zh-CN" altLang="en-US" dirty="0"/>
-              <a:t>，策略通过轮询被通知到，比如发单出错时</a:t>
-            </a:r>
-            <a:r>
-              <a:rPr lang="en-US" altLang="zh-CN" dirty="0" err="1"/>
-              <a:t>on_rsp_order</a:t>
-            </a:r>
-            <a:r>
-              <a:rPr lang="zh-CN" altLang="en-US" dirty="0"/>
-              <a:t>，撤单出错时</a:t>
-            </a:r>
-            <a:r>
-              <a:rPr lang="en-US" altLang="zh-CN" dirty="0" err="1"/>
-              <a:t>on_rsp_order_action</a:t>
-            </a:r>
-            <a:endParaRPr lang="en-US" altLang="zh-CN" dirty="0"/>
-          </a:p>
-          <a:p>
-            <a:r>
-              <a:rPr lang="zh-CN" altLang="en-US" dirty="0"/>
-              <a:t>策略的输入有：</a:t>
-            </a:r>
-            <a:r>
-              <a:rPr lang="en-US" altLang="zh-CN" dirty="0"/>
-              <a:t>TD</a:t>
-            </a:r>
-            <a:r>
-              <a:rPr lang="zh-CN" altLang="en-US" dirty="0"/>
-              <a:t>从交易所得到的状态和成交回报，写入</a:t>
-            </a:r>
-            <a:r>
-              <a:rPr lang="en-US" altLang="zh-CN" dirty="0"/>
-              <a:t>journal</a:t>
-            </a:r>
-            <a:r>
-              <a:rPr lang="zh-CN" altLang="en-US" dirty="0"/>
-              <a:t>，策略通过轮询被通知到，如 </a:t>
-            </a:r>
-            <a:r>
-              <a:rPr lang="en-US" altLang="zh-CN" dirty="0" err="1"/>
-              <a:t>on_rtn_order</a:t>
-            </a:r>
-            <a:r>
-              <a:rPr lang="zh-CN" altLang="en-US" dirty="0"/>
-              <a:t>，</a:t>
-            </a:r>
-            <a:r>
-              <a:rPr lang="en-US" altLang="zh-CN" dirty="0" err="1"/>
-              <a:t>on_rtn_trade</a:t>
-            </a:r>
-            <a:endParaRPr lang="en-US" altLang="zh-CN" dirty="0"/>
-          </a:p>
-          <a:p>
-            <a:r>
-              <a:rPr lang="zh-CN" altLang="en-US" dirty="0"/>
-              <a:t>策略的输入有：</a:t>
-            </a:r>
-            <a:r>
-              <a:rPr lang="en-US" altLang="zh-CN" dirty="0"/>
-              <a:t>TD</a:t>
-            </a:r>
-            <a:r>
-              <a:rPr lang="zh-CN" altLang="en-US" dirty="0"/>
-              <a:t>从交易所得到的持仓信息，写入</a:t>
-            </a:r>
-            <a:r>
-              <a:rPr lang="en-US" altLang="zh-CN" dirty="0"/>
-              <a:t>journal</a:t>
-            </a:r>
-            <a:r>
-              <a:rPr lang="zh-CN" altLang="en-US" dirty="0"/>
-              <a:t>，策略通过轮询被通知到，如 </a:t>
-            </a:r>
-            <a:r>
-              <a:rPr lang="en-US" altLang="zh-CN" dirty="0" err="1"/>
-              <a:t>on_rsp_position</a:t>
-            </a:r>
-            <a:endParaRPr lang="en-US" altLang="zh-CN" dirty="0"/>
-          </a:p>
-          <a:p>
+          <a:bodyPr/>
+          <a:lstStyle/>
+          <a:p>
+            <a:r>
+              <a:rPr lang="en-US" altLang="zh-CN" dirty="0"/>
+              <a:t>201</a:t>
+            </a:r>
+            <a:r>
+              <a:rPr lang="zh-CN" altLang="en-US" dirty="0"/>
+              <a:t>查询持仓使用 </a:t>
+            </a:r>
+            <a:r>
+              <a:rPr lang="en-US" altLang="zh-CN" dirty="0" err="1"/>
+              <a:t>LFRspPositionField</a:t>
+            </a:r>
+            <a:endParaRPr lang="en-US" altLang="zh-CN" dirty="0"/>
+          </a:p>
+          <a:p>
+            <a:r>
+              <a:rPr lang="en-US" altLang="zh-CN" dirty="0"/>
+              <a:t>204</a:t>
+            </a:r>
+            <a:r>
+              <a:rPr lang="zh-CN" altLang="en-US" dirty="0"/>
+              <a:t>发单使用 </a:t>
+            </a:r>
+            <a:r>
+              <a:rPr lang="en-US" altLang="zh-CN" dirty="0" err="1"/>
+              <a:t>LFInputOrderField</a:t>
+            </a:r>
+            <a:endParaRPr lang="en-US" altLang="zh-CN" dirty="0"/>
+          </a:p>
+          <a:p>
+            <a:r>
+              <a:rPr lang="en-US" altLang="zh-CN" dirty="0"/>
+              <a:t>207</a:t>
+            </a:r>
+            <a:r>
+              <a:rPr lang="zh-CN" altLang="en-US" dirty="0"/>
+              <a:t>撤单使用 </a:t>
+            </a:r>
+            <a:r>
+              <a:rPr lang="en-US" altLang="zh-CN" dirty="0" err="1"/>
+              <a:t>LFOrderActionField</a:t>
+            </a:r>
+            <a:endParaRPr lang="en-US" altLang="zh-CN" dirty="0"/>
+          </a:p>
+          <a:p>
+            <a:r>
+              <a:rPr lang="en-US" altLang="zh-CN" dirty="0"/>
+              <a:t>205</a:t>
+            </a:r>
+            <a:r>
+              <a:rPr lang="zh-CN" altLang="en-US" dirty="0"/>
+              <a:t>状态回报使用</a:t>
+            </a:r>
+            <a:r>
+              <a:rPr lang="en-US" altLang="zh-CN" dirty="0" err="1"/>
+              <a:t>LFRtnOrderField</a:t>
+            </a:r>
+            <a:r>
+              <a:rPr lang="en-US" altLang="zh-CN" dirty="0"/>
+              <a:t> </a:t>
+            </a:r>
+          </a:p>
+          <a:p>
+            <a:pPr lvl="1"/>
+            <a:r>
+              <a:rPr lang="zh-CN" altLang="en-US" dirty="0"/>
+              <a:t>比如未成交，部分成交，全部成交，撤单成功等状态， 要回报给策略</a:t>
+            </a:r>
+            <a:endParaRPr lang="en-US" altLang="zh-CN" dirty="0"/>
+          </a:p>
+          <a:p>
+            <a:pPr lvl="1"/>
+            <a:r>
+              <a:rPr lang="zh-CN" altLang="en-US" dirty="0"/>
+              <a:t>状态回报要先于成交回报，之后才回报成交信息具体信息</a:t>
+            </a:r>
+          </a:p>
+          <a:p>
+            <a:endParaRPr lang="en-US" altLang="zh-CN" dirty="0"/>
+          </a:p>
+          <a:p>
+            <a:r>
+              <a:rPr lang="en-US" altLang="zh-CN" dirty="0"/>
+              <a:t>206</a:t>
+            </a:r>
+            <a:r>
+              <a:rPr lang="zh-CN" altLang="en-US" dirty="0"/>
+              <a:t>成交回报 </a:t>
+            </a:r>
+            <a:r>
+              <a:rPr lang="en-US" altLang="zh-CN" dirty="0" err="1"/>
+              <a:t>LFRtnTradeField</a:t>
+            </a:r>
+            <a:endParaRPr lang="en-US" altLang="zh-CN" dirty="0"/>
+          </a:p>
+          <a:p>
+            <a:pPr lvl="1"/>
+            <a:r>
+              <a:rPr lang="zh-CN" altLang="en-US" dirty="0"/>
+              <a:t>携带成交的量价信息</a:t>
+            </a:r>
+            <a:endParaRPr lang="en-US" altLang="zh-CN" dirty="0"/>
+          </a:p>
+          <a:p>
+            <a:pPr marL="457200" lvl="1" indent="0">
+              <a:buNone/>
+            </a:pPr>
+            <a:endParaRPr lang="en-US" altLang="zh-CN" dirty="0"/>
+          </a:p>
+          <a:p>
+            <a:pPr marL="457200" lvl="1" indent="0">
+              <a:buNone/>
+            </a:pPr>
+            <a:endParaRPr lang="en-US" altLang="zh-CN" dirty="0"/>
+          </a:p>
+          <a:p>
+            <a:pPr marL="457200" lvl="1" indent="0">
+              <a:buNone/>
+            </a:pPr>
             <a:endParaRPr lang="zh-CN" altLang="en-US" dirty="0"/>
           </a:p>
         </p:txBody>
@@ -12119,7 +12788,7 @@
     </p:spTree>
     <p:extLst>
       <p:ext uri="{BB962C8B-B14F-4D97-AF65-F5344CB8AC3E}">
-        <p14:creationId xmlns:p14="http://schemas.microsoft.com/office/powerpoint/2010/main" val="36599798"/>
+        <p14:creationId xmlns:p14="http://schemas.microsoft.com/office/powerpoint/2010/main" val="1058913905"/>
       </p:ext>
     </p:extLst>
   </p:cSld>
@@ -12151,7 +12820,7 @@
           <p:cNvPr id="2" name="标题 1">
             <a:extLst>
               <a:ext uri="{FF2B5EF4-FFF2-40B4-BE49-F238E27FC236}">
-                <a16:creationId xmlns:a16="http://schemas.microsoft.com/office/drawing/2014/main" id="{73F2B4DB-EF59-42B4-B603-7D3C21DDEE52}"/>
+                <a16:creationId xmlns:a16="http://schemas.microsoft.com/office/drawing/2014/main" id="{EFFA665E-B7F6-4596-B928-E8950337A3DF}"/>
               </a:ext>
             </a:extLst>
           </p:cNvPr>
@@ -12168,12 +12837,8 @@
           <a:lstStyle/>
           <a:p>
             <a:r>
-              <a:rPr lang="en-US" altLang="zh-CN" dirty="0"/>
-              <a:t>Kungfu</a:t>
-            </a:r>
-            <a:r>
-              <a:rPr lang="zh-CN" altLang="en-US" dirty="0"/>
-              <a:t>对发单撤单以及状态，成交的处理</a:t>
+              <a:rPr lang="zh-CN" altLang="en-US" dirty="0"/>
+              <a:t>策略模块的处理逻辑</a:t>
             </a:r>
           </a:p>
         </p:txBody>
@@ -12183,7 +12848,7 @@
           <p:cNvPr id="3" name="内容占位符 2">
             <a:extLst>
               <a:ext uri="{FF2B5EF4-FFF2-40B4-BE49-F238E27FC236}">
-                <a16:creationId xmlns:a16="http://schemas.microsoft.com/office/drawing/2014/main" id="{1707C228-5EC7-4B63-A6AE-A9C408B19FB8}"/>
+                <a16:creationId xmlns:a16="http://schemas.microsoft.com/office/drawing/2014/main" id="{385F129A-4A2D-4FDA-8C2C-8DEC43459F8E}"/>
               </a:ext>
             </a:extLst>
           </p:cNvPr>
@@ -12196,34 +12861,145 @@
         </p:nvSpPr>
         <p:spPr/>
         <p:txBody>
-          <a:bodyPr/>
-          <a:lstStyle/>
-          <a:p>
+          <a:bodyPr>
+            <a:normAutofit fontScale="92500"/>
+          </a:bodyPr>
+          <a:lstStyle/>
+          <a:p>
+            <a:r>
+              <a:rPr lang="zh-CN" altLang="en-US" dirty="0"/>
+              <a:t>策略产生的输出</a:t>
+            </a:r>
+            <a:endParaRPr lang="en-US" altLang="zh-CN" dirty="0"/>
+          </a:p>
+          <a:p>
+            <a:pPr lvl="1"/>
+            <a:r>
+              <a:rPr lang="zh-CN" altLang="en-US" dirty="0"/>
+              <a:t>通过写入</a:t>
+            </a:r>
+            <a:r>
+              <a:rPr lang="en-US" altLang="zh-CN" dirty="0"/>
+              <a:t>journal</a:t>
+            </a:r>
+            <a:r>
+              <a:rPr lang="zh-CN" altLang="en-US" dirty="0"/>
+              <a:t>发送给</a:t>
+            </a:r>
             <a:r>
               <a:rPr lang="en-US" altLang="zh-CN" dirty="0"/>
               <a:t>TD</a:t>
             </a:r>
             <a:r>
               <a:rPr lang="zh-CN" altLang="en-US" dirty="0"/>
-              <a:t>的输入：策略写入的各种信息，</a:t>
-            </a:r>
+              <a:t>消息，如查询持仓方法，发单方法，撤单方法，对应于 </a:t>
+            </a:r>
+            <a:r>
+              <a:rPr lang="en-US" altLang="zh-CN" dirty="0" err="1"/>
+              <a:t>req_position</a:t>
+            </a:r>
+            <a:r>
+              <a:rPr lang="zh-CN" altLang="en-US" dirty="0"/>
+              <a:t>，</a:t>
+            </a:r>
+            <a:r>
+              <a:rPr lang="en-US" altLang="zh-CN" dirty="0" err="1"/>
+              <a:t>insert_market_order</a:t>
+            </a:r>
+            <a:r>
+              <a:rPr lang="zh-CN" altLang="en-US" dirty="0"/>
+              <a:t>，</a:t>
+            </a:r>
+            <a:r>
+              <a:rPr lang="en-US" altLang="zh-CN" dirty="0" err="1"/>
+              <a:t>insert_limit_order</a:t>
+            </a:r>
+            <a:r>
+              <a:rPr lang="zh-CN" altLang="en-US" dirty="0"/>
+              <a:t>，</a:t>
+            </a:r>
+            <a:r>
+              <a:rPr lang="en-US" altLang="zh-CN" dirty="0" err="1"/>
+              <a:t>cancel_order</a:t>
+            </a:r>
+            <a:endParaRPr lang="en-US" altLang="zh-CN" dirty="0"/>
+          </a:p>
+          <a:p>
+            <a:r>
+              <a:rPr lang="zh-CN" altLang="en-US" dirty="0"/>
+              <a:t>策略得到的输入</a:t>
+            </a:r>
+            <a:endParaRPr lang="en-US" altLang="zh-CN" dirty="0"/>
+          </a:p>
+          <a:p>
+            <a:pPr lvl="1"/>
+            <a:r>
+              <a:rPr lang="zh-CN" altLang="en-US" dirty="0"/>
+              <a:t>策略通过轮询</a:t>
+            </a:r>
+            <a:r>
+              <a:rPr lang="en-US" altLang="zh-CN" dirty="0"/>
+              <a:t>MD </a:t>
+            </a:r>
+            <a:r>
+              <a:rPr lang="zh-CN" altLang="en-US" dirty="0"/>
+              <a:t>收到的各种行情，如</a:t>
+            </a:r>
+            <a:r>
+              <a:rPr lang="en-US" altLang="zh-CN" dirty="0" err="1"/>
+              <a:t>on_market_data</a:t>
+            </a:r>
+            <a:r>
+              <a:rPr lang="zh-CN" altLang="en-US" dirty="0"/>
+              <a:t>，</a:t>
+            </a:r>
+            <a:r>
+              <a:rPr lang="en-US" altLang="zh-CN" dirty="0" err="1"/>
+              <a:t>on_price_book_update</a:t>
+            </a:r>
+            <a:endParaRPr lang="en-US" altLang="zh-CN" dirty="0"/>
+          </a:p>
+          <a:p>
+            <a:pPr lvl="1"/>
             <a:r>
               <a:rPr lang="en-US" altLang="zh-CN" dirty="0"/>
               <a:t>TD</a:t>
             </a:r>
             <a:r>
               <a:rPr lang="zh-CN" altLang="en-US" dirty="0"/>
-              <a:t>通过轮询被通知到，如策略的查询持仓信息，发撤单消息，</a:t>
-            </a:r>
-          </a:p>
-          <a:p>
+              <a:t>在发单，撤单时遇到错误，写入</a:t>
+            </a:r>
+            <a:r>
+              <a:rPr lang="en-US" altLang="zh-CN" dirty="0"/>
+              <a:t>journal</a:t>
+            </a:r>
+            <a:r>
+              <a:rPr lang="zh-CN" altLang="en-US" dirty="0"/>
+              <a:t>，策略通过轮询被通知到，比如发单出错时</a:t>
+            </a:r>
+            <a:r>
+              <a:rPr lang="en-US" altLang="zh-CN" dirty="0" err="1"/>
+              <a:t>on_rsp_order</a:t>
+            </a:r>
+            <a:r>
+              <a:rPr lang="zh-CN" altLang="en-US" dirty="0"/>
+              <a:t>，撤单出错时</a:t>
+            </a:r>
+            <a:r>
+              <a:rPr lang="en-US" altLang="zh-CN" dirty="0" err="1"/>
+              <a:t>on_rsp_order_action</a:t>
+            </a:r>
+            <a:endParaRPr lang="en-US" altLang="zh-CN" dirty="0"/>
+          </a:p>
+          <a:p>
+            <a:pPr lvl="1"/>
             <a:r>
               <a:rPr lang="en-US" altLang="zh-CN" dirty="0"/>
               <a:t>TD</a:t>
             </a:r>
             <a:r>
               <a:rPr lang="zh-CN" altLang="en-US" dirty="0"/>
-              <a:t>的输出有：向交易所查询仓位得到的反馈信息，写入</a:t>
+              <a:t>从交易所得到的状态和成交回报，写入</a:t>
             </a:r>
             <a:r>
               <a:rPr lang="en-US" altLang="zh-CN" dirty="0"/>
@@ -12231,7 +13007,39 @@
             </a:r>
             <a:r>
               <a:rPr lang="zh-CN" altLang="en-US" dirty="0"/>
-              <a:t>，策略通过轮询被通知到，比如 </a:t>
+              <a:t>，策略通过轮询被通知到，如 </a:t>
+            </a:r>
+            <a:r>
+              <a:rPr lang="en-US" altLang="zh-CN" dirty="0" err="1"/>
+              <a:t>on_rtn_order</a:t>
+            </a:r>
+            <a:r>
+              <a:rPr lang="zh-CN" altLang="en-US" dirty="0"/>
+              <a:t>，</a:t>
+            </a:r>
+            <a:r>
+              <a:rPr lang="en-US" altLang="zh-CN" dirty="0" err="1"/>
+              <a:t>on_rtn_trade</a:t>
+            </a:r>
+            <a:endParaRPr lang="en-US" altLang="zh-CN" dirty="0"/>
+          </a:p>
+          <a:p>
+            <a:pPr lvl="1"/>
+            <a:r>
+              <a:rPr lang="en-US" altLang="zh-CN" dirty="0"/>
+              <a:t>TD</a:t>
+            </a:r>
+            <a:r>
+              <a:rPr lang="zh-CN" altLang="en-US" dirty="0"/>
+              <a:t>从交易所得到的持仓信息，写入</a:t>
+            </a:r>
+            <a:r>
+              <a:rPr lang="en-US" altLang="zh-CN" dirty="0"/>
+              <a:t>journal</a:t>
+            </a:r>
+            <a:r>
+              <a:rPr lang="zh-CN" altLang="en-US" dirty="0"/>
+              <a:t>，策略通过轮询被通知到，如 </a:t>
             </a:r>
             <a:r>
               <a:rPr lang="en-US" altLang="zh-CN" dirty="0" err="1"/>
@@ -12240,65 +13048,6 @@
             <a:endParaRPr lang="en-US" altLang="zh-CN" dirty="0"/>
           </a:p>
           <a:p>
-            <a:r>
-              <a:rPr lang="en-US" altLang="zh-CN" dirty="0"/>
-              <a:t>TD</a:t>
-            </a:r>
-            <a:r>
-              <a:rPr lang="zh-CN" altLang="en-US" dirty="0"/>
-              <a:t>的输出有：向交易所发单撤单遇到的错误信息，写入</a:t>
-            </a:r>
-            <a:r>
-              <a:rPr lang="en-US" altLang="zh-CN" dirty="0"/>
-              <a:t>journal</a:t>
-            </a:r>
-            <a:r>
-              <a:rPr lang="zh-CN" altLang="en-US" dirty="0"/>
-              <a:t>，策略通过轮询被通知到，比如 </a:t>
-            </a:r>
-            <a:r>
-              <a:rPr lang="en-US" altLang="zh-CN" dirty="0" err="1"/>
-              <a:t>on_rsp_order_insert</a:t>
-            </a:r>
-            <a:r>
-              <a:rPr lang="zh-CN" altLang="en-US" dirty="0"/>
-              <a:t>，</a:t>
-            </a:r>
-            <a:r>
-              <a:rPr lang="en-US" altLang="zh-CN" dirty="0" err="1"/>
-              <a:t>on_rsp_order_action</a:t>
-            </a:r>
-            <a:endParaRPr lang="en-US" altLang="zh-CN" dirty="0"/>
-          </a:p>
-          <a:p>
-            <a:r>
-              <a:rPr lang="en-US" altLang="zh-CN" dirty="0"/>
-              <a:t>TD</a:t>
-            </a:r>
-            <a:r>
-              <a:rPr lang="zh-CN" altLang="en-US" dirty="0"/>
-              <a:t>的输出有：交易所返回的订单状态信息，成交回报信息，写入</a:t>
-            </a:r>
-            <a:r>
-              <a:rPr lang="en-US" altLang="zh-CN" dirty="0"/>
-              <a:t>journal</a:t>
-            </a:r>
-            <a:r>
-              <a:rPr lang="zh-CN" altLang="en-US" dirty="0"/>
-              <a:t>，策略通过轮询被通知到，比如</a:t>
-            </a:r>
-            <a:r>
-              <a:rPr lang="en-US" altLang="zh-CN" dirty="0" err="1"/>
-              <a:t>on_rtn_order</a:t>
-            </a:r>
-            <a:r>
-              <a:rPr lang="zh-CN" altLang="en-US" dirty="0"/>
-              <a:t>，</a:t>
-            </a:r>
-            <a:r>
-              <a:rPr lang="en-US" altLang="zh-CN" dirty="0" err="1"/>
-              <a:t>on_rtn_trade</a:t>
-            </a:r>
             <a:endParaRPr lang="zh-CN" altLang="en-US" dirty="0"/>
           </a:p>
         </p:txBody>
@@ -12306,7 +13055,7 @@
     </p:spTree>
     <p:extLst>
       <p:ext uri="{BB962C8B-B14F-4D97-AF65-F5344CB8AC3E}">
-        <p14:creationId xmlns:p14="http://schemas.microsoft.com/office/powerpoint/2010/main" val="4063201489"/>
+        <p14:creationId xmlns:p14="http://schemas.microsoft.com/office/powerpoint/2010/main" val="36599798"/>
       </p:ext>
     </p:extLst>
   </p:cSld>

--- a/虚拟货币跨交易所高频交易系统.pptx
+++ b/虚拟货币跨交易所高频交易系统.pptx
@@ -5,7 +5,7 @@
     <p:sldMasterId id="2147483648" r:id="rId1"/>
   </p:sldMasterIdLst>
   <p:notesMasterIdLst>
-    <p:notesMasterId r:id="rId47"/>
+    <p:notesMasterId r:id="rId49"/>
   </p:notesMasterIdLst>
   <p:sldIdLst>
     <p:sldId id="256" r:id="rId2"/>
@@ -52,7 +52,9 @@
     <p:sldId id="291" r:id="rId43"/>
     <p:sldId id="287" r:id="rId44"/>
     <p:sldId id="292" r:id="rId45"/>
-    <p:sldId id="293" r:id="rId46"/>
+    <p:sldId id="307" r:id="rId46"/>
+    <p:sldId id="308" r:id="rId47"/>
+    <p:sldId id="293" r:id="rId48"/>
   </p:sldIdLst>
   <p:sldSz cx="12192000" cy="6858000"/>
   <p:notesSz cx="6858000" cy="9144000"/>
@@ -618,7 +620,7 @@
           <p:cNvPr id="2" name="标题 1">
             <a:extLst>
               <a:ext uri="{FF2B5EF4-FFF2-40B4-BE49-F238E27FC236}">
-                <a16:creationId xmlns:a16="http://schemas.microsoft.com/office/drawing/2014/main" id="{39719477-69DC-4BE5-A8F7-D9DC0D46D275}"/>
+                <a16:creationId xmlns:a16="http://schemas.microsoft.com/office/drawing/2014/main" xmlns="" id="{39719477-69DC-4BE5-A8F7-D9DC0D46D275}"/>
               </a:ext>
             </a:extLst>
           </p:cNvPr>
@@ -655,7 +657,7 @@
           <p:cNvPr id="3" name="副标题 2">
             <a:extLst>
               <a:ext uri="{FF2B5EF4-FFF2-40B4-BE49-F238E27FC236}">
-                <a16:creationId xmlns:a16="http://schemas.microsoft.com/office/drawing/2014/main" id="{76164DF0-E280-49B0-BCC8-64805F2DF9A4}"/>
+                <a16:creationId xmlns:a16="http://schemas.microsoft.com/office/drawing/2014/main" xmlns="" id="{76164DF0-E280-49B0-BCC8-64805F2DF9A4}"/>
               </a:ext>
             </a:extLst>
           </p:cNvPr>
@@ -725,7 +727,7 @@
           <p:cNvPr id="4" name="日期占位符 3">
             <a:extLst>
               <a:ext uri="{FF2B5EF4-FFF2-40B4-BE49-F238E27FC236}">
-                <a16:creationId xmlns:a16="http://schemas.microsoft.com/office/drawing/2014/main" id="{B64D0D97-87B2-43CC-89CD-F038CC1C6557}"/>
+                <a16:creationId xmlns:a16="http://schemas.microsoft.com/office/drawing/2014/main" xmlns="" id="{B64D0D97-87B2-43CC-89CD-F038CC1C6557}"/>
               </a:ext>
             </a:extLst>
           </p:cNvPr>
@@ -754,7 +756,7 @@
           <p:cNvPr id="5" name="页脚占位符 4">
             <a:extLst>
               <a:ext uri="{FF2B5EF4-FFF2-40B4-BE49-F238E27FC236}">
-                <a16:creationId xmlns:a16="http://schemas.microsoft.com/office/drawing/2014/main" id="{23466617-A730-4355-B093-58E49440614A}"/>
+                <a16:creationId xmlns:a16="http://schemas.microsoft.com/office/drawing/2014/main" xmlns="" id="{23466617-A730-4355-B093-58E49440614A}"/>
               </a:ext>
             </a:extLst>
           </p:cNvPr>
@@ -779,7 +781,7 @@
           <p:cNvPr id="6" name="灯片编号占位符 5">
             <a:extLst>
               <a:ext uri="{FF2B5EF4-FFF2-40B4-BE49-F238E27FC236}">
-                <a16:creationId xmlns:a16="http://schemas.microsoft.com/office/drawing/2014/main" id="{F1120249-28E0-403B-AA22-AD9BDF6BFAD3}"/>
+                <a16:creationId xmlns:a16="http://schemas.microsoft.com/office/drawing/2014/main" xmlns="" id="{F1120249-28E0-403B-AA22-AD9BDF6BFAD3}"/>
               </a:ext>
             </a:extLst>
           </p:cNvPr>
@@ -838,7 +840,7 @@
           <p:cNvPr id="2" name="标题 1">
             <a:extLst>
               <a:ext uri="{FF2B5EF4-FFF2-40B4-BE49-F238E27FC236}">
-                <a16:creationId xmlns:a16="http://schemas.microsoft.com/office/drawing/2014/main" id="{34630115-271E-467E-BAF3-9C73C960AC81}"/>
+                <a16:creationId xmlns:a16="http://schemas.microsoft.com/office/drawing/2014/main" xmlns="" id="{34630115-271E-467E-BAF3-9C73C960AC81}"/>
               </a:ext>
             </a:extLst>
           </p:cNvPr>
@@ -866,7 +868,7 @@
           <p:cNvPr id="3" name="竖排文字占位符 2">
             <a:extLst>
               <a:ext uri="{FF2B5EF4-FFF2-40B4-BE49-F238E27FC236}">
-                <a16:creationId xmlns:a16="http://schemas.microsoft.com/office/drawing/2014/main" id="{EC40D224-30FB-4F0B-B39F-096093FA157C}"/>
+                <a16:creationId xmlns:a16="http://schemas.microsoft.com/office/drawing/2014/main" xmlns="" id="{EC40D224-30FB-4F0B-B39F-096093FA157C}"/>
               </a:ext>
             </a:extLst>
           </p:cNvPr>
@@ -923,7 +925,7 @@
           <p:cNvPr id="4" name="日期占位符 3">
             <a:extLst>
               <a:ext uri="{FF2B5EF4-FFF2-40B4-BE49-F238E27FC236}">
-                <a16:creationId xmlns:a16="http://schemas.microsoft.com/office/drawing/2014/main" id="{C496FF81-3E2D-422F-82B3-8784A48A2987}"/>
+                <a16:creationId xmlns:a16="http://schemas.microsoft.com/office/drawing/2014/main" xmlns="" id="{C496FF81-3E2D-422F-82B3-8784A48A2987}"/>
               </a:ext>
             </a:extLst>
           </p:cNvPr>
@@ -952,7 +954,7 @@
           <p:cNvPr id="5" name="页脚占位符 4">
             <a:extLst>
               <a:ext uri="{FF2B5EF4-FFF2-40B4-BE49-F238E27FC236}">
-                <a16:creationId xmlns:a16="http://schemas.microsoft.com/office/drawing/2014/main" id="{956D8984-FFA0-4E42-92F3-6B78450839E8}"/>
+                <a16:creationId xmlns:a16="http://schemas.microsoft.com/office/drawing/2014/main" xmlns="" id="{956D8984-FFA0-4E42-92F3-6B78450839E8}"/>
               </a:ext>
             </a:extLst>
           </p:cNvPr>
@@ -977,7 +979,7 @@
           <p:cNvPr id="6" name="灯片编号占位符 5">
             <a:extLst>
               <a:ext uri="{FF2B5EF4-FFF2-40B4-BE49-F238E27FC236}">
-                <a16:creationId xmlns:a16="http://schemas.microsoft.com/office/drawing/2014/main" id="{AF8EDA05-D82D-46D4-A2AF-0E5D0D17E277}"/>
+                <a16:creationId xmlns:a16="http://schemas.microsoft.com/office/drawing/2014/main" xmlns="" id="{AF8EDA05-D82D-46D4-A2AF-0E5D0D17E277}"/>
               </a:ext>
             </a:extLst>
           </p:cNvPr>
@@ -1036,7 +1038,7 @@
           <p:cNvPr id="2" name="竖排标题 1">
             <a:extLst>
               <a:ext uri="{FF2B5EF4-FFF2-40B4-BE49-F238E27FC236}">
-                <a16:creationId xmlns:a16="http://schemas.microsoft.com/office/drawing/2014/main" id="{9103A92C-9856-418C-8292-0F2391597FCF}"/>
+                <a16:creationId xmlns:a16="http://schemas.microsoft.com/office/drawing/2014/main" xmlns="" id="{9103A92C-9856-418C-8292-0F2391597FCF}"/>
               </a:ext>
             </a:extLst>
           </p:cNvPr>
@@ -1069,7 +1071,7 @@
           <p:cNvPr id="3" name="竖排文字占位符 2">
             <a:extLst>
               <a:ext uri="{FF2B5EF4-FFF2-40B4-BE49-F238E27FC236}">
-                <a16:creationId xmlns:a16="http://schemas.microsoft.com/office/drawing/2014/main" id="{5D5810CB-8A5D-49DE-9326-AED6D539518F}"/>
+                <a16:creationId xmlns:a16="http://schemas.microsoft.com/office/drawing/2014/main" xmlns="" id="{5D5810CB-8A5D-49DE-9326-AED6D539518F}"/>
               </a:ext>
             </a:extLst>
           </p:cNvPr>
@@ -1131,7 +1133,7 @@
           <p:cNvPr id="4" name="日期占位符 3">
             <a:extLst>
               <a:ext uri="{FF2B5EF4-FFF2-40B4-BE49-F238E27FC236}">
-                <a16:creationId xmlns:a16="http://schemas.microsoft.com/office/drawing/2014/main" id="{07E68448-B26E-48F6-8DF8-741524F6E1AE}"/>
+                <a16:creationId xmlns:a16="http://schemas.microsoft.com/office/drawing/2014/main" xmlns="" id="{07E68448-B26E-48F6-8DF8-741524F6E1AE}"/>
               </a:ext>
             </a:extLst>
           </p:cNvPr>
@@ -1160,7 +1162,7 @@
           <p:cNvPr id="5" name="页脚占位符 4">
             <a:extLst>
               <a:ext uri="{FF2B5EF4-FFF2-40B4-BE49-F238E27FC236}">
-                <a16:creationId xmlns:a16="http://schemas.microsoft.com/office/drawing/2014/main" id="{F27D042A-F1E3-44D7-BF97-6A82535F7DD4}"/>
+                <a16:creationId xmlns:a16="http://schemas.microsoft.com/office/drawing/2014/main" xmlns="" id="{F27D042A-F1E3-44D7-BF97-6A82535F7DD4}"/>
               </a:ext>
             </a:extLst>
           </p:cNvPr>
@@ -1185,7 +1187,7 @@
           <p:cNvPr id="6" name="灯片编号占位符 5">
             <a:extLst>
               <a:ext uri="{FF2B5EF4-FFF2-40B4-BE49-F238E27FC236}">
-                <a16:creationId xmlns:a16="http://schemas.microsoft.com/office/drawing/2014/main" id="{0D6FDE20-26E2-4DF9-AFB8-A18E1B875169}"/>
+                <a16:creationId xmlns:a16="http://schemas.microsoft.com/office/drawing/2014/main" xmlns="" id="{0D6FDE20-26E2-4DF9-AFB8-A18E1B875169}"/>
               </a:ext>
             </a:extLst>
           </p:cNvPr>
@@ -1244,7 +1246,7 @@
           <p:cNvPr id="2" name="标题 1">
             <a:extLst>
               <a:ext uri="{FF2B5EF4-FFF2-40B4-BE49-F238E27FC236}">
-                <a16:creationId xmlns:a16="http://schemas.microsoft.com/office/drawing/2014/main" id="{64AA9F3E-FAC0-4CDA-A19A-2C866BD92EB7}"/>
+                <a16:creationId xmlns:a16="http://schemas.microsoft.com/office/drawing/2014/main" xmlns="" id="{64AA9F3E-FAC0-4CDA-A19A-2C866BD92EB7}"/>
               </a:ext>
             </a:extLst>
           </p:cNvPr>
@@ -1272,7 +1274,7 @@
           <p:cNvPr id="3" name="内容占位符 2">
             <a:extLst>
               <a:ext uri="{FF2B5EF4-FFF2-40B4-BE49-F238E27FC236}">
-                <a16:creationId xmlns:a16="http://schemas.microsoft.com/office/drawing/2014/main" id="{49A378E4-726F-4169-9F0E-456FBC47A3BE}"/>
+                <a16:creationId xmlns:a16="http://schemas.microsoft.com/office/drawing/2014/main" xmlns="" id="{49A378E4-726F-4169-9F0E-456FBC47A3BE}"/>
               </a:ext>
             </a:extLst>
           </p:cNvPr>
@@ -1329,7 +1331,7 @@
           <p:cNvPr id="4" name="日期占位符 3">
             <a:extLst>
               <a:ext uri="{FF2B5EF4-FFF2-40B4-BE49-F238E27FC236}">
-                <a16:creationId xmlns:a16="http://schemas.microsoft.com/office/drawing/2014/main" id="{E3BE49D0-E776-452E-A675-ED26FC5C27FB}"/>
+                <a16:creationId xmlns:a16="http://schemas.microsoft.com/office/drawing/2014/main" xmlns="" id="{E3BE49D0-E776-452E-A675-ED26FC5C27FB}"/>
               </a:ext>
             </a:extLst>
           </p:cNvPr>
@@ -1358,7 +1360,7 @@
           <p:cNvPr id="5" name="页脚占位符 4">
             <a:extLst>
               <a:ext uri="{FF2B5EF4-FFF2-40B4-BE49-F238E27FC236}">
-                <a16:creationId xmlns:a16="http://schemas.microsoft.com/office/drawing/2014/main" id="{DCC35348-3482-4C19-BA8F-FE8C19E81CCA}"/>
+                <a16:creationId xmlns:a16="http://schemas.microsoft.com/office/drawing/2014/main" xmlns="" id="{DCC35348-3482-4C19-BA8F-FE8C19E81CCA}"/>
               </a:ext>
             </a:extLst>
           </p:cNvPr>
@@ -1383,7 +1385,7 @@
           <p:cNvPr id="6" name="灯片编号占位符 5">
             <a:extLst>
               <a:ext uri="{FF2B5EF4-FFF2-40B4-BE49-F238E27FC236}">
-                <a16:creationId xmlns:a16="http://schemas.microsoft.com/office/drawing/2014/main" id="{EEF9D09C-15EB-4639-9DE7-FB64FA057673}"/>
+                <a16:creationId xmlns:a16="http://schemas.microsoft.com/office/drawing/2014/main" xmlns="" id="{EEF9D09C-15EB-4639-9DE7-FB64FA057673}"/>
               </a:ext>
             </a:extLst>
           </p:cNvPr>
@@ -1442,7 +1444,7 @@
           <p:cNvPr id="2" name="标题 1">
             <a:extLst>
               <a:ext uri="{FF2B5EF4-FFF2-40B4-BE49-F238E27FC236}">
-                <a16:creationId xmlns:a16="http://schemas.microsoft.com/office/drawing/2014/main" id="{857D082A-4943-47B6-938D-1EE69CBC3996}"/>
+                <a16:creationId xmlns:a16="http://schemas.microsoft.com/office/drawing/2014/main" xmlns="" id="{857D082A-4943-47B6-938D-1EE69CBC3996}"/>
               </a:ext>
             </a:extLst>
           </p:cNvPr>
@@ -1479,7 +1481,7 @@
           <p:cNvPr id="3" name="文本占位符 2">
             <a:extLst>
               <a:ext uri="{FF2B5EF4-FFF2-40B4-BE49-F238E27FC236}">
-                <a16:creationId xmlns:a16="http://schemas.microsoft.com/office/drawing/2014/main" id="{A8C89274-80B3-4019-8CCA-59497B3BE243}"/>
+                <a16:creationId xmlns:a16="http://schemas.microsoft.com/office/drawing/2014/main" xmlns="" id="{A8C89274-80B3-4019-8CCA-59497B3BE243}"/>
               </a:ext>
             </a:extLst>
           </p:cNvPr>
@@ -1604,7 +1606,7 @@
           <p:cNvPr id="4" name="日期占位符 3">
             <a:extLst>
               <a:ext uri="{FF2B5EF4-FFF2-40B4-BE49-F238E27FC236}">
-                <a16:creationId xmlns:a16="http://schemas.microsoft.com/office/drawing/2014/main" id="{F4120119-57EE-4383-80EC-223062E18661}"/>
+                <a16:creationId xmlns:a16="http://schemas.microsoft.com/office/drawing/2014/main" xmlns="" id="{F4120119-57EE-4383-80EC-223062E18661}"/>
               </a:ext>
             </a:extLst>
           </p:cNvPr>
@@ -1633,7 +1635,7 @@
           <p:cNvPr id="5" name="页脚占位符 4">
             <a:extLst>
               <a:ext uri="{FF2B5EF4-FFF2-40B4-BE49-F238E27FC236}">
-                <a16:creationId xmlns:a16="http://schemas.microsoft.com/office/drawing/2014/main" id="{F05B8194-70F1-46BA-BB74-EB6134D75007}"/>
+                <a16:creationId xmlns:a16="http://schemas.microsoft.com/office/drawing/2014/main" xmlns="" id="{F05B8194-70F1-46BA-BB74-EB6134D75007}"/>
               </a:ext>
             </a:extLst>
           </p:cNvPr>
@@ -1658,7 +1660,7 @@
           <p:cNvPr id="6" name="灯片编号占位符 5">
             <a:extLst>
               <a:ext uri="{FF2B5EF4-FFF2-40B4-BE49-F238E27FC236}">
-                <a16:creationId xmlns:a16="http://schemas.microsoft.com/office/drawing/2014/main" id="{E17F70DC-E077-4F0C-A09A-BEBA428DC345}"/>
+                <a16:creationId xmlns:a16="http://schemas.microsoft.com/office/drawing/2014/main" xmlns="" id="{E17F70DC-E077-4F0C-A09A-BEBA428DC345}"/>
               </a:ext>
             </a:extLst>
           </p:cNvPr>
@@ -1717,7 +1719,7 @@
           <p:cNvPr id="2" name="标题 1">
             <a:extLst>
               <a:ext uri="{FF2B5EF4-FFF2-40B4-BE49-F238E27FC236}">
-                <a16:creationId xmlns:a16="http://schemas.microsoft.com/office/drawing/2014/main" id="{C822FB69-0A2F-4067-ADA0-E265B7C2EED4}"/>
+                <a16:creationId xmlns:a16="http://schemas.microsoft.com/office/drawing/2014/main" xmlns="" id="{C822FB69-0A2F-4067-ADA0-E265B7C2EED4}"/>
               </a:ext>
             </a:extLst>
           </p:cNvPr>
@@ -1745,7 +1747,7 @@
           <p:cNvPr id="3" name="内容占位符 2">
             <a:extLst>
               <a:ext uri="{FF2B5EF4-FFF2-40B4-BE49-F238E27FC236}">
-                <a16:creationId xmlns:a16="http://schemas.microsoft.com/office/drawing/2014/main" id="{0640A393-2772-40BE-BC9C-D2E4CCAB93AE}"/>
+                <a16:creationId xmlns:a16="http://schemas.microsoft.com/office/drawing/2014/main" xmlns="" id="{0640A393-2772-40BE-BC9C-D2E4CCAB93AE}"/>
               </a:ext>
             </a:extLst>
           </p:cNvPr>
@@ -1807,7 +1809,7 @@
           <p:cNvPr id="4" name="内容占位符 3">
             <a:extLst>
               <a:ext uri="{FF2B5EF4-FFF2-40B4-BE49-F238E27FC236}">
-                <a16:creationId xmlns:a16="http://schemas.microsoft.com/office/drawing/2014/main" id="{59ACE973-E010-423F-B5CE-EDCB25841717}"/>
+                <a16:creationId xmlns:a16="http://schemas.microsoft.com/office/drawing/2014/main" xmlns="" id="{59ACE973-E010-423F-B5CE-EDCB25841717}"/>
               </a:ext>
             </a:extLst>
           </p:cNvPr>
@@ -1869,7 +1871,7 @@
           <p:cNvPr id="5" name="日期占位符 4">
             <a:extLst>
               <a:ext uri="{FF2B5EF4-FFF2-40B4-BE49-F238E27FC236}">
-                <a16:creationId xmlns:a16="http://schemas.microsoft.com/office/drawing/2014/main" id="{4BB48213-6B0B-492F-9F34-2403F381AAA6}"/>
+                <a16:creationId xmlns:a16="http://schemas.microsoft.com/office/drawing/2014/main" xmlns="" id="{4BB48213-6B0B-492F-9F34-2403F381AAA6}"/>
               </a:ext>
             </a:extLst>
           </p:cNvPr>
@@ -1898,7 +1900,7 @@
           <p:cNvPr id="6" name="页脚占位符 5">
             <a:extLst>
               <a:ext uri="{FF2B5EF4-FFF2-40B4-BE49-F238E27FC236}">
-                <a16:creationId xmlns:a16="http://schemas.microsoft.com/office/drawing/2014/main" id="{C908F45D-7090-4DD4-930B-C069D2F6F86F}"/>
+                <a16:creationId xmlns:a16="http://schemas.microsoft.com/office/drawing/2014/main" xmlns="" id="{C908F45D-7090-4DD4-930B-C069D2F6F86F}"/>
               </a:ext>
             </a:extLst>
           </p:cNvPr>
@@ -1923,7 +1925,7 @@
           <p:cNvPr id="7" name="灯片编号占位符 6">
             <a:extLst>
               <a:ext uri="{FF2B5EF4-FFF2-40B4-BE49-F238E27FC236}">
-                <a16:creationId xmlns:a16="http://schemas.microsoft.com/office/drawing/2014/main" id="{E0946174-7BE5-4B04-9045-7020F0BCF3AF}"/>
+                <a16:creationId xmlns:a16="http://schemas.microsoft.com/office/drawing/2014/main" xmlns="" id="{E0946174-7BE5-4B04-9045-7020F0BCF3AF}"/>
               </a:ext>
             </a:extLst>
           </p:cNvPr>
@@ -1982,7 +1984,7 @@
           <p:cNvPr id="2" name="标题 1">
             <a:extLst>
               <a:ext uri="{FF2B5EF4-FFF2-40B4-BE49-F238E27FC236}">
-                <a16:creationId xmlns:a16="http://schemas.microsoft.com/office/drawing/2014/main" id="{F2EABE62-74F1-433D-A7CB-470CEC42B65E}"/>
+                <a16:creationId xmlns:a16="http://schemas.microsoft.com/office/drawing/2014/main" xmlns="" id="{F2EABE62-74F1-433D-A7CB-470CEC42B65E}"/>
               </a:ext>
             </a:extLst>
           </p:cNvPr>
@@ -2015,7 +2017,7 @@
           <p:cNvPr id="3" name="文本占位符 2">
             <a:extLst>
               <a:ext uri="{FF2B5EF4-FFF2-40B4-BE49-F238E27FC236}">
-                <a16:creationId xmlns:a16="http://schemas.microsoft.com/office/drawing/2014/main" id="{41FAC0E2-FE26-4371-9DE2-FB8121CCB385}"/>
+                <a16:creationId xmlns:a16="http://schemas.microsoft.com/office/drawing/2014/main" xmlns="" id="{41FAC0E2-FE26-4371-9DE2-FB8121CCB385}"/>
               </a:ext>
             </a:extLst>
           </p:cNvPr>
@@ -2086,7 +2088,7 @@
           <p:cNvPr id="4" name="内容占位符 3">
             <a:extLst>
               <a:ext uri="{FF2B5EF4-FFF2-40B4-BE49-F238E27FC236}">
-                <a16:creationId xmlns:a16="http://schemas.microsoft.com/office/drawing/2014/main" id="{798D996D-236C-4210-A91B-303D1ED371EC}"/>
+                <a16:creationId xmlns:a16="http://schemas.microsoft.com/office/drawing/2014/main" xmlns="" id="{798D996D-236C-4210-A91B-303D1ED371EC}"/>
               </a:ext>
             </a:extLst>
           </p:cNvPr>
@@ -2148,7 +2150,7 @@
           <p:cNvPr id="5" name="文本占位符 4">
             <a:extLst>
               <a:ext uri="{FF2B5EF4-FFF2-40B4-BE49-F238E27FC236}">
-                <a16:creationId xmlns:a16="http://schemas.microsoft.com/office/drawing/2014/main" id="{36BF2E9F-0049-4A51-95ED-2C1DBBC272E2}"/>
+                <a16:creationId xmlns:a16="http://schemas.microsoft.com/office/drawing/2014/main" xmlns="" id="{36BF2E9F-0049-4A51-95ED-2C1DBBC272E2}"/>
               </a:ext>
             </a:extLst>
           </p:cNvPr>
@@ -2219,7 +2221,7 @@
           <p:cNvPr id="6" name="内容占位符 5">
             <a:extLst>
               <a:ext uri="{FF2B5EF4-FFF2-40B4-BE49-F238E27FC236}">
-                <a16:creationId xmlns:a16="http://schemas.microsoft.com/office/drawing/2014/main" id="{A060DA39-B5E9-4AD1-81B9-216B137277D0}"/>
+                <a16:creationId xmlns:a16="http://schemas.microsoft.com/office/drawing/2014/main" xmlns="" id="{A060DA39-B5E9-4AD1-81B9-216B137277D0}"/>
               </a:ext>
             </a:extLst>
           </p:cNvPr>
@@ -2281,7 +2283,7 @@
           <p:cNvPr id="7" name="日期占位符 6">
             <a:extLst>
               <a:ext uri="{FF2B5EF4-FFF2-40B4-BE49-F238E27FC236}">
-                <a16:creationId xmlns:a16="http://schemas.microsoft.com/office/drawing/2014/main" id="{2726751B-E33B-4422-BC0F-30B8CC7BFD70}"/>
+                <a16:creationId xmlns:a16="http://schemas.microsoft.com/office/drawing/2014/main" xmlns="" id="{2726751B-E33B-4422-BC0F-30B8CC7BFD70}"/>
               </a:ext>
             </a:extLst>
           </p:cNvPr>
@@ -2310,7 +2312,7 @@
           <p:cNvPr id="8" name="页脚占位符 7">
             <a:extLst>
               <a:ext uri="{FF2B5EF4-FFF2-40B4-BE49-F238E27FC236}">
-                <a16:creationId xmlns:a16="http://schemas.microsoft.com/office/drawing/2014/main" id="{66097E9A-B52E-45A9-9B38-022043166A94}"/>
+                <a16:creationId xmlns:a16="http://schemas.microsoft.com/office/drawing/2014/main" xmlns="" id="{66097E9A-B52E-45A9-9B38-022043166A94}"/>
               </a:ext>
             </a:extLst>
           </p:cNvPr>
@@ -2335,7 +2337,7 @@
           <p:cNvPr id="9" name="灯片编号占位符 8">
             <a:extLst>
               <a:ext uri="{FF2B5EF4-FFF2-40B4-BE49-F238E27FC236}">
-                <a16:creationId xmlns:a16="http://schemas.microsoft.com/office/drawing/2014/main" id="{A7EEE82B-A790-4ACE-B567-21D7C2DC96FD}"/>
+                <a16:creationId xmlns:a16="http://schemas.microsoft.com/office/drawing/2014/main" xmlns="" id="{A7EEE82B-A790-4ACE-B567-21D7C2DC96FD}"/>
               </a:ext>
             </a:extLst>
           </p:cNvPr>
@@ -2394,7 +2396,7 @@
           <p:cNvPr id="2" name="标题 1">
             <a:extLst>
               <a:ext uri="{FF2B5EF4-FFF2-40B4-BE49-F238E27FC236}">
-                <a16:creationId xmlns:a16="http://schemas.microsoft.com/office/drawing/2014/main" id="{B52FFEB8-65BB-4A77-8077-C4AA2C81E4A8}"/>
+                <a16:creationId xmlns:a16="http://schemas.microsoft.com/office/drawing/2014/main" xmlns="" id="{B52FFEB8-65BB-4A77-8077-C4AA2C81E4A8}"/>
               </a:ext>
             </a:extLst>
           </p:cNvPr>
@@ -2422,7 +2424,7 @@
           <p:cNvPr id="3" name="日期占位符 2">
             <a:extLst>
               <a:ext uri="{FF2B5EF4-FFF2-40B4-BE49-F238E27FC236}">
-                <a16:creationId xmlns:a16="http://schemas.microsoft.com/office/drawing/2014/main" id="{ADB5B0A9-A2A2-4D6D-B489-AA5E482F4646}"/>
+                <a16:creationId xmlns:a16="http://schemas.microsoft.com/office/drawing/2014/main" xmlns="" id="{ADB5B0A9-A2A2-4D6D-B489-AA5E482F4646}"/>
               </a:ext>
             </a:extLst>
           </p:cNvPr>
@@ -2451,7 +2453,7 @@
           <p:cNvPr id="4" name="页脚占位符 3">
             <a:extLst>
               <a:ext uri="{FF2B5EF4-FFF2-40B4-BE49-F238E27FC236}">
-                <a16:creationId xmlns:a16="http://schemas.microsoft.com/office/drawing/2014/main" id="{11E3D158-502B-4EF5-B027-6C86290A73E6}"/>
+                <a16:creationId xmlns:a16="http://schemas.microsoft.com/office/drawing/2014/main" xmlns="" id="{11E3D158-502B-4EF5-B027-6C86290A73E6}"/>
               </a:ext>
             </a:extLst>
           </p:cNvPr>
@@ -2476,7 +2478,7 @@
           <p:cNvPr id="5" name="灯片编号占位符 4">
             <a:extLst>
               <a:ext uri="{FF2B5EF4-FFF2-40B4-BE49-F238E27FC236}">
-                <a16:creationId xmlns:a16="http://schemas.microsoft.com/office/drawing/2014/main" id="{6856DF77-5DA7-44BB-ADF9-701B69D9AEE7}"/>
+                <a16:creationId xmlns:a16="http://schemas.microsoft.com/office/drawing/2014/main" xmlns="" id="{6856DF77-5DA7-44BB-ADF9-701B69D9AEE7}"/>
               </a:ext>
             </a:extLst>
           </p:cNvPr>
@@ -2535,7 +2537,7 @@
           <p:cNvPr id="2" name="日期占位符 1">
             <a:extLst>
               <a:ext uri="{FF2B5EF4-FFF2-40B4-BE49-F238E27FC236}">
-                <a16:creationId xmlns:a16="http://schemas.microsoft.com/office/drawing/2014/main" id="{9A65F369-D83E-428E-AD6B-448B2FC6EFE2}"/>
+                <a16:creationId xmlns:a16="http://schemas.microsoft.com/office/drawing/2014/main" xmlns="" id="{9A65F369-D83E-428E-AD6B-448B2FC6EFE2}"/>
               </a:ext>
             </a:extLst>
           </p:cNvPr>
@@ -2564,7 +2566,7 @@
           <p:cNvPr id="3" name="页脚占位符 2">
             <a:extLst>
               <a:ext uri="{FF2B5EF4-FFF2-40B4-BE49-F238E27FC236}">
-                <a16:creationId xmlns:a16="http://schemas.microsoft.com/office/drawing/2014/main" id="{DD6863D7-EF70-4B83-A902-F1339752A942}"/>
+                <a16:creationId xmlns:a16="http://schemas.microsoft.com/office/drawing/2014/main" xmlns="" id="{DD6863D7-EF70-4B83-A902-F1339752A942}"/>
               </a:ext>
             </a:extLst>
           </p:cNvPr>
@@ -2589,7 +2591,7 @@
           <p:cNvPr id="4" name="灯片编号占位符 3">
             <a:extLst>
               <a:ext uri="{FF2B5EF4-FFF2-40B4-BE49-F238E27FC236}">
-                <a16:creationId xmlns:a16="http://schemas.microsoft.com/office/drawing/2014/main" id="{218A45A4-61F9-40E0-9255-97074B1AC668}"/>
+                <a16:creationId xmlns:a16="http://schemas.microsoft.com/office/drawing/2014/main" xmlns="" id="{218A45A4-61F9-40E0-9255-97074B1AC668}"/>
               </a:ext>
             </a:extLst>
           </p:cNvPr>
@@ -2648,7 +2650,7 @@
           <p:cNvPr id="2" name="标题 1">
             <a:extLst>
               <a:ext uri="{FF2B5EF4-FFF2-40B4-BE49-F238E27FC236}">
-                <a16:creationId xmlns:a16="http://schemas.microsoft.com/office/drawing/2014/main" id="{184444C8-B4BB-4A87-B259-E85E2B2FDBC7}"/>
+                <a16:creationId xmlns:a16="http://schemas.microsoft.com/office/drawing/2014/main" xmlns="" id="{184444C8-B4BB-4A87-B259-E85E2B2FDBC7}"/>
               </a:ext>
             </a:extLst>
           </p:cNvPr>
@@ -2685,7 +2687,7 @@
           <p:cNvPr id="3" name="内容占位符 2">
             <a:extLst>
               <a:ext uri="{FF2B5EF4-FFF2-40B4-BE49-F238E27FC236}">
-                <a16:creationId xmlns:a16="http://schemas.microsoft.com/office/drawing/2014/main" id="{9B9A3D27-9908-4EBB-A05F-A2F0C7EF6CAF}"/>
+                <a16:creationId xmlns:a16="http://schemas.microsoft.com/office/drawing/2014/main" xmlns="" id="{9B9A3D27-9908-4EBB-A05F-A2F0C7EF6CAF}"/>
               </a:ext>
             </a:extLst>
           </p:cNvPr>
@@ -2775,7 +2777,7 @@
           <p:cNvPr id="4" name="文本占位符 3">
             <a:extLst>
               <a:ext uri="{FF2B5EF4-FFF2-40B4-BE49-F238E27FC236}">
-                <a16:creationId xmlns:a16="http://schemas.microsoft.com/office/drawing/2014/main" id="{AEDB612B-297A-4A6A-94E9-38DA35C8129E}"/>
+                <a16:creationId xmlns:a16="http://schemas.microsoft.com/office/drawing/2014/main" xmlns="" id="{AEDB612B-297A-4A6A-94E9-38DA35C8129E}"/>
               </a:ext>
             </a:extLst>
           </p:cNvPr>
@@ -2846,7 +2848,7 @@
           <p:cNvPr id="5" name="日期占位符 4">
             <a:extLst>
               <a:ext uri="{FF2B5EF4-FFF2-40B4-BE49-F238E27FC236}">
-                <a16:creationId xmlns:a16="http://schemas.microsoft.com/office/drawing/2014/main" id="{C5E87404-B5B6-4397-B6BA-611FB6BD7415}"/>
+                <a16:creationId xmlns:a16="http://schemas.microsoft.com/office/drawing/2014/main" xmlns="" id="{C5E87404-B5B6-4397-B6BA-611FB6BD7415}"/>
               </a:ext>
             </a:extLst>
           </p:cNvPr>
@@ -2875,7 +2877,7 @@
           <p:cNvPr id="6" name="页脚占位符 5">
             <a:extLst>
               <a:ext uri="{FF2B5EF4-FFF2-40B4-BE49-F238E27FC236}">
-                <a16:creationId xmlns:a16="http://schemas.microsoft.com/office/drawing/2014/main" id="{A10A8CDA-D9BD-4AEC-8747-55BE716DA477}"/>
+                <a16:creationId xmlns:a16="http://schemas.microsoft.com/office/drawing/2014/main" xmlns="" id="{A10A8CDA-D9BD-4AEC-8747-55BE716DA477}"/>
               </a:ext>
             </a:extLst>
           </p:cNvPr>
@@ -2900,7 +2902,7 @@
           <p:cNvPr id="7" name="灯片编号占位符 6">
             <a:extLst>
               <a:ext uri="{FF2B5EF4-FFF2-40B4-BE49-F238E27FC236}">
-                <a16:creationId xmlns:a16="http://schemas.microsoft.com/office/drawing/2014/main" id="{C16849B7-7A57-475E-8E91-9D9C0FC6DCDD}"/>
+                <a16:creationId xmlns:a16="http://schemas.microsoft.com/office/drawing/2014/main" xmlns="" id="{C16849B7-7A57-475E-8E91-9D9C0FC6DCDD}"/>
               </a:ext>
             </a:extLst>
           </p:cNvPr>
@@ -2959,7 +2961,7 @@
           <p:cNvPr id="2" name="标题 1">
             <a:extLst>
               <a:ext uri="{FF2B5EF4-FFF2-40B4-BE49-F238E27FC236}">
-                <a16:creationId xmlns:a16="http://schemas.microsoft.com/office/drawing/2014/main" id="{B741EC31-D454-47F6-98D6-695B94D6B243}"/>
+                <a16:creationId xmlns:a16="http://schemas.microsoft.com/office/drawing/2014/main" xmlns="" id="{B741EC31-D454-47F6-98D6-695B94D6B243}"/>
               </a:ext>
             </a:extLst>
           </p:cNvPr>
@@ -2996,7 +2998,7 @@
           <p:cNvPr id="3" name="图片占位符 2">
             <a:extLst>
               <a:ext uri="{FF2B5EF4-FFF2-40B4-BE49-F238E27FC236}">
-                <a16:creationId xmlns:a16="http://schemas.microsoft.com/office/drawing/2014/main" id="{D5DA7DEE-2EF7-47AE-BB95-D43371A5ACC4}"/>
+                <a16:creationId xmlns:a16="http://schemas.microsoft.com/office/drawing/2014/main" xmlns="" id="{D5DA7DEE-2EF7-47AE-BB95-D43371A5ACC4}"/>
               </a:ext>
             </a:extLst>
           </p:cNvPr>
@@ -3063,7 +3065,7 @@
           <p:cNvPr id="4" name="文本占位符 3">
             <a:extLst>
               <a:ext uri="{FF2B5EF4-FFF2-40B4-BE49-F238E27FC236}">
-                <a16:creationId xmlns:a16="http://schemas.microsoft.com/office/drawing/2014/main" id="{A6D83D40-69D5-413A-AEDB-BA501DD69376}"/>
+                <a16:creationId xmlns:a16="http://schemas.microsoft.com/office/drawing/2014/main" xmlns="" id="{A6D83D40-69D5-413A-AEDB-BA501DD69376}"/>
               </a:ext>
             </a:extLst>
           </p:cNvPr>
@@ -3134,7 +3136,7 @@
           <p:cNvPr id="5" name="日期占位符 4">
             <a:extLst>
               <a:ext uri="{FF2B5EF4-FFF2-40B4-BE49-F238E27FC236}">
-                <a16:creationId xmlns:a16="http://schemas.microsoft.com/office/drawing/2014/main" id="{5A66E2B1-868B-4204-B5AC-7669EEF13B76}"/>
+                <a16:creationId xmlns:a16="http://schemas.microsoft.com/office/drawing/2014/main" xmlns="" id="{5A66E2B1-868B-4204-B5AC-7669EEF13B76}"/>
               </a:ext>
             </a:extLst>
           </p:cNvPr>
@@ -3163,7 +3165,7 @@
           <p:cNvPr id="6" name="页脚占位符 5">
             <a:extLst>
               <a:ext uri="{FF2B5EF4-FFF2-40B4-BE49-F238E27FC236}">
-                <a16:creationId xmlns:a16="http://schemas.microsoft.com/office/drawing/2014/main" id="{0A08BAEB-4064-4ECC-BB08-2A37E3D95EBF}"/>
+                <a16:creationId xmlns:a16="http://schemas.microsoft.com/office/drawing/2014/main" xmlns="" id="{0A08BAEB-4064-4ECC-BB08-2A37E3D95EBF}"/>
               </a:ext>
             </a:extLst>
           </p:cNvPr>
@@ -3188,7 +3190,7 @@
           <p:cNvPr id="7" name="灯片编号占位符 6">
             <a:extLst>
               <a:ext uri="{FF2B5EF4-FFF2-40B4-BE49-F238E27FC236}">
-                <a16:creationId xmlns:a16="http://schemas.microsoft.com/office/drawing/2014/main" id="{34B78505-A9F6-42DD-86B9-B3FE8DF7C1DB}"/>
+                <a16:creationId xmlns:a16="http://schemas.microsoft.com/office/drawing/2014/main" xmlns="" id="{34B78505-A9F6-42DD-86B9-B3FE8DF7C1DB}"/>
               </a:ext>
             </a:extLst>
           </p:cNvPr>
@@ -3252,7 +3254,7 @@
           <p:cNvPr id="2" name="标题占位符 1">
             <a:extLst>
               <a:ext uri="{FF2B5EF4-FFF2-40B4-BE49-F238E27FC236}">
-                <a16:creationId xmlns:a16="http://schemas.microsoft.com/office/drawing/2014/main" id="{2F24D27E-59F0-4891-B4CB-077CFFB73D64}"/>
+                <a16:creationId xmlns:a16="http://schemas.microsoft.com/office/drawing/2014/main" xmlns="" id="{2F24D27E-59F0-4891-B4CB-077CFFB73D64}"/>
               </a:ext>
             </a:extLst>
           </p:cNvPr>
@@ -3290,7 +3292,7 @@
           <p:cNvPr id="3" name="文本占位符 2">
             <a:extLst>
               <a:ext uri="{FF2B5EF4-FFF2-40B4-BE49-F238E27FC236}">
-                <a16:creationId xmlns:a16="http://schemas.microsoft.com/office/drawing/2014/main" id="{0BC87F7B-0A60-4A04-8368-ADF7316C2CEE}"/>
+                <a16:creationId xmlns:a16="http://schemas.microsoft.com/office/drawing/2014/main" xmlns="" id="{0BC87F7B-0A60-4A04-8368-ADF7316C2CEE}"/>
               </a:ext>
             </a:extLst>
           </p:cNvPr>
@@ -3357,7 +3359,7 @@
           <p:cNvPr id="4" name="日期占位符 3">
             <a:extLst>
               <a:ext uri="{FF2B5EF4-FFF2-40B4-BE49-F238E27FC236}">
-                <a16:creationId xmlns:a16="http://schemas.microsoft.com/office/drawing/2014/main" id="{51956E0D-CBA6-488E-813E-CC164B324E70}"/>
+                <a16:creationId xmlns:a16="http://schemas.microsoft.com/office/drawing/2014/main" xmlns="" id="{51956E0D-CBA6-488E-813E-CC164B324E70}"/>
               </a:ext>
             </a:extLst>
           </p:cNvPr>
@@ -3404,7 +3406,7 @@
           <p:cNvPr id="5" name="页脚占位符 4">
             <a:extLst>
               <a:ext uri="{FF2B5EF4-FFF2-40B4-BE49-F238E27FC236}">
-                <a16:creationId xmlns:a16="http://schemas.microsoft.com/office/drawing/2014/main" id="{17B007A6-A1B9-4ED1-BC92-A385EB0D0AE5}"/>
+                <a16:creationId xmlns:a16="http://schemas.microsoft.com/office/drawing/2014/main" xmlns="" id="{17B007A6-A1B9-4ED1-BC92-A385EB0D0AE5}"/>
               </a:ext>
             </a:extLst>
           </p:cNvPr>
@@ -3447,7 +3449,7 @@
           <p:cNvPr id="6" name="灯片编号占位符 5">
             <a:extLst>
               <a:ext uri="{FF2B5EF4-FFF2-40B4-BE49-F238E27FC236}">
-                <a16:creationId xmlns:a16="http://schemas.microsoft.com/office/drawing/2014/main" id="{E2DBEF6E-972D-4F2A-813F-9F8D695B7056}"/>
+                <a16:creationId xmlns:a16="http://schemas.microsoft.com/office/drawing/2014/main" xmlns="" id="{E2DBEF6E-972D-4F2A-813F-9F8D695B7056}"/>
               </a:ext>
             </a:extLst>
           </p:cNvPr>
@@ -3815,7 +3817,7 @@
           <p:cNvPr id="2" name="标题 1">
             <a:extLst>
               <a:ext uri="{FF2B5EF4-FFF2-40B4-BE49-F238E27FC236}">
-                <a16:creationId xmlns:a16="http://schemas.microsoft.com/office/drawing/2014/main" id="{2A695A0C-B140-40D5-B73D-FFEE942EEF0F}"/>
+                <a16:creationId xmlns:a16="http://schemas.microsoft.com/office/drawing/2014/main" xmlns="" id="{2A695A0C-B140-40D5-B73D-FFEE942EEF0F}"/>
               </a:ext>
             </a:extLst>
           </p:cNvPr>
@@ -3845,7 +3847,7 @@
           <p:cNvPr id="3" name="副标题 2">
             <a:extLst>
               <a:ext uri="{FF2B5EF4-FFF2-40B4-BE49-F238E27FC236}">
-                <a16:creationId xmlns:a16="http://schemas.microsoft.com/office/drawing/2014/main" id="{83980252-8401-4953-A10A-73BC647BB696}"/>
+                <a16:creationId xmlns:a16="http://schemas.microsoft.com/office/drawing/2014/main" xmlns="" id="{83980252-8401-4953-A10A-73BC647BB696}"/>
               </a:ext>
             </a:extLst>
           </p:cNvPr>
@@ -3919,7 +3921,7 @@
           <p:cNvPr id="2" name="标题 1">
             <a:extLst>
               <a:ext uri="{FF2B5EF4-FFF2-40B4-BE49-F238E27FC236}">
-                <a16:creationId xmlns:a16="http://schemas.microsoft.com/office/drawing/2014/main" id="{73F2B4DB-EF59-42B4-B603-7D3C21DDEE52}"/>
+                <a16:creationId xmlns:a16="http://schemas.microsoft.com/office/drawing/2014/main" xmlns="" id="{73F2B4DB-EF59-42B4-B603-7D3C21DDEE52}"/>
               </a:ext>
             </a:extLst>
           </p:cNvPr>
@@ -3951,7 +3953,7 @@
           <p:cNvPr id="3" name="内容占位符 2">
             <a:extLst>
               <a:ext uri="{FF2B5EF4-FFF2-40B4-BE49-F238E27FC236}">
-                <a16:creationId xmlns:a16="http://schemas.microsoft.com/office/drawing/2014/main" id="{1707C228-5EC7-4B63-A6AE-A9C408B19FB8}"/>
+                <a16:creationId xmlns:a16="http://schemas.microsoft.com/office/drawing/2014/main" xmlns="" id="{1707C228-5EC7-4B63-A6AE-A9C408B19FB8}"/>
               </a:ext>
             </a:extLst>
           </p:cNvPr>
@@ -4114,7 +4116,7 @@
           <p:cNvPr id="2" name="标题 1">
             <a:extLst>
               <a:ext uri="{FF2B5EF4-FFF2-40B4-BE49-F238E27FC236}">
-                <a16:creationId xmlns:a16="http://schemas.microsoft.com/office/drawing/2014/main" id="{73F2B4DB-EF59-42B4-B603-7D3C21DDEE52}"/>
+                <a16:creationId xmlns:a16="http://schemas.microsoft.com/office/drawing/2014/main" xmlns="" id="{73F2B4DB-EF59-42B4-B603-7D3C21DDEE52}"/>
               </a:ext>
             </a:extLst>
           </p:cNvPr>
@@ -4146,7 +4148,7 @@
           <p:cNvPr id="3" name="内容占位符 2">
             <a:extLst>
               <a:ext uri="{FF2B5EF4-FFF2-40B4-BE49-F238E27FC236}">
-                <a16:creationId xmlns:a16="http://schemas.microsoft.com/office/drawing/2014/main" id="{1707C228-5EC7-4B63-A6AE-A9C408B19FB8}"/>
+                <a16:creationId xmlns:a16="http://schemas.microsoft.com/office/drawing/2014/main" xmlns="" id="{1707C228-5EC7-4B63-A6AE-A9C408B19FB8}"/>
               </a:ext>
             </a:extLst>
           </p:cNvPr>
@@ -4274,7 +4276,7 @@
           <p:cNvPr id="2" name="标题 1">
             <a:extLst>
               <a:ext uri="{FF2B5EF4-FFF2-40B4-BE49-F238E27FC236}">
-                <a16:creationId xmlns:a16="http://schemas.microsoft.com/office/drawing/2014/main" id="{836DB18F-22E9-4BC9-A496-A32B9797D82C}"/>
+                <a16:creationId xmlns:a16="http://schemas.microsoft.com/office/drawing/2014/main" xmlns="" id="{836DB18F-22E9-4BC9-A496-A32B9797D82C}"/>
               </a:ext>
             </a:extLst>
           </p:cNvPr>
@@ -4315,7 +4317,7 @@
           <p:cNvPr id="3" name="内容占位符 2">
             <a:extLst>
               <a:ext uri="{FF2B5EF4-FFF2-40B4-BE49-F238E27FC236}">
-                <a16:creationId xmlns:a16="http://schemas.microsoft.com/office/drawing/2014/main" id="{9FDE44E2-455E-4EBF-896D-420F4323E4FE}"/>
+                <a16:creationId xmlns:a16="http://schemas.microsoft.com/office/drawing/2014/main" xmlns="" id="{9FDE44E2-455E-4EBF-896D-420F4323E4FE}"/>
               </a:ext>
             </a:extLst>
           </p:cNvPr>
@@ -4357,7 +4359,7 @@
           <p:cNvPr id="4" name="对象 3">
             <a:extLst>
               <a:ext uri="{FF2B5EF4-FFF2-40B4-BE49-F238E27FC236}">
-                <a16:creationId xmlns:a16="http://schemas.microsoft.com/office/drawing/2014/main" id="{E7A1FC50-09D5-4A52-A45E-FDAF3F22E30F}"/>
+                <a16:creationId xmlns:a16="http://schemas.microsoft.com/office/drawing/2014/main" xmlns="" id="{E7A1FC50-09D5-4A52-A45E-FDAF3F22E30F}"/>
               </a:ext>
             </a:extLst>
           </p:cNvPr>
@@ -4380,7 +4382,7 @@
           <a:graphicData uri="http://schemas.openxmlformats.org/presentationml/2006/ole">
             <mc:AlternateContent xmlns:mc="http://schemas.openxmlformats.org/markup-compatibility/2006">
               <mc:Choice xmlns:v="urn:schemas-microsoft-com:vml" Requires="v">
-                <p:oleObj spid="_x0000_s1360" name="包装程序外壳对象" showAsIcon="1" r:id="rId4" imgW="1857600" imgH="439560" progId="Package">
+                <p:oleObj spid="_x0000_s1386" name="包装程序外壳对象" showAsIcon="1" r:id="rId4" imgW="1857600" imgH="439560" progId="Package">
                   <p:embed/>
                 </p:oleObj>
               </mc:Choice>
@@ -4450,7 +4452,7 @@
           <p:cNvPr id="2" name="标题 1">
             <a:extLst>
               <a:ext uri="{FF2B5EF4-FFF2-40B4-BE49-F238E27FC236}">
-                <a16:creationId xmlns:a16="http://schemas.microsoft.com/office/drawing/2014/main" id="{4F44ABA1-F947-4C32-B2A1-6D4C318CE47E}"/>
+                <a16:creationId xmlns:a16="http://schemas.microsoft.com/office/drawing/2014/main" xmlns="" id="{4F44ABA1-F947-4C32-B2A1-6D4C318CE47E}"/>
               </a:ext>
             </a:extLst>
           </p:cNvPr>
@@ -4491,7 +4493,7 @@
           <p:cNvPr id="3" name="内容占位符 2">
             <a:extLst>
               <a:ext uri="{FF2B5EF4-FFF2-40B4-BE49-F238E27FC236}">
-                <a16:creationId xmlns:a16="http://schemas.microsoft.com/office/drawing/2014/main" id="{3458968B-A621-4F04-8601-C87C5228F6C1}"/>
+                <a16:creationId xmlns:a16="http://schemas.microsoft.com/office/drawing/2014/main" xmlns="" id="{3458968B-A621-4F04-8601-C87C5228F6C1}"/>
               </a:ext>
             </a:extLst>
           </p:cNvPr>
@@ -4576,7 +4578,7 @@
           <p:cNvPr id="4" name="图片 3">
             <a:extLst>
               <a:ext uri="{FF2B5EF4-FFF2-40B4-BE49-F238E27FC236}">
-                <a16:creationId xmlns:a16="http://schemas.microsoft.com/office/drawing/2014/main" id="{0763DE43-34E8-4E6B-8F58-5F42ED855EDB}"/>
+                <a16:creationId xmlns:a16="http://schemas.microsoft.com/office/drawing/2014/main" xmlns="" id="{0763DE43-34E8-4E6B-8F58-5F42ED855EDB}"/>
               </a:ext>
             </a:extLst>
           </p:cNvPr>
@@ -4606,7 +4608,7 @@
           <p:cNvPr id="6" name="图片 5">
             <a:extLst>
               <a:ext uri="{FF2B5EF4-FFF2-40B4-BE49-F238E27FC236}">
-                <a16:creationId xmlns:a16="http://schemas.microsoft.com/office/drawing/2014/main" id="{2FB7F913-AE0F-493F-962B-14DAC66EDC19}"/>
+                <a16:creationId xmlns:a16="http://schemas.microsoft.com/office/drawing/2014/main" xmlns="" id="{2FB7F913-AE0F-493F-962B-14DAC66EDC19}"/>
               </a:ext>
             </a:extLst>
           </p:cNvPr>
@@ -4666,7 +4668,7 @@
           <p:cNvPr id="2" name="标题 1">
             <a:extLst>
               <a:ext uri="{FF2B5EF4-FFF2-40B4-BE49-F238E27FC236}">
-                <a16:creationId xmlns:a16="http://schemas.microsoft.com/office/drawing/2014/main" id="{F2221F6A-9D9B-4E3C-B699-5DA1E06B1DBB}"/>
+                <a16:creationId xmlns:a16="http://schemas.microsoft.com/office/drawing/2014/main" xmlns="" id="{F2221F6A-9D9B-4E3C-B699-5DA1E06B1DBB}"/>
               </a:ext>
             </a:extLst>
           </p:cNvPr>
@@ -4707,7 +4709,7 @@
           <p:cNvPr id="3" name="内容占位符 2">
             <a:extLst>
               <a:ext uri="{FF2B5EF4-FFF2-40B4-BE49-F238E27FC236}">
-                <a16:creationId xmlns:a16="http://schemas.microsoft.com/office/drawing/2014/main" id="{4C7AA6D9-E6AD-472F-9CB2-9F773A075ABE}"/>
+                <a16:creationId xmlns:a16="http://schemas.microsoft.com/office/drawing/2014/main" xmlns="" id="{4C7AA6D9-E6AD-472F-9CB2-9F773A075ABE}"/>
               </a:ext>
             </a:extLst>
           </p:cNvPr>
@@ -4771,7 +4773,7 @@
           <p:cNvPr id="4" name="图片 3">
             <a:extLst>
               <a:ext uri="{FF2B5EF4-FFF2-40B4-BE49-F238E27FC236}">
-                <a16:creationId xmlns:a16="http://schemas.microsoft.com/office/drawing/2014/main" id="{FFF1C1EE-F2FF-4EEA-BB2D-E3DF72129775}"/>
+                <a16:creationId xmlns:a16="http://schemas.microsoft.com/office/drawing/2014/main" xmlns="" id="{FFF1C1EE-F2FF-4EEA-BB2D-E3DF72129775}"/>
               </a:ext>
             </a:extLst>
           </p:cNvPr>
@@ -4801,7 +4803,7 @@
           <p:cNvPr id="5" name="图片 4">
             <a:extLst>
               <a:ext uri="{FF2B5EF4-FFF2-40B4-BE49-F238E27FC236}">
-                <a16:creationId xmlns:a16="http://schemas.microsoft.com/office/drawing/2014/main" id="{DDD2FD09-BB6B-43CC-ADA5-6DE42B01B3F2}"/>
+                <a16:creationId xmlns:a16="http://schemas.microsoft.com/office/drawing/2014/main" xmlns="" id="{DDD2FD09-BB6B-43CC-ADA5-6DE42B01B3F2}"/>
               </a:ext>
             </a:extLst>
           </p:cNvPr>
@@ -4861,7 +4863,7 @@
           <p:cNvPr id="2" name="标题 1">
             <a:extLst>
               <a:ext uri="{FF2B5EF4-FFF2-40B4-BE49-F238E27FC236}">
-                <a16:creationId xmlns:a16="http://schemas.microsoft.com/office/drawing/2014/main" id="{DCBBD92C-6171-49A8-BD13-D3F8B97EF14B}"/>
+                <a16:creationId xmlns:a16="http://schemas.microsoft.com/office/drawing/2014/main" xmlns="" id="{DCBBD92C-6171-49A8-BD13-D3F8B97EF14B}"/>
               </a:ext>
             </a:extLst>
           </p:cNvPr>
@@ -4902,7 +4904,7 @@
           <p:cNvPr id="3" name="内容占位符 2">
             <a:extLst>
               <a:ext uri="{FF2B5EF4-FFF2-40B4-BE49-F238E27FC236}">
-                <a16:creationId xmlns:a16="http://schemas.microsoft.com/office/drawing/2014/main" id="{AA069A43-BA61-44EC-B302-EC0C3B2D90EA}"/>
+                <a16:creationId xmlns:a16="http://schemas.microsoft.com/office/drawing/2014/main" xmlns="" id="{AA069A43-BA61-44EC-B302-EC0C3B2D90EA}"/>
               </a:ext>
             </a:extLst>
           </p:cNvPr>
@@ -4972,7 +4974,7 @@
           <p:cNvPr id="4" name="图片 3">
             <a:extLst>
               <a:ext uri="{FF2B5EF4-FFF2-40B4-BE49-F238E27FC236}">
-                <a16:creationId xmlns:a16="http://schemas.microsoft.com/office/drawing/2014/main" id="{6778C6AC-526C-4911-AF04-A807AE64C0E0}"/>
+                <a16:creationId xmlns:a16="http://schemas.microsoft.com/office/drawing/2014/main" xmlns="" id="{6778C6AC-526C-4911-AF04-A807AE64C0E0}"/>
               </a:ext>
             </a:extLst>
           </p:cNvPr>
@@ -5002,7 +5004,7 @@
           <p:cNvPr id="5" name="图片 4">
             <a:extLst>
               <a:ext uri="{FF2B5EF4-FFF2-40B4-BE49-F238E27FC236}">
-                <a16:creationId xmlns:a16="http://schemas.microsoft.com/office/drawing/2014/main" id="{0FF0277D-0D00-41BD-8B74-2AFE2E7E1C93}"/>
+                <a16:creationId xmlns:a16="http://schemas.microsoft.com/office/drawing/2014/main" xmlns="" id="{0FF0277D-0D00-41BD-8B74-2AFE2E7E1C93}"/>
               </a:ext>
             </a:extLst>
           </p:cNvPr>
@@ -5062,7 +5064,7 @@
           <p:cNvPr id="2" name="标题 1">
             <a:extLst>
               <a:ext uri="{FF2B5EF4-FFF2-40B4-BE49-F238E27FC236}">
-                <a16:creationId xmlns:a16="http://schemas.microsoft.com/office/drawing/2014/main" id="{67A8306F-D941-44EC-A548-16D3949DCACB}"/>
+                <a16:creationId xmlns:a16="http://schemas.microsoft.com/office/drawing/2014/main" xmlns="" id="{67A8306F-D941-44EC-A548-16D3949DCACB}"/>
               </a:ext>
             </a:extLst>
           </p:cNvPr>
@@ -5103,7 +5105,7 @@
           <p:cNvPr id="3" name="内容占位符 2">
             <a:extLst>
               <a:ext uri="{FF2B5EF4-FFF2-40B4-BE49-F238E27FC236}">
-                <a16:creationId xmlns:a16="http://schemas.microsoft.com/office/drawing/2014/main" id="{57EF2C70-CAC3-4F82-9C23-B321B464BC56}"/>
+                <a16:creationId xmlns:a16="http://schemas.microsoft.com/office/drawing/2014/main" xmlns="" id="{57EF2C70-CAC3-4F82-9C23-B321B464BC56}"/>
               </a:ext>
             </a:extLst>
           </p:cNvPr>
@@ -5154,7 +5156,7 @@
           <p:cNvPr id="4" name="图片 3">
             <a:extLst>
               <a:ext uri="{FF2B5EF4-FFF2-40B4-BE49-F238E27FC236}">
-                <a16:creationId xmlns:a16="http://schemas.microsoft.com/office/drawing/2014/main" id="{1999BCBF-F825-4854-8B69-8ACC841F6806}"/>
+                <a16:creationId xmlns:a16="http://schemas.microsoft.com/office/drawing/2014/main" xmlns="" id="{1999BCBF-F825-4854-8B69-8ACC841F6806}"/>
               </a:ext>
             </a:extLst>
           </p:cNvPr>
@@ -5214,7 +5216,7 @@
           <p:cNvPr id="2" name="标题 1">
             <a:extLst>
               <a:ext uri="{FF2B5EF4-FFF2-40B4-BE49-F238E27FC236}">
-                <a16:creationId xmlns:a16="http://schemas.microsoft.com/office/drawing/2014/main" id="{87E93E48-F9DB-4C58-8020-4D9E1DDA5DAD}"/>
+                <a16:creationId xmlns:a16="http://schemas.microsoft.com/office/drawing/2014/main" xmlns="" id="{87E93E48-F9DB-4C58-8020-4D9E1DDA5DAD}"/>
               </a:ext>
             </a:extLst>
           </p:cNvPr>
@@ -5255,7 +5257,7 @@
           <p:cNvPr id="3" name="内容占位符 2">
             <a:extLst>
               <a:ext uri="{FF2B5EF4-FFF2-40B4-BE49-F238E27FC236}">
-                <a16:creationId xmlns:a16="http://schemas.microsoft.com/office/drawing/2014/main" id="{0ADC058D-7DED-4AB7-B5C4-5F7D88FC69C7}"/>
+                <a16:creationId xmlns:a16="http://schemas.microsoft.com/office/drawing/2014/main" xmlns="" id="{0ADC058D-7DED-4AB7-B5C4-5F7D88FC69C7}"/>
               </a:ext>
             </a:extLst>
           </p:cNvPr>
@@ -5387,7 +5389,7 @@
           <p:cNvPr id="4" name="图片 3">
             <a:extLst>
               <a:ext uri="{FF2B5EF4-FFF2-40B4-BE49-F238E27FC236}">
-                <a16:creationId xmlns:a16="http://schemas.microsoft.com/office/drawing/2014/main" id="{5BFDFF43-2425-4E3F-A77D-7F8AD36F36CC}"/>
+                <a16:creationId xmlns:a16="http://schemas.microsoft.com/office/drawing/2014/main" xmlns="" id="{5BFDFF43-2425-4E3F-A77D-7F8AD36F36CC}"/>
               </a:ext>
             </a:extLst>
           </p:cNvPr>
@@ -5447,7 +5449,7 @@
           <p:cNvPr id="2" name="标题 1">
             <a:extLst>
               <a:ext uri="{FF2B5EF4-FFF2-40B4-BE49-F238E27FC236}">
-                <a16:creationId xmlns:a16="http://schemas.microsoft.com/office/drawing/2014/main" id="{5AE02EFD-4BD9-4768-902B-4A842CE1CD1F}"/>
+                <a16:creationId xmlns:a16="http://schemas.microsoft.com/office/drawing/2014/main" xmlns="" id="{5AE02EFD-4BD9-4768-902B-4A842CE1CD1F}"/>
               </a:ext>
             </a:extLst>
           </p:cNvPr>
@@ -5492,7 +5494,7 @@
           <p:cNvPr id="3" name="内容占位符 2">
             <a:extLst>
               <a:ext uri="{FF2B5EF4-FFF2-40B4-BE49-F238E27FC236}">
-                <a16:creationId xmlns:a16="http://schemas.microsoft.com/office/drawing/2014/main" id="{782F6CBB-A1F8-4367-A7F5-74E0A73B349C}"/>
+                <a16:creationId xmlns:a16="http://schemas.microsoft.com/office/drawing/2014/main" xmlns="" id="{782F6CBB-A1F8-4367-A7F5-74E0A73B349C}"/>
               </a:ext>
             </a:extLst>
           </p:cNvPr>
@@ -5542,7 +5544,7 @@
           <p:cNvPr id="4" name="图片 3">
             <a:extLst>
               <a:ext uri="{FF2B5EF4-FFF2-40B4-BE49-F238E27FC236}">
-                <a16:creationId xmlns:a16="http://schemas.microsoft.com/office/drawing/2014/main" id="{785AE5B1-0986-4496-8009-73D929920866}"/>
+                <a16:creationId xmlns:a16="http://schemas.microsoft.com/office/drawing/2014/main" xmlns="" id="{785AE5B1-0986-4496-8009-73D929920866}"/>
               </a:ext>
             </a:extLst>
           </p:cNvPr>
@@ -5572,7 +5574,7 @@
           <p:cNvPr id="5" name="图片 4">
             <a:extLst>
               <a:ext uri="{FF2B5EF4-FFF2-40B4-BE49-F238E27FC236}">
-                <a16:creationId xmlns:a16="http://schemas.microsoft.com/office/drawing/2014/main" id="{26DE4DCE-E37E-488F-9328-9BD8F72B5C24}"/>
+                <a16:creationId xmlns:a16="http://schemas.microsoft.com/office/drawing/2014/main" xmlns="" id="{26DE4DCE-E37E-488F-9328-9BD8F72B5C24}"/>
               </a:ext>
             </a:extLst>
           </p:cNvPr>
@@ -5632,7 +5634,7 @@
           <p:cNvPr id="2" name="标题 1">
             <a:extLst>
               <a:ext uri="{FF2B5EF4-FFF2-40B4-BE49-F238E27FC236}">
-                <a16:creationId xmlns:a16="http://schemas.microsoft.com/office/drawing/2014/main" id="{974955B2-EE4A-4875-A0AF-706222B13F10}"/>
+                <a16:creationId xmlns:a16="http://schemas.microsoft.com/office/drawing/2014/main" xmlns="" id="{974955B2-EE4A-4875-A0AF-706222B13F10}"/>
               </a:ext>
             </a:extLst>
           </p:cNvPr>
@@ -5677,7 +5679,7 @@
           <p:cNvPr id="3" name="内容占位符 2">
             <a:extLst>
               <a:ext uri="{FF2B5EF4-FFF2-40B4-BE49-F238E27FC236}">
-                <a16:creationId xmlns:a16="http://schemas.microsoft.com/office/drawing/2014/main" id="{26B095B0-FA4A-4FC9-BF9D-FE5E5320C21A}"/>
+                <a16:creationId xmlns:a16="http://schemas.microsoft.com/office/drawing/2014/main" xmlns="" id="{26B095B0-FA4A-4FC9-BF9D-FE5E5320C21A}"/>
               </a:ext>
             </a:extLst>
           </p:cNvPr>
@@ -5799,7 +5801,7 @@
           <p:cNvPr id="4" name="图片 3">
             <a:extLst>
               <a:ext uri="{FF2B5EF4-FFF2-40B4-BE49-F238E27FC236}">
-                <a16:creationId xmlns:a16="http://schemas.microsoft.com/office/drawing/2014/main" id="{C5F11D25-72A4-4E37-A068-F83A1777224D}"/>
+                <a16:creationId xmlns:a16="http://schemas.microsoft.com/office/drawing/2014/main" xmlns="" id="{C5F11D25-72A4-4E37-A068-F83A1777224D}"/>
               </a:ext>
             </a:extLst>
           </p:cNvPr>
@@ -5859,7 +5861,7 @@
           <p:cNvPr id="2" name="标题 1">
             <a:extLst>
               <a:ext uri="{FF2B5EF4-FFF2-40B4-BE49-F238E27FC236}">
-                <a16:creationId xmlns:a16="http://schemas.microsoft.com/office/drawing/2014/main" id="{1A161700-0032-4079-8C1E-B8944A881439}"/>
+                <a16:creationId xmlns:a16="http://schemas.microsoft.com/office/drawing/2014/main" xmlns="" id="{1A161700-0032-4079-8C1E-B8944A881439}"/>
               </a:ext>
             </a:extLst>
           </p:cNvPr>
@@ -5891,7 +5893,7 @@
           <p:cNvPr id="3" name="内容占位符 2">
             <a:extLst>
               <a:ext uri="{FF2B5EF4-FFF2-40B4-BE49-F238E27FC236}">
-                <a16:creationId xmlns:a16="http://schemas.microsoft.com/office/drawing/2014/main" id="{C1447AB2-3D5C-4A82-AB8C-5CD22673BF11}"/>
+                <a16:creationId xmlns:a16="http://schemas.microsoft.com/office/drawing/2014/main" xmlns="" id="{C1447AB2-3D5C-4A82-AB8C-5CD22673BF11}"/>
               </a:ext>
             </a:extLst>
           </p:cNvPr>
@@ -6220,7 +6222,7 @@
           <p:cNvPr id="2" name="标题 1">
             <a:extLst>
               <a:ext uri="{FF2B5EF4-FFF2-40B4-BE49-F238E27FC236}">
-                <a16:creationId xmlns:a16="http://schemas.microsoft.com/office/drawing/2014/main" id="{F09EDA92-84E8-479C-B735-610B33C5DC90}"/>
+                <a16:creationId xmlns:a16="http://schemas.microsoft.com/office/drawing/2014/main" xmlns="" id="{F09EDA92-84E8-479C-B735-610B33C5DC90}"/>
               </a:ext>
             </a:extLst>
           </p:cNvPr>
@@ -6265,7 +6267,7 @@
           <p:cNvPr id="3" name="内容占位符 2">
             <a:extLst>
               <a:ext uri="{FF2B5EF4-FFF2-40B4-BE49-F238E27FC236}">
-                <a16:creationId xmlns:a16="http://schemas.microsoft.com/office/drawing/2014/main" id="{D6998E46-B6BC-4A2A-9261-65C5D96094D0}"/>
+                <a16:creationId xmlns:a16="http://schemas.microsoft.com/office/drawing/2014/main" xmlns="" id="{D6998E46-B6BC-4A2A-9261-65C5D96094D0}"/>
               </a:ext>
             </a:extLst>
           </p:cNvPr>
@@ -6318,7 +6320,7 @@
           <p:cNvPr id="5" name="图片 4">
             <a:extLst>
               <a:ext uri="{FF2B5EF4-FFF2-40B4-BE49-F238E27FC236}">
-                <a16:creationId xmlns:a16="http://schemas.microsoft.com/office/drawing/2014/main" id="{EEF385EE-A249-441E-992F-B1D8971336CD}"/>
+                <a16:creationId xmlns:a16="http://schemas.microsoft.com/office/drawing/2014/main" xmlns="" id="{EEF385EE-A249-441E-992F-B1D8971336CD}"/>
               </a:ext>
             </a:extLst>
           </p:cNvPr>
@@ -6348,7 +6350,7 @@
           <p:cNvPr id="6" name="图片 5">
             <a:extLst>
               <a:ext uri="{FF2B5EF4-FFF2-40B4-BE49-F238E27FC236}">
-                <a16:creationId xmlns:a16="http://schemas.microsoft.com/office/drawing/2014/main" id="{2D8A6864-D35D-4F76-A70A-2CE8A1756E92}"/>
+                <a16:creationId xmlns:a16="http://schemas.microsoft.com/office/drawing/2014/main" xmlns="" id="{2D8A6864-D35D-4F76-A70A-2CE8A1756E92}"/>
               </a:ext>
             </a:extLst>
           </p:cNvPr>
@@ -6408,7 +6410,7 @@
           <p:cNvPr id="2" name="标题 1">
             <a:extLst>
               <a:ext uri="{FF2B5EF4-FFF2-40B4-BE49-F238E27FC236}">
-                <a16:creationId xmlns:a16="http://schemas.microsoft.com/office/drawing/2014/main" id="{4A67DD43-5E59-4AB7-AF36-D977CA323198}"/>
+                <a16:creationId xmlns:a16="http://schemas.microsoft.com/office/drawing/2014/main" xmlns="" id="{4A67DD43-5E59-4AB7-AF36-D977CA323198}"/>
               </a:ext>
             </a:extLst>
           </p:cNvPr>
@@ -6453,7 +6455,7 @@
           <p:cNvPr id="3" name="内容占位符 2">
             <a:extLst>
               <a:ext uri="{FF2B5EF4-FFF2-40B4-BE49-F238E27FC236}">
-                <a16:creationId xmlns:a16="http://schemas.microsoft.com/office/drawing/2014/main" id="{3A355CEB-71D4-47CA-B76D-04E1D6053C20}"/>
+                <a16:creationId xmlns:a16="http://schemas.microsoft.com/office/drawing/2014/main" xmlns="" id="{3A355CEB-71D4-47CA-B76D-04E1D6053C20}"/>
               </a:ext>
             </a:extLst>
           </p:cNvPr>
@@ -6507,7 +6509,7 @@
           <p:cNvPr id="4" name="图片 3">
             <a:extLst>
               <a:ext uri="{FF2B5EF4-FFF2-40B4-BE49-F238E27FC236}">
-                <a16:creationId xmlns:a16="http://schemas.microsoft.com/office/drawing/2014/main" id="{0AECB04B-7D44-4F71-9C59-5BE5C77016D4}"/>
+                <a16:creationId xmlns:a16="http://schemas.microsoft.com/office/drawing/2014/main" xmlns="" id="{0AECB04B-7D44-4F71-9C59-5BE5C77016D4}"/>
               </a:ext>
             </a:extLst>
           </p:cNvPr>
@@ -6567,7 +6569,7 @@
           <p:cNvPr id="2" name="标题 1">
             <a:extLst>
               <a:ext uri="{FF2B5EF4-FFF2-40B4-BE49-F238E27FC236}">
-                <a16:creationId xmlns:a16="http://schemas.microsoft.com/office/drawing/2014/main" id="{6FC2B082-3E8D-4231-A05C-58179E8D8D06}"/>
+                <a16:creationId xmlns:a16="http://schemas.microsoft.com/office/drawing/2014/main" xmlns="" id="{6FC2B082-3E8D-4231-A05C-58179E8D8D06}"/>
               </a:ext>
             </a:extLst>
           </p:cNvPr>
@@ -6612,7 +6614,7 @@
           <p:cNvPr id="3" name="内容占位符 2">
             <a:extLst>
               <a:ext uri="{FF2B5EF4-FFF2-40B4-BE49-F238E27FC236}">
-                <a16:creationId xmlns:a16="http://schemas.microsoft.com/office/drawing/2014/main" id="{6B9C5008-02A5-40BC-8E1A-D53DE803824E}"/>
+                <a16:creationId xmlns:a16="http://schemas.microsoft.com/office/drawing/2014/main" xmlns="" id="{6B9C5008-02A5-40BC-8E1A-D53DE803824E}"/>
               </a:ext>
             </a:extLst>
           </p:cNvPr>
@@ -6677,7 +6679,7 @@
           <p:cNvPr id="6" name="图片 5">
             <a:extLst>
               <a:ext uri="{FF2B5EF4-FFF2-40B4-BE49-F238E27FC236}">
-                <a16:creationId xmlns:a16="http://schemas.microsoft.com/office/drawing/2014/main" id="{766CD6FC-BAAF-458F-9B05-2C17575EB28A}"/>
+                <a16:creationId xmlns:a16="http://schemas.microsoft.com/office/drawing/2014/main" xmlns="" id="{766CD6FC-BAAF-458F-9B05-2C17575EB28A}"/>
               </a:ext>
             </a:extLst>
           </p:cNvPr>
@@ -6737,7 +6739,7 @@
           <p:cNvPr id="2" name="标题 1">
             <a:extLst>
               <a:ext uri="{FF2B5EF4-FFF2-40B4-BE49-F238E27FC236}">
-                <a16:creationId xmlns:a16="http://schemas.microsoft.com/office/drawing/2014/main" id="{086EF431-4277-455A-BD53-F8CF3DDFB202}"/>
+                <a16:creationId xmlns:a16="http://schemas.microsoft.com/office/drawing/2014/main" xmlns="" id="{086EF431-4277-455A-BD53-F8CF3DDFB202}"/>
               </a:ext>
             </a:extLst>
           </p:cNvPr>
@@ -6782,7 +6784,7 @@
           <p:cNvPr id="3" name="内容占位符 2">
             <a:extLst>
               <a:ext uri="{FF2B5EF4-FFF2-40B4-BE49-F238E27FC236}">
-                <a16:creationId xmlns:a16="http://schemas.microsoft.com/office/drawing/2014/main" id="{57191E04-A1D6-4B80-8E91-8942D4D53096}"/>
+                <a16:creationId xmlns:a16="http://schemas.microsoft.com/office/drawing/2014/main" xmlns="" id="{57191E04-A1D6-4B80-8E91-8942D4D53096}"/>
               </a:ext>
             </a:extLst>
           </p:cNvPr>
@@ -6824,7 +6826,7 @@
           <p:cNvPr id="4" name="内容占位符 3">
             <a:extLst>
               <a:ext uri="{FF2B5EF4-FFF2-40B4-BE49-F238E27FC236}">
-                <a16:creationId xmlns:a16="http://schemas.microsoft.com/office/drawing/2014/main" id="{98A64ADD-5683-4199-8A02-5527A08D5868}"/>
+                <a16:creationId xmlns:a16="http://schemas.microsoft.com/office/drawing/2014/main" xmlns="" id="{98A64ADD-5683-4199-8A02-5527A08D5868}"/>
               </a:ext>
             </a:extLst>
           </p:cNvPr>
@@ -6854,7 +6856,7 @@
           <p:cNvPr id="6" name="图片 5">
             <a:extLst>
               <a:ext uri="{FF2B5EF4-FFF2-40B4-BE49-F238E27FC236}">
-                <a16:creationId xmlns:a16="http://schemas.microsoft.com/office/drawing/2014/main" id="{90B8359A-E84E-4EB3-B359-D3362872555B}"/>
+                <a16:creationId xmlns:a16="http://schemas.microsoft.com/office/drawing/2014/main" xmlns="" id="{90B8359A-E84E-4EB3-B359-D3362872555B}"/>
               </a:ext>
             </a:extLst>
           </p:cNvPr>
@@ -6914,7 +6916,7 @@
           <p:cNvPr id="2" name="标题 1">
             <a:extLst>
               <a:ext uri="{FF2B5EF4-FFF2-40B4-BE49-F238E27FC236}">
-                <a16:creationId xmlns:a16="http://schemas.microsoft.com/office/drawing/2014/main" id="{65389330-C72E-408C-8BCE-81021CA8E770}"/>
+                <a16:creationId xmlns:a16="http://schemas.microsoft.com/office/drawing/2014/main" xmlns="" id="{65389330-C72E-408C-8BCE-81021CA8E770}"/>
               </a:ext>
             </a:extLst>
           </p:cNvPr>
@@ -6947,7 +6949,7 @@
           <p:cNvPr id="3" name="内容占位符 2">
             <a:extLst>
               <a:ext uri="{FF2B5EF4-FFF2-40B4-BE49-F238E27FC236}">
-                <a16:creationId xmlns:a16="http://schemas.microsoft.com/office/drawing/2014/main" id="{C6F328EB-5115-4F46-90FC-F842A5A87255}"/>
+                <a16:creationId xmlns:a16="http://schemas.microsoft.com/office/drawing/2014/main" xmlns="" id="{C6F328EB-5115-4F46-90FC-F842A5A87255}"/>
               </a:ext>
             </a:extLst>
           </p:cNvPr>
@@ -7087,6 +7089,10 @@
             <a:r>
               <a:rPr lang="zh-CN" altLang="en-US" dirty="0"/>
               <a:t>的发撤单信息。</a:t>
+            </a:r>
+            <a:r>
+              <a:rPr lang="en-US" altLang="zh-CN" dirty="0"/>
+              <a:t/>
             </a:r>
             <a:br>
               <a:rPr lang="en-US" altLang="zh-CN" dirty="0"/>
@@ -7212,7 +7218,7 @@
           <p:cNvPr id="2" name="标题 1">
             <a:extLst>
               <a:ext uri="{FF2B5EF4-FFF2-40B4-BE49-F238E27FC236}">
-                <a16:creationId xmlns:a16="http://schemas.microsoft.com/office/drawing/2014/main" id="{6DBBB749-AD13-4857-A7BA-87828DC0C0D6}"/>
+                <a16:creationId xmlns:a16="http://schemas.microsoft.com/office/drawing/2014/main" xmlns="" id="{6DBBB749-AD13-4857-A7BA-87828DC0C0D6}"/>
               </a:ext>
             </a:extLst>
           </p:cNvPr>
@@ -7245,7 +7251,7 @@
           <p:cNvPr id="3" name="内容占位符 2">
             <a:extLst>
               <a:ext uri="{FF2B5EF4-FFF2-40B4-BE49-F238E27FC236}">
-                <a16:creationId xmlns:a16="http://schemas.microsoft.com/office/drawing/2014/main" id="{ABF621B3-F547-4DDC-A0EC-5E1C5BB59B79}"/>
+                <a16:creationId xmlns:a16="http://schemas.microsoft.com/office/drawing/2014/main" xmlns="" id="{ABF621B3-F547-4DDC-A0EC-5E1C5BB59B79}"/>
               </a:ext>
             </a:extLst>
           </p:cNvPr>
@@ -7288,7 +7294,7 @@
           <p:cNvPr id="4" name="图片 3">
             <a:extLst>
               <a:ext uri="{FF2B5EF4-FFF2-40B4-BE49-F238E27FC236}">
-                <a16:creationId xmlns:a16="http://schemas.microsoft.com/office/drawing/2014/main" id="{5D330B99-BEC2-4839-B0BA-515292F8385D}"/>
+                <a16:creationId xmlns:a16="http://schemas.microsoft.com/office/drawing/2014/main" xmlns="" id="{5D330B99-BEC2-4839-B0BA-515292F8385D}"/>
               </a:ext>
             </a:extLst>
           </p:cNvPr>
@@ -7348,7 +7354,7 @@
           <p:cNvPr id="2" name="标题 1">
             <a:extLst>
               <a:ext uri="{FF2B5EF4-FFF2-40B4-BE49-F238E27FC236}">
-                <a16:creationId xmlns:a16="http://schemas.microsoft.com/office/drawing/2014/main" id="{0070442D-31EF-47F6-A3EA-8AECF88FBC14}"/>
+                <a16:creationId xmlns:a16="http://schemas.microsoft.com/office/drawing/2014/main" xmlns="" id="{0070442D-31EF-47F6-A3EA-8AECF88FBC14}"/>
               </a:ext>
             </a:extLst>
           </p:cNvPr>
@@ -7383,7 +7389,7 @@
           <p:cNvPr id="3" name="内容占位符 2">
             <a:extLst>
               <a:ext uri="{FF2B5EF4-FFF2-40B4-BE49-F238E27FC236}">
-                <a16:creationId xmlns:a16="http://schemas.microsoft.com/office/drawing/2014/main" id="{212F71BB-B22E-499B-BF50-47DF88166F60}"/>
+                <a16:creationId xmlns:a16="http://schemas.microsoft.com/office/drawing/2014/main" xmlns="" id="{212F71BB-B22E-499B-BF50-47DF88166F60}"/>
               </a:ext>
             </a:extLst>
           </p:cNvPr>
@@ -7466,7 +7472,7 @@
           <p:cNvPr id="4" name="图片 3">
             <a:extLst>
               <a:ext uri="{FF2B5EF4-FFF2-40B4-BE49-F238E27FC236}">
-                <a16:creationId xmlns:a16="http://schemas.microsoft.com/office/drawing/2014/main" id="{88D6B27A-400D-4B38-B66C-C48E1BD84985}"/>
+                <a16:creationId xmlns:a16="http://schemas.microsoft.com/office/drawing/2014/main" xmlns="" id="{88D6B27A-400D-4B38-B66C-C48E1BD84985}"/>
               </a:ext>
             </a:extLst>
           </p:cNvPr>
@@ -7526,7 +7532,7 @@
           <p:cNvPr id="2" name="标题 1">
             <a:extLst>
               <a:ext uri="{FF2B5EF4-FFF2-40B4-BE49-F238E27FC236}">
-                <a16:creationId xmlns:a16="http://schemas.microsoft.com/office/drawing/2014/main" id="{5AF10601-63AC-461B-A89F-80C8ED3C6BC3}"/>
+                <a16:creationId xmlns:a16="http://schemas.microsoft.com/office/drawing/2014/main" xmlns="" id="{5AF10601-63AC-461B-A89F-80C8ED3C6BC3}"/>
               </a:ext>
             </a:extLst>
           </p:cNvPr>
@@ -7584,7 +7590,7 @@
           <p:cNvPr id="3" name="内容占位符 2">
             <a:extLst>
               <a:ext uri="{FF2B5EF4-FFF2-40B4-BE49-F238E27FC236}">
-                <a16:creationId xmlns:a16="http://schemas.microsoft.com/office/drawing/2014/main" id="{A3385CCC-220F-4440-9709-0EFC5A66D164}"/>
+                <a16:creationId xmlns:a16="http://schemas.microsoft.com/office/drawing/2014/main" xmlns="" id="{A3385CCC-220F-4440-9709-0EFC5A66D164}"/>
               </a:ext>
             </a:extLst>
           </p:cNvPr>
@@ -7623,7 +7629,7 @@
           <p:cNvPr id="5" name="图片 4">
             <a:extLst>
               <a:ext uri="{FF2B5EF4-FFF2-40B4-BE49-F238E27FC236}">
-                <a16:creationId xmlns:a16="http://schemas.microsoft.com/office/drawing/2014/main" id="{A0C0C71C-6CD7-4632-AE78-B289E15584F0}"/>
+                <a16:creationId xmlns:a16="http://schemas.microsoft.com/office/drawing/2014/main" xmlns="" id="{A0C0C71C-6CD7-4632-AE78-B289E15584F0}"/>
               </a:ext>
             </a:extLst>
           </p:cNvPr>
@@ -7653,7 +7659,7 @@
           <p:cNvPr id="6" name="图片 5">
             <a:extLst>
               <a:ext uri="{FF2B5EF4-FFF2-40B4-BE49-F238E27FC236}">
-                <a16:creationId xmlns:a16="http://schemas.microsoft.com/office/drawing/2014/main" id="{97D75AAE-A3A3-4E07-B700-AE4020975249}"/>
+                <a16:creationId xmlns:a16="http://schemas.microsoft.com/office/drawing/2014/main" xmlns="" id="{97D75AAE-A3A3-4E07-B700-AE4020975249}"/>
               </a:ext>
             </a:extLst>
           </p:cNvPr>
@@ -7713,7 +7719,7 @@
           <p:cNvPr id="2" name="标题 1">
             <a:extLst>
               <a:ext uri="{FF2B5EF4-FFF2-40B4-BE49-F238E27FC236}">
-                <a16:creationId xmlns:a16="http://schemas.microsoft.com/office/drawing/2014/main" id="{D26D0A76-FA4A-4804-A761-0D0D61A5B769}"/>
+                <a16:creationId xmlns:a16="http://schemas.microsoft.com/office/drawing/2014/main" xmlns="" id="{D26D0A76-FA4A-4804-A761-0D0D61A5B769}"/>
               </a:ext>
             </a:extLst>
           </p:cNvPr>
@@ -7745,7 +7751,7 @@
           <p:cNvPr id="3" name="内容占位符 2">
             <a:extLst>
               <a:ext uri="{FF2B5EF4-FFF2-40B4-BE49-F238E27FC236}">
-                <a16:creationId xmlns:a16="http://schemas.microsoft.com/office/drawing/2014/main" id="{340C36C2-F663-45BD-8D6F-25F5A3FC1F43}"/>
+                <a16:creationId xmlns:a16="http://schemas.microsoft.com/office/drawing/2014/main" xmlns="" id="{340C36C2-F663-45BD-8D6F-25F5A3FC1F43}"/>
               </a:ext>
             </a:extLst>
           </p:cNvPr>
@@ -7842,7 +7848,7 @@
           <p:cNvPr id="4" name="图片 3">
             <a:extLst>
               <a:ext uri="{FF2B5EF4-FFF2-40B4-BE49-F238E27FC236}">
-                <a16:creationId xmlns:a16="http://schemas.microsoft.com/office/drawing/2014/main" id="{F632C02A-D610-4E63-AC87-9A2F150F4CDA}"/>
+                <a16:creationId xmlns:a16="http://schemas.microsoft.com/office/drawing/2014/main" xmlns="" id="{F632C02A-D610-4E63-AC87-9A2F150F4CDA}"/>
               </a:ext>
             </a:extLst>
           </p:cNvPr>
@@ -7872,7 +7878,7 @@
           <p:cNvPr id="5" name="图片 4">
             <a:extLst>
               <a:ext uri="{FF2B5EF4-FFF2-40B4-BE49-F238E27FC236}">
-                <a16:creationId xmlns:a16="http://schemas.microsoft.com/office/drawing/2014/main" id="{56F659B3-9AB0-4C89-B0F1-63FC0F3697F7}"/>
+                <a16:creationId xmlns:a16="http://schemas.microsoft.com/office/drawing/2014/main" xmlns="" id="{56F659B3-9AB0-4C89-B0F1-63FC0F3697F7}"/>
               </a:ext>
             </a:extLst>
           </p:cNvPr>
@@ -7932,7 +7938,7 @@
           <p:cNvPr id="2" name="标题 1">
             <a:extLst>
               <a:ext uri="{FF2B5EF4-FFF2-40B4-BE49-F238E27FC236}">
-                <a16:creationId xmlns:a16="http://schemas.microsoft.com/office/drawing/2014/main" id="{931DCE3C-4088-4F05-9D7D-3A29E47F9993}"/>
+                <a16:creationId xmlns:a16="http://schemas.microsoft.com/office/drawing/2014/main" xmlns="" id="{931DCE3C-4088-4F05-9D7D-3A29E47F9993}"/>
               </a:ext>
             </a:extLst>
           </p:cNvPr>
@@ -7964,7 +7970,7 @@
           <p:cNvPr id="4" name="内容占位符 3">
             <a:extLst>
               <a:ext uri="{FF2B5EF4-FFF2-40B4-BE49-F238E27FC236}">
-                <a16:creationId xmlns:a16="http://schemas.microsoft.com/office/drawing/2014/main" id="{79058695-FB0B-4BE6-BE50-E2DB50EA1FC6}"/>
+                <a16:creationId xmlns:a16="http://schemas.microsoft.com/office/drawing/2014/main" xmlns="" id="{79058695-FB0B-4BE6-BE50-E2DB50EA1FC6}"/>
               </a:ext>
             </a:extLst>
           </p:cNvPr>
@@ -8026,7 +8032,7 @@
           <p:cNvPr id="2" name="标题 1">
             <a:extLst>
               <a:ext uri="{FF2B5EF4-FFF2-40B4-BE49-F238E27FC236}">
-                <a16:creationId xmlns:a16="http://schemas.microsoft.com/office/drawing/2014/main" id="{9BA12005-E41B-4561-8DEC-AC5A71E2E6A8}"/>
+                <a16:creationId xmlns:a16="http://schemas.microsoft.com/office/drawing/2014/main" xmlns="" id="{9BA12005-E41B-4561-8DEC-AC5A71E2E6A8}"/>
               </a:ext>
             </a:extLst>
           </p:cNvPr>
@@ -8071,7 +8077,7 @@
           <p:cNvPr id="6" name="内容占位符 5">
             <a:extLst>
               <a:ext uri="{FF2B5EF4-FFF2-40B4-BE49-F238E27FC236}">
-                <a16:creationId xmlns:a16="http://schemas.microsoft.com/office/drawing/2014/main" id="{F0A76253-BE6A-4674-8C45-B47F11DB4CD6}"/>
+                <a16:creationId xmlns:a16="http://schemas.microsoft.com/office/drawing/2014/main" xmlns="" id="{F0A76253-BE6A-4674-8C45-B47F11DB4CD6}"/>
               </a:ext>
             </a:extLst>
           </p:cNvPr>
@@ -8119,7 +8125,7 @@
           <p:cNvPr id="7" name="图片 6">
             <a:extLst>
               <a:ext uri="{FF2B5EF4-FFF2-40B4-BE49-F238E27FC236}">
-                <a16:creationId xmlns:a16="http://schemas.microsoft.com/office/drawing/2014/main" id="{D79F15ED-B441-4AF0-AEA9-CC37A42E9D65}"/>
+                <a16:creationId xmlns:a16="http://schemas.microsoft.com/office/drawing/2014/main" xmlns="" id="{D79F15ED-B441-4AF0-AEA9-CC37A42E9D65}"/>
               </a:ext>
             </a:extLst>
           </p:cNvPr>
@@ -8179,7 +8185,7 @@
           <p:cNvPr id="2" name="标题 1">
             <a:extLst>
               <a:ext uri="{FF2B5EF4-FFF2-40B4-BE49-F238E27FC236}">
-                <a16:creationId xmlns:a16="http://schemas.microsoft.com/office/drawing/2014/main" id="{02096BF3-F7BD-474B-B581-A3C3EBB6E04E}"/>
+                <a16:creationId xmlns:a16="http://schemas.microsoft.com/office/drawing/2014/main" xmlns="" id="{02096BF3-F7BD-474B-B581-A3C3EBB6E04E}"/>
               </a:ext>
             </a:extLst>
           </p:cNvPr>
@@ -8223,7 +8229,7 @@
           <p:cNvPr id="3" name="内容占位符 2">
             <a:extLst>
               <a:ext uri="{FF2B5EF4-FFF2-40B4-BE49-F238E27FC236}">
-                <a16:creationId xmlns:a16="http://schemas.microsoft.com/office/drawing/2014/main" id="{98FF4108-323A-44CC-92FD-0D65FE31E3B3}"/>
+                <a16:creationId xmlns:a16="http://schemas.microsoft.com/office/drawing/2014/main" xmlns="" id="{98FF4108-323A-44CC-92FD-0D65FE31E3B3}"/>
               </a:ext>
             </a:extLst>
           </p:cNvPr>
@@ -8292,7 +8298,7 @@
           <p:cNvPr id="2" name="标题 1">
             <a:extLst>
               <a:ext uri="{FF2B5EF4-FFF2-40B4-BE49-F238E27FC236}">
-                <a16:creationId xmlns:a16="http://schemas.microsoft.com/office/drawing/2014/main" id="{3184C796-D7D5-42CA-93E3-3948EBE039BC}"/>
+                <a16:creationId xmlns:a16="http://schemas.microsoft.com/office/drawing/2014/main" xmlns="" id="{3184C796-D7D5-42CA-93E3-3948EBE039BC}"/>
               </a:ext>
             </a:extLst>
           </p:cNvPr>
@@ -8328,7 +8334,7 @@
           <p:cNvPr id="3" name="内容占位符 2">
             <a:extLst>
               <a:ext uri="{FF2B5EF4-FFF2-40B4-BE49-F238E27FC236}">
-                <a16:creationId xmlns:a16="http://schemas.microsoft.com/office/drawing/2014/main" id="{D1AF6EEB-ABB2-4232-9752-B51D91BC29C8}"/>
+                <a16:creationId xmlns:a16="http://schemas.microsoft.com/office/drawing/2014/main" xmlns="" id="{D1AF6EEB-ABB2-4232-9752-B51D91BC29C8}"/>
               </a:ext>
             </a:extLst>
           </p:cNvPr>
@@ -8415,7 +8421,7 @@
           <p:cNvPr id="2" name="标题 1">
             <a:extLst>
               <a:ext uri="{FF2B5EF4-FFF2-40B4-BE49-F238E27FC236}">
-                <a16:creationId xmlns:a16="http://schemas.microsoft.com/office/drawing/2014/main" id="{676617CD-3CAD-48B1-A1F1-DA94904E2DC3}"/>
+                <a16:creationId xmlns:a16="http://schemas.microsoft.com/office/drawing/2014/main" xmlns="" id="{676617CD-3CAD-48B1-A1F1-DA94904E2DC3}"/>
               </a:ext>
             </a:extLst>
           </p:cNvPr>
@@ -8447,7 +8453,7 @@
           <p:cNvPr id="3" name="内容占位符 2">
             <a:extLst>
               <a:ext uri="{FF2B5EF4-FFF2-40B4-BE49-F238E27FC236}">
-                <a16:creationId xmlns:a16="http://schemas.microsoft.com/office/drawing/2014/main" id="{26007D6D-E772-4643-8F5E-890856616D0E}"/>
+                <a16:creationId xmlns:a16="http://schemas.microsoft.com/office/drawing/2014/main" xmlns="" id="{26007D6D-E772-4643-8F5E-890856616D0E}"/>
               </a:ext>
             </a:extLst>
           </p:cNvPr>
@@ -8665,7 +8671,7 @@
           <p:cNvPr id="2" name="标题 1">
             <a:extLst>
               <a:ext uri="{FF2B5EF4-FFF2-40B4-BE49-F238E27FC236}">
-                <a16:creationId xmlns:a16="http://schemas.microsoft.com/office/drawing/2014/main" id="{D23C1E7B-BE23-40AD-A9F5-D573F465226C}"/>
+                <a16:creationId xmlns:a16="http://schemas.microsoft.com/office/drawing/2014/main" xmlns="" id="{D23C1E7B-BE23-40AD-A9F5-D573F465226C}"/>
               </a:ext>
             </a:extLst>
           </p:cNvPr>
@@ -8710,7 +8716,7 @@
           <p:cNvPr id="3" name="内容占位符 2">
             <a:extLst>
               <a:ext uri="{FF2B5EF4-FFF2-40B4-BE49-F238E27FC236}">
-                <a16:creationId xmlns:a16="http://schemas.microsoft.com/office/drawing/2014/main" id="{0DCE7F72-A9C1-4180-BE62-FE4DDE674689}"/>
+                <a16:creationId xmlns:a16="http://schemas.microsoft.com/office/drawing/2014/main" xmlns="" id="{0DCE7F72-A9C1-4180-BE62-FE4DDE674689}"/>
               </a:ext>
             </a:extLst>
           </p:cNvPr>
@@ -8785,6 +8791,10 @@
             <a:r>
               <a:rPr lang="en-US" altLang="zh-CN" dirty="0" err="1"/>
               <a:t>IMDEngine.h</a:t>
+            </a:r>
+            <a:r>
+              <a:rPr lang="en-US" altLang="zh-CN" dirty="0"/>
+              <a:t/>
             </a:r>
             <a:br>
               <a:rPr lang="en-US" altLang="zh-CN" dirty="0"/>
@@ -9118,7 +9128,7 @@
           <p:cNvPr id="2" name="标题 1">
             <a:extLst>
               <a:ext uri="{FF2B5EF4-FFF2-40B4-BE49-F238E27FC236}">
-                <a16:creationId xmlns:a16="http://schemas.microsoft.com/office/drawing/2014/main" id="{9E7CD773-A51B-48DC-A234-591649B5606E}"/>
+                <a16:creationId xmlns:a16="http://schemas.microsoft.com/office/drawing/2014/main" xmlns="" id="{9E7CD773-A51B-48DC-A234-591649B5606E}"/>
               </a:ext>
             </a:extLst>
           </p:cNvPr>
@@ -9163,7 +9173,7 @@
           <p:cNvPr id="3" name="内容占位符 2">
             <a:extLst>
               <a:ext uri="{FF2B5EF4-FFF2-40B4-BE49-F238E27FC236}">
-                <a16:creationId xmlns:a16="http://schemas.microsoft.com/office/drawing/2014/main" id="{9E6017C8-EB25-4EBD-AF3C-40610D54BBC8}"/>
+                <a16:creationId xmlns:a16="http://schemas.microsoft.com/office/drawing/2014/main" xmlns="" id="{9E6017C8-EB25-4EBD-AF3C-40610D54BBC8}"/>
               </a:ext>
             </a:extLst>
           </p:cNvPr>
@@ -9238,12 +9248,20 @@
               <a:rPr lang="zh-CN" altLang="en-US" dirty="0"/>
               <a:t> 获取量价后，</a:t>
             </a:r>
+            <a:r>
+              <a:rPr lang="en-US" altLang="zh-CN" dirty="0"/>
+              <a:t/>
+            </a:r>
             <a:br>
               <a:rPr lang="en-US" altLang="zh-CN" dirty="0"/>
             </a:br>
             <a:r>
               <a:rPr lang="zh-CN" altLang="en-US" dirty="0"/>
               <a:t>对量价进行处理</a:t>
+            </a:r>
+            <a:r>
+              <a:rPr lang="en-US" altLang="zh-CN" dirty="0"/>
+              <a:t/>
             </a:r>
             <a:br>
               <a:rPr lang="en-US" altLang="zh-CN" dirty="0"/>
@@ -9296,7 +9314,7 @@
           <p:cNvPr id="4" name="图片 3">
             <a:extLst>
               <a:ext uri="{FF2B5EF4-FFF2-40B4-BE49-F238E27FC236}">
-                <a16:creationId xmlns:a16="http://schemas.microsoft.com/office/drawing/2014/main" id="{340596A1-442C-4176-B965-362407DE05C4}"/>
+                <a16:creationId xmlns:a16="http://schemas.microsoft.com/office/drawing/2014/main" xmlns="" id="{340596A1-442C-4176-B965-362407DE05C4}"/>
               </a:ext>
             </a:extLst>
           </p:cNvPr>
@@ -9326,7 +9344,7 @@
           <p:cNvPr id="5" name="图片 4">
             <a:extLst>
               <a:ext uri="{FF2B5EF4-FFF2-40B4-BE49-F238E27FC236}">
-                <a16:creationId xmlns:a16="http://schemas.microsoft.com/office/drawing/2014/main" id="{9B09D01B-A986-4CE8-8ECA-9D0C394B4DDD}"/>
+                <a16:creationId xmlns:a16="http://schemas.microsoft.com/office/drawing/2014/main" xmlns="" id="{9B09D01B-A986-4CE8-8ECA-9D0C394B4DDD}"/>
               </a:ext>
             </a:extLst>
           </p:cNvPr>
@@ -9386,7 +9404,7 @@
           <p:cNvPr id="2" name="标题 1">
             <a:extLst>
               <a:ext uri="{FF2B5EF4-FFF2-40B4-BE49-F238E27FC236}">
-                <a16:creationId xmlns:a16="http://schemas.microsoft.com/office/drawing/2014/main" id="{0003BE84-91AF-48F5-B4E6-9CBE906D0D10}"/>
+                <a16:creationId xmlns:a16="http://schemas.microsoft.com/office/drawing/2014/main" xmlns="" id="{0003BE84-91AF-48F5-B4E6-9CBE906D0D10}"/>
               </a:ext>
             </a:extLst>
           </p:cNvPr>
@@ -9418,7 +9436,7 @@
           <p:cNvPr id="3" name="内容占位符 2">
             <a:extLst>
               <a:ext uri="{FF2B5EF4-FFF2-40B4-BE49-F238E27FC236}">
-                <a16:creationId xmlns:a16="http://schemas.microsoft.com/office/drawing/2014/main" id="{352590C8-7483-4DB0-863F-06269F979F50}"/>
+                <a16:creationId xmlns:a16="http://schemas.microsoft.com/office/drawing/2014/main" xmlns="" id="{352590C8-7483-4DB0-863F-06269F979F50}"/>
               </a:ext>
             </a:extLst>
           </p:cNvPr>
@@ -9454,7 +9472,7 @@
           <p:cNvPr id="5" name="图片 4">
             <a:extLst>
               <a:ext uri="{FF2B5EF4-FFF2-40B4-BE49-F238E27FC236}">
-                <a16:creationId xmlns:a16="http://schemas.microsoft.com/office/drawing/2014/main" id="{726FC734-7DC5-4CBE-A088-6952A363EAE5}"/>
+                <a16:creationId xmlns:a16="http://schemas.microsoft.com/office/drawing/2014/main" xmlns="" id="{726FC734-7DC5-4CBE-A088-6952A363EAE5}"/>
               </a:ext>
             </a:extLst>
           </p:cNvPr>
@@ -9514,7 +9532,7 @@
           <p:cNvPr id="2" name="标题 1">
             <a:extLst>
               <a:ext uri="{FF2B5EF4-FFF2-40B4-BE49-F238E27FC236}">
-                <a16:creationId xmlns:a16="http://schemas.microsoft.com/office/drawing/2014/main" id="{538A241D-DF90-4D36-AE5E-FE8FF00C1295}"/>
+                <a16:creationId xmlns:a16="http://schemas.microsoft.com/office/drawing/2014/main" xmlns="" id="{538A241D-DF90-4D36-AE5E-FE8FF00C1295}"/>
               </a:ext>
             </a:extLst>
           </p:cNvPr>
@@ -9562,7 +9580,7 @@
           <p:cNvPr id="3" name="内容占位符 2">
             <a:extLst>
               <a:ext uri="{FF2B5EF4-FFF2-40B4-BE49-F238E27FC236}">
-                <a16:creationId xmlns:a16="http://schemas.microsoft.com/office/drawing/2014/main" id="{C013EC6F-9789-4B94-BBCD-47A41C702B35}"/>
+                <a16:creationId xmlns:a16="http://schemas.microsoft.com/office/drawing/2014/main" xmlns="" id="{C013EC6F-9789-4B94-BBCD-47A41C702B35}"/>
               </a:ext>
             </a:extLst>
           </p:cNvPr>
@@ -9930,7 +9948,7 @@
           <p:cNvPr id="2" name="标题 1">
             <a:extLst>
               <a:ext uri="{FF2B5EF4-FFF2-40B4-BE49-F238E27FC236}">
-                <a16:creationId xmlns:a16="http://schemas.microsoft.com/office/drawing/2014/main" id="{C7CC8DC6-AA4E-4E06-9864-A0ECA73FD7D0}"/>
+                <a16:creationId xmlns:a16="http://schemas.microsoft.com/office/drawing/2014/main" xmlns="" id="{C7CC8DC6-AA4E-4E06-9864-A0ECA73FD7D0}"/>
               </a:ext>
             </a:extLst>
           </p:cNvPr>
@@ -9970,7 +9988,7 @@
           <p:cNvPr id="3" name="内容占位符 2">
             <a:extLst>
               <a:ext uri="{FF2B5EF4-FFF2-40B4-BE49-F238E27FC236}">
-                <a16:creationId xmlns:a16="http://schemas.microsoft.com/office/drawing/2014/main" id="{E5AE2544-106F-40AB-9422-7BFEB927909E}"/>
+                <a16:creationId xmlns:a16="http://schemas.microsoft.com/office/drawing/2014/main" xmlns="" id="{E5AE2544-106F-40AB-9422-7BFEB927909E}"/>
               </a:ext>
             </a:extLst>
           </p:cNvPr>
@@ -10137,7 +10155,7 @@
           <p:cNvPr id="2" name="标题 1">
             <a:extLst>
               <a:ext uri="{FF2B5EF4-FFF2-40B4-BE49-F238E27FC236}">
-                <a16:creationId xmlns:a16="http://schemas.microsoft.com/office/drawing/2014/main" id="{6CC395DF-85BA-4CFD-9A39-419E6401E0CD}"/>
+                <a16:creationId xmlns:a16="http://schemas.microsoft.com/office/drawing/2014/main" xmlns="" id="{6CC395DF-85BA-4CFD-9A39-419E6401E0CD}"/>
               </a:ext>
             </a:extLst>
           </p:cNvPr>
@@ -10173,7 +10191,7 @@
           <p:cNvPr id="3" name="内容占位符 2">
             <a:extLst>
               <a:ext uri="{FF2B5EF4-FFF2-40B4-BE49-F238E27FC236}">
-                <a16:creationId xmlns:a16="http://schemas.microsoft.com/office/drawing/2014/main" id="{038CD14D-A969-4E1C-A8DE-DA452B8DB31F}"/>
+                <a16:creationId xmlns:a16="http://schemas.microsoft.com/office/drawing/2014/main" xmlns="" id="{038CD14D-A969-4E1C-A8DE-DA452B8DB31F}"/>
               </a:ext>
             </a:extLst>
           </p:cNvPr>
@@ -10328,7 +10346,7 @@
           <p:cNvPr id="2" name="标题 1">
             <a:extLst>
               <a:ext uri="{FF2B5EF4-FFF2-40B4-BE49-F238E27FC236}">
-                <a16:creationId xmlns:a16="http://schemas.microsoft.com/office/drawing/2014/main" id="{B5885591-CBDA-404C-B5CA-F255DF490220}"/>
+                <a16:creationId xmlns:a16="http://schemas.microsoft.com/office/drawing/2014/main" xmlns="" id="{B5885591-CBDA-404C-B5CA-F255DF490220}"/>
               </a:ext>
             </a:extLst>
           </p:cNvPr>
@@ -10361,7 +10379,7 @@
           <p:cNvPr id="3" name="内容占位符 2">
             <a:extLst>
               <a:ext uri="{FF2B5EF4-FFF2-40B4-BE49-F238E27FC236}">
-                <a16:creationId xmlns:a16="http://schemas.microsoft.com/office/drawing/2014/main" id="{F5504997-CE57-4A2F-A327-7166A0CE4E47}"/>
+                <a16:creationId xmlns:a16="http://schemas.microsoft.com/office/drawing/2014/main" xmlns="" id="{F5504997-CE57-4A2F-A327-7166A0CE4E47}"/>
               </a:ext>
             </a:extLst>
           </p:cNvPr>
@@ -10577,7 +10595,7 @@
           <p:cNvPr id="2" name="标题 1">
             <a:extLst>
               <a:ext uri="{FF2B5EF4-FFF2-40B4-BE49-F238E27FC236}">
-                <a16:creationId xmlns:a16="http://schemas.microsoft.com/office/drawing/2014/main" id="{EA56C1AE-0704-48E6-9DEB-BE168C445025}"/>
+                <a16:creationId xmlns:a16="http://schemas.microsoft.com/office/drawing/2014/main" xmlns="" id="{EA56C1AE-0704-48E6-9DEB-BE168C445025}"/>
               </a:ext>
             </a:extLst>
           </p:cNvPr>
@@ -10621,7 +10639,7 @@
           <p:cNvPr id="3" name="内容占位符 2">
             <a:extLst>
               <a:ext uri="{FF2B5EF4-FFF2-40B4-BE49-F238E27FC236}">
-                <a16:creationId xmlns:a16="http://schemas.microsoft.com/office/drawing/2014/main" id="{22761A7A-44D8-4C32-8AF0-C60511BCF29E}"/>
+                <a16:creationId xmlns:a16="http://schemas.microsoft.com/office/drawing/2014/main" xmlns="" id="{22761A7A-44D8-4C32-8AF0-C60511BCF29E}"/>
               </a:ext>
             </a:extLst>
           </p:cNvPr>
@@ -10776,7 +10794,7 @@
           <p:cNvPr id="2" name="标题 1">
             <a:extLst>
               <a:ext uri="{FF2B5EF4-FFF2-40B4-BE49-F238E27FC236}">
-                <a16:creationId xmlns:a16="http://schemas.microsoft.com/office/drawing/2014/main" id="{1416E870-B72A-4EC9-9733-B4A26357EFDF}"/>
+                <a16:creationId xmlns:a16="http://schemas.microsoft.com/office/drawing/2014/main" xmlns="" id="{1416E870-B72A-4EC9-9733-B4A26357EFDF}"/>
               </a:ext>
             </a:extLst>
           </p:cNvPr>
@@ -10809,7 +10827,7 @@
           <p:cNvPr id="3" name="内容占位符 2">
             <a:extLst>
               <a:ext uri="{FF2B5EF4-FFF2-40B4-BE49-F238E27FC236}">
-                <a16:creationId xmlns:a16="http://schemas.microsoft.com/office/drawing/2014/main" id="{0ABFEF9B-2F47-4182-B1CA-A5FBCAEFB094}"/>
+                <a16:creationId xmlns:a16="http://schemas.microsoft.com/office/drawing/2014/main" xmlns="" id="{0ABFEF9B-2F47-4182-B1CA-A5FBCAEFB094}"/>
               </a:ext>
             </a:extLst>
           </p:cNvPr>
@@ -10879,7 +10897,7 @@
           <p:cNvPr id="5" name="图片 4">
             <a:extLst>
               <a:ext uri="{FF2B5EF4-FFF2-40B4-BE49-F238E27FC236}">
-                <a16:creationId xmlns:a16="http://schemas.microsoft.com/office/drawing/2014/main" id="{664CF172-98A9-4018-B9A2-569930BB5323}"/>
+                <a16:creationId xmlns:a16="http://schemas.microsoft.com/office/drawing/2014/main" xmlns="" id="{664CF172-98A9-4018-B9A2-569930BB5323}"/>
               </a:ext>
             </a:extLst>
           </p:cNvPr>
@@ -10939,7 +10957,7 @@
           <p:cNvPr id="2" name="标题 1">
             <a:extLst>
               <a:ext uri="{FF2B5EF4-FFF2-40B4-BE49-F238E27FC236}">
-                <a16:creationId xmlns:a16="http://schemas.microsoft.com/office/drawing/2014/main" id="{4741BED6-7A67-488D-A6B1-D9894C8F9B3C}"/>
+                <a16:creationId xmlns:a16="http://schemas.microsoft.com/office/drawing/2014/main" xmlns="" id="{4741BED6-7A67-488D-A6B1-D9894C8F9B3C}"/>
               </a:ext>
             </a:extLst>
           </p:cNvPr>
@@ -10972,7 +10990,7 @@
           <p:cNvPr id="3" name="内容占位符 2">
             <a:extLst>
               <a:ext uri="{FF2B5EF4-FFF2-40B4-BE49-F238E27FC236}">
-                <a16:creationId xmlns:a16="http://schemas.microsoft.com/office/drawing/2014/main" id="{795125D1-3685-43A6-88CD-85427C516DE1}"/>
+                <a16:creationId xmlns:a16="http://schemas.microsoft.com/office/drawing/2014/main" xmlns="" id="{795125D1-3685-43A6-88CD-85427C516DE1}"/>
               </a:ext>
             </a:extLst>
           </p:cNvPr>
@@ -11039,7 +11057,7 @@
           <p:cNvPr id="4" name="图片 3">
             <a:extLst>
               <a:ext uri="{FF2B5EF4-FFF2-40B4-BE49-F238E27FC236}">
-                <a16:creationId xmlns:a16="http://schemas.microsoft.com/office/drawing/2014/main" id="{3DF6B9E9-B13F-44F2-AC01-628E3FE97679}"/>
+                <a16:creationId xmlns:a16="http://schemas.microsoft.com/office/drawing/2014/main" xmlns="" id="{3DF6B9E9-B13F-44F2-AC01-628E3FE97679}"/>
               </a:ext>
             </a:extLst>
           </p:cNvPr>
@@ -11069,7 +11087,7 @@
           <p:cNvPr id="5" name="图片 4">
             <a:extLst>
               <a:ext uri="{FF2B5EF4-FFF2-40B4-BE49-F238E27FC236}">
-                <a16:creationId xmlns:a16="http://schemas.microsoft.com/office/drawing/2014/main" id="{26B29168-4CB9-4607-8034-CDA70694C11F}"/>
+                <a16:creationId xmlns:a16="http://schemas.microsoft.com/office/drawing/2014/main" xmlns="" id="{26B29168-4CB9-4607-8034-CDA70694C11F}"/>
               </a:ext>
             </a:extLst>
           </p:cNvPr>
@@ -11129,7 +11147,7 @@
           <p:cNvPr id="2" name="标题 1">
             <a:extLst>
               <a:ext uri="{FF2B5EF4-FFF2-40B4-BE49-F238E27FC236}">
-                <a16:creationId xmlns:a16="http://schemas.microsoft.com/office/drawing/2014/main" id="{C0F07991-5044-4845-96A2-E66008400B85}"/>
+                <a16:creationId xmlns:a16="http://schemas.microsoft.com/office/drawing/2014/main" xmlns="" id="{C0F07991-5044-4845-96A2-E66008400B85}"/>
               </a:ext>
             </a:extLst>
           </p:cNvPr>
@@ -11162,7 +11180,7 @@
           <p:cNvPr id="3" name="内容占位符 2">
             <a:extLst>
               <a:ext uri="{FF2B5EF4-FFF2-40B4-BE49-F238E27FC236}">
-                <a16:creationId xmlns:a16="http://schemas.microsoft.com/office/drawing/2014/main" id="{08EF98DE-3E8D-4F3B-A22C-EEA6226B57E9}"/>
+                <a16:creationId xmlns:a16="http://schemas.microsoft.com/office/drawing/2014/main" xmlns="" id="{08EF98DE-3E8D-4F3B-A22C-EEA6226B57E9}"/>
               </a:ext>
             </a:extLst>
           </p:cNvPr>
@@ -11257,7 +11275,7 @@
           <p:cNvPr id="4" name="图片 3">
             <a:extLst>
               <a:ext uri="{FF2B5EF4-FFF2-40B4-BE49-F238E27FC236}">
-                <a16:creationId xmlns:a16="http://schemas.microsoft.com/office/drawing/2014/main" id="{D2C1FD16-3980-4155-BB70-DC4B948CFD9B}"/>
+                <a16:creationId xmlns:a16="http://schemas.microsoft.com/office/drawing/2014/main" xmlns="" id="{D2C1FD16-3980-4155-BB70-DC4B948CFD9B}"/>
               </a:ext>
             </a:extLst>
           </p:cNvPr>
@@ -11287,7 +11305,7 @@
           <p:cNvPr id="5" name="图片 4">
             <a:extLst>
               <a:ext uri="{FF2B5EF4-FFF2-40B4-BE49-F238E27FC236}">
-                <a16:creationId xmlns:a16="http://schemas.microsoft.com/office/drawing/2014/main" id="{EF683402-2E42-4792-8293-7A665531C027}"/>
+                <a16:creationId xmlns:a16="http://schemas.microsoft.com/office/drawing/2014/main" xmlns="" id="{EF683402-2E42-4792-8293-7A665531C027}"/>
               </a:ext>
             </a:extLst>
           </p:cNvPr>
@@ -11347,7 +11365,7 @@
           <p:cNvPr id="2" name="标题 1">
             <a:extLst>
               <a:ext uri="{FF2B5EF4-FFF2-40B4-BE49-F238E27FC236}">
-                <a16:creationId xmlns:a16="http://schemas.microsoft.com/office/drawing/2014/main" id="{C99437E4-81B2-45AB-A5E8-93DB3BD22016}"/>
+                <a16:creationId xmlns:a16="http://schemas.microsoft.com/office/drawing/2014/main" xmlns="" id="{C99437E4-81B2-45AB-A5E8-93DB3BD22016}"/>
               </a:ext>
             </a:extLst>
           </p:cNvPr>
@@ -11387,7 +11405,7 @@
           <p:cNvPr id="3" name="内容占位符 2">
             <a:extLst>
               <a:ext uri="{FF2B5EF4-FFF2-40B4-BE49-F238E27FC236}">
-                <a16:creationId xmlns:a16="http://schemas.microsoft.com/office/drawing/2014/main" id="{FF25AD25-AF31-4CD9-919B-173A7C6B4C4F}"/>
+                <a16:creationId xmlns:a16="http://schemas.microsoft.com/office/drawing/2014/main" xmlns="" id="{FF25AD25-AF31-4CD9-919B-173A7C6B4C4F}"/>
               </a:ext>
             </a:extLst>
           </p:cNvPr>
@@ -11458,7 +11476,7 @@
           <p:cNvPr id="4" name="图片 3">
             <a:extLst>
               <a:ext uri="{FF2B5EF4-FFF2-40B4-BE49-F238E27FC236}">
-                <a16:creationId xmlns:a16="http://schemas.microsoft.com/office/drawing/2014/main" id="{317E99AC-95FC-44BA-A46C-449E028B97D5}"/>
+                <a16:creationId xmlns:a16="http://schemas.microsoft.com/office/drawing/2014/main" xmlns="" id="{317E99AC-95FC-44BA-A46C-449E028B97D5}"/>
               </a:ext>
             </a:extLst>
           </p:cNvPr>
@@ -11518,7 +11536,7 @@
           <p:cNvPr id="2" name="标题 1">
             <a:extLst>
               <a:ext uri="{FF2B5EF4-FFF2-40B4-BE49-F238E27FC236}">
-                <a16:creationId xmlns:a16="http://schemas.microsoft.com/office/drawing/2014/main" id="{E3C5CCA6-6BF0-4348-AE9A-785A9BB6E5C5}"/>
+                <a16:creationId xmlns:a16="http://schemas.microsoft.com/office/drawing/2014/main" xmlns="" id="{E3C5CCA6-6BF0-4348-AE9A-785A9BB6E5C5}"/>
               </a:ext>
             </a:extLst>
           </p:cNvPr>
@@ -11546,7 +11564,7 @@
           <p:cNvPr id="3" name="内容占位符 2">
             <a:extLst>
               <a:ext uri="{FF2B5EF4-FFF2-40B4-BE49-F238E27FC236}">
-                <a16:creationId xmlns:a16="http://schemas.microsoft.com/office/drawing/2014/main" id="{C5D08E7B-94F0-4125-A929-BFE1FDE0010F}"/>
+                <a16:creationId xmlns:a16="http://schemas.microsoft.com/office/drawing/2014/main" xmlns="" id="{C5D08E7B-94F0-4125-A929-BFE1FDE0010F}"/>
               </a:ext>
             </a:extLst>
           </p:cNvPr>
@@ -11772,10 +11790,545 @@
       </p:grpSpPr>
       <p:sp>
         <p:nvSpPr>
+          <p:cNvPr id="2" name="标题 1"/>
+          <p:cNvSpPr>
+            <a:spLocks noGrp="1"/>
+          </p:cNvSpPr>
+          <p:nvPr>
+            <p:ph type="title"/>
+          </p:nvPr>
+        </p:nvSpPr>
+        <p:spPr/>
+        <p:txBody>
+          <a:bodyPr/>
+          <a:lstStyle/>
+          <a:p>
+            <a:r>
+              <a:rPr lang="en-US" altLang="zh-CN" dirty="0"/>
+              <a:t>TD</a:t>
+            </a:r>
+            <a:r>
+              <a:rPr lang="zh-CN" altLang="en-US" dirty="0"/>
+              <a:t>遇到的设计问题</a:t>
+            </a:r>
+          </a:p>
+        </p:txBody>
+      </p:sp>
+      <p:sp>
+        <p:nvSpPr>
+          <p:cNvPr id="3" name="内容占位符 2"/>
+          <p:cNvSpPr>
+            <a:spLocks noGrp="1"/>
+          </p:cNvSpPr>
+          <p:nvPr>
+            <p:ph idx="1"/>
+          </p:nvPr>
+        </p:nvSpPr>
+        <p:spPr/>
+        <p:txBody>
+          <a:bodyPr>
+            <a:normAutofit/>
+          </a:bodyPr>
+          <a:lstStyle/>
+          <a:p>
+            <a:r>
+              <a:rPr lang="zh-CN" altLang="en-US" dirty="0"/>
+              <a:t>如</a:t>
+            </a:r>
+            <a:r>
+              <a:rPr lang="zh-CN" altLang="en-US" dirty="0" smtClean="0"/>
+              <a:t>果纯 </a:t>
+            </a:r>
+            <a:r>
+              <a:rPr lang="en-US" altLang="zh-CN" dirty="0"/>
+              <a:t>restful</a:t>
+            </a:r>
+            <a:r>
+              <a:rPr lang="zh-CN" altLang="en-US" dirty="0"/>
+              <a:t>可以参考</a:t>
+            </a:r>
+            <a:r>
+              <a:rPr lang="en-US" altLang="zh-CN" dirty="0"/>
+              <a:t>coinmex </a:t>
+            </a:r>
+            <a:r>
+              <a:rPr lang="en-US" altLang="zh-CN" dirty="0" smtClean="0"/>
+              <a:t>.</a:t>
+            </a:r>
+          </a:p>
+          <a:p>
+            <a:pPr lvl="1"/>
+            <a:r>
+              <a:rPr lang="en-US" altLang="zh-CN" dirty="0"/>
+              <a:t>1</a:t>
+            </a:r>
+            <a:r>
+              <a:rPr lang="zh-CN" altLang="en-US" dirty="0"/>
+              <a:t>）</a:t>
+            </a:r>
+            <a:r>
+              <a:rPr lang="en-US" altLang="zh-CN" dirty="0"/>
+              <a:t>restful </a:t>
+            </a:r>
+            <a:r>
+              <a:rPr lang="zh-CN" altLang="en-US" dirty="0"/>
+              <a:t>发单时候，</a:t>
+            </a:r>
+            <a:r>
+              <a:rPr lang="en-US" altLang="zh-CN" dirty="0"/>
+              <a:t>TD</a:t>
+            </a:r>
+            <a:r>
+              <a:rPr lang="zh-CN" altLang="en-US" dirty="0"/>
+              <a:t>提交</a:t>
+            </a:r>
+            <a:r>
+              <a:rPr lang="en-US" altLang="zh-CN" dirty="0"/>
+              <a:t>client order id</a:t>
+            </a:r>
+            <a:r>
+              <a:rPr lang="zh-CN" altLang="en-US" dirty="0"/>
+              <a:t>给交易所发单接口</a:t>
+            </a:r>
+            <a:r>
+              <a:rPr lang="en-US" altLang="zh-CN" dirty="0"/>
+              <a:t>,</a:t>
+            </a:r>
+            <a:r>
+              <a:rPr lang="zh-CN" altLang="en-US" dirty="0"/>
+              <a:t>交易所会在</a:t>
+            </a:r>
+            <a:r>
+              <a:rPr lang="en-US" altLang="zh-CN" dirty="0"/>
+              <a:t>response</a:t>
+            </a:r>
+            <a:r>
+              <a:rPr lang="zh-CN" altLang="en-US" dirty="0"/>
+              <a:t>返回一个</a:t>
+            </a:r>
+            <a:r>
+              <a:rPr lang="en-US" altLang="zh-CN" dirty="0"/>
+              <a:t>remote order id</a:t>
+            </a:r>
+          </a:p>
+          <a:p>
+            <a:pPr lvl="1"/>
+            <a:r>
+              <a:rPr lang="en-US" altLang="zh-CN" dirty="0"/>
+              <a:t>2</a:t>
+            </a:r>
+            <a:r>
+              <a:rPr lang="zh-CN" altLang="en-US" dirty="0"/>
+              <a:t>）</a:t>
+            </a:r>
+            <a:r>
+              <a:rPr lang="en-US" altLang="zh-CN" dirty="0"/>
+              <a:t>restful</a:t>
+            </a:r>
+            <a:r>
+              <a:rPr lang="zh-CN" altLang="en-US" dirty="0"/>
+              <a:t>撤单时候，</a:t>
+            </a:r>
+            <a:r>
+              <a:rPr lang="en-US" altLang="zh-CN" dirty="0"/>
+              <a:t>TD</a:t>
+            </a:r>
+            <a:r>
+              <a:rPr lang="zh-CN" altLang="en-US" dirty="0"/>
+              <a:t>需要发送</a:t>
+            </a:r>
+            <a:r>
+              <a:rPr lang="en-US" altLang="zh-CN" dirty="0"/>
+              <a:t>remote order id</a:t>
+            </a:r>
+            <a:r>
+              <a:rPr lang="zh-CN" altLang="en-US" dirty="0"/>
+              <a:t>给交易所撤单接口</a:t>
+            </a:r>
+          </a:p>
+          <a:p>
+            <a:pPr lvl="1"/>
+            <a:r>
+              <a:rPr lang="en-US" altLang="zh-CN" dirty="0"/>
+              <a:t>3</a:t>
+            </a:r>
+            <a:r>
+              <a:rPr lang="zh-CN" altLang="en-US" dirty="0"/>
+              <a:t>）</a:t>
+            </a:r>
+            <a:r>
+              <a:rPr lang="en-US" altLang="zh-CN" dirty="0"/>
+              <a:t>restful</a:t>
+            </a:r>
+            <a:r>
+              <a:rPr lang="zh-CN" altLang="en-US" dirty="0"/>
+              <a:t>根据</a:t>
+            </a:r>
+            <a:r>
+              <a:rPr lang="en-US" altLang="zh-CN" dirty="0"/>
+              <a:t>remote order id</a:t>
+            </a:r>
+            <a:r>
+              <a:rPr lang="zh-CN" altLang="en-US" dirty="0"/>
+              <a:t>查询订单状态 </a:t>
+            </a:r>
+            <a:endParaRPr lang="en-US" altLang="zh-CN" dirty="0"/>
+          </a:p>
+          <a:p>
+            <a:pPr lvl="1"/>
+            <a:r>
+              <a:rPr lang="zh-CN" altLang="en-US" dirty="0" smtClean="0"/>
+              <a:t>纯</a:t>
+            </a:r>
+            <a:r>
+              <a:rPr lang="en-US" altLang="zh-CN" dirty="0"/>
+              <a:t>restful</a:t>
+            </a:r>
+            <a:r>
+              <a:rPr lang="zh-CN" altLang="en-US" dirty="0"/>
+              <a:t>没有问题。因为</a:t>
+            </a:r>
+            <a:r>
+              <a:rPr lang="en-US" altLang="zh-CN" dirty="0"/>
+              <a:t>kungfu</a:t>
+            </a:r>
+            <a:r>
+              <a:rPr lang="zh-CN" altLang="en-US" dirty="0"/>
+              <a:t>是能保证</a:t>
+            </a:r>
+            <a:r>
+              <a:rPr lang="en-US" altLang="zh-CN" dirty="0"/>
+              <a:t>InsertOrder</a:t>
+            </a:r>
+            <a:r>
+              <a:rPr lang="zh-CN" altLang="en-US" dirty="0"/>
+              <a:t>处理完再处理下一个</a:t>
+            </a:r>
+            <a:r>
+              <a:rPr lang="en-US" altLang="zh-CN" dirty="0"/>
+              <a:t>OrderAction</a:t>
+            </a:r>
+            <a:r>
+              <a:rPr lang="zh-CN" altLang="en-US" dirty="0"/>
+              <a:t>消息，这时候已经有了</a:t>
+            </a:r>
+            <a:r>
+              <a:rPr lang="en-US" altLang="zh-CN" dirty="0"/>
+              <a:t>remote order id</a:t>
+            </a:r>
+            <a:r>
+              <a:rPr lang="zh-CN" altLang="en-US" dirty="0"/>
+              <a:t>。</a:t>
+            </a:r>
+            <a:endParaRPr lang="en-US" altLang="zh-CN" dirty="0" smtClean="0"/>
+          </a:p>
+        </p:txBody>
+      </p:sp>
+    </p:spTree>
+    <p:extLst>
+      <p:ext uri="{BB962C8B-B14F-4D97-AF65-F5344CB8AC3E}">
+        <p14:creationId xmlns:p14="http://schemas.microsoft.com/office/powerpoint/2010/main" val="1939634764"/>
+      </p:ext>
+    </p:extLst>
+  </p:cSld>
+  <p:clrMapOvr>
+    <a:masterClrMapping/>
+  </p:clrMapOvr>
+</p:sld>
+</file>
+
+<file path=ppt/slides/slide46.xml><?xml version="1.0" encoding="utf-8"?>
+<p:sld xmlns:a="http://schemas.openxmlformats.org/drawingml/2006/main" xmlns:r="http://schemas.openxmlformats.org/officeDocument/2006/relationships" xmlns:p="http://schemas.openxmlformats.org/presentationml/2006/main">
+  <p:cSld>
+    <p:spTree>
+      <p:nvGrpSpPr>
+        <p:cNvPr id="1" name=""/>
+        <p:cNvGrpSpPr/>
+        <p:nvPr/>
+      </p:nvGrpSpPr>
+      <p:grpSpPr>
+        <a:xfrm>
+          <a:off x="0" y="0"/>
+          <a:ext cx="0" cy="0"/>
+          <a:chOff x="0" y="0"/>
+          <a:chExt cx="0" cy="0"/>
+        </a:xfrm>
+      </p:grpSpPr>
+      <p:sp>
+        <p:nvSpPr>
+          <p:cNvPr id="2" name="标题 1"/>
+          <p:cNvSpPr>
+            <a:spLocks noGrp="1"/>
+          </p:cNvSpPr>
+          <p:nvPr>
+            <p:ph type="title"/>
+          </p:nvPr>
+        </p:nvSpPr>
+        <p:spPr/>
+        <p:txBody>
+          <a:bodyPr/>
+          <a:lstStyle/>
+          <a:p>
+            <a:r>
+              <a:rPr lang="en-US" altLang="zh-CN" dirty="0"/>
+              <a:t>TD</a:t>
+            </a:r>
+            <a:r>
+              <a:rPr lang="zh-CN" altLang="en-US" dirty="0"/>
+              <a:t>遇到的设计问题</a:t>
+            </a:r>
+          </a:p>
+        </p:txBody>
+      </p:sp>
+      <p:sp>
+        <p:nvSpPr>
+          <p:cNvPr id="3" name="内容占位符 2"/>
+          <p:cNvSpPr>
+            <a:spLocks noGrp="1"/>
+          </p:cNvSpPr>
+          <p:nvPr>
+            <p:ph idx="1"/>
+          </p:nvPr>
+        </p:nvSpPr>
+        <p:spPr/>
+        <p:txBody>
+          <a:bodyPr>
+            <a:normAutofit fontScale="85000" lnSpcReduction="10000"/>
+          </a:bodyPr>
+          <a:lstStyle/>
+          <a:p>
+            <a:r>
+              <a:rPr lang="zh-CN" altLang="en-US" dirty="0" smtClean="0"/>
+              <a:t>当</a:t>
+            </a:r>
+            <a:r>
+              <a:rPr lang="en-US" altLang="zh-CN" dirty="0"/>
+              <a:t>TD</a:t>
+            </a:r>
+            <a:r>
+              <a:rPr lang="zh-CN" altLang="en-US" dirty="0"/>
+              <a:t>的设计是下面两种的时候， 会遇到撤单时候没有</a:t>
+            </a:r>
+            <a:r>
+              <a:rPr lang="en-US" altLang="zh-CN" dirty="0"/>
+              <a:t>RemoteOrderId</a:t>
+            </a:r>
+            <a:r>
+              <a:rPr lang="zh-CN" altLang="en-US" dirty="0"/>
+              <a:t>问题</a:t>
+            </a:r>
+            <a:r>
+              <a:rPr lang="zh-CN" altLang="en-US" dirty="0" smtClean="0"/>
+              <a:t>：</a:t>
+            </a:r>
+            <a:endParaRPr lang="en-US" altLang="zh-CN" dirty="0" smtClean="0"/>
+          </a:p>
+          <a:p>
+            <a:endParaRPr lang="en-US" altLang="zh-CN" dirty="0" smtClean="0"/>
+          </a:p>
+          <a:p>
+            <a:pPr lvl="1"/>
+            <a:r>
+              <a:rPr lang="en-US" altLang="zh-CN" dirty="0"/>
+              <a:t>A</a:t>
+            </a:r>
+            <a:r>
+              <a:rPr lang="zh-CN" altLang="en-US" dirty="0"/>
+              <a:t>）</a:t>
+            </a:r>
+            <a:r>
+              <a:rPr lang="en-US" altLang="zh-CN" dirty="0"/>
+              <a:t>restful </a:t>
+            </a:r>
+            <a:r>
+              <a:rPr lang="zh-CN" altLang="en-US" dirty="0"/>
+              <a:t>来发撤单，</a:t>
+            </a:r>
+            <a:r>
+              <a:rPr lang="en-US" altLang="zh-CN" dirty="0"/>
+              <a:t>websocket</a:t>
+            </a:r>
+            <a:r>
+              <a:rPr lang="zh-CN" altLang="en-US" dirty="0"/>
+              <a:t>用来接收状态，因为</a:t>
+            </a:r>
+            <a:r>
+              <a:rPr lang="en-US" altLang="zh-CN" dirty="0"/>
+              <a:t>websocket</a:t>
+            </a:r>
+            <a:r>
+              <a:rPr lang="zh-CN" altLang="en-US" dirty="0"/>
+              <a:t>的状态回来的比</a:t>
+            </a:r>
+            <a:r>
+              <a:rPr lang="en-US" altLang="zh-CN" dirty="0"/>
+              <a:t>restful</a:t>
+            </a:r>
+            <a:r>
+              <a:rPr lang="zh-CN" altLang="en-US" dirty="0"/>
+              <a:t>的</a:t>
+            </a:r>
+            <a:r>
+              <a:rPr lang="en-US" altLang="zh-CN" dirty="0"/>
+              <a:t>response</a:t>
+            </a:r>
+            <a:r>
+              <a:rPr lang="zh-CN" altLang="en-US" dirty="0"/>
+              <a:t>处理结束还要早，这时候还没有建立</a:t>
+            </a:r>
+            <a:r>
+              <a:rPr lang="en-US" altLang="zh-CN" dirty="0"/>
+              <a:t>OrderRef-RemoteOrderId</a:t>
+            </a:r>
+            <a:r>
+              <a:rPr lang="zh-CN" altLang="en-US" dirty="0"/>
+              <a:t>的对应关系，（参考</a:t>
+            </a:r>
+            <a:r>
+              <a:rPr lang="en-US" altLang="zh-CN" dirty="0"/>
+              <a:t>coinmex TD</a:t>
+            </a:r>
+            <a:r>
+              <a:rPr lang="zh-CN" altLang="en-US" dirty="0"/>
+              <a:t>）</a:t>
+            </a:r>
+          </a:p>
+          <a:p>
+            <a:pPr lvl="1"/>
+            <a:r>
+              <a:rPr lang="en-US" altLang="zh-CN" dirty="0"/>
+              <a:t>B) websocket</a:t>
+            </a:r>
+            <a:r>
+              <a:rPr lang="zh-CN" altLang="en-US" dirty="0"/>
+              <a:t>用来发撤单，和接收状态，因为是异步的， </a:t>
+            </a:r>
+            <a:r>
+              <a:rPr lang="en-US" altLang="zh-CN" dirty="0"/>
+              <a:t>websocket</a:t>
+            </a:r>
+            <a:r>
+              <a:rPr lang="zh-CN" altLang="en-US" dirty="0"/>
+              <a:t>发单完成后就返回了， </a:t>
+            </a:r>
+            <a:r>
+              <a:rPr lang="en-US" altLang="zh-CN" dirty="0"/>
+              <a:t>kungfu</a:t>
+            </a:r>
+            <a:r>
+              <a:rPr lang="zh-CN" altLang="en-US" dirty="0"/>
+              <a:t>可以立即处理下一个撤单消息，而这时</a:t>
+            </a:r>
+            <a:r>
+              <a:rPr lang="en-US" altLang="zh-CN" dirty="0"/>
+              <a:t>Websocket</a:t>
+            </a:r>
+            <a:r>
+              <a:rPr lang="zh-CN" altLang="en-US" dirty="0"/>
+              <a:t>还没有返回带</a:t>
+            </a:r>
+            <a:r>
+              <a:rPr lang="en-US" altLang="zh-CN" dirty="0"/>
+              <a:t>remote order id</a:t>
+            </a:r>
+            <a:r>
+              <a:rPr lang="zh-CN" altLang="en-US" dirty="0"/>
+              <a:t>的消息，</a:t>
+            </a:r>
+            <a:r>
+              <a:rPr lang="en-US" altLang="zh-CN" dirty="0"/>
+              <a:t>(</a:t>
+            </a:r>
+            <a:r>
+              <a:rPr lang="zh-CN" altLang="en-US" dirty="0"/>
+              <a:t>参考</a:t>
+            </a:r>
+            <a:r>
+              <a:rPr lang="en-US" altLang="zh-CN" dirty="0"/>
+              <a:t>bitfinex TD)</a:t>
+            </a:r>
+          </a:p>
+          <a:p>
+            <a:endParaRPr lang="en-US" altLang="zh-CN" dirty="0"/>
+          </a:p>
+          <a:p>
+            <a:endParaRPr lang="en-US" altLang="zh-CN" dirty="0" smtClean="0"/>
+          </a:p>
+          <a:p>
+            <a:r>
+              <a:rPr lang="zh-CN" altLang="en-US" dirty="0"/>
+              <a:t>解决方案是： 让撤单消息放到一个队列，等到有</a:t>
+            </a:r>
+            <a:r>
+              <a:rPr lang="en-US" altLang="zh-CN" dirty="0"/>
+              <a:t>websocket</a:t>
+            </a:r>
+            <a:r>
+              <a:rPr lang="zh-CN" altLang="en-US" dirty="0"/>
+              <a:t>消息返回，过滤队列，匹配好</a:t>
+            </a:r>
+            <a:r>
+              <a:rPr lang="en-US" altLang="zh-CN" dirty="0"/>
+              <a:t>OrderRef-RemoteOrderId,</a:t>
+            </a:r>
+            <a:r>
+              <a:rPr lang="zh-CN" altLang="en-US" dirty="0"/>
+              <a:t>再使用</a:t>
+            </a:r>
+            <a:r>
+              <a:rPr lang="en-US" altLang="zh-CN" dirty="0"/>
+              <a:t>RemoteOrderId</a:t>
+            </a:r>
+            <a:r>
+              <a:rPr lang="zh-CN" altLang="en-US" dirty="0"/>
+              <a:t>向交易所发撤单。</a:t>
+            </a:r>
+            <a:endParaRPr lang="en-US" altLang="zh-CN" dirty="0"/>
+          </a:p>
+          <a:p>
+            <a:endParaRPr lang="en-US" altLang="zh-CN" dirty="0" smtClean="0"/>
+          </a:p>
+          <a:p>
+            <a:endParaRPr lang="zh-CN" altLang="en-US" dirty="0"/>
+          </a:p>
+        </p:txBody>
+      </p:sp>
+    </p:spTree>
+    <p:extLst>
+      <p:ext uri="{BB962C8B-B14F-4D97-AF65-F5344CB8AC3E}">
+        <p14:creationId xmlns:p14="http://schemas.microsoft.com/office/powerpoint/2010/main" val="3964065734"/>
+      </p:ext>
+    </p:extLst>
+  </p:cSld>
+  <p:clrMapOvr>
+    <a:masterClrMapping/>
+  </p:clrMapOvr>
+</p:sld>
+</file>
+
+<file path=ppt/slides/slide47.xml><?xml version="1.0" encoding="utf-8"?>
+<p:sld xmlns:a="http://schemas.openxmlformats.org/drawingml/2006/main" xmlns:r="http://schemas.openxmlformats.org/officeDocument/2006/relationships" xmlns:p="http://schemas.openxmlformats.org/presentationml/2006/main">
+  <p:cSld>
+    <p:spTree>
+      <p:nvGrpSpPr>
+        <p:cNvPr id="1" name=""/>
+        <p:cNvGrpSpPr/>
+        <p:nvPr/>
+      </p:nvGrpSpPr>
+      <p:grpSpPr>
+        <a:xfrm>
+          <a:off x="0" y="0"/>
+          <a:ext cx="0" cy="0"/>
+          <a:chOff x="0" y="0"/>
+          <a:chExt cx="0" cy="0"/>
+        </a:xfrm>
+      </p:grpSpPr>
+      <p:sp>
+        <p:nvSpPr>
           <p:cNvPr id="2" name="标题 1">
             <a:extLst>
               <a:ext uri="{FF2B5EF4-FFF2-40B4-BE49-F238E27FC236}">
-                <a16:creationId xmlns:a16="http://schemas.microsoft.com/office/drawing/2014/main" id="{B54687C6-D077-49EC-88B1-98D902CF73BA}"/>
+                <a16:creationId xmlns:a16="http://schemas.microsoft.com/office/drawing/2014/main" xmlns="" id="{B54687C6-D077-49EC-88B1-98D902CF73BA}"/>
               </a:ext>
             </a:extLst>
           </p:cNvPr>
@@ -11807,7 +12360,7 @@
           <p:cNvPr id="3" name="内容占位符 2">
             <a:extLst>
               <a:ext uri="{FF2B5EF4-FFF2-40B4-BE49-F238E27FC236}">
-                <a16:creationId xmlns:a16="http://schemas.microsoft.com/office/drawing/2014/main" id="{0E020E23-B186-4696-8B31-5E1EA9E1C31B}"/>
+                <a16:creationId xmlns:a16="http://schemas.microsoft.com/office/drawing/2014/main" xmlns="" id="{0E020E23-B186-4696-8B31-5E1EA9E1C31B}"/>
               </a:ext>
             </a:extLst>
           </p:cNvPr>
@@ -11886,7 +12439,7 @@
           <p:cNvPr id="2" name="标题 1">
             <a:extLst>
               <a:ext uri="{FF2B5EF4-FFF2-40B4-BE49-F238E27FC236}">
-                <a16:creationId xmlns:a16="http://schemas.microsoft.com/office/drawing/2014/main" id="{4E013243-A294-4E4B-A707-4591C9B5BB49}"/>
+                <a16:creationId xmlns:a16="http://schemas.microsoft.com/office/drawing/2014/main" xmlns="" id="{4E013243-A294-4E4B-A707-4591C9B5BB49}"/>
               </a:ext>
             </a:extLst>
           </p:cNvPr>
@@ -11931,7 +12484,7 @@
           <p:cNvPr id="3" name="内容占位符 2">
             <a:extLst>
               <a:ext uri="{FF2B5EF4-FFF2-40B4-BE49-F238E27FC236}">
-                <a16:creationId xmlns:a16="http://schemas.microsoft.com/office/drawing/2014/main" id="{1B35AC6E-C515-49A7-A661-7345625F933F}"/>
+                <a16:creationId xmlns:a16="http://schemas.microsoft.com/office/drawing/2014/main" xmlns="" id="{1B35AC6E-C515-49A7-A661-7345625F933F}"/>
               </a:ext>
             </a:extLst>
           </p:cNvPr>
@@ -12026,7 +12579,7 @@
           <p:cNvPr id="4" name="图片 3">
             <a:extLst>
               <a:ext uri="{FF2B5EF4-FFF2-40B4-BE49-F238E27FC236}">
-                <a16:creationId xmlns:a16="http://schemas.microsoft.com/office/drawing/2014/main" id="{763F3755-CAAF-409D-9434-7FCD58A434BB}"/>
+                <a16:creationId xmlns:a16="http://schemas.microsoft.com/office/drawing/2014/main" xmlns="" id="{763F3755-CAAF-409D-9434-7FCD58A434BB}"/>
               </a:ext>
             </a:extLst>
           </p:cNvPr>
@@ -12086,7 +12639,7 @@
           <p:cNvPr id="2" name="标题 1">
             <a:extLst>
               <a:ext uri="{FF2B5EF4-FFF2-40B4-BE49-F238E27FC236}">
-                <a16:creationId xmlns:a16="http://schemas.microsoft.com/office/drawing/2014/main" id="{314947FC-BEFB-4C00-9114-AB05AEBEB66F}"/>
+                <a16:creationId xmlns:a16="http://schemas.microsoft.com/office/drawing/2014/main" xmlns="" id="{314947FC-BEFB-4C00-9114-AB05AEBEB66F}"/>
               </a:ext>
             </a:extLst>
           </p:cNvPr>
@@ -12131,7 +12684,7 @@
           <p:cNvPr id="3" name="内容占位符 2">
             <a:extLst>
               <a:ext uri="{FF2B5EF4-FFF2-40B4-BE49-F238E27FC236}">
-                <a16:creationId xmlns:a16="http://schemas.microsoft.com/office/drawing/2014/main" id="{256FC77E-50C9-448F-A97D-04FFF5FCDF93}"/>
+                <a16:creationId xmlns:a16="http://schemas.microsoft.com/office/drawing/2014/main" xmlns="" id="{256FC77E-50C9-448F-A97D-04FFF5FCDF93}"/>
               </a:ext>
             </a:extLst>
           </p:cNvPr>
@@ -12214,7 +12767,7 @@
           <p:cNvPr id="4" name="图片 3">
             <a:extLst>
               <a:ext uri="{FF2B5EF4-FFF2-40B4-BE49-F238E27FC236}">
-                <a16:creationId xmlns:a16="http://schemas.microsoft.com/office/drawing/2014/main" id="{41664502-3E15-4FAD-BED7-5EC85D774664}"/>
+                <a16:creationId xmlns:a16="http://schemas.microsoft.com/office/drawing/2014/main" xmlns="" id="{41664502-3E15-4FAD-BED7-5EC85D774664}"/>
               </a:ext>
             </a:extLst>
           </p:cNvPr>
@@ -12244,7 +12797,7 @@
           <p:cNvPr id="5" name="图片 4">
             <a:extLst>
               <a:ext uri="{FF2B5EF4-FFF2-40B4-BE49-F238E27FC236}">
-                <a16:creationId xmlns:a16="http://schemas.microsoft.com/office/drawing/2014/main" id="{CE47DECE-81DF-439F-A585-54857CFF6357}"/>
+                <a16:creationId xmlns:a16="http://schemas.microsoft.com/office/drawing/2014/main" xmlns="" id="{CE47DECE-81DF-439F-A585-54857CFF6357}"/>
               </a:ext>
             </a:extLst>
           </p:cNvPr>
@@ -12304,7 +12857,7 @@
           <p:cNvPr id="2" name="标题 1">
             <a:extLst>
               <a:ext uri="{FF2B5EF4-FFF2-40B4-BE49-F238E27FC236}">
-                <a16:creationId xmlns:a16="http://schemas.microsoft.com/office/drawing/2014/main" id="{767FE5B0-64BB-4D1A-9360-ACC773A03527}"/>
+                <a16:creationId xmlns:a16="http://schemas.microsoft.com/office/drawing/2014/main" xmlns="" id="{767FE5B0-64BB-4D1A-9360-ACC773A03527}"/>
               </a:ext>
             </a:extLst>
           </p:cNvPr>
@@ -12336,7 +12889,7 @@
           <p:cNvPr id="3" name="内容占位符 2">
             <a:extLst>
               <a:ext uri="{FF2B5EF4-FFF2-40B4-BE49-F238E27FC236}">
-                <a16:creationId xmlns:a16="http://schemas.microsoft.com/office/drawing/2014/main" id="{4DBBC9B9-618A-4A57-BDEB-21AFF4DAF39E}"/>
+                <a16:creationId xmlns:a16="http://schemas.microsoft.com/office/drawing/2014/main" xmlns="" id="{4DBBC9B9-618A-4A57-BDEB-21AFF4DAF39E}"/>
               </a:ext>
             </a:extLst>
           </p:cNvPr>
@@ -12614,7 +13167,7 @@
           <p:cNvPr id="2" name="标题 1">
             <a:extLst>
               <a:ext uri="{FF2B5EF4-FFF2-40B4-BE49-F238E27FC236}">
-                <a16:creationId xmlns:a16="http://schemas.microsoft.com/office/drawing/2014/main" id="{C1D46FCD-5E4E-484A-816C-95F5D1303E72}"/>
+                <a16:creationId xmlns:a16="http://schemas.microsoft.com/office/drawing/2014/main" xmlns="" id="{C1D46FCD-5E4E-484A-816C-95F5D1303E72}"/>
               </a:ext>
             </a:extLst>
           </p:cNvPr>
@@ -12646,7 +13199,7 @@
           <p:cNvPr id="3" name="内容占位符 2">
             <a:extLst>
               <a:ext uri="{FF2B5EF4-FFF2-40B4-BE49-F238E27FC236}">
-                <a16:creationId xmlns:a16="http://schemas.microsoft.com/office/drawing/2014/main" id="{93FAD9C1-7988-478D-8F9D-94B6B0B4B0A8}"/>
+                <a16:creationId xmlns:a16="http://schemas.microsoft.com/office/drawing/2014/main" xmlns="" id="{93FAD9C1-7988-478D-8F9D-94B6B0B4B0A8}"/>
               </a:ext>
             </a:extLst>
           </p:cNvPr>
@@ -12820,7 +13373,7 @@
           <p:cNvPr id="2" name="标题 1">
             <a:extLst>
               <a:ext uri="{FF2B5EF4-FFF2-40B4-BE49-F238E27FC236}">
-                <a16:creationId xmlns:a16="http://schemas.microsoft.com/office/drawing/2014/main" id="{EFFA665E-B7F6-4596-B928-E8950337A3DF}"/>
+                <a16:creationId xmlns:a16="http://schemas.microsoft.com/office/drawing/2014/main" xmlns="" id="{EFFA665E-B7F6-4596-B928-E8950337A3DF}"/>
               </a:ext>
             </a:extLst>
           </p:cNvPr>
@@ -12848,7 +13401,7 @@
           <p:cNvPr id="3" name="内容占位符 2">
             <a:extLst>
               <a:ext uri="{FF2B5EF4-FFF2-40B4-BE49-F238E27FC236}">
-                <a16:creationId xmlns:a16="http://schemas.microsoft.com/office/drawing/2014/main" id="{385F129A-4A2D-4FDA-8C2C-8DEC43459F8E}"/>
+                <a16:creationId xmlns:a16="http://schemas.microsoft.com/office/drawing/2014/main" xmlns="" id="{385F129A-4A2D-4FDA-8C2C-8DEC43459F8E}"/>
               </a:ext>
             </a:extLst>
           </p:cNvPr>

--- a/虚拟货币跨交易所高频交易系统.pptx
+++ b/虚拟货币跨交易所高频交易系统.pptx
@@ -5,7 +5,7 @@
     <p:sldMasterId id="2147483648" r:id="rId1"/>
   </p:sldMasterIdLst>
   <p:notesMasterIdLst>
-    <p:notesMasterId r:id="rId49"/>
+    <p:notesMasterId r:id="rId60"/>
   </p:notesMasterIdLst>
   <p:sldIdLst>
     <p:sldId id="256" r:id="rId2"/>
@@ -13,48 +13,59 @@
     <p:sldId id="303" r:id="rId4"/>
     <p:sldId id="300" r:id="rId5"/>
     <p:sldId id="301" r:id="rId6"/>
-    <p:sldId id="302" r:id="rId7"/>
-    <p:sldId id="262" r:id="rId8"/>
-    <p:sldId id="270" r:id="rId9"/>
-    <p:sldId id="282" r:id="rId10"/>
-    <p:sldId id="283" r:id="rId11"/>
-    <p:sldId id="305" r:id="rId12"/>
-    <p:sldId id="284" r:id="rId13"/>
-    <p:sldId id="298" r:id="rId14"/>
-    <p:sldId id="295" r:id="rId15"/>
-    <p:sldId id="296" r:id="rId16"/>
-    <p:sldId id="297" r:id="rId17"/>
-    <p:sldId id="299" r:id="rId18"/>
-    <p:sldId id="263" r:id="rId19"/>
-    <p:sldId id="264" r:id="rId20"/>
-    <p:sldId id="261" r:id="rId21"/>
-    <p:sldId id="265" r:id="rId22"/>
-    <p:sldId id="266" r:id="rId23"/>
-    <p:sldId id="268" r:id="rId24"/>
-    <p:sldId id="271" r:id="rId25"/>
-    <p:sldId id="274" r:id="rId26"/>
-    <p:sldId id="275" r:id="rId27"/>
-    <p:sldId id="273" r:id="rId28"/>
-    <p:sldId id="260" r:id="rId29"/>
-    <p:sldId id="294" r:id="rId30"/>
-    <p:sldId id="276" r:id="rId31"/>
-    <p:sldId id="277" r:id="rId32"/>
-    <p:sldId id="257" r:id="rId33"/>
-    <p:sldId id="278" r:id="rId34"/>
-    <p:sldId id="279" r:id="rId35"/>
-    <p:sldId id="306" r:id="rId36"/>
-    <p:sldId id="281" r:id="rId37"/>
-    <p:sldId id="286" r:id="rId38"/>
-    <p:sldId id="285" r:id="rId39"/>
-    <p:sldId id="288" r:id="rId40"/>
-    <p:sldId id="289" r:id="rId41"/>
-    <p:sldId id="290" r:id="rId42"/>
-    <p:sldId id="291" r:id="rId43"/>
-    <p:sldId id="287" r:id="rId44"/>
-    <p:sldId id="292" r:id="rId45"/>
-    <p:sldId id="307" r:id="rId46"/>
-    <p:sldId id="308" r:id="rId47"/>
-    <p:sldId id="293" r:id="rId48"/>
+    <p:sldId id="310" r:id="rId7"/>
+    <p:sldId id="302" r:id="rId8"/>
+    <p:sldId id="262" r:id="rId9"/>
+    <p:sldId id="270" r:id="rId10"/>
+    <p:sldId id="312" r:id="rId11"/>
+    <p:sldId id="282" r:id="rId12"/>
+    <p:sldId id="313" r:id="rId13"/>
+    <p:sldId id="316" r:id="rId14"/>
+    <p:sldId id="317" r:id="rId15"/>
+    <p:sldId id="283" r:id="rId16"/>
+    <p:sldId id="314" r:id="rId17"/>
+    <p:sldId id="318" r:id="rId18"/>
+    <p:sldId id="305" r:id="rId19"/>
+    <p:sldId id="315" r:id="rId20"/>
+    <p:sldId id="319" r:id="rId21"/>
+    <p:sldId id="284" r:id="rId22"/>
+    <p:sldId id="298" r:id="rId23"/>
+    <p:sldId id="295" r:id="rId24"/>
+    <p:sldId id="296" r:id="rId25"/>
+    <p:sldId id="297" r:id="rId26"/>
+    <p:sldId id="299" r:id="rId27"/>
+    <p:sldId id="263" r:id="rId28"/>
+    <p:sldId id="264" r:id="rId29"/>
+    <p:sldId id="261" r:id="rId30"/>
+    <p:sldId id="265" r:id="rId31"/>
+    <p:sldId id="266" r:id="rId32"/>
+    <p:sldId id="268" r:id="rId33"/>
+    <p:sldId id="271" r:id="rId34"/>
+    <p:sldId id="274" r:id="rId35"/>
+    <p:sldId id="275" r:id="rId36"/>
+    <p:sldId id="273" r:id="rId37"/>
+    <p:sldId id="260" r:id="rId38"/>
+    <p:sldId id="294" r:id="rId39"/>
+    <p:sldId id="309" r:id="rId40"/>
+    <p:sldId id="276" r:id="rId41"/>
+    <p:sldId id="277" r:id="rId42"/>
+    <p:sldId id="257" r:id="rId43"/>
+    <p:sldId id="278" r:id="rId44"/>
+    <p:sldId id="279" r:id="rId45"/>
+    <p:sldId id="306" r:id="rId46"/>
+    <p:sldId id="281" r:id="rId47"/>
+    <p:sldId id="286" r:id="rId48"/>
+    <p:sldId id="285" r:id="rId49"/>
+    <p:sldId id="288" r:id="rId50"/>
+    <p:sldId id="289" r:id="rId51"/>
+    <p:sldId id="290" r:id="rId52"/>
+    <p:sldId id="291" r:id="rId53"/>
+    <p:sldId id="287" r:id="rId54"/>
+    <p:sldId id="292" r:id="rId55"/>
+    <p:sldId id="307" r:id="rId56"/>
+    <p:sldId id="308" r:id="rId57"/>
+    <p:sldId id="311" r:id="rId58"/>
+    <p:sldId id="293" r:id="rId59"/>
   </p:sldIdLst>
   <p:sldSz cx="12192000" cy="6858000"/>
   <p:notesSz cx="6858000" cy="9144000"/>
@@ -243,7 +254,7 @@
           <a:p>
             <a:fld id="{417D31D6-FBA1-4FDB-ADB6-CE4DC9676742}" type="datetimeFigureOut">
               <a:rPr lang="zh-CN" altLang="en-US" smtClean="0"/>
-              <a:t>2018/11/13</a:t>
+              <a:t>2019/1/18</a:t>
             </a:fld>
             <a:endParaRPr lang="zh-CN" altLang="en-US"/>
           </a:p>
@@ -579,7 +590,7 @@
           <a:p>
             <a:fld id="{BE3E1770-8C4D-4E6B-9395-6A6C81087536}" type="slidenum">
               <a:rPr lang="zh-CN" altLang="en-US" smtClean="0"/>
-              <a:t>12</a:t>
+              <a:t>21</a:t>
             </a:fld>
             <a:endParaRPr lang="zh-CN" altLang="en-US"/>
           </a:p>
@@ -745,7 +756,7 @@
           <a:p>
             <a:fld id="{4AE80C2A-2A5C-4DD4-9189-1A51F2AA0CFA}" type="datetimeFigureOut">
               <a:rPr lang="zh-CN" altLang="en-US" smtClean="0"/>
-              <a:t>2018/11/13</a:t>
+              <a:t>2019/1/18</a:t>
             </a:fld>
             <a:endParaRPr lang="zh-CN" altLang="en-US"/>
           </a:p>
@@ -943,7 +954,7 @@
           <a:p>
             <a:fld id="{4AE80C2A-2A5C-4DD4-9189-1A51F2AA0CFA}" type="datetimeFigureOut">
               <a:rPr lang="zh-CN" altLang="en-US" smtClean="0"/>
-              <a:t>2018/11/13</a:t>
+              <a:t>2019/1/18</a:t>
             </a:fld>
             <a:endParaRPr lang="zh-CN" altLang="en-US"/>
           </a:p>
@@ -1151,7 +1162,7 @@
           <a:p>
             <a:fld id="{4AE80C2A-2A5C-4DD4-9189-1A51F2AA0CFA}" type="datetimeFigureOut">
               <a:rPr lang="zh-CN" altLang="en-US" smtClean="0"/>
-              <a:t>2018/11/13</a:t>
+              <a:t>2019/1/18</a:t>
             </a:fld>
             <a:endParaRPr lang="zh-CN" altLang="en-US"/>
           </a:p>
@@ -1349,7 +1360,7 @@
           <a:p>
             <a:fld id="{4AE80C2A-2A5C-4DD4-9189-1A51F2AA0CFA}" type="datetimeFigureOut">
               <a:rPr lang="zh-CN" altLang="en-US" smtClean="0"/>
-              <a:t>2018/11/13</a:t>
+              <a:t>2019/1/18</a:t>
             </a:fld>
             <a:endParaRPr lang="zh-CN" altLang="en-US"/>
           </a:p>
@@ -1624,7 +1635,7 @@
           <a:p>
             <a:fld id="{4AE80C2A-2A5C-4DD4-9189-1A51F2AA0CFA}" type="datetimeFigureOut">
               <a:rPr lang="zh-CN" altLang="en-US" smtClean="0"/>
-              <a:t>2018/11/13</a:t>
+              <a:t>2019/1/18</a:t>
             </a:fld>
             <a:endParaRPr lang="zh-CN" altLang="en-US"/>
           </a:p>
@@ -1889,7 +1900,7 @@
           <a:p>
             <a:fld id="{4AE80C2A-2A5C-4DD4-9189-1A51F2AA0CFA}" type="datetimeFigureOut">
               <a:rPr lang="zh-CN" altLang="en-US" smtClean="0"/>
-              <a:t>2018/11/13</a:t>
+              <a:t>2019/1/18</a:t>
             </a:fld>
             <a:endParaRPr lang="zh-CN" altLang="en-US"/>
           </a:p>
@@ -2301,7 +2312,7 @@
           <a:p>
             <a:fld id="{4AE80C2A-2A5C-4DD4-9189-1A51F2AA0CFA}" type="datetimeFigureOut">
               <a:rPr lang="zh-CN" altLang="en-US" smtClean="0"/>
-              <a:t>2018/11/13</a:t>
+              <a:t>2019/1/18</a:t>
             </a:fld>
             <a:endParaRPr lang="zh-CN" altLang="en-US"/>
           </a:p>
@@ -2442,7 +2453,7 @@
           <a:p>
             <a:fld id="{4AE80C2A-2A5C-4DD4-9189-1A51F2AA0CFA}" type="datetimeFigureOut">
               <a:rPr lang="zh-CN" altLang="en-US" smtClean="0"/>
-              <a:t>2018/11/13</a:t>
+              <a:t>2019/1/18</a:t>
             </a:fld>
             <a:endParaRPr lang="zh-CN" altLang="en-US"/>
           </a:p>
@@ -2555,7 +2566,7 @@
           <a:p>
             <a:fld id="{4AE80C2A-2A5C-4DD4-9189-1A51F2AA0CFA}" type="datetimeFigureOut">
               <a:rPr lang="zh-CN" altLang="en-US" smtClean="0"/>
-              <a:t>2018/11/13</a:t>
+              <a:t>2019/1/18</a:t>
             </a:fld>
             <a:endParaRPr lang="zh-CN" altLang="en-US"/>
           </a:p>
@@ -2866,7 +2877,7 @@
           <a:p>
             <a:fld id="{4AE80C2A-2A5C-4DD4-9189-1A51F2AA0CFA}" type="datetimeFigureOut">
               <a:rPr lang="zh-CN" altLang="en-US" smtClean="0"/>
-              <a:t>2018/11/13</a:t>
+              <a:t>2019/1/18</a:t>
             </a:fld>
             <a:endParaRPr lang="zh-CN" altLang="en-US"/>
           </a:p>
@@ -3154,7 +3165,7 @@
           <a:p>
             <a:fld id="{4AE80C2A-2A5C-4DD4-9189-1A51F2AA0CFA}" type="datetimeFigureOut">
               <a:rPr lang="zh-CN" altLang="en-US" smtClean="0"/>
-              <a:t>2018/11/13</a:t>
+              <a:t>2019/1/18</a:t>
             </a:fld>
             <a:endParaRPr lang="zh-CN" altLang="en-US"/>
           </a:p>
@@ -3395,7 +3406,7 @@
           <a:p>
             <a:fld id="{4AE80C2A-2A5C-4DD4-9189-1A51F2AA0CFA}" type="datetimeFigureOut">
               <a:rPr lang="zh-CN" altLang="en-US" smtClean="0"/>
-              <a:t>2018/11/13</a:t>
+              <a:t>2019/1/18</a:t>
             </a:fld>
             <a:endParaRPr lang="zh-CN" altLang="en-US"/>
           </a:p>
@@ -3918,13 +3929,7 @@
       </p:grpSpPr>
       <p:sp>
         <p:nvSpPr>
-          <p:cNvPr id="2" name="标题 1">
-            <a:extLst>
-              <a:ext uri="{FF2B5EF4-FFF2-40B4-BE49-F238E27FC236}">
-                <a16:creationId xmlns:a16="http://schemas.microsoft.com/office/drawing/2014/main" xmlns="" id="{73F2B4DB-EF59-42B4-B603-7D3C21DDEE52}"/>
-              </a:ext>
-            </a:extLst>
-          </p:cNvPr>
+          <p:cNvPr id="2" name="标题 1"/>
           <p:cNvSpPr>
             <a:spLocks noGrp="1"/>
           </p:cNvSpPr>
@@ -3938,25 +3943,28 @@
           <a:lstStyle/>
           <a:p>
             <a:r>
-              <a:rPr lang="en-US" altLang="zh-CN" dirty="0"/>
-              <a:t>TD</a:t>
-            </a:r>
-            <a:r>
-              <a:rPr lang="zh-CN" altLang="en-US" dirty="0"/>
-              <a:t>模块的处理逻辑</a:t>
-            </a:r>
-          </a:p>
-        </p:txBody>
-      </p:sp>
-      <p:sp>
-        <p:nvSpPr>
-          <p:cNvPr id="3" name="内容占位符 2">
-            <a:extLst>
-              <a:ext uri="{FF2B5EF4-FFF2-40B4-BE49-F238E27FC236}">
-                <a16:creationId xmlns:a16="http://schemas.microsoft.com/office/drawing/2014/main" xmlns="" id="{1707C228-5EC7-4B63-A6AE-A9C408B19FB8}"/>
-              </a:ext>
-            </a:extLst>
-          </p:cNvPr>
+              <a:rPr lang="en-US" altLang="zh-CN" dirty="0" smtClean="0"/>
+              <a:t>Kungfu</a:t>
+            </a:r>
+            <a:r>
+              <a:rPr lang="zh-CN" altLang="en-US" dirty="0" smtClean="0"/>
+              <a:t>数据的</a:t>
+            </a:r>
+            <a:r>
+              <a:rPr lang="en-US" altLang="zh-CN" dirty="0" smtClean="0"/>
+              <a:t>csv</a:t>
+            </a:r>
+            <a:r>
+              <a:rPr lang="zh-CN" altLang="en-US" dirty="0" smtClean="0"/>
+              <a:t>导出</a:t>
+            </a:r>
+            <a:endParaRPr lang="zh-CN" altLang="en-US" dirty="0"/>
+          </a:p>
+        </p:txBody>
+      </p:sp>
+      <p:sp>
+        <p:nvSpPr>
+          <p:cNvPr id="3" name="内容占位符 2"/>
           <p:cNvSpPr>
             <a:spLocks noGrp="1"/>
           </p:cNvSpPr>
@@ -3966,117 +3974,33 @@
         </p:nvSpPr>
         <p:spPr/>
         <p:txBody>
-          <a:bodyPr>
-            <a:normAutofit/>
-          </a:bodyPr>
-          <a:lstStyle/>
-          <a:p>
-            <a:r>
-              <a:rPr lang="en-US" altLang="zh-CN" dirty="0"/>
-              <a:t>TD</a:t>
-            </a:r>
-            <a:r>
-              <a:rPr lang="zh-CN" altLang="en-US" dirty="0"/>
-              <a:t>的输入</a:t>
-            </a:r>
-            <a:endParaRPr lang="en-US" altLang="zh-CN" dirty="0"/>
-          </a:p>
-          <a:p>
-            <a:pPr lvl="1"/>
-            <a:r>
-              <a:rPr lang="en-US" altLang="zh-CN" dirty="0"/>
-              <a:t>TD</a:t>
-            </a:r>
-            <a:r>
-              <a:rPr lang="zh-CN" altLang="en-US" dirty="0"/>
-              <a:t>通过轮询得到策略写入的各种信息，如策略的查询持仓信息，发撤单消息，</a:t>
-            </a:r>
-          </a:p>
-          <a:p>
-            <a:r>
-              <a:rPr lang="en-US" altLang="zh-CN" dirty="0"/>
-              <a:t>TD</a:t>
-            </a:r>
-            <a:r>
-              <a:rPr lang="zh-CN" altLang="en-US" dirty="0"/>
-              <a:t>的输出</a:t>
-            </a:r>
-            <a:endParaRPr lang="en-US" altLang="zh-CN" dirty="0"/>
-          </a:p>
-          <a:p>
-            <a:pPr lvl="1"/>
-            <a:r>
-              <a:rPr lang="zh-CN" altLang="en-US" dirty="0"/>
-              <a:t>向交易所查询仓位得到的反馈信息，写入</a:t>
-            </a:r>
-            <a:r>
-              <a:rPr lang="en-US" altLang="zh-CN" dirty="0"/>
-              <a:t>journal</a:t>
-            </a:r>
-            <a:r>
-              <a:rPr lang="zh-CN" altLang="en-US" dirty="0"/>
-              <a:t>，比如 </a:t>
-            </a:r>
-            <a:r>
-              <a:rPr lang="en-US" altLang="zh-CN" dirty="0" err="1"/>
-              <a:t>on_rsp_position</a:t>
-            </a:r>
-            <a:endParaRPr lang="en-US" altLang="zh-CN" dirty="0"/>
-          </a:p>
-          <a:p>
-            <a:pPr lvl="1"/>
-            <a:r>
-              <a:rPr lang="zh-CN" altLang="en-US" dirty="0"/>
-              <a:t>向交易所发单撤单遇到的错误信息，写入</a:t>
-            </a:r>
-            <a:r>
-              <a:rPr lang="en-US" altLang="zh-CN" dirty="0"/>
-              <a:t>journal</a:t>
-            </a:r>
-            <a:r>
-              <a:rPr lang="zh-CN" altLang="en-US" dirty="0"/>
-              <a:t>，比如 </a:t>
-            </a:r>
-            <a:r>
-              <a:rPr lang="en-US" altLang="zh-CN" dirty="0" err="1"/>
-              <a:t>on_rsp_order_insert</a:t>
-            </a:r>
-            <a:r>
-              <a:rPr lang="zh-CN" altLang="en-US" dirty="0"/>
-              <a:t>，</a:t>
-            </a:r>
-            <a:r>
-              <a:rPr lang="en-US" altLang="zh-CN" dirty="0" err="1"/>
-              <a:t>on_rsp_order_action</a:t>
-            </a:r>
-            <a:endParaRPr lang="en-US" altLang="zh-CN" dirty="0"/>
-          </a:p>
-          <a:p>
-            <a:pPr lvl="1"/>
-            <a:r>
-              <a:rPr lang="zh-CN" altLang="en-US" dirty="0"/>
-              <a:t>交易所返回的订单状态信息，成交回报信息，写入</a:t>
-            </a:r>
-            <a:r>
-              <a:rPr lang="en-US" altLang="zh-CN" dirty="0"/>
-              <a:t>journal</a:t>
-            </a:r>
-            <a:r>
-              <a:rPr lang="zh-CN" altLang="en-US" dirty="0"/>
-              <a:t>，比如</a:t>
-            </a:r>
-            <a:r>
-              <a:rPr lang="en-US" altLang="zh-CN" dirty="0" err="1"/>
-              <a:t>on_rtn_order</a:t>
-            </a:r>
-            <a:r>
-              <a:rPr lang="zh-CN" altLang="en-US" dirty="0"/>
-              <a:t>，</a:t>
-            </a:r>
-            <a:r>
-              <a:rPr lang="en-US" altLang="zh-CN" dirty="0" err="1"/>
-              <a:t>on_rtn_trade</a:t>
-            </a:r>
+          <a:bodyPr/>
+          <a:lstStyle/>
+          <a:p>
+            <a:r>
+              <a:rPr lang="zh-CN" altLang="en-US" dirty="0" smtClean="0"/>
+              <a:t>使用</a:t>
+            </a:r>
+            <a:r>
+              <a:rPr lang="en-US" altLang="zh-CN" dirty="0" smtClean="0"/>
+              <a:t>python</a:t>
+            </a:r>
+            <a:r>
+              <a:rPr lang="zh-CN" altLang="en-US" dirty="0" smtClean="0"/>
+              <a:t>脚本进行导出</a:t>
+            </a:r>
+            <a:r>
+              <a:rPr lang="en-US" altLang="zh-CN" dirty="0" smtClean="0"/>
+              <a:t>:</a:t>
+            </a:r>
+          </a:p>
+          <a:p>
+            <a:r>
+              <a:rPr lang="en-US" altLang="zh-CN" dirty="0" smtClean="0"/>
+              <a:t>yijinjing\tools\journal_dumper</a:t>
+            </a:r>
+          </a:p>
+          <a:p>
             <a:endParaRPr lang="zh-CN" altLang="en-US" dirty="0"/>
           </a:p>
         </p:txBody>
@@ -4084,7 +4008,7 @@
     </p:spTree>
     <p:extLst>
       <p:ext uri="{BB962C8B-B14F-4D97-AF65-F5344CB8AC3E}">
-        <p14:creationId xmlns:p14="http://schemas.microsoft.com/office/powerpoint/2010/main" val="4063201489"/>
+        <p14:creationId xmlns:p14="http://schemas.microsoft.com/office/powerpoint/2010/main" val="2294664490"/>
       </p:ext>
     </p:extLst>
   </p:cSld>
@@ -4116,7 +4040,7 @@
           <p:cNvPr id="2" name="标题 1">
             <a:extLst>
               <a:ext uri="{FF2B5EF4-FFF2-40B4-BE49-F238E27FC236}">
-                <a16:creationId xmlns:a16="http://schemas.microsoft.com/office/drawing/2014/main" xmlns="" id="{73F2B4DB-EF59-42B4-B603-7D3C21DDEE52}"/>
+                <a16:creationId xmlns:a16="http://schemas.microsoft.com/office/drawing/2014/main" xmlns="" id="{EFFA665E-B7F6-4596-B928-E8950337A3DF}"/>
               </a:ext>
             </a:extLst>
           </p:cNvPr>
@@ -4133,12 +4057,8 @@
           <a:lstStyle/>
           <a:p>
             <a:r>
-              <a:rPr lang="en-US" altLang="zh-CN" dirty="0"/>
-              <a:t>MD</a:t>
-            </a:r>
-            <a:r>
-              <a:rPr lang="zh-CN" altLang="en-US" dirty="0"/>
-              <a:t>模块的处理逻辑</a:t>
+              <a:rPr lang="zh-CN" altLang="en-US" dirty="0"/>
+              <a:t>策略模块的处理逻辑</a:t>
             </a:r>
           </a:p>
         </p:txBody>
@@ -4148,7 +4068,7 @@
           <p:cNvPr id="3" name="内容占位符 2">
             <a:extLst>
               <a:ext uri="{FF2B5EF4-FFF2-40B4-BE49-F238E27FC236}">
-                <a16:creationId xmlns:a16="http://schemas.microsoft.com/office/drawing/2014/main" xmlns="" id="{1707C228-5EC7-4B63-A6AE-A9C408B19FB8}"/>
+                <a16:creationId xmlns:a16="http://schemas.microsoft.com/office/drawing/2014/main" xmlns="" id="{385F129A-4A2D-4FDA-8C2C-8DEC43459F8E}"/>
               </a:ext>
             </a:extLst>
           </p:cNvPr>
@@ -4162,17 +4082,13 @@
         <p:spPr/>
         <p:txBody>
           <a:bodyPr>
-            <a:normAutofit/>
+            <a:normAutofit fontScale="92500"/>
           </a:bodyPr>
           <a:lstStyle/>
           <a:p>
             <a:r>
-              <a:rPr lang="en-US" altLang="zh-CN" dirty="0"/>
-              <a:t>MD</a:t>
-            </a:r>
-            <a:r>
-              <a:rPr lang="zh-CN" altLang="en-US" dirty="0"/>
-              <a:t>的输入</a:t>
+              <a:rPr lang="zh-CN" altLang="en-US" dirty="0"/>
+              <a:t>策略产生的输出</a:t>
             </a:r>
             <a:endParaRPr lang="en-US" altLang="zh-CN" dirty="0"/>
           </a:p>
@@ -4180,22 +4096,58 @@
             <a:pPr lvl="1"/>
             <a:r>
               <a:rPr lang="zh-CN" altLang="en-US" dirty="0"/>
-              <a:t>配置文件</a:t>
-            </a:r>
-            <a:r>
-              <a:rPr lang="en-US" altLang="zh-CN" dirty="0" err="1"/>
-              <a:t>kungfu.json</a:t>
-            </a:r>
-            <a:endParaRPr lang="zh-CN" altLang="en-US" dirty="0"/>
-          </a:p>
-          <a:p>
+              <a:t>通过写入</a:t>
+            </a:r>
+            <a:r>
+              <a:rPr lang="en-US" altLang="zh-CN" dirty="0"/>
+              <a:t>journal</a:t>
+            </a:r>
+            <a:r>
+              <a:rPr lang="zh-CN" altLang="en-US" dirty="0"/>
+              <a:t>发送给</a:t>
+            </a:r>
             <a:r>
               <a:rPr lang="en-US" altLang="zh-CN" dirty="0"/>
               <a:t>TD</a:t>
             </a:r>
             <a:r>
               <a:rPr lang="zh-CN" altLang="en-US" dirty="0"/>
-              <a:t>的输出</a:t>
+              <a:t>消息，如查询持仓方法，发单方法，撤单方法，对应于 </a:t>
+            </a:r>
+            <a:r>
+              <a:rPr lang="en-US" altLang="zh-CN" dirty="0" err="1"/>
+              <a:t>req_position</a:t>
+            </a:r>
+            <a:r>
+              <a:rPr lang="zh-CN" altLang="en-US" dirty="0"/>
+              <a:t>，</a:t>
+            </a:r>
+            <a:r>
+              <a:rPr lang="en-US" altLang="zh-CN" dirty="0" err="1"/>
+              <a:t>insert_market_order</a:t>
+            </a:r>
+            <a:r>
+              <a:rPr lang="zh-CN" altLang="en-US" dirty="0"/>
+              <a:t>，</a:t>
+            </a:r>
+            <a:r>
+              <a:rPr lang="en-US" altLang="zh-CN" dirty="0" err="1"/>
+              <a:t>insert_limit_order</a:t>
+            </a:r>
+            <a:r>
+              <a:rPr lang="zh-CN" altLang="en-US" dirty="0"/>
+              <a:t>，</a:t>
+            </a:r>
+            <a:r>
+              <a:rPr lang="en-US" altLang="zh-CN" dirty="0" err="1"/>
+              <a:t>cancel_order</a:t>
+            </a:r>
+            <a:endParaRPr lang="en-US" altLang="zh-CN" dirty="0"/>
+          </a:p>
+          <a:p>
+            <a:r>
+              <a:rPr lang="zh-CN" altLang="en-US" dirty="0"/>
+              <a:t>策略得到的输入</a:t>
             </a:r>
             <a:endParaRPr lang="en-US" altLang="zh-CN" dirty="0"/>
           </a:p>
@@ -4203,7 +4155,39 @@
             <a:pPr lvl="1"/>
             <a:r>
               <a:rPr lang="zh-CN" altLang="en-US" dirty="0"/>
-              <a:t>向交易所查询量价信息得到的反馈信息，写入</a:t>
+              <a:t>策略通过轮询</a:t>
+            </a:r>
+            <a:r>
+              <a:rPr lang="en-US" altLang="zh-CN" dirty="0"/>
+              <a:t>MD </a:t>
+            </a:r>
+            <a:r>
+              <a:rPr lang="zh-CN" altLang="en-US" dirty="0"/>
+              <a:t>收到的各种行情，如</a:t>
+            </a:r>
+            <a:r>
+              <a:rPr lang="en-US" altLang="zh-CN" dirty="0" err="1"/>
+              <a:t>on_market_data</a:t>
+            </a:r>
+            <a:r>
+              <a:rPr lang="zh-CN" altLang="en-US" dirty="0"/>
+              <a:t>，</a:t>
+            </a:r>
+            <a:r>
+              <a:rPr lang="en-US" altLang="zh-CN" dirty="0" err="1"/>
+              <a:t>on_price_book_update</a:t>
+            </a:r>
+            <a:endParaRPr lang="en-US" altLang="zh-CN" dirty="0"/>
+          </a:p>
+          <a:p>
+            <a:pPr lvl="1"/>
+            <a:r>
+              <a:rPr lang="en-US" altLang="zh-CN" dirty="0"/>
+              <a:t>TD</a:t>
+            </a:r>
+            <a:r>
+              <a:rPr lang="zh-CN" altLang="en-US" dirty="0"/>
+              <a:t>在发单，撤单时遇到错误，写入</a:t>
             </a:r>
             <a:r>
               <a:rPr lang="en-US" altLang="zh-CN" dirty="0"/>
@@ -4211,19 +4195,31 @@
             </a:r>
             <a:r>
               <a:rPr lang="zh-CN" altLang="en-US" dirty="0"/>
-              <a:t>，比如 </a:t>
-            </a:r>
-            <a:r>
-              <a:rPr lang="en-US" altLang="zh-CN" dirty="0" err="1"/>
-              <a:t>on_price_book_update</a:t>
+              <a:t>，策略通过轮询被通知到，比如发单出错时</a:t>
+            </a:r>
+            <a:r>
+              <a:rPr lang="en-US" altLang="zh-CN" dirty="0" err="1"/>
+              <a:t>on_rsp_order</a:t>
+            </a:r>
+            <a:r>
+              <a:rPr lang="zh-CN" altLang="en-US" dirty="0"/>
+              <a:t>，撤单出错时</a:t>
+            </a:r>
+            <a:r>
+              <a:rPr lang="en-US" altLang="zh-CN" dirty="0" err="1"/>
+              <a:t>on_rsp_order_action</a:t>
             </a:r>
             <a:endParaRPr lang="en-US" altLang="zh-CN" dirty="0"/>
           </a:p>
           <a:p>
             <a:pPr lvl="1"/>
             <a:r>
-              <a:rPr lang="zh-CN" altLang="en-US" dirty="0"/>
-              <a:t>向交易所查询成交信息得到的反馈信息，写入</a:t>
+              <a:rPr lang="en-US" altLang="zh-CN" dirty="0"/>
+              <a:t>TD</a:t>
+            </a:r>
+            <a:r>
+              <a:rPr lang="zh-CN" altLang="en-US" dirty="0"/>
+              <a:t>从交易所得到的状态和成交回报，写入</a:t>
             </a:r>
             <a:r>
               <a:rPr lang="en-US" altLang="zh-CN" dirty="0"/>
@@ -4231,12 +4227,47 @@
             </a:r>
             <a:r>
               <a:rPr lang="zh-CN" altLang="en-US" dirty="0"/>
-              <a:t>，比如 </a:t>
-            </a:r>
-            <a:r>
-              <a:rPr lang="en-US" altLang="zh-CN" dirty="0" err="1"/>
-              <a:t>on_trade</a:t>
-            </a:r>
+              <a:t>，策略通过轮询被通知到，如 </a:t>
+            </a:r>
+            <a:r>
+              <a:rPr lang="en-US" altLang="zh-CN" dirty="0" err="1"/>
+              <a:t>on_rtn_order</a:t>
+            </a:r>
+            <a:r>
+              <a:rPr lang="zh-CN" altLang="en-US" dirty="0"/>
+              <a:t>，</a:t>
+            </a:r>
+            <a:r>
+              <a:rPr lang="en-US" altLang="zh-CN" dirty="0" err="1"/>
+              <a:t>on_rtn_trade</a:t>
+            </a:r>
+            <a:endParaRPr lang="en-US" altLang="zh-CN" dirty="0"/>
+          </a:p>
+          <a:p>
+            <a:pPr lvl="1"/>
+            <a:r>
+              <a:rPr lang="en-US" altLang="zh-CN" dirty="0"/>
+              <a:t>TD</a:t>
+            </a:r>
+            <a:r>
+              <a:rPr lang="zh-CN" altLang="en-US" dirty="0"/>
+              <a:t>从交易所得到的持仓信息，写入</a:t>
+            </a:r>
+            <a:r>
+              <a:rPr lang="en-US" altLang="zh-CN" dirty="0"/>
+              <a:t>journal</a:t>
+            </a:r>
+            <a:r>
+              <a:rPr lang="zh-CN" altLang="en-US" dirty="0"/>
+              <a:t>，策略通过轮询被通知到，如 </a:t>
+            </a:r>
+            <a:r>
+              <a:rPr lang="en-US" altLang="zh-CN" dirty="0" err="1"/>
+              <a:t>on_rsp_position</a:t>
+            </a:r>
+            <a:endParaRPr lang="en-US" altLang="zh-CN" dirty="0"/>
+          </a:p>
+          <a:p>
             <a:endParaRPr lang="zh-CN" altLang="en-US" dirty="0"/>
           </a:p>
         </p:txBody>
@@ -4244,7 +4275,7 @@
     </p:spTree>
     <p:extLst>
       <p:ext uri="{BB962C8B-B14F-4D97-AF65-F5344CB8AC3E}">
-        <p14:creationId xmlns:p14="http://schemas.microsoft.com/office/powerpoint/2010/main" val="1694821947"/>
+        <p14:creationId xmlns:p14="http://schemas.microsoft.com/office/powerpoint/2010/main" val="36599798"/>
       </p:ext>
     </p:extLst>
   </p:cSld>
@@ -4273,6 +4304,1640 @@
       </p:grpSpPr>
       <p:sp>
         <p:nvSpPr>
+          <p:cNvPr id="2" name="标题 1"/>
+          <p:cNvSpPr>
+            <a:spLocks noGrp="1"/>
+          </p:cNvSpPr>
+          <p:nvPr>
+            <p:ph type="title"/>
+          </p:nvPr>
+        </p:nvSpPr>
+        <p:spPr/>
+        <p:txBody>
+          <a:bodyPr/>
+          <a:lstStyle/>
+          <a:p>
+            <a:r>
+              <a:rPr lang="zh-CN" altLang="en-US" dirty="0"/>
+              <a:t>策略模块的处理逻</a:t>
+            </a:r>
+            <a:r>
+              <a:rPr lang="zh-CN" altLang="en-US" dirty="0" smtClean="0"/>
+              <a:t>辑</a:t>
+            </a:r>
+            <a:r>
+              <a:rPr lang="en-US" altLang="zh-CN" dirty="0" smtClean="0"/>
+              <a:t>—</a:t>
+            </a:r>
+            <a:r>
+              <a:rPr lang="zh-CN" altLang="en-US" dirty="0" smtClean="0"/>
+              <a:t>读写</a:t>
+            </a:r>
+            <a:r>
+              <a:rPr lang="en-US" altLang="zh-CN" dirty="0" smtClean="0"/>
+              <a:t>Journal</a:t>
+            </a:r>
+            <a:r>
+              <a:rPr lang="zh-CN" altLang="en-US" dirty="0" smtClean="0"/>
+              <a:t>消息</a:t>
+            </a:r>
+            <a:endParaRPr lang="zh-CN" altLang="en-US" dirty="0"/>
+          </a:p>
+        </p:txBody>
+      </p:sp>
+      <p:sp>
+        <p:nvSpPr>
+          <p:cNvPr id="3" name="内容占位符 2"/>
+          <p:cNvSpPr>
+            <a:spLocks noGrp="1"/>
+          </p:cNvSpPr>
+          <p:nvPr>
+            <p:ph idx="1"/>
+          </p:nvPr>
+        </p:nvSpPr>
+        <p:spPr/>
+        <p:txBody>
+          <a:bodyPr/>
+          <a:lstStyle/>
+          <a:p>
+            <a:r>
+              <a:rPr lang="en-US" altLang="zh-CN" dirty="0" smtClean="0"/>
+              <a:t> </a:t>
+            </a:r>
+            <a:endParaRPr lang="zh-CN" altLang="en-US" dirty="0"/>
+          </a:p>
+        </p:txBody>
+      </p:sp>
+      <p:pic>
+        <p:nvPicPr>
+          <p:cNvPr id="4" name="图片 3"/>
+          <p:cNvPicPr>
+            <a:picLocks noChangeAspect="1"/>
+          </p:cNvPicPr>
+          <p:nvPr/>
+        </p:nvPicPr>
+        <p:blipFill>
+          <a:blip r:embed="rId2"/>
+          <a:stretch>
+            <a:fillRect/>
+          </a:stretch>
+        </p:blipFill>
+        <p:spPr>
+          <a:xfrm>
+            <a:off x="1146031" y="1409989"/>
+            <a:ext cx="6880370" cy="2893622"/>
+          </a:xfrm>
+          <a:prstGeom prst="rect">
+            <a:avLst/>
+          </a:prstGeom>
+        </p:spPr>
+      </p:pic>
+      <p:pic>
+        <p:nvPicPr>
+          <p:cNvPr id="5" name="图片 4"/>
+          <p:cNvPicPr>
+            <a:picLocks noChangeAspect="1"/>
+          </p:cNvPicPr>
+          <p:nvPr/>
+        </p:nvPicPr>
+        <p:blipFill>
+          <a:blip r:embed="rId3"/>
+          <a:stretch>
+            <a:fillRect/>
+          </a:stretch>
+        </p:blipFill>
+        <p:spPr>
+          <a:xfrm>
+            <a:off x="1219199" y="4438548"/>
+            <a:ext cx="10529455" cy="2013714"/>
+          </a:xfrm>
+          <a:prstGeom prst="rect">
+            <a:avLst/>
+          </a:prstGeom>
+        </p:spPr>
+      </p:pic>
+    </p:spTree>
+    <p:extLst>
+      <p:ext uri="{BB962C8B-B14F-4D97-AF65-F5344CB8AC3E}">
+        <p14:creationId xmlns:p14="http://schemas.microsoft.com/office/powerpoint/2010/main" val="3366424944"/>
+      </p:ext>
+    </p:extLst>
+  </p:cSld>
+  <p:clrMapOvr>
+    <a:masterClrMapping/>
+  </p:clrMapOvr>
+</p:sld>
+</file>
+
+<file path=ppt/slides/slide13.xml><?xml version="1.0" encoding="utf-8"?>
+<p:sld xmlns:a="http://schemas.openxmlformats.org/drawingml/2006/main" xmlns:r="http://schemas.openxmlformats.org/officeDocument/2006/relationships" xmlns:p="http://schemas.openxmlformats.org/presentationml/2006/main">
+  <p:cSld>
+    <p:spTree>
+      <p:nvGrpSpPr>
+        <p:cNvPr id="1" name=""/>
+        <p:cNvGrpSpPr/>
+        <p:nvPr/>
+      </p:nvGrpSpPr>
+      <p:grpSpPr>
+        <a:xfrm>
+          <a:off x="0" y="0"/>
+          <a:ext cx="0" cy="0"/>
+          <a:chOff x="0" y="0"/>
+          <a:chExt cx="0" cy="0"/>
+        </a:xfrm>
+      </p:grpSpPr>
+      <p:sp>
+        <p:nvSpPr>
+          <p:cNvPr id="2" name="标题 1"/>
+          <p:cNvSpPr>
+            <a:spLocks noGrp="1"/>
+          </p:cNvSpPr>
+          <p:nvPr>
+            <p:ph type="title"/>
+          </p:nvPr>
+        </p:nvSpPr>
+        <p:spPr/>
+        <p:txBody>
+          <a:bodyPr/>
+          <a:lstStyle/>
+          <a:p>
+            <a:r>
+              <a:rPr lang="zh-CN" altLang="en-US" dirty="0"/>
+              <a:t>策略模块的处理逻辑</a:t>
+            </a:r>
+            <a:r>
+              <a:rPr lang="en-US" altLang="zh-CN" dirty="0" smtClean="0"/>
+              <a:t>—</a:t>
+            </a:r>
+            <a:r>
+              <a:rPr lang="zh-CN" altLang="en-US" dirty="0" smtClean="0"/>
+              <a:t>同时读写多个</a:t>
+            </a:r>
+            <a:r>
+              <a:rPr lang="en-US" altLang="zh-CN" dirty="0" smtClean="0"/>
+              <a:t>Journal</a:t>
+            </a:r>
+            <a:r>
+              <a:rPr lang="zh-CN" altLang="en-US" dirty="0"/>
+              <a:t>消息</a:t>
+            </a:r>
+          </a:p>
+        </p:txBody>
+      </p:sp>
+      <p:sp>
+        <p:nvSpPr>
+          <p:cNvPr id="3" name="内容占位符 2"/>
+          <p:cNvSpPr>
+            <a:spLocks noGrp="1"/>
+          </p:cNvSpPr>
+          <p:nvPr>
+            <p:ph idx="1"/>
+          </p:nvPr>
+        </p:nvSpPr>
+        <p:spPr/>
+        <p:txBody>
+          <a:bodyPr/>
+          <a:lstStyle/>
+          <a:p>
+            <a:r>
+              <a:rPr lang="en-US" altLang="zh-CN" dirty="0" smtClean="0"/>
+              <a:t> </a:t>
+            </a:r>
+            <a:endParaRPr lang="zh-CN" altLang="en-US" dirty="0"/>
+          </a:p>
+        </p:txBody>
+      </p:sp>
+      <p:pic>
+        <p:nvPicPr>
+          <p:cNvPr id="4" name="图片 3"/>
+          <p:cNvPicPr>
+            <a:picLocks noChangeAspect="1"/>
+          </p:cNvPicPr>
+          <p:nvPr/>
+        </p:nvPicPr>
+        <p:blipFill>
+          <a:blip r:embed="rId2"/>
+          <a:stretch>
+            <a:fillRect/>
+          </a:stretch>
+        </p:blipFill>
+        <p:spPr>
+          <a:xfrm>
+            <a:off x="1697326" y="2416175"/>
+            <a:ext cx="7762875" cy="3895725"/>
+          </a:xfrm>
+          <a:prstGeom prst="rect">
+            <a:avLst/>
+          </a:prstGeom>
+        </p:spPr>
+      </p:pic>
+    </p:spTree>
+    <p:extLst>
+      <p:ext uri="{BB962C8B-B14F-4D97-AF65-F5344CB8AC3E}">
+        <p14:creationId xmlns:p14="http://schemas.microsoft.com/office/powerpoint/2010/main" val="921016211"/>
+      </p:ext>
+    </p:extLst>
+  </p:cSld>
+  <p:clrMapOvr>
+    <a:masterClrMapping/>
+  </p:clrMapOvr>
+</p:sld>
+</file>
+
+<file path=ppt/slides/slide14.xml><?xml version="1.0" encoding="utf-8"?>
+<p:sld xmlns:a="http://schemas.openxmlformats.org/drawingml/2006/main" xmlns:r="http://schemas.openxmlformats.org/officeDocument/2006/relationships" xmlns:p="http://schemas.openxmlformats.org/presentationml/2006/main">
+  <p:cSld>
+    <p:spTree>
+      <p:nvGrpSpPr>
+        <p:cNvPr id="1" name=""/>
+        <p:cNvGrpSpPr/>
+        <p:nvPr/>
+      </p:nvGrpSpPr>
+      <p:grpSpPr>
+        <a:xfrm>
+          <a:off x="0" y="0"/>
+          <a:ext cx="0" cy="0"/>
+          <a:chOff x="0" y="0"/>
+          <a:chExt cx="0" cy="0"/>
+        </a:xfrm>
+      </p:grpSpPr>
+      <p:sp>
+        <p:nvSpPr>
+          <p:cNvPr id="2" name="标题 1"/>
+          <p:cNvSpPr>
+            <a:spLocks noGrp="1"/>
+          </p:cNvSpPr>
+          <p:nvPr>
+            <p:ph type="title"/>
+          </p:nvPr>
+        </p:nvSpPr>
+        <p:spPr/>
+        <p:txBody>
+          <a:bodyPr/>
+          <a:lstStyle/>
+          <a:p>
+            <a:r>
+              <a:rPr lang="zh-CN" altLang="en-US" dirty="0"/>
+              <a:t>策略模块的处理逻辑</a:t>
+            </a:r>
+            <a:r>
+              <a:rPr lang="en-US" altLang="zh-CN" dirty="0"/>
+              <a:t>—</a:t>
+            </a:r>
+            <a:r>
+              <a:rPr lang="zh-CN" altLang="en-US" dirty="0"/>
+              <a:t>读写</a:t>
+            </a:r>
+            <a:r>
+              <a:rPr lang="en-US" altLang="zh-CN" dirty="0"/>
+              <a:t>Journal</a:t>
+            </a:r>
+            <a:r>
+              <a:rPr lang="zh-CN" altLang="en-US" dirty="0"/>
+              <a:t>消息</a:t>
+            </a:r>
+          </a:p>
+        </p:txBody>
+      </p:sp>
+      <p:sp>
+        <p:nvSpPr>
+          <p:cNvPr id="3" name="内容占位符 2"/>
+          <p:cNvSpPr>
+            <a:spLocks noGrp="1"/>
+          </p:cNvSpPr>
+          <p:nvPr>
+            <p:ph idx="1"/>
+          </p:nvPr>
+        </p:nvSpPr>
+        <p:spPr/>
+        <p:txBody>
+          <a:bodyPr>
+            <a:normAutofit/>
+          </a:bodyPr>
+          <a:lstStyle/>
+          <a:p>
+            <a:endParaRPr lang="en-US" altLang="zh-CN" dirty="0"/>
+          </a:p>
+          <a:p>
+            <a:r>
+              <a:rPr lang="en-US" altLang="zh-CN" dirty="0"/>
+              <a:t>Strategy Reader:</a:t>
+            </a:r>
+          </a:p>
+          <a:p>
+            <a:r>
+              <a:rPr lang="en-US" altLang="zh-CN" dirty="0" smtClean="0"/>
+              <a:t>journal/MD/CTP/</a:t>
+            </a:r>
+            <a:r>
+              <a:rPr lang="en-US" altLang="zh-CN" dirty="0"/>
+              <a:t>MD_CTP</a:t>
+            </a:r>
+          </a:p>
+          <a:p>
+            <a:r>
+              <a:rPr lang="en-US" altLang="zh-CN" dirty="0" smtClean="0"/>
+              <a:t>journal/TD/CTP</a:t>
+            </a:r>
+            <a:r>
+              <a:rPr lang="en-US" altLang="zh-CN" dirty="0"/>
+              <a:t>/TD_CTP</a:t>
+            </a:r>
+          </a:p>
+          <a:p>
+            <a:endParaRPr lang="en-US" altLang="zh-CN" dirty="0"/>
+          </a:p>
+          <a:p>
+            <a:r>
+              <a:rPr lang="en-US" altLang="zh-CN" dirty="0" smtClean="0"/>
+              <a:t>Writer</a:t>
+            </a:r>
+            <a:r>
+              <a:rPr lang="en-US" altLang="zh-CN" dirty="0"/>
+              <a:t>:</a:t>
+            </a:r>
+          </a:p>
+          <a:p>
+            <a:r>
+              <a:rPr lang="en-US" altLang="zh-CN" dirty="0"/>
+              <a:t>journal/strategy/&lt;Strategy_Name&gt;</a:t>
+            </a:r>
+          </a:p>
+          <a:p>
+            <a:pPr marL="0" indent="0">
+              <a:buNone/>
+            </a:pPr>
+            <a:endParaRPr lang="en-US" altLang="zh-CN" dirty="0"/>
+          </a:p>
+        </p:txBody>
+      </p:sp>
+    </p:spTree>
+    <p:extLst>
+      <p:ext uri="{BB962C8B-B14F-4D97-AF65-F5344CB8AC3E}">
+        <p14:creationId xmlns:p14="http://schemas.microsoft.com/office/powerpoint/2010/main" val="3192759925"/>
+      </p:ext>
+    </p:extLst>
+  </p:cSld>
+  <p:clrMapOvr>
+    <a:masterClrMapping/>
+  </p:clrMapOvr>
+</p:sld>
+</file>
+
+<file path=ppt/slides/slide15.xml><?xml version="1.0" encoding="utf-8"?>
+<p:sld xmlns:a="http://schemas.openxmlformats.org/drawingml/2006/main" xmlns:r="http://schemas.openxmlformats.org/officeDocument/2006/relationships" xmlns:p="http://schemas.openxmlformats.org/presentationml/2006/main">
+  <p:cSld>
+    <p:spTree>
+      <p:nvGrpSpPr>
+        <p:cNvPr id="1" name=""/>
+        <p:cNvGrpSpPr/>
+        <p:nvPr/>
+      </p:nvGrpSpPr>
+      <p:grpSpPr>
+        <a:xfrm>
+          <a:off x="0" y="0"/>
+          <a:ext cx="0" cy="0"/>
+          <a:chOff x="0" y="0"/>
+          <a:chExt cx="0" cy="0"/>
+        </a:xfrm>
+      </p:grpSpPr>
+      <p:sp>
+        <p:nvSpPr>
+          <p:cNvPr id="2" name="标题 1">
+            <a:extLst>
+              <a:ext uri="{FF2B5EF4-FFF2-40B4-BE49-F238E27FC236}">
+                <a16:creationId xmlns:a16="http://schemas.microsoft.com/office/drawing/2014/main" xmlns="" id="{73F2B4DB-EF59-42B4-B603-7D3C21DDEE52}"/>
+              </a:ext>
+            </a:extLst>
+          </p:cNvPr>
+          <p:cNvSpPr>
+            <a:spLocks noGrp="1"/>
+          </p:cNvSpPr>
+          <p:nvPr>
+            <p:ph type="title"/>
+          </p:nvPr>
+        </p:nvSpPr>
+        <p:spPr/>
+        <p:txBody>
+          <a:bodyPr/>
+          <a:lstStyle/>
+          <a:p>
+            <a:r>
+              <a:rPr lang="en-US" altLang="zh-CN" dirty="0"/>
+              <a:t>TD</a:t>
+            </a:r>
+            <a:r>
+              <a:rPr lang="zh-CN" altLang="en-US" dirty="0"/>
+              <a:t>模块的处理逻辑</a:t>
+            </a:r>
+          </a:p>
+        </p:txBody>
+      </p:sp>
+      <p:sp>
+        <p:nvSpPr>
+          <p:cNvPr id="3" name="内容占位符 2">
+            <a:extLst>
+              <a:ext uri="{FF2B5EF4-FFF2-40B4-BE49-F238E27FC236}">
+                <a16:creationId xmlns:a16="http://schemas.microsoft.com/office/drawing/2014/main" xmlns="" id="{1707C228-5EC7-4B63-A6AE-A9C408B19FB8}"/>
+              </a:ext>
+            </a:extLst>
+          </p:cNvPr>
+          <p:cNvSpPr>
+            <a:spLocks noGrp="1"/>
+          </p:cNvSpPr>
+          <p:nvPr>
+            <p:ph idx="1"/>
+          </p:nvPr>
+        </p:nvSpPr>
+        <p:spPr/>
+        <p:txBody>
+          <a:bodyPr>
+            <a:normAutofit/>
+          </a:bodyPr>
+          <a:lstStyle/>
+          <a:p>
+            <a:r>
+              <a:rPr lang="en-US" altLang="zh-CN" dirty="0"/>
+              <a:t>TD</a:t>
+            </a:r>
+            <a:r>
+              <a:rPr lang="zh-CN" altLang="en-US" dirty="0"/>
+              <a:t>的输入</a:t>
+            </a:r>
+            <a:endParaRPr lang="en-US" altLang="zh-CN" dirty="0"/>
+          </a:p>
+          <a:p>
+            <a:pPr lvl="1"/>
+            <a:r>
+              <a:rPr lang="en-US" altLang="zh-CN" dirty="0"/>
+              <a:t>TD</a:t>
+            </a:r>
+            <a:r>
+              <a:rPr lang="zh-CN" altLang="en-US" dirty="0"/>
+              <a:t>通过轮询得到策略写入的各种信息，如策略的查询持仓信息，发撤单消息，</a:t>
+            </a:r>
+          </a:p>
+          <a:p>
+            <a:r>
+              <a:rPr lang="en-US" altLang="zh-CN" dirty="0"/>
+              <a:t>TD</a:t>
+            </a:r>
+            <a:r>
+              <a:rPr lang="zh-CN" altLang="en-US" dirty="0"/>
+              <a:t>的输出</a:t>
+            </a:r>
+            <a:endParaRPr lang="en-US" altLang="zh-CN" dirty="0"/>
+          </a:p>
+          <a:p>
+            <a:pPr lvl="1"/>
+            <a:r>
+              <a:rPr lang="zh-CN" altLang="en-US" dirty="0"/>
+              <a:t>向交易所查询仓位得到的反馈信息，写入</a:t>
+            </a:r>
+            <a:r>
+              <a:rPr lang="en-US" altLang="zh-CN" dirty="0"/>
+              <a:t>journal</a:t>
+            </a:r>
+            <a:r>
+              <a:rPr lang="zh-CN" altLang="en-US" dirty="0"/>
+              <a:t>，比如 </a:t>
+            </a:r>
+            <a:r>
+              <a:rPr lang="en-US" altLang="zh-CN" dirty="0" err="1"/>
+              <a:t>on_rsp_position</a:t>
+            </a:r>
+            <a:endParaRPr lang="en-US" altLang="zh-CN" dirty="0"/>
+          </a:p>
+          <a:p>
+            <a:pPr lvl="1"/>
+            <a:r>
+              <a:rPr lang="zh-CN" altLang="en-US" dirty="0"/>
+              <a:t>向交易所发单撤单遇到的错误信息，写入</a:t>
+            </a:r>
+            <a:r>
+              <a:rPr lang="en-US" altLang="zh-CN" dirty="0"/>
+              <a:t>journal</a:t>
+            </a:r>
+            <a:r>
+              <a:rPr lang="zh-CN" altLang="en-US" dirty="0"/>
+              <a:t>，比如 </a:t>
+            </a:r>
+            <a:r>
+              <a:rPr lang="en-US" altLang="zh-CN" dirty="0" err="1"/>
+              <a:t>on_rsp_order_insert</a:t>
+            </a:r>
+            <a:r>
+              <a:rPr lang="zh-CN" altLang="en-US" dirty="0"/>
+              <a:t>，</a:t>
+            </a:r>
+            <a:r>
+              <a:rPr lang="en-US" altLang="zh-CN" dirty="0" err="1"/>
+              <a:t>on_rsp_order_action</a:t>
+            </a:r>
+            <a:endParaRPr lang="en-US" altLang="zh-CN" dirty="0"/>
+          </a:p>
+          <a:p>
+            <a:pPr lvl="1"/>
+            <a:r>
+              <a:rPr lang="zh-CN" altLang="en-US" dirty="0"/>
+              <a:t>交易所返回的订单状态信息，成交回报信息，写入</a:t>
+            </a:r>
+            <a:r>
+              <a:rPr lang="en-US" altLang="zh-CN" dirty="0"/>
+              <a:t>journal</a:t>
+            </a:r>
+            <a:r>
+              <a:rPr lang="zh-CN" altLang="en-US" dirty="0"/>
+              <a:t>，比如</a:t>
+            </a:r>
+            <a:r>
+              <a:rPr lang="en-US" altLang="zh-CN" dirty="0" err="1"/>
+              <a:t>on_rtn_order</a:t>
+            </a:r>
+            <a:r>
+              <a:rPr lang="zh-CN" altLang="en-US" dirty="0"/>
+              <a:t>，</a:t>
+            </a:r>
+            <a:r>
+              <a:rPr lang="en-US" altLang="zh-CN" dirty="0" err="1"/>
+              <a:t>on_rtn_trade</a:t>
+            </a:r>
+            <a:endParaRPr lang="zh-CN" altLang="en-US" dirty="0"/>
+          </a:p>
+        </p:txBody>
+      </p:sp>
+    </p:spTree>
+    <p:extLst>
+      <p:ext uri="{BB962C8B-B14F-4D97-AF65-F5344CB8AC3E}">
+        <p14:creationId xmlns:p14="http://schemas.microsoft.com/office/powerpoint/2010/main" val="4063201489"/>
+      </p:ext>
+    </p:extLst>
+  </p:cSld>
+  <p:clrMapOvr>
+    <a:masterClrMapping/>
+  </p:clrMapOvr>
+</p:sld>
+</file>
+
+<file path=ppt/slides/slide16.xml><?xml version="1.0" encoding="utf-8"?>
+<p:sld xmlns:a="http://schemas.openxmlformats.org/drawingml/2006/main" xmlns:r="http://schemas.openxmlformats.org/officeDocument/2006/relationships" xmlns:p="http://schemas.openxmlformats.org/presentationml/2006/main">
+  <p:cSld>
+    <p:spTree>
+      <p:nvGrpSpPr>
+        <p:cNvPr id="1" name=""/>
+        <p:cNvGrpSpPr/>
+        <p:nvPr/>
+      </p:nvGrpSpPr>
+      <p:grpSpPr>
+        <a:xfrm>
+          <a:off x="0" y="0"/>
+          <a:ext cx="0" cy="0"/>
+          <a:chOff x="0" y="0"/>
+          <a:chExt cx="0" cy="0"/>
+        </a:xfrm>
+      </p:grpSpPr>
+      <p:sp>
+        <p:nvSpPr>
+          <p:cNvPr id="2" name="标题 1"/>
+          <p:cNvSpPr>
+            <a:spLocks noGrp="1"/>
+          </p:cNvSpPr>
+          <p:nvPr>
+            <p:ph type="title"/>
+          </p:nvPr>
+        </p:nvSpPr>
+        <p:spPr/>
+        <p:txBody>
+          <a:bodyPr/>
+          <a:lstStyle/>
+          <a:p>
+            <a:r>
+              <a:rPr lang="en-US" altLang="zh-CN" dirty="0"/>
+              <a:t>TD</a:t>
+            </a:r>
+            <a:r>
+              <a:rPr lang="zh-CN" altLang="en-US" dirty="0"/>
+              <a:t>模块的处理逻</a:t>
+            </a:r>
+            <a:r>
+              <a:rPr lang="zh-CN" altLang="en-US" dirty="0" smtClean="0"/>
+              <a:t>辑</a:t>
+            </a:r>
+            <a:r>
+              <a:rPr lang="en-US" altLang="zh-CN" dirty="0"/>
+              <a:t>—</a:t>
+            </a:r>
+            <a:r>
+              <a:rPr lang="zh-CN" altLang="en-US" dirty="0"/>
+              <a:t>读写</a:t>
+            </a:r>
+            <a:r>
+              <a:rPr lang="en-US" altLang="zh-CN" dirty="0"/>
+              <a:t>Journal</a:t>
+            </a:r>
+            <a:r>
+              <a:rPr lang="zh-CN" altLang="en-US" dirty="0"/>
+              <a:t>消息</a:t>
+            </a:r>
+          </a:p>
+        </p:txBody>
+      </p:sp>
+      <p:sp>
+        <p:nvSpPr>
+          <p:cNvPr id="3" name="内容占位符 2"/>
+          <p:cNvSpPr>
+            <a:spLocks noGrp="1"/>
+          </p:cNvSpPr>
+          <p:nvPr>
+            <p:ph idx="1"/>
+          </p:nvPr>
+        </p:nvSpPr>
+        <p:spPr/>
+        <p:txBody>
+          <a:bodyPr/>
+          <a:lstStyle/>
+          <a:p>
+            <a:r>
+              <a:rPr lang="en-US" altLang="zh-CN" dirty="0" smtClean="0"/>
+              <a:t> </a:t>
+            </a:r>
+            <a:endParaRPr lang="zh-CN" altLang="en-US" dirty="0"/>
+          </a:p>
+        </p:txBody>
+      </p:sp>
+      <p:pic>
+        <p:nvPicPr>
+          <p:cNvPr id="4" name="图片 3"/>
+          <p:cNvPicPr>
+            <a:picLocks noChangeAspect="1"/>
+          </p:cNvPicPr>
+          <p:nvPr/>
+        </p:nvPicPr>
+        <p:blipFill>
+          <a:blip r:embed="rId2"/>
+          <a:stretch>
+            <a:fillRect/>
+          </a:stretch>
+        </p:blipFill>
+        <p:spPr>
+          <a:xfrm>
+            <a:off x="500062" y="2162175"/>
+            <a:ext cx="11191875" cy="2533650"/>
+          </a:xfrm>
+          <a:prstGeom prst="rect">
+            <a:avLst/>
+          </a:prstGeom>
+        </p:spPr>
+      </p:pic>
+    </p:spTree>
+    <p:extLst>
+      <p:ext uri="{BB962C8B-B14F-4D97-AF65-F5344CB8AC3E}">
+        <p14:creationId xmlns:p14="http://schemas.microsoft.com/office/powerpoint/2010/main" val="3368965839"/>
+      </p:ext>
+    </p:extLst>
+  </p:cSld>
+  <p:clrMapOvr>
+    <a:masterClrMapping/>
+  </p:clrMapOvr>
+</p:sld>
+</file>
+
+<file path=ppt/slides/slide17.xml><?xml version="1.0" encoding="utf-8"?>
+<p:sld xmlns:a="http://schemas.openxmlformats.org/drawingml/2006/main" xmlns:r="http://schemas.openxmlformats.org/officeDocument/2006/relationships" xmlns:p="http://schemas.openxmlformats.org/presentationml/2006/main">
+  <p:cSld>
+    <p:spTree>
+      <p:nvGrpSpPr>
+        <p:cNvPr id="1" name=""/>
+        <p:cNvGrpSpPr/>
+        <p:nvPr/>
+      </p:nvGrpSpPr>
+      <p:grpSpPr>
+        <a:xfrm>
+          <a:off x="0" y="0"/>
+          <a:ext cx="0" cy="0"/>
+          <a:chOff x="0" y="0"/>
+          <a:chExt cx="0" cy="0"/>
+        </a:xfrm>
+      </p:grpSpPr>
+      <p:sp>
+        <p:nvSpPr>
+          <p:cNvPr id="2" name="标题 1"/>
+          <p:cNvSpPr>
+            <a:spLocks noGrp="1"/>
+          </p:cNvSpPr>
+          <p:nvPr>
+            <p:ph type="title"/>
+          </p:nvPr>
+        </p:nvSpPr>
+        <p:spPr/>
+        <p:txBody>
+          <a:bodyPr/>
+          <a:lstStyle/>
+          <a:p>
+            <a:r>
+              <a:rPr lang="en-US" altLang="zh-CN" dirty="0"/>
+              <a:t>TD</a:t>
+            </a:r>
+            <a:r>
+              <a:rPr lang="zh-CN" altLang="en-US" dirty="0"/>
+              <a:t>模块的处理逻辑</a:t>
+            </a:r>
+            <a:r>
+              <a:rPr lang="en-US" altLang="zh-CN" dirty="0"/>
+              <a:t>—</a:t>
+            </a:r>
+            <a:r>
+              <a:rPr lang="zh-CN" altLang="en-US" dirty="0"/>
+              <a:t>读写</a:t>
+            </a:r>
+            <a:r>
+              <a:rPr lang="en-US" altLang="zh-CN" dirty="0"/>
+              <a:t>Journal</a:t>
+            </a:r>
+            <a:r>
+              <a:rPr lang="zh-CN" altLang="en-US" dirty="0"/>
+              <a:t>消息</a:t>
+            </a:r>
+          </a:p>
+        </p:txBody>
+      </p:sp>
+      <p:sp>
+        <p:nvSpPr>
+          <p:cNvPr id="3" name="内容占位符 2"/>
+          <p:cNvSpPr>
+            <a:spLocks noGrp="1"/>
+          </p:cNvSpPr>
+          <p:nvPr>
+            <p:ph idx="1"/>
+          </p:nvPr>
+        </p:nvSpPr>
+        <p:spPr/>
+        <p:txBody>
+          <a:bodyPr>
+            <a:normAutofit lnSpcReduction="10000"/>
+          </a:bodyPr>
+          <a:lstStyle/>
+          <a:p>
+            <a:endParaRPr lang="en-US" altLang="zh-CN" dirty="0"/>
+          </a:p>
+          <a:p>
+            <a:r>
+              <a:rPr lang="en-US" altLang="zh-CN" dirty="0"/>
+              <a:t>ITDEngine Reader:</a:t>
+            </a:r>
+          </a:p>
+          <a:p>
+            <a:r>
+              <a:rPr lang="en-US" altLang="zh-CN" dirty="0"/>
+              <a:t>TDEngineCTP</a:t>
+            </a:r>
+          </a:p>
+          <a:p>
+            <a:r>
+              <a:rPr lang="en-US" altLang="zh-CN" dirty="0"/>
+              <a:t>journal/system/SYSTEM</a:t>
+            </a:r>
+          </a:p>
+          <a:p>
+            <a:endParaRPr lang="en-US" altLang="zh-CN" dirty="0"/>
+          </a:p>
+          <a:p>
+            <a:r>
+              <a:rPr lang="en-US" altLang="zh-CN" dirty="0"/>
+              <a:t>writer:</a:t>
+            </a:r>
+          </a:p>
+          <a:p>
+            <a:r>
+              <a:rPr lang="en-US" altLang="zh-CN" dirty="0"/>
+              <a:t>TD/CTP/TD_CTP</a:t>
+            </a:r>
+          </a:p>
+          <a:p>
+            <a:r>
+              <a:rPr lang="en-US" altLang="zh-CN" dirty="0"/>
+              <a:t>send_writer: </a:t>
+            </a:r>
+          </a:p>
+          <a:p>
+            <a:r>
+              <a:rPr lang="en-US" altLang="zh-CN" dirty="0" smtClean="0"/>
+              <a:t>TD_SEDN/CTP/TD_SEDN_CTP</a:t>
+            </a:r>
+            <a:endParaRPr lang="en-US" altLang="zh-CN" dirty="0"/>
+          </a:p>
+        </p:txBody>
+      </p:sp>
+    </p:spTree>
+    <p:extLst>
+      <p:ext uri="{BB962C8B-B14F-4D97-AF65-F5344CB8AC3E}">
+        <p14:creationId xmlns:p14="http://schemas.microsoft.com/office/powerpoint/2010/main" val="3540743239"/>
+      </p:ext>
+    </p:extLst>
+  </p:cSld>
+  <p:clrMapOvr>
+    <a:masterClrMapping/>
+  </p:clrMapOvr>
+</p:sld>
+</file>
+
+<file path=ppt/slides/slide18.xml><?xml version="1.0" encoding="utf-8"?>
+<p:sld xmlns:a="http://schemas.openxmlformats.org/drawingml/2006/main" xmlns:r="http://schemas.openxmlformats.org/officeDocument/2006/relationships" xmlns:p="http://schemas.openxmlformats.org/presentationml/2006/main">
+  <p:cSld>
+    <p:spTree>
+      <p:nvGrpSpPr>
+        <p:cNvPr id="1" name=""/>
+        <p:cNvGrpSpPr/>
+        <p:nvPr/>
+      </p:nvGrpSpPr>
+      <p:grpSpPr>
+        <a:xfrm>
+          <a:off x="0" y="0"/>
+          <a:ext cx="0" cy="0"/>
+          <a:chOff x="0" y="0"/>
+          <a:chExt cx="0" cy="0"/>
+        </a:xfrm>
+      </p:grpSpPr>
+      <p:sp>
+        <p:nvSpPr>
+          <p:cNvPr id="2" name="标题 1">
+            <a:extLst>
+              <a:ext uri="{FF2B5EF4-FFF2-40B4-BE49-F238E27FC236}">
+                <a16:creationId xmlns:a16="http://schemas.microsoft.com/office/drawing/2014/main" xmlns="" id="{73F2B4DB-EF59-42B4-B603-7D3C21DDEE52}"/>
+              </a:ext>
+            </a:extLst>
+          </p:cNvPr>
+          <p:cNvSpPr>
+            <a:spLocks noGrp="1"/>
+          </p:cNvSpPr>
+          <p:nvPr>
+            <p:ph type="title"/>
+          </p:nvPr>
+        </p:nvSpPr>
+        <p:spPr/>
+        <p:txBody>
+          <a:bodyPr/>
+          <a:lstStyle/>
+          <a:p>
+            <a:r>
+              <a:rPr lang="en-US" altLang="zh-CN" dirty="0"/>
+              <a:t>MD</a:t>
+            </a:r>
+            <a:r>
+              <a:rPr lang="zh-CN" altLang="en-US" dirty="0"/>
+              <a:t>模块的处理逻辑</a:t>
+            </a:r>
+          </a:p>
+        </p:txBody>
+      </p:sp>
+      <p:sp>
+        <p:nvSpPr>
+          <p:cNvPr id="3" name="内容占位符 2">
+            <a:extLst>
+              <a:ext uri="{FF2B5EF4-FFF2-40B4-BE49-F238E27FC236}">
+                <a16:creationId xmlns:a16="http://schemas.microsoft.com/office/drawing/2014/main" xmlns="" id="{1707C228-5EC7-4B63-A6AE-A9C408B19FB8}"/>
+              </a:ext>
+            </a:extLst>
+          </p:cNvPr>
+          <p:cNvSpPr>
+            <a:spLocks noGrp="1"/>
+          </p:cNvSpPr>
+          <p:nvPr>
+            <p:ph idx="1"/>
+          </p:nvPr>
+        </p:nvSpPr>
+        <p:spPr/>
+        <p:txBody>
+          <a:bodyPr>
+            <a:normAutofit/>
+          </a:bodyPr>
+          <a:lstStyle/>
+          <a:p>
+            <a:r>
+              <a:rPr lang="en-US" altLang="zh-CN" dirty="0"/>
+              <a:t>MD</a:t>
+            </a:r>
+            <a:r>
+              <a:rPr lang="zh-CN" altLang="en-US" dirty="0"/>
+              <a:t>的输入</a:t>
+            </a:r>
+            <a:endParaRPr lang="en-US" altLang="zh-CN" dirty="0"/>
+          </a:p>
+          <a:p>
+            <a:pPr lvl="1"/>
+            <a:r>
+              <a:rPr lang="zh-CN" altLang="en-US" dirty="0"/>
+              <a:t>配置文件</a:t>
+            </a:r>
+            <a:r>
+              <a:rPr lang="en-US" altLang="zh-CN" dirty="0" err="1"/>
+              <a:t>kungfu.json</a:t>
+            </a:r>
+            <a:endParaRPr lang="zh-CN" altLang="en-US" dirty="0"/>
+          </a:p>
+          <a:p>
+            <a:r>
+              <a:rPr lang="en-US" altLang="zh-CN" dirty="0"/>
+              <a:t>TD</a:t>
+            </a:r>
+            <a:r>
+              <a:rPr lang="zh-CN" altLang="en-US" dirty="0"/>
+              <a:t>的输出</a:t>
+            </a:r>
+            <a:endParaRPr lang="en-US" altLang="zh-CN" dirty="0"/>
+          </a:p>
+          <a:p>
+            <a:pPr lvl="1"/>
+            <a:r>
+              <a:rPr lang="zh-CN" altLang="en-US" dirty="0"/>
+              <a:t>向交易所查询量价信息得到的反馈信息，写入</a:t>
+            </a:r>
+            <a:r>
+              <a:rPr lang="en-US" altLang="zh-CN" dirty="0"/>
+              <a:t>journal</a:t>
+            </a:r>
+            <a:r>
+              <a:rPr lang="zh-CN" altLang="en-US" dirty="0"/>
+              <a:t>，比如 </a:t>
+            </a:r>
+            <a:r>
+              <a:rPr lang="en-US" altLang="zh-CN" dirty="0" err="1"/>
+              <a:t>on_price_book_update</a:t>
+            </a:r>
+            <a:endParaRPr lang="en-US" altLang="zh-CN" dirty="0"/>
+          </a:p>
+          <a:p>
+            <a:pPr lvl="1"/>
+            <a:r>
+              <a:rPr lang="zh-CN" altLang="en-US" dirty="0"/>
+              <a:t>向交易所查询成交信息得到的反馈信息，写入</a:t>
+            </a:r>
+            <a:r>
+              <a:rPr lang="en-US" altLang="zh-CN" dirty="0"/>
+              <a:t>journal</a:t>
+            </a:r>
+            <a:r>
+              <a:rPr lang="zh-CN" altLang="en-US" dirty="0"/>
+              <a:t>，比如 </a:t>
+            </a:r>
+            <a:r>
+              <a:rPr lang="en-US" altLang="zh-CN" dirty="0" err="1"/>
+              <a:t>on_trade</a:t>
+            </a:r>
+            <a:endParaRPr lang="zh-CN" altLang="en-US" dirty="0"/>
+          </a:p>
+        </p:txBody>
+      </p:sp>
+    </p:spTree>
+    <p:extLst>
+      <p:ext uri="{BB962C8B-B14F-4D97-AF65-F5344CB8AC3E}">
+        <p14:creationId xmlns:p14="http://schemas.microsoft.com/office/powerpoint/2010/main" val="1694821947"/>
+      </p:ext>
+    </p:extLst>
+  </p:cSld>
+  <p:clrMapOvr>
+    <a:masterClrMapping/>
+  </p:clrMapOvr>
+</p:sld>
+</file>
+
+<file path=ppt/slides/slide19.xml><?xml version="1.0" encoding="utf-8"?>
+<p:sld xmlns:a="http://schemas.openxmlformats.org/drawingml/2006/main" xmlns:r="http://schemas.openxmlformats.org/officeDocument/2006/relationships" xmlns:p="http://schemas.openxmlformats.org/presentationml/2006/main">
+  <p:cSld>
+    <p:spTree>
+      <p:nvGrpSpPr>
+        <p:cNvPr id="1" name=""/>
+        <p:cNvGrpSpPr/>
+        <p:nvPr/>
+      </p:nvGrpSpPr>
+      <p:grpSpPr>
+        <a:xfrm>
+          <a:off x="0" y="0"/>
+          <a:ext cx="0" cy="0"/>
+          <a:chOff x="0" y="0"/>
+          <a:chExt cx="0" cy="0"/>
+        </a:xfrm>
+      </p:grpSpPr>
+      <p:sp>
+        <p:nvSpPr>
+          <p:cNvPr id="2" name="标题 1"/>
+          <p:cNvSpPr>
+            <a:spLocks noGrp="1"/>
+          </p:cNvSpPr>
+          <p:nvPr>
+            <p:ph type="title"/>
+          </p:nvPr>
+        </p:nvSpPr>
+        <p:spPr/>
+        <p:txBody>
+          <a:bodyPr/>
+          <a:lstStyle/>
+          <a:p>
+            <a:r>
+              <a:rPr lang="en-US" altLang="zh-CN" dirty="0"/>
+              <a:t>MD</a:t>
+            </a:r>
+            <a:r>
+              <a:rPr lang="zh-CN" altLang="en-US" dirty="0"/>
+              <a:t>模块的处理逻</a:t>
+            </a:r>
+            <a:r>
+              <a:rPr lang="zh-CN" altLang="en-US" dirty="0" smtClean="0"/>
+              <a:t>辑</a:t>
+            </a:r>
+            <a:r>
+              <a:rPr lang="en-US" altLang="zh-CN" dirty="0"/>
+              <a:t>—</a:t>
+            </a:r>
+            <a:r>
+              <a:rPr lang="zh-CN" altLang="en-US" dirty="0"/>
+              <a:t>读写</a:t>
+            </a:r>
+            <a:r>
+              <a:rPr lang="en-US" altLang="zh-CN" dirty="0"/>
+              <a:t>Journal</a:t>
+            </a:r>
+            <a:r>
+              <a:rPr lang="zh-CN" altLang="en-US" dirty="0"/>
+              <a:t>消息</a:t>
+            </a:r>
+          </a:p>
+        </p:txBody>
+      </p:sp>
+      <p:sp>
+        <p:nvSpPr>
+          <p:cNvPr id="3" name="内容占位符 2"/>
+          <p:cNvSpPr>
+            <a:spLocks noGrp="1"/>
+          </p:cNvSpPr>
+          <p:nvPr>
+            <p:ph idx="1"/>
+          </p:nvPr>
+        </p:nvSpPr>
+        <p:spPr/>
+        <p:txBody>
+          <a:bodyPr/>
+          <a:lstStyle/>
+          <a:p>
+            <a:r>
+              <a:rPr lang="en-US" altLang="zh-CN" dirty="0" smtClean="0"/>
+              <a:t> </a:t>
+            </a:r>
+            <a:endParaRPr lang="zh-CN" altLang="en-US" dirty="0"/>
+          </a:p>
+        </p:txBody>
+      </p:sp>
+      <p:pic>
+        <p:nvPicPr>
+          <p:cNvPr id="4" name="图片 3"/>
+          <p:cNvPicPr>
+            <a:picLocks noChangeAspect="1"/>
+          </p:cNvPicPr>
+          <p:nvPr/>
+        </p:nvPicPr>
+        <p:blipFill>
+          <a:blip r:embed="rId2"/>
+          <a:stretch>
+            <a:fillRect/>
+          </a:stretch>
+        </p:blipFill>
+        <p:spPr>
+          <a:xfrm>
+            <a:off x="1002145" y="2975841"/>
+            <a:ext cx="9448800" cy="1866900"/>
+          </a:xfrm>
+          <a:prstGeom prst="rect">
+            <a:avLst/>
+          </a:prstGeom>
+        </p:spPr>
+      </p:pic>
+    </p:spTree>
+    <p:extLst>
+      <p:ext uri="{BB962C8B-B14F-4D97-AF65-F5344CB8AC3E}">
+        <p14:creationId xmlns:p14="http://schemas.microsoft.com/office/powerpoint/2010/main" val="1259541688"/>
+      </p:ext>
+    </p:extLst>
+  </p:cSld>
+  <p:clrMapOvr>
+    <a:masterClrMapping/>
+  </p:clrMapOvr>
+</p:sld>
+</file>
+
+<file path=ppt/slides/slide2.xml><?xml version="1.0" encoding="utf-8"?>
+<p:sld xmlns:a="http://schemas.openxmlformats.org/drawingml/2006/main" xmlns:r="http://schemas.openxmlformats.org/officeDocument/2006/relationships" xmlns:p="http://schemas.openxmlformats.org/presentationml/2006/main">
+  <p:cSld>
+    <p:spTree>
+      <p:nvGrpSpPr>
+        <p:cNvPr id="1" name=""/>
+        <p:cNvGrpSpPr/>
+        <p:nvPr/>
+      </p:nvGrpSpPr>
+      <p:grpSpPr>
+        <a:xfrm>
+          <a:off x="0" y="0"/>
+          <a:ext cx="0" cy="0"/>
+          <a:chOff x="0" y="0"/>
+          <a:chExt cx="0" cy="0"/>
+        </a:xfrm>
+      </p:grpSpPr>
+      <p:sp>
+        <p:nvSpPr>
+          <p:cNvPr id="2" name="标题 1">
+            <a:extLst>
+              <a:ext uri="{FF2B5EF4-FFF2-40B4-BE49-F238E27FC236}">
+                <a16:creationId xmlns:a16="http://schemas.microsoft.com/office/drawing/2014/main" xmlns="" id="{1A161700-0032-4079-8C1E-B8944A881439}"/>
+              </a:ext>
+            </a:extLst>
+          </p:cNvPr>
+          <p:cNvSpPr>
+            <a:spLocks noGrp="1"/>
+          </p:cNvSpPr>
+          <p:nvPr>
+            <p:ph type="title"/>
+          </p:nvPr>
+        </p:nvSpPr>
+        <p:spPr/>
+        <p:txBody>
+          <a:bodyPr/>
+          <a:lstStyle/>
+          <a:p>
+            <a:r>
+              <a:rPr lang="en-US" altLang="zh-CN" dirty="0"/>
+              <a:t>Kungfu</a:t>
+            </a:r>
+            <a:r>
+              <a:rPr lang="zh-CN" altLang="en-US" dirty="0"/>
+              <a:t>架构</a:t>
+            </a:r>
+          </a:p>
+        </p:txBody>
+      </p:sp>
+      <p:sp>
+        <p:nvSpPr>
+          <p:cNvPr id="3" name="内容占位符 2">
+            <a:extLst>
+              <a:ext uri="{FF2B5EF4-FFF2-40B4-BE49-F238E27FC236}">
+                <a16:creationId xmlns:a16="http://schemas.microsoft.com/office/drawing/2014/main" xmlns="" id="{C1447AB2-3D5C-4A82-AB8C-5CD22673BF11}"/>
+              </a:ext>
+            </a:extLst>
+          </p:cNvPr>
+          <p:cNvSpPr>
+            <a:spLocks noGrp="1"/>
+          </p:cNvSpPr>
+          <p:nvPr>
+            <p:ph idx="1"/>
+          </p:nvPr>
+        </p:nvSpPr>
+        <p:spPr/>
+        <p:txBody>
+          <a:bodyPr>
+            <a:normAutofit fontScale="70000" lnSpcReduction="20000"/>
+          </a:bodyPr>
+          <a:lstStyle/>
+          <a:p>
+            <a:r>
+              <a:rPr lang="zh-CN" altLang="en-US" sz="2600" dirty="0"/>
+              <a:t>通过共享文件映射</a:t>
+            </a:r>
+            <a:r>
+              <a:rPr lang="en-US" altLang="zh-CN" sz="2600" dirty="0"/>
+              <a:t>(</a:t>
+            </a:r>
+            <a:r>
+              <a:rPr lang="en-US" altLang="zh-CN" sz="2600" dirty="0" err="1"/>
+              <a:t>memmap</a:t>
+            </a:r>
+            <a:r>
+              <a:rPr lang="en-US" altLang="zh-CN" sz="2600" dirty="0"/>
+              <a:t>)</a:t>
+            </a:r>
+            <a:r>
+              <a:rPr lang="zh-CN" altLang="en-US" sz="2600" dirty="0"/>
+              <a:t>来做的消息队列系统，消息队列的端点</a:t>
+            </a:r>
+            <a:r>
+              <a:rPr lang="en-US" altLang="zh-CN" sz="2600" dirty="0"/>
+              <a:t>(</a:t>
+            </a:r>
+            <a:r>
+              <a:rPr lang="en-US" altLang="zh-CN" sz="2600" dirty="0" err="1"/>
+              <a:t>EndPoint</a:t>
+            </a:r>
+            <a:r>
+              <a:rPr lang="en-US" altLang="zh-CN" sz="2600" dirty="0"/>
+              <a:t>)</a:t>
+            </a:r>
+            <a:r>
+              <a:rPr lang="zh-CN" altLang="en-US" sz="2600" dirty="0"/>
+              <a:t>通过</a:t>
+            </a:r>
+            <a:r>
+              <a:rPr lang="en-US" altLang="zh-CN" sz="2600" dirty="0" err="1"/>
+              <a:t>yijinjing</a:t>
+            </a:r>
+            <a:r>
+              <a:rPr lang="zh-CN" altLang="en-US" sz="2600" dirty="0"/>
+              <a:t>来读取配置文件，端点</a:t>
+            </a:r>
+            <a:r>
+              <a:rPr lang="en-US" altLang="zh-CN" sz="2600" dirty="0"/>
+              <a:t>(</a:t>
+            </a:r>
+            <a:r>
+              <a:rPr lang="en-US" altLang="zh-CN" sz="2600" dirty="0" err="1"/>
+              <a:t>EndPoint</a:t>
+            </a:r>
+            <a:r>
+              <a:rPr lang="en-US" altLang="zh-CN" sz="2600" dirty="0"/>
+              <a:t>)</a:t>
+            </a:r>
+            <a:r>
+              <a:rPr lang="zh-CN" altLang="en-US" sz="2400" dirty="0"/>
+              <a:t>无锁无</a:t>
+            </a:r>
+            <a:r>
+              <a:rPr lang="en-US" altLang="zh-CN" sz="2400" dirty="0"/>
+              <a:t>sleep</a:t>
+            </a:r>
+            <a:r>
+              <a:rPr lang="zh-CN" altLang="en-US" sz="2600" dirty="0"/>
+              <a:t>轮询消息，形成零延迟。</a:t>
+            </a:r>
+            <a:endParaRPr lang="en-US" altLang="zh-CN" sz="2600" dirty="0"/>
+          </a:p>
+          <a:p>
+            <a:endParaRPr lang="en-US" altLang="zh-CN" dirty="0"/>
+          </a:p>
+          <a:p>
+            <a:r>
+              <a:rPr lang="en-US" altLang="zh-CN" dirty="0"/>
+              <a:t>Supervisor </a:t>
+            </a:r>
+            <a:r>
+              <a:rPr lang="zh-CN" altLang="en-US" dirty="0"/>
+              <a:t>做进程控制</a:t>
+            </a:r>
+            <a:endParaRPr lang="en-US" altLang="zh-CN" dirty="0"/>
+          </a:p>
+          <a:p>
+            <a:pPr lvl="1"/>
+            <a:r>
+              <a:rPr lang="en-US" altLang="zh-CN" dirty="0"/>
+              <a:t>rpm\bin\</a:t>
+            </a:r>
+            <a:r>
+              <a:rPr lang="en-US" altLang="zh-CN" dirty="0" err="1"/>
+              <a:t>kungfuctl</a:t>
+            </a:r>
+            <a:r>
+              <a:rPr lang="en-US" altLang="zh-CN" dirty="0"/>
+              <a:t>      </a:t>
+            </a:r>
+            <a:r>
+              <a:rPr lang="zh-CN" altLang="en-US" dirty="0"/>
+              <a:t>控制程序启动文件</a:t>
+            </a:r>
+            <a:endParaRPr lang="en-US" altLang="zh-CN" dirty="0"/>
+          </a:p>
+          <a:p>
+            <a:pPr lvl="1"/>
+            <a:r>
+              <a:rPr lang="en-US" altLang="zh-CN" dirty="0"/>
+              <a:t>rpm\bin\</a:t>
+            </a:r>
+            <a:r>
+              <a:rPr lang="en-US" altLang="zh-CN" dirty="0" err="1"/>
+              <a:t>wingchun</a:t>
+            </a:r>
+            <a:r>
+              <a:rPr lang="en-US" altLang="zh-CN" dirty="0"/>
+              <a:t>      </a:t>
+            </a:r>
+            <a:r>
+              <a:rPr lang="zh-CN" altLang="en-US" dirty="0"/>
+              <a:t>进程启动入口文件</a:t>
+            </a:r>
+            <a:endParaRPr lang="en-US" altLang="zh-CN" dirty="0"/>
+          </a:p>
+          <a:p>
+            <a:pPr lvl="1"/>
+            <a:r>
+              <a:rPr lang="en-US" altLang="zh-CN" dirty="0"/>
+              <a:t>rpm\</a:t>
+            </a:r>
+            <a:r>
+              <a:rPr lang="en-US" altLang="zh-CN" dirty="0" err="1"/>
+              <a:t>etc</a:t>
+            </a:r>
+            <a:r>
+              <a:rPr lang="en-US" altLang="zh-CN" dirty="0"/>
+              <a:t>\supervisor\</a:t>
+            </a:r>
+            <a:r>
+              <a:rPr lang="en-US" altLang="zh-CN" dirty="0" err="1"/>
+              <a:t>conf.d</a:t>
+            </a:r>
+            <a:r>
+              <a:rPr lang="en-US" altLang="zh-CN" dirty="0"/>
+              <a:t>\*        md</a:t>
+            </a:r>
+            <a:r>
+              <a:rPr lang="zh-CN" altLang="en-US" dirty="0"/>
+              <a:t>，</a:t>
+            </a:r>
+            <a:r>
+              <a:rPr lang="en-US" altLang="zh-CN" dirty="0"/>
+              <a:t>td</a:t>
+            </a:r>
+            <a:r>
+              <a:rPr lang="zh-CN" altLang="en-US" dirty="0"/>
+              <a:t>的配置文件</a:t>
+            </a:r>
+            <a:endParaRPr lang="en-US" altLang="zh-CN" dirty="0"/>
+          </a:p>
+          <a:p>
+            <a:pPr lvl="1"/>
+            <a:r>
+              <a:rPr lang="en-US" altLang="zh-CN" dirty="0">
+                <a:hlinkClick r:id="rId2"/>
+              </a:rPr>
+              <a:t>http://supervisord.org/introduction.html</a:t>
+            </a:r>
+            <a:r>
+              <a:rPr lang="en-US" altLang="zh-CN" dirty="0"/>
+              <a:t> </a:t>
+            </a:r>
+            <a:r>
+              <a:rPr lang="zh-CN" altLang="en-US" dirty="0"/>
+              <a:t> </a:t>
+            </a:r>
+            <a:r>
+              <a:rPr lang="en-US" altLang="zh-CN" dirty="0"/>
+              <a:t>Supervisor</a:t>
+            </a:r>
+            <a:r>
+              <a:rPr lang="zh-CN" altLang="en-US" dirty="0"/>
+              <a:t>是用</a:t>
+            </a:r>
+            <a:r>
+              <a:rPr lang="en-US" altLang="zh-CN" dirty="0"/>
+              <a:t>Python</a:t>
+            </a:r>
+            <a:r>
+              <a:rPr lang="zh-CN" altLang="en-US" dirty="0"/>
+              <a:t>开发的一套通用的进程管理程序，能将一个普通的命令行进程变为后台</a:t>
+            </a:r>
+            <a:r>
+              <a:rPr lang="en-US" altLang="zh-CN" dirty="0"/>
+              <a:t>daemon</a:t>
+            </a:r>
+            <a:r>
+              <a:rPr lang="zh-CN" altLang="en-US" dirty="0"/>
+              <a:t>，并监控进程状态，异常退出时能自动重启。</a:t>
+            </a:r>
+            <a:endParaRPr lang="en-US" altLang="zh-CN" dirty="0"/>
+          </a:p>
+          <a:p>
+            <a:endParaRPr lang="en-US" altLang="zh-CN" dirty="0"/>
+          </a:p>
+          <a:p>
+            <a:r>
+              <a:rPr lang="zh-CN" altLang="en-US" dirty="0"/>
+              <a:t>消息队列的端点</a:t>
+            </a:r>
+            <a:r>
+              <a:rPr lang="en-US" altLang="zh-CN" dirty="0"/>
+              <a:t>(</a:t>
+            </a:r>
+            <a:r>
+              <a:rPr lang="en-US" altLang="zh-CN" dirty="0" err="1"/>
+              <a:t>EndPoint</a:t>
+            </a:r>
+            <a:r>
+              <a:rPr lang="en-US" altLang="zh-CN" dirty="0"/>
+              <a:t>)</a:t>
+            </a:r>
+            <a:r>
+              <a:rPr lang="zh-CN" altLang="en-US" dirty="0"/>
+              <a:t>是一个进程，比如</a:t>
+            </a:r>
+            <a:r>
+              <a:rPr lang="en-US" altLang="zh-CN" dirty="0" err="1"/>
+              <a:t>Bitfinex_TD</a:t>
+            </a:r>
+            <a:r>
+              <a:rPr lang="zh-CN" altLang="en-US" dirty="0"/>
+              <a:t>是一个进程，</a:t>
+            </a:r>
+            <a:r>
+              <a:rPr lang="en-US" altLang="zh-CN" dirty="0" err="1"/>
+              <a:t>Bitfinex_MD</a:t>
+            </a:r>
+            <a:r>
+              <a:rPr lang="zh-CN" altLang="en-US" dirty="0"/>
+              <a:t>是一个进程，每一个策略也是一个进程</a:t>
+            </a:r>
+            <a:endParaRPr lang="en-US" altLang="zh-CN" dirty="0"/>
+          </a:p>
+          <a:p>
+            <a:endParaRPr lang="en-US" altLang="zh-CN" dirty="0"/>
+          </a:p>
+          <a:p>
+            <a:r>
+              <a:rPr lang="zh-CN" altLang="en-US" dirty="0"/>
+              <a:t>使用参考</a:t>
+            </a:r>
+            <a:r>
+              <a:rPr lang="en-US" altLang="zh-CN" dirty="0"/>
+              <a:t>: </a:t>
+            </a:r>
+            <a:br>
+              <a:rPr lang="en-US" altLang="zh-CN" dirty="0"/>
+            </a:br>
+            <a:r>
+              <a:rPr lang="en-US" altLang="zh-CN" dirty="0"/>
+              <a:t>https://github.com/taurusai/kungfu</a:t>
+            </a:r>
+            <a:endParaRPr lang="zh-CN" altLang="en-US" dirty="0"/>
+          </a:p>
+          <a:p>
+            <a:endParaRPr lang="en-US" altLang="zh-CN" dirty="0"/>
+          </a:p>
+          <a:p>
+            <a:endParaRPr lang="en-US" altLang="zh-CN" dirty="0"/>
+          </a:p>
+          <a:p>
+            <a:endParaRPr lang="zh-CN" altLang="en-US" dirty="0"/>
+          </a:p>
+        </p:txBody>
+      </p:sp>
+    </p:spTree>
+    <p:extLst>
+      <p:ext uri="{BB962C8B-B14F-4D97-AF65-F5344CB8AC3E}">
+        <p14:creationId xmlns:p14="http://schemas.microsoft.com/office/powerpoint/2010/main" val="2563743880"/>
+      </p:ext>
+    </p:extLst>
+  </p:cSld>
+  <p:clrMapOvr>
+    <a:masterClrMapping/>
+  </p:clrMapOvr>
+</p:sld>
+</file>
+
+<file path=ppt/slides/slide20.xml><?xml version="1.0" encoding="utf-8"?>
+<p:sld xmlns:a="http://schemas.openxmlformats.org/drawingml/2006/main" xmlns:r="http://schemas.openxmlformats.org/officeDocument/2006/relationships" xmlns:p="http://schemas.openxmlformats.org/presentationml/2006/main">
+  <p:cSld>
+    <p:spTree>
+      <p:nvGrpSpPr>
+        <p:cNvPr id="1" name=""/>
+        <p:cNvGrpSpPr/>
+        <p:nvPr/>
+      </p:nvGrpSpPr>
+      <p:grpSpPr>
+        <a:xfrm>
+          <a:off x="0" y="0"/>
+          <a:ext cx="0" cy="0"/>
+          <a:chOff x="0" y="0"/>
+          <a:chExt cx="0" cy="0"/>
+        </a:xfrm>
+      </p:grpSpPr>
+      <p:sp>
+        <p:nvSpPr>
+          <p:cNvPr id="2" name="标题 1"/>
+          <p:cNvSpPr>
+            <a:spLocks noGrp="1"/>
+          </p:cNvSpPr>
+          <p:nvPr>
+            <p:ph type="title"/>
+          </p:nvPr>
+        </p:nvSpPr>
+        <p:spPr/>
+        <p:txBody>
+          <a:bodyPr/>
+          <a:lstStyle/>
+          <a:p>
+            <a:r>
+              <a:rPr lang="en-US" altLang="zh-CN" dirty="0"/>
+              <a:t>MD</a:t>
+            </a:r>
+            <a:r>
+              <a:rPr lang="zh-CN" altLang="en-US" dirty="0"/>
+              <a:t>模块的处理逻辑</a:t>
+            </a:r>
+            <a:r>
+              <a:rPr lang="en-US" altLang="zh-CN" dirty="0"/>
+              <a:t>—</a:t>
+            </a:r>
+            <a:r>
+              <a:rPr lang="zh-CN" altLang="en-US" dirty="0"/>
+              <a:t>读写</a:t>
+            </a:r>
+            <a:r>
+              <a:rPr lang="en-US" altLang="zh-CN" dirty="0"/>
+              <a:t>Journal</a:t>
+            </a:r>
+            <a:r>
+              <a:rPr lang="zh-CN" altLang="en-US" dirty="0"/>
+              <a:t>消息</a:t>
+            </a:r>
+          </a:p>
+        </p:txBody>
+      </p:sp>
+      <p:sp>
+        <p:nvSpPr>
+          <p:cNvPr id="3" name="内容占位符 2"/>
+          <p:cNvSpPr>
+            <a:spLocks noGrp="1"/>
+          </p:cNvSpPr>
+          <p:nvPr>
+            <p:ph idx="1"/>
+          </p:nvPr>
+        </p:nvSpPr>
+        <p:spPr/>
+        <p:txBody>
+          <a:bodyPr/>
+          <a:lstStyle/>
+          <a:p>
+            <a:r>
+              <a:rPr lang="en-US" altLang="zh-CN" dirty="0" smtClean="0"/>
+              <a:t>IMDEngine </a:t>
+            </a:r>
+            <a:r>
+              <a:rPr lang="en-US" altLang="zh-CN" dirty="0"/>
+              <a:t>Reader:</a:t>
+            </a:r>
+          </a:p>
+          <a:p>
+            <a:r>
+              <a:rPr lang="en-US" altLang="zh-CN" dirty="0"/>
+              <a:t>MDEngineCTP</a:t>
+            </a:r>
+          </a:p>
+          <a:p>
+            <a:r>
+              <a:rPr lang="en-US" altLang="zh-CN" dirty="0" smtClean="0"/>
+              <a:t>journal/system/SYSTEM</a:t>
+            </a:r>
+          </a:p>
+          <a:p>
+            <a:endParaRPr lang="en-US" altLang="zh-CN" dirty="0"/>
+          </a:p>
+          <a:p>
+            <a:r>
+              <a:rPr lang="en-US" altLang="zh-CN" dirty="0" smtClean="0"/>
+              <a:t>Writer</a:t>
+            </a:r>
+            <a:r>
+              <a:rPr lang="en-US" altLang="zh-CN" dirty="0"/>
+              <a:t>:</a:t>
+            </a:r>
+          </a:p>
+          <a:p>
+            <a:r>
+              <a:rPr lang="en-US" altLang="zh-CN" dirty="0"/>
+              <a:t>/</a:t>
+            </a:r>
+            <a:r>
+              <a:rPr lang="en-US" altLang="zh-CN" dirty="0" smtClean="0"/>
+              <a:t>MD/CTP/MD_CTP</a:t>
+            </a:r>
+            <a:endParaRPr lang="en-US" altLang="zh-CN" dirty="0"/>
+          </a:p>
+        </p:txBody>
+      </p:sp>
+    </p:spTree>
+    <p:extLst>
+      <p:ext uri="{BB962C8B-B14F-4D97-AF65-F5344CB8AC3E}">
+        <p14:creationId xmlns:p14="http://schemas.microsoft.com/office/powerpoint/2010/main" val="3650925186"/>
+      </p:ext>
+    </p:extLst>
+  </p:cSld>
+  <p:clrMapOvr>
+    <a:masterClrMapping/>
+  </p:clrMapOvr>
+</p:sld>
+</file>
+
+<file path=ppt/slides/slide21.xml><?xml version="1.0" encoding="utf-8"?>
+<p:sld xmlns:a="http://schemas.openxmlformats.org/drawingml/2006/main" xmlns:r="http://schemas.openxmlformats.org/officeDocument/2006/relationships" xmlns:p="http://schemas.openxmlformats.org/presentationml/2006/main">
+  <p:cSld>
+    <p:spTree>
+      <p:nvGrpSpPr>
+        <p:cNvPr id="1" name=""/>
+        <p:cNvGrpSpPr/>
+        <p:nvPr/>
+      </p:nvGrpSpPr>
+      <p:grpSpPr>
+        <a:xfrm>
+          <a:off x="0" y="0"/>
+          <a:ext cx="0" cy="0"/>
+          <a:chOff x="0" y="0"/>
+          <a:chExt cx="0" cy="0"/>
+        </a:xfrm>
+      </p:grpSpPr>
+      <p:sp>
+        <p:nvSpPr>
           <p:cNvPr id="2" name="标题 1">
             <a:extLst>
               <a:ext uri="{FF2B5EF4-FFF2-40B4-BE49-F238E27FC236}">
@@ -4382,7 +6047,7 @@
           <a:graphicData uri="http://schemas.openxmlformats.org/presentationml/2006/ole">
             <mc:AlternateContent xmlns:mc="http://schemas.openxmlformats.org/markup-compatibility/2006">
               <mc:Choice xmlns:v="urn:schemas-microsoft-com:vml" Requires="v">
-                <p:oleObj spid="_x0000_s1386" name="包装程序外壳对象" showAsIcon="1" r:id="rId4" imgW="1857600" imgH="439560" progId="Package">
+                <p:oleObj spid="_x0000_s1465" name="包装程序外壳对象" showAsIcon="1" r:id="rId4" imgW="1857600" imgH="439560" progId="Package">
                   <p:embed/>
                 </p:oleObj>
               </mc:Choice>
@@ -4430,7 +6095,7 @@
 </p:sld>
 </file>
 
-<file path=ppt/slides/slide13.xml><?xml version="1.0" encoding="utf-8"?>
+<file path=ppt/slides/slide22.xml><?xml version="1.0" encoding="utf-8"?>
 <p:sld xmlns:a="http://schemas.openxmlformats.org/drawingml/2006/main" xmlns:r="http://schemas.openxmlformats.org/officeDocument/2006/relationships" xmlns:p="http://schemas.openxmlformats.org/presentationml/2006/main">
   <p:cSld>
     <p:spTree>
@@ -4646,7 +6311,7 @@
 </p:sld>
 </file>
 
-<file path=ppt/slides/slide14.xml><?xml version="1.0" encoding="utf-8"?>
+<file path=ppt/slides/slide23.xml><?xml version="1.0" encoding="utf-8"?>
 <p:sld xmlns:a="http://schemas.openxmlformats.org/drawingml/2006/main" xmlns:r="http://schemas.openxmlformats.org/officeDocument/2006/relationships" xmlns:p="http://schemas.openxmlformats.org/presentationml/2006/main">
   <p:cSld>
     <p:spTree>
@@ -4841,7 +6506,7 @@
 </p:sld>
 </file>
 
-<file path=ppt/slides/slide15.xml><?xml version="1.0" encoding="utf-8"?>
+<file path=ppt/slides/slide24.xml><?xml version="1.0" encoding="utf-8"?>
 <p:sld xmlns:a="http://schemas.openxmlformats.org/drawingml/2006/main" xmlns:r="http://schemas.openxmlformats.org/officeDocument/2006/relationships" xmlns:p="http://schemas.openxmlformats.org/presentationml/2006/main">
   <p:cSld>
     <p:spTree>
@@ -5042,7 +6707,7 @@
 </p:sld>
 </file>
 
-<file path=ppt/slides/slide16.xml><?xml version="1.0" encoding="utf-8"?>
+<file path=ppt/slides/slide25.xml><?xml version="1.0" encoding="utf-8"?>
 <p:sld xmlns:a="http://schemas.openxmlformats.org/drawingml/2006/main" xmlns:r="http://schemas.openxmlformats.org/officeDocument/2006/relationships" xmlns:p="http://schemas.openxmlformats.org/presentationml/2006/main">
   <p:cSld>
     <p:spTree>
@@ -5194,7 +6859,7 @@
 </p:sld>
 </file>
 
-<file path=ppt/slides/slide17.xml><?xml version="1.0" encoding="utf-8"?>
+<file path=ppt/slides/slide26.xml><?xml version="1.0" encoding="utf-8"?>
 <p:sld xmlns:a="http://schemas.openxmlformats.org/drawingml/2006/main" xmlns:r="http://schemas.openxmlformats.org/officeDocument/2006/relationships" xmlns:p="http://schemas.openxmlformats.org/presentationml/2006/main">
   <p:cSld>
     <p:spTree>
@@ -5427,7 +7092,7 @@
 </p:sld>
 </file>
 
-<file path=ppt/slides/slide18.xml><?xml version="1.0" encoding="utf-8"?>
+<file path=ppt/slides/slide27.xml><?xml version="1.0" encoding="utf-8"?>
 <p:sld xmlns:a="http://schemas.openxmlformats.org/drawingml/2006/main" xmlns:r="http://schemas.openxmlformats.org/officeDocument/2006/relationships" xmlns:p="http://schemas.openxmlformats.org/presentationml/2006/main">
   <p:cSld>
     <p:spTree>
@@ -5612,7 +7277,7 @@
 </p:sld>
 </file>
 
-<file path=ppt/slides/slide19.xml><?xml version="1.0" encoding="utf-8"?>
+<file path=ppt/slides/slide28.xml><?xml version="1.0" encoding="utf-8"?>
 <p:sld xmlns:a="http://schemas.openxmlformats.org/drawingml/2006/main" xmlns:r="http://schemas.openxmlformats.org/officeDocument/2006/relationships" xmlns:p="http://schemas.openxmlformats.org/presentationml/2006/main">
   <p:cSld>
     <p:spTree>
@@ -5839,368 +7504,7 @@
 </p:sld>
 </file>
 
-<file path=ppt/slides/slide2.xml><?xml version="1.0" encoding="utf-8"?>
-<p:sld xmlns:a="http://schemas.openxmlformats.org/drawingml/2006/main" xmlns:r="http://schemas.openxmlformats.org/officeDocument/2006/relationships" xmlns:p="http://schemas.openxmlformats.org/presentationml/2006/main">
-  <p:cSld>
-    <p:spTree>
-      <p:nvGrpSpPr>
-        <p:cNvPr id="1" name=""/>
-        <p:cNvGrpSpPr/>
-        <p:nvPr/>
-      </p:nvGrpSpPr>
-      <p:grpSpPr>
-        <a:xfrm>
-          <a:off x="0" y="0"/>
-          <a:ext cx="0" cy="0"/>
-          <a:chOff x="0" y="0"/>
-          <a:chExt cx="0" cy="0"/>
-        </a:xfrm>
-      </p:grpSpPr>
-      <p:sp>
-        <p:nvSpPr>
-          <p:cNvPr id="2" name="标题 1">
-            <a:extLst>
-              <a:ext uri="{FF2B5EF4-FFF2-40B4-BE49-F238E27FC236}">
-                <a16:creationId xmlns:a16="http://schemas.microsoft.com/office/drawing/2014/main" xmlns="" id="{1A161700-0032-4079-8C1E-B8944A881439}"/>
-              </a:ext>
-            </a:extLst>
-          </p:cNvPr>
-          <p:cNvSpPr>
-            <a:spLocks noGrp="1"/>
-          </p:cNvSpPr>
-          <p:nvPr>
-            <p:ph type="title"/>
-          </p:nvPr>
-        </p:nvSpPr>
-        <p:spPr/>
-        <p:txBody>
-          <a:bodyPr/>
-          <a:lstStyle/>
-          <a:p>
-            <a:r>
-              <a:rPr lang="en-US" altLang="zh-CN" dirty="0"/>
-              <a:t>Kungfu</a:t>
-            </a:r>
-            <a:r>
-              <a:rPr lang="zh-CN" altLang="en-US" dirty="0"/>
-              <a:t>架构</a:t>
-            </a:r>
-          </a:p>
-        </p:txBody>
-      </p:sp>
-      <p:sp>
-        <p:nvSpPr>
-          <p:cNvPr id="3" name="内容占位符 2">
-            <a:extLst>
-              <a:ext uri="{FF2B5EF4-FFF2-40B4-BE49-F238E27FC236}">
-                <a16:creationId xmlns:a16="http://schemas.microsoft.com/office/drawing/2014/main" xmlns="" id="{C1447AB2-3D5C-4A82-AB8C-5CD22673BF11}"/>
-              </a:ext>
-            </a:extLst>
-          </p:cNvPr>
-          <p:cNvSpPr>
-            <a:spLocks noGrp="1"/>
-          </p:cNvSpPr>
-          <p:nvPr>
-            <p:ph idx="1"/>
-          </p:nvPr>
-        </p:nvSpPr>
-        <p:spPr/>
-        <p:txBody>
-          <a:bodyPr>
-            <a:normAutofit fontScale="70000" lnSpcReduction="20000"/>
-          </a:bodyPr>
-          <a:lstStyle/>
-          <a:p>
-            <a:r>
-              <a:rPr lang="zh-CN" altLang="en-US" sz="2600" dirty="0"/>
-              <a:t>通过共享文件映射</a:t>
-            </a:r>
-            <a:r>
-              <a:rPr lang="en-US" altLang="zh-CN" sz="2600" dirty="0"/>
-              <a:t>(</a:t>
-            </a:r>
-            <a:r>
-              <a:rPr lang="en-US" altLang="zh-CN" sz="2600" dirty="0" err="1"/>
-              <a:t>memmap</a:t>
-            </a:r>
-            <a:r>
-              <a:rPr lang="en-US" altLang="zh-CN" sz="2600" dirty="0"/>
-              <a:t>)</a:t>
-            </a:r>
-            <a:r>
-              <a:rPr lang="zh-CN" altLang="en-US" sz="2600" dirty="0"/>
-              <a:t>来做的消息队列系统，消息队列的端点</a:t>
-            </a:r>
-            <a:r>
-              <a:rPr lang="en-US" altLang="zh-CN" sz="2600" dirty="0"/>
-              <a:t>(</a:t>
-            </a:r>
-            <a:r>
-              <a:rPr lang="en-US" altLang="zh-CN" sz="2600" dirty="0" err="1"/>
-              <a:t>EndPoint</a:t>
-            </a:r>
-            <a:r>
-              <a:rPr lang="en-US" altLang="zh-CN" sz="2600" dirty="0"/>
-              <a:t>)</a:t>
-            </a:r>
-            <a:r>
-              <a:rPr lang="zh-CN" altLang="en-US" sz="2600" dirty="0"/>
-              <a:t>通过</a:t>
-            </a:r>
-            <a:r>
-              <a:rPr lang="en-US" altLang="zh-CN" sz="2600" dirty="0" err="1"/>
-              <a:t>yijinjing</a:t>
-            </a:r>
-            <a:r>
-              <a:rPr lang="zh-CN" altLang="en-US" sz="2600" dirty="0"/>
-              <a:t>来读取配置文件，端点</a:t>
-            </a:r>
-            <a:r>
-              <a:rPr lang="en-US" altLang="zh-CN" sz="2600" dirty="0"/>
-              <a:t>(</a:t>
-            </a:r>
-            <a:r>
-              <a:rPr lang="en-US" altLang="zh-CN" sz="2600" dirty="0" err="1"/>
-              <a:t>EndPoint</a:t>
-            </a:r>
-            <a:r>
-              <a:rPr lang="en-US" altLang="zh-CN" sz="2600" dirty="0"/>
-              <a:t>)</a:t>
-            </a:r>
-            <a:r>
-              <a:rPr lang="zh-CN" altLang="en-US" sz="2400" dirty="0"/>
-              <a:t>无锁无</a:t>
-            </a:r>
-            <a:r>
-              <a:rPr lang="en-US" altLang="zh-CN" sz="2400" dirty="0"/>
-              <a:t>sleep</a:t>
-            </a:r>
-            <a:r>
-              <a:rPr lang="zh-CN" altLang="en-US" sz="2600" dirty="0"/>
-              <a:t>轮询消息，形成零延迟。</a:t>
-            </a:r>
-            <a:endParaRPr lang="en-US" altLang="zh-CN" sz="2600" dirty="0"/>
-          </a:p>
-          <a:p>
-            <a:endParaRPr lang="en-US" altLang="zh-CN" dirty="0"/>
-          </a:p>
-          <a:p>
-            <a:r>
-              <a:rPr lang="en-US" altLang="zh-CN" dirty="0"/>
-              <a:t>Supervisor </a:t>
-            </a:r>
-            <a:r>
-              <a:rPr lang="zh-CN" altLang="en-US" dirty="0"/>
-              <a:t>做进程控制</a:t>
-            </a:r>
-            <a:endParaRPr lang="en-US" altLang="zh-CN" dirty="0"/>
-          </a:p>
-          <a:p>
-            <a:pPr lvl="1"/>
-            <a:r>
-              <a:rPr lang="en-US" altLang="zh-CN" dirty="0"/>
-              <a:t>rpm\bin\</a:t>
-            </a:r>
-            <a:r>
-              <a:rPr lang="en-US" altLang="zh-CN" dirty="0" err="1"/>
-              <a:t>kungfuctl</a:t>
-            </a:r>
-            <a:r>
-              <a:rPr lang="en-US" altLang="zh-CN" dirty="0"/>
-              <a:t>      </a:t>
-            </a:r>
-            <a:r>
-              <a:rPr lang="zh-CN" altLang="en-US" dirty="0"/>
-              <a:t>控制程序启动文件</a:t>
-            </a:r>
-            <a:endParaRPr lang="en-US" altLang="zh-CN" dirty="0"/>
-          </a:p>
-          <a:p>
-            <a:pPr lvl="1"/>
-            <a:r>
-              <a:rPr lang="en-US" altLang="zh-CN" dirty="0"/>
-              <a:t>rpm\bin\</a:t>
-            </a:r>
-            <a:r>
-              <a:rPr lang="en-US" altLang="zh-CN" dirty="0" err="1"/>
-              <a:t>wingchun</a:t>
-            </a:r>
-            <a:r>
-              <a:rPr lang="en-US" altLang="zh-CN" dirty="0"/>
-              <a:t>      </a:t>
-            </a:r>
-            <a:r>
-              <a:rPr lang="zh-CN" altLang="en-US" dirty="0"/>
-              <a:t>进程启动入口文件</a:t>
-            </a:r>
-            <a:endParaRPr lang="en-US" altLang="zh-CN" dirty="0"/>
-          </a:p>
-          <a:p>
-            <a:pPr lvl="1"/>
-            <a:r>
-              <a:rPr lang="en-US" altLang="zh-CN" dirty="0"/>
-              <a:t>rpm\</a:t>
-            </a:r>
-            <a:r>
-              <a:rPr lang="en-US" altLang="zh-CN" dirty="0" err="1"/>
-              <a:t>etc</a:t>
-            </a:r>
-            <a:r>
-              <a:rPr lang="en-US" altLang="zh-CN" dirty="0"/>
-              <a:t>\supervisor\</a:t>
-            </a:r>
-            <a:r>
-              <a:rPr lang="en-US" altLang="zh-CN" dirty="0" err="1"/>
-              <a:t>conf.d</a:t>
-            </a:r>
-            <a:r>
-              <a:rPr lang="en-US" altLang="zh-CN" dirty="0"/>
-              <a:t>\*        md</a:t>
-            </a:r>
-            <a:r>
-              <a:rPr lang="zh-CN" altLang="en-US" dirty="0"/>
-              <a:t>，</a:t>
-            </a:r>
-            <a:r>
-              <a:rPr lang="en-US" altLang="zh-CN" dirty="0"/>
-              <a:t>td</a:t>
-            </a:r>
-            <a:r>
-              <a:rPr lang="zh-CN" altLang="en-US" dirty="0"/>
-              <a:t>的配置文件</a:t>
-            </a:r>
-            <a:endParaRPr lang="en-US" altLang="zh-CN" dirty="0"/>
-          </a:p>
-          <a:p>
-            <a:pPr lvl="1"/>
-            <a:r>
-              <a:rPr lang="en-US" altLang="zh-CN" dirty="0">
-                <a:hlinkClick r:id="rId2"/>
-              </a:rPr>
-              <a:t>http://supervisord.org/introduction.html</a:t>
-            </a:r>
-            <a:r>
-              <a:rPr lang="en-US" altLang="zh-CN" dirty="0"/>
-              <a:t> </a:t>
-            </a:r>
-            <a:r>
-              <a:rPr lang="zh-CN" altLang="en-US" dirty="0"/>
-              <a:t> </a:t>
-            </a:r>
-            <a:r>
-              <a:rPr lang="en-US" altLang="zh-CN" dirty="0"/>
-              <a:t>Supervisor</a:t>
-            </a:r>
-            <a:r>
-              <a:rPr lang="zh-CN" altLang="en-US" dirty="0"/>
-              <a:t>是用</a:t>
-            </a:r>
-            <a:r>
-              <a:rPr lang="en-US" altLang="zh-CN" dirty="0"/>
-              <a:t>Python</a:t>
-            </a:r>
-            <a:r>
-              <a:rPr lang="zh-CN" altLang="en-US" dirty="0"/>
-              <a:t>开发的一套通用的进程管理程序，能将一个普通的命令行进程变为后台</a:t>
-            </a:r>
-            <a:r>
-              <a:rPr lang="en-US" altLang="zh-CN" dirty="0"/>
-              <a:t>daemon</a:t>
-            </a:r>
-            <a:r>
-              <a:rPr lang="zh-CN" altLang="en-US" dirty="0"/>
-              <a:t>，并监控进程状态，异常退出时能自动重启。</a:t>
-            </a:r>
-            <a:endParaRPr lang="en-US" altLang="zh-CN" dirty="0"/>
-          </a:p>
-          <a:p>
-            <a:endParaRPr lang="en-US" altLang="zh-CN" dirty="0"/>
-          </a:p>
-          <a:p>
-            <a:r>
-              <a:rPr lang="zh-CN" altLang="en-US" dirty="0"/>
-              <a:t>消息队列的端点</a:t>
-            </a:r>
-            <a:r>
-              <a:rPr lang="en-US" altLang="zh-CN" dirty="0"/>
-              <a:t>(</a:t>
-            </a:r>
-            <a:r>
-              <a:rPr lang="en-US" altLang="zh-CN" dirty="0" err="1"/>
-              <a:t>EndPoint</a:t>
-            </a:r>
-            <a:r>
-              <a:rPr lang="en-US" altLang="zh-CN" dirty="0"/>
-              <a:t>)</a:t>
-            </a:r>
-            <a:r>
-              <a:rPr lang="zh-CN" altLang="en-US" dirty="0"/>
-              <a:t>是一个进程，比如</a:t>
-            </a:r>
-            <a:r>
-              <a:rPr lang="en-US" altLang="zh-CN" dirty="0" err="1"/>
-              <a:t>Bitfinex_TD</a:t>
-            </a:r>
-            <a:r>
-              <a:rPr lang="zh-CN" altLang="en-US" dirty="0"/>
-              <a:t>是一个进程，</a:t>
-            </a:r>
-            <a:r>
-              <a:rPr lang="en-US" altLang="zh-CN" dirty="0" err="1"/>
-              <a:t>Bitfinex_MD</a:t>
-            </a:r>
-            <a:r>
-              <a:rPr lang="zh-CN" altLang="en-US" dirty="0"/>
-              <a:t>是一个进程，每一个策略也是一个进程</a:t>
-            </a:r>
-            <a:endParaRPr lang="en-US" altLang="zh-CN" dirty="0"/>
-          </a:p>
-          <a:p>
-            <a:endParaRPr lang="en-US" altLang="zh-CN" dirty="0"/>
-          </a:p>
-          <a:p>
-            <a:r>
-              <a:rPr lang="zh-CN" altLang="en-US" dirty="0"/>
-              <a:t>使用参考</a:t>
-            </a:r>
-            <a:r>
-              <a:rPr lang="en-US" altLang="zh-CN" dirty="0"/>
-              <a:t>: </a:t>
-            </a:r>
-            <a:br>
-              <a:rPr lang="en-US" altLang="zh-CN" dirty="0"/>
-            </a:br>
-            <a:r>
-              <a:rPr lang="en-US" altLang="zh-CN" dirty="0"/>
-              <a:t>https://github.com/taurusai/kungfu</a:t>
-            </a:r>
-            <a:endParaRPr lang="zh-CN" altLang="en-US" dirty="0"/>
-          </a:p>
-          <a:p>
-            <a:endParaRPr lang="en-US" altLang="zh-CN" dirty="0"/>
-          </a:p>
-          <a:p>
-            <a:endParaRPr lang="en-US" altLang="zh-CN" dirty="0"/>
-          </a:p>
-          <a:p>
-            <a:endParaRPr lang="zh-CN" altLang="en-US" dirty="0"/>
-          </a:p>
-        </p:txBody>
-      </p:sp>
-    </p:spTree>
-    <p:extLst>
-      <p:ext uri="{BB962C8B-B14F-4D97-AF65-F5344CB8AC3E}">
-        <p14:creationId xmlns:p14="http://schemas.microsoft.com/office/powerpoint/2010/main" val="2563743880"/>
-      </p:ext>
-    </p:extLst>
-  </p:cSld>
-  <p:clrMapOvr>
-    <a:masterClrMapping/>
-  </p:clrMapOvr>
-</p:sld>
-</file>
-
-<file path=ppt/slides/slide20.xml><?xml version="1.0" encoding="utf-8"?>
+<file path=ppt/slides/slide29.xml><?xml version="1.0" encoding="utf-8"?>
 <p:sld xmlns:a="http://schemas.openxmlformats.org/drawingml/2006/main" xmlns:r="http://schemas.openxmlformats.org/officeDocument/2006/relationships" xmlns:p="http://schemas.openxmlformats.org/presentationml/2006/main">
   <p:cSld>
     <p:spTree>
@@ -6379,1628 +7683,6 @@
     <p:extLst>
       <p:ext uri="{BB962C8B-B14F-4D97-AF65-F5344CB8AC3E}">
         <p14:creationId xmlns:p14="http://schemas.microsoft.com/office/powerpoint/2010/main" val="3200062726"/>
-      </p:ext>
-    </p:extLst>
-  </p:cSld>
-  <p:clrMapOvr>
-    <a:masterClrMapping/>
-  </p:clrMapOvr>
-</p:sld>
-</file>
-
-<file path=ppt/slides/slide21.xml><?xml version="1.0" encoding="utf-8"?>
-<p:sld xmlns:a="http://schemas.openxmlformats.org/drawingml/2006/main" xmlns:r="http://schemas.openxmlformats.org/officeDocument/2006/relationships" xmlns:p="http://schemas.openxmlformats.org/presentationml/2006/main">
-  <p:cSld>
-    <p:spTree>
-      <p:nvGrpSpPr>
-        <p:cNvPr id="1" name=""/>
-        <p:cNvGrpSpPr/>
-        <p:nvPr/>
-      </p:nvGrpSpPr>
-      <p:grpSpPr>
-        <a:xfrm>
-          <a:off x="0" y="0"/>
-          <a:ext cx="0" cy="0"/>
-          <a:chOff x="0" y="0"/>
-          <a:chExt cx="0" cy="0"/>
-        </a:xfrm>
-      </p:grpSpPr>
-      <p:sp>
-        <p:nvSpPr>
-          <p:cNvPr id="2" name="标题 1">
-            <a:extLst>
-              <a:ext uri="{FF2B5EF4-FFF2-40B4-BE49-F238E27FC236}">
-                <a16:creationId xmlns:a16="http://schemas.microsoft.com/office/drawing/2014/main" xmlns="" id="{4A67DD43-5E59-4AB7-AF36-D977CA323198}"/>
-              </a:ext>
-            </a:extLst>
-          </p:cNvPr>
-          <p:cNvSpPr>
-            <a:spLocks noGrp="1"/>
-          </p:cNvSpPr>
-          <p:nvPr>
-            <p:ph type="title"/>
-          </p:nvPr>
-        </p:nvSpPr>
-        <p:spPr/>
-        <p:txBody>
-          <a:bodyPr/>
-          <a:lstStyle/>
-          <a:p>
-            <a:r>
-              <a:rPr lang="en-US" altLang="zh-CN" dirty="0"/>
-              <a:t>Kungfu</a:t>
-            </a:r>
-            <a:r>
-              <a:rPr lang="zh-CN" altLang="en-US" dirty="0"/>
-              <a:t>的</a:t>
-            </a:r>
-            <a:r>
-              <a:rPr lang="en-US" altLang="zh-CN" dirty="0"/>
-              <a:t>TD</a:t>
-            </a:r>
-            <a:r>
-              <a:rPr lang="zh-CN" altLang="en-US" dirty="0"/>
-              <a:t>端点对消息队列的读取</a:t>
-            </a:r>
-            <a:r>
-              <a:rPr lang="en-US" altLang="zh-CN" dirty="0"/>
-              <a:t>2/4</a:t>
-            </a:r>
-            <a:endParaRPr lang="zh-CN" altLang="en-US" dirty="0"/>
-          </a:p>
-        </p:txBody>
-      </p:sp>
-      <p:sp>
-        <p:nvSpPr>
-          <p:cNvPr id="3" name="内容占位符 2">
-            <a:extLst>
-              <a:ext uri="{FF2B5EF4-FFF2-40B4-BE49-F238E27FC236}">
-                <a16:creationId xmlns:a16="http://schemas.microsoft.com/office/drawing/2014/main" xmlns="" id="{3A355CEB-71D4-47CA-B76D-04E1D6053C20}"/>
-              </a:ext>
-            </a:extLst>
-          </p:cNvPr>
-          <p:cNvSpPr>
-            <a:spLocks noGrp="1"/>
-          </p:cNvSpPr>
-          <p:nvPr>
-            <p:ph idx="1"/>
-          </p:nvPr>
-        </p:nvSpPr>
-        <p:spPr/>
-        <p:txBody>
-          <a:bodyPr/>
-          <a:lstStyle/>
-          <a:p>
-            <a:r>
-              <a:rPr lang="zh-CN" altLang="en-US" dirty="0"/>
-              <a:t>程序文件</a:t>
-            </a:r>
-            <a:r>
-              <a:rPr lang="en-US" altLang="zh-CN" dirty="0" err="1"/>
-              <a:t>wingchun</a:t>
-            </a:r>
-            <a:r>
-              <a:rPr lang="en-US" altLang="zh-CN" dirty="0"/>
-              <a:t>\td\ITDEngine.cpp</a:t>
-            </a:r>
-          </a:p>
-          <a:p>
-            <a:r>
-              <a:rPr lang="zh-CN" altLang="en-US" dirty="0"/>
-              <a:t>无锁无</a:t>
-            </a:r>
-            <a:r>
-              <a:rPr lang="en-US" altLang="zh-CN" dirty="0"/>
-              <a:t>sleep</a:t>
-            </a:r>
-            <a:r>
-              <a:rPr lang="zh-CN" altLang="en-US" dirty="0"/>
-              <a:t>轮询来获取发单消息，撤单消息，查持仓消息，查询账户消息，并处理</a:t>
-            </a:r>
-            <a:endParaRPr lang="en-US" altLang="zh-CN" dirty="0"/>
-          </a:p>
-          <a:p>
-            <a:endParaRPr lang="zh-CN" altLang="en-US" dirty="0"/>
-          </a:p>
-        </p:txBody>
-      </p:sp>
-      <p:pic>
-        <p:nvPicPr>
-          <p:cNvPr id="4" name="图片 3">
-            <a:extLst>
-              <a:ext uri="{FF2B5EF4-FFF2-40B4-BE49-F238E27FC236}">
-                <a16:creationId xmlns:a16="http://schemas.microsoft.com/office/drawing/2014/main" xmlns="" id="{0AECB04B-7D44-4F71-9C59-5BE5C77016D4}"/>
-              </a:ext>
-            </a:extLst>
-          </p:cNvPr>
-          <p:cNvPicPr>
-            <a:picLocks noChangeAspect="1"/>
-          </p:cNvPicPr>
-          <p:nvPr/>
-        </p:nvPicPr>
-        <p:blipFill>
-          <a:blip r:embed="rId2"/>
-          <a:stretch>
-            <a:fillRect/>
-          </a:stretch>
-        </p:blipFill>
-        <p:spPr>
-          <a:xfrm>
-            <a:off x="1063487" y="3246565"/>
-            <a:ext cx="5917096" cy="3482224"/>
-          </a:xfrm>
-          <a:prstGeom prst="rect">
-            <a:avLst/>
-          </a:prstGeom>
-        </p:spPr>
-      </p:pic>
-    </p:spTree>
-    <p:extLst>
-      <p:ext uri="{BB962C8B-B14F-4D97-AF65-F5344CB8AC3E}">
-        <p14:creationId xmlns:p14="http://schemas.microsoft.com/office/powerpoint/2010/main" val="3171352599"/>
-      </p:ext>
-    </p:extLst>
-  </p:cSld>
-  <p:clrMapOvr>
-    <a:masterClrMapping/>
-  </p:clrMapOvr>
-</p:sld>
-</file>
-
-<file path=ppt/slides/slide22.xml><?xml version="1.0" encoding="utf-8"?>
-<p:sld xmlns:a="http://schemas.openxmlformats.org/drawingml/2006/main" xmlns:r="http://schemas.openxmlformats.org/officeDocument/2006/relationships" xmlns:p="http://schemas.openxmlformats.org/presentationml/2006/main">
-  <p:cSld>
-    <p:spTree>
-      <p:nvGrpSpPr>
-        <p:cNvPr id="1" name=""/>
-        <p:cNvGrpSpPr/>
-        <p:nvPr/>
-      </p:nvGrpSpPr>
-      <p:grpSpPr>
-        <a:xfrm>
-          <a:off x="0" y="0"/>
-          <a:ext cx="0" cy="0"/>
-          <a:chOff x="0" y="0"/>
-          <a:chExt cx="0" cy="0"/>
-        </a:xfrm>
-      </p:grpSpPr>
-      <p:sp>
-        <p:nvSpPr>
-          <p:cNvPr id="2" name="标题 1">
-            <a:extLst>
-              <a:ext uri="{FF2B5EF4-FFF2-40B4-BE49-F238E27FC236}">
-                <a16:creationId xmlns:a16="http://schemas.microsoft.com/office/drawing/2014/main" xmlns="" id="{6FC2B082-3E8D-4231-A05C-58179E8D8D06}"/>
-              </a:ext>
-            </a:extLst>
-          </p:cNvPr>
-          <p:cNvSpPr>
-            <a:spLocks noGrp="1"/>
-          </p:cNvSpPr>
-          <p:nvPr>
-            <p:ph type="title"/>
-          </p:nvPr>
-        </p:nvSpPr>
-        <p:spPr/>
-        <p:txBody>
-          <a:bodyPr/>
-          <a:lstStyle/>
-          <a:p>
-            <a:r>
-              <a:rPr lang="en-US" altLang="zh-CN" dirty="0"/>
-              <a:t>Kungfu</a:t>
-            </a:r>
-            <a:r>
-              <a:rPr lang="zh-CN" altLang="en-US" dirty="0"/>
-              <a:t>的</a:t>
-            </a:r>
-            <a:r>
-              <a:rPr lang="en-US" altLang="zh-CN" dirty="0"/>
-              <a:t>TD</a:t>
-            </a:r>
-            <a:r>
-              <a:rPr lang="zh-CN" altLang="en-US" dirty="0"/>
-              <a:t>端点对消息队列的写入 </a:t>
-            </a:r>
-            <a:r>
-              <a:rPr lang="en-US" altLang="zh-CN" dirty="0"/>
-              <a:t>3/4</a:t>
-            </a:r>
-            <a:endParaRPr lang="zh-CN" altLang="en-US" dirty="0"/>
-          </a:p>
-        </p:txBody>
-      </p:sp>
-      <p:sp>
-        <p:nvSpPr>
-          <p:cNvPr id="3" name="内容占位符 2">
-            <a:extLst>
-              <a:ext uri="{FF2B5EF4-FFF2-40B4-BE49-F238E27FC236}">
-                <a16:creationId xmlns:a16="http://schemas.microsoft.com/office/drawing/2014/main" xmlns="" id="{6B9C5008-02A5-40BC-8E1A-D53DE803824E}"/>
-              </a:ext>
-            </a:extLst>
-          </p:cNvPr>
-          <p:cNvSpPr>
-            <a:spLocks noGrp="1"/>
-          </p:cNvSpPr>
-          <p:nvPr>
-            <p:ph idx="1"/>
-          </p:nvPr>
-        </p:nvSpPr>
-        <p:spPr/>
-        <p:txBody>
-          <a:bodyPr/>
-          <a:lstStyle/>
-          <a:p>
-            <a:r>
-              <a:rPr lang="zh-CN" altLang="en-US" dirty="0"/>
-              <a:t>程序文件</a:t>
-            </a:r>
-            <a:r>
-              <a:rPr lang="en-US" altLang="zh-CN" dirty="0" err="1"/>
-              <a:t>wingchun</a:t>
-            </a:r>
-            <a:r>
-              <a:rPr lang="en-US" altLang="zh-CN" dirty="0"/>
-              <a:t>\td\ITDEngine.cpp</a:t>
-            </a:r>
-          </a:p>
-          <a:p>
-            <a:r>
-              <a:rPr lang="zh-CN" altLang="en-US" dirty="0"/>
-              <a:t>供子类实现的发单消息，撤单消息，查持仓消息，查询账户消息</a:t>
-            </a:r>
-            <a:endParaRPr lang="en-US" altLang="zh-CN" dirty="0"/>
-          </a:p>
-          <a:p>
-            <a:r>
-              <a:rPr lang="zh-CN" altLang="en-US" dirty="0"/>
-              <a:t>子类的实现可以参考</a:t>
-            </a:r>
-            <a:r>
-              <a:rPr lang="en-US" altLang="zh-CN" dirty="0" err="1"/>
-              <a:t>TDEngineBinance</a:t>
-            </a:r>
-            <a:r>
-              <a:rPr lang="zh-CN" altLang="en-US" dirty="0"/>
-              <a:t>，</a:t>
-            </a:r>
-            <a:r>
-              <a:rPr lang="en-US" altLang="zh-CN" dirty="0" err="1"/>
-              <a:t>TDEngineBitfinex</a:t>
-            </a:r>
-            <a:r>
-              <a:rPr lang="zh-CN" altLang="en-US" dirty="0"/>
-              <a:t>等</a:t>
-            </a:r>
-          </a:p>
-        </p:txBody>
-      </p:sp>
-      <p:pic>
-        <p:nvPicPr>
-          <p:cNvPr id="6" name="图片 5">
-            <a:extLst>
-              <a:ext uri="{FF2B5EF4-FFF2-40B4-BE49-F238E27FC236}">
-                <a16:creationId xmlns:a16="http://schemas.microsoft.com/office/drawing/2014/main" xmlns="" id="{766CD6FC-BAAF-458F-9B05-2C17575EB28A}"/>
-              </a:ext>
-            </a:extLst>
-          </p:cNvPr>
-          <p:cNvPicPr>
-            <a:picLocks noChangeAspect="1"/>
-          </p:cNvPicPr>
-          <p:nvPr/>
-        </p:nvPicPr>
-        <p:blipFill>
-          <a:blip r:embed="rId2"/>
-          <a:stretch>
-            <a:fillRect/>
-          </a:stretch>
-        </p:blipFill>
-        <p:spPr>
-          <a:xfrm>
-            <a:off x="977348" y="3873362"/>
-            <a:ext cx="10515600" cy="2152650"/>
-          </a:xfrm>
-          <a:prstGeom prst="rect">
-            <a:avLst/>
-          </a:prstGeom>
-        </p:spPr>
-      </p:pic>
-    </p:spTree>
-    <p:extLst>
-      <p:ext uri="{BB962C8B-B14F-4D97-AF65-F5344CB8AC3E}">
-        <p14:creationId xmlns:p14="http://schemas.microsoft.com/office/powerpoint/2010/main" val="2247395851"/>
-      </p:ext>
-    </p:extLst>
-  </p:cSld>
-  <p:clrMapOvr>
-    <a:masterClrMapping/>
-  </p:clrMapOvr>
-</p:sld>
-</file>
-
-<file path=ppt/slides/slide23.xml><?xml version="1.0" encoding="utf-8"?>
-<p:sld xmlns:a="http://schemas.openxmlformats.org/drawingml/2006/main" xmlns:r="http://schemas.openxmlformats.org/officeDocument/2006/relationships" xmlns:p="http://schemas.openxmlformats.org/presentationml/2006/main">
-  <p:cSld>
-    <p:spTree>
-      <p:nvGrpSpPr>
-        <p:cNvPr id="1" name=""/>
-        <p:cNvGrpSpPr/>
-        <p:nvPr/>
-      </p:nvGrpSpPr>
-      <p:grpSpPr>
-        <a:xfrm>
-          <a:off x="0" y="0"/>
-          <a:ext cx="0" cy="0"/>
-          <a:chOff x="0" y="0"/>
-          <a:chExt cx="0" cy="0"/>
-        </a:xfrm>
-      </p:grpSpPr>
-      <p:sp>
-        <p:nvSpPr>
-          <p:cNvPr id="2" name="标题 1">
-            <a:extLst>
-              <a:ext uri="{FF2B5EF4-FFF2-40B4-BE49-F238E27FC236}">
-                <a16:creationId xmlns:a16="http://schemas.microsoft.com/office/drawing/2014/main" xmlns="" id="{086EF431-4277-455A-BD53-F8CF3DDFB202}"/>
-              </a:ext>
-            </a:extLst>
-          </p:cNvPr>
-          <p:cNvSpPr>
-            <a:spLocks noGrp="1"/>
-          </p:cNvSpPr>
-          <p:nvPr>
-            <p:ph type="title"/>
-          </p:nvPr>
-        </p:nvSpPr>
-        <p:spPr/>
-        <p:txBody>
-          <a:bodyPr/>
-          <a:lstStyle/>
-          <a:p>
-            <a:r>
-              <a:rPr lang="en-US" altLang="zh-CN" dirty="0"/>
-              <a:t>Kungfu</a:t>
-            </a:r>
-            <a:r>
-              <a:rPr lang="zh-CN" altLang="en-US" dirty="0"/>
-              <a:t>的</a:t>
-            </a:r>
-            <a:r>
-              <a:rPr lang="en-US" altLang="zh-CN" dirty="0"/>
-              <a:t>TD</a:t>
-            </a:r>
-            <a:r>
-              <a:rPr lang="zh-CN" altLang="en-US" dirty="0"/>
-              <a:t>端点对消息队列的写入 </a:t>
-            </a:r>
-            <a:r>
-              <a:rPr lang="en-US" altLang="zh-CN" dirty="0"/>
-              <a:t>3/4</a:t>
-            </a:r>
-            <a:endParaRPr lang="zh-CN" altLang="en-US" dirty="0"/>
-          </a:p>
-        </p:txBody>
-      </p:sp>
-      <p:sp>
-        <p:nvSpPr>
-          <p:cNvPr id="3" name="内容占位符 2">
-            <a:extLst>
-              <a:ext uri="{FF2B5EF4-FFF2-40B4-BE49-F238E27FC236}">
-                <a16:creationId xmlns:a16="http://schemas.microsoft.com/office/drawing/2014/main" xmlns="" id="{57191E04-A1D6-4B80-8E91-8942D4D53096}"/>
-              </a:ext>
-            </a:extLst>
-          </p:cNvPr>
-          <p:cNvSpPr>
-            <a:spLocks noGrp="1"/>
-          </p:cNvSpPr>
-          <p:nvPr>
-            <p:ph idx="1"/>
-          </p:nvPr>
-        </p:nvSpPr>
-        <p:spPr/>
-        <p:txBody>
-          <a:bodyPr/>
-          <a:lstStyle/>
-          <a:p>
-            <a:r>
-              <a:rPr lang="zh-CN" altLang="en-US" dirty="0"/>
-              <a:t>程序文件</a:t>
-            </a:r>
-            <a:r>
-              <a:rPr lang="en-US" altLang="zh-CN" dirty="0" err="1"/>
-              <a:t>wingchun</a:t>
-            </a:r>
-            <a:r>
-              <a:rPr lang="en-US" altLang="zh-CN" dirty="0"/>
-              <a:t>\td\ITDEngine.cpp</a:t>
-            </a:r>
-          </a:p>
-          <a:p>
-            <a:r>
-              <a:rPr lang="zh-CN" altLang="en-US" dirty="0"/>
-              <a:t>子类通知策略的接口函数方法，比如发单失败，撤单发送失败，状态更新，成交信息更新等</a:t>
-            </a:r>
-          </a:p>
-        </p:txBody>
-      </p:sp>
-      <p:pic>
-        <p:nvPicPr>
-          <p:cNvPr id="4" name="内容占位符 3">
-            <a:extLst>
-              <a:ext uri="{FF2B5EF4-FFF2-40B4-BE49-F238E27FC236}">
-                <a16:creationId xmlns:a16="http://schemas.microsoft.com/office/drawing/2014/main" xmlns="" id="{98A64ADD-5683-4199-8A02-5527A08D5868}"/>
-              </a:ext>
-            </a:extLst>
-          </p:cNvPr>
-          <p:cNvPicPr>
-            <a:picLocks noChangeAspect="1"/>
-          </p:cNvPicPr>
-          <p:nvPr/>
-        </p:nvPicPr>
-        <p:blipFill>
-          <a:blip r:embed="rId2"/>
-          <a:stretch>
-            <a:fillRect/>
-          </a:stretch>
-        </p:blipFill>
-        <p:spPr>
-          <a:xfrm>
-            <a:off x="949393" y="3239575"/>
-            <a:ext cx="5385146" cy="2835856"/>
-          </a:xfrm>
-          <a:prstGeom prst="rect">
-            <a:avLst/>
-          </a:prstGeom>
-        </p:spPr>
-      </p:pic>
-      <p:pic>
-        <p:nvPicPr>
-          <p:cNvPr id="6" name="图片 5">
-            <a:extLst>
-              <a:ext uri="{FF2B5EF4-FFF2-40B4-BE49-F238E27FC236}">
-                <a16:creationId xmlns:a16="http://schemas.microsoft.com/office/drawing/2014/main" xmlns="" id="{90B8359A-E84E-4EB3-B359-D3362872555B}"/>
-              </a:ext>
-            </a:extLst>
-          </p:cNvPr>
-          <p:cNvPicPr>
-            <a:picLocks noChangeAspect="1"/>
-          </p:cNvPicPr>
-          <p:nvPr/>
-        </p:nvPicPr>
-        <p:blipFill>
-          <a:blip r:embed="rId3"/>
-          <a:stretch>
-            <a:fillRect/>
-          </a:stretch>
-        </p:blipFill>
-        <p:spPr>
-          <a:xfrm>
-            <a:off x="6334539" y="3657600"/>
-            <a:ext cx="5741504" cy="1794032"/>
-          </a:xfrm>
-          <a:prstGeom prst="rect">
-            <a:avLst/>
-          </a:prstGeom>
-        </p:spPr>
-      </p:pic>
-    </p:spTree>
-    <p:extLst>
-      <p:ext uri="{BB962C8B-B14F-4D97-AF65-F5344CB8AC3E}">
-        <p14:creationId xmlns:p14="http://schemas.microsoft.com/office/powerpoint/2010/main" val="1436770900"/>
-      </p:ext>
-    </p:extLst>
-  </p:cSld>
-  <p:clrMapOvr>
-    <a:masterClrMapping/>
-  </p:clrMapOvr>
-</p:sld>
-</file>
-
-<file path=ppt/slides/slide24.xml><?xml version="1.0" encoding="utf-8"?>
-<p:sld xmlns:a="http://schemas.openxmlformats.org/drawingml/2006/main" xmlns:r="http://schemas.openxmlformats.org/officeDocument/2006/relationships" xmlns:p="http://schemas.openxmlformats.org/presentationml/2006/main">
-  <p:cSld>
-    <p:spTree>
-      <p:nvGrpSpPr>
-        <p:cNvPr id="1" name=""/>
-        <p:cNvGrpSpPr/>
-        <p:nvPr/>
-      </p:nvGrpSpPr>
-      <p:grpSpPr>
-        <a:xfrm>
-          <a:off x="0" y="0"/>
-          <a:ext cx="0" cy="0"/>
-          <a:chOff x="0" y="0"/>
-          <a:chExt cx="0" cy="0"/>
-        </a:xfrm>
-      </p:grpSpPr>
-      <p:sp>
-        <p:nvSpPr>
-          <p:cNvPr id="2" name="标题 1">
-            <a:extLst>
-              <a:ext uri="{FF2B5EF4-FFF2-40B4-BE49-F238E27FC236}">
-                <a16:creationId xmlns:a16="http://schemas.microsoft.com/office/drawing/2014/main" xmlns="" id="{65389330-C72E-408C-8BCE-81021CA8E770}"/>
-              </a:ext>
-            </a:extLst>
-          </p:cNvPr>
-          <p:cNvSpPr>
-            <a:spLocks noGrp="1"/>
-          </p:cNvSpPr>
-          <p:nvPr>
-            <p:ph type="title"/>
-          </p:nvPr>
-        </p:nvSpPr>
-        <p:spPr/>
-        <p:txBody>
-          <a:bodyPr/>
-          <a:lstStyle/>
-          <a:p>
-            <a:r>
-              <a:rPr lang="zh-CN" altLang="en-US" dirty="0"/>
-              <a:t>策略端点的功能实现   </a:t>
-            </a:r>
-            <a:r>
-              <a:rPr lang="en-US" altLang="zh-CN" dirty="0"/>
-              <a:t>1/4</a:t>
-            </a:r>
-            <a:endParaRPr lang="zh-CN" altLang="en-US" dirty="0"/>
-          </a:p>
-        </p:txBody>
-      </p:sp>
-      <p:sp>
-        <p:nvSpPr>
-          <p:cNvPr id="3" name="内容占位符 2">
-            <a:extLst>
-              <a:ext uri="{FF2B5EF4-FFF2-40B4-BE49-F238E27FC236}">
-                <a16:creationId xmlns:a16="http://schemas.microsoft.com/office/drawing/2014/main" xmlns="" id="{C6F328EB-5115-4F46-90FC-F842A5A87255}"/>
-              </a:ext>
-            </a:extLst>
-          </p:cNvPr>
-          <p:cNvSpPr>
-            <a:spLocks noGrp="1"/>
-          </p:cNvSpPr>
-          <p:nvPr>
-            <p:ph idx="1"/>
-          </p:nvPr>
-        </p:nvSpPr>
-        <p:spPr/>
-        <p:txBody>
-          <a:bodyPr>
-            <a:normAutofit fontScale="92500" lnSpcReduction="10000"/>
-          </a:bodyPr>
-          <a:lstStyle/>
-          <a:p>
-            <a:r>
-              <a:rPr lang="en-US" altLang="zh-CN" dirty="0" err="1"/>
-              <a:t>wingchun</a:t>
-            </a:r>
-            <a:r>
-              <a:rPr lang="en-US" altLang="zh-CN" dirty="0"/>
-              <a:t>\strategy\IWCStrategy.cpp </a:t>
-            </a:r>
-          </a:p>
-          <a:p>
-            <a:pPr lvl="1"/>
-            <a:r>
-              <a:rPr lang="zh-CN" altLang="en-US" dirty="0"/>
-              <a:t>聚合了辅助类</a:t>
-            </a:r>
-            <a:r>
-              <a:rPr lang="en-US" altLang="zh-CN" dirty="0" err="1"/>
-              <a:t>WCStrategyUtil</a:t>
-            </a:r>
-            <a:r>
-              <a:rPr lang="zh-CN" altLang="en-US" dirty="0"/>
-              <a:t>和</a:t>
-            </a:r>
-            <a:r>
-              <a:rPr lang="en-US" altLang="zh-CN" dirty="0" err="1"/>
-              <a:t>WCDataWrapper</a:t>
-            </a:r>
-            <a:r>
-              <a:rPr lang="zh-CN" altLang="en-US" dirty="0"/>
-              <a:t>类提供了读写消息队列的能力</a:t>
-            </a:r>
-            <a:endParaRPr lang="en-US" altLang="zh-CN" dirty="0"/>
-          </a:p>
-          <a:p>
-            <a:pPr lvl="1"/>
-            <a:r>
-              <a:rPr lang="en-US" altLang="zh-CN" dirty="0" err="1"/>
-              <a:t>WCStrategyUtil</a:t>
-            </a:r>
-            <a:r>
-              <a:rPr lang="en-US" altLang="zh-CN" dirty="0"/>
-              <a:t> </a:t>
-            </a:r>
-            <a:r>
-              <a:rPr lang="zh-CN" altLang="en-US" dirty="0"/>
-              <a:t>提供了发单方法，如</a:t>
-            </a:r>
-            <a:r>
-              <a:rPr lang="en-US" altLang="zh-CN" dirty="0" err="1"/>
-              <a:t>insert_market_order</a:t>
-            </a:r>
-            <a:r>
-              <a:rPr lang="zh-CN" altLang="en-US" dirty="0"/>
-              <a:t>，</a:t>
-            </a:r>
-            <a:r>
-              <a:rPr lang="en-US" altLang="zh-CN" dirty="0" err="1"/>
-              <a:t>insert_limit_order</a:t>
-            </a:r>
-            <a:r>
-              <a:rPr lang="zh-CN" altLang="en-US" dirty="0"/>
-              <a:t>，</a:t>
-            </a:r>
-            <a:r>
-              <a:rPr lang="en-US" altLang="zh-CN" dirty="0" err="1"/>
-              <a:t>insert_fok_order</a:t>
-            </a:r>
-            <a:r>
-              <a:rPr lang="zh-CN" altLang="en-US" dirty="0"/>
-              <a:t>，</a:t>
-            </a:r>
-            <a:r>
-              <a:rPr lang="en-US" altLang="zh-CN" dirty="0" err="1"/>
-              <a:t>cancel_order</a:t>
-            </a:r>
-            <a:r>
-              <a:rPr lang="zh-CN" altLang="en-US" dirty="0"/>
-              <a:t>等</a:t>
-            </a:r>
-            <a:endParaRPr lang="en-US" altLang="zh-CN" dirty="0"/>
-          </a:p>
-          <a:p>
-            <a:pPr lvl="1"/>
-            <a:r>
-              <a:rPr lang="en-US" altLang="zh-CN" dirty="0" err="1"/>
-              <a:t>WCDataWrapper</a:t>
-            </a:r>
-            <a:r>
-              <a:rPr lang="zh-CN" altLang="en-US" dirty="0"/>
-              <a:t>的</a:t>
-            </a:r>
-            <a:r>
-              <a:rPr lang="en-US" altLang="zh-CN" dirty="0"/>
-              <a:t>run</a:t>
-            </a:r>
-            <a:r>
-              <a:rPr lang="zh-CN" altLang="en-US" dirty="0"/>
-              <a:t>方法提供了读取消息队列的能力，并根据消息类型传给</a:t>
-            </a:r>
-            <a:r>
-              <a:rPr lang="en-US" altLang="zh-CN" dirty="0" err="1"/>
-              <a:t>IWCStrategy</a:t>
-            </a:r>
-            <a:r>
-              <a:rPr lang="zh-CN" altLang="en-US" dirty="0"/>
-              <a:t>相应的处理方法，比如读取</a:t>
-            </a:r>
-            <a:r>
-              <a:rPr lang="en-US" altLang="zh-CN" dirty="0"/>
-              <a:t>MD</a:t>
-            </a:r>
-            <a:r>
-              <a:rPr lang="zh-CN" altLang="en-US" dirty="0"/>
-              <a:t>的信息，读取</a:t>
-            </a:r>
-            <a:r>
-              <a:rPr lang="en-US" altLang="zh-CN" dirty="0"/>
-              <a:t>TD</a:t>
-            </a:r>
-            <a:r>
-              <a:rPr lang="zh-CN" altLang="en-US" dirty="0"/>
-              <a:t>的发撤单信息。</a:t>
-            </a:r>
-            <a:r>
-              <a:rPr lang="en-US" altLang="zh-CN" dirty="0"/>
-              <a:t/>
-            </a:r>
-            <a:br>
-              <a:rPr lang="en-US" altLang="zh-CN" dirty="0"/>
-            </a:br>
-            <a:endParaRPr lang="en-US" altLang="zh-CN" dirty="0"/>
-          </a:p>
-          <a:p>
-            <a:r>
-              <a:rPr lang="en-US" altLang="zh-CN" dirty="0"/>
-              <a:t>C++</a:t>
-            </a:r>
-            <a:r>
-              <a:rPr lang="zh-CN" altLang="en-US" dirty="0"/>
-              <a:t>策略</a:t>
-            </a:r>
-            <a:endParaRPr lang="en-US" altLang="zh-CN" dirty="0"/>
-          </a:p>
-          <a:p>
-            <a:pPr marL="0" indent="0">
-              <a:buNone/>
-            </a:pPr>
-            <a:r>
-              <a:rPr lang="en-US" altLang="zh-CN" dirty="0"/>
-              <a:t>	</a:t>
-            </a:r>
-            <a:r>
-              <a:rPr lang="zh-CN" altLang="en-US" dirty="0"/>
-              <a:t>通过继承</a:t>
-            </a:r>
-            <a:r>
-              <a:rPr lang="en-US" altLang="zh-CN" dirty="0" err="1"/>
-              <a:t>IWCStrategy</a:t>
-            </a:r>
-            <a:r>
-              <a:rPr lang="zh-CN" altLang="en-US" dirty="0"/>
-              <a:t>直接获得了父类的方法</a:t>
-            </a:r>
-            <a:endParaRPr lang="en-US" altLang="zh-CN" dirty="0"/>
-          </a:p>
-          <a:p>
-            <a:r>
-              <a:rPr lang="en-US" altLang="zh-CN" dirty="0"/>
-              <a:t>Python</a:t>
-            </a:r>
-            <a:r>
-              <a:rPr lang="zh-CN" altLang="en-US" dirty="0"/>
-              <a:t>策略通过接口转换获得了同等</a:t>
-            </a:r>
-            <a:r>
-              <a:rPr lang="en-US" altLang="zh-CN" dirty="0" err="1"/>
-              <a:t>c++</a:t>
-            </a:r>
-            <a:r>
-              <a:rPr lang="zh-CN" altLang="en-US" dirty="0"/>
-              <a:t>策略的能力：</a:t>
-            </a:r>
-            <a:endParaRPr lang="en-US" altLang="zh-CN" dirty="0"/>
-          </a:p>
-          <a:p>
-            <a:pPr lvl="1"/>
-            <a:r>
-              <a:rPr lang="en-US" altLang="zh-CN" dirty="0"/>
-              <a:t>\python\kungfu\wingchun\wc_configs.py</a:t>
-            </a:r>
-            <a:br>
-              <a:rPr lang="en-US" altLang="zh-CN" dirty="0"/>
-            </a:br>
-            <a:r>
-              <a:rPr lang="en-US" altLang="zh-CN" dirty="0"/>
-              <a:t>\</a:t>
-            </a:r>
-            <a:r>
-              <a:rPr lang="en-US" altLang="zh-CN" dirty="0" err="1"/>
-              <a:t>wingchun</a:t>
-            </a:r>
-            <a:r>
-              <a:rPr lang="en-US" altLang="zh-CN" dirty="0"/>
-              <a:t>\strategy\</a:t>
-            </a:r>
-            <a:r>
-              <a:rPr lang="en-US" altLang="zh-CN" dirty="0" err="1"/>
-              <a:t>PyWCStrategy.h</a:t>
-            </a:r>
-            <a:endParaRPr lang="en-US" altLang="zh-CN" dirty="0"/>
-          </a:p>
-          <a:p>
-            <a:endParaRPr lang="zh-CN" altLang="en-US" dirty="0"/>
-          </a:p>
-        </p:txBody>
-      </p:sp>
-    </p:spTree>
-    <p:extLst>
-      <p:ext uri="{BB962C8B-B14F-4D97-AF65-F5344CB8AC3E}">
-        <p14:creationId xmlns:p14="http://schemas.microsoft.com/office/powerpoint/2010/main" val="3064592007"/>
-      </p:ext>
-    </p:extLst>
-  </p:cSld>
-  <p:clrMapOvr>
-    <a:masterClrMapping/>
-  </p:clrMapOvr>
-</p:sld>
-</file>
-
-<file path=ppt/slides/slide25.xml><?xml version="1.0" encoding="utf-8"?>
-<p:sld xmlns:a="http://schemas.openxmlformats.org/drawingml/2006/main" xmlns:r="http://schemas.openxmlformats.org/officeDocument/2006/relationships" xmlns:p="http://schemas.openxmlformats.org/presentationml/2006/main">
-  <p:cSld>
-    <p:spTree>
-      <p:nvGrpSpPr>
-        <p:cNvPr id="1" name=""/>
-        <p:cNvGrpSpPr/>
-        <p:nvPr/>
-      </p:nvGrpSpPr>
-      <p:grpSpPr>
-        <a:xfrm>
-          <a:off x="0" y="0"/>
-          <a:ext cx="0" cy="0"/>
-          <a:chOff x="0" y="0"/>
-          <a:chExt cx="0" cy="0"/>
-        </a:xfrm>
-      </p:grpSpPr>
-      <p:sp>
-        <p:nvSpPr>
-          <p:cNvPr id="2" name="标题 1">
-            <a:extLst>
-              <a:ext uri="{FF2B5EF4-FFF2-40B4-BE49-F238E27FC236}">
-                <a16:creationId xmlns:a16="http://schemas.microsoft.com/office/drawing/2014/main" xmlns="" id="{6DBBB749-AD13-4857-A7BA-87828DC0C0D6}"/>
-              </a:ext>
-            </a:extLst>
-          </p:cNvPr>
-          <p:cNvSpPr>
-            <a:spLocks noGrp="1"/>
-          </p:cNvSpPr>
-          <p:nvPr>
-            <p:ph type="title"/>
-          </p:nvPr>
-        </p:nvSpPr>
-        <p:spPr/>
-        <p:txBody>
-          <a:bodyPr/>
-          <a:lstStyle/>
-          <a:p>
-            <a:r>
-              <a:rPr lang="zh-CN" altLang="en-US" dirty="0"/>
-              <a:t>策略端点的功能实现</a:t>
-            </a:r>
-            <a:r>
-              <a:rPr lang="en-US" altLang="zh-CN" dirty="0"/>
-              <a:t>	2/4</a:t>
-            </a:r>
-            <a:endParaRPr lang="zh-CN" altLang="en-US" dirty="0"/>
-          </a:p>
-        </p:txBody>
-      </p:sp>
-      <p:sp>
-        <p:nvSpPr>
-          <p:cNvPr id="3" name="内容占位符 2">
-            <a:extLst>
-              <a:ext uri="{FF2B5EF4-FFF2-40B4-BE49-F238E27FC236}">
-                <a16:creationId xmlns:a16="http://schemas.microsoft.com/office/drawing/2014/main" xmlns="" id="{ABF621B3-F547-4DDC-A0EC-5E1C5BB59B79}"/>
-              </a:ext>
-            </a:extLst>
-          </p:cNvPr>
-          <p:cNvSpPr>
-            <a:spLocks noGrp="1"/>
-          </p:cNvSpPr>
-          <p:nvPr>
-            <p:ph idx="1"/>
-          </p:nvPr>
-        </p:nvSpPr>
-        <p:spPr/>
-        <p:txBody>
-          <a:bodyPr/>
-          <a:lstStyle/>
-          <a:p>
-            <a:r>
-              <a:rPr lang="en-US" altLang="zh-CN" dirty="0" err="1"/>
-              <a:t>WCStrategyUtil</a:t>
-            </a:r>
-            <a:r>
-              <a:rPr lang="en-US" altLang="zh-CN" dirty="0"/>
-              <a:t> </a:t>
-            </a:r>
-            <a:r>
-              <a:rPr lang="zh-CN" altLang="en-US" dirty="0"/>
-              <a:t>提供了发单方法</a:t>
-            </a:r>
-            <a:endParaRPr lang="en-US" altLang="zh-CN" dirty="0"/>
-          </a:p>
-          <a:p>
-            <a:r>
-              <a:rPr lang="zh-CN" altLang="en-US" dirty="0"/>
-              <a:t>方法示例</a:t>
-            </a:r>
-          </a:p>
-        </p:txBody>
-      </p:sp>
-      <p:pic>
-        <p:nvPicPr>
-          <p:cNvPr id="4" name="图片 3">
-            <a:extLst>
-              <a:ext uri="{FF2B5EF4-FFF2-40B4-BE49-F238E27FC236}">
-                <a16:creationId xmlns:a16="http://schemas.microsoft.com/office/drawing/2014/main" xmlns="" id="{5D330B99-BEC2-4839-B0BA-515292F8385D}"/>
-              </a:ext>
-            </a:extLst>
-          </p:cNvPr>
-          <p:cNvPicPr>
-            <a:picLocks noChangeAspect="1"/>
-          </p:cNvPicPr>
-          <p:nvPr/>
-        </p:nvPicPr>
-        <p:blipFill>
-          <a:blip r:embed="rId2"/>
-          <a:stretch>
-            <a:fillRect/>
-          </a:stretch>
-        </p:blipFill>
-        <p:spPr>
-          <a:xfrm>
-            <a:off x="3887080" y="2508872"/>
-            <a:ext cx="7293613" cy="3668091"/>
-          </a:xfrm>
-          <a:prstGeom prst="rect">
-            <a:avLst/>
-          </a:prstGeom>
-        </p:spPr>
-      </p:pic>
-    </p:spTree>
-    <p:extLst>
-      <p:ext uri="{BB962C8B-B14F-4D97-AF65-F5344CB8AC3E}">
-        <p14:creationId xmlns:p14="http://schemas.microsoft.com/office/powerpoint/2010/main" val="2021344930"/>
-      </p:ext>
-    </p:extLst>
-  </p:cSld>
-  <p:clrMapOvr>
-    <a:masterClrMapping/>
-  </p:clrMapOvr>
-</p:sld>
-</file>
-
-<file path=ppt/slides/slide26.xml><?xml version="1.0" encoding="utf-8"?>
-<p:sld xmlns:a="http://schemas.openxmlformats.org/drawingml/2006/main" xmlns:r="http://schemas.openxmlformats.org/officeDocument/2006/relationships" xmlns:p="http://schemas.openxmlformats.org/presentationml/2006/main">
-  <p:cSld>
-    <p:spTree>
-      <p:nvGrpSpPr>
-        <p:cNvPr id="1" name=""/>
-        <p:cNvGrpSpPr/>
-        <p:nvPr/>
-      </p:nvGrpSpPr>
-      <p:grpSpPr>
-        <a:xfrm>
-          <a:off x="0" y="0"/>
-          <a:ext cx="0" cy="0"/>
-          <a:chOff x="0" y="0"/>
-          <a:chExt cx="0" cy="0"/>
-        </a:xfrm>
-      </p:grpSpPr>
-      <p:sp>
-        <p:nvSpPr>
-          <p:cNvPr id="2" name="标题 1">
-            <a:extLst>
-              <a:ext uri="{FF2B5EF4-FFF2-40B4-BE49-F238E27FC236}">
-                <a16:creationId xmlns:a16="http://schemas.microsoft.com/office/drawing/2014/main" xmlns="" id="{0070442D-31EF-47F6-A3EA-8AECF88FBC14}"/>
-              </a:ext>
-            </a:extLst>
-          </p:cNvPr>
-          <p:cNvSpPr>
-            <a:spLocks noGrp="1"/>
-          </p:cNvSpPr>
-          <p:nvPr>
-            <p:ph type="title"/>
-          </p:nvPr>
-        </p:nvSpPr>
-        <p:spPr/>
-        <p:txBody>
-          <a:bodyPr>
-            <a:normAutofit/>
-          </a:bodyPr>
-          <a:lstStyle/>
-          <a:p>
-            <a:r>
-              <a:rPr lang="zh-CN" altLang="en-US" dirty="0"/>
-              <a:t>策略端点的功能实现 </a:t>
-            </a:r>
-            <a:r>
-              <a:rPr lang="en-US" altLang="zh-CN" dirty="0"/>
-              <a:t>	3/4</a:t>
-            </a:r>
-            <a:endParaRPr lang="zh-CN" altLang="en-US" dirty="0"/>
-          </a:p>
-        </p:txBody>
-      </p:sp>
-      <p:sp>
-        <p:nvSpPr>
-          <p:cNvPr id="3" name="内容占位符 2">
-            <a:extLst>
-              <a:ext uri="{FF2B5EF4-FFF2-40B4-BE49-F238E27FC236}">
-                <a16:creationId xmlns:a16="http://schemas.microsoft.com/office/drawing/2014/main" xmlns="" id="{212F71BB-B22E-499B-BF50-47DF88166F60}"/>
-              </a:ext>
-            </a:extLst>
-          </p:cNvPr>
-          <p:cNvSpPr>
-            <a:spLocks noGrp="1"/>
-          </p:cNvSpPr>
-          <p:nvPr>
-            <p:ph idx="1"/>
-          </p:nvPr>
-        </p:nvSpPr>
-        <p:spPr/>
-        <p:txBody>
-          <a:bodyPr/>
-          <a:lstStyle/>
-          <a:p>
-            <a:r>
-              <a:rPr lang="en-US" altLang="zh-CN" dirty="0" err="1"/>
-              <a:t>WCDataWrapper</a:t>
-            </a:r>
-            <a:r>
-              <a:rPr lang="zh-CN" altLang="en-US" dirty="0"/>
-              <a:t>的</a:t>
-            </a:r>
-            <a:r>
-              <a:rPr lang="en-US" altLang="zh-CN" dirty="0"/>
-              <a:t>run</a:t>
-            </a:r>
-            <a:r>
-              <a:rPr lang="zh-CN" altLang="en-US" dirty="0"/>
-              <a:t>方法提供了读取消息队列的能力</a:t>
-            </a:r>
-            <a:r>
-              <a:rPr lang="en-US" altLang="zh-CN" dirty="0"/>
-              <a:t>,</a:t>
-            </a:r>
-            <a:r>
-              <a:rPr lang="zh-CN" altLang="en-US" dirty="0"/>
-              <a:t>并根据消息类型传给</a:t>
-            </a:r>
-            <a:r>
-              <a:rPr lang="en-US" altLang="zh-CN" dirty="0" err="1"/>
-              <a:t>IWCStrategy</a:t>
-            </a:r>
-            <a:r>
-              <a:rPr lang="zh-CN" altLang="en-US" dirty="0"/>
-              <a:t>相应的处理方法</a:t>
-            </a:r>
-            <a:r>
-              <a:rPr lang="en-US" altLang="zh-CN" dirty="0"/>
-              <a:t>:</a:t>
-            </a:r>
-          </a:p>
-          <a:p>
-            <a:pPr lvl="1"/>
-            <a:r>
-              <a:rPr lang="zh-CN" altLang="en-US" dirty="0"/>
-              <a:t>撤单出错</a:t>
-            </a:r>
-            <a:endParaRPr lang="en-US" altLang="zh-CN" dirty="0"/>
-          </a:p>
-          <a:p>
-            <a:pPr lvl="1"/>
-            <a:r>
-              <a:rPr lang="zh-CN" altLang="en-US" dirty="0"/>
-              <a:t>订单状态改变</a:t>
-            </a:r>
-            <a:endParaRPr lang="en-US" altLang="zh-CN" dirty="0"/>
-          </a:p>
-          <a:p>
-            <a:pPr lvl="1"/>
-            <a:r>
-              <a:rPr lang="zh-CN" altLang="en-US" dirty="0"/>
-              <a:t>订单成交：</a:t>
-            </a:r>
-          </a:p>
-        </p:txBody>
-      </p:sp>
-      <p:pic>
-        <p:nvPicPr>
-          <p:cNvPr id="4" name="图片 3">
-            <a:extLst>
-              <a:ext uri="{FF2B5EF4-FFF2-40B4-BE49-F238E27FC236}">
-                <a16:creationId xmlns:a16="http://schemas.microsoft.com/office/drawing/2014/main" xmlns="" id="{88D6B27A-400D-4B38-B66C-C48E1BD84985}"/>
-              </a:ext>
-            </a:extLst>
-          </p:cNvPr>
-          <p:cNvPicPr>
-            <a:picLocks noChangeAspect="1"/>
-          </p:cNvPicPr>
-          <p:nvPr/>
-        </p:nvPicPr>
-        <p:blipFill>
-          <a:blip r:embed="rId2"/>
-          <a:stretch>
-            <a:fillRect/>
-          </a:stretch>
-        </p:blipFill>
-        <p:spPr>
-          <a:xfrm>
-            <a:off x="5983356" y="2999898"/>
-            <a:ext cx="5520151" cy="3492977"/>
-          </a:xfrm>
-          <a:prstGeom prst="rect">
-            <a:avLst/>
-          </a:prstGeom>
-        </p:spPr>
-      </p:pic>
-    </p:spTree>
-    <p:extLst>
-      <p:ext uri="{BB962C8B-B14F-4D97-AF65-F5344CB8AC3E}">
-        <p14:creationId xmlns:p14="http://schemas.microsoft.com/office/powerpoint/2010/main" val="223306557"/>
-      </p:ext>
-    </p:extLst>
-  </p:cSld>
-  <p:clrMapOvr>
-    <a:masterClrMapping/>
-  </p:clrMapOvr>
-</p:sld>
-</file>
-
-<file path=ppt/slides/slide27.xml><?xml version="1.0" encoding="utf-8"?>
-<p:sld xmlns:a="http://schemas.openxmlformats.org/drawingml/2006/main" xmlns:r="http://schemas.openxmlformats.org/officeDocument/2006/relationships" xmlns:p="http://schemas.openxmlformats.org/presentationml/2006/main">
-  <p:cSld>
-    <p:spTree>
-      <p:nvGrpSpPr>
-        <p:cNvPr id="1" name=""/>
-        <p:cNvGrpSpPr/>
-        <p:nvPr/>
-      </p:nvGrpSpPr>
-      <p:grpSpPr>
-        <a:xfrm>
-          <a:off x="0" y="0"/>
-          <a:ext cx="0" cy="0"/>
-          <a:chOff x="0" y="0"/>
-          <a:chExt cx="0" cy="0"/>
-        </a:xfrm>
-      </p:grpSpPr>
-      <p:sp>
-        <p:nvSpPr>
-          <p:cNvPr id="2" name="标题 1">
-            <a:extLst>
-              <a:ext uri="{FF2B5EF4-FFF2-40B4-BE49-F238E27FC236}">
-                <a16:creationId xmlns:a16="http://schemas.microsoft.com/office/drawing/2014/main" xmlns="" id="{5AF10601-63AC-461B-A89F-80C8ED3C6BC3}"/>
-              </a:ext>
-            </a:extLst>
-          </p:cNvPr>
-          <p:cNvSpPr>
-            <a:spLocks noGrp="1"/>
-          </p:cNvSpPr>
-          <p:nvPr>
-            <p:ph type="title"/>
-          </p:nvPr>
-        </p:nvSpPr>
-        <p:spPr/>
-        <p:txBody>
-          <a:bodyPr>
-            <a:normAutofit fontScale="90000"/>
-          </a:bodyPr>
-          <a:lstStyle/>
-          <a:p>
-            <a:r>
-              <a:rPr lang="en-US" altLang="zh-CN" dirty="0" err="1"/>
-              <a:t>WCDataWrapper</a:t>
-            </a:r>
-            <a:r>
-              <a:rPr lang="zh-CN" altLang="en-US" dirty="0"/>
-              <a:t>的</a:t>
-            </a:r>
-            <a:r>
-              <a:rPr lang="en-US" altLang="zh-CN" dirty="0"/>
-              <a:t>run</a:t>
-            </a:r>
-            <a:r>
-              <a:rPr lang="zh-CN" altLang="en-US" dirty="0"/>
-              <a:t>方法提供了读取消息队列的能力</a:t>
-            </a:r>
-            <a:r>
-              <a:rPr lang="en-US" altLang="zh-CN" dirty="0"/>
-              <a:t>,</a:t>
-            </a:r>
-            <a:r>
-              <a:rPr lang="zh-CN" altLang="en-US" dirty="0"/>
-              <a:t>并根据消息类型传给</a:t>
-            </a:r>
-            <a:r>
-              <a:rPr lang="en-US" altLang="zh-CN" dirty="0" err="1"/>
-              <a:t>IWCStrategy</a:t>
-            </a:r>
-            <a:r>
-              <a:rPr lang="zh-CN" altLang="en-US" dirty="0"/>
-              <a:t>相应的处理方法</a:t>
-            </a:r>
-          </a:p>
-        </p:txBody>
-      </p:sp>
-      <p:sp>
-        <p:nvSpPr>
-          <p:cNvPr id="3" name="内容占位符 2">
-            <a:extLst>
-              <a:ext uri="{FF2B5EF4-FFF2-40B4-BE49-F238E27FC236}">
-                <a16:creationId xmlns:a16="http://schemas.microsoft.com/office/drawing/2014/main" xmlns="" id="{A3385CCC-220F-4440-9709-0EFC5A66D164}"/>
-              </a:ext>
-            </a:extLst>
-          </p:cNvPr>
-          <p:cNvSpPr>
-            <a:spLocks noGrp="1"/>
-          </p:cNvSpPr>
-          <p:nvPr>
-            <p:ph idx="1"/>
-          </p:nvPr>
-        </p:nvSpPr>
-        <p:spPr/>
-        <p:txBody>
-          <a:bodyPr/>
-          <a:lstStyle/>
-          <a:p>
-            <a:r>
-              <a:rPr lang="zh-CN" altLang="en-US" dirty="0"/>
-              <a:t>换日消息</a:t>
-            </a:r>
-            <a:endParaRPr lang="en-US" altLang="zh-CN" dirty="0"/>
-          </a:p>
-          <a:p>
-            <a:r>
-              <a:rPr lang="en-US" altLang="zh-CN" dirty="0"/>
-              <a:t>MD</a:t>
-            </a:r>
-            <a:r>
-              <a:rPr lang="zh-CN" altLang="en-US" dirty="0"/>
-              <a:t>发给策略的消息</a:t>
-            </a:r>
-          </a:p>
-        </p:txBody>
-      </p:sp>
-      <p:pic>
-        <p:nvPicPr>
-          <p:cNvPr id="5" name="图片 4">
-            <a:extLst>
-              <a:ext uri="{FF2B5EF4-FFF2-40B4-BE49-F238E27FC236}">
-                <a16:creationId xmlns:a16="http://schemas.microsoft.com/office/drawing/2014/main" xmlns="" id="{A0C0C71C-6CD7-4632-AE78-B289E15584F0}"/>
-              </a:ext>
-            </a:extLst>
-          </p:cNvPr>
-          <p:cNvPicPr>
-            <a:picLocks noChangeAspect="1"/>
-          </p:cNvPicPr>
-          <p:nvPr/>
-        </p:nvPicPr>
-        <p:blipFill>
-          <a:blip r:embed="rId2"/>
-          <a:stretch>
-            <a:fillRect/>
-          </a:stretch>
-        </p:blipFill>
-        <p:spPr>
-          <a:xfrm>
-            <a:off x="2976860" y="2801318"/>
-            <a:ext cx="3416603" cy="3872874"/>
-          </a:xfrm>
-          <a:prstGeom prst="rect">
-            <a:avLst/>
-          </a:prstGeom>
-        </p:spPr>
-      </p:pic>
-      <p:pic>
-        <p:nvPicPr>
-          <p:cNvPr id="6" name="图片 5">
-            <a:extLst>
-              <a:ext uri="{FF2B5EF4-FFF2-40B4-BE49-F238E27FC236}">
-                <a16:creationId xmlns:a16="http://schemas.microsoft.com/office/drawing/2014/main" xmlns="" id="{97D75AAE-A3A3-4E07-B700-AE4020975249}"/>
-              </a:ext>
-            </a:extLst>
-          </p:cNvPr>
-          <p:cNvPicPr>
-            <a:picLocks noChangeAspect="1"/>
-          </p:cNvPicPr>
-          <p:nvPr/>
-        </p:nvPicPr>
-        <p:blipFill>
-          <a:blip r:embed="rId3"/>
-          <a:stretch>
-            <a:fillRect/>
-          </a:stretch>
-        </p:blipFill>
-        <p:spPr>
-          <a:xfrm>
-            <a:off x="6393463" y="2801318"/>
-            <a:ext cx="5426439" cy="3872874"/>
-          </a:xfrm>
-          <a:prstGeom prst="rect">
-            <a:avLst/>
-          </a:prstGeom>
-        </p:spPr>
-      </p:pic>
-    </p:spTree>
-    <p:extLst>
-      <p:ext uri="{BB962C8B-B14F-4D97-AF65-F5344CB8AC3E}">
-        <p14:creationId xmlns:p14="http://schemas.microsoft.com/office/powerpoint/2010/main" val="2492806087"/>
-      </p:ext>
-    </p:extLst>
-  </p:cSld>
-  <p:clrMapOvr>
-    <a:masterClrMapping/>
-  </p:clrMapOvr>
-</p:sld>
-</file>
-
-<file path=ppt/slides/slide28.xml><?xml version="1.0" encoding="utf-8"?>
-<p:sld xmlns:a="http://schemas.openxmlformats.org/drawingml/2006/main" xmlns:r="http://schemas.openxmlformats.org/officeDocument/2006/relationships" xmlns:p="http://schemas.openxmlformats.org/presentationml/2006/main">
-  <p:cSld>
-    <p:spTree>
-      <p:nvGrpSpPr>
-        <p:cNvPr id="1" name=""/>
-        <p:cNvGrpSpPr/>
-        <p:nvPr/>
-      </p:nvGrpSpPr>
-      <p:grpSpPr>
-        <a:xfrm>
-          <a:off x="0" y="0"/>
-          <a:ext cx="0" cy="0"/>
-          <a:chOff x="0" y="0"/>
-          <a:chExt cx="0" cy="0"/>
-        </a:xfrm>
-      </p:grpSpPr>
-      <p:sp>
-        <p:nvSpPr>
-          <p:cNvPr id="2" name="标题 1">
-            <a:extLst>
-              <a:ext uri="{FF2B5EF4-FFF2-40B4-BE49-F238E27FC236}">
-                <a16:creationId xmlns:a16="http://schemas.microsoft.com/office/drawing/2014/main" xmlns="" id="{D26D0A76-FA4A-4804-A761-0D0D61A5B769}"/>
-              </a:ext>
-            </a:extLst>
-          </p:cNvPr>
-          <p:cNvSpPr>
-            <a:spLocks noGrp="1"/>
-          </p:cNvSpPr>
-          <p:nvPr>
-            <p:ph type="title"/>
-          </p:nvPr>
-        </p:nvSpPr>
-        <p:spPr/>
-        <p:txBody>
-          <a:bodyPr/>
-          <a:lstStyle/>
-          <a:p>
-            <a:r>
-              <a:rPr lang="en-US" altLang="zh-CN" dirty="0"/>
-              <a:t>Python</a:t>
-            </a:r>
-            <a:r>
-              <a:rPr lang="zh-CN" altLang="en-US" dirty="0"/>
-              <a:t>策略</a:t>
-            </a:r>
-          </a:p>
-        </p:txBody>
-      </p:sp>
-      <p:sp>
-        <p:nvSpPr>
-          <p:cNvPr id="3" name="内容占位符 2">
-            <a:extLst>
-              <a:ext uri="{FF2B5EF4-FFF2-40B4-BE49-F238E27FC236}">
-                <a16:creationId xmlns:a16="http://schemas.microsoft.com/office/drawing/2014/main" xmlns="" id="{340C36C2-F663-45BD-8D6F-25F5A3FC1F43}"/>
-              </a:ext>
-            </a:extLst>
-          </p:cNvPr>
-          <p:cNvSpPr>
-            <a:spLocks noGrp="1"/>
-          </p:cNvSpPr>
-          <p:nvPr>
-            <p:ph idx="1"/>
-          </p:nvPr>
-        </p:nvSpPr>
-        <p:spPr>
-          <a:xfrm>
-            <a:off x="838200" y="1690688"/>
-            <a:ext cx="10515600" cy="4815302"/>
-          </a:xfrm>
-        </p:spPr>
-        <p:txBody>
-          <a:bodyPr/>
-          <a:lstStyle/>
-          <a:p>
-            <a:r>
-              <a:rPr lang="zh-CN" altLang="en-US" dirty="0"/>
-              <a:t>通过接口转换获得了同等</a:t>
-            </a:r>
-            <a:r>
-              <a:rPr lang="en-US" altLang="zh-CN" dirty="0"/>
-              <a:t>C++</a:t>
-            </a:r>
-            <a:r>
-              <a:rPr lang="zh-CN" altLang="en-US" dirty="0"/>
-              <a:t>策略的能力</a:t>
-            </a:r>
-            <a:endParaRPr lang="en-US" altLang="zh-CN" dirty="0"/>
-          </a:p>
-          <a:p>
-            <a:r>
-              <a:rPr lang="en-US" altLang="zh-CN" dirty="0"/>
-              <a:t>\python\kungfu\wingchun\wc_configs.py</a:t>
-            </a:r>
-            <a:br>
-              <a:rPr lang="en-US" altLang="zh-CN" dirty="0"/>
-            </a:br>
-            <a:r>
-              <a:rPr lang="en-US" altLang="zh-CN" dirty="0"/>
-              <a:t>\</a:t>
-            </a:r>
-            <a:r>
-              <a:rPr lang="en-US" altLang="zh-CN" dirty="0" err="1"/>
-              <a:t>wingchun</a:t>
-            </a:r>
-            <a:r>
-              <a:rPr lang="en-US" altLang="zh-CN" dirty="0"/>
-              <a:t>\strategy\</a:t>
-            </a:r>
-            <a:r>
-              <a:rPr lang="en-US" altLang="zh-CN" dirty="0" err="1"/>
-              <a:t>PyWCStrategy.h</a:t>
-            </a:r>
-            <a:r>
-              <a:rPr lang="en-US" altLang="zh-CN" dirty="0"/>
-              <a:t>:    </a:t>
-            </a:r>
-            <a:br>
-              <a:rPr lang="en-US" altLang="zh-CN" dirty="0"/>
-            </a:br>
-            <a:r>
-              <a:rPr lang="en-US" altLang="zh-CN" dirty="0"/>
-              <a:t>class </a:t>
-            </a:r>
-            <a:r>
-              <a:rPr lang="en-US" altLang="zh-CN" dirty="0" err="1"/>
-              <a:t>PyWCStrategy</a:t>
-            </a:r>
-            <a:r>
-              <a:rPr lang="en-US" altLang="zh-CN" dirty="0"/>
-              <a:t>: public </a:t>
-            </a:r>
-            <a:r>
-              <a:rPr lang="en-US" altLang="zh-CN" b="1" dirty="0" err="1"/>
-              <a:t>IWCStrategy</a:t>
-            </a:r>
-            <a:endParaRPr lang="en-US" altLang="zh-CN" b="1" dirty="0"/>
-          </a:p>
-          <a:p>
-            <a:endParaRPr lang="en-US" altLang="zh-CN" dirty="0"/>
-          </a:p>
-          <a:p>
-            <a:endParaRPr lang="zh-CN" altLang="en-US" dirty="0"/>
-          </a:p>
-        </p:txBody>
-      </p:sp>
-      <p:pic>
-        <p:nvPicPr>
-          <p:cNvPr id="4" name="图片 3">
-            <a:extLst>
-              <a:ext uri="{FF2B5EF4-FFF2-40B4-BE49-F238E27FC236}">
-                <a16:creationId xmlns:a16="http://schemas.microsoft.com/office/drawing/2014/main" xmlns="" id="{F632C02A-D610-4E63-AC87-9A2F150F4CDA}"/>
-              </a:ext>
-            </a:extLst>
-          </p:cNvPr>
-          <p:cNvPicPr>
-            <a:picLocks noChangeAspect="1"/>
-          </p:cNvPicPr>
-          <p:nvPr/>
-        </p:nvPicPr>
-        <p:blipFill>
-          <a:blip r:embed="rId2"/>
-          <a:stretch>
-            <a:fillRect/>
-          </a:stretch>
-        </p:blipFill>
-        <p:spPr>
-          <a:xfrm>
-            <a:off x="1184989" y="3372264"/>
-            <a:ext cx="9628785" cy="1222514"/>
-          </a:xfrm>
-          <a:prstGeom prst="rect">
-            <a:avLst/>
-          </a:prstGeom>
-        </p:spPr>
-      </p:pic>
-      <p:pic>
-        <p:nvPicPr>
-          <p:cNvPr id="5" name="图片 4">
-            <a:extLst>
-              <a:ext uri="{FF2B5EF4-FFF2-40B4-BE49-F238E27FC236}">
-                <a16:creationId xmlns:a16="http://schemas.microsoft.com/office/drawing/2014/main" xmlns="" id="{56F659B3-9AB0-4C89-B0F1-63FC0F3697F7}"/>
-              </a:ext>
-            </a:extLst>
-          </p:cNvPr>
-          <p:cNvPicPr>
-            <a:picLocks noChangeAspect="1"/>
-          </p:cNvPicPr>
-          <p:nvPr/>
-        </p:nvPicPr>
-        <p:blipFill>
-          <a:blip r:embed="rId3"/>
-          <a:stretch>
-            <a:fillRect/>
-          </a:stretch>
-        </p:blipFill>
-        <p:spPr>
-          <a:xfrm>
-            <a:off x="1184988" y="4594778"/>
-            <a:ext cx="9628786" cy="2008257"/>
-          </a:xfrm>
-          <a:prstGeom prst="rect">
-            <a:avLst/>
-          </a:prstGeom>
-        </p:spPr>
-      </p:pic>
-    </p:spTree>
-    <p:extLst>
-      <p:ext uri="{BB962C8B-B14F-4D97-AF65-F5344CB8AC3E}">
-        <p14:creationId xmlns:p14="http://schemas.microsoft.com/office/powerpoint/2010/main" val="2757104705"/>
-      </p:ext>
-    </p:extLst>
-  </p:cSld>
-  <p:clrMapOvr>
-    <a:masterClrMapping/>
-  </p:clrMapOvr>
-</p:sld>
-</file>
-
-<file path=ppt/slides/slide29.xml><?xml version="1.0" encoding="utf-8"?>
-<p:sld xmlns:a="http://schemas.openxmlformats.org/drawingml/2006/main" xmlns:r="http://schemas.openxmlformats.org/officeDocument/2006/relationships" xmlns:p="http://schemas.openxmlformats.org/presentationml/2006/main">
-  <p:cSld>
-    <p:spTree>
-      <p:nvGrpSpPr>
-        <p:cNvPr id="1" name=""/>
-        <p:cNvGrpSpPr/>
-        <p:nvPr/>
-      </p:nvGrpSpPr>
-      <p:grpSpPr>
-        <a:xfrm>
-          <a:off x="0" y="0"/>
-          <a:ext cx="0" cy="0"/>
-          <a:chOff x="0" y="0"/>
-          <a:chExt cx="0" cy="0"/>
-        </a:xfrm>
-      </p:grpSpPr>
-      <p:sp>
-        <p:nvSpPr>
-          <p:cNvPr id="2" name="标题 1">
-            <a:extLst>
-              <a:ext uri="{FF2B5EF4-FFF2-40B4-BE49-F238E27FC236}">
-                <a16:creationId xmlns:a16="http://schemas.microsoft.com/office/drawing/2014/main" xmlns="" id="{931DCE3C-4088-4F05-9D7D-3A29E47F9993}"/>
-              </a:ext>
-            </a:extLst>
-          </p:cNvPr>
-          <p:cNvSpPr>
-            <a:spLocks noGrp="1"/>
-          </p:cNvSpPr>
-          <p:nvPr>
-            <p:ph type="title"/>
-          </p:nvPr>
-        </p:nvSpPr>
-        <p:spPr/>
-        <p:txBody>
-          <a:bodyPr/>
-          <a:lstStyle/>
-          <a:p>
-            <a:r>
-              <a:rPr lang="en-US" altLang="zh-CN" dirty="0"/>
-              <a:t>Python</a:t>
-            </a:r>
-            <a:r>
-              <a:rPr lang="zh-CN" altLang="en-US" dirty="0"/>
-              <a:t>策略</a:t>
-            </a:r>
-          </a:p>
-        </p:txBody>
-      </p:sp>
-      <p:pic>
-        <p:nvPicPr>
-          <p:cNvPr id="4" name="内容占位符 3">
-            <a:extLst>
-              <a:ext uri="{FF2B5EF4-FFF2-40B4-BE49-F238E27FC236}">
-                <a16:creationId xmlns:a16="http://schemas.microsoft.com/office/drawing/2014/main" xmlns="" id="{79058695-FB0B-4BE6-BE50-E2DB50EA1FC6}"/>
-              </a:ext>
-            </a:extLst>
-          </p:cNvPr>
-          <p:cNvPicPr>
-            <a:picLocks noGrp="1" noChangeAspect="1"/>
-          </p:cNvPicPr>
-          <p:nvPr>
-            <p:ph idx="1"/>
-          </p:nvPr>
-        </p:nvPicPr>
-        <p:blipFill>
-          <a:blip r:embed="rId2"/>
-          <a:stretch>
-            <a:fillRect/>
-          </a:stretch>
-        </p:blipFill>
-        <p:spPr>
-          <a:xfrm>
-            <a:off x="846060" y="2352399"/>
-            <a:ext cx="10507740" cy="4351338"/>
-          </a:xfrm>
-          <a:prstGeom prst="rect">
-            <a:avLst/>
-          </a:prstGeom>
-        </p:spPr>
-      </p:pic>
-    </p:spTree>
-    <p:extLst>
-      <p:ext uri="{BB962C8B-B14F-4D97-AF65-F5344CB8AC3E}">
-        <p14:creationId xmlns:p14="http://schemas.microsoft.com/office/powerpoint/2010/main" val="3413632780"/>
       </p:ext>
     </p:extLst>
   </p:cSld>
@@ -8185,7 +7867,7 @@
           <p:cNvPr id="2" name="标题 1">
             <a:extLst>
               <a:ext uri="{FF2B5EF4-FFF2-40B4-BE49-F238E27FC236}">
-                <a16:creationId xmlns:a16="http://schemas.microsoft.com/office/drawing/2014/main" xmlns="" id="{02096BF3-F7BD-474B-B581-A3C3EBB6E04E}"/>
+                <a16:creationId xmlns:a16="http://schemas.microsoft.com/office/drawing/2014/main" xmlns="" id="{4A67DD43-5E59-4AB7-AF36-D977CA323198}"/>
               </a:ext>
             </a:extLst>
           </p:cNvPr>
@@ -8202,25 +7884,26 @@
           <a:lstStyle/>
           <a:p>
             <a:r>
-              <a:rPr lang="zh-CN" altLang="en-US" dirty="0"/>
-              <a:t>参考</a:t>
-            </a:r>
-            <a:r>
-              <a:rPr lang="en-US" altLang="zh-CN" dirty="0"/>
-              <a:t>C++</a:t>
-            </a:r>
-            <a:r>
-              <a:rPr lang="zh-CN" altLang="en-US" dirty="0"/>
-              <a:t>策略和</a:t>
-            </a:r>
-            <a:r>
-              <a:rPr lang="en-US" altLang="zh-CN" dirty="0"/>
-              <a:t>Python</a:t>
-            </a:r>
-            <a:r>
-              <a:rPr lang="zh-CN" altLang="en-US" dirty="0"/>
-              <a:t>策略</a:t>
-            </a:r>
+              <a:rPr lang="en-US" altLang="zh-CN" dirty="0"/>
+              <a:t>Kungfu</a:t>
+            </a:r>
+            <a:r>
+              <a:rPr lang="zh-CN" altLang="en-US" dirty="0"/>
+              <a:t>的</a:t>
+            </a:r>
+            <a:r>
+              <a:rPr lang="en-US" altLang="zh-CN" dirty="0"/>
+              <a:t>TD</a:t>
+            </a:r>
+            <a:r>
+              <a:rPr lang="zh-CN" altLang="en-US" dirty="0"/>
+              <a:t>端点对消息队列的读取</a:t>
+            </a:r>
+            <a:r>
+              <a:rPr lang="en-US" altLang="zh-CN" dirty="0"/>
+              <a:t>2/4</a:t>
+            </a:r>
+            <a:endParaRPr lang="zh-CN" altLang="en-US" dirty="0"/>
           </a:p>
         </p:txBody>
       </p:sp>
@@ -8229,7 +7912,7 @@
           <p:cNvPr id="3" name="内容占位符 2">
             <a:extLst>
               <a:ext uri="{FF2B5EF4-FFF2-40B4-BE49-F238E27FC236}">
-                <a16:creationId xmlns:a16="http://schemas.microsoft.com/office/drawing/2014/main" xmlns="" id="{98FF4108-323A-44CC-92FD-0D65FE31E3B3}"/>
+                <a16:creationId xmlns:a16="http://schemas.microsoft.com/office/drawing/2014/main" xmlns="" id="{3A355CEB-71D4-47CA-B76D-04E1D6053C20}"/>
               </a:ext>
             </a:extLst>
           </p:cNvPr>
@@ -8246,27 +7929,72 @@
           <a:lstStyle/>
           <a:p>
             <a:r>
+              <a:rPr lang="zh-CN" altLang="en-US" dirty="0"/>
+              <a:t>程序文件</a:t>
+            </a:r>
+            <a:r>
               <a:rPr lang="en-US" altLang="zh-CN" dirty="0" err="1"/>
               <a:t>wingchun</a:t>
             </a:r>
             <a:r>
               <a:rPr lang="en-US" altLang="zh-CN" dirty="0"/>
-              <a:t>\strategy\binance_md_td_strategy.cpp</a:t>
-            </a:r>
-          </a:p>
-          <a:p>
-            <a:r>
-              <a:rPr lang="en-US" altLang="zh-CN" dirty="0"/>
-              <a:t>wingchun\strategy\py_demo\binance_order_cancel_test.py</a:t>
-            </a:r>
+              <a:t>\td\ITDEngine.cpp</a:t>
+            </a:r>
+          </a:p>
+          <a:p>
+            <a:r>
+              <a:rPr lang="zh-CN" altLang="en-US" dirty="0"/>
+              <a:t>无锁无</a:t>
+            </a:r>
+            <a:r>
+              <a:rPr lang="en-US" altLang="zh-CN" dirty="0"/>
+              <a:t>sleep</a:t>
+            </a:r>
+            <a:r>
+              <a:rPr lang="zh-CN" altLang="en-US" dirty="0"/>
+              <a:t>轮询来获取发单消息，撤单消息，查持仓消息，查询账户消息，并处理</a:t>
+            </a:r>
+            <a:endParaRPr lang="en-US" altLang="zh-CN" dirty="0"/>
+          </a:p>
+          <a:p>
             <a:endParaRPr lang="zh-CN" altLang="en-US" dirty="0"/>
           </a:p>
         </p:txBody>
       </p:sp>
+      <p:pic>
+        <p:nvPicPr>
+          <p:cNvPr id="4" name="图片 3">
+            <a:extLst>
+              <a:ext uri="{FF2B5EF4-FFF2-40B4-BE49-F238E27FC236}">
+                <a16:creationId xmlns:a16="http://schemas.microsoft.com/office/drawing/2014/main" xmlns="" id="{0AECB04B-7D44-4F71-9C59-5BE5C77016D4}"/>
+              </a:ext>
+            </a:extLst>
+          </p:cNvPr>
+          <p:cNvPicPr>
+            <a:picLocks noChangeAspect="1"/>
+          </p:cNvPicPr>
+          <p:nvPr/>
+        </p:nvPicPr>
+        <p:blipFill>
+          <a:blip r:embed="rId2"/>
+          <a:stretch>
+            <a:fillRect/>
+          </a:stretch>
+        </p:blipFill>
+        <p:spPr>
+          <a:xfrm>
+            <a:off x="1063487" y="3246565"/>
+            <a:ext cx="5917096" cy="3482224"/>
+          </a:xfrm>
+          <a:prstGeom prst="rect">
+            <a:avLst/>
+          </a:prstGeom>
+        </p:spPr>
+      </p:pic>
     </p:spTree>
     <p:extLst>
       <p:ext uri="{BB962C8B-B14F-4D97-AF65-F5344CB8AC3E}">
-        <p14:creationId xmlns:p14="http://schemas.microsoft.com/office/powerpoint/2010/main" val="2689043168"/>
+        <p14:creationId xmlns:p14="http://schemas.microsoft.com/office/powerpoint/2010/main" val="3171352599"/>
       </p:ext>
     </p:extLst>
   </p:cSld>
@@ -8298,7 +8026,7 @@
           <p:cNvPr id="2" name="标题 1">
             <a:extLst>
               <a:ext uri="{FF2B5EF4-FFF2-40B4-BE49-F238E27FC236}">
-                <a16:creationId xmlns:a16="http://schemas.microsoft.com/office/drawing/2014/main" xmlns="" id="{3184C796-D7D5-42CA-93E3-3948EBE039BC}"/>
+                <a16:creationId xmlns:a16="http://schemas.microsoft.com/office/drawing/2014/main" xmlns="" id="{6FC2B082-3E8D-4231-A05C-58179E8D8D06}"/>
               </a:ext>
             </a:extLst>
           </p:cNvPr>
@@ -8315,17 +8043,26 @@
           <a:lstStyle/>
           <a:p>
             <a:r>
-              <a:rPr lang="zh-CN" altLang="en-US" dirty="0"/>
-              <a:t>在</a:t>
-            </a:r>
-            <a:r>
-              <a:rPr lang="en-US" altLang="zh-CN" dirty="0" err="1"/>
-              <a:t>kungfu</a:t>
-            </a:r>
-            <a:r>
-              <a:rPr lang="zh-CN" altLang="en-US" dirty="0"/>
-              <a:t>之上进行的虚拟货币交易改造</a:t>
-            </a:r>
+              <a:rPr lang="en-US" altLang="zh-CN" dirty="0"/>
+              <a:t>Kungfu</a:t>
+            </a:r>
+            <a:r>
+              <a:rPr lang="zh-CN" altLang="en-US" dirty="0"/>
+              <a:t>的</a:t>
+            </a:r>
+            <a:r>
+              <a:rPr lang="en-US" altLang="zh-CN" dirty="0"/>
+              <a:t>TD</a:t>
+            </a:r>
+            <a:r>
+              <a:rPr lang="zh-CN" altLang="en-US" dirty="0"/>
+              <a:t>端点对消息队列的写入 </a:t>
+            </a:r>
+            <a:r>
+              <a:rPr lang="en-US" altLang="zh-CN" dirty="0"/>
+              <a:t>3/4</a:t>
+            </a:r>
+            <a:endParaRPr lang="zh-CN" altLang="en-US" dirty="0"/>
           </a:p>
         </p:txBody>
       </p:sp>
@@ -8334,7 +8071,7 @@
           <p:cNvPr id="3" name="内容占位符 2">
             <a:extLst>
               <a:ext uri="{FF2B5EF4-FFF2-40B4-BE49-F238E27FC236}">
-                <a16:creationId xmlns:a16="http://schemas.microsoft.com/office/drawing/2014/main" xmlns="" id="{D1AF6EEB-ABB2-4232-9752-B51D91BC29C8}"/>
+                <a16:creationId xmlns:a16="http://schemas.microsoft.com/office/drawing/2014/main" xmlns="" id="{6B9C5008-02A5-40BC-8E1A-D53DE803824E}"/>
               </a:ext>
             </a:extLst>
           </p:cNvPr>
@@ -8350,46 +8087,84 @@
           <a:bodyPr/>
           <a:lstStyle/>
           <a:p>
-            <a:endParaRPr lang="en-US" altLang="zh-CN" dirty="0"/>
-          </a:p>
-          <a:p>
-            <a:r>
-              <a:rPr lang="zh-CN" altLang="en-US" dirty="0"/>
-              <a:t>利用了</a:t>
-            </a:r>
-            <a:r>
-              <a:rPr lang="en-US" altLang="zh-CN" dirty="0" err="1"/>
-              <a:t>kungfu</a:t>
-            </a:r>
-            <a:r>
-              <a:rPr lang="zh-CN" altLang="en-US" dirty="0"/>
-              <a:t>优秀的</a:t>
-            </a:r>
-            <a:r>
-              <a:rPr lang="en-US" altLang="zh-CN" dirty="0"/>
-              <a:t>journal</a:t>
-            </a:r>
-            <a:r>
-              <a:rPr lang="zh-CN" altLang="en-US" dirty="0"/>
-              <a:t>导出和信息查看工具</a:t>
-            </a:r>
-            <a:endParaRPr lang="en-US" altLang="zh-CN" dirty="0"/>
-          </a:p>
-          <a:p>
-            <a:endParaRPr lang="en-US" altLang="zh-CN" dirty="0"/>
-          </a:p>
-          <a:p>
-            <a:r>
-              <a:rPr lang="zh-CN" altLang="en-US" dirty="0"/>
-              <a:t>改造了一些结构和接口，更加适合虚拟货币交易</a:t>
-            </a:r>
-          </a:p>
-        </p:txBody>
-      </p:sp>
+            <a:r>
+              <a:rPr lang="zh-CN" altLang="en-US" dirty="0"/>
+              <a:t>程序文件</a:t>
+            </a:r>
+            <a:r>
+              <a:rPr lang="en-US" altLang="zh-CN" dirty="0" err="1"/>
+              <a:t>wingchun</a:t>
+            </a:r>
+            <a:r>
+              <a:rPr lang="en-US" altLang="zh-CN" dirty="0"/>
+              <a:t>\td\ITDEngine.cpp</a:t>
+            </a:r>
+          </a:p>
+          <a:p>
+            <a:r>
+              <a:rPr lang="zh-CN" altLang="en-US" dirty="0"/>
+              <a:t>供子类实现的发单消息，撤单消息，查持仓消息，查询账户消息</a:t>
+            </a:r>
+            <a:endParaRPr lang="en-US" altLang="zh-CN" dirty="0"/>
+          </a:p>
+          <a:p>
+            <a:r>
+              <a:rPr lang="zh-CN" altLang="en-US" dirty="0"/>
+              <a:t>子类的实现可以参考</a:t>
+            </a:r>
+            <a:r>
+              <a:rPr lang="en-US" altLang="zh-CN" dirty="0" err="1"/>
+              <a:t>TDEngineBinance</a:t>
+            </a:r>
+            <a:r>
+              <a:rPr lang="zh-CN" altLang="en-US" dirty="0"/>
+              <a:t>，</a:t>
+            </a:r>
+            <a:r>
+              <a:rPr lang="en-US" altLang="zh-CN" dirty="0" err="1"/>
+              <a:t>TDEngineBitfinex</a:t>
+            </a:r>
+            <a:r>
+              <a:rPr lang="zh-CN" altLang="en-US" dirty="0"/>
+              <a:t>等</a:t>
+            </a:r>
+          </a:p>
+        </p:txBody>
+      </p:sp>
+      <p:pic>
+        <p:nvPicPr>
+          <p:cNvPr id="6" name="图片 5">
+            <a:extLst>
+              <a:ext uri="{FF2B5EF4-FFF2-40B4-BE49-F238E27FC236}">
+                <a16:creationId xmlns:a16="http://schemas.microsoft.com/office/drawing/2014/main" xmlns="" id="{766CD6FC-BAAF-458F-9B05-2C17575EB28A}"/>
+              </a:ext>
+            </a:extLst>
+          </p:cNvPr>
+          <p:cNvPicPr>
+            <a:picLocks noChangeAspect="1"/>
+          </p:cNvPicPr>
+          <p:nvPr/>
+        </p:nvPicPr>
+        <p:blipFill>
+          <a:blip r:embed="rId2"/>
+          <a:stretch>
+            <a:fillRect/>
+          </a:stretch>
+        </p:blipFill>
+        <p:spPr>
+          <a:xfrm>
+            <a:off x="977348" y="3873362"/>
+            <a:ext cx="10515600" cy="2152650"/>
+          </a:xfrm>
+          <a:prstGeom prst="rect">
+            <a:avLst/>
+          </a:prstGeom>
+        </p:spPr>
+      </p:pic>
     </p:spTree>
     <p:extLst>
       <p:ext uri="{BB962C8B-B14F-4D97-AF65-F5344CB8AC3E}">
-        <p14:creationId xmlns:p14="http://schemas.microsoft.com/office/powerpoint/2010/main" val="1903326245"/>
+        <p14:creationId xmlns:p14="http://schemas.microsoft.com/office/powerpoint/2010/main" val="2247395851"/>
       </p:ext>
     </p:extLst>
   </p:cSld>
@@ -8421,7 +8196,7 @@
           <p:cNvPr id="2" name="标题 1">
             <a:extLst>
               <a:ext uri="{FF2B5EF4-FFF2-40B4-BE49-F238E27FC236}">
-                <a16:creationId xmlns:a16="http://schemas.microsoft.com/office/drawing/2014/main" xmlns="" id="{676617CD-3CAD-48B1-A1F1-DA94904E2DC3}"/>
+                <a16:creationId xmlns:a16="http://schemas.microsoft.com/office/drawing/2014/main" xmlns="" id="{086EF431-4277-455A-BD53-F8CF3DDFB202}"/>
               </a:ext>
             </a:extLst>
           </p:cNvPr>
@@ -8438,13 +8213,26 @@
           <a:lstStyle/>
           <a:p>
             <a:r>
-              <a:rPr lang="en-US" altLang="zh-CN" dirty="0" err="1"/>
-              <a:t>kungfu</a:t>
-            </a:r>
-            <a:r>
-              <a:rPr lang="zh-CN" altLang="en-US" dirty="0"/>
-              <a:t>之上进行虚拟货币交易改造</a:t>
-            </a:r>
+              <a:rPr lang="en-US" altLang="zh-CN" dirty="0"/>
+              <a:t>Kungfu</a:t>
+            </a:r>
+            <a:r>
+              <a:rPr lang="zh-CN" altLang="en-US" dirty="0"/>
+              <a:t>的</a:t>
+            </a:r>
+            <a:r>
+              <a:rPr lang="en-US" altLang="zh-CN" dirty="0"/>
+              <a:t>TD</a:t>
+            </a:r>
+            <a:r>
+              <a:rPr lang="zh-CN" altLang="en-US" dirty="0"/>
+              <a:t>端点对消息队列的写入 </a:t>
+            </a:r>
+            <a:r>
+              <a:rPr lang="en-US" altLang="zh-CN" dirty="0"/>
+              <a:t>3/4</a:t>
+            </a:r>
+            <a:endParaRPr lang="zh-CN" altLang="en-US" dirty="0"/>
           </a:p>
         </p:txBody>
       </p:sp>
@@ -8453,7 +8241,7 @@
           <p:cNvPr id="3" name="内容占位符 2">
             <a:extLst>
               <a:ext uri="{FF2B5EF4-FFF2-40B4-BE49-F238E27FC236}">
-                <a16:creationId xmlns:a16="http://schemas.microsoft.com/office/drawing/2014/main" xmlns="" id="{26007D6D-E772-4643-8F5E-890856616D0E}"/>
+                <a16:creationId xmlns:a16="http://schemas.microsoft.com/office/drawing/2014/main" xmlns="" id="{57191E04-A1D6-4B80-8E91-8942D4D53096}"/>
               </a:ext>
             </a:extLst>
           </p:cNvPr>
@@ -8466,180 +8254,94 @@
         </p:nvSpPr>
         <p:spPr/>
         <p:txBody>
-          <a:bodyPr>
-            <a:normAutofit/>
-          </a:bodyPr>
-          <a:lstStyle/>
-          <a:p>
-            <a:endParaRPr lang="en-US" altLang="zh-CN" dirty="0"/>
-          </a:p>
-          <a:p>
-            <a:pPr lvl="1"/>
-            <a:r>
-              <a:rPr lang="zh-CN" altLang="en-US" dirty="0"/>
-              <a:t>发单撤单状态回报等，结构体里面的</a:t>
-            </a:r>
-            <a:r>
-              <a:rPr lang="zh-CN" altLang="en-US" b="1" dirty="0"/>
-              <a:t>价格</a:t>
-            </a:r>
-            <a:r>
-              <a:rPr lang="zh-CN" altLang="en-US" dirty="0"/>
-              <a:t> </a:t>
-            </a:r>
-            <a:r>
-              <a:rPr lang="en-US" altLang="zh-CN" dirty="0" err="1"/>
-              <a:t>LimitPrice</a:t>
-            </a:r>
-            <a:r>
-              <a:rPr lang="en-US" altLang="zh-CN" dirty="0"/>
-              <a:t>/Price  </a:t>
-            </a:r>
-            <a:r>
-              <a:rPr lang="zh-CN" altLang="en-US" dirty="0"/>
-              <a:t>从</a:t>
-            </a:r>
-            <a:r>
-              <a:rPr lang="en-US" altLang="zh-CN" dirty="0"/>
-              <a:t>double  </a:t>
-            </a:r>
-            <a:r>
-              <a:rPr lang="zh-CN" altLang="en-US" dirty="0"/>
-              <a:t>改为 </a:t>
-            </a:r>
-            <a:r>
-              <a:rPr lang="en-US" altLang="zh-CN" dirty="0"/>
-              <a:t>int64_t</a:t>
-            </a:r>
-          </a:p>
-          <a:p>
-            <a:pPr lvl="1"/>
-            <a:endParaRPr lang="en-US" altLang="zh-CN" dirty="0"/>
-          </a:p>
-          <a:p>
-            <a:pPr lvl="1"/>
-            <a:r>
-              <a:rPr lang="zh-CN" altLang="en-US" dirty="0"/>
-              <a:t>发单撤单状态回报等，结构体里面的</a:t>
-            </a:r>
-            <a:r>
-              <a:rPr lang="zh-CN" altLang="en-US" b="1" dirty="0"/>
-              <a:t>数量</a:t>
-            </a:r>
-            <a:r>
-              <a:rPr lang="en-US" altLang="zh-CN" dirty="0" err="1"/>
-              <a:t>MinVolume</a:t>
-            </a:r>
-            <a:r>
-              <a:rPr lang="en-US" altLang="zh-CN" dirty="0"/>
-              <a:t>/Volume/</a:t>
-            </a:r>
-            <a:r>
-              <a:rPr lang="en-US" altLang="zh-CN" dirty="0" err="1"/>
-              <a:t>VolumeTraded</a:t>
-            </a:r>
-            <a:r>
-              <a:rPr lang="en-US" altLang="zh-CN" dirty="0"/>
-              <a:t>/</a:t>
-            </a:r>
-            <a:r>
-              <a:rPr lang="en-US" altLang="zh-CN" dirty="0" err="1"/>
-              <a:t>VolumeTotal</a:t>
-            </a:r>
-            <a:r>
-              <a:rPr lang="en-US" altLang="zh-CN" dirty="0"/>
-              <a:t>/</a:t>
-            </a:r>
-            <a:r>
-              <a:rPr lang="en-US" altLang="zh-CN" dirty="0" err="1"/>
-              <a:t>VolumeTotalOriginal</a:t>
-            </a:r>
-            <a:r>
-              <a:rPr lang="en-US" altLang="zh-CN" dirty="0"/>
-              <a:t>    </a:t>
-            </a:r>
-            <a:r>
-              <a:rPr lang="zh-CN" altLang="en-US" dirty="0"/>
-              <a:t>从</a:t>
-            </a:r>
-            <a:r>
-              <a:rPr lang="en-US" altLang="zh-CN" dirty="0"/>
-              <a:t>int</a:t>
-            </a:r>
-            <a:r>
-              <a:rPr lang="zh-CN" altLang="en-US" dirty="0"/>
-              <a:t>改为 </a:t>
-            </a:r>
-            <a:r>
-              <a:rPr lang="en-US" altLang="zh-CN" dirty="0"/>
-              <a:t>uint64_t</a:t>
-            </a:r>
-          </a:p>
-          <a:p>
-            <a:pPr lvl="1"/>
-            <a:endParaRPr lang="en-US" altLang="zh-CN" dirty="0"/>
-          </a:p>
-          <a:p>
-            <a:pPr lvl="1"/>
-            <a:r>
-              <a:rPr lang="en-US" altLang="zh-CN" dirty="0"/>
-              <a:t>MD</a:t>
-            </a:r>
-            <a:r>
-              <a:rPr lang="zh-CN" altLang="en-US" dirty="0"/>
-              <a:t>添加了新接口：</a:t>
-            </a:r>
-            <a:r>
-              <a:rPr lang="en-US" altLang="zh-CN" dirty="0"/>
-              <a:t> </a:t>
-            </a:r>
-            <a:r>
-              <a:rPr lang="en-US" altLang="zh-CN" b="1" dirty="0" err="1"/>
-              <a:t>on_price_book_update</a:t>
-            </a:r>
-            <a:r>
-              <a:rPr lang="en-US" altLang="zh-CN" dirty="0"/>
-              <a:t> (const LFPriceBook20Field* data)</a:t>
-            </a:r>
-          </a:p>
-          <a:p>
-            <a:pPr lvl="1"/>
-            <a:r>
-              <a:rPr lang="en-US" altLang="zh-CN" dirty="0"/>
-              <a:t>TD</a:t>
-            </a:r>
-            <a:r>
-              <a:rPr lang="zh-CN" altLang="en-US" dirty="0"/>
-              <a:t>部分通过给</a:t>
-            </a:r>
-            <a:r>
-              <a:rPr lang="en-US" altLang="zh-CN" dirty="0" err="1"/>
-              <a:t>LFInputOrderField</a:t>
-            </a:r>
-            <a:r>
-              <a:rPr lang="zh-CN" altLang="en-US" dirty="0"/>
-              <a:t>增加分组参数，可以进行批量发单</a:t>
-            </a:r>
-            <a:endParaRPr lang="en-US" altLang="zh-CN" dirty="0"/>
-          </a:p>
-          <a:p>
-            <a:endParaRPr lang="en-US" altLang="zh-CN" dirty="0"/>
-          </a:p>
-          <a:p>
-            <a:endParaRPr lang="en-US" altLang="zh-CN" dirty="0"/>
-          </a:p>
-          <a:p>
-            <a:endParaRPr lang="en-US" altLang="zh-CN" dirty="0"/>
-          </a:p>
-          <a:p>
-            <a:endParaRPr lang="en-US" altLang="zh-CN" dirty="0"/>
-          </a:p>
-        </p:txBody>
-      </p:sp>
+          <a:bodyPr/>
+          <a:lstStyle/>
+          <a:p>
+            <a:r>
+              <a:rPr lang="zh-CN" altLang="en-US" dirty="0"/>
+              <a:t>程序文件</a:t>
+            </a:r>
+            <a:r>
+              <a:rPr lang="en-US" altLang="zh-CN" dirty="0" err="1"/>
+              <a:t>wingchun</a:t>
+            </a:r>
+            <a:r>
+              <a:rPr lang="en-US" altLang="zh-CN" dirty="0"/>
+              <a:t>\td\ITDEngine.cpp</a:t>
+            </a:r>
+          </a:p>
+          <a:p>
+            <a:r>
+              <a:rPr lang="zh-CN" altLang="en-US" dirty="0"/>
+              <a:t>子类通知策略的接口函数方法，比如发单失败，撤单发送失败，状态更新，成交信息更新等</a:t>
+            </a:r>
+          </a:p>
+        </p:txBody>
+      </p:sp>
+      <p:pic>
+        <p:nvPicPr>
+          <p:cNvPr id="4" name="内容占位符 3">
+            <a:extLst>
+              <a:ext uri="{FF2B5EF4-FFF2-40B4-BE49-F238E27FC236}">
+                <a16:creationId xmlns:a16="http://schemas.microsoft.com/office/drawing/2014/main" xmlns="" id="{98A64ADD-5683-4199-8A02-5527A08D5868}"/>
+              </a:ext>
+            </a:extLst>
+          </p:cNvPr>
+          <p:cNvPicPr>
+            <a:picLocks noChangeAspect="1"/>
+          </p:cNvPicPr>
+          <p:nvPr/>
+        </p:nvPicPr>
+        <p:blipFill>
+          <a:blip r:embed="rId2"/>
+          <a:stretch>
+            <a:fillRect/>
+          </a:stretch>
+        </p:blipFill>
+        <p:spPr>
+          <a:xfrm>
+            <a:off x="949393" y="3239575"/>
+            <a:ext cx="5385146" cy="2835856"/>
+          </a:xfrm>
+          <a:prstGeom prst="rect">
+            <a:avLst/>
+          </a:prstGeom>
+        </p:spPr>
+      </p:pic>
+      <p:pic>
+        <p:nvPicPr>
+          <p:cNvPr id="6" name="图片 5">
+            <a:extLst>
+              <a:ext uri="{FF2B5EF4-FFF2-40B4-BE49-F238E27FC236}">
+                <a16:creationId xmlns:a16="http://schemas.microsoft.com/office/drawing/2014/main" xmlns="" id="{90B8359A-E84E-4EB3-B359-D3362872555B}"/>
+              </a:ext>
+            </a:extLst>
+          </p:cNvPr>
+          <p:cNvPicPr>
+            <a:picLocks noChangeAspect="1"/>
+          </p:cNvPicPr>
+          <p:nvPr/>
+        </p:nvPicPr>
+        <p:blipFill>
+          <a:blip r:embed="rId3"/>
+          <a:stretch>
+            <a:fillRect/>
+          </a:stretch>
+        </p:blipFill>
+        <p:spPr>
+          <a:xfrm>
+            <a:off x="6334539" y="3657600"/>
+            <a:ext cx="5741504" cy="1794032"/>
+          </a:xfrm>
+          <a:prstGeom prst="rect">
+            <a:avLst/>
+          </a:prstGeom>
+        </p:spPr>
+      </p:pic>
     </p:spTree>
     <p:extLst>
       <p:ext uri="{BB962C8B-B14F-4D97-AF65-F5344CB8AC3E}">
-        <p14:creationId xmlns:p14="http://schemas.microsoft.com/office/powerpoint/2010/main" val="4089164741"/>
+        <p14:creationId xmlns:p14="http://schemas.microsoft.com/office/powerpoint/2010/main" val="1436770900"/>
       </p:ext>
     </p:extLst>
   </p:cSld>
@@ -8671,6 +8373,1935 @@
           <p:cNvPr id="2" name="标题 1">
             <a:extLst>
               <a:ext uri="{FF2B5EF4-FFF2-40B4-BE49-F238E27FC236}">
+                <a16:creationId xmlns:a16="http://schemas.microsoft.com/office/drawing/2014/main" xmlns="" id="{65389330-C72E-408C-8BCE-81021CA8E770}"/>
+              </a:ext>
+            </a:extLst>
+          </p:cNvPr>
+          <p:cNvSpPr>
+            <a:spLocks noGrp="1"/>
+          </p:cNvSpPr>
+          <p:nvPr>
+            <p:ph type="title"/>
+          </p:nvPr>
+        </p:nvSpPr>
+        <p:spPr/>
+        <p:txBody>
+          <a:bodyPr/>
+          <a:lstStyle/>
+          <a:p>
+            <a:r>
+              <a:rPr lang="zh-CN" altLang="en-US" dirty="0"/>
+              <a:t>策略端点的功能实现   </a:t>
+            </a:r>
+            <a:r>
+              <a:rPr lang="en-US" altLang="zh-CN" dirty="0"/>
+              <a:t>1/4</a:t>
+            </a:r>
+            <a:endParaRPr lang="zh-CN" altLang="en-US" dirty="0"/>
+          </a:p>
+        </p:txBody>
+      </p:sp>
+      <p:sp>
+        <p:nvSpPr>
+          <p:cNvPr id="3" name="内容占位符 2">
+            <a:extLst>
+              <a:ext uri="{FF2B5EF4-FFF2-40B4-BE49-F238E27FC236}">
+                <a16:creationId xmlns:a16="http://schemas.microsoft.com/office/drawing/2014/main" xmlns="" id="{C6F328EB-5115-4F46-90FC-F842A5A87255}"/>
+              </a:ext>
+            </a:extLst>
+          </p:cNvPr>
+          <p:cNvSpPr>
+            <a:spLocks noGrp="1"/>
+          </p:cNvSpPr>
+          <p:nvPr>
+            <p:ph idx="1"/>
+          </p:nvPr>
+        </p:nvSpPr>
+        <p:spPr/>
+        <p:txBody>
+          <a:bodyPr>
+            <a:normAutofit fontScale="92500" lnSpcReduction="10000"/>
+          </a:bodyPr>
+          <a:lstStyle/>
+          <a:p>
+            <a:r>
+              <a:rPr lang="en-US" altLang="zh-CN" dirty="0" err="1"/>
+              <a:t>wingchun</a:t>
+            </a:r>
+            <a:r>
+              <a:rPr lang="en-US" altLang="zh-CN" dirty="0"/>
+              <a:t>\strategy\IWCStrategy.cpp </a:t>
+            </a:r>
+          </a:p>
+          <a:p>
+            <a:pPr lvl="1"/>
+            <a:r>
+              <a:rPr lang="zh-CN" altLang="en-US" dirty="0"/>
+              <a:t>聚合了辅助类</a:t>
+            </a:r>
+            <a:r>
+              <a:rPr lang="en-US" altLang="zh-CN" dirty="0" err="1"/>
+              <a:t>WCStrategyUtil</a:t>
+            </a:r>
+            <a:r>
+              <a:rPr lang="zh-CN" altLang="en-US" dirty="0"/>
+              <a:t>和</a:t>
+            </a:r>
+            <a:r>
+              <a:rPr lang="en-US" altLang="zh-CN" dirty="0" err="1"/>
+              <a:t>WCDataWrapper</a:t>
+            </a:r>
+            <a:r>
+              <a:rPr lang="zh-CN" altLang="en-US" dirty="0"/>
+              <a:t>类提供了读写消息队列的能力</a:t>
+            </a:r>
+            <a:endParaRPr lang="en-US" altLang="zh-CN" dirty="0"/>
+          </a:p>
+          <a:p>
+            <a:pPr lvl="1"/>
+            <a:r>
+              <a:rPr lang="en-US" altLang="zh-CN" dirty="0" err="1"/>
+              <a:t>WCStrategyUtil</a:t>
+            </a:r>
+            <a:r>
+              <a:rPr lang="en-US" altLang="zh-CN" dirty="0"/>
+              <a:t> </a:t>
+            </a:r>
+            <a:r>
+              <a:rPr lang="zh-CN" altLang="en-US" dirty="0"/>
+              <a:t>提供了发单方法，如</a:t>
+            </a:r>
+            <a:r>
+              <a:rPr lang="en-US" altLang="zh-CN" dirty="0" err="1"/>
+              <a:t>insert_market_order</a:t>
+            </a:r>
+            <a:r>
+              <a:rPr lang="zh-CN" altLang="en-US" dirty="0"/>
+              <a:t>，</a:t>
+            </a:r>
+            <a:r>
+              <a:rPr lang="en-US" altLang="zh-CN" dirty="0" err="1"/>
+              <a:t>insert_limit_order</a:t>
+            </a:r>
+            <a:r>
+              <a:rPr lang="zh-CN" altLang="en-US" dirty="0"/>
+              <a:t>，</a:t>
+            </a:r>
+            <a:r>
+              <a:rPr lang="en-US" altLang="zh-CN" dirty="0" err="1"/>
+              <a:t>insert_fok_order</a:t>
+            </a:r>
+            <a:r>
+              <a:rPr lang="zh-CN" altLang="en-US" dirty="0"/>
+              <a:t>，</a:t>
+            </a:r>
+            <a:r>
+              <a:rPr lang="en-US" altLang="zh-CN" dirty="0" err="1"/>
+              <a:t>cancel_order</a:t>
+            </a:r>
+            <a:r>
+              <a:rPr lang="zh-CN" altLang="en-US" dirty="0"/>
+              <a:t>等</a:t>
+            </a:r>
+            <a:endParaRPr lang="en-US" altLang="zh-CN" dirty="0"/>
+          </a:p>
+          <a:p>
+            <a:pPr lvl="1"/>
+            <a:r>
+              <a:rPr lang="en-US" altLang="zh-CN" dirty="0" err="1"/>
+              <a:t>WCDataWrapper</a:t>
+            </a:r>
+            <a:r>
+              <a:rPr lang="zh-CN" altLang="en-US" dirty="0"/>
+              <a:t>的</a:t>
+            </a:r>
+            <a:r>
+              <a:rPr lang="en-US" altLang="zh-CN" dirty="0"/>
+              <a:t>run</a:t>
+            </a:r>
+            <a:r>
+              <a:rPr lang="zh-CN" altLang="en-US" dirty="0"/>
+              <a:t>方法提供了读取消息队列的能力，并根据消息类型传给</a:t>
+            </a:r>
+            <a:r>
+              <a:rPr lang="en-US" altLang="zh-CN" dirty="0" err="1"/>
+              <a:t>IWCStrategy</a:t>
+            </a:r>
+            <a:r>
+              <a:rPr lang="zh-CN" altLang="en-US" dirty="0"/>
+              <a:t>相应的处理方法，比如读取</a:t>
+            </a:r>
+            <a:r>
+              <a:rPr lang="en-US" altLang="zh-CN" dirty="0"/>
+              <a:t>MD</a:t>
+            </a:r>
+            <a:r>
+              <a:rPr lang="zh-CN" altLang="en-US" dirty="0"/>
+              <a:t>的信息，读取</a:t>
+            </a:r>
+            <a:r>
+              <a:rPr lang="en-US" altLang="zh-CN" dirty="0"/>
+              <a:t>TD</a:t>
+            </a:r>
+            <a:r>
+              <a:rPr lang="zh-CN" altLang="en-US" dirty="0"/>
+              <a:t>的发撤单信息。</a:t>
+            </a:r>
+            <a:r>
+              <a:rPr lang="en-US" altLang="zh-CN" dirty="0"/>
+              <a:t/>
+            </a:r>
+            <a:br>
+              <a:rPr lang="en-US" altLang="zh-CN" dirty="0"/>
+            </a:br>
+            <a:endParaRPr lang="en-US" altLang="zh-CN" dirty="0"/>
+          </a:p>
+          <a:p>
+            <a:r>
+              <a:rPr lang="en-US" altLang="zh-CN" dirty="0"/>
+              <a:t>C++</a:t>
+            </a:r>
+            <a:r>
+              <a:rPr lang="zh-CN" altLang="en-US" dirty="0"/>
+              <a:t>策略</a:t>
+            </a:r>
+            <a:endParaRPr lang="en-US" altLang="zh-CN" dirty="0"/>
+          </a:p>
+          <a:p>
+            <a:pPr marL="0" indent="0">
+              <a:buNone/>
+            </a:pPr>
+            <a:r>
+              <a:rPr lang="en-US" altLang="zh-CN" dirty="0"/>
+              <a:t>	</a:t>
+            </a:r>
+            <a:r>
+              <a:rPr lang="zh-CN" altLang="en-US" dirty="0"/>
+              <a:t>通过继承</a:t>
+            </a:r>
+            <a:r>
+              <a:rPr lang="en-US" altLang="zh-CN" dirty="0" err="1"/>
+              <a:t>IWCStrategy</a:t>
+            </a:r>
+            <a:r>
+              <a:rPr lang="zh-CN" altLang="en-US" dirty="0"/>
+              <a:t>直接获得了父类的方法</a:t>
+            </a:r>
+            <a:endParaRPr lang="en-US" altLang="zh-CN" dirty="0"/>
+          </a:p>
+          <a:p>
+            <a:r>
+              <a:rPr lang="en-US" altLang="zh-CN" dirty="0"/>
+              <a:t>Python</a:t>
+            </a:r>
+            <a:r>
+              <a:rPr lang="zh-CN" altLang="en-US" dirty="0"/>
+              <a:t>策略通过接口转换获得了同等</a:t>
+            </a:r>
+            <a:r>
+              <a:rPr lang="en-US" altLang="zh-CN" dirty="0" err="1"/>
+              <a:t>c++</a:t>
+            </a:r>
+            <a:r>
+              <a:rPr lang="zh-CN" altLang="en-US" dirty="0"/>
+              <a:t>策略的能力：</a:t>
+            </a:r>
+            <a:endParaRPr lang="en-US" altLang="zh-CN" dirty="0"/>
+          </a:p>
+          <a:p>
+            <a:pPr lvl="1"/>
+            <a:r>
+              <a:rPr lang="en-US" altLang="zh-CN" dirty="0"/>
+              <a:t>\python\kungfu\wingchun\wc_configs.py</a:t>
+            </a:r>
+            <a:br>
+              <a:rPr lang="en-US" altLang="zh-CN" dirty="0"/>
+            </a:br>
+            <a:r>
+              <a:rPr lang="en-US" altLang="zh-CN" dirty="0"/>
+              <a:t>\</a:t>
+            </a:r>
+            <a:r>
+              <a:rPr lang="en-US" altLang="zh-CN" dirty="0" err="1"/>
+              <a:t>wingchun</a:t>
+            </a:r>
+            <a:r>
+              <a:rPr lang="en-US" altLang="zh-CN" dirty="0"/>
+              <a:t>\strategy\</a:t>
+            </a:r>
+            <a:r>
+              <a:rPr lang="en-US" altLang="zh-CN" dirty="0" err="1"/>
+              <a:t>PyWCStrategy.h</a:t>
+            </a:r>
+            <a:endParaRPr lang="en-US" altLang="zh-CN" dirty="0"/>
+          </a:p>
+          <a:p>
+            <a:endParaRPr lang="zh-CN" altLang="en-US" dirty="0"/>
+          </a:p>
+        </p:txBody>
+      </p:sp>
+    </p:spTree>
+    <p:extLst>
+      <p:ext uri="{BB962C8B-B14F-4D97-AF65-F5344CB8AC3E}">
+        <p14:creationId xmlns:p14="http://schemas.microsoft.com/office/powerpoint/2010/main" val="3064592007"/>
+      </p:ext>
+    </p:extLst>
+  </p:cSld>
+  <p:clrMapOvr>
+    <a:masterClrMapping/>
+  </p:clrMapOvr>
+</p:sld>
+</file>
+
+<file path=ppt/slides/slide34.xml><?xml version="1.0" encoding="utf-8"?>
+<p:sld xmlns:a="http://schemas.openxmlformats.org/drawingml/2006/main" xmlns:r="http://schemas.openxmlformats.org/officeDocument/2006/relationships" xmlns:p="http://schemas.openxmlformats.org/presentationml/2006/main">
+  <p:cSld>
+    <p:spTree>
+      <p:nvGrpSpPr>
+        <p:cNvPr id="1" name=""/>
+        <p:cNvGrpSpPr/>
+        <p:nvPr/>
+      </p:nvGrpSpPr>
+      <p:grpSpPr>
+        <a:xfrm>
+          <a:off x="0" y="0"/>
+          <a:ext cx="0" cy="0"/>
+          <a:chOff x="0" y="0"/>
+          <a:chExt cx="0" cy="0"/>
+        </a:xfrm>
+      </p:grpSpPr>
+      <p:sp>
+        <p:nvSpPr>
+          <p:cNvPr id="2" name="标题 1">
+            <a:extLst>
+              <a:ext uri="{FF2B5EF4-FFF2-40B4-BE49-F238E27FC236}">
+                <a16:creationId xmlns:a16="http://schemas.microsoft.com/office/drawing/2014/main" xmlns="" id="{6DBBB749-AD13-4857-A7BA-87828DC0C0D6}"/>
+              </a:ext>
+            </a:extLst>
+          </p:cNvPr>
+          <p:cNvSpPr>
+            <a:spLocks noGrp="1"/>
+          </p:cNvSpPr>
+          <p:nvPr>
+            <p:ph type="title"/>
+          </p:nvPr>
+        </p:nvSpPr>
+        <p:spPr/>
+        <p:txBody>
+          <a:bodyPr/>
+          <a:lstStyle/>
+          <a:p>
+            <a:r>
+              <a:rPr lang="zh-CN" altLang="en-US" dirty="0"/>
+              <a:t>策略端点的功能实现</a:t>
+            </a:r>
+            <a:r>
+              <a:rPr lang="en-US" altLang="zh-CN" dirty="0"/>
+              <a:t>	2/4</a:t>
+            </a:r>
+            <a:endParaRPr lang="zh-CN" altLang="en-US" dirty="0"/>
+          </a:p>
+        </p:txBody>
+      </p:sp>
+      <p:sp>
+        <p:nvSpPr>
+          <p:cNvPr id="3" name="内容占位符 2">
+            <a:extLst>
+              <a:ext uri="{FF2B5EF4-FFF2-40B4-BE49-F238E27FC236}">
+                <a16:creationId xmlns:a16="http://schemas.microsoft.com/office/drawing/2014/main" xmlns="" id="{ABF621B3-F547-4DDC-A0EC-5E1C5BB59B79}"/>
+              </a:ext>
+            </a:extLst>
+          </p:cNvPr>
+          <p:cNvSpPr>
+            <a:spLocks noGrp="1"/>
+          </p:cNvSpPr>
+          <p:nvPr>
+            <p:ph idx="1"/>
+          </p:nvPr>
+        </p:nvSpPr>
+        <p:spPr/>
+        <p:txBody>
+          <a:bodyPr/>
+          <a:lstStyle/>
+          <a:p>
+            <a:r>
+              <a:rPr lang="en-US" altLang="zh-CN" dirty="0" err="1"/>
+              <a:t>WCStrategyUtil</a:t>
+            </a:r>
+            <a:r>
+              <a:rPr lang="en-US" altLang="zh-CN" dirty="0"/>
+              <a:t> </a:t>
+            </a:r>
+            <a:r>
+              <a:rPr lang="zh-CN" altLang="en-US" dirty="0"/>
+              <a:t>提供了发单方法</a:t>
+            </a:r>
+            <a:endParaRPr lang="en-US" altLang="zh-CN" dirty="0"/>
+          </a:p>
+          <a:p>
+            <a:r>
+              <a:rPr lang="zh-CN" altLang="en-US" dirty="0"/>
+              <a:t>方法示例</a:t>
+            </a:r>
+          </a:p>
+        </p:txBody>
+      </p:sp>
+      <p:pic>
+        <p:nvPicPr>
+          <p:cNvPr id="4" name="图片 3">
+            <a:extLst>
+              <a:ext uri="{FF2B5EF4-FFF2-40B4-BE49-F238E27FC236}">
+                <a16:creationId xmlns:a16="http://schemas.microsoft.com/office/drawing/2014/main" xmlns="" id="{5D330B99-BEC2-4839-B0BA-515292F8385D}"/>
+              </a:ext>
+            </a:extLst>
+          </p:cNvPr>
+          <p:cNvPicPr>
+            <a:picLocks noChangeAspect="1"/>
+          </p:cNvPicPr>
+          <p:nvPr/>
+        </p:nvPicPr>
+        <p:blipFill>
+          <a:blip r:embed="rId2"/>
+          <a:stretch>
+            <a:fillRect/>
+          </a:stretch>
+        </p:blipFill>
+        <p:spPr>
+          <a:xfrm>
+            <a:off x="3887080" y="2508872"/>
+            <a:ext cx="7293613" cy="3668091"/>
+          </a:xfrm>
+          <a:prstGeom prst="rect">
+            <a:avLst/>
+          </a:prstGeom>
+        </p:spPr>
+      </p:pic>
+    </p:spTree>
+    <p:extLst>
+      <p:ext uri="{BB962C8B-B14F-4D97-AF65-F5344CB8AC3E}">
+        <p14:creationId xmlns:p14="http://schemas.microsoft.com/office/powerpoint/2010/main" val="2021344930"/>
+      </p:ext>
+    </p:extLst>
+  </p:cSld>
+  <p:clrMapOvr>
+    <a:masterClrMapping/>
+  </p:clrMapOvr>
+</p:sld>
+</file>
+
+<file path=ppt/slides/slide35.xml><?xml version="1.0" encoding="utf-8"?>
+<p:sld xmlns:a="http://schemas.openxmlformats.org/drawingml/2006/main" xmlns:r="http://schemas.openxmlformats.org/officeDocument/2006/relationships" xmlns:p="http://schemas.openxmlformats.org/presentationml/2006/main">
+  <p:cSld>
+    <p:spTree>
+      <p:nvGrpSpPr>
+        <p:cNvPr id="1" name=""/>
+        <p:cNvGrpSpPr/>
+        <p:nvPr/>
+      </p:nvGrpSpPr>
+      <p:grpSpPr>
+        <a:xfrm>
+          <a:off x="0" y="0"/>
+          <a:ext cx="0" cy="0"/>
+          <a:chOff x="0" y="0"/>
+          <a:chExt cx="0" cy="0"/>
+        </a:xfrm>
+      </p:grpSpPr>
+      <p:sp>
+        <p:nvSpPr>
+          <p:cNvPr id="2" name="标题 1">
+            <a:extLst>
+              <a:ext uri="{FF2B5EF4-FFF2-40B4-BE49-F238E27FC236}">
+                <a16:creationId xmlns:a16="http://schemas.microsoft.com/office/drawing/2014/main" xmlns="" id="{0070442D-31EF-47F6-A3EA-8AECF88FBC14}"/>
+              </a:ext>
+            </a:extLst>
+          </p:cNvPr>
+          <p:cNvSpPr>
+            <a:spLocks noGrp="1"/>
+          </p:cNvSpPr>
+          <p:nvPr>
+            <p:ph type="title"/>
+          </p:nvPr>
+        </p:nvSpPr>
+        <p:spPr/>
+        <p:txBody>
+          <a:bodyPr>
+            <a:normAutofit/>
+          </a:bodyPr>
+          <a:lstStyle/>
+          <a:p>
+            <a:r>
+              <a:rPr lang="zh-CN" altLang="en-US" dirty="0"/>
+              <a:t>策略端点的功能实现 </a:t>
+            </a:r>
+            <a:r>
+              <a:rPr lang="en-US" altLang="zh-CN" dirty="0"/>
+              <a:t>	3/4</a:t>
+            </a:r>
+            <a:endParaRPr lang="zh-CN" altLang="en-US" dirty="0"/>
+          </a:p>
+        </p:txBody>
+      </p:sp>
+      <p:sp>
+        <p:nvSpPr>
+          <p:cNvPr id="3" name="内容占位符 2">
+            <a:extLst>
+              <a:ext uri="{FF2B5EF4-FFF2-40B4-BE49-F238E27FC236}">
+                <a16:creationId xmlns:a16="http://schemas.microsoft.com/office/drawing/2014/main" xmlns="" id="{212F71BB-B22E-499B-BF50-47DF88166F60}"/>
+              </a:ext>
+            </a:extLst>
+          </p:cNvPr>
+          <p:cNvSpPr>
+            <a:spLocks noGrp="1"/>
+          </p:cNvSpPr>
+          <p:nvPr>
+            <p:ph idx="1"/>
+          </p:nvPr>
+        </p:nvSpPr>
+        <p:spPr/>
+        <p:txBody>
+          <a:bodyPr/>
+          <a:lstStyle/>
+          <a:p>
+            <a:r>
+              <a:rPr lang="en-US" altLang="zh-CN" dirty="0" err="1"/>
+              <a:t>WCDataWrapper</a:t>
+            </a:r>
+            <a:r>
+              <a:rPr lang="zh-CN" altLang="en-US" dirty="0"/>
+              <a:t>的</a:t>
+            </a:r>
+            <a:r>
+              <a:rPr lang="en-US" altLang="zh-CN" dirty="0"/>
+              <a:t>run</a:t>
+            </a:r>
+            <a:r>
+              <a:rPr lang="zh-CN" altLang="en-US" dirty="0"/>
+              <a:t>方法提供了读取消息队列的能力</a:t>
+            </a:r>
+            <a:r>
+              <a:rPr lang="en-US" altLang="zh-CN" dirty="0"/>
+              <a:t>,</a:t>
+            </a:r>
+            <a:r>
+              <a:rPr lang="zh-CN" altLang="en-US" dirty="0"/>
+              <a:t>并根据消息类型传给</a:t>
+            </a:r>
+            <a:r>
+              <a:rPr lang="en-US" altLang="zh-CN" dirty="0" err="1"/>
+              <a:t>IWCStrategy</a:t>
+            </a:r>
+            <a:r>
+              <a:rPr lang="zh-CN" altLang="en-US" dirty="0"/>
+              <a:t>相应的处理方法</a:t>
+            </a:r>
+            <a:r>
+              <a:rPr lang="en-US" altLang="zh-CN" dirty="0"/>
+              <a:t>:</a:t>
+            </a:r>
+          </a:p>
+          <a:p>
+            <a:pPr lvl="1"/>
+            <a:r>
+              <a:rPr lang="zh-CN" altLang="en-US" dirty="0"/>
+              <a:t>撤单出错</a:t>
+            </a:r>
+            <a:endParaRPr lang="en-US" altLang="zh-CN" dirty="0"/>
+          </a:p>
+          <a:p>
+            <a:pPr lvl="1"/>
+            <a:r>
+              <a:rPr lang="zh-CN" altLang="en-US" dirty="0"/>
+              <a:t>订单状态改变</a:t>
+            </a:r>
+            <a:endParaRPr lang="en-US" altLang="zh-CN" dirty="0"/>
+          </a:p>
+          <a:p>
+            <a:pPr lvl="1"/>
+            <a:r>
+              <a:rPr lang="zh-CN" altLang="en-US" dirty="0"/>
+              <a:t>订单成交：</a:t>
+            </a:r>
+          </a:p>
+        </p:txBody>
+      </p:sp>
+      <p:pic>
+        <p:nvPicPr>
+          <p:cNvPr id="4" name="图片 3">
+            <a:extLst>
+              <a:ext uri="{FF2B5EF4-FFF2-40B4-BE49-F238E27FC236}">
+                <a16:creationId xmlns:a16="http://schemas.microsoft.com/office/drawing/2014/main" xmlns="" id="{88D6B27A-400D-4B38-B66C-C48E1BD84985}"/>
+              </a:ext>
+            </a:extLst>
+          </p:cNvPr>
+          <p:cNvPicPr>
+            <a:picLocks noChangeAspect="1"/>
+          </p:cNvPicPr>
+          <p:nvPr/>
+        </p:nvPicPr>
+        <p:blipFill>
+          <a:blip r:embed="rId2"/>
+          <a:stretch>
+            <a:fillRect/>
+          </a:stretch>
+        </p:blipFill>
+        <p:spPr>
+          <a:xfrm>
+            <a:off x="5983356" y="2999898"/>
+            <a:ext cx="5520151" cy="3492977"/>
+          </a:xfrm>
+          <a:prstGeom prst="rect">
+            <a:avLst/>
+          </a:prstGeom>
+        </p:spPr>
+      </p:pic>
+    </p:spTree>
+    <p:extLst>
+      <p:ext uri="{BB962C8B-B14F-4D97-AF65-F5344CB8AC3E}">
+        <p14:creationId xmlns:p14="http://schemas.microsoft.com/office/powerpoint/2010/main" val="223306557"/>
+      </p:ext>
+    </p:extLst>
+  </p:cSld>
+  <p:clrMapOvr>
+    <a:masterClrMapping/>
+  </p:clrMapOvr>
+</p:sld>
+</file>
+
+<file path=ppt/slides/slide36.xml><?xml version="1.0" encoding="utf-8"?>
+<p:sld xmlns:a="http://schemas.openxmlformats.org/drawingml/2006/main" xmlns:r="http://schemas.openxmlformats.org/officeDocument/2006/relationships" xmlns:p="http://schemas.openxmlformats.org/presentationml/2006/main">
+  <p:cSld>
+    <p:spTree>
+      <p:nvGrpSpPr>
+        <p:cNvPr id="1" name=""/>
+        <p:cNvGrpSpPr/>
+        <p:nvPr/>
+      </p:nvGrpSpPr>
+      <p:grpSpPr>
+        <a:xfrm>
+          <a:off x="0" y="0"/>
+          <a:ext cx="0" cy="0"/>
+          <a:chOff x="0" y="0"/>
+          <a:chExt cx="0" cy="0"/>
+        </a:xfrm>
+      </p:grpSpPr>
+      <p:sp>
+        <p:nvSpPr>
+          <p:cNvPr id="2" name="标题 1">
+            <a:extLst>
+              <a:ext uri="{FF2B5EF4-FFF2-40B4-BE49-F238E27FC236}">
+                <a16:creationId xmlns:a16="http://schemas.microsoft.com/office/drawing/2014/main" xmlns="" id="{5AF10601-63AC-461B-A89F-80C8ED3C6BC3}"/>
+              </a:ext>
+            </a:extLst>
+          </p:cNvPr>
+          <p:cNvSpPr>
+            <a:spLocks noGrp="1"/>
+          </p:cNvSpPr>
+          <p:nvPr>
+            <p:ph type="title"/>
+          </p:nvPr>
+        </p:nvSpPr>
+        <p:spPr/>
+        <p:txBody>
+          <a:bodyPr>
+            <a:normAutofit fontScale="90000"/>
+          </a:bodyPr>
+          <a:lstStyle/>
+          <a:p>
+            <a:r>
+              <a:rPr lang="en-US" altLang="zh-CN" dirty="0" err="1"/>
+              <a:t>WCDataWrapper</a:t>
+            </a:r>
+            <a:r>
+              <a:rPr lang="zh-CN" altLang="en-US" dirty="0"/>
+              <a:t>的</a:t>
+            </a:r>
+            <a:r>
+              <a:rPr lang="en-US" altLang="zh-CN" dirty="0"/>
+              <a:t>run</a:t>
+            </a:r>
+            <a:r>
+              <a:rPr lang="zh-CN" altLang="en-US" dirty="0"/>
+              <a:t>方法提供了读取消息队列的能力</a:t>
+            </a:r>
+            <a:r>
+              <a:rPr lang="en-US" altLang="zh-CN" dirty="0"/>
+              <a:t>,</a:t>
+            </a:r>
+            <a:r>
+              <a:rPr lang="zh-CN" altLang="en-US" dirty="0"/>
+              <a:t>并根据消息类型传给</a:t>
+            </a:r>
+            <a:r>
+              <a:rPr lang="en-US" altLang="zh-CN" dirty="0" err="1"/>
+              <a:t>IWCStrategy</a:t>
+            </a:r>
+            <a:r>
+              <a:rPr lang="zh-CN" altLang="en-US" dirty="0"/>
+              <a:t>相应的处理方法</a:t>
+            </a:r>
+          </a:p>
+        </p:txBody>
+      </p:sp>
+      <p:sp>
+        <p:nvSpPr>
+          <p:cNvPr id="3" name="内容占位符 2">
+            <a:extLst>
+              <a:ext uri="{FF2B5EF4-FFF2-40B4-BE49-F238E27FC236}">
+                <a16:creationId xmlns:a16="http://schemas.microsoft.com/office/drawing/2014/main" xmlns="" id="{A3385CCC-220F-4440-9709-0EFC5A66D164}"/>
+              </a:ext>
+            </a:extLst>
+          </p:cNvPr>
+          <p:cNvSpPr>
+            <a:spLocks noGrp="1"/>
+          </p:cNvSpPr>
+          <p:nvPr>
+            <p:ph idx="1"/>
+          </p:nvPr>
+        </p:nvSpPr>
+        <p:spPr/>
+        <p:txBody>
+          <a:bodyPr/>
+          <a:lstStyle/>
+          <a:p>
+            <a:r>
+              <a:rPr lang="zh-CN" altLang="en-US" dirty="0"/>
+              <a:t>换日消息</a:t>
+            </a:r>
+            <a:endParaRPr lang="en-US" altLang="zh-CN" dirty="0"/>
+          </a:p>
+          <a:p>
+            <a:r>
+              <a:rPr lang="en-US" altLang="zh-CN" dirty="0"/>
+              <a:t>MD</a:t>
+            </a:r>
+            <a:r>
+              <a:rPr lang="zh-CN" altLang="en-US" dirty="0"/>
+              <a:t>发给策略的消息</a:t>
+            </a:r>
+          </a:p>
+        </p:txBody>
+      </p:sp>
+      <p:pic>
+        <p:nvPicPr>
+          <p:cNvPr id="5" name="图片 4">
+            <a:extLst>
+              <a:ext uri="{FF2B5EF4-FFF2-40B4-BE49-F238E27FC236}">
+                <a16:creationId xmlns:a16="http://schemas.microsoft.com/office/drawing/2014/main" xmlns="" id="{A0C0C71C-6CD7-4632-AE78-B289E15584F0}"/>
+              </a:ext>
+            </a:extLst>
+          </p:cNvPr>
+          <p:cNvPicPr>
+            <a:picLocks noChangeAspect="1"/>
+          </p:cNvPicPr>
+          <p:nvPr/>
+        </p:nvPicPr>
+        <p:blipFill>
+          <a:blip r:embed="rId2"/>
+          <a:stretch>
+            <a:fillRect/>
+          </a:stretch>
+        </p:blipFill>
+        <p:spPr>
+          <a:xfrm>
+            <a:off x="2976860" y="2801318"/>
+            <a:ext cx="3416603" cy="3872874"/>
+          </a:xfrm>
+          <a:prstGeom prst="rect">
+            <a:avLst/>
+          </a:prstGeom>
+        </p:spPr>
+      </p:pic>
+      <p:pic>
+        <p:nvPicPr>
+          <p:cNvPr id="6" name="图片 5">
+            <a:extLst>
+              <a:ext uri="{FF2B5EF4-FFF2-40B4-BE49-F238E27FC236}">
+                <a16:creationId xmlns:a16="http://schemas.microsoft.com/office/drawing/2014/main" xmlns="" id="{97D75AAE-A3A3-4E07-B700-AE4020975249}"/>
+              </a:ext>
+            </a:extLst>
+          </p:cNvPr>
+          <p:cNvPicPr>
+            <a:picLocks noChangeAspect="1"/>
+          </p:cNvPicPr>
+          <p:nvPr/>
+        </p:nvPicPr>
+        <p:blipFill>
+          <a:blip r:embed="rId3"/>
+          <a:stretch>
+            <a:fillRect/>
+          </a:stretch>
+        </p:blipFill>
+        <p:spPr>
+          <a:xfrm>
+            <a:off x="6393463" y="2801318"/>
+            <a:ext cx="5426439" cy="3872874"/>
+          </a:xfrm>
+          <a:prstGeom prst="rect">
+            <a:avLst/>
+          </a:prstGeom>
+        </p:spPr>
+      </p:pic>
+    </p:spTree>
+    <p:extLst>
+      <p:ext uri="{BB962C8B-B14F-4D97-AF65-F5344CB8AC3E}">
+        <p14:creationId xmlns:p14="http://schemas.microsoft.com/office/powerpoint/2010/main" val="2492806087"/>
+      </p:ext>
+    </p:extLst>
+  </p:cSld>
+  <p:clrMapOvr>
+    <a:masterClrMapping/>
+  </p:clrMapOvr>
+</p:sld>
+</file>
+
+<file path=ppt/slides/slide37.xml><?xml version="1.0" encoding="utf-8"?>
+<p:sld xmlns:a="http://schemas.openxmlformats.org/drawingml/2006/main" xmlns:r="http://schemas.openxmlformats.org/officeDocument/2006/relationships" xmlns:p="http://schemas.openxmlformats.org/presentationml/2006/main">
+  <p:cSld>
+    <p:spTree>
+      <p:nvGrpSpPr>
+        <p:cNvPr id="1" name=""/>
+        <p:cNvGrpSpPr/>
+        <p:nvPr/>
+      </p:nvGrpSpPr>
+      <p:grpSpPr>
+        <a:xfrm>
+          <a:off x="0" y="0"/>
+          <a:ext cx="0" cy="0"/>
+          <a:chOff x="0" y="0"/>
+          <a:chExt cx="0" cy="0"/>
+        </a:xfrm>
+      </p:grpSpPr>
+      <p:sp>
+        <p:nvSpPr>
+          <p:cNvPr id="2" name="标题 1">
+            <a:extLst>
+              <a:ext uri="{FF2B5EF4-FFF2-40B4-BE49-F238E27FC236}">
+                <a16:creationId xmlns:a16="http://schemas.microsoft.com/office/drawing/2014/main" xmlns="" id="{D26D0A76-FA4A-4804-A761-0D0D61A5B769}"/>
+              </a:ext>
+            </a:extLst>
+          </p:cNvPr>
+          <p:cNvSpPr>
+            <a:spLocks noGrp="1"/>
+          </p:cNvSpPr>
+          <p:nvPr>
+            <p:ph type="title"/>
+          </p:nvPr>
+        </p:nvSpPr>
+        <p:spPr/>
+        <p:txBody>
+          <a:bodyPr/>
+          <a:lstStyle/>
+          <a:p>
+            <a:r>
+              <a:rPr lang="en-US" altLang="zh-CN" dirty="0"/>
+              <a:t>Python</a:t>
+            </a:r>
+            <a:r>
+              <a:rPr lang="zh-CN" altLang="en-US" dirty="0"/>
+              <a:t>策略</a:t>
+            </a:r>
+          </a:p>
+        </p:txBody>
+      </p:sp>
+      <p:sp>
+        <p:nvSpPr>
+          <p:cNvPr id="3" name="内容占位符 2">
+            <a:extLst>
+              <a:ext uri="{FF2B5EF4-FFF2-40B4-BE49-F238E27FC236}">
+                <a16:creationId xmlns:a16="http://schemas.microsoft.com/office/drawing/2014/main" xmlns="" id="{340C36C2-F663-45BD-8D6F-25F5A3FC1F43}"/>
+              </a:ext>
+            </a:extLst>
+          </p:cNvPr>
+          <p:cNvSpPr>
+            <a:spLocks noGrp="1"/>
+          </p:cNvSpPr>
+          <p:nvPr>
+            <p:ph idx="1"/>
+          </p:nvPr>
+        </p:nvSpPr>
+        <p:spPr>
+          <a:xfrm>
+            <a:off x="838200" y="1690688"/>
+            <a:ext cx="10515600" cy="4815302"/>
+          </a:xfrm>
+        </p:spPr>
+        <p:txBody>
+          <a:bodyPr/>
+          <a:lstStyle/>
+          <a:p>
+            <a:r>
+              <a:rPr lang="zh-CN" altLang="en-US" dirty="0"/>
+              <a:t>通过接口转换获得了同等</a:t>
+            </a:r>
+            <a:r>
+              <a:rPr lang="en-US" altLang="zh-CN" dirty="0"/>
+              <a:t>C++</a:t>
+            </a:r>
+            <a:r>
+              <a:rPr lang="zh-CN" altLang="en-US" dirty="0"/>
+              <a:t>策略的能力</a:t>
+            </a:r>
+            <a:endParaRPr lang="en-US" altLang="zh-CN" dirty="0"/>
+          </a:p>
+          <a:p>
+            <a:r>
+              <a:rPr lang="en-US" altLang="zh-CN" dirty="0"/>
+              <a:t>\python\kungfu\wingchun\wc_configs.py</a:t>
+            </a:r>
+            <a:br>
+              <a:rPr lang="en-US" altLang="zh-CN" dirty="0"/>
+            </a:br>
+            <a:r>
+              <a:rPr lang="en-US" altLang="zh-CN" dirty="0"/>
+              <a:t>\</a:t>
+            </a:r>
+            <a:r>
+              <a:rPr lang="en-US" altLang="zh-CN" dirty="0" err="1"/>
+              <a:t>wingchun</a:t>
+            </a:r>
+            <a:r>
+              <a:rPr lang="en-US" altLang="zh-CN" dirty="0"/>
+              <a:t>\strategy\</a:t>
+            </a:r>
+            <a:r>
+              <a:rPr lang="en-US" altLang="zh-CN" dirty="0" err="1"/>
+              <a:t>PyWCStrategy.h</a:t>
+            </a:r>
+            <a:r>
+              <a:rPr lang="en-US" altLang="zh-CN" dirty="0"/>
+              <a:t>:    </a:t>
+            </a:r>
+            <a:br>
+              <a:rPr lang="en-US" altLang="zh-CN" dirty="0"/>
+            </a:br>
+            <a:r>
+              <a:rPr lang="en-US" altLang="zh-CN" dirty="0"/>
+              <a:t>class </a:t>
+            </a:r>
+            <a:r>
+              <a:rPr lang="en-US" altLang="zh-CN" dirty="0" err="1"/>
+              <a:t>PyWCStrategy</a:t>
+            </a:r>
+            <a:r>
+              <a:rPr lang="en-US" altLang="zh-CN" dirty="0"/>
+              <a:t>: public </a:t>
+            </a:r>
+            <a:r>
+              <a:rPr lang="en-US" altLang="zh-CN" b="1" dirty="0" err="1"/>
+              <a:t>IWCStrategy</a:t>
+            </a:r>
+            <a:endParaRPr lang="en-US" altLang="zh-CN" b="1" dirty="0"/>
+          </a:p>
+          <a:p>
+            <a:endParaRPr lang="en-US" altLang="zh-CN" dirty="0"/>
+          </a:p>
+          <a:p>
+            <a:endParaRPr lang="zh-CN" altLang="en-US" dirty="0"/>
+          </a:p>
+        </p:txBody>
+      </p:sp>
+      <p:pic>
+        <p:nvPicPr>
+          <p:cNvPr id="4" name="图片 3">
+            <a:extLst>
+              <a:ext uri="{FF2B5EF4-FFF2-40B4-BE49-F238E27FC236}">
+                <a16:creationId xmlns:a16="http://schemas.microsoft.com/office/drawing/2014/main" xmlns="" id="{F632C02A-D610-4E63-AC87-9A2F150F4CDA}"/>
+              </a:ext>
+            </a:extLst>
+          </p:cNvPr>
+          <p:cNvPicPr>
+            <a:picLocks noChangeAspect="1"/>
+          </p:cNvPicPr>
+          <p:nvPr/>
+        </p:nvPicPr>
+        <p:blipFill>
+          <a:blip r:embed="rId2"/>
+          <a:stretch>
+            <a:fillRect/>
+          </a:stretch>
+        </p:blipFill>
+        <p:spPr>
+          <a:xfrm>
+            <a:off x="1184989" y="3372264"/>
+            <a:ext cx="9628785" cy="1222514"/>
+          </a:xfrm>
+          <a:prstGeom prst="rect">
+            <a:avLst/>
+          </a:prstGeom>
+        </p:spPr>
+      </p:pic>
+      <p:pic>
+        <p:nvPicPr>
+          <p:cNvPr id="5" name="图片 4">
+            <a:extLst>
+              <a:ext uri="{FF2B5EF4-FFF2-40B4-BE49-F238E27FC236}">
+                <a16:creationId xmlns:a16="http://schemas.microsoft.com/office/drawing/2014/main" xmlns="" id="{56F659B3-9AB0-4C89-B0F1-63FC0F3697F7}"/>
+              </a:ext>
+            </a:extLst>
+          </p:cNvPr>
+          <p:cNvPicPr>
+            <a:picLocks noChangeAspect="1"/>
+          </p:cNvPicPr>
+          <p:nvPr/>
+        </p:nvPicPr>
+        <p:blipFill>
+          <a:blip r:embed="rId3"/>
+          <a:stretch>
+            <a:fillRect/>
+          </a:stretch>
+        </p:blipFill>
+        <p:spPr>
+          <a:xfrm>
+            <a:off x="1184988" y="4594778"/>
+            <a:ext cx="9628786" cy="2008257"/>
+          </a:xfrm>
+          <a:prstGeom prst="rect">
+            <a:avLst/>
+          </a:prstGeom>
+        </p:spPr>
+      </p:pic>
+    </p:spTree>
+    <p:extLst>
+      <p:ext uri="{BB962C8B-B14F-4D97-AF65-F5344CB8AC3E}">
+        <p14:creationId xmlns:p14="http://schemas.microsoft.com/office/powerpoint/2010/main" val="2757104705"/>
+      </p:ext>
+    </p:extLst>
+  </p:cSld>
+  <p:clrMapOvr>
+    <a:masterClrMapping/>
+  </p:clrMapOvr>
+</p:sld>
+</file>
+
+<file path=ppt/slides/slide38.xml><?xml version="1.0" encoding="utf-8"?>
+<p:sld xmlns:a="http://schemas.openxmlformats.org/drawingml/2006/main" xmlns:r="http://schemas.openxmlformats.org/officeDocument/2006/relationships" xmlns:p="http://schemas.openxmlformats.org/presentationml/2006/main">
+  <p:cSld>
+    <p:spTree>
+      <p:nvGrpSpPr>
+        <p:cNvPr id="1" name=""/>
+        <p:cNvGrpSpPr/>
+        <p:nvPr/>
+      </p:nvGrpSpPr>
+      <p:grpSpPr>
+        <a:xfrm>
+          <a:off x="0" y="0"/>
+          <a:ext cx="0" cy="0"/>
+          <a:chOff x="0" y="0"/>
+          <a:chExt cx="0" cy="0"/>
+        </a:xfrm>
+      </p:grpSpPr>
+      <p:sp>
+        <p:nvSpPr>
+          <p:cNvPr id="2" name="标题 1">
+            <a:extLst>
+              <a:ext uri="{FF2B5EF4-FFF2-40B4-BE49-F238E27FC236}">
+                <a16:creationId xmlns:a16="http://schemas.microsoft.com/office/drawing/2014/main" xmlns="" id="{931DCE3C-4088-4F05-9D7D-3A29E47F9993}"/>
+              </a:ext>
+            </a:extLst>
+          </p:cNvPr>
+          <p:cNvSpPr>
+            <a:spLocks noGrp="1"/>
+          </p:cNvSpPr>
+          <p:nvPr>
+            <p:ph type="title"/>
+          </p:nvPr>
+        </p:nvSpPr>
+        <p:spPr/>
+        <p:txBody>
+          <a:bodyPr/>
+          <a:lstStyle/>
+          <a:p>
+            <a:r>
+              <a:rPr lang="en-US" altLang="zh-CN" dirty="0"/>
+              <a:t>Python</a:t>
+            </a:r>
+            <a:r>
+              <a:rPr lang="zh-CN" altLang="en-US" dirty="0"/>
+              <a:t>策</a:t>
+            </a:r>
+            <a:r>
+              <a:rPr lang="zh-CN" altLang="en-US" dirty="0" smtClean="0"/>
+              <a:t>略</a:t>
+            </a:r>
+            <a:r>
+              <a:rPr lang="en-US" altLang="zh-CN" dirty="0" smtClean="0"/>
+              <a:t>---</a:t>
+            </a:r>
+            <a:r>
+              <a:rPr lang="zh-CN" altLang="en-US" dirty="0" smtClean="0"/>
+              <a:t>功能函数</a:t>
+            </a:r>
+            <a:endParaRPr lang="zh-CN" altLang="en-US" dirty="0"/>
+          </a:p>
+        </p:txBody>
+      </p:sp>
+      <p:pic>
+        <p:nvPicPr>
+          <p:cNvPr id="4" name="内容占位符 3">
+            <a:extLst>
+              <a:ext uri="{FF2B5EF4-FFF2-40B4-BE49-F238E27FC236}">
+                <a16:creationId xmlns:a16="http://schemas.microsoft.com/office/drawing/2014/main" xmlns="" id="{79058695-FB0B-4BE6-BE50-E2DB50EA1FC6}"/>
+              </a:ext>
+            </a:extLst>
+          </p:cNvPr>
+          <p:cNvPicPr>
+            <a:picLocks noGrp="1" noChangeAspect="1"/>
+          </p:cNvPicPr>
+          <p:nvPr>
+            <p:ph idx="1"/>
+          </p:nvPr>
+        </p:nvPicPr>
+        <p:blipFill>
+          <a:blip r:embed="rId2"/>
+          <a:stretch>
+            <a:fillRect/>
+          </a:stretch>
+        </p:blipFill>
+        <p:spPr>
+          <a:xfrm>
+            <a:off x="846060" y="2352399"/>
+            <a:ext cx="10507740" cy="4351338"/>
+          </a:xfrm>
+          <a:prstGeom prst="rect">
+            <a:avLst/>
+          </a:prstGeom>
+        </p:spPr>
+      </p:pic>
+    </p:spTree>
+    <p:extLst>
+      <p:ext uri="{BB962C8B-B14F-4D97-AF65-F5344CB8AC3E}">
+        <p14:creationId xmlns:p14="http://schemas.microsoft.com/office/powerpoint/2010/main" val="3413632780"/>
+      </p:ext>
+    </p:extLst>
+  </p:cSld>
+  <p:clrMapOvr>
+    <a:masterClrMapping/>
+  </p:clrMapOvr>
+</p:sld>
+</file>
+
+<file path=ppt/slides/slide39.xml><?xml version="1.0" encoding="utf-8"?>
+<p:sld xmlns:a="http://schemas.openxmlformats.org/drawingml/2006/main" xmlns:r="http://schemas.openxmlformats.org/officeDocument/2006/relationships" xmlns:p="http://schemas.openxmlformats.org/presentationml/2006/main">
+  <p:cSld>
+    <p:spTree>
+      <p:nvGrpSpPr>
+        <p:cNvPr id="1" name=""/>
+        <p:cNvGrpSpPr/>
+        <p:nvPr/>
+      </p:nvGrpSpPr>
+      <p:grpSpPr>
+        <a:xfrm>
+          <a:off x="0" y="0"/>
+          <a:ext cx="0" cy="0"/>
+          <a:chOff x="0" y="0"/>
+          <a:chExt cx="0" cy="0"/>
+        </a:xfrm>
+      </p:grpSpPr>
+      <p:sp>
+        <p:nvSpPr>
+          <p:cNvPr id="2" name="标题 1"/>
+          <p:cNvSpPr>
+            <a:spLocks noGrp="1"/>
+          </p:cNvSpPr>
+          <p:nvPr>
+            <p:ph type="title"/>
+          </p:nvPr>
+        </p:nvSpPr>
+        <p:spPr/>
+        <p:txBody>
+          <a:bodyPr/>
+          <a:lstStyle/>
+          <a:p>
+            <a:r>
+              <a:rPr lang="en-US" altLang="zh-CN" dirty="0"/>
+              <a:t>Python</a:t>
+            </a:r>
+            <a:r>
+              <a:rPr lang="zh-CN" altLang="en-US" dirty="0"/>
+              <a:t>策略</a:t>
+            </a:r>
+            <a:r>
+              <a:rPr lang="en-US" altLang="zh-CN" dirty="0" smtClean="0"/>
+              <a:t>---</a:t>
+            </a:r>
+            <a:r>
+              <a:rPr lang="zh-CN" altLang="en-US" dirty="0" smtClean="0"/>
+              <a:t>回调函</a:t>
+            </a:r>
+            <a:r>
+              <a:rPr lang="zh-CN" altLang="en-US" dirty="0"/>
+              <a:t>数</a:t>
+            </a:r>
+          </a:p>
+        </p:txBody>
+      </p:sp>
+      <p:sp>
+        <p:nvSpPr>
+          <p:cNvPr id="3" name="内容占位符 2"/>
+          <p:cNvSpPr>
+            <a:spLocks noGrp="1"/>
+          </p:cNvSpPr>
+          <p:nvPr>
+            <p:ph idx="1"/>
+          </p:nvPr>
+        </p:nvSpPr>
+        <p:spPr/>
+        <p:txBody>
+          <a:bodyPr/>
+          <a:lstStyle/>
+          <a:p>
+            <a:r>
+              <a:rPr lang="en-US" altLang="zh-CN" dirty="0"/>
+              <a:t>python\kungfu\wingchun</a:t>
+            </a:r>
+            <a:endParaRPr lang="zh-CN" altLang="en-US" dirty="0"/>
+          </a:p>
+        </p:txBody>
+      </p:sp>
+      <p:pic>
+        <p:nvPicPr>
+          <p:cNvPr id="4" name="图片 3"/>
+          <p:cNvPicPr>
+            <a:picLocks noChangeAspect="1"/>
+          </p:cNvPicPr>
+          <p:nvPr/>
+        </p:nvPicPr>
+        <p:blipFill>
+          <a:blip r:embed="rId2"/>
+          <a:stretch>
+            <a:fillRect/>
+          </a:stretch>
+        </p:blipFill>
+        <p:spPr>
+          <a:xfrm>
+            <a:off x="1164360" y="2725593"/>
+            <a:ext cx="4838700" cy="3143250"/>
+          </a:xfrm>
+          <a:prstGeom prst="rect">
+            <a:avLst/>
+          </a:prstGeom>
+        </p:spPr>
+      </p:pic>
+    </p:spTree>
+    <p:extLst>
+      <p:ext uri="{BB962C8B-B14F-4D97-AF65-F5344CB8AC3E}">
+        <p14:creationId xmlns:p14="http://schemas.microsoft.com/office/powerpoint/2010/main" val="642727487"/>
+      </p:ext>
+    </p:extLst>
+  </p:cSld>
+  <p:clrMapOvr>
+    <a:masterClrMapping/>
+  </p:clrMapOvr>
+</p:sld>
+</file>
+
+<file path=ppt/slides/slide4.xml><?xml version="1.0" encoding="utf-8"?>
+<p:sld xmlns:a="http://schemas.openxmlformats.org/drawingml/2006/main" xmlns:r="http://schemas.openxmlformats.org/officeDocument/2006/relationships" xmlns:p="http://schemas.openxmlformats.org/presentationml/2006/main">
+  <p:cSld>
+    <p:spTree>
+      <p:nvGrpSpPr>
+        <p:cNvPr id="1" name=""/>
+        <p:cNvGrpSpPr/>
+        <p:nvPr/>
+      </p:nvGrpSpPr>
+      <p:grpSpPr>
+        <a:xfrm>
+          <a:off x="0" y="0"/>
+          <a:ext cx="0" cy="0"/>
+          <a:chOff x="0" y="0"/>
+          <a:chExt cx="0" cy="0"/>
+        </a:xfrm>
+      </p:grpSpPr>
+      <p:sp>
+        <p:nvSpPr>
+          <p:cNvPr id="2" name="标题 1">
+            <a:extLst>
+              <a:ext uri="{FF2B5EF4-FFF2-40B4-BE49-F238E27FC236}">
+                <a16:creationId xmlns:a16="http://schemas.microsoft.com/office/drawing/2014/main" xmlns="" id="{EA56C1AE-0704-48E6-9DEB-BE168C445025}"/>
+              </a:ext>
+            </a:extLst>
+          </p:cNvPr>
+          <p:cNvSpPr>
+            <a:spLocks noGrp="1"/>
+          </p:cNvSpPr>
+          <p:nvPr>
+            <p:ph type="title"/>
+          </p:nvPr>
+        </p:nvSpPr>
+        <p:spPr/>
+        <p:txBody>
+          <a:bodyPr/>
+          <a:lstStyle/>
+          <a:p>
+            <a:r>
+              <a:rPr lang="en-US" altLang="zh-CN" dirty="0"/>
+              <a:t>Kungfu</a:t>
+            </a:r>
+            <a:r>
+              <a:rPr lang="zh-CN" altLang="en-US" dirty="0"/>
+              <a:t>架构</a:t>
+            </a:r>
+            <a:r>
+              <a:rPr lang="en-US" altLang="zh-CN" dirty="0"/>
+              <a:t>-</a:t>
+            </a:r>
+            <a:r>
+              <a:rPr lang="en-US" altLang="zh-CN" dirty="0" err="1"/>
+              <a:t>kungfuctl</a:t>
+            </a:r>
+            <a:r>
+              <a:rPr lang="zh-CN" altLang="en-US" dirty="0"/>
+              <a:t>脚本的内容</a:t>
+            </a:r>
+          </a:p>
+        </p:txBody>
+      </p:sp>
+      <p:sp>
+        <p:nvSpPr>
+          <p:cNvPr id="3" name="内容占位符 2">
+            <a:extLst>
+              <a:ext uri="{FF2B5EF4-FFF2-40B4-BE49-F238E27FC236}">
+                <a16:creationId xmlns:a16="http://schemas.microsoft.com/office/drawing/2014/main" xmlns="" id="{22761A7A-44D8-4C32-8AF0-C60511BCF29E}"/>
+              </a:ext>
+            </a:extLst>
+          </p:cNvPr>
+          <p:cNvSpPr>
+            <a:spLocks noGrp="1"/>
+          </p:cNvSpPr>
+          <p:nvPr>
+            <p:ph idx="1"/>
+          </p:nvPr>
+        </p:nvSpPr>
+        <p:spPr/>
+        <p:txBody>
+          <a:bodyPr/>
+          <a:lstStyle/>
+          <a:p>
+            <a:endParaRPr lang="en-US" altLang="zh-CN" dirty="0"/>
+          </a:p>
+          <a:p>
+            <a:r>
+              <a:rPr lang="zh-CN" altLang="en-US" dirty="0"/>
+              <a:t>程序文件位置： </a:t>
+            </a:r>
+            <a:r>
+              <a:rPr lang="en-US" altLang="zh-CN" dirty="0"/>
+              <a:t>\rpm\bin\</a:t>
+            </a:r>
+            <a:r>
+              <a:rPr lang="en-US" altLang="zh-CN" dirty="0" err="1"/>
+              <a:t>kungfuctl</a:t>
+            </a:r>
+            <a:endParaRPr lang="en-US" altLang="zh-CN" dirty="0"/>
+          </a:p>
+          <a:p>
+            <a:r>
+              <a:rPr lang="zh-CN" altLang="en-US" dirty="0"/>
+              <a:t>脚本内容，就</a:t>
+            </a:r>
+            <a:r>
+              <a:rPr lang="en-US" altLang="zh-CN" dirty="0"/>
+              <a:t>2</a:t>
+            </a:r>
+            <a:r>
+              <a:rPr lang="zh-CN" altLang="en-US" dirty="0"/>
+              <a:t>行，启动</a:t>
+            </a:r>
+            <a:r>
+              <a:rPr lang="en-US" altLang="zh-CN" dirty="0"/>
+              <a:t>supervisor </a:t>
+            </a:r>
+            <a:r>
+              <a:rPr lang="zh-CN" altLang="en-US" dirty="0"/>
+              <a:t>：</a:t>
+            </a:r>
+            <a:endParaRPr lang="en-US" altLang="zh-CN" dirty="0"/>
+          </a:p>
+          <a:p>
+            <a:endParaRPr lang="en-US" altLang="zh-CN" dirty="0"/>
+          </a:p>
+          <a:p>
+            <a:pPr lvl="1"/>
+            <a:r>
+              <a:rPr lang="en-US" altLang="zh-CN" dirty="0"/>
+              <a:t>#!/</a:t>
+            </a:r>
+            <a:r>
+              <a:rPr lang="en-US" altLang="zh-CN" dirty="0" err="1"/>
+              <a:t>usr</a:t>
+            </a:r>
+            <a:r>
+              <a:rPr lang="en-US" altLang="zh-CN" dirty="0"/>
+              <a:t>/bin/env bash</a:t>
+            </a:r>
+          </a:p>
+          <a:p>
+            <a:pPr lvl="1"/>
+            <a:r>
+              <a:rPr lang="en-US" altLang="zh-CN" dirty="0"/>
+              <a:t>/</a:t>
+            </a:r>
+            <a:r>
+              <a:rPr lang="en-US" altLang="zh-CN" dirty="0" err="1"/>
+              <a:t>usr</a:t>
+            </a:r>
+            <a:r>
+              <a:rPr lang="en-US" altLang="zh-CN" dirty="0"/>
+              <a:t>/bin/</a:t>
+            </a:r>
+            <a:r>
+              <a:rPr lang="en-US" altLang="zh-CN" dirty="0" err="1"/>
+              <a:t>supervisorctl</a:t>
+            </a:r>
+            <a:r>
+              <a:rPr lang="en-US" altLang="zh-CN" dirty="0"/>
+              <a:t> -c /opt/</a:t>
+            </a:r>
+            <a:r>
+              <a:rPr lang="en-US" altLang="zh-CN" dirty="0" err="1"/>
+              <a:t>kungfu</a:t>
+            </a:r>
+            <a:r>
+              <a:rPr lang="en-US" altLang="zh-CN" dirty="0"/>
+              <a:t>/master/</a:t>
+            </a:r>
+            <a:r>
+              <a:rPr lang="en-US" altLang="zh-CN" dirty="0" err="1"/>
+              <a:t>etc</a:t>
+            </a:r>
+            <a:r>
+              <a:rPr lang="en-US" altLang="zh-CN" dirty="0"/>
+              <a:t>/supervisor/</a:t>
+            </a:r>
+            <a:r>
+              <a:rPr lang="en-US" altLang="zh-CN" dirty="0" err="1"/>
+              <a:t>supervisord.conf</a:t>
+            </a:r>
+            <a:endParaRPr lang="zh-CN" altLang="en-US" dirty="0"/>
+          </a:p>
+        </p:txBody>
+      </p:sp>
+    </p:spTree>
+    <p:extLst>
+      <p:ext uri="{BB962C8B-B14F-4D97-AF65-F5344CB8AC3E}">
+        <p14:creationId xmlns:p14="http://schemas.microsoft.com/office/powerpoint/2010/main" val="3208541627"/>
+      </p:ext>
+    </p:extLst>
+  </p:cSld>
+  <p:clrMapOvr>
+    <a:masterClrMapping/>
+  </p:clrMapOvr>
+</p:sld>
+</file>
+
+<file path=ppt/slides/slide40.xml><?xml version="1.0" encoding="utf-8"?>
+<p:sld xmlns:a="http://schemas.openxmlformats.org/drawingml/2006/main" xmlns:r="http://schemas.openxmlformats.org/officeDocument/2006/relationships" xmlns:p="http://schemas.openxmlformats.org/presentationml/2006/main">
+  <p:cSld>
+    <p:spTree>
+      <p:nvGrpSpPr>
+        <p:cNvPr id="1" name=""/>
+        <p:cNvGrpSpPr/>
+        <p:nvPr/>
+      </p:nvGrpSpPr>
+      <p:grpSpPr>
+        <a:xfrm>
+          <a:off x="0" y="0"/>
+          <a:ext cx="0" cy="0"/>
+          <a:chOff x="0" y="0"/>
+          <a:chExt cx="0" cy="0"/>
+        </a:xfrm>
+      </p:grpSpPr>
+      <p:sp>
+        <p:nvSpPr>
+          <p:cNvPr id="2" name="标题 1">
+            <a:extLst>
+              <a:ext uri="{FF2B5EF4-FFF2-40B4-BE49-F238E27FC236}">
+                <a16:creationId xmlns:a16="http://schemas.microsoft.com/office/drawing/2014/main" xmlns="" id="{02096BF3-F7BD-474B-B581-A3C3EBB6E04E}"/>
+              </a:ext>
+            </a:extLst>
+          </p:cNvPr>
+          <p:cNvSpPr>
+            <a:spLocks noGrp="1"/>
+          </p:cNvSpPr>
+          <p:nvPr>
+            <p:ph type="title"/>
+          </p:nvPr>
+        </p:nvSpPr>
+        <p:spPr/>
+        <p:txBody>
+          <a:bodyPr/>
+          <a:lstStyle/>
+          <a:p>
+            <a:r>
+              <a:rPr lang="zh-CN" altLang="en-US" dirty="0"/>
+              <a:t>参考</a:t>
+            </a:r>
+            <a:r>
+              <a:rPr lang="en-US" altLang="zh-CN" dirty="0"/>
+              <a:t>C++</a:t>
+            </a:r>
+            <a:r>
+              <a:rPr lang="zh-CN" altLang="en-US" dirty="0"/>
+              <a:t>策略和</a:t>
+            </a:r>
+            <a:r>
+              <a:rPr lang="en-US" altLang="zh-CN" dirty="0"/>
+              <a:t>Python</a:t>
+            </a:r>
+            <a:r>
+              <a:rPr lang="zh-CN" altLang="en-US" dirty="0"/>
+              <a:t>策略</a:t>
+            </a:r>
+          </a:p>
+        </p:txBody>
+      </p:sp>
+      <p:sp>
+        <p:nvSpPr>
+          <p:cNvPr id="3" name="内容占位符 2">
+            <a:extLst>
+              <a:ext uri="{FF2B5EF4-FFF2-40B4-BE49-F238E27FC236}">
+                <a16:creationId xmlns:a16="http://schemas.microsoft.com/office/drawing/2014/main" xmlns="" id="{98FF4108-323A-44CC-92FD-0D65FE31E3B3}"/>
+              </a:ext>
+            </a:extLst>
+          </p:cNvPr>
+          <p:cNvSpPr>
+            <a:spLocks noGrp="1"/>
+          </p:cNvSpPr>
+          <p:nvPr>
+            <p:ph idx="1"/>
+          </p:nvPr>
+        </p:nvSpPr>
+        <p:spPr/>
+        <p:txBody>
+          <a:bodyPr/>
+          <a:lstStyle/>
+          <a:p>
+            <a:r>
+              <a:rPr lang="en-US" altLang="zh-CN" dirty="0" err="1"/>
+              <a:t>wingchun</a:t>
+            </a:r>
+            <a:r>
+              <a:rPr lang="en-US" altLang="zh-CN" dirty="0"/>
+              <a:t>\strategy\binance_md_td_strategy.cpp</a:t>
+            </a:r>
+          </a:p>
+          <a:p>
+            <a:r>
+              <a:rPr lang="en-US" altLang="zh-CN" dirty="0"/>
+              <a:t>wingchun\strategy\py_demo\binance_order_cancel_test.py</a:t>
+            </a:r>
+            <a:endParaRPr lang="zh-CN" altLang="en-US" dirty="0"/>
+          </a:p>
+        </p:txBody>
+      </p:sp>
+    </p:spTree>
+    <p:extLst>
+      <p:ext uri="{BB962C8B-B14F-4D97-AF65-F5344CB8AC3E}">
+        <p14:creationId xmlns:p14="http://schemas.microsoft.com/office/powerpoint/2010/main" val="2689043168"/>
+      </p:ext>
+    </p:extLst>
+  </p:cSld>
+  <p:clrMapOvr>
+    <a:masterClrMapping/>
+  </p:clrMapOvr>
+</p:sld>
+</file>
+
+<file path=ppt/slides/slide41.xml><?xml version="1.0" encoding="utf-8"?>
+<p:sld xmlns:a="http://schemas.openxmlformats.org/drawingml/2006/main" xmlns:r="http://schemas.openxmlformats.org/officeDocument/2006/relationships" xmlns:p="http://schemas.openxmlformats.org/presentationml/2006/main">
+  <p:cSld>
+    <p:spTree>
+      <p:nvGrpSpPr>
+        <p:cNvPr id="1" name=""/>
+        <p:cNvGrpSpPr/>
+        <p:nvPr/>
+      </p:nvGrpSpPr>
+      <p:grpSpPr>
+        <a:xfrm>
+          <a:off x="0" y="0"/>
+          <a:ext cx="0" cy="0"/>
+          <a:chOff x="0" y="0"/>
+          <a:chExt cx="0" cy="0"/>
+        </a:xfrm>
+      </p:grpSpPr>
+      <p:sp>
+        <p:nvSpPr>
+          <p:cNvPr id="2" name="标题 1">
+            <a:extLst>
+              <a:ext uri="{FF2B5EF4-FFF2-40B4-BE49-F238E27FC236}">
+                <a16:creationId xmlns:a16="http://schemas.microsoft.com/office/drawing/2014/main" xmlns="" id="{3184C796-D7D5-42CA-93E3-3948EBE039BC}"/>
+              </a:ext>
+            </a:extLst>
+          </p:cNvPr>
+          <p:cNvSpPr>
+            <a:spLocks noGrp="1"/>
+          </p:cNvSpPr>
+          <p:nvPr>
+            <p:ph type="title"/>
+          </p:nvPr>
+        </p:nvSpPr>
+        <p:spPr/>
+        <p:txBody>
+          <a:bodyPr/>
+          <a:lstStyle/>
+          <a:p>
+            <a:r>
+              <a:rPr lang="zh-CN" altLang="en-US" dirty="0"/>
+              <a:t>在</a:t>
+            </a:r>
+            <a:r>
+              <a:rPr lang="en-US" altLang="zh-CN" dirty="0" err="1"/>
+              <a:t>kungfu</a:t>
+            </a:r>
+            <a:r>
+              <a:rPr lang="zh-CN" altLang="en-US" dirty="0"/>
+              <a:t>之上进行的虚拟货币交易改造</a:t>
+            </a:r>
+          </a:p>
+        </p:txBody>
+      </p:sp>
+      <p:sp>
+        <p:nvSpPr>
+          <p:cNvPr id="3" name="内容占位符 2">
+            <a:extLst>
+              <a:ext uri="{FF2B5EF4-FFF2-40B4-BE49-F238E27FC236}">
+                <a16:creationId xmlns:a16="http://schemas.microsoft.com/office/drawing/2014/main" xmlns="" id="{D1AF6EEB-ABB2-4232-9752-B51D91BC29C8}"/>
+              </a:ext>
+            </a:extLst>
+          </p:cNvPr>
+          <p:cNvSpPr>
+            <a:spLocks noGrp="1"/>
+          </p:cNvSpPr>
+          <p:nvPr>
+            <p:ph idx="1"/>
+          </p:nvPr>
+        </p:nvSpPr>
+        <p:spPr/>
+        <p:txBody>
+          <a:bodyPr/>
+          <a:lstStyle/>
+          <a:p>
+            <a:endParaRPr lang="en-US" altLang="zh-CN" dirty="0"/>
+          </a:p>
+          <a:p>
+            <a:r>
+              <a:rPr lang="zh-CN" altLang="en-US" dirty="0"/>
+              <a:t>利用了</a:t>
+            </a:r>
+            <a:r>
+              <a:rPr lang="en-US" altLang="zh-CN" dirty="0" err="1"/>
+              <a:t>kungfu</a:t>
+            </a:r>
+            <a:r>
+              <a:rPr lang="zh-CN" altLang="en-US" dirty="0"/>
+              <a:t>优秀的</a:t>
+            </a:r>
+            <a:r>
+              <a:rPr lang="en-US" altLang="zh-CN" dirty="0"/>
+              <a:t>journal</a:t>
+            </a:r>
+            <a:r>
+              <a:rPr lang="zh-CN" altLang="en-US" dirty="0"/>
+              <a:t>导出和信息查看工具</a:t>
+            </a:r>
+            <a:endParaRPr lang="en-US" altLang="zh-CN" dirty="0"/>
+          </a:p>
+          <a:p>
+            <a:endParaRPr lang="en-US" altLang="zh-CN" dirty="0"/>
+          </a:p>
+          <a:p>
+            <a:r>
+              <a:rPr lang="zh-CN" altLang="en-US" dirty="0"/>
+              <a:t>改造了一些结构和接口，更加适合虚拟货币交易</a:t>
+            </a:r>
+          </a:p>
+        </p:txBody>
+      </p:sp>
+    </p:spTree>
+    <p:extLst>
+      <p:ext uri="{BB962C8B-B14F-4D97-AF65-F5344CB8AC3E}">
+        <p14:creationId xmlns:p14="http://schemas.microsoft.com/office/powerpoint/2010/main" val="1903326245"/>
+      </p:ext>
+    </p:extLst>
+  </p:cSld>
+  <p:clrMapOvr>
+    <a:masterClrMapping/>
+  </p:clrMapOvr>
+</p:sld>
+</file>
+
+<file path=ppt/slides/slide42.xml><?xml version="1.0" encoding="utf-8"?>
+<p:sld xmlns:a="http://schemas.openxmlformats.org/drawingml/2006/main" xmlns:r="http://schemas.openxmlformats.org/officeDocument/2006/relationships" xmlns:p="http://schemas.openxmlformats.org/presentationml/2006/main">
+  <p:cSld>
+    <p:spTree>
+      <p:nvGrpSpPr>
+        <p:cNvPr id="1" name=""/>
+        <p:cNvGrpSpPr/>
+        <p:nvPr/>
+      </p:nvGrpSpPr>
+      <p:grpSpPr>
+        <a:xfrm>
+          <a:off x="0" y="0"/>
+          <a:ext cx="0" cy="0"/>
+          <a:chOff x="0" y="0"/>
+          <a:chExt cx="0" cy="0"/>
+        </a:xfrm>
+      </p:grpSpPr>
+      <p:sp>
+        <p:nvSpPr>
+          <p:cNvPr id="2" name="标题 1">
+            <a:extLst>
+              <a:ext uri="{FF2B5EF4-FFF2-40B4-BE49-F238E27FC236}">
+                <a16:creationId xmlns:a16="http://schemas.microsoft.com/office/drawing/2014/main" xmlns="" id="{676617CD-3CAD-48B1-A1F1-DA94904E2DC3}"/>
+              </a:ext>
+            </a:extLst>
+          </p:cNvPr>
+          <p:cNvSpPr>
+            <a:spLocks noGrp="1"/>
+          </p:cNvSpPr>
+          <p:nvPr>
+            <p:ph type="title"/>
+          </p:nvPr>
+        </p:nvSpPr>
+        <p:spPr/>
+        <p:txBody>
+          <a:bodyPr/>
+          <a:lstStyle/>
+          <a:p>
+            <a:r>
+              <a:rPr lang="en-US" altLang="zh-CN" dirty="0" err="1"/>
+              <a:t>kungfu</a:t>
+            </a:r>
+            <a:r>
+              <a:rPr lang="zh-CN" altLang="en-US" dirty="0"/>
+              <a:t>之上进行虚拟货币交易改造</a:t>
+            </a:r>
+          </a:p>
+        </p:txBody>
+      </p:sp>
+      <p:sp>
+        <p:nvSpPr>
+          <p:cNvPr id="3" name="内容占位符 2">
+            <a:extLst>
+              <a:ext uri="{FF2B5EF4-FFF2-40B4-BE49-F238E27FC236}">
+                <a16:creationId xmlns:a16="http://schemas.microsoft.com/office/drawing/2014/main" xmlns="" id="{26007D6D-E772-4643-8F5E-890856616D0E}"/>
+              </a:ext>
+            </a:extLst>
+          </p:cNvPr>
+          <p:cNvSpPr>
+            <a:spLocks noGrp="1"/>
+          </p:cNvSpPr>
+          <p:nvPr>
+            <p:ph idx="1"/>
+          </p:nvPr>
+        </p:nvSpPr>
+        <p:spPr/>
+        <p:txBody>
+          <a:bodyPr>
+            <a:normAutofit/>
+          </a:bodyPr>
+          <a:lstStyle/>
+          <a:p>
+            <a:endParaRPr lang="en-US" altLang="zh-CN" dirty="0"/>
+          </a:p>
+          <a:p>
+            <a:pPr lvl="1"/>
+            <a:r>
+              <a:rPr lang="zh-CN" altLang="en-US" dirty="0"/>
+              <a:t>发单撤单状态回报等，结构体里面的</a:t>
+            </a:r>
+            <a:r>
+              <a:rPr lang="zh-CN" altLang="en-US" b="1" dirty="0"/>
+              <a:t>价格</a:t>
+            </a:r>
+            <a:r>
+              <a:rPr lang="zh-CN" altLang="en-US" dirty="0"/>
+              <a:t> </a:t>
+            </a:r>
+            <a:r>
+              <a:rPr lang="en-US" altLang="zh-CN" dirty="0" err="1"/>
+              <a:t>LimitPrice</a:t>
+            </a:r>
+            <a:r>
+              <a:rPr lang="en-US" altLang="zh-CN" dirty="0"/>
+              <a:t>/Price  </a:t>
+            </a:r>
+            <a:r>
+              <a:rPr lang="zh-CN" altLang="en-US" dirty="0"/>
+              <a:t>从</a:t>
+            </a:r>
+            <a:r>
+              <a:rPr lang="en-US" altLang="zh-CN" dirty="0"/>
+              <a:t>double  </a:t>
+            </a:r>
+            <a:r>
+              <a:rPr lang="zh-CN" altLang="en-US" dirty="0"/>
+              <a:t>改为 </a:t>
+            </a:r>
+            <a:r>
+              <a:rPr lang="en-US" altLang="zh-CN" dirty="0"/>
+              <a:t>int64_t</a:t>
+            </a:r>
+          </a:p>
+          <a:p>
+            <a:pPr lvl="1"/>
+            <a:endParaRPr lang="en-US" altLang="zh-CN" dirty="0"/>
+          </a:p>
+          <a:p>
+            <a:pPr lvl="1"/>
+            <a:r>
+              <a:rPr lang="zh-CN" altLang="en-US" dirty="0"/>
+              <a:t>发单撤单状态回报等，结构体里面的</a:t>
+            </a:r>
+            <a:r>
+              <a:rPr lang="zh-CN" altLang="en-US" b="1" dirty="0"/>
+              <a:t>数量</a:t>
+            </a:r>
+            <a:r>
+              <a:rPr lang="en-US" altLang="zh-CN" dirty="0" err="1"/>
+              <a:t>MinVolume</a:t>
+            </a:r>
+            <a:r>
+              <a:rPr lang="en-US" altLang="zh-CN" dirty="0"/>
+              <a:t>/Volume/</a:t>
+            </a:r>
+            <a:r>
+              <a:rPr lang="en-US" altLang="zh-CN" dirty="0" err="1"/>
+              <a:t>VolumeTraded</a:t>
+            </a:r>
+            <a:r>
+              <a:rPr lang="en-US" altLang="zh-CN" dirty="0"/>
+              <a:t>/</a:t>
+            </a:r>
+            <a:r>
+              <a:rPr lang="en-US" altLang="zh-CN" dirty="0" err="1"/>
+              <a:t>VolumeTotal</a:t>
+            </a:r>
+            <a:r>
+              <a:rPr lang="en-US" altLang="zh-CN" dirty="0"/>
+              <a:t>/</a:t>
+            </a:r>
+            <a:r>
+              <a:rPr lang="en-US" altLang="zh-CN" dirty="0" err="1"/>
+              <a:t>VolumeTotalOriginal</a:t>
+            </a:r>
+            <a:r>
+              <a:rPr lang="en-US" altLang="zh-CN" dirty="0"/>
+              <a:t>    </a:t>
+            </a:r>
+            <a:r>
+              <a:rPr lang="zh-CN" altLang="en-US" dirty="0"/>
+              <a:t>从</a:t>
+            </a:r>
+            <a:r>
+              <a:rPr lang="en-US" altLang="zh-CN" dirty="0"/>
+              <a:t>int</a:t>
+            </a:r>
+            <a:r>
+              <a:rPr lang="zh-CN" altLang="en-US" dirty="0"/>
+              <a:t>改为 </a:t>
+            </a:r>
+            <a:r>
+              <a:rPr lang="en-US" altLang="zh-CN" dirty="0"/>
+              <a:t>uint64_t</a:t>
+            </a:r>
+          </a:p>
+          <a:p>
+            <a:pPr lvl="1"/>
+            <a:endParaRPr lang="en-US" altLang="zh-CN" dirty="0"/>
+          </a:p>
+          <a:p>
+            <a:pPr lvl="1"/>
+            <a:r>
+              <a:rPr lang="en-US" altLang="zh-CN" dirty="0"/>
+              <a:t>MD</a:t>
+            </a:r>
+            <a:r>
+              <a:rPr lang="zh-CN" altLang="en-US" dirty="0"/>
+              <a:t>添加了新接口：</a:t>
+            </a:r>
+            <a:r>
+              <a:rPr lang="en-US" altLang="zh-CN" dirty="0"/>
+              <a:t> </a:t>
+            </a:r>
+            <a:r>
+              <a:rPr lang="en-US" altLang="zh-CN" b="1" dirty="0" err="1"/>
+              <a:t>on_price_book_update</a:t>
+            </a:r>
+            <a:r>
+              <a:rPr lang="en-US" altLang="zh-CN" dirty="0"/>
+              <a:t> (const LFPriceBook20Field* data)</a:t>
+            </a:r>
+          </a:p>
+          <a:p>
+            <a:pPr lvl="1"/>
+            <a:r>
+              <a:rPr lang="en-US" altLang="zh-CN" dirty="0"/>
+              <a:t>TD</a:t>
+            </a:r>
+            <a:r>
+              <a:rPr lang="zh-CN" altLang="en-US" dirty="0"/>
+              <a:t>部分通过给</a:t>
+            </a:r>
+            <a:r>
+              <a:rPr lang="en-US" altLang="zh-CN" dirty="0" err="1"/>
+              <a:t>LFInputOrderField</a:t>
+            </a:r>
+            <a:r>
+              <a:rPr lang="zh-CN" altLang="en-US" dirty="0"/>
+              <a:t>增加分组参数，可以进行批量发单</a:t>
+            </a:r>
+            <a:endParaRPr lang="en-US" altLang="zh-CN" dirty="0"/>
+          </a:p>
+          <a:p>
+            <a:endParaRPr lang="en-US" altLang="zh-CN" dirty="0"/>
+          </a:p>
+          <a:p>
+            <a:endParaRPr lang="en-US" altLang="zh-CN" dirty="0"/>
+          </a:p>
+          <a:p>
+            <a:endParaRPr lang="en-US" altLang="zh-CN" dirty="0"/>
+          </a:p>
+          <a:p>
+            <a:endParaRPr lang="en-US" altLang="zh-CN" dirty="0"/>
+          </a:p>
+        </p:txBody>
+      </p:sp>
+    </p:spTree>
+    <p:extLst>
+      <p:ext uri="{BB962C8B-B14F-4D97-AF65-F5344CB8AC3E}">
+        <p14:creationId xmlns:p14="http://schemas.microsoft.com/office/powerpoint/2010/main" val="4089164741"/>
+      </p:ext>
+    </p:extLst>
+  </p:cSld>
+  <p:clrMapOvr>
+    <a:masterClrMapping/>
+  </p:clrMapOvr>
+</p:sld>
+</file>
+
+<file path=ppt/slides/slide43.xml><?xml version="1.0" encoding="utf-8"?>
+<p:sld xmlns:a="http://schemas.openxmlformats.org/drawingml/2006/main" xmlns:r="http://schemas.openxmlformats.org/officeDocument/2006/relationships" xmlns:p="http://schemas.openxmlformats.org/presentationml/2006/main">
+  <p:cSld>
+    <p:spTree>
+      <p:nvGrpSpPr>
+        <p:cNvPr id="1" name=""/>
+        <p:cNvGrpSpPr/>
+        <p:nvPr/>
+      </p:nvGrpSpPr>
+      <p:grpSpPr>
+        <a:xfrm>
+          <a:off x="0" y="0"/>
+          <a:ext cx="0" cy="0"/>
+          <a:chOff x="0" y="0"/>
+          <a:chExt cx="0" cy="0"/>
+        </a:xfrm>
+      </p:grpSpPr>
+      <p:sp>
+        <p:nvSpPr>
+          <p:cNvPr id="2" name="标题 1">
+            <a:extLst>
+              <a:ext uri="{FF2B5EF4-FFF2-40B4-BE49-F238E27FC236}">
                 <a16:creationId xmlns:a16="http://schemas.microsoft.com/office/drawing/2014/main" xmlns="" id="{D23C1E7B-BE23-40AD-A9F5-D573F465226C}"/>
               </a:ext>
             </a:extLst>
@@ -9106,7 +10737,7 @@
 </p:sld>
 </file>
 
-<file path=ppt/slides/slide34.xml><?xml version="1.0" encoding="utf-8"?>
+<file path=ppt/slides/slide44.xml><?xml version="1.0" encoding="utf-8"?>
 <p:sld xmlns:a="http://schemas.openxmlformats.org/drawingml/2006/main" xmlns:r="http://schemas.openxmlformats.org/officeDocument/2006/relationships" xmlns:p="http://schemas.openxmlformats.org/presentationml/2006/main">
   <p:cSld>
     <p:spTree>
@@ -9382,7 +11013,7 @@
 </p:sld>
 </file>
 
-<file path=ppt/slides/slide35.xml><?xml version="1.0" encoding="utf-8"?>
+<file path=ppt/slides/slide45.xml><?xml version="1.0" encoding="utf-8"?>
 <p:sld xmlns:a="http://schemas.openxmlformats.org/drawingml/2006/main" xmlns:r="http://schemas.openxmlformats.org/officeDocument/2006/relationships" xmlns:p="http://schemas.openxmlformats.org/presentationml/2006/main">
   <p:cSld>
     <p:spTree>
@@ -9510,7 +11141,7 @@
 </p:sld>
 </file>
 
-<file path=ppt/slides/slide36.xml><?xml version="1.0" encoding="utf-8"?>
+<file path=ppt/slides/slide46.xml><?xml version="1.0" encoding="utf-8"?>
 <p:sld xmlns:a="http://schemas.openxmlformats.org/drawingml/2006/main" xmlns:r="http://schemas.openxmlformats.org/officeDocument/2006/relationships" xmlns:p="http://schemas.openxmlformats.org/presentationml/2006/main">
   <p:cSld>
     <p:spTree>
@@ -9926,7 +11557,7 @@
 </p:sld>
 </file>
 
-<file path=ppt/slides/slide37.xml><?xml version="1.0" encoding="utf-8"?>
+<file path=ppt/slides/slide47.xml><?xml version="1.0" encoding="utf-8"?>
 <p:sld xmlns:a="http://schemas.openxmlformats.org/drawingml/2006/main" xmlns:r="http://schemas.openxmlformats.org/officeDocument/2006/relationships" xmlns:p="http://schemas.openxmlformats.org/presentationml/2006/main">
   <p:cSld>
     <p:spTree>
@@ -10133,7 +11764,7 @@
 </p:sld>
 </file>
 
-<file path=ppt/slides/slide38.xml><?xml version="1.0" encoding="utf-8"?>
+<file path=ppt/slides/slide48.xml><?xml version="1.0" encoding="utf-8"?>
 <p:sld xmlns:a="http://schemas.openxmlformats.org/drawingml/2006/main" xmlns:r="http://schemas.openxmlformats.org/officeDocument/2006/relationships" xmlns:p="http://schemas.openxmlformats.org/presentationml/2006/main">
   <p:cSld>
     <p:spTree>
@@ -10324,7 +11955,7 @@
 </p:sld>
 </file>
 
-<file path=ppt/slides/slide39.xml><?xml version="1.0" encoding="utf-8"?>
+<file path=ppt/slides/slide49.xml><?xml version="1.0" encoding="utf-8"?>
 <p:sld xmlns:a="http://schemas.openxmlformats.org/drawingml/2006/main" xmlns:r="http://schemas.openxmlformats.org/officeDocument/2006/relationships" xmlns:p="http://schemas.openxmlformats.org/presentationml/2006/main">
   <p:cSld>
     <p:spTree>
@@ -10573,7 +12204,7 @@
 </p:sld>
 </file>
 
-<file path=ppt/slides/slide4.xml><?xml version="1.0" encoding="utf-8"?>
+<file path=ppt/slides/slide5.xml><?xml version="1.0" encoding="utf-8"?>
 <p:sld xmlns:a="http://schemas.openxmlformats.org/drawingml/2006/main" xmlns:r="http://schemas.openxmlformats.org/officeDocument/2006/relationships" xmlns:p="http://schemas.openxmlformats.org/presentationml/2006/main">
   <p:cSld>
     <p:spTree>
@@ -10595,7 +12226,7 @@
           <p:cNvPr id="2" name="标题 1">
             <a:extLst>
               <a:ext uri="{FF2B5EF4-FFF2-40B4-BE49-F238E27FC236}">
-                <a16:creationId xmlns:a16="http://schemas.microsoft.com/office/drawing/2014/main" xmlns="" id="{EA56C1AE-0704-48E6-9DEB-BE168C445025}"/>
+                <a16:creationId xmlns:a16="http://schemas.microsoft.com/office/drawing/2014/main" xmlns="" id="{4E013243-A294-4E4B-A707-4591C9B5BB49}"/>
               </a:ext>
             </a:extLst>
           </p:cNvPr>
@@ -10621,16 +12252,17 @@
             </a:r>
             <a:r>
               <a:rPr lang="en-US" altLang="zh-CN" dirty="0"/>
-              <a:t>-</a:t>
-            </a:r>
-            <a:r>
-              <a:rPr lang="en-US" altLang="zh-CN" dirty="0" err="1"/>
-              <a:t>kungfuctl</a:t>
-            </a:r>
-            <a:r>
-              <a:rPr lang="zh-CN" altLang="en-US" dirty="0"/>
-              <a:t>脚本的内容</a:t>
-            </a:r>
+              <a:t>- supervisor</a:t>
+            </a:r>
+            <a:r>
+              <a:rPr lang="zh-CN" altLang="en-US" dirty="0"/>
+              <a:t>管理</a:t>
+            </a:r>
+            <a:r>
+              <a:rPr lang="en-US" altLang="zh-CN" dirty="0"/>
+              <a:t>TD/MD</a:t>
+            </a:r>
+            <a:endParaRPr lang="zh-CN" altLang="en-US" dirty="0"/>
           </a:p>
         </p:txBody>
       </p:sp>
@@ -10639,7 +12271,7 @@
           <p:cNvPr id="3" name="内容占位符 2">
             <a:extLst>
               <a:ext uri="{FF2B5EF4-FFF2-40B4-BE49-F238E27FC236}">
-                <a16:creationId xmlns:a16="http://schemas.microsoft.com/office/drawing/2014/main" xmlns="" id="{22761A7A-44D8-4C32-8AF0-C60511BCF29E}"/>
+                <a16:creationId xmlns:a16="http://schemas.microsoft.com/office/drawing/2014/main" xmlns="" id="{1B35AC6E-C515-49A7-A661-7345625F933F}"/>
               </a:ext>
             </a:extLst>
           </p:cNvPr>
@@ -10655,114 +12287,114 @@
           <a:bodyPr/>
           <a:lstStyle/>
           <a:p>
-            <a:endParaRPr lang="en-US" altLang="zh-CN" dirty="0"/>
-          </a:p>
-          <a:p>
-            <a:r>
-              <a:rPr lang="zh-CN" altLang="en-US" dirty="0"/>
-              <a:t>程序文件位置： </a:t>
-            </a:r>
-            <a:r>
-              <a:rPr lang="en-US" altLang="zh-CN" dirty="0"/>
-              <a:t>\rpm\bin\</a:t>
-            </a:r>
-            <a:r>
-              <a:rPr lang="en-US" altLang="zh-CN" dirty="0" err="1"/>
-              <a:t>kungfuctl</a:t>
-            </a:r>
-            <a:endParaRPr lang="en-US" altLang="zh-CN" dirty="0"/>
-          </a:p>
-          <a:p>
-            <a:r>
-              <a:rPr lang="zh-CN" altLang="en-US" dirty="0"/>
-              <a:t>脚本内容，就</a:t>
-            </a:r>
-            <a:r>
-              <a:rPr lang="en-US" altLang="zh-CN" dirty="0"/>
-              <a:t>2</a:t>
-            </a:r>
-            <a:r>
-              <a:rPr lang="zh-CN" altLang="en-US" dirty="0"/>
-              <a:t>行，启动</a:t>
-            </a:r>
-            <a:r>
-              <a:rPr lang="en-US" altLang="zh-CN" dirty="0"/>
-              <a:t>supervisor </a:t>
-            </a:r>
-            <a:r>
-              <a:rPr lang="zh-CN" altLang="en-US" dirty="0"/>
-              <a:t>：</a:t>
-            </a:r>
-            <a:endParaRPr lang="en-US" altLang="zh-CN" dirty="0"/>
-          </a:p>
-          <a:p>
+            <a:r>
+              <a:rPr lang="en-US" altLang="zh-CN" dirty="0"/>
+              <a:t>\rpm\</a:t>
+            </a:r>
+            <a:r>
+              <a:rPr lang="en-US" altLang="zh-CN" dirty="0" err="1"/>
+              <a:t>etc</a:t>
+            </a:r>
+            <a:r>
+              <a:rPr lang="en-US" altLang="zh-CN" dirty="0"/>
+              <a:t>\supervisor\*.conf</a:t>
+            </a:r>
+          </a:p>
+          <a:p>
+            <a:r>
+              <a:rPr lang="zh-CN" altLang="en-US" dirty="0"/>
+              <a:t>启动程序命令，如：</a:t>
+            </a:r>
             <a:endParaRPr lang="en-US" altLang="zh-CN" dirty="0"/>
           </a:p>
           <a:p>
             <a:pPr lvl="1"/>
             <a:r>
-              <a:rPr lang="en-US" altLang="zh-CN" dirty="0"/>
-              <a:t>#!/</a:t>
-            </a:r>
-            <a:r>
-              <a:rPr lang="en-US" altLang="zh-CN" dirty="0" err="1"/>
-              <a:t>usr</a:t>
-            </a:r>
-            <a:r>
-              <a:rPr lang="en-US" altLang="zh-CN" dirty="0"/>
-              <a:t>/bin/env bash</a:t>
-            </a:r>
+              <a:rPr lang="zh-CN" altLang="en-US" b="1" dirty="0"/>
+              <a:t> </a:t>
+            </a:r>
+            <a:r>
+              <a:rPr lang="en-US" altLang="zh-CN" b="1" dirty="0" err="1"/>
+              <a:t>wingchen</a:t>
+            </a:r>
+            <a:r>
+              <a:rPr lang="en-US" altLang="zh-CN" b="1" dirty="0"/>
+              <a:t> md </a:t>
+            </a:r>
+            <a:r>
+              <a:rPr lang="en-US" altLang="zh-CN" b="1" dirty="0" err="1"/>
+              <a:t>ctp</a:t>
+            </a:r>
+            <a:endParaRPr lang="en-US" altLang="zh-CN" b="1" dirty="0"/>
           </a:p>
           <a:p>
             <a:pPr lvl="1"/>
             <a:r>
               <a:rPr lang="en-US" altLang="zh-CN" dirty="0"/>
-              <a:t>/</a:t>
-            </a:r>
-            <a:r>
-              <a:rPr lang="en-US" altLang="zh-CN" dirty="0" err="1"/>
-              <a:t>usr</a:t>
-            </a:r>
-            <a:r>
-              <a:rPr lang="en-US" altLang="zh-CN" dirty="0"/>
-              <a:t>/bin/</a:t>
-            </a:r>
-            <a:r>
-              <a:rPr lang="en-US" altLang="zh-CN" dirty="0" err="1"/>
-              <a:t>supervisorctl</a:t>
-            </a:r>
-            <a:r>
-              <a:rPr lang="en-US" altLang="zh-CN" dirty="0"/>
-              <a:t> -c /opt/</a:t>
-            </a:r>
-            <a:r>
-              <a:rPr lang="en-US" altLang="zh-CN" dirty="0" err="1"/>
-              <a:t>kungfu</a:t>
-            </a:r>
-            <a:r>
-              <a:rPr lang="en-US" altLang="zh-CN" dirty="0"/>
-              <a:t>/master/</a:t>
-            </a:r>
-            <a:r>
-              <a:rPr lang="en-US" altLang="zh-CN" dirty="0" err="1"/>
-              <a:t>etc</a:t>
-            </a:r>
-            <a:r>
-              <a:rPr lang="en-US" altLang="zh-CN" dirty="0"/>
-              <a:t>/supervisor/</a:t>
-            </a:r>
-            <a:r>
-              <a:rPr lang="en-US" altLang="zh-CN" dirty="0" err="1"/>
-              <a:t>supervisord.conf</a:t>
-            </a:r>
+              <a:t>Supervisor</a:t>
+            </a:r>
+            <a:r>
+              <a:rPr lang="zh-CN" altLang="en-US" dirty="0"/>
+              <a:t>监控配置</a:t>
+            </a:r>
+            <a:endParaRPr lang="en-US" altLang="zh-CN" dirty="0"/>
+          </a:p>
+          <a:p>
+            <a:r>
+              <a:rPr lang="en-US" altLang="zh-CN" dirty="0"/>
+              <a:t>log</a:t>
+            </a:r>
+            <a:r>
+              <a:rPr lang="zh-CN" altLang="en-US" dirty="0"/>
+              <a:t>定义，文件大小和数量</a:t>
+            </a:r>
+            <a:endParaRPr lang="en-US" altLang="zh-CN" dirty="0"/>
+          </a:p>
+          <a:p>
+            <a:endParaRPr lang="en-US" altLang="zh-CN" dirty="0"/>
+          </a:p>
+          <a:p>
+            <a:endParaRPr lang="en-US" altLang="zh-CN" dirty="0"/>
+          </a:p>
+          <a:p>
             <a:endParaRPr lang="zh-CN" altLang="en-US" dirty="0"/>
           </a:p>
         </p:txBody>
       </p:sp>
+      <p:pic>
+        <p:nvPicPr>
+          <p:cNvPr id="4" name="图片 3">
+            <a:extLst>
+              <a:ext uri="{FF2B5EF4-FFF2-40B4-BE49-F238E27FC236}">
+                <a16:creationId xmlns:a16="http://schemas.microsoft.com/office/drawing/2014/main" xmlns="" id="{763F3755-CAAF-409D-9434-7FCD58A434BB}"/>
+              </a:ext>
+            </a:extLst>
+          </p:cNvPr>
+          <p:cNvPicPr>
+            <a:picLocks noChangeAspect="1"/>
+          </p:cNvPicPr>
+          <p:nvPr/>
+        </p:nvPicPr>
+        <p:blipFill>
+          <a:blip r:embed="rId2"/>
+          <a:stretch>
+            <a:fillRect/>
+          </a:stretch>
+        </p:blipFill>
+        <p:spPr>
+          <a:xfrm>
+            <a:off x="6441515" y="2425363"/>
+            <a:ext cx="4656223" cy="3886537"/>
+          </a:xfrm>
+          <a:prstGeom prst="rect">
+            <a:avLst/>
+          </a:prstGeom>
+        </p:spPr>
+      </p:pic>
     </p:spTree>
     <p:extLst>
       <p:ext uri="{BB962C8B-B14F-4D97-AF65-F5344CB8AC3E}">
-        <p14:creationId xmlns:p14="http://schemas.microsoft.com/office/powerpoint/2010/main" val="3208541627"/>
+        <p14:creationId xmlns:p14="http://schemas.microsoft.com/office/powerpoint/2010/main" val="4162561015"/>
       </p:ext>
     </p:extLst>
   </p:cSld>
@@ -10772,7 +12404,7 @@
 </p:sld>
 </file>
 
-<file path=ppt/slides/slide40.xml><?xml version="1.0" encoding="utf-8"?>
+<file path=ppt/slides/slide50.xml><?xml version="1.0" encoding="utf-8"?>
 <p:sld xmlns:a="http://schemas.openxmlformats.org/drawingml/2006/main" xmlns:r="http://schemas.openxmlformats.org/officeDocument/2006/relationships" xmlns:p="http://schemas.openxmlformats.org/presentationml/2006/main">
   <p:cSld>
     <p:spTree>
@@ -10935,7 +12567,7 @@
 </p:sld>
 </file>
 
-<file path=ppt/slides/slide41.xml><?xml version="1.0" encoding="utf-8"?>
+<file path=ppt/slides/slide51.xml><?xml version="1.0" encoding="utf-8"?>
 <p:sld xmlns:a="http://schemas.openxmlformats.org/drawingml/2006/main" xmlns:r="http://schemas.openxmlformats.org/officeDocument/2006/relationships" xmlns:p="http://schemas.openxmlformats.org/presentationml/2006/main">
   <p:cSld>
     <p:spTree>
@@ -11125,7 +12757,7 @@
 </p:sld>
 </file>
 
-<file path=ppt/slides/slide42.xml><?xml version="1.0" encoding="utf-8"?>
+<file path=ppt/slides/slide52.xml><?xml version="1.0" encoding="utf-8"?>
 <p:sld xmlns:a="http://schemas.openxmlformats.org/drawingml/2006/main" xmlns:r="http://schemas.openxmlformats.org/officeDocument/2006/relationships" xmlns:p="http://schemas.openxmlformats.org/presentationml/2006/main">
   <p:cSld>
     <p:spTree>
@@ -11343,7 +12975,7 @@
 </p:sld>
 </file>
 
-<file path=ppt/slides/slide43.xml><?xml version="1.0" encoding="utf-8"?>
+<file path=ppt/slides/slide53.xml><?xml version="1.0" encoding="utf-8"?>
 <p:sld xmlns:a="http://schemas.openxmlformats.org/drawingml/2006/main" xmlns:r="http://schemas.openxmlformats.org/officeDocument/2006/relationships" xmlns:p="http://schemas.openxmlformats.org/presentationml/2006/main">
   <p:cSld>
     <p:spTree>
@@ -11514,7 +13146,7 @@
 </p:sld>
 </file>
 
-<file path=ppt/slides/slide44.xml><?xml version="1.0" encoding="utf-8"?>
+<file path=ppt/slides/slide54.xml><?xml version="1.0" encoding="utf-8"?>
 <p:sld xmlns:a="http://schemas.openxmlformats.org/drawingml/2006/main" xmlns:r="http://schemas.openxmlformats.org/officeDocument/2006/relationships" xmlns:p="http://schemas.openxmlformats.org/presentationml/2006/main">
   <p:cSld>
     <p:spTree>
@@ -11771,7 +13403,7 @@
 </p:sld>
 </file>
 
-<file path=ppt/slides/slide45.xml><?xml version="1.0" encoding="utf-8"?>
+<file path=ppt/slides/slide55.xml><?xml version="1.0" encoding="utf-8"?>
 <p:sld xmlns:a="http://schemas.openxmlformats.org/drawingml/2006/main" xmlns:r="http://schemas.openxmlformats.org/officeDocument/2006/relationships" xmlns:p="http://schemas.openxmlformats.org/presentationml/2006/main">
   <p:cSld>
     <p:spTree>
@@ -12037,7 +13669,7 @@
 </p:sld>
 </file>
 
-<file path=ppt/slides/slide46.xml><?xml version="1.0" encoding="utf-8"?>
+<file path=ppt/slides/slide56.xml><?xml version="1.0" encoding="utf-8"?>
 <p:sld xmlns:a="http://schemas.openxmlformats.org/drawingml/2006/main" xmlns:r="http://schemas.openxmlformats.org/officeDocument/2006/relationships" xmlns:p="http://schemas.openxmlformats.org/presentationml/2006/main">
   <p:cSld>
     <p:spTree>
@@ -12306,7 +13938,7 @@
 </p:sld>
 </file>
 
-<file path=ppt/slides/slide47.xml><?xml version="1.0" encoding="utf-8"?>
+<file path=ppt/slides/slide57.xml><?xml version="1.0" encoding="utf-8"?>
 <p:sld xmlns:a="http://schemas.openxmlformats.org/drawingml/2006/main" xmlns:r="http://schemas.openxmlformats.org/officeDocument/2006/relationships" xmlns:p="http://schemas.openxmlformats.org/presentationml/2006/main">
   <p:cSld>
     <p:spTree>
@@ -12325,13 +13957,7 @@
       </p:grpSpPr>
       <p:sp>
         <p:nvSpPr>
-          <p:cNvPr id="2" name="标题 1">
-            <a:extLst>
-              <a:ext uri="{FF2B5EF4-FFF2-40B4-BE49-F238E27FC236}">
-                <a16:creationId xmlns:a16="http://schemas.microsoft.com/office/drawing/2014/main" xmlns="" id="{B54687C6-D077-49EC-88B1-98D902CF73BA}"/>
-              </a:ext>
-            </a:extLst>
-          </p:cNvPr>
+          <p:cNvPr id="2" name="标题 1"/>
           <p:cNvSpPr>
             <a:spLocks noGrp="1"/>
           </p:cNvSpPr>
@@ -12344,26 +13970,13 @@
           <a:bodyPr/>
           <a:lstStyle/>
           <a:p>
-            <a:r>
-              <a:rPr lang="en-US" altLang="zh-CN" dirty="0"/>
-              <a:t>			 	Thanks</a:t>
-            </a:r>
-            <a:r>
-              <a:rPr lang="zh-CN" altLang="en-US" dirty="0"/>
-              <a:t>！</a:t>
-            </a:r>
-          </a:p>
-        </p:txBody>
-      </p:sp>
-      <p:sp>
-        <p:nvSpPr>
-          <p:cNvPr id="3" name="内容占位符 2">
-            <a:extLst>
-              <a:ext uri="{FF2B5EF4-FFF2-40B4-BE49-F238E27FC236}">
-                <a16:creationId xmlns:a16="http://schemas.microsoft.com/office/drawing/2014/main" xmlns="" id="{0E020E23-B186-4696-8B31-5E1EA9E1C31B}"/>
-              </a:ext>
-            </a:extLst>
-          </p:cNvPr>
+            <a:endParaRPr lang="zh-CN" altLang="en-US"/>
+          </a:p>
+        </p:txBody>
+      </p:sp>
+      <p:sp>
+        <p:nvSpPr>
+          <p:cNvPr id="3" name="内容占位符 2"/>
           <p:cNvSpPr>
             <a:spLocks noGrp="1"/>
           </p:cNvSpPr>
@@ -12377,37 +13990,126 @@
           <a:lstStyle/>
           <a:p>
             <a:r>
-              <a:rPr lang="en-US" altLang="zh-CN" dirty="0"/>
-              <a:t> </a:t>
-            </a:r>
-            <a:r>
-              <a:rPr lang="zh-CN" altLang="en-US" dirty="0"/>
-              <a:t>李炳辰</a:t>
-            </a:r>
-            <a:endParaRPr lang="en-US" altLang="zh-CN" dirty="0"/>
-          </a:p>
-          <a:p>
-            <a:endParaRPr lang="en-US" altLang="zh-CN" dirty="0"/>
-          </a:p>
-          <a:p>
-            <a:r>
-              <a:rPr lang="en-US" altLang="zh-CN" dirty="0"/>
-              <a:t>18616581799</a:t>
-            </a:r>
-          </a:p>
-          <a:p>
-            <a:r>
-              <a:rPr lang="en-US" altLang="zh-CN" dirty="0"/>
-              <a:t> 3952700@qq.com</a:t>
-            </a:r>
+              <a:rPr lang="zh-CN" altLang="en-US" dirty="0" smtClean="0"/>
+              <a:t>如果做</a:t>
+            </a:r>
+            <a:r>
+              <a:rPr lang="en-US" altLang="zh-CN" dirty="0" smtClean="0"/>
+              <a:t>MD</a:t>
+            </a:r>
+            <a:r>
+              <a:rPr lang="zh-CN" altLang="en-US" dirty="0" smtClean="0"/>
+              <a:t>的时候，只添加</a:t>
+            </a:r>
+            <a:r>
+              <a:rPr lang="en-US" altLang="zh-CN" dirty="0" smtClean="0"/>
+              <a:t>MD</a:t>
+            </a:r>
+            <a:r>
+              <a:rPr lang="zh-CN" altLang="en-US" dirty="0" smtClean="0"/>
+              <a:t>不添加</a:t>
+            </a:r>
+            <a:r>
+              <a:rPr lang="en-US" altLang="zh-CN" dirty="0" smtClean="0"/>
+              <a:t>TD</a:t>
+            </a:r>
+            <a:r>
+              <a:rPr lang="zh-CN" altLang="en-US" dirty="0" smtClean="0"/>
+              <a:t>的目录，在使用策略测试的时候，会出错，原因是：</a:t>
+            </a:r>
+            <a:endParaRPr lang="en-US" altLang="zh-CN" dirty="0" smtClean="0"/>
+          </a:p>
+          <a:p>
+            <a:pPr lvl="1"/>
+            <a:r>
+              <a:rPr lang="zh-CN" altLang="en-US" dirty="0" smtClean="0"/>
+              <a:t>策</a:t>
+            </a:r>
+            <a:r>
+              <a:rPr lang="zh-CN" altLang="en-US" dirty="0"/>
+              <a:t>略需要用到</a:t>
+            </a:r>
+            <a:r>
+              <a:rPr lang="en-US" altLang="zh-CN" dirty="0"/>
+              <a:t>TD</a:t>
+            </a:r>
+            <a:r>
+              <a:rPr lang="zh-CN" altLang="en-US" dirty="0" smtClean="0"/>
+              <a:t>，当查找</a:t>
+            </a:r>
+            <a:r>
+              <a:rPr lang="en-US" altLang="zh-CN" dirty="0" smtClean="0"/>
+              <a:t>page</a:t>
+            </a:r>
+            <a:r>
+              <a:rPr lang="zh-CN" altLang="en-US" dirty="0" smtClean="0"/>
+              <a:t>的目录的时候，没有内容</a:t>
+            </a:r>
+            <a:r>
+              <a:rPr lang="zh-CN" altLang="en-US" dirty="0"/>
+              <a:t>，</a:t>
+            </a:r>
+            <a:r>
+              <a:rPr lang="zh-CN" altLang="en-US" dirty="0" smtClean="0"/>
+              <a:t>出错信息是</a:t>
+            </a:r>
+            <a:r>
+              <a:rPr lang="en-US" altLang="zh-CN" dirty="0" smtClean="0"/>
+              <a:t>:</a:t>
+            </a:r>
+          </a:p>
+          <a:p>
+            <a:pPr lvl="1"/>
+            <a:r>
+              <a:rPr lang="en-US" altLang="zh-CN" dirty="0" smtClean="0"/>
+              <a:t>Boost::filesystem::directory_iterator::construct:No such file or directory</a:t>
+            </a:r>
+          </a:p>
+          <a:p>
+            <a:pPr lvl="1"/>
+            <a:r>
+              <a:rPr lang="zh-CN" altLang="en-US" dirty="0" smtClean="0"/>
+              <a:t>代码在</a:t>
+            </a:r>
+            <a:r>
+              <a:rPr lang="en-US" altLang="zh-CN" dirty="0" smtClean="0"/>
+              <a:t>yijinjing/journal/PageUtil.cpp  Line67</a:t>
+            </a:r>
+          </a:p>
+          <a:p>
+            <a:pPr lvl="1"/>
             <a:endParaRPr lang="zh-CN" altLang="en-US" dirty="0"/>
           </a:p>
         </p:txBody>
       </p:sp>
+      <p:pic>
+        <p:nvPicPr>
+          <p:cNvPr id="4" name="图片 3"/>
+          <p:cNvPicPr>
+            <a:picLocks noChangeAspect="1"/>
+          </p:cNvPicPr>
+          <p:nvPr/>
+        </p:nvPicPr>
+        <p:blipFill>
+          <a:blip r:embed="rId2"/>
+          <a:stretch>
+            <a:fillRect/>
+          </a:stretch>
+        </p:blipFill>
+        <p:spPr>
+          <a:xfrm>
+            <a:off x="1603086" y="3927619"/>
+            <a:ext cx="8191500" cy="2752725"/>
+          </a:xfrm>
+          <a:prstGeom prst="rect">
+            <a:avLst/>
+          </a:prstGeom>
+        </p:spPr>
+      </p:pic>
     </p:spTree>
     <p:extLst>
       <p:ext uri="{BB962C8B-B14F-4D97-AF65-F5344CB8AC3E}">
-        <p14:creationId xmlns:p14="http://schemas.microsoft.com/office/powerpoint/2010/main" val="210219671"/>
+        <p14:creationId xmlns:p14="http://schemas.microsoft.com/office/powerpoint/2010/main" val="2786994847"/>
       </p:ext>
     </p:extLst>
   </p:cSld>
@@ -12417,7 +14119,7 @@
 </p:sld>
 </file>
 
-<file path=ppt/slides/slide5.xml><?xml version="1.0" encoding="utf-8"?>
+<file path=ppt/slides/slide58.xml><?xml version="1.0" encoding="utf-8"?>
 <p:sld xmlns:a="http://schemas.openxmlformats.org/drawingml/2006/main" xmlns:r="http://schemas.openxmlformats.org/officeDocument/2006/relationships" xmlns:p="http://schemas.openxmlformats.org/presentationml/2006/main">
   <p:cSld>
     <p:spTree>
@@ -12439,7 +14141,7 @@
           <p:cNvPr id="2" name="标题 1">
             <a:extLst>
               <a:ext uri="{FF2B5EF4-FFF2-40B4-BE49-F238E27FC236}">
-                <a16:creationId xmlns:a16="http://schemas.microsoft.com/office/drawing/2014/main" xmlns="" id="{4E013243-A294-4E4B-A707-4591C9B5BB49}"/>
+                <a16:creationId xmlns:a16="http://schemas.microsoft.com/office/drawing/2014/main" xmlns="" id="{B54687C6-D077-49EC-88B1-98D902CF73BA}"/>
               </a:ext>
             </a:extLst>
           </p:cNvPr>
@@ -12457,157 +14159,68 @@
           <a:p>
             <a:r>
               <a:rPr lang="en-US" altLang="zh-CN" dirty="0"/>
-              <a:t>Kungfu</a:t>
-            </a:r>
-            <a:r>
-              <a:rPr lang="zh-CN" altLang="en-US" dirty="0"/>
-              <a:t>架构</a:t>
-            </a:r>
-            <a:r>
-              <a:rPr lang="en-US" altLang="zh-CN" dirty="0"/>
-              <a:t>- supervisor</a:t>
-            </a:r>
-            <a:r>
-              <a:rPr lang="zh-CN" altLang="en-US" dirty="0"/>
-              <a:t>管理</a:t>
-            </a:r>
-            <a:r>
-              <a:rPr lang="en-US" altLang="zh-CN" dirty="0"/>
-              <a:t>TD/MD</a:t>
+              <a:t>			 	Thanks</a:t>
+            </a:r>
+            <a:r>
+              <a:rPr lang="zh-CN" altLang="en-US" dirty="0"/>
+              <a:t>！</a:t>
+            </a:r>
+          </a:p>
+        </p:txBody>
+      </p:sp>
+      <p:sp>
+        <p:nvSpPr>
+          <p:cNvPr id="3" name="内容占位符 2">
+            <a:extLst>
+              <a:ext uri="{FF2B5EF4-FFF2-40B4-BE49-F238E27FC236}">
+                <a16:creationId xmlns:a16="http://schemas.microsoft.com/office/drawing/2014/main" xmlns="" id="{0E020E23-B186-4696-8B31-5E1EA9E1C31B}"/>
+              </a:ext>
+            </a:extLst>
+          </p:cNvPr>
+          <p:cNvSpPr>
+            <a:spLocks noGrp="1"/>
+          </p:cNvSpPr>
+          <p:nvPr>
+            <p:ph idx="1"/>
+          </p:nvPr>
+        </p:nvSpPr>
+        <p:spPr/>
+        <p:txBody>
+          <a:bodyPr/>
+          <a:lstStyle/>
+          <a:p>
+            <a:r>
+              <a:rPr lang="en-US" altLang="zh-CN" dirty="0"/>
+              <a:t> </a:t>
+            </a:r>
+            <a:r>
+              <a:rPr lang="zh-CN" altLang="en-US" dirty="0"/>
+              <a:t>李炳辰</a:t>
+            </a:r>
+            <a:endParaRPr lang="en-US" altLang="zh-CN" dirty="0"/>
+          </a:p>
+          <a:p>
+            <a:endParaRPr lang="en-US" altLang="zh-CN" dirty="0"/>
+          </a:p>
+          <a:p>
+            <a:r>
+              <a:rPr lang="en-US" altLang="zh-CN" dirty="0"/>
+              <a:t>18616581799</a:t>
+            </a:r>
+          </a:p>
+          <a:p>
+            <a:r>
+              <a:rPr lang="en-US" altLang="zh-CN" dirty="0"/>
+              <a:t> 3952700@qq.com</a:t>
             </a:r>
             <a:endParaRPr lang="zh-CN" altLang="en-US" dirty="0"/>
           </a:p>
         </p:txBody>
       </p:sp>
-      <p:sp>
-        <p:nvSpPr>
-          <p:cNvPr id="3" name="内容占位符 2">
-            <a:extLst>
-              <a:ext uri="{FF2B5EF4-FFF2-40B4-BE49-F238E27FC236}">
-                <a16:creationId xmlns:a16="http://schemas.microsoft.com/office/drawing/2014/main" xmlns="" id="{1B35AC6E-C515-49A7-A661-7345625F933F}"/>
-              </a:ext>
-            </a:extLst>
-          </p:cNvPr>
-          <p:cNvSpPr>
-            <a:spLocks noGrp="1"/>
-          </p:cNvSpPr>
-          <p:nvPr>
-            <p:ph idx="1"/>
-          </p:nvPr>
-        </p:nvSpPr>
-        <p:spPr/>
-        <p:txBody>
-          <a:bodyPr/>
-          <a:lstStyle/>
-          <a:p>
-            <a:r>
-              <a:rPr lang="en-US" altLang="zh-CN" dirty="0"/>
-              <a:t>\rpm\</a:t>
-            </a:r>
-            <a:r>
-              <a:rPr lang="en-US" altLang="zh-CN" dirty="0" err="1"/>
-              <a:t>etc</a:t>
-            </a:r>
-            <a:r>
-              <a:rPr lang="en-US" altLang="zh-CN" dirty="0"/>
-              <a:t>\supervisor\*.conf</a:t>
-            </a:r>
-          </a:p>
-          <a:p>
-            <a:r>
-              <a:rPr lang="zh-CN" altLang="en-US" dirty="0"/>
-              <a:t>启动程序命令，如：</a:t>
-            </a:r>
-            <a:endParaRPr lang="en-US" altLang="zh-CN" dirty="0"/>
-          </a:p>
-          <a:p>
-            <a:pPr lvl="1"/>
-            <a:r>
-              <a:rPr lang="zh-CN" altLang="en-US" b="1" dirty="0"/>
-              <a:t> </a:t>
-            </a:r>
-            <a:r>
-              <a:rPr lang="en-US" altLang="zh-CN" b="1" dirty="0" err="1"/>
-              <a:t>wingchen</a:t>
-            </a:r>
-            <a:r>
-              <a:rPr lang="en-US" altLang="zh-CN" b="1" dirty="0"/>
-              <a:t> md </a:t>
-            </a:r>
-            <a:r>
-              <a:rPr lang="en-US" altLang="zh-CN" b="1" dirty="0" err="1"/>
-              <a:t>ctp</a:t>
-            </a:r>
-            <a:endParaRPr lang="en-US" altLang="zh-CN" b="1" dirty="0"/>
-          </a:p>
-          <a:p>
-            <a:pPr lvl="1"/>
-            <a:r>
-              <a:rPr lang="en-US" altLang="zh-CN" dirty="0"/>
-              <a:t>Supervisor</a:t>
-            </a:r>
-            <a:r>
-              <a:rPr lang="zh-CN" altLang="en-US" dirty="0"/>
-              <a:t>监控配置</a:t>
-            </a:r>
-            <a:endParaRPr lang="en-US" altLang="zh-CN" dirty="0"/>
-          </a:p>
-          <a:p>
-            <a:r>
-              <a:rPr lang="en-US" altLang="zh-CN" dirty="0"/>
-              <a:t>log</a:t>
-            </a:r>
-            <a:r>
-              <a:rPr lang="zh-CN" altLang="en-US" dirty="0"/>
-              <a:t>定义，文件大小和数量</a:t>
-            </a:r>
-            <a:endParaRPr lang="en-US" altLang="zh-CN" dirty="0"/>
-          </a:p>
-          <a:p>
-            <a:endParaRPr lang="en-US" altLang="zh-CN" dirty="0"/>
-          </a:p>
-          <a:p>
-            <a:endParaRPr lang="en-US" altLang="zh-CN" dirty="0"/>
-          </a:p>
-          <a:p>
-            <a:endParaRPr lang="zh-CN" altLang="en-US" dirty="0"/>
-          </a:p>
-        </p:txBody>
-      </p:sp>
-      <p:pic>
-        <p:nvPicPr>
-          <p:cNvPr id="4" name="图片 3">
-            <a:extLst>
-              <a:ext uri="{FF2B5EF4-FFF2-40B4-BE49-F238E27FC236}">
-                <a16:creationId xmlns:a16="http://schemas.microsoft.com/office/drawing/2014/main" xmlns="" id="{763F3755-CAAF-409D-9434-7FCD58A434BB}"/>
-              </a:ext>
-            </a:extLst>
-          </p:cNvPr>
-          <p:cNvPicPr>
-            <a:picLocks noChangeAspect="1"/>
-          </p:cNvPicPr>
-          <p:nvPr/>
-        </p:nvPicPr>
-        <p:blipFill>
-          <a:blip r:embed="rId2"/>
-          <a:stretch>
-            <a:fillRect/>
-          </a:stretch>
-        </p:blipFill>
-        <p:spPr>
-          <a:xfrm>
-            <a:off x="6441515" y="2425363"/>
-            <a:ext cx="4656223" cy="3886537"/>
-          </a:xfrm>
-          <a:prstGeom prst="rect">
-            <a:avLst/>
-          </a:prstGeom>
-        </p:spPr>
-      </p:pic>
     </p:spTree>
     <p:extLst>
       <p:ext uri="{BB962C8B-B14F-4D97-AF65-F5344CB8AC3E}">
-        <p14:creationId xmlns:p14="http://schemas.microsoft.com/office/powerpoint/2010/main" val="4162561015"/>
+        <p14:creationId xmlns:p14="http://schemas.microsoft.com/office/powerpoint/2010/main" val="210219671"/>
       </p:ext>
     </p:extLst>
   </p:cSld>
@@ -12618,6 +14231,276 @@
 </file>
 
 <file path=ppt/slides/slide6.xml><?xml version="1.0" encoding="utf-8"?>
+<p:sld xmlns:a="http://schemas.openxmlformats.org/drawingml/2006/main" xmlns:r="http://schemas.openxmlformats.org/officeDocument/2006/relationships" xmlns:p="http://schemas.openxmlformats.org/presentationml/2006/main">
+  <p:cSld>
+    <p:spTree>
+      <p:nvGrpSpPr>
+        <p:cNvPr id="1" name=""/>
+        <p:cNvGrpSpPr/>
+        <p:nvPr/>
+      </p:nvGrpSpPr>
+      <p:grpSpPr>
+        <a:xfrm>
+          <a:off x="0" y="0"/>
+          <a:ext cx="0" cy="0"/>
+          <a:chOff x="0" y="0"/>
+          <a:chExt cx="0" cy="0"/>
+        </a:xfrm>
+      </p:grpSpPr>
+      <p:sp>
+        <p:nvSpPr>
+          <p:cNvPr id="2" name="标题 1"/>
+          <p:cNvSpPr>
+            <a:spLocks noGrp="1"/>
+          </p:cNvSpPr>
+          <p:nvPr>
+            <p:ph type="title"/>
+          </p:nvPr>
+        </p:nvSpPr>
+        <p:spPr/>
+        <p:txBody>
+          <a:bodyPr/>
+          <a:lstStyle/>
+          <a:p>
+            <a:r>
+              <a:rPr lang="en-US" altLang="zh-CN" dirty="0"/>
+              <a:t>Kungfu</a:t>
+            </a:r>
+            <a:r>
+              <a:rPr lang="zh-CN" altLang="en-US" dirty="0"/>
+              <a:t>架</a:t>
+            </a:r>
+            <a:r>
+              <a:rPr lang="zh-CN" altLang="en-US" dirty="0" smtClean="0"/>
+              <a:t>构</a:t>
+            </a:r>
+            <a:r>
+              <a:rPr lang="en-US" altLang="zh-CN" dirty="0" smtClean="0"/>
+              <a:t>-log</a:t>
+            </a:r>
+            <a:endParaRPr lang="zh-CN" altLang="en-US" dirty="0"/>
+          </a:p>
+        </p:txBody>
+      </p:sp>
+      <p:sp>
+        <p:nvSpPr>
+          <p:cNvPr id="3" name="内容占位符 2"/>
+          <p:cNvSpPr>
+            <a:spLocks noGrp="1"/>
+          </p:cNvSpPr>
+          <p:nvPr>
+            <p:ph idx="1"/>
+          </p:nvPr>
+        </p:nvSpPr>
+        <p:spPr/>
+        <p:txBody>
+          <a:bodyPr>
+            <a:normAutofit lnSpcReduction="10000"/>
+          </a:bodyPr>
+          <a:lstStyle/>
+          <a:p>
+            <a:r>
+              <a:rPr lang="en-US" altLang="zh-CN" dirty="0" smtClean="0"/>
+              <a:t>Kungfu</a:t>
+            </a:r>
+            <a:r>
+              <a:rPr lang="zh-CN" altLang="en-US" dirty="0" smtClean="0"/>
+              <a:t>系统</a:t>
+            </a:r>
+            <a:r>
+              <a:rPr lang="en-US" altLang="zh-CN" dirty="0" smtClean="0"/>
+              <a:t>log,</a:t>
+            </a:r>
+            <a:r>
+              <a:rPr lang="zh-CN" altLang="en-US" dirty="0" smtClean="0"/>
+              <a:t>如</a:t>
+            </a:r>
+            <a:r>
+              <a:rPr lang="en-US" altLang="zh-CN" dirty="0"/>
+              <a:t>page_engine.log </a:t>
+            </a:r>
+            <a:r>
+              <a:rPr lang="zh-CN" altLang="en-US" dirty="0" smtClean="0"/>
+              <a:t>，</a:t>
+            </a:r>
+            <a:r>
+              <a:rPr lang="en-US" altLang="zh-CN" dirty="0" smtClean="0"/>
+              <a:t>trade_engine.log </a:t>
+            </a:r>
+            <a:r>
+              <a:rPr lang="zh-CN" altLang="en-US" dirty="0" smtClean="0"/>
+              <a:t>，</a:t>
+            </a:r>
+            <a:r>
+              <a:rPr lang="en-US" altLang="zh-CN" dirty="0" smtClean="0"/>
+              <a:t>md_engine.log</a:t>
+            </a:r>
+            <a:r>
+              <a:rPr lang="zh-CN" altLang="en-US" dirty="0" smtClean="0"/>
+              <a:t>，</a:t>
+            </a:r>
+            <a:r>
+              <a:rPr lang="en-US" altLang="zh-CN" dirty="0" smtClean="0"/>
+              <a:t>query_engine.log</a:t>
+            </a:r>
+            <a:r>
+              <a:rPr lang="zh-CN" altLang="en-US" dirty="0" smtClean="0"/>
+              <a:t>定义在</a:t>
+            </a:r>
+            <a:endParaRPr lang="en-US" altLang="zh-CN" dirty="0" smtClean="0"/>
+          </a:p>
+          <a:p>
+            <a:pPr lvl="1"/>
+            <a:r>
+              <a:rPr lang="en-US" altLang="zh-CN" dirty="0" smtClean="0"/>
+              <a:t>rpm\etc\log4cplus\default.properties</a:t>
+            </a:r>
+          </a:p>
+          <a:p>
+            <a:pPr lvl="1"/>
+            <a:r>
+              <a:rPr lang="zh-CN" altLang="en-US" dirty="0"/>
+              <a:t>运行时位</a:t>
+            </a:r>
+            <a:r>
+              <a:rPr lang="zh-CN" altLang="en-US" dirty="0" smtClean="0"/>
+              <a:t>于</a:t>
+            </a:r>
+            <a:r>
+              <a:rPr lang="en-US" altLang="zh-CN" dirty="0"/>
+              <a:t>/shared/kungfu/log</a:t>
+            </a:r>
+          </a:p>
+          <a:p>
+            <a:r>
+              <a:rPr lang="en-US" altLang="zh-CN" dirty="0" smtClean="0"/>
+              <a:t>MD/TD</a:t>
+            </a:r>
+            <a:r>
+              <a:rPr lang="zh-CN" altLang="en-US" dirty="0" smtClean="0"/>
+              <a:t>的</a:t>
+            </a:r>
+            <a:r>
+              <a:rPr lang="en-US" altLang="zh-CN" dirty="0" smtClean="0"/>
+              <a:t>log</a:t>
+            </a:r>
+            <a:r>
+              <a:rPr lang="zh-CN" altLang="en-US" dirty="0" smtClean="0"/>
+              <a:t>定义在</a:t>
+            </a:r>
+            <a:endParaRPr lang="en-US" altLang="zh-CN" dirty="0" smtClean="0"/>
+          </a:p>
+          <a:p>
+            <a:pPr lvl="1"/>
+            <a:r>
+              <a:rPr lang="en-US" altLang="zh-CN" dirty="0" smtClean="0"/>
+              <a:t>rpm\etc\supervisor\conf.d\*.conf</a:t>
+            </a:r>
+          </a:p>
+          <a:p>
+            <a:pPr lvl="1"/>
+            <a:r>
+              <a:rPr lang="zh-CN" altLang="en-US" dirty="0"/>
+              <a:t>运行</a:t>
+            </a:r>
+            <a:r>
+              <a:rPr lang="zh-CN" altLang="en-US" dirty="0" smtClean="0"/>
+              <a:t>时位于</a:t>
+            </a:r>
+            <a:r>
+              <a:rPr lang="en-US" altLang="zh-CN" dirty="0"/>
+              <a:t>/</a:t>
+            </a:r>
+            <a:r>
+              <a:rPr lang="en-US" altLang="zh-CN" dirty="0" smtClean="0"/>
+              <a:t>shared/kungfu/log/supervisor</a:t>
+            </a:r>
+          </a:p>
+          <a:p>
+            <a:r>
+              <a:rPr lang="zh-CN" altLang="en-US" dirty="0"/>
+              <a:t>策</a:t>
+            </a:r>
+            <a:r>
+              <a:rPr lang="zh-CN" altLang="en-US" dirty="0" smtClean="0"/>
+              <a:t>略</a:t>
+            </a:r>
+            <a:r>
+              <a:rPr lang="en-US" altLang="zh-CN" dirty="0" smtClean="0"/>
+              <a:t>log</a:t>
+            </a:r>
+            <a:r>
+              <a:rPr lang="zh-CN" altLang="en-US" dirty="0" smtClean="0"/>
+              <a:t>的目录定义在</a:t>
+            </a:r>
+            <a:endParaRPr lang="en-US" altLang="zh-CN" dirty="0" smtClean="0"/>
+          </a:p>
+          <a:p>
+            <a:pPr lvl="1"/>
+            <a:r>
+              <a:rPr lang="en-US" altLang="zh-CN" dirty="0"/>
+              <a:t>yijinjing\utils\ </a:t>
+            </a:r>
+            <a:r>
+              <a:rPr lang="en-US" altLang="zh-CN" dirty="0" smtClean="0"/>
+              <a:t>YJJ_DECLARE.h</a:t>
+            </a:r>
+          </a:p>
+          <a:p>
+            <a:pPr lvl="1"/>
+            <a:r>
+              <a:rPr lang="en-US" altLang="zh-CN" dirty="0"/>
+              <a:t>\</a:t>
+            </a:r>
+            <a:r>
+              <a:rPr lang="en-US" altLang="zh-CN" dirty="0" smtClean="0"/>
+              <a:t>yijinjing\journal\StrategyUtil.h </a:t>
+            </a:r>
+            <a:r>
+              <a:rPr lang="zh-CN" altLang="en-US" dirty="0" smtClean="0"/>
+              <a:t>里面的</a:t>
+            </a:r>
+            <a:r>
+              <a:rPr lang="en-US" altLang="zh-CN" dirty="0" smtClean="0"/>
+              <a:t> BL_BASE_FOLDER</a:t>
+            </a:r>
+          </a:p>
+          <a:p>
+            <a:pPr lvl="1"/>
+            <a:r>
+              <a:rPr lang="zh-CN" altLang="en-US" dirty="0"/>
+              <a:t>运行时位</a:t>
+            </a:r>
+            <a:r>
+              <a:rPr lang="zh-CN" altLang="en-US" dirty="0" smtClean="0"/>
+              <a:t>于</a:t>
+            </a:r>
+            <a:r>
+              <a:rPr lang="en-US" altLang="zh-CN"/>
+              <a:t>/</a:t>
+            </a:r>
+            <a:r>
+              <a:rPr lang="en-US" altLang="zh-CN" smtClean="0"/>
+              <a:t>shared/kungfu/log/strategy</a:t>
+            </a:r>
+            <a:endParaRPr lang="en-US" altLang="zh-CN" dirty="0" smtClean="0"/>
+          </a:p>
+        </p:txBody>
+      </p:sp>
+    </p:spTree>
+    <p:extLst>
+      <p:ext uri="{BB962C8B-B14F-4D97-AF65-F5344CB8AC3E}">
+        <p14:creationId xmlns:p14="http://schemas.microsoft.com/office/powerpoint/2010/main" val="3183742353"/>
+      </p:ext>
+    </p:extLst>
+  </p:cSld>
+  <p:clrMapOvr>
+    <a:masterClrMapping/>
+  </p:clrMapOvr>
+</p:sld>
+</file>
+
+<file path=ppt/slides/slide7.xml><?xml version="1.0" encoding="utf-8"?>
 <p:sld xmlns:a="http://schemas.openxmlformats.org/drawingml/2006/main" xmlns:r="http://schemas.openxmlformats.org/officeDocument/2006/relationships" xmlns:p="http://schemas.openxmlformats.org/presentationml/2006/main">
   <p:cSld>
     <p:spTree>
@@ -12835,316 +14718,6 @@
 </p:sld>
 </file>
 
-<file path=ppt/slides/slide7.xml><?xml version="1.0" encoding="utf-8"?>
-<p:sld xmlns:a="http://schemas.openxmlformats.org/drawingml/2006/main" xmlns:r="http://schemas.openxmlformats.org/officeDocument/2006/relationships" xmlns:p="http://schemas.openxmlformats.org/presentationml/2006/main">
-  <p:cSld>
-    <p:spTree>
-      <p:nvGrpSpPr>
-        <p:cNvPr id="1" name=""/>
-        <p:cNvGrpSpPr/>
-        <p:nvPr/>
-      </p:nvGrpSpPr>
-      <p:grpSpPr>
-        <a:xfrm>
-          <a:off x="0" y="0"/>
-          <a:ext cx="0" cy="0"/>
-          <a:chOff x="0" y="0"/>
-          <a:chExt cx="0" cy="0"/>
-        </a:xfrm>
-      </p:grpSpPr>
-      <p:sp>
-        <p:nvSpPr>
-          <p:cNvPr id="2" name="标题 1">
-            <a:extLst>
-              <a:ext uri="{FF2B5EF4-FFF2-40B4-BE49-F238E27FC236}">
-                <a16:creationId xmlns:a16="http://schemas.microsoft.com/office/drawing/2014/main" xmlns="" id="{767FE5B0-64BB-4D1A-9360-ACC773A03527}"/>
-              </a:ext>
-            </a:extLst>
-          </p:cNvPr>
-          <p:cNvSpPr>
-            <a:spLocks noGrp="1"/>
-          </p:cNvSpPr>
-          <p:nvPr>
-            <p:ph type="title"/>
-          </p:nvPr>
-        </p:nvSpPr>
-        <p:spPr/>
-        <p:txBody>
-          <a:bodyPr/>
-          <a:lstStyle/>
-          <a:p>
-            <a:r>
-              <a:rPr lang="en-US" altLang="zh-CN" dirty="0"/>
-              <a:t>Kungfu</a:t>
-            </a:r>
-            <a:r>
-              <a:rPr lang="zh-CN" altLang="en-US" dirty="0"/>
-              <a:t>对消息类型的定义</a:t>
-            </a:r>
-          </a:p>
-        </p:txBody>
-      </p:sp>
-      <p:sp>
-        <p:nvSpPr>
-          <p:cNvPr id="3" name="内容占位符 2">
-            <a:extLst>
-              <a:ext uri="{FF2B5EF4-FFF2-40B4-BE49-F238E27FC236}">
-                <a16:creationId xmlns:a16="http://schemas.microsoft.com/office/drawing/2014/main" xmlns="" id="{4DBBC9B9-618A-4A57-BDEB-21AFF4DAF39E}"/>
-              </a:ext>
-            </a:extLst>
-          </p:cNvPr>
-          <p:cNvSpPr>
-            <a:spLocks noGrp="1"/>
-          </p:cNvSpPr>
-          <p:nvPr>
-            <p:ph idx="1"/>
-          </p:nvPr>
-        </p:nvSpPr>
-        <p:spPr/>
-        <p:txBody>
-          <a:bodyPr>
-            <a:normAutofit fontScale="47500" lnSpcReduction="20000"/>
-          </a:bodyPr>
-          <a:lstStyle/>
-          <a:p>
-            <a:pPr marL="0" indent="0">
-              <a:buNone/>
-            </a:pPr>
-            <a:r>
-              <a:rPr lang="zh-CN" altLang="en-US" dirty="0"/>
-              <a:t>消息的生产者和消费者：</a:t>
-            </a:r>
-            <a:endParaRPr lang="en-US" altLang="zh-CN" dirty="0"/>
-          </a:p>
-          <a:p>
-            <a:pPr lvl="1"/>
-            <a:r>
-              <a:rPr lang="en-US" altLang="zh-CN" dirty="0" err="1"/>
-              <a:t>wingchun</a:t>
-            </a:r>
-            <a:r>
-              <a:rPr lang="en-US" altLang="zh-CN" dirty="0"/>
-              <a:t>\md\IMDEngine.cpp</a:t>
-            </a:r>
-          </a:p>
-          <a:p>
-            <a:pPr lvl="1"/>
-            <a:r>
-              <a:rPr lang="en-US" altLang="zh-CN" dirty="0" err="1"/>
-              <a:t>wingchun</a:t>
-            </a:r>
-            <a:r>
-              <a:rPr lang="en-US" altLang="zh-CN" dirty="0"/>
-              <a:t>\td\ITDEngine.cpp</a:t>
-            </a:r>
-          </a:p>
-          <a:p>
-            <a:pPr lvl="1"/>
-            <a:r>
-              <a:rPr lang="en-US" altLang="zh-CN" dirty="0" err="1"/>
-              <a:t>wingchun</a:t>
-            </a:r>
-            <a:r>
-              <a:rPr lang="en-US" altLang="zh-CN" dirty="0"/>
-              <a:t>\strategy\IWCStrategy.cpp</a:t>
-            </a:r>
-            <a:br>
-              <a:rPr lang="en-US" altLang="zh-CN" dirty="0"/>
-            </a:br>
-            <a:endParaRPr lang="en-US" altLang="zh-CN" dirty="0"/>
-          </a:p>
-          <a:p>
-            <a:r>
-              <a:rPr lang="zh-CN" altLang="en-US" dirty="0"/>
-              <a:t>消息的类型：</a:t>
-            </a:r>
-            <a:endParaRPr lang="en-US" altLang="zh-CN" dirty="0"/>
-          </a:p>
-          <a:p>
-            <a:pPr lvl="1"/>
-            <a:r>
-              <a:rPr lang="en-US" altLang="zh-CN" dirty="0" err="1"/>
-              <a:t>longfist</a:t>
-            </a:r>
-            <a:r>
-              <a:rPr lang="en-US" altLang="zh-CN" dirty="0"/>
-              <a:t>\</a:t>
-            </a:r>
-            <a:r>
-              <a:rPr lang="en-US" altLang="zh-CN" dirty="0" err="1"/>
-              <a:t>longfist</a:t>
-            </a:r>
-            <a:r>
-              <a:rPr lang="en-US" altLang="zh-CN" dirty="0"/>
-              <a:t>\</a:t>
-            </a:r>
-            <a:r>
-              <a:rPr lang="en-US" altLang="zh-CN" dirty="0" err="1"/>
-              <a:t>LFConstants.h</a:t>
-            </a:r>
-            <a:endParaRPr lang="en-US" altLang="zh-CN" dirty="0"/>
-          </a:p>
-          <a:p>
-            <a:pPr lvl="1"/>
-            <a:r>
-              <a:rPr lang="en-US" altLang="zh-CN" dirty="0"/>
-              <a:t>python\kungfu\longfist\longfist_constants.py</a:t>
-            </a:r>
-          </a:p>
-          <a:p>
-            <a:pPr lvl="1"/>
-            <a:r>
-              <a:rPr lang="zh-CN" altLang="en-US" dirty="0"/>
-              <a:t>系统的消息类型</a:t>
-            </a:r>
-            <a:endParaRPr lang="en-US" altLang="zh-CN" dirty="0"/>
-          </a:p>
-          <a:p>
-            <a:pPr lvl="1"/>
-            <a:r>
-              <a:rPr lang="en-US" altLang="zh-CN" dirty="0"/>
-              <a:t>const short MSG_TYPE_LF_L2_MD         = 102;</a:t>
-            </a:r>
-          </a:p>
-          <a:p>
-            <a:pPr lvl="1"/>
-            <a:r>
-              <a:rPr lang="en-US" altLang="zh-CN" dirty="0"/>
-              <a:t>const short MSG_TYPE_LF_L2_INDEX      = 103;</a:t>
-            </a:r>
-          </a:p>
-          <a:p>
-            <a:pPr lvl="1"/>
-            <a:r>
-              <a:rPr lang="en-US" altLang="zh-CN" dirty="0"/>
-              <a:t>const short MSG_TYPE_LF_L2_ORDER      = 104;</a:t>
-            </a:r>
-          </a:p>
-          <a:p>
-            <a:pPr lvl="1"/>
-            <a:r>
-              <a:rPr lang="en-US" altLang="zh-CN" dirty="0"/>
-              <a:t>const short MSG_TYPE_LF_L2_TRADE      = 105;</a:t>
-            </a:r>
-          </a:p>
-          <a:p>
-            <a:pPr lvl="1"/>
-            <a:r>
-              <a:rPr lang="en-US" altLang="zh-CN" dirty="0"/>
-              <a:t>const short MSG_TYPE_LF_PRICE_BOOK_20 = 106;</a:t>
-            </a:r>
-          </a:p>
-          <a:p>
-            <a:pPr lvl="1"/>
-            <a:r>
-              <a:rPr lang="en-US" altLang="zh-CN" dirty="0"/>
-              <a:t>const short MSG_TYPE_LF_BAR_MD        = 110;</a:t>
-            </a:r>
-          </a:p>
-          <a:p>
-            <a:pPr lvl="1"/>
-            <a:r>
-              <a:rPr lang="en-US" altLang="zh-CN" dirty="0"/>
-              <a:t>const short MSG_TYPE_LF_QRY_POS       = 201;</a:t>
-            </a:r>
-          </a:p>
-          <a:p>
-            <a:pPr lvl="1"/>
-            <a:r>
-              <a:rPr lang="en-US" altLang="zh-CN" dirty="0"/>
-              <a:t>const short MSG_TYPE_LF_RSP_POS       = 202;</a:t>
-            </a:r>
-          </a:p>
-          <a:p>
-            <a:pPr lvl="1"/>
-            <a:r>
-              <a:rPr lang="en-US" altLang="zh-CN" dirty="0"/>
-              <a:t>const short MSG_TYPE_LF_ORDER         = </a:t>
-            </a:r>
-            <a:r>
-              <a:rPr lang="en-US" altLang="zh-CN" b="1" dirty="0"/>
-              <a:t>204</a:t>
-            </a:r>
-            <a:r>
-              <a:rPr lang="en-US" altLang="zh-CN" dirty="0"/>
-              <a:t>;</a:t>
-            </a:r>
-          </a:p>
-          <a:p>
-            <a:pPr lvl="1"/>
-            <a:r>
-              <a:rPr lang="en-US" altLang="zh-CN" dirty="0"/>
-              <a:t>const short MSG_TYPE_LF_RTN_ORDER     = </a:t>
-            </a:r>
-            <a:r>
-              <a:rPr lang="en-US" altLang="zh-CN" b="1" dirty="0"/>
-              <a:t>205</a:t>
-            </a:r>
-            <a:r>
-              <a:rPr lang="en-US" altLang="zh-CN" dirty="0"/>
-              <a:t>;</a:t>
-            </a:r>
-          </a:p>
-          <a:p>
-            <a:pPr lvl="1"/>
-            <a:r>
-              <a:rPr lang="en-US" altLang="zh-CN" dirty="0"/>
-              <a:t>const short MSG_TYPE_LF_RTN_TRADE     = </a:t>
-            </a:r>
-            <a:r>
-              <a:rPr lang="en-US" altLang="zh-CN" b="1" dirty="0"/>
-              <a:t>206</a:t>
-            </a:r>
-            <a:r>
-              <a:rPr lang="en-US" altLang="zh-CN" dirty="0"/>
-              <a:t>;</a:t>
-            </a:r>
-          </a:p>
-          <a:p>
-            <a:pPr lvl="1"/>
-            <a:r>
-              <a:rPr lang="en-US" altLang="zh-CN" dirty="0"/>
-              <a:t>const short MSG_TYPE_LF_ORDER_ACTION  = </a:t>
-            </a:r>
-            <a:r>
-              <a:rPr lang="en-US" altLang="zh-CN" b="1" dirty="0"/>
-              <a:t>207</a:t>
-            </a:r>
-            <a:r>
-              <a:rPr lang="en-US" altLang="zh-CN" dirty="0"/>
-              <a:t>;</a:t>
-            </a:r>
-          </a:p>
-          <a:p>
-            <a:pPr lvl="1"/>
-            <a:r>
-              <a:rPr lang="en-US" altLang="zh-CN" dirty="0"/>
-              <a:t>const short MSG_TYPE_LF_QRY_ACCOUNT   = 208;</a:t>
-            </a:r>
-          </a:p>
-          <a:p>
-            <a:pPr lvl="1"/>
-            <a:r>
-              <a:rPr lang="en-US" altLang="zh-CN" dirty="0"/>
-              <a:t>const short MSG_TYPE_LF_RSP_ACCOUNT   = 209;</a:t>
-            </a:r>
-            <a:endParaRPr lang="zh-CN" altLang="en-US" dirty="0"/>
-          </a:p>
-        </p:txBody>
-      </p:sp>
-    </p:spTree>
-    <p:extLst>
-      <p:ext uri="{BB962C8B-B14F-4D97-AF65-F5344CB8AC3E}">
-        <p14:creationId xmlns:p14="http://schemas.microsoft.com/office/powerpoint/2010/main" val="355632800"/>
-      </p:ext>
-    </p:extLst>
-  </p:cSld>
-  <p:clrMapOvr>
-    <a:masterClrMapping/>
-  </p:clrMapOvr>
-</p:sld>
-</file>
-
 <file path=ppt/slides/slide8.xml><?xml version="1.0" encoding="utf-8"?>
 <p:sld xmlns:a="http://schemas.openxmlformats.org/drawingml/2006/main" xmlns:r="http://schemas.openxmlformats.org/officeDocument/2006/relationships" xmlns:p="http://schemas.openxmlformats.org/presentationml/2006/main">
   <p:cSld>
@@ -13167,7 +14740,7 @@
           <p:cNvPr id="2" name="标题 1">
             <a:extLst>
               <a:ext uri="{FF2B5EF4-FFF2-40B4-BE49-F238E27FC236}">
-                <a16:creationId xmlns:a16="http://schemas.microsoft.com/office/drawing/2014/main" xmlns="" id="{C1D46FCD-5E4E-484A-816C-95F5D1303E72}"/>
+                <a16:creationId xmlns:a16="http://schemas.microsoft.com/office/drawing/2014/main" xmlns="" id="{767FE5B0-64BB-4D1A-9360-ACC773A03527}"/>
               </a:ext>
             </a:extLst>
           </p:cNvPr>
@@ -13189,7 +14762,7 @@
             </a:r>
             <a:r>
               <a:rPr lang="zh-CN" altLang="en-US" dirty="0"/>
-              <a:t>对消息体的定义</a:t>
+              <a:t>对消息类型的定义</a:t>
             </a:r>
           </a:p>
         </p:txBody>
@@ -13199,7 +14772,7 @@
           <p:cNvPr id="3" name="内容占位符 2">
             <a:extLst>
               <a:ext uri="{FF2B5EF4-FFF2-40B4-BE49-F238E27FC236}">
-                <a16:creationId xmlns:a16="http://schemas.microsoft.com/office/drawing/2014/main" xmlns="" id="{93FAD9C1-7988-478D-8F9D-94B6B0B4B0A8}"/>
+                <a16:creationId xmlns:a16="http://schemas.microsoft.com/office/drawing/2014/main" xmlns="" id="{4DBBC9B9-618A-4A57-BDEB-21AFF4DAF39E}"/>
               </a:ext>
             </a:extLst>
           </p:cNvPr>
@@ -13212,128 +14785,232 @@
         </p:nvSpPr>
         <p:spPr/>
         <p:txBody>
-          <a:bodyPr/>
-          <a:lstStyle/>
-          <a:p>
-            <a:r>
-              <a:rPr lang="en-US" altLang="zh-CN" dirty="0"/>
-              <a:t>201</a:t>
-            </a:r>
-            <a:r>
-              <a:rPr lang="zh-CN" altLang="en-US" dirty="0"/>
-              <a:t>查询持仓使用 </a:t>
-            </a:r>
-            <a:r>
-              <a:rPr lang="en-US" altLang="zh-CN" dirty="0" err="1"/>
-              <a:t>LFRspPositionField</a:t>
-            </a:r>
-            <a:endParaRPr lang="en-US" altLang="zh-CN" dirty="0"/>
-          </a:p>
-          <a:p>
-            <a:r>
-              <a:rPr lang="en-US" altLang="zh-CN" dirty="0"/>
-              <a:t>204</a:t>
-            </a:r>
-            <a:r>
-              <a:rPr lang="zh-CN" altLang="en-US" dirty="0"/>
-              <a:t>发单使用 </a:t>
-            </a:r>
-            <a:r>
-              <a:rPr lang="en-US" altLang="zh-CN" dirty="0" err="1"/>
-              <a:t>LFInputOrderField</a:t>
-            </a:r>
-            <a:endParaRPr lang="en-US" altLang="zh-CN" dirty="0"/>
-          </a:p>
-          <a:p>
-            <a:r>
-              <a:rPr lang="en-US" altLang="zh-CN" dirty="0"/>
-              <a:t>207</a:t>
-            </a:r>
-            <a:r>
-              <a:rPr lang="zh-CN" altLang="en-US" dirty="0"/>
-              <a:t>撤单使用 </a:t>
-            </a:r>
-            <a:r>
-              <a:rPr lang="en-US" altLang="zh-CN" dirty="0" err="1"/>
-              <a:t>LFOrderActionField</a:t>
-            </a:r>
-            <a:endParaRPr lang="en-US" altLang="zh-CN" dirty="0"/>
-          </a:p>
-          <a:p>
-            <a:r>
-              <a:rPr lang="en-US" altLang="zh-CN" dirty="0"/>
-              <a:t>205</a:t>
-            </a:r>
-            <a:r>
-              <a:rPr lang="zh-CN" altLang="en-US" dirty="0"/>
-              <a:t>状态回报使用</a:t>
-            </a:r>
-            <a:r>
-              <a:rPr lang="en-US" altLang="zh-CN" dirty="0" err="1"/>
-              <a:t>LFRtnOrderField</a:t>
-            </a:r>
-            <a:r>
-              <a:rPr lang="en-US" altLang="zh-CN" dirty="0"/>
-              <a:t> </a:t>
-            </a:r>
-          </a:p>
-          <a:p>
-            <a:pPr lvl="1"/>
-            <a:r>
-              <a:rPr lang="zh-CN" altLang="en-US" dirty="0"/>
-              <a:t>比如未成交，部分成交，全部成交，撤单成功等状态， 要回报给策略</a:t>
-            </a:r>
-            <a:endParaRPr lang="en-US" altLang="zh-CN" dirty="0"/>
-          </a:p>
-          <a:p>
-            <a:pPr lvl="1"/>
-            <a:r>
-              <a:rPr lang="zh-CN" altLang="en-US" dirty="0"/>
-              <a:t>状态回报要先于成交回报，之后才回报成交信息具体信息</a:t>
-            </a:r>
-          </a:p>
-          <a:p>
-            <a:endParaRPr lang="en-US" altLang="zh-CN" dirty="0"/>
-          </a:p>
-          <a:p>
-            <a:r>
-              <a:rPr lang="en-US" altLang="zh-CN" dirty="0"/>
-              <a:t>206</a:t>
-            </a:r>
-            <a:r>
-              <a:rPr lang="zh-CN" altLang="en-US" dirty="0"/>
-              <a:t>成交回报 </a:t>
-            </a:r>
-            <a:r>
-              <a:rPr lang="en-US" altLang="zh-CN" dirty="0" err="1"/>
-              <a:t>LFRtnTradeField</a:t>
-            </a:r>
-            <a:endParaRPr lang="en-US" altLang="zh-CN" dirty="0"/>
-          </a:p>
-          <a:p>
-            <a:pPr lvl="1"/>
-            <a:r>
-              <a:rPr lang="zh-CN" altLang="en-US" dirty="0"/>
-              <a:t>携带成交的量价信息</a:t>
-            </a:r>
-            <a:endParaRPr lang="en-US" altLang="zh-CN" dirty="0"/>
-          </a:p>
-          <a:p>
-            <a:pPr marL="457200" lvl="1" indent="0">
+          <a:bodyPr>
+            <a:normAutofit fontScale="47500" lnSpcReduction="20000"/>
+          </a:bodyPr>
+          <a:lstStyle/>
+          <a:p>
+            <a:pPr marL="0" indent="0">
               <a:buNone/>
             </a:pPr>
-            <a:endParaRPr lang="en-US" altLang="zh-CN" dirty="0"/>
-          </a:p>
-          <a:p>
-            <a:pPr marL="457200" lvl="1" indent="0">
-              <a:buNone/>
-            </a:pPr>
-            <a:endParaRPr lang="en-US" altLang="zh-CN" dirty="0"/>
-          </a:p>
-          <a:p>
-            <a:pPr marL="457200" lvl="1" indent="0">
-              <a:buNone/>
-            </a:pPr>
+            <a:r>
+              <a:rPr lang="zh-CN" altLang="en-US" dirty="0"/>
+              <a:t>消息的生产者和消费者：</a:t>
+            </a:r>
+            <a:endParaRPr lang="en-US" altLang="zh-CN" dirty="0"/>
+          </a:p>
+          <a:p>
+            <a:pPr lvl="1"/>
+            <a:r>
+              <a:rPr lang="en-US" altLang="zh-CN" dirty="0" err="1"/>
+              <a:t>wingchun</a:t>
+            </a:r>
+            <a:r>
+              <a:rPr lang="en-US" altLang="zh-CN" dirty="0"/>
+              <a:t>\md\IMDEngine.cpp</a:t>
+            </a:r>
+          </a:p>
+          <a:p>
+            <a:pPr lvl="1"/>
+            <a:r>
+              <a:rPr lang="en-US" altLang="zh-CN" dirty="0" err="1"/>
+              <a:t>wingchun</a:t>
+            </a:r>
+            <a:r>
+              <a:rPr lang="en-US" altLang="zh-CN" dirty="0"/>
+              <a:t>\td\ITDEngine.cpp</a:t>
+            </a:r>
+          </a:p>
+          <a:p>
+            <a:pPr lvl="1"/>
+            <a:r>
+              <a:rPr lang="en-US" altLang="zh-CN" dirty="0" err="1"/>
+              <a:t>wingchun</a:t>
+            </a:r>
+            <a:r>
+              <a:rPr lang="en-US" altLang="zh-CN" dirty="0"/>
+              <a:t>\strategy\IWCStrategy.cpp</a:t>
+            </a:r>
+            <a:br>
+              <a:rPr lang="en-US" altLang="zh-CN" dirty="0"/>
+            </a:br>
+            <a:endParaRPr lang="en-US" altLang="zh-CN" dirty="0"/>
+          </a:p>
+          <a:p>
+            <a:r>
+              <a:rPr lang="zh-CN" altLang="en-US" dirty="0"/>
+              <a:t>消息的类型：</a:t>
+            </a:r>
+            <a:endParaRPr lang="en-US" altLang="zh-CN" dirty="0"/>
+          </a:p>
+          <a:p>
+            <a:pPr lvl="1"/>
+            <a:r>
+              <a:rPr lang="en-US" altLang="zh-CN" dirty="0" err="1"/>
+              <a:t>longfist</a:t>
+            </a:r>
+            <a:r>
+              <a:rPr lang="en-US" altLang="zh-CN" dirty="0"/>
+              <a:t>\</a:t>
+            </a:r>
+            <a:r>
+              <a:rPr lang="en-US" altLang="zh-CN" dirty="0" err="1"/>
+              <a:t>longfist</a:t>
+            </a:r>
+            <a:r>
+              <a:rPr lang="en-US" altLang="zh-CN" dirty="0"/>
+              <a:t>\</a:t>
+            </a:r>
+            <a:r>
+              <a:rPr lang="en-US" altLang="zh-CN" dirty="0" err="1"/>
+              <a:t>LFConstants.h</a:t>
+            </a:r>
+            <a:endParaRPr lang="en-US" altLang="zh-CN" dirty="0"/>
+          </a:p>
+          <a:p>
+            <a:pPr lvl="1"/>
+            <a:r>
+              <a:rPr lang="en-US" altLang="zh-CN" dirty="0"/>
+              <a:t>python\kungfu\longfist\longfist_constants.py</a:t>
+            </a:r>
+          </a:p>
+          <a:p>
+            <a:pPr lvl="1"/>
+            <a:r>
+              <a:rPr lang="zh-CN" altLang="en-US" dirty="0"/>
+              <a:t>系统的消息类型</a:t>
+            </a:r>
+            <a:endParaRPr lang="en-US" altLang="zh-CN" dirty="0"/>
+          </a:p>
+          <a:p>
+            <a:pPr lvl="1"/>
+            <a:r>
+              <a:rPr lang="en-US" altLang="zh-CN" dirty="0"/>
+              <a:t>const short MSG_TYPE_LF_L2_MD         = 102;</a:t>
+            </a:r>
+          </a:p>
+          <a:p>
+            <a:pPr lvl="1"/>
+            <a:r>
+              <a:rPr lang="en-US" altLang="zh-CN" dirty="0"/>
+              <a:t>const short MSG_TYPE_LF_L2_INDEX      = 103;</a:t>
+            </a:r>
+          </a:p>
+          <a:p>
+            <a:pPr lvl="1"/>
+            <a:r>
+              <a:rPr lang="en-US" altLang="zh-CN" dirty="0"/>
+              <a:t>const short MSG_TYPE_LF_L2_ORDER      = 104;</a:t>
+            </a:r>
+          </a:p>
+          <a:p>
+            <a:pPr lvl="1"/>
+            <a:r>
+              <a:rPr lang="en-US" altLang="zh-CN" dirty="0"/>
+              <a:t>const short MSG_TYPE_LF_L2_TRADE      = 105;</a:t>
+            </a:r>
+          </a:p>
+          <a:p>
+            <a:pPr lvl="1"/>
+            <a:r>
+              <a:rPr lang="en-US" altLang="zh-CN" dirty="0"/>
+              <a:t>const short MSG_TYPE_LF_PRICE_BOOK_20 = 106;</a:t>
+            </a:r>
+          </a:p>
+          <a:p>
+            <a:pPr lvl="1"/>
+            <a:r>
+              <a:rPr lang="en-US" altLang="zh-CN" dirty="0"/>
+              <a:t>const short MSG_TYPE_LF_BAR_MD        = 110;</a:t>
+            </a:r>
+          </a:p>
+          <a:p>
+            <a:pPr lvl="1"/>
+            <a:r>
+              <a:rPr lang="en-US" altLang="zh-CN" dirty="0"/>
+              <a:t>const short MSG_TYPE_LF_QRY_POS       = 201;</a:t>
+            </a:r>
+          </a:p>
+          <a:p>
+            <a:pPr lvl="1"/>
+            <a:r>
+              <a:rPr lang="en-US" altLang="zh-CN" dirty="0"/>
+              <a:t>const short MSG_TYPE_LF_RSP_POS       = 202;</a:t>
+            </a:r>
+          </a:p>
+          <a:p>
+            <a:pPr lvl="1"/>
+            <a:r>
+              <a:rPr lang="en-US" altLang="zh-CN" dirty="0"/>
+              <a:t>const short MSG_TYPE_LF_ORDER         = </a:t>
+            </a:r>
+            <a:r>
+              <a:rPr lang="en-US" altLang="zh-CN" b="1" dirty="0"/>
+              <a:t>204</a:t>
+            </a:r>
+            <a:r>
+              <a:rPr lang="en-US" altLang="zh-CN" dirty="0"/>
+              <a:t>;</a:t>
+            </a:r>
+          </a:p>
+          <a:p>
+            <a:pPr lvl="1"/>
+            <a:r>
+              <a:rPr lang="en-US" altLang="zh-CN" dirty="0"/>
+              <a:t>const short MSG_TYPE_LF_RTN_ORDER     = </a:t>
+            </a:r>
+            <a:r>
+              <a:rPr lang="en-US" altLang="zh-CN" b="1" dirty="0"/>
+              <a:t>205</a:t>
+            </a:r>
+            <a:r>
+              <a:rPr lang="en-US" altLang="zh-CN" dirty="0"/>
+              <a:t>;</a:t>
+            </a:r>
+          </a:p>
+          <a:p>
+            <a:pPr lvl="1"/>
+            <a:r>
+              <a:rPr lang="en-US" altLang="zh-CN" dirty="0"/>
+              <a:t>const short MSG_TYPE_LF_RTN_TRADE     = </a:t>
+            </a:r>
+            <a:r>
+              <a:rPr lang="en-US" altLang="zh-CN" b="1" dirty="0"/>
+              <a:t>206</a:t>
+            </a:r>
+            <a:r>
+              <a:rPr lang="en-US" altLang="zh-CN" dirty="0"/>
+              <a:t>;</a:t>
+            </a:r>
+          </a:p>
+          <a:p>
+            <a:pPr lvl="1"/>
+            <a:r>
+              <a:rPr lang="en-US" altLang="zh-CN" dirty="0"/>
+              <a:t>const short MSG_TYPE_LF_ORDER_ACTION  = </a:t>
+            </a:r>
+            <a:r>
+              <a:rPr lang="en-US" altLang="zh-CN" b="1" dirty="0"/>
+              <a:t>207</a:t>
+            </a:r>
+            <a:r>
+              <a:rPr lang="en-US" altLang="zh-CN" dirty="0"/>
+              <a:t>;</a:t>
+            </a:r>
+          </a:p>
+          <a:p>
+            <a:pPr lvl="1"/>
+            <a:r>
+              <a:rPr lang="en-US" altLang="zh-CN" dirty="0"/>
+              <a:t>const short MSG_TYPE_LF_QRY_ACCOUNT   = 208;</a:t>
+            </a:r>
+          </a:p>
+          <a:p>
+            <a:pPr lvl="1"/>
+            <a:r>
+              <a:rPr lang="en-US" altLang="zh-CN" dirty="0"/>
+              <a:t>const short MSG_TYPE_LF_RSP_ACCOUNT   = 209;</a:t>
+            </a:r>
             <a:endParaRPr lang="zh-CN" altLang="en-US" dirty="0"/>
           </a:p>
         </p:txBody>
@@ -13341,7 +15018,7 @@
     </p:spTree>
     <p:extLst>
       <p:ext uri="{BB962C8B-B14F-4D97-AF65-F5344CB8AC3E}">
-        <p14:creationId xmlns:p14="http://schemas.microsoft.com/office/powerpoint/2010/main" val="1058913905"/>
+        <p14:creationId xmlns:p14="http://schemas.microsoft.com/office/powerpoint/2010/main" val="355632800"/>
       </p:ext>
     </p:extLst>
   </p:cSld>
@@ -13373,7 +15050,7 @@
           <p:cNvPr id="2" name="标题 1">
             <a:extLst>
               <a:ext uri="{FF2B5EF4-FFF2-40B4-BE49-F238E27FC236}">
-                <a16:creationId xmlns:a16="http://schemas.microsoft.com/office/drawing/2014/main" xmlns="" id="{EFFA665E-B7F6-4596-B928-E8950337A3DF}"/>
+                <a16:creationId xmlns:a16="http://schemas.microsoft.com/office/drawing/2014/main" xmlns="" id="{C1D46FCD-5E4E-484A-816C-95F5D1303E72}"/>
               </a:ext>
             </a:extLst>
           </p:cNvPr>
@@ -13390,8 +15067,12 @@
           <a:lstStyle/>
           <a:p>
             <a:r>
-              <a:rPr lang="zh-CN" altLang="en-US" dirty="0"/>
-              <a:t>策略模块的处理逻辑</a:t>
+              <a:rPr lang="en-US" altLang="zh-CN" dirty="0"/>
+              <a:t>Kungfu</a:t>
+            </a:r>
+            <a:r>
+              <a:rPr lang="zh-CN" altLang="en-US" dirty="0"/>
+              <a:t>对消息体的定义</a:t>
             </a:r>
           </a:p>
         </p:txBody>
@@ -13401,7 +15082,7 @@
           <p:cNvPr id="3" name="内容占位符 2">
             <a:extLst>
               <a:ext uri="{FF2B5EF4-FFF2-40B4-BE49-F238E27FC236}">
-                <a16:creationId xmlns:a16="http://schemas.microsoft.com/office/drawing/2014/main" xmlns="" id="{385F129A-4A2D-4FDA-8C2C-8DEC43459F8E}"/>
+                <a16:creationId xmlns:a16="http://schemas.microsoft.com/office/drawing/2014/main" xmlns="" id="{93FAD9C1-7988-478D-8F9D-94B6B0B4B0A8}"/>
               </a:ext>
             </a:extLst>
           </p:cNvPr>
@@ -13414,73 +15095,76 @@
         </p:nvSpPr>
         <p:spPr/>
         <p:txBody>
-          <a:bodyPr>
-            <a:normAutofit fontScale="92500"/>
-          </a:bodyPr>
-          <a:lstStyle/>
-          <a:p>
-            <a:r>
-              <a:rPr lang="zh-CN" altLang="en-US" dirty="0"/>
-              <a:t>策略产生的输出</a:t>
-            </a:r>
-            <a:endParaRPr lang="en-US" altLang="zh-CN" dirty="0"/>
+          <a:bodyPr/>
+          <a:lstStyle/>
+          <a:p>
+            <a:r>
+              <a:rPr lang="en-US" altLang="zh-CN" dirty="0"/>
+              <a:t>201</a:t>
+            </a:r>
+            <a:r>
+              <a:rPr lang="zh-CN" altLang="en-US" dirty="0"/>
+              <a:t>查询持仓使用 </a:t>
+            </a:r>
+            <a:r>
+              <a:rPr lang="en-US" altLang="zh-CN" dirty="0" err="1"/>
+              <a:t>LFRspPositionField</a:t>
+            </a:r>
+            <a:endParaRPr lang="en-US" altLang="zh-CN" dirty="0"/>
+          </a:p>
+          <a:p>
+            <a:r>
+              <a:rPr lang="en-US" altLang="zh-CN" dirty="0"/>
+              <a:t>204</a:t>
+            </a:r>
+            <a:r>
+              <a:rPr lang="zh-CN" altLang="en-US" dirty="0"/>
+              <a:t>发单使用 </a:t>
+            </a:r>
+            <a:r>
+              <a:rPr lang="en-US" altLang="zh-CN" dirty="0" err="1"/>
+              <a:t>LFInputOrderField</a:t>
+            </a:r>
+            <a:endParaRPr lang="en-US" altLang="zh-CN" dirty="0"/>
+          </a:p>
+          <a:p>
+            <a:r>
+              <a:rPr lang="en-US" altLang="zh-CN" dirty="0"/>
+              <a:t>207</a:t>
+            </a:r>
+            <a:r>
+              <a:rPr lang="zh-CN" altLang="en-US" dirty="0"/>
+              <a:t>撤单使用 </a:t>
+            </a:r>
+            <a:r>
+              <a:rPr lang="en-US" altLang="zh-CN" dirty="0" err="1"/>
+              <a:t>LFOrderActionField</a:t>
+            </a:r>
+            <a:endParaRPr lang="en-US" altLang="zh-CN" dirty="0"/>
+          </a:p>
+          <a:p>
+            <a:r>
+              <a:rPr lang="en-US" altLang="zh-CN" dirty="0"/>
+              <a:t>205</a:t>
+            </a:r>
+            <a:r>
+              <a:rPr lang="zh-CN" altLang="en-US" dirty="0"/>
+              <a:t>状态回报使用</a:t>
+            </a:r>
+            <a:r>
+              <a:rPr lang="en-US" altLang="zh-CN" dirty="0" err="1"/>
+              <a:t>LFRtnOrderField</a:t>
+            </a:r>
+            <a:r>
+              <a:rPr lang="en-US" altLang="zh-CN" dirty="0"/>
+              <a:t> </a:t>
+            </a:r>
           </a:p>
           <a:p>
             <a:pPr lvl="1"/>
             <a:r>
               <a:rPr lang="zh-CN" altLang="en-US" dirty="0"/>
-              <a:t>通过写入</a:t>
-            </a:r>
-            <a:r>
-              <a:rPr lang="en-US" altLang="zh-CN" dirty="0"/>
-              <a:t>journal</a:t>
-            </a:r>
-            <a:r>
-              <a:rPr lang="zh-CN" altLang="en-US" dirty="0"/>
-              <a:t>发送给</a:t>
-            </a:r>
-            <a:r>
-              <a:rPr lang="en-US" altLang="zh-CN" dirty="0"/>
-              <a:t>TD</a:t>
-            </a:r>
-            <a:r>
-              <a:rPr lang="zh-CN" altLang="en-US" dirty="0"/>
-              <a:t>消息，如查询持仓方法，发单方法，撤单方法，对应于 </a:t>
-            </a:r>
-            <a:r>
-              <a:rPr lang="en-US" altLang="zh-CN" dirty="0" err="1"/>
-              <a:t>req_position</a:t>
-            </a:r>
-            <a:r>
-              <a:rPr lang="zh-CN" altLang="en-US" dirty="0"/>
-              <a:t>，</a:t>
-            </a:r>
-            <a:r>
-              <a:rPr lang="en-US" altLang="zh-CN" dirty="0" err="1"/>
-              <a:t>insert_market_order</a:t>
-            </a:r>
-            <a:r>
-              <a:rPr lang="zh-CN" altLang="en-US" dirty="0"/>
-              <a:t>，</a:t>
-            </a:r>
-            <a:r>
-              <a:rPr lang="en-US" altLang="zh-CN" dirty="0" err="1"/>
-              <a:t>insert_limit_order</a:t>
-            </a:r>
-            <a:r>
-              <a:rPr lang="zh-CN" altLang="en-US" dirty="0"/>
-              <a:t>，</a:t>
-            </a:r>
-            <a:r>
-              <a:rPr lang="en-US" altLang="zh-CN" dirty="0" err="1"/>
-              <a:t>cancel_order</a:t>
-            </a:r>
-            <a:endParaRPr lang="en-US" altLang="zh-CN" dirty="0"/>
-          </a:p>
-          <a:p>
-            <a:r>
-              <a:rPr lang="zh-CN" altLang="en-US" dirty="0"/>
-              <a:t>策略得到的输入</a:t>
+              <a:t>比如未成交，部分成交，全部成交，撤单成功等状态， 要回报给策略</a:t>
             </a:r>
             <a:endParaRPr lang="en-US" altLang="zh-CN" dirty="0"/>
           </a:p>
@@ -13488,119 +15172,51 @@
             <a:pPr lvl="1"/>
             <a:r>
               <a:rPr lang="zh-CN" altLang="en-US" dirty="0"/>
-              <a:t>策略通过轮询</a:t>
-            </a:r>
-            <a:r>
-              <a:rPr lang="en-US" altLang="zh-CN" dirty="0"/>
-              <a:t>MD </a:t>
-            </a:r>
-            <a:r>
-              <a:rPr lang="zh-CN" altLang="en-US" dirty="0"/>
-              <a:t>收到的各种行情，如</a:t>
-            </a:r>
-            <a:r>
-              <a:rPr lang="en-US" altLang="zh-CN" dirty="0" err="1"/>
-              <a:t>on_market_data</a:t>
-            </a:r>
-            <a:r>
-              <a:rPr lang="zh-CN" altLang="en-US" dirty="0"/>
-              <a:t>，</a:t>
-            </a:r>
-            <a:r>
-              <a:rPr lang="en-US" altLang="zh-CN" dirty="0" err="1"/>
-              <a:t>on_price_book_update</a:t>
+              <a:t>状态回报要先于成交回报，之后才回报成交信息具体信息</a:t>
+            </a:r>
+          </a:p>
+          <a:p>
+            <a:endParaRPr lang="en-US" altLang="zh-CN" dirty="0"/>
+          </a:p>
+          <a:p>
+            <a:r>
+              <a:rPr lang="en-US" altLang="zh-CN" dirty="0"/>
+              <a:t>206</a:t>
+            </a:r>
+            <a:r>
+              <a:rPr lang="zh-CN" altLang="en-US" dirty="0"/>
+              <a:t>成交回报 </a:t>
+            </a:r>
+            <a:r>
+              <a:rPr lang="en-US" altLang="zh-CN" dirty="0" err="1"/>
+              <a:t>LFRtnTradeField</a:t>
             </a:r>
             <a:endParaRPr lang="en-US" altLang="zh-CN" dirty="0"/>
           </a:p>
           <a:p>
             <a:pPr lvl="1"/>
             <a:r>
-              <a:rPr lang="en-US" altLang="zh-CN" dirty="0"/>
-              <a:t>TD</a:t>
-            </a:r>
-            <a:r>
-              <a:rPr lang="zh-CN" altLang="en-US" dirty="0"/>
-              <a:t>在发单，撤单时遇到错误，写入</a:t>
-            </a:r>
-            <a:r>
-              <a:rPr lang="en-US" altLang="zh-CN" dirty="0"/>
-              <a:t>journal</a:t>
-            </a:r>
-            <a:r>
-              <a:rPr lang="zh-CN" altLang="en-US" dirty="0"/>
-              <a:t>，策略通过轮询被通知到，比如发单出错时</a:t>
-            </a:r>
-            <a:r>
-              <a:rPr lang="en-US" altLang="zh-CN" dirty="0" err="1"/>
-              <a:t>on_rsp_order</a:t>
-            </a:r>
-            <a:r>
-              <a:rPr lang="zh-CN" altLang="en-US" dirty="0"/>
-              <a:t>，撤单出错时</a:t>
-            </a:r>
-            <a:r>
-              <a:rPr lang="en-US" altLang="zh-CN" dirty="0" err="1"/>
-              <a:t>on_rsp_order_action</a:t>
-            </a:r>
-            <a:endParaRPr lang="en-US" altLang="zh-CN" dirty="0"/>
-          </a:p>
-          <a:p>
-            <a:pPr lvl="1"/>
-            <a:r>
-              <a:rPr lang="en-US" altLang="zh-CN" dirty="0"/>
-              <a:t>TD</a:t>
-            </a:r>
-            <a:r>
-              <a:rPr lang="zh-CN" altLang="en-US" dirty="0"/>
-              <a:t>从交易所得到的状态和成交回报，写入</a:t>
-            </a:r>
-            <a:r>
-              <a:rPr lang="en-US" altLang="zh-CN" dirty="0"/>
-              <a:t>journal</a:t>
-            </a:r>
-            <a:r>
-              <a:rPr lang="zh-CN" altLang="en-US" dirty="0"/>
-              <a:t>，策略通过轮询被通知到，如 </a:t>
-            </a:r>
-            <a:r>
-              <a:rPr lang="en-US" altLang="zh-CN" dirty="0" err="1"/>
-              <a:t>on_rtn_order</a:t>
-            </a:r>
-            <a:r>
-              <a:rPr lang="zh-CN" altLang="en-US" dirty="0"/>
-              <a:t>，</a:t>
-            </a:r>
-            <a:r>
-              <a:rPr lang="en-US" altLang="zh-CN" dirty="0" err="1"/>
-              <a:t>on_rtn_trade</a:t>
-            </a:r>
-            <a:endParaRPr lang="en-US" altLang="zh-CN" dirty="0"/>
-          </a:p>
-          <a:p>
-            <a:pPr lvl="1"/>
-            <a:r>
-              <a:rPr lang="en-US" altLang="zh-CN" dirty="0"/>
-              <a:t>TD</a:t>
-            </a:r>
-            <a:r>
-              <a:rPr lang="zh-CN" altLang="en-US" dirty="0"/>
-              <a:t>从交易所得到的持仓信息，写入</a:t>
-            </a:r>
-            <a:r>
-              <a:rPr lang="en-US" altLang="zh-CN" dirty="0"/>
-              <a:t>journal</a:t>
-            </a:r>
-            <a:r>
-              <a:rPr lang="zh-CN" altLang="en-US" dirty="0"/>
-              <a:t>，策略通过轮询被通知到，如 </a:t>
-            </a:r>
-            <a:r>
-              <a:rPr lang="en-US" altLang="zh-CN" dirty="0" err="1"/>
-              <a:t>on_rsp_position</a:t>
-            </a:r>
-            <a:endParaRPr lang="en-US" altLang="zh-CN" dirty="0"/>
-          </a:p>
-          <a:p>
+              <a:rPr lang="zh-CN" altLang="en-US" dirty="0"/>
+              <a:t>携带成交的量价信息</a:t>
+            </a:r>
+            <a:endParaRPr lang="en-US" altLang="zh-CN" dirty="0"/>
+          </a:p>
+          <a:p>
+            <a:pPr marL="457200" lvl="1" indent="0">
+              <a:buNone/>
+            </a:pPr>
+            <a:endParaRPr lang="en-US" altLang="zh-CN" dirty="0"/>
+          </a:p>
+          <a:p>
+            <a:pPr marL="457200" lvl="1" indent="0">
+              <a:buNone/>
+            </a:pPr>
+            <a:endParaRPr lang="en-US" altLang="zh-CN" dirty="0"/>
+          </a:p>
+          <a:p>
+            <a:pPr marL="457200" lvl="1" indent="0">
+              <a:buNone/>
+            </a:pPr>
             <a:endParaRPr lang="zh-CN" altLang="en-US" dirty="0"/>
           </a:p>
         </p:txBody>
@@ -13608,7 +15224,7 @@
     </p:spTree>
     <p:extLst>
       <p:ext uri="{BB962C8B-B14F-4D97-AF65-F5344CB8AC3E}">
-        <p14:creationId xmlns:p14="http://schemas.microsoft.com/office/powerpoint/2010/main" val="36599798"/>
+        <p14:creationId xmlns:p14="http://schemas.microsoft.com/office/powerpoint/2010/main" val="1058913905"/>
       </p:ext>
     </p:extLst>
   </p:cSld>
